--- a/SE495/Lectures/1-Introduction/Introduction.pptx
+++ b/SE495/Lectures/1-Introduction/Introduction.pptx
@@ -5,7 +5,7 @@
     <p:sldMasterId id="2147483648" r:id="rId1"/>
   </p:sldMasterIdLst>
   <p:notesMasterIdLst>
-    <p:notesMasterId r:id="rId41"/>
+    <p:notesMasterId r:id="rId53"/>
   </p:notesMasterIdLst>
   <p:sldIdLst>
     <p:sldId id="256" r:id="rId2"/>
@@ -14,39 +14,51 @@
     <p:sldId id="779" r:id="rId5"/>
     <p:sldId id="780" r:id="rId6"/>
     <p:sldId id="793" r:id="rId7"/>
-    <p:sldId id="715" r:id="rId8"/>
-    <p:sldId id="797" r:id="rId9"/>
-    <p:sldId id="794" r:id="rId10"/>
-    <p:sldId id="798" r:id="rId11"/>
-    <p:sldId id="795" r:id="rId12"/>
-    <p:sldId id="796" r:id="rId13"/>
-    <p:sldId id="716" r:id="rId14"/>
-    <p:sldId id="781" r:id="rId15"/>
-    <p:sldId id="800" r:id="rId16"/>
-    <p:sldId id="801" r:id="rId17"/>
-    <p:sldId id="802" r:id="rId18"/>
-    <p:sldId id="782" r:id="rId19"/>
-    <p:sldId id="783" r:id="rId20"/>
-    <p:sldId id="784" r:id="rId21"/>
-    <p:sldId id="785" r:id="rId22"/>
-    <p:sldId id="717" r:id="rId23"/>
-    <p:sldId id="776" r:id="rId24"/>
-    <p:sldId id="777" r:id="rId25"/>
-    <p:sldId id="778" r:id="rId26"/>
-    <p:sldId id="747" r:id="rId27"/>
-    <p:sldId id="773" r:id="rId28"/>
-    <p:sldId id="774" r:id="rId29"/>
-    <p:sldId id="787" r:id="rId30"/>
-    <p:sldId id="786" r:id="rId31"/>
-    <p:sldId id="788" r:id="rId32"/>
-    <p:sldId id="789" r:id="rId33"/>
-    <p:sldId id="799" r:id="rId34"/>
-    <p:sldId id="790" r:id="rId35"/>
-    <p:sldId id="791" r:id="rId36"/>
-    <p:sldId id="792" r:id="rId37"/>
-    <p:sldId id="804" r:id="rId38"/>
-    <p:sldId id="803" r:id="rId39"/>
-    <p:sldId id="805" r:id="rId40"/>
+    <p:sldId id="806" r:id="rId8"/>
+    <p:sldId id="715" r:id="rId9"/>
+    <p:sldId id="797" r:id="rId10"/>
+    <p:sldId id="794" r:id="rId11"/>
+    <p:sldId id="798" r:id="rId12"/>
+    <p:sldId id="795" r:id="rId13"/>
+    <p:sldId id="796" r:id="rId14"/>
+    <p:sldId id="807" r:id="rId15"/>
+    <p:sldId id="716" r:id="rId16"/>
+    <p:sldId id="781" r:id="rId17"/>
+    <p:sldId id="800" r:id="rId18"/>
+    <p:sldId id="801" r:id="rId19"/>
+    <p:sldId id="802" r:id="rId20"/>
+    <p:sldId id="782" r:id="rId21"/>
+    <p:sldId id="783" r:id="rId22"/>
+    <p:sldId id="784" r:id="rId23"/>
+    <p:sldId id="785" r:id="rId24"/>
+    <p:sldId id="717" r:id="rId25"/>
+    <p:sldId id="776" r:id="rId26"/>
+    <p:sldId id="777" r:id="rId27"/>
+    <p:sldId id="257" r:id="rId28"/>
+    <p:sldId id="258" r:id="rId29"/>
+    <p:sldId id="259" r:id="rId30"/>
+    <p:sldId id="260" r:id="rId31"/>
+    <p:sldId id="261" r:id="rId32"/>
+    <p:sldId id="262" r:id="rId33"/>
+    <p:sldId id="264" r:id="rId34"/>
+    <p:sldId id="263" r:id="rId35"/>
+    <p:sldId id="265" r:id="rId36"/>
+    <p:sldId id="266" r:id="rId37"/>
+    <p:sldId id="774" r:id="rId38"/>
+    <p:sldId id="808" r:id="rId39"/>
+    <p:sldId id="787" r:id="rId40"/>
+    <p:sldId id="788" r:id="rId41"/>
+    <p:sldId id="789" r:id="rId42"/>
+    <p:sldId id="799" r:id="rId43"/>
+    <p:sldId id="790" r:id="rId44"/>
+    <p:sldId id="791" r:id="rId45"/>
+    <p:sldId id="792" r:id="rId46"/>
+    <p:sldId id="809" r:id="rId47"/>
+    <p:sldId id="803" r:id="rId48"/>
+    <p:sldId id="805" r:id="rId49"/>
+    <p:sldId id="810" r:id="rId50"/>
+    <p:sldId id="811" r:id="rId51"/>
+    <p:sldId id="812" r:id="rId52"/>
   </p:sldIdLst>
   <p:sldSz cx="12192000" cy="6858000"/>
   <p:notesSz cx="6858000" cy="9144000"/>
@@ -151,35 +163,6 @@
     </p:ext>
   </p:extLst>
 </p:presentation>
-</file>
-
-<file path=ppt/changesInfos/changesInfo1.xml><?xml version="1.0" encoding="utf-8"?>
-<pc:chgInfo xmlns:a="http://schemas.openxmlformats.org/drawingml/2006/main" xmlns:r="http://schemas.openxmlformats.org/officeDocument/2006/relationships" xmlns:ac="http://schemas.microsoft.com/office/drawing/2013/main/command" xmlns:pc="http://schemas.microsoft.com/office/powerpoint/2013/main/command">
-  <pc:docChgLst>
-    <pc:chgData name="Mamdouh Alenezi" userId="aaa25a7cb57ba53e" providerId="LiveId" clId="{1C9E1182-6277-43A7-837D-71BBADE35AB7}"/>
-    <pc:docChg chg="custSel modSld">
-      <pc:chgData name="Mamdouh Alenezi" userId="aaa25a7cb57ba53e" providerId="LiveId" clId="{1C9E1182-6277-43A7-837D-71BBADE35AB7}" dt="2022-04-01T02:45:00.476" v="0" actId="313"/>
-      <pc:docMkLst>
-        <pc:docMk/>
-      </pc:docMkLst>
-      <pc:sldChg chg="modSp mod">
-        <pc:chgData name="Mamdouh Alenezi" userId="aaa25a7cb57ba53e" providerId="LiveId" clId="{1C9E1182-6277-43A7-837D-71BBADE35AB7}" dt="2022-04-01T02:45:00.476" v="0" actId="313"/>
-        <pc:sldMkLst>
-          <pc:docMk/>
-          <pc:sldMk cId="2924300342" sldId="495"/>
-        </pc:sldMkLst>
-        <pc:spChg chg="mod">
-          <ac:chgData name="Mamdouh Alenezi" userId="aaa25a7cb57ba53e" providerId="LiveId" clId="{1C9E1182-6277-43A7-837D-71BBADE35AB7}" dt="2022-04-01T02:45:00.476" v="0" actId="313"/>
-          <ac:spMkLst>
-            <pc:docMk/>
-            <pc:sldMk cId="2924300342" sldId="495"/>
-            <ac:spMk id="2" creationId="{00000000-0000-0000-0000-000000000000}"/>
-          </ac:spMkLst>
-        </pc:spChg>
-      </pc:sldChg>
-    </pc:docChg>
-  </pc:docChgLst>
-</pc:chgInfo>
 </file>
 
 <file path=ppt/diagrams/colors1.xml><?xml version="1.0" encoding="utf-8"?>
@@ -951,14 +934,11 @@
         <a:lstStyle/>
         <a:p>
           <a:r>
-            <a:rPr lang="en-US" dirty="0" smtClean="0">
+            <a:rPr lang="en-US" dirty="0">
               <a:latin typeface="Candara" panose="020E0502030303020204" pitchFamily="34" charset="0"/>
             </a:rPr>
             <a:t>Planning and feasibility analysis</a:t>
           </a:r>
-          <a:endParaRPr lang="en-US" dirty="0">
-            <a:latin typeface="Candara" panose="020E0502030303020204" pitchFamily="34" charset="0"/>
-          </a:endParaRPr>
         </a:p>
       </dgm:t>
     </dgm:pt>
@@ -996,7 +976,7 @@
         <a:lstStyle/>
         <a:p>
           <a:r>
-            <a:rPr lang="en-US" smtClean="0">
+            <a:rPr lang="en-US">
               <a:latin typeface="Candara" panose="020E0502030303020204" pitchFamily="34" charset="0"/>
             </a:rPr>
             <a:t>Architecture modeling</a:t>
@@ -1041,7 +1021,7 @@
         <a:lstStyle/>
         <a:p>
           <a:r>
-            <a:rPr lang="en-US" smtClean="0">
+            <a:rPr lang="en-US">
               <a:latin typeface="Candara" panose="020E0502030303020204" pitchFamily="34" charset="0"/>
             </a:rPr>
             <a:t>Implementation</a:t>
@@ -1086,7 +1066,7 @@
         <a:lstStyle/>
         <a:p>
           <a:r>
-            <a:rPr lang="en-US" smtClean="0">
+            <a:rPr lang="en-US">
               <a:latin typeface="Candara" panose="020E0502030303020204" pitchFamily="34" charset="0"/>
             </a:rPr>
             <a:t>Maintenance</a:t>
@@ -1164,13 +1144,6 @@
         </dgm:presLayoutVars>
       </dgm:prSet>
       <dgm:spPr/>
-      <dgm:t>
-        <a:bodyPr/>
-        <a:lstStyle/>
-        <a:p>
-          <a:endParaRPr lang="en-US"/>
-        </a:p>
-      </dgm:t>
     </dgm:pt>
     <dgm:pt modelId="{D396485F-8859-44E5-BD2A-FF291F6A1395}" type="pres">
       <dgm:prSet presAssocID="{F6176434-7F19-49E5-8C63-2579B50E6C9A}" presName="accent_1" presStyleCnt="0"/>
@@ -1230,16 +1203,16 @@
     </dgm:pt>
   </dgm:ptLst>
   <dgm:cxnLst>
-    <dgm:cxn modelId="{162B60C7-6E71-449A-8436-B00BC338C271}" type="presOf" srcId="{D7C42D24-B06C-4F32-880A-82CE511F6763}" destId="{FC6B387B-C6FC-48F8-883D-DD78BA0892B8}" srcOrd="0" destOrd="0" presId="urn:microsoft.com/office/officeart/2008/layout/VerticalCurvedList"/>
+    <dgm:cxn modelId="{9D02CA19-C07C-4A72-AFB3-013502A33AAD}" type="presOf" srcId="{3B902A42-9C1E-4F12-9FB9-3C11430AFFE2}" destId="{2DF9C24D-8D3B-4523-B31B-661475C69A0C}" srcOrd="0" destOrd="0" presId="urn:microsoft.com/office/officeart/2008/layout/VerticalCurvedList"/>
     <dgm:cxn modelId="{7163D82A-CC64-4519-8F18-04635900EA0B}" srcId="{1DBB7E2D-0637-49B8-A51A-9335B1DD5A74}" destId="{F6176434-7F19-49E5-8C63-2579B50E6C9A}" srcOrd="0" destOrd="0" parTransId="{B52D0712-2A5A-4433-9E20-1BE6676CEA85}" sibTransId="{3B902A42-9C1E-4F12-9FB9-3C11430AFFE2}"/>
     <dgm:cxn modelId="{AD767A2D-99AB-41DB-A555-7AB37B37EB3F}" type="presOf" srcId="{F6176434-7F19-49E5-8C63-2579B50E6C9A}" destId="{CCBCAC11-F61D-4E1A-BBCB-509ABB6AADD0}" srcOrd="0" destOrd="0" presId="urn:microsoft.com/office/officeart/2008/layout/VerticalCurvedList"/>
-    <dgm:cxn modelId="{9D02CA19-C07C-4A72-AFB3-013502A33AAD}" type="presOf" srcId="{3B902A42-9C1E-4F12-9FB9-3C11430AFFE2}" destId="{2DF9C24D-8D3B-4523-B31B-661475C69A0C}" srcOrd="0" destOrd="0" presId="urn:microsoft.com/office/officeart/2008/layout/VerticalCurvedList"/>
+    <dgm:cxn modelId="{F429AE43-8C7D-415D-88F4-5CCDD42854FA}" srcId="{1DBB7E2D-0637-49B8-A51A-9335B1DD5A74}" destId="{43291466-EC55-4347-A291-EC638E64491D}" srcOrd="2" destOrd="0" parTransId="{F6DF96A9-FCCC-400A-9184-A4D1AA5A49FC}" sibTransId="{3E3F3FFF-8176-43F3-BC11-EEAA3245287F}"/>
+    <dgm:cxn modelId="{DCD0EC4C-BB45-4497-9747-E45A4730B8DB}" type="presOf" srcId="{1DBB7E2D-0637-49B8-A51A-9335B1DD5A74}" destId="{65286339-C650-41AB-949A-B9CF18FAA8F2}" srcOrd="0" destOrd="0" presId="urn:microsoft.com/office/officeart/2008/layout/VerticalCurvedList"/>
     <dgm:cxn modelId="{2AD4B84F-4EB4-4CE7-83F3-9B39D16C38C9}" type="presOf" srcId="{5E94C465-40E8-42D8-B0C4-71A9111CD532}" destId="{B313FACB-E0CB-42F0-8A87-FD8BB5070CF8}" srcOrd="0" destOrd="0" presId="urn:microsoft.com/office/officeart/2008/layout/VerticalCurvedList"/>
-    <dgm:cxn modelId="{DCD0EC4C-BB45-4497-9747-E45A4730B8DB}" type="presOf" srcId="{1DBB7E2D-0637-49B8-A51A-9335B1DD5A74}" destId="{65286339-C650-41AB-949A-B9CF18FAA8F2}" srcOrd="0" destOrd="0" presId="urn:microsoft.com/office/officeart/2008/layout/VerticalCurvedList"/>
-    <dgm:cxn modelId="{18BE85EA-44FD-4B92-9E60-9230FDA546AB}" srcId="{1DBB7E2D-0637-49B8-A51A-9335B1DD5A74}" destId="{5E94C465-40E8-42D8-B0C4-71A9111CD532}" srcOrd="1" destOrd="0" parTransId="{54CC1DEA-3B53-4FB7-B019-A3275E73F072}" sibTransId="{83101379-0A09-4B72-A652-1ABB73333161}"/>
     <dgm:cxn modelId="{6AE9877F-6190-4DDB-812D-0AD4B02D0831}" type="presOf" srcId="{43291466-EC55-4347-A291-EC638E64491D}" destId="{E8C2FBF4-B3B5-43E6-8809-17429E61E489}" srcOrd="0" destOrd="0" presId="urn:microsoft.com/office/officeart/2008/layout/VerticalCurvedList"/>
     <dgm:cxn modelId="{1136279C-AFD0-4D83-8C3C-1798DA8CF868}" srcId="{1DBB7E2D-0637-49B8-A51A-9335B1DD5A74}" destId="{D7C42D24-B06C-4F32-880A-82CE511F6763}" srcOrd="3" destOrd="0" parTransId="{A643244F-5D71-4A56-B425-5AB1ED325789}" sibTransId="{A4BFC670-6A94-406C-BAFD-595D9711C194}"/>
-    <dgm:cxn modelId="{F429AE43-8C7D-415D-88F4-5CCDD42854FA}" srcId="{1DBB7E2D-0637-49B8-A51A-9335B1DD5A74}" destId="{43291466-EC55-4347-A291-EC638E64491D}" srcOrd="2" destOrd="0" parTransId="{F6DF96A9-FCCC-400A-9184-A4D1AA5A49FC}" sibTransId="{3E3F3FFF-8176-43F3-BC11-EEAA3245287F}"/>
+    <dgm:cxn modelId="{162B60C7-6E71-449A-8436-B00BC338C271}" type="presOf" srcId="{D7C42D24-B06C-4F32-880A-82CE511F6763}" destId="{FC6B387B-C6FC-48F8-883D-DD78BA0892B8}" srcOrd="0" destOrd="0" presId="urn:microsoft.com/office/officeart/2008/layout/VerticalCurvedList"/>
+    <dgm:cxn modelId="{18BE85EA-44FD-4B92-9E60-9230FDA546AB}" srcId="{1DBB7E2D-0637-49B8-A51A-9335B1DD5A74}" destId="{5E94C465-40E8-42D8-B0C4-71A9111CD532}" srcOrd="1" destOrd="0" parTransId="{54CC1DEA-3B53-4FB7-B019-A3275E73F072}" sibTransId="{83101379-0A09-4B72-A652-1ABB73333161}"/>
     <dgm:cxn modelId="{871F794F-C815-4405-9E9B-68A943737DB2}" type="presParOf" srcId="{65286339-C650-41AB-949A-B9CF18FAA8F2}" destId="{2726EC9B-28D1-4F9C-A850-C02C0118C607}" srcOrd="0" destOrd="0" presId="urn:microsoft.com/office/officeart/2008/layout/VerticalCurvedList"/>
     <dgm:cxn modelId="{545478CC-CE50-400E-B20E-9B2A4E47C53E}" type="presParOf" srcId="{2726EC9B-28D1-4F9C-A850-C02C0118C607}" destId="{5A4736F1-1C69-4AF4-A3D1-8134E166DA02}" srcOrd="0" destOrd="0" presId="urn:microsoft.com/office/officeart/2008/layout/VerticalCurvedList"/>
     <dgm:cxn modelId="{ED39B7B3-0A94-4313-A9A3-2A05768CE5FD}" type="presParOf" srcId="{5A4736F1-1C69-4AF4-A3D1-8134E166DA02}" destId="{07131C9D-2E12-4F0B-A64B-FCCA74B55675}" srcOrd="0" destOrd="0" presId="urn:microsoft.com/office/officeart/2008/layout/VerticalCurvedList"/>
@@ -1378,7 +1351,7 @@
         </a:bodyPr>
         <a:lstStyle/>
         <a:p>
-          <a:pPr lvl="0" algn="l" defTabSz="1911350">
+          <a:pPr marL="0" lvl="0" indent="0" algn="l" defTabSz="1911350">
             <a:lnSpc>
               <a:spcPct val="90000"/>
             </a:lnSpc>
@@ -1388,16 +1361,14 @@
             <a:spcAft>
               <a:spcPct val="35000"/>
             </a:spcAft>
+            <a:buNone/>
           </a:pPr>
           <a:r>
-            <a:rPr lang="en-US" sz="4300" kern="1200" dirty="0" smtClean="0">
+            <a:rPr lang="en-US" sz="4300" kern="1200" dirty="0">
               <a:latin typeface="Candara" panose="020E0502030303020204" pitchFamily="34" charset="0"/>
             </a:rPr>
             <a:t>Planning and feasibility analysis</a:t>
           </a:r>
-          <a:endParaRPr lang="en-US" sz="4300" kern="1200" dirty="0">
-            <a:latin typeface="Candara" panose="020E0502030303020204" pitchFamily="34" charset="0"/>
-          </a:endParaRPr>
         </a:p>
       </dsp:txBody>
       <dsp:txXfrm>
@@ -1508,7 +1479,7 @@
         </a:bodyPr>
         <a:lstStyle/>
         <a:p>
-          <a:pPr lvl="0" algn="l" defTabSz="1911350">
+          <a:pPr marL="0" lvl="0" indent="0" algn="l" defTabSz="1911350">
             <a:lnSpc>
               <a:spcPct val="90000"/>
             </a:lnSpc>
@@ -1518,9 +1489,10 @@
             <a:spcAft>
               <a:spcPct val="35000"/>
             </a:spcAft>
+            <a:buNone/>
           </a:pPr>
           <a:r>
-            <a:rPr lang="en-US" sz="4300" kern="1200" smtClean="0">
+            <a:rPr lang="en-US" sz="4300" kern="1200">
               <a:latin typeface="Candara" panose="020E0502030303020204" pitchFamily="34" charset="0"/>
             </a:rPr>
             <a:t>Architecture modeling</a:t>
@@ -1638,7 +1610,7 @@
         </a:bodyPr>
         <a:lstStyle/>
         <a:p>
-          <a:pPr lvl="0" algn="l" defTabSz="1911350">
+          <a:pPr marL="0" lvl="0" indent="0" algn="l" defTabSz="1911350">
             <a:lnSpc>
               <a:spcPct val="90000"/>
             </a:lnSpc>
@@ -1648,9 +1620,10 @@
             <a:spcAft>
               <a:spcPct val="35000"/>
             </a:spcAft>
+            <a:buNone/>
           </a:pPr>
           <a:r>
-            <a:rPr lang="en-US" sz="4300" kern="1200" smtClean="0">
+            <a:rPr lang="en-US" sz="4300" kern="1200">
               <a:latin typeface="Candara" panose="020E0502030303020204" pitchFamily="34" charset="0"/>
             </a:rPr>
             <a:t>Implementation</a:t>
@@ -1768,7 +1741,7 @@
         </a:bodyPr>
         <a:lstStyle/>
         <a:p>
-          <a:pPr lvl="0" algn="l" defTabSz="1911350">
+          <a:pPr marL="0" lvl="0" indent="0" algn="l" defTabSz="1911350">
             <a:lnSpc>
               <a:spcPct val="90000"/>
             </a:lnSpc>
@@ -1778,9 +1751,10 @@
             <a:spcAft>
               <a:spcPct val="35000"/>
             </a:spcAft>
+            <a:buNone/>
           </a:pPr>
           <a:r>
-            <a:rPr lang="en-US" sz="4300" kern="1200" smtClean="0">
+            <a:rPr lang="en-US" sz="4300" kern="1200">
               <a:latin typeface="Candara" panose="020E0502030303020204" pitchFamily="34" charset="0"/>
             </a:rPr>
             <a:t>Maintenance</a:t>
@@ -4241,7 +4215,7 @@
           <a:p>
             <a:fld id="{41DA9887-9249-49FD-809A-BACB264048C3}" type="datetimeFigureOut">
               <a:rPr lang="en-US" smtClean="0"/>
-              <a:t>3/2/2023</a:t>
+              <a:t>3/4/2023</a:t>
             </a:fld>
             <a:endParaRPr lang="en-US"/>
           </a:p>
@@ -4643,7 +4617,7 @@
           <a:p>
             <a:fld id="{EF213E56-3C1A-435A-851B-5B1F221C2038}" type="datetime1">
               <a:rPr lang="en-US" smtClean="0"/>
-              <a:t>3/2/2023</a:t>
+              <a:t>3/4/2023</a:t>
             </a:fld>
             <a:endParaRPr lang="en-US"/>
           </a:p>
@@ -4933,7 +4907,7 @@
           <a:p>
             <a:fld id="{B4696837-4851-4AA6-8AED-554226C981D1}" type="datetime1">
               <a:rPr lang="en-US" smtClean="0"/>
-              <a:t>3/2/2023</a:t>
+              <a:t>3/4/2023</a:t>
             </a:fld>
             <a:endParaRPr lang="en-US"/>
           </a:p>
@@ -5111,7 +5085,7 @@
           <a:p>
             <a:fld id="{BADD32E1-BB70-4827-BA33-FF5AFC435BE9}" type="datetime1">
               <a:rPr lang="en-US" smtClean="0"/>
-              <a:t>3/2/2023</a:t>
+              <a:t>3/4/2023</a:t>
             </a:fld>
             <a:endParaRPr lang="en-US"/>
           </a:p>
@@ -5210,10 +5184,9 @@
           <a:lstStyle/>
           <a:p>
             <a:r>
-              <a:rPr lang="en-US" smtClean="0"/>
+              <a:rPr lang="en-US"/>
               <a:t>Click to edit Master title style</a:t>
             </a:r>
-            <a:endParaRPr lang="en-US"/>
           </a:p>
         </p:txBody>
       </p:sp>
@@ -5239,38 +5212,37 @@
           <a:p>
             <a:pPr lvl="0"/>
             <a:r>
-              <a:rPr lang="en-US" smtClean="0"/>
+              <a:rPr lang="en-US"/>
               <a:t>Click to edit Master text styles</a:t>
             </a:r>
           </a:p>
           <a:p>
             <a:pPr lvl="1"/>
             <a:r>
-              <a:rPr lang="en-US" smtClean="0"/>
+              <a:rPr lang="en-US"/>
               <a:t>Second level</a:t>
             </a:r>
           </a:p>
           <a:p>
             <a:pPr lvl="2"/>
             <a:r>
-              <a:rPr lang="en-US" smtClean="0"/>
+              <a:rPr lang="en-US"/>
               <a:t>Third level</a:t>
             </a:r>
           </a:p>
           <a:p>
             <a:pPr lvl="3"/>
             <a:r>
-              <a:rPr lang="en-US" smtClean="0"/>
+              <a:rPr lang="en-US"/>
               <a:t>Fourth level</a:t>
             </a:r>
           </a:p>
           <a:p>
             <a:pPr lvl="4"/>
             <a:r>
-              <a:rPr lang="en-US" smtClean="0"/>
+              <a:rPr lang="en-US"/>
               <a:t>Fifth level</a:t>
             </a:r>
-            <a:endParaRPr lang="en-US"/>
           </a:p>
         </p:txBody>
       </p:sp>
@@ -5296,38 +5268,37 @@
           <a:p>
             <a:pPr lvl="0"/>
             <a:r>
-              <a:rPr lang="en-US" smtClean="0"/>
+              <a:rPr lang="en-US"/>
               <a:t>Click to edit Master text styles</a:t>
             </a:r>
           </a:p>
           <a:p>
             <a:pPr lvl="1"/>
             <a:r>
-              <a:rPr lang="en-US" smtClean="0"/>
+              <a:rPr lang="en-US"/>
               <a:t>Second level</a:t>
             </a:r>
           </a:p>
           <a:p>
             <a:pPr lvl="2"/>
             <a:r>
-              <a:rPr lang="en-US" smtClean="0"/>
+              <a:rPr lang="en-US"/>
               <a:t>Third level</a:t>
             </a:r>
           </a:p>
           <a:p>
             <a:pPr lvl="3"/>
             <a:r>
-              <a:rPr lang="en-US" smtClean="0"/>
+              <a:rPr lang="en-US"/>
               <a:t>Fourth level</a:t>
             </a:r>
           </a:p>
           <a:p>
             <a:pPr lvl="4"/>
             <a:r>
-              <a:rPr lang="en-US" smtClean="0"/>
+              <a:rPr lang="en-US"/>
               <a:t>Fifth level</a:t>
             </a:r>
-            <a:endParaRPr lang="en-US"/>
           </a:p>
         </p:txBody>
       </p:sp>
@@ -5357,7 +5328,7 @@
             </a:pPr>
             <a:fld id="{40B9EAF6-54F2-4DF5-9C6B-3F6F95B86356}" type="datetime1">
               <a:rPr lang="en-US" smtClean="0"/>
-              <a:t>3/2/2023</a:t>
+              <a:t>3/4/2023</a:t>
             </a:fld>
             <a:endParaRPr lang="en-US"/>
           </a:p>
@@ -5480,10 +5451,9 @@
           <a:lstStyle/>
           <a:p>
             <a:r>
-              <a:rPr lang="en-US" smtClean="0"/>
+              <a:rPr lang="en-US"/>
               <a:t>Click to edit Master title style</a:t>
             </a:r>
-            <a:endParaRPr lang="en-US"/>
           </a:p>
         </p:txBody>
       </p:sp>
@@ -5508,7 +5478,7 @@
           <a:lstStyle/>
           <a:p>
             <a:pPr lvl="0"/>
-            <a:endParaRPr lang="en-US" noProof="0" dirty="0" smtClean="0"/>
+            <a:endParaRPr lang="en-US" noProof="0" dirty="0"/>
           </a:p>
         </p:txBody>
       </p:sp>
@@ -5538,7 +5508,7 @@
             </a:pPr>
             <a:fld id="{D3D64A56-6FF4-479A-8655-719A18A98C4B}" type="datetime1">
               <a:rPr lang="en-US" smtClean="0"/>
-              <a:t>3/2/2023</a:t>
+              <a:t>3/4/2023</a:t>
             </a:fld>
             <a:endParaRPr lang="en-US"/>
           </a:p>
@@ -5648,8 +5618,8 @@
         </p:nvSpPr>
         <p:spPr>
           <a:xfrm>
-            <a:off x="-2493" y="0"/>
-            <a:ext cx="12192000" cy="1207301"/>
+            <a:off x="-2493" y="1"/>
+            <a:ext cx="12192000" cy="830638"/>
           </a:xfrm>
           <a:prstGeom prst="rect">
             <a:avLst/>
@@ -5694,7 +5664,7 @@
         <p:spPr>
           <a:xfrm>
             <a:off x="347527" y="-1"/>
-            <a:ext cx="11650767" cy="1207301"/>
+            <a:ext cx="11650767" cy="830639"/>
           </a:xfrm>
         </p:spPr>
         <p:txBody>
@@ -5729,8 +5699,8 @@
         </p:nvSpPr>
         <p:spPr>
           <a:xfrm>
-            <a:off x="347526" y="1406880"/>
-            <a:ext cx="11650767" cy="4746091"/>
+            <a:off x="347526" y="995248"/>
+            <a:ext cx="11650767" cy="5470681"/>
           </a:xfrm>
         </p:spPr>
         <p:txBody>
@@ -5816,7 +5786,7 @@
           <a:p>
             <a:fld id="{BB961044-FC46-4CBC-9061-59528F4899F3}" type="datetime1">
               <a:rPr lang="en-US" smtClean="0"/>
-              <a:t>3/2/2023</a:t>
+              <a:t>3/4/2023</a:t>
             </a:fld>
             <a:endParaRPr lang="en-US"/>
           </a:p>
@@ -6160,7 +6130,7 @@
           <a:p>
             <a:fld id="{4466A08C-77F3-471E-A5C4-1D2068144BAC}" type="datetime1">
               <a:rPr lang="en-US" smtClean="0"/>
-              <a:t>3/2/2023</a:t>
+              <a:t>3/4/2023</a:t>
             </a:fld>
             <a:endParaRPr lang="en-US"/>
           </a:p>
@@ -6389,7 +6359,7 @@
           <a:p>
             <a:fld id="{B90A7AD1-16F4-44C3-AE32-24C59A599E9D}" type="datetime1">
               <a:rPr lang="en-US" smtClean="0"/>
-              <a:t>3/2/2023</a:t>
+              <a:t>3/4/2023</a:t>
             </a:fld>
             <a:endParaRPr lang="en-US"/>
           </a:p>
@@ -6753,7 +6723,7 @@
           <a:p>
             <a:fld id="{B583DB4F-4316-4DF5-A229-BC1D787C82A0}" type="datetime1">
               <a:rPr lang="en-US" smtClean="0"/>
-              <a:t>3/2/2023</a:t>
+              <a:t>3/4/2023</a:t>
             </a:fld>
             <a:endParaRPr lang="en-US"/>
           </a:p>
@@ -6848,7 +6818,7 @@
           <a:p>
             <a:fld id="{AE6064B7-7A9F-432D-B7B9-6824267AA574}" type="datetime1">
               <a:rPr lang="en-US" smtClean="0"/>
-              <a:t>3/2/2023</a:t>
+              <a:t>3/4/2023</a:t>
             </a:fld>
             <a:endParaRPr lang="en-US"/>
           </a:p>
@@ -6882,7 +6852,7 @@
         <p:spPr>
           <a:xfrm>
             <a:off x="-2493" y="0"/>
-            <a:ext cx="12192000" cy="1207301"/>
+            <a:ext cx="12192000" cy="832104"/>
           </a:xfrm>
           <a:prstGeom prst="rect">
             <a:avLst/>
@@ -6926,8 +6896,8 @@
         </p:nvSpPr>
         <p:spPr>
           <a:xfrm>
-            <a:off x="347527" y="-1"/>
-            <a:ext cx="11650767" cy="1207301"/>
+            <a:off x="347527" y="0"/>
+            <a:ext cx="11650767" cy="832104"/>
           </a:xfrm>
         </p:spPr>
         <p:txBody>
@@ -6944,7 +6914,7 @@
           </a:lstStyle>
           <a:p>
             <a:r>
-              <a:rPr lang="en-US"/>
+              <a:rPr lang="en-US" dirty="0"/>
               <a:t>Click to edit Master title style</a:t>
             </a:r>
           </a:p>
@@ -7070,7 +7040,7 @@
             <a:fld id="{B2F5E2FA-C428-4CE7-95B0-168D3259A5BB}" type="datetimeFigureOut">
               <a:rPr lang="en-US" smtClean="0"/>
               <a:pPr/>
-              <a:t>3/2/2023</a:t>
+              <a:t>3/4/2023</a:t>
             </a:fld>
             <a:endParaRPr lang="en-US"/>
           </a:p>
@@ -7241,7 +7211,7 @@
           <a:p>
             <a:fld id="{4E1C93A2-B712-486A-8AB5-D41B95D547BE}" type="datetime1">
               <a:rPr lang="en-US" smtClean="0"/>
-              <a:t>3/2/2023</a:t>
+              <a:t>3/4/2023</a:t>
             </a:fld>
             <a:endParaRPr lang="en-US"/>
           </a:p>
@@ -7516,7 +7486,7 @@
           <a:p>
             <a:fld id="{CAB2F318-F19F-4608-B7EF-F7FB8A482213}" type="datetime1">
               <a:rPr lang="en-US" smtClean="0"/>
-              <a:t>3/2/2023</a:t>
+              <a:t>3/4/2023</a:t>
             </a:fld>
             <a:endParaRPr lang="en-US"/>
           </a:p>
@@ -7768,7 +7738,7 @@
           <a:p>
             <a:fld id="{BB9CEF8C-69D6-4C3E-B892-F682F307A7B6}" type="datetime1">
               <a:rPr lang="en-US" smtClean="0"/>
-              <a:t>3/2/2023</a:t>
+              <a:t>3/4/2023</a:t>
             </a:fld>
             <a:endParaRPr lang="en-US"/>
           </a:p>
@@ -7979,7 +7949,7 @@
           <a:p>
             <a:fld id="{FB737C73-4A31-4C17-AFB7-7B8470027787}" type="datetime1">
               <a:rPr lang="en-US" smtClean="0"/>
-              <a:t>3/2/2023</a:t>
+              <a:t>3/4/2023</a:t>
             </a:fld>
             <a:endParaRPr lang="en-US"/>
           </a:p>
@@ -8086,13 +8056,6 @@
     <p:sldLayoutId id="2147483660" r:id="rId12"/>
     <p:sldLayoutId id="2147483661" r:id="rId13"/>
   </p:sldLayoutIdLst>
-  <p:timing>
-    <p:tnLst>
-      <p:par>
-        <p:cTn id="1" dur="indefinite" restart="never" nodeType="tmRoot"/>
-      </p:par>
-    </p:tnLst>
-  </p:timing>
   <p:hf hdr="0" ftr="0" dt="0"/>
   <p:txStyles>
     <p:titleStyle>
@@ -8444,12 +8407,8 @@
           <a:lstStyle/>
           <a:p>
             <a:r>
-              <a:rPr lang="en-US" sz="2800" dirty="0" smtClean="0"/>
-              <a:t>SE495</a:t>
-            </a:r>
-            <a:r>
               <a:rPr lang="en-US" sz="2800" dirty="0"/>
-              <a:t>: Software and Systems Integration</a:t>
+              <a:t>SE495: Software and Systems Integration</a:t>
             </a:r>
           </a:p>
         </p:txBody>
@@ -8487,13 +8446,6 @@
   <p:clrMapOvr>
     <a:masterClrMapping/>
   </p:clrMapOvr>
-  <p:timing>
-    <p:tnLst>
-      <p:par>
-        <p:cTn id="1" dur="indefinite" restart="never" nodeType="tmRoot"/>
-      </p:par>
-    </p:tnLst>
-  </p:timing>
 </p:sld>
 </file>
 
@@ -8530,10 +8482,9 @@
           <a:lstStyle/>
           <a:p>
             <a:r>
-              <a:rPr lang="en-US" dirty="0" smtClean="0"/>
+              <a:rPr lang="en-US" dirty="0"/>
               <a:t>Most Common Integration Types</a:t>
             </a:r>
-            <a:endParaRPr lang="en-US" dirty="0"/>
           </a:p>
         </p:txBody>
       </p:sp>
@@ -8556,60 +8507,43 @@
           <a:p>
             <a:r>
               <a:rPr lang="en-US" dirty="0"/>
-              <a:t>Electronic Data Interchange (EDI</a:t>
-            </a:r>
-            <a:r>
-              <a:rPr lang="en-US" dirty="0" smtClean="0"/>
-              <a:t>)</a:t>
+              <a:t>Legacy System Integration</a:t>
             </a:r>
           </a:p>
           <a:p>
             <a:pPr lvl="1"/>
             <a:r>
-              <a:rPr lang="en-US" dirty="0" smtClean="0"/>
-              <a:t>Electronic </a:t>
-            </a:r>
-            <a:r>
-              <a:rPr lang="en-US" dirty="0"/>
-              <a:t>Data Interchange (EDI) is the automated, computer-to-computer exchange of standard electronic business documents between business partners over a secure, standardized connection</a:t>
-            </a:r>
-            <a:r>
-              <a:rPr lang="en-US" dirty="0" smtClean="0"/>
-              <a:t>.</a:t>
+              <a:rPr lang="en-US" dirty="0"/>
+              <a:t>Goal: integration of modern applications into existing outdated systems</a:t>
             </a:r>
           </a:p>
           <a:p>
             <a:pPr lvl="1"/>
             <a:r>
               <a:rPr lang="en-US" dirty="0"/>
-              <a:t>EDI documents are processed by computers and use standard, computer-friendly formats.</a:t>
+              <a:t>Many organizations use outdated software to perform their core business functions. </a:t>
             </a:r>
           </a:p>
           <a:p>
             <a:pPr lvl="1"/>
             <a:r>
               <a:rPr lang="en-US" dirty="0"/>
-              <a:t>Standards describe each piece of data and its format (e.g., type of document, parties involved, actions to take, mmddyy).</a:t>
+              <a:t>It cannot be removed and replaced with more modern technology as it is critical to a company’s day-to-day workflow. </a:t>
             </a:r>
           </a:p>
           <a:p>
             <a:pPr lvl="1"/>
             <a:r>
               <a:rPr lang="en-US" dirty="0"/>
-              <a:t>Standards eliminate company-to-company variations, allowing each business partner's computer system to speak a common language.</a:t>
+              <a:t>Instead, legacy systems can be modernized by establishing a communication channel with newer information systems and technology solutions.</a:t>
             </a:r>
           </a:p>
           <a:p>
             <a:pPr lvl="1"/>
             <a:r>
-              <a:rPr lang="en-US" dirty="0" smtClean="0"/>
-              <a:t>Popular </a:t>
-            </a:r>
-            <a:r>
-              <a:rPr lang="en-US" dirty="0"/>
-              <a:t>standards include: ANSI X12 in the U.S., UN/EDIFACT globally and industry-specific standards, such as HIPAA</a:t>
-            </a:r>
-            <a:endParaRPr lang="en-US" dirty="0"/>
+              <a:rPr lang="en-US" dirty="0"/>
+              <a:t>Example: connecting a legacy CRM system to a data warehouse or a transportation management system (TMS).</a:t>
+            </a:r>
           </a:p>
         </p:txBody>
       </p:sp>
@@ -8640,7 +8574,7 @@
     </p:spTree>
     <p:extLst>
       <p:ext uri="{BB962C8B-B14F-4D97-AF65-F5344CB8AC3E}">
-        <p14:creationId xmlns:p14="http://schemas.microsoft.com/office/powerpoint/2010/main" val="1071446314"/>
+        <p14:creationId xmlns:p14="http://schemas.microsoft.com/office/powerpoint/2010/main" val="2794051614"/>
       </p:ext>
     </p:extLst>
   </p:cSld>
@@ -8683,10 +8617,9 @@
           <a:lstStyle/>
           <a:p>
             <a:r>
-              <a:rPr lang="en-US" dirty="0" smtClean="0"/>
+              <a:rPr lang="en-US" dirty="0"/>
               <a:t>Most Common Integration Types</a:t>
             </a:r>
-            <a:endParaRPr lang="en-US" dirty="0"/>
           </a:p>
         </p:txBody>
       </p:sp>
@@ -8709,70 +8642,43 @@
           <a:p>
             <a:r>
               <a:rPr lang="en-US" dirty="0"/>
-              <a:t>Enterprise application integration (EAI)</a:t>
+              <a:t>Electronic Data Interchange (EDI)</a:t>
             </a:r>
           </a:p>
           <a:p>
             <a:pPr lvl="1"/>
             <a:r>
               <a:rPr lang="en-US" dirty="0"/>
-              <a:t>Goal: unification of different subsystems inside one business </a:t>
-            </a:r>
-            <a:r>
-              <a:rPr lang="en-US" dirty="0" smtClean="0"/>
-              <a:t>environment</a:t>
+              <a:t>Electronic Data Interchange (EDI) is the automated, computer-to-computer exchange of standard electronic business documents between business partners over a secure, standardized connection.</a:t>
             </a:r>
           </a:p>
           <a:p>
             <a:pPr lvl="1"/>
             <a:r>
-              <a:rPr lang="en-US" dirty="0" smtClean="0"/>
-              <a:t>While </a:t>
-            </a:r>
-            <a:r>
-              <a:rPr lang="en-US" dirty="0"/>
-              <a:t>growing, companies incorporate more and more enterprise applications to streamline their front- and back-office processes. </a:t>
-            </a:r>
-            <a:endParaRPr lang="en-US" dirty="0" smtClean="0"/>
+              <a:rPr lang="en-US" dirty="0"/>
+              <a:t>EDI documents are processed by computers and use standard, computer-friendly formats.</a:t>
+            </a:r>
           </a:p>
           <a:p>
             <a:pPr lvl="1"/>
             <a:r>
-              <a:rPr lang="en-US" dirty="0" smtClean="0"/>
-              <a:t>These </a:t>
-            </a:r>
-            <a:r>
-              <a:rPr lang="en-US" dirty="0"/>
-              <a:t>applications often share no points of convergence and accumulate huge volumes of data separately. </a:t>
-            </a:r>
-            <a:endParaRPr lang="en-US" dirty="0" smtClean="0"/>
+              <a:rPr lang="en-US" dirty="0"/>
+              <a:t>Standards describe each piece of data and its format (e.g., type of document, parties involved, actions to take, mmddyy).</a:t>
+            </a:r>
           </a:p>
           <a:p>
             <a:pPr lvl="1"/>
             <a:r>
-              <a:rPr lang="en-US" dirty="0" smtClean="0"/>
-              <a:t>Enterprise </a:t>
-            </a:r>
-            <a:r>
-              <a:rPr lang="en-US" dirty="0"/>
-              <a:t>application integration (EAI) brings all functions into one business chain and automates real-time data exchange between different </a:t>
-            </a:r>
-            <a:r>
-              <a:rPr lang="en-US" dirty="0" smtClean="0"/>
-              <a:t>applications.</a:t>
+              <a:rPr lang="en-US" dirty="0"/>
+              <a:t>Standards eliminate company-to-company variations, allowing each business partner's computer system to speak a common language.</a:t>
             </a:r>
           </a:p>
           <a:p>
             <a:pPr lvl="1"/>
             <a:r>
-              <a:rPr lang="en-US" dirty="0" smtClean="0"/>
-              <a:t>Example</a:t>
-            </a:r>
-            <a:r>
-              <a:rPr lang="en-US" dirty="0"/>
-              <a:t>: creating one ecosystem for accounting, human resources information, inventory management, enterprise resource planning (ERP), and CRM systems of a company.</a:t>
-            </a:r>
-            <a:endParaRPr lang="en-US" dirty="0"/>
+              <a:rPr lang="en-US" dirty="0"/>
+              <a:t>Popular standards include: ANSI X12 in the U.S., UN/EDIFACT globally and industry-specific standards, such as HIPAA</a:t>
+            </a:r>
           </a:p>
         </p:txBody>
       </p:sp>
@@ -8803,7 +8709,7 @@
     </p:spTree>
     <p:extLst>
       <p:ext uri="{BB962C8B-B14F-4D97-AF65-F5344CB8AC3E}">
-        <p14:creationId xmlns:p14="http://schemas.microsoft.com/office/powerpoint/2010/main" val="2429161411"/>
+        <p14:creationId xmlns:p14="http://schemas.microsoft.com/office/powerpoint/2010/main" val="1071446314"/>
       </p:ext>
     </p:extLst>
   </p:cSld>
@@ -8846,10 +8752,9 @@
           <a:lstStyle/>
           <a:p>
             <a:r>
-              <a:rPr lang="en-US" dirty="0" smtClean="0"/>
+              <a:rPr lang="en-US" dirty="0"/>
               <a:t>Most Common Integration Types</a:t>
             </a:r>
-            <a:endParaRPr lang="en-US" dirty="0"/>
           </a:p>
         </p:txBody>
       </p:sp>
@@ -8872,54 +8777,43 @@
           <a:p>
             <a:r>
               <a:rPr lang="en-US" dirty="0"/>
-              <a:t>Third-party system integration</a:t>
+              <a:t>Enterprise application integration (EAI)</a:t>
             </a:r>
           </a:p>
           <a:p>
             <a:pPr lvl="1"/>
             <a:r>
               <a:rPr lang="en-US" dirty="0"/>
-              <a:t>Goal: expanding functionality of the existing </a:t>
-            </a:r>
-            <a:r>
-              <a:rPr lang="en-US" dirty="0" smtClean="0"/>
-              <a:t>system</a:t>
+              <a:t>Goal: unification of different subsystems inside one business environment</a:t>
             </a:r>
           </a:p>
           <a:p>
             <a:pPr lvl="1"/>
             <a:r>
-              <a:rPr lang="en-US" dirty="0" smtClean="0"/>
-              <a:t>Integration </a:t>
-            </a:r>
-            <a:r>
-              <a:rPr lang="en-US" dirty="0"/>
-              <a:t>of third-party tools is a great option when your business needs new functionality but can’t afford custom software development or just has no time to wait for features to be built from </a:t>
-            </a:r>
-            <a:r>
-              <a:rPr lang="en-US" dirty="0" smtClean="0"/>
-              <a:t>scratch.</a:t>
+              <a:rPr lang="en-US" dirty="0"/>
+              <a:t>While growing, companies incorporate more and more enterprise applications to streamline their front- and back-office processes. </a:t>
             </a:r>
           </a:p>
           <a:p>
             <a:pPr lvl="1"/>
             <a:r>
-              <a:rPr lang="en-US" dirty="0" smtClean="0"/>
-              <a:t>Example</a:t>
-            </a:r>
-            <a:r>
-              <a:rPr lang="en-US" dirty="0"/>
-              <a:t>: integrating an existing application with online payment systems (PayPal, </a:t>
-            </a:r>
-            <a:r>
-              <a:rPr lang="en-US" dirty="0" err="1"/>
-              <a:t>WebMoney</a:t>
-            </a:r>
-            <a:r>
-              <a:rPr lang="en-US" dirty="0"/>
-              <a:t>), social media (Facebook, LinkedIn), online video streaming services (YouTube), etc.</a:t>
-            </a:r>
-            <a:endParaRPr lang="en-US" dirty="0"/>
+              <a:rPr lang="en-US" dirty="0"/>
+              <a:t>These applications often share no points of convergence and accumulate huge volumes of data separately. </a:t>
+            </a:r>
+          </a:p>
+          <a:p>
+            <a:pPr lvl="1"/>
+            <a:r>
+              <a:rPr lang="en-US" dirty="0"/>
+              <a:t>Enterprise application integration (EAI) brings all functions into one business chain and automates real-time data exchange between different applications.</a:t>
+            </a:r>
+          </a:p>
+          <a:p>
+            <a:pPr lvl="1"/>
+            <a:r>
+              <a:rPr lang="en-US" dirty="0"/>
+              <a:t>Example: creating one ecosystem for accounting, human resources information, inventory management, enterprise resource planning (ERP), and CRM systems of a company.</a:t>
+            </a:r>
           </a:p>
         </p:txBody>
       </p:sp>
@@ -8950,7 +8844,7 @@
     </p:spTree>
     <p:extLst>
       <p:ext uri="{BB962C8B-B14F-4D97-AF65-F5344CB8AC3E}">
-        <p14:creationId xmlns:p14="http://schemas.microsoft.com/office/powerpoint/2010/main" val="903370518"/>
+        <p14:creationId xmlns:p14="http://schemas.microsoft.com/office/powerpoint/2010/main" val="2429161411"/>
       </p:ext>
     </p:extLst>
   </p:cSld>
@@ -8993,14 +8887,9 @@
           <a:lstStyle/>
           <a:p>
             <a:r>
-              <a:rPr lang="en-US" dirty="0" smtClean="0"/>
-              <a:t>Integration </a:t>
-            </a:r>
-            <a:r>
-              <a:rPr lang="en-US" dirty="0" smtClean="0"/>
-              <a:t>Models</a:t>
-            </a:r>
-            <a:endParaRPr lang="en-US" dirty="0"/>
+              <a:rPr lang="en-US" dirty="0"/>
+              <a:t>Most Common Integration Types</a:t>
+            </a:r>
           </a:p>
         </p:txBody>
       </p:sp>
@@ -9023,76 +8912,36 @@
           <a:p>
             <a:r>
               <a:rPr lang="en-US" dirty="0"/>
-              <a:t>As for typical system integration </a:t>
-            </a:r>
-            <a:r>
-              <a:rPr lang="en-US" dirty="0" smtClean="0"/>
-              <a:t>models, </a:t>
-            </a:r>
-            <a:r>
-              <a:rPr lang="en-US" dirty="0"/>
-              <a:t>they can be divided into the following different categories:</a:t>
+              <a:t>Third-party system integration</a:t>
             </a:r>
           </a:p>
           <a:p>
             <a:pPr lvl="1"/>
             <a:r>
-              <a:rPr lang="en-US" dirty="0" smtClean="0"/>
-              <a:t>Point-to-Point </a:t>
-            </a:r>
-            <a:r>
-              <a:rPr lang="en-US" dirty="0" smtClean="0"/>
-              <a:t>Integration</a:t>
+              <a:rPr lang="en-US" dirty="0"/>
+              <a:t>Goal: expanding functionality of the existing system</a:t>
             </a:r>
           </a:p>
           <a:p>
             <a:pPr lvl="1"/>
             <a:r>
               <a:rPr lang="en-US" dirty="0"/>
-              <a:t>Hub-and-spoke </a:t>
-            </a:r>
-            <a:r>
-              <a:rPr lang="en-US" dirty="0" smtClean="0"/>
-              <a:t>model</a:t>
+              <a:t>Integration of third-party tools is a great option when your business needs new functionality but can’t afford custom software development or just has no time to wait for features to be built from scratch.</a:t>
             </a:r>
           </a:p>
           <a:p>
             <a:pPr lvl="1"/>
             <a:r>
               <a:rPr lang="en-US" dirty="0"/>
-              <a:t>Enterprise Service Bus (ESB) model</a:t>
-            </a:r>
-          </a:p>
-          <a:p>
-            <a:pPr lvl="1"/>
-            <a:r>
-              <a:rPr lang="en-US" dirty="0" smtClean="0"/>
-              <a:t>Vertical </a:t>
-            </a:r>
-            <a:r>
-              <a:rPr lang="en-US" dirty="0"/>
-              <a:t>Integration</a:t>
-            </a:r>
-          </a:p>
-          <a:p>
-            <a:pPr lvl="1"/>
-            <a:r>
-              <a:rPr lang="en-US" dirty="0"/>
-              <a:t>Star Integration</a:t>
-            </a:r>
-          </a:p>
-          <a:p>
-            <a:pPr lvl="1"/>
-            <a:r>
-              <a:rPr lang="en-US" dirty="0"/>
-              <a:t>Horizontal Integration </a:t>
-            </a:r>
-          </a:p>
-          <a:p>
-            <a:pPr lvl="1"/>
-            <a:r>
-              <a:rPr lang="en-US" dirty="0"/>
-              <a:t>Common Data Format integration</a:t>
+              <a:t>Example: integrating an existing application with online payment systems (PayPal, </a:t>
+            </a:r>
+            <a:r>
+              <a:rPr lang="en-US" dirty="0" err="1"/>
+              <a:t>WebMoney</a:t>
+            </a:r>
+            <a:r>
+              <a:rPr lang="en-US" dirty="0"/>
+              <a:t>), social media (Facebook, LinkedIn), online video streaming services (YouTube), etc.</a:t>
             </a:r>
           </a:p>
         </p:txBody>
@@ -9124,7 +8973,7 @@
     </p:spTree>
     <p:extLst>
       <p:ext uri="{BB962C8B-B14F-4D97-AF65-F5344CB8AC3E}">
-        <p14:creationId xmlns:p14="http://schemas.microsoft.com/office/powerpoint/2010/main" val="51079093"/>
+        <p14:creationId xmlns:p14="http://schemas.microsoft.com/office/powerpoint/2010/main" val="903370518"/>
       </p:ext>
     </p:extLst>
   </p:cSld>
@@ -9153,7 +9002,13 @@
       </p:grpSpPr>
       <p:sp>
         <p:nvSpPr>
-          <p:cNvPr id="2" name="Title 1"/>
+          <p:cNvPr id="5" name="Title 4">
+            <a:extLst>
+              <a:ext uri="{FF2B5EF4-FFF2-40B4-BE49-F238E27FC236}">
+                <a16:creationId xmlns:a16="http://schemas.microsoft.com/office/drawing/2014/main" id="{0F448E3E-AB9C-0DF8-C2B6-5E10EBB14BD3}"/>
+              </a:ext>
+            </a:extLst>
+          </p:cNvPr>
           <p:cNvSpPr>
             <a:spLocks noGrp="1"/>
           </p:cNvSpPr>
@@ -9168,68 +9023,45 @@
           <a:p>
             <a:r>
               <a:rPr lang="en-US" dirty="0"/>
-              <a:t>Point-to-Point Integration</a:t>
-            </a:r>
-          </a:p>
-        </p:txBody>
-      </p:sp>
-      <p:sp>
-        <p:nvSpPr>
-          <p:cNvPr id="3" name="Content Placeholder 2"/>
-          <p:cNvSpPr>
-            <a:spLocks noGrp="1"/>
-          </p:cNvSpPr>
-          <p:nvPr>
-            <p:ph idx="1"/>
-          </p:nvPr>
-        </p:nvSpPr>
-        <p:spPr/>
-        <p:txBody>
-          <a:bodyPr>
-            <a:normAutofit/>
-          </a:bodyPr>
-          <a:lstStyle/>
-          <a:p>
-            <a:r>
-              <a:rPr lang="en-US" dirty="0"/>
-              <a:t>P</a:t>
-            </a:r>
-            <a:r>
-              <a:rPr lang="en-US" dirty="0" smtClean="0"/>
-              <a:t>oint-to-point connects </a:t>
-            </a:r>
-            <a:r>
-              <a:rPr lang="en-US" dirty="0"/>
-              <a:t>a system to another system for them to function together. </a:t>
-            </a:r>
-            <a:endParaRPr lang="en-US" dirty="0" smtClean="0"/>
-          </a:p>
-          <a:p>
-            <a:r>
-              <a:rPr lang="en-US" dirty="0" smtClean="0"/>
-              <a:t>Typically</a:t>
-            </a:r>
-            <a:r>
-              <a:rPr lang="en-US" dirty="0"/>
-              <a:t>, such point-to-point integration handles only one function and does not involve any complex business logic. </a:t>
-            </a:r>
-            <a:endParaRPr lang="en-US" dirty="0" smtClean="0"/>
-          </a:p>
-          <a:p>
-            <a:r>
-              <a:rPr lang="en-US" dirty="0" smtClean="0"/>
-              <a:t>Many </a:t>
-            </a:r>
-            <a:r>
-              <a:rPr lang="en-US" dirty="0"/>
-              <a:t>cloud-based applications offer these types of point-to-point integrations as productized, “out of the box” integration modules for the most common IT systems.</a:t>
-            </a:r>
-          </a:p>
-        </p:txBody>
-      </p:sp>
-      <p:sp>
-        <p:nvSpPr>
-          <p:cNvPr id="4" name="Slide Number Placeholder 3"/>
+              <a:t>Integration Models</a:t>
+            </a:r>
+          </a:p>
+        </p:txBody>
+      </p:sp>
+      <p:sp>
+        <p:nvSpPr>
+          <p:cNvPr id="6" name="Text Placeholder 5">
+            <a:extLst>
+              <a:ext uri="{FF2B5EF4-FFF2-40B4-BE49-F238E27FC236}">
+                <a16:creationId xmlns:a16="http://schemas.microsoft.com/office/drawing/2014/main" id="{F407F8AA-9080-4599-DAF2-51FFCFF3BE41}"/>
+              </a:ext>
+            </a:extLst>
+          </p:cNvPr>
+          <p:cNvSpPr>
+            <a:spLocks noGrp="1"/>
+          </p:cNvSpPr>
+          <p:nvPr>
+            <p:ph type="body" idx="1"/>
+          </p:nvPr>
+        </p:nvSpPr>
+        <p:spPr/>
+        <p:txBody>
+          <a:bodyPr/>
+          <a:lstStyle/>
+          <a:p>
+            <a:endParaRPr lang="en-US"/>
+          </a:p>
+        </p:txBody>
+      </p:sp>
+      <p:sp>
+        <p:nvSpPr>
+          <p:cNvPr id="4" name="Slide Number Placeholder 3">
+            <a:extLst>
+              <a:ext uri="{FF2B5EF4-FFF2-40B4-BE49-F238E27FC236}">
+                <a16:creationId xmlns:a16="http://schemas.microsoft.com/office/drawing/2014/main" id="{567157A9-5A99-3C9C-980A-275EB53D156F}"/>
+              </a:ext>
+            </a:extLst>
+          </p:cNvPr>
           <p:cNvSpPr>
             <a:spLocks noGrp="1"/>
           </p:cNvSpPr>
@@ -9254,7 +9086,7 @@
     </p:spTree>
     <p:extLst>
       <p:ext uri="{BB962C8B-B14F-4D97-AF65-F5344CB8AC3E}">
-        <p14:creationId xmlns:p14="http://schemas.microsoft.com/office/powerpoint/2010/main" val="1902840644"/>
+        <p14:creationId xmlns:p14="http://schemas.microsoft.com/office/powerpoint/2010/main" val="1220197846"/>
       </p:ext>
     </p:extLst>
   </p:cSld>
@@ -9298,7 +9130,7 @@
           <a:p>
             <a:r>
               <a:rPr lang="en-US" dirty="0"/>
-              <a:t>Point-to-Point Integration</a:t>
+              <a:t>Integration Models</a:t>
             </a:r>
           </a:p>
         </p:txBody>
@@ -9321,54 +9153,58 @@
           <a:lstStyle/>
           <a:p>
             <a:r>
-              <a:rPr lang="en-US" dirty="0" smtClean="0"/>
-              <a:t>P2P </a:t>
-            </a:r>
-            <a:r>
-              <a:rPr lang="en-US" dirty="0"/>
-              <a:t>is the architectural pattern in which every system is directly connected to all other systems and apps it needs to work in tandem and share information with. </a:t>
-            </a:r>
-            <a:endParaRPr lang="en-US" dirty="0" smtClean="0"/>
-          </a:p>
-          <a:p>
-            <a:r>
-              <a:rPr lang="en-US" dirty="0" smtClean="0"/>
-              <a:t>This </a:t>
-            </a:r>
-            <a:r>
-              <a:rPr lang="en-US" dirty="0"/>
-              <a:t>model can be realized via APIs, </a:t>
-            </a:r>
-            <a:r>
-              <a:rPr lang="en-US" dirty="0" err="1"/>
-              <a:t>webhooks</a:t>
-            </a:r>
-            <a:r>
-              <a:rPr lang="en-US" dirty="0"/>
-              <a:t>, or custom code.</a:t>
-            </a:r>
-          </a:p>
-          <a:p>
-            <a:r>
-              <a:rPr lang="en-US" dirty="0" smtClean="0"/>
-              <a:t>With </a:t>
-            </a:r>
-            <a:r>
-              <a:rPr lang="en-US" dirty="0"/>
-              <a:t>a point-to-point connection, data is extracted from one system, modified or formatted, and then sent to another system. </a:t>
-            </a:r>
-            <a:endParaRPr lang="en-US" dirty="0" smtClean="0"/>
-          </a:p>
-          <a:p>
-            <a:r>
-              <a:rPr lang="en-US" dirty="0" smtClean="0"/>
-              <a:t>Each </a:t>
-            </a:r>
-            <a:r>
-              <a:rPr lang="en-US" dirty="0"/>
-              <a:t>application implements all the logic for data translation, transformation, and routing, taking into account the protocols and supported data models of other integrated components.</a:t>
-            </a:r>
-            <a:endParaRPr lang="en-US" dirty="0"/>
+              <a:rPr lang="en-US" dirty="0"/>
+              <a:t>As for typical system integration models, they can be divided into the following different categories:</a:t>
+            </a:r>
+          </a:p>
+          <a:p>
+            <a:pPr lvl="1"/>
+            <a:r>
+              <a:rPr lang="en-US" dirty="0"/>
+              <a:t>Point-to-Point Integration</a:t>
+            </a:r>
+          </a:p>
+          <a:p>
+            <a:pPr lvl="1"/>
+            <a:r>
+              <a:rPr lang="en-US" dirty="0"/>
+              <a:t>Hub-and-spoke model</a:t>
+            </a:r>
+          </a:p>
+          <a:p>
+            <a:pPr lvl="1"/>
+            <a:r>
+              <a:rPr lang="en-US" dirty="0"/>
+              <a:t>Enterprise Service Bus (ESB) model</a:t>
+            </a:r>
+          </a:p>
+          <a:p>
+            <a:pPr lvl="1"/>
+            <a:r>
+              <a:rPr lang="en-US" dirty="0"/>
+              <a:t>Vertical Integration</a:t>
+            </a:r>
+          </a:p>
+          <a:p>
+            <a:pPr lvl="1"/>
+            <a:r>
+              <a:rPr lang="en-US" dirty="0"/>
+              <a:t>Star Integration</a:t>
+            </a:r>
+          </a:p>
+          <a:p>
+            <a:pPr lvl="1"/>
+            <a:r>
+              <a:rPr lang="en-US" dirty="0"/>
+              <a:t>Horizontal Integration </a:t>
+            </a:r>
+          </a:p>
+          <a:p>
+            <a:pPr lvl="1"/>
+            <a:r>
+              <a:rPr lang="en-US" dirty="0"/>
+              <a:t>Common Data Format integration</a:t>
+            </a:r>
           </a:p>
         </p:txBody>
       </p:sp>
@@ -9399,7 +9235,7 @@
     </p:spTree>
     <p:extLst>
       <p:ext uri="{BB962C8B-B14F-4D97-AF65-F5344CB8AC3E}">
-        <p14:creationId xmlns:p14="http://schemas.microsoft.com/office/powerpoint/2010/main" val="1223318244"/>
+        <p14:creationId xmlns:p14="http://schemas.microsoft.com/office/powerpoint/2010/main" val="51079093"/>
       </p:ext>
     </p:extLst>
   </p:cSld>
@@ -9443,9 +9279,8 @@
           <a:p>
             <a:r>
               <a:rPr lang="en-US" dirty="0"/>
-              <a:t>Hub-and-spoke model</a:t>
-            </a:r>
-            <a:endParaRPr lang="en-US" dirty="0"/>
+              <a:t>Point-to-Point Integration</a:t>
+            </a:r>
           </a:p>
         </p:txBody>
       </p:sp>
@@ -9468,41 +9303,20 @@
           <a:p>
             <a:r>
               <a:rPr lang="en-US" dirty="0"/>
-              <a:t>The hub-and-spoke model is a more advanced type of integration architecture that addresses the issues of point-to-point and helps to avoid the star/spaghetti mess. </a:t>
-            </a:r>
-            <a:endParaRPr lang="en-US" dirty="0" smtClean="0"/>
-          </a:p>
-          <a:p>
-            <a:r>
-              <a:rPr lang="en-US" dirty="0" smtClean="0"/>
-              <a:t>The </a:t>
-            </a:r>
-            <a:r>
-              <a:rPr lang="en-US" dirty="0"/>
-              <a:t>connections between all subsystems are handled by a central hub (message broker), so they don’t communicate with each other directly.</a:t>
-            </a:r>
-          </a:p>
-          <a:p>
-            <a:r>
-              <a:rPr lang="en-US" dirty="0" smtClean="0"/>
-              <a:t>The </a:t>
-            </a:r>
-            <a:r>
-              <a:rPr lang="en-US" dirty="0"/>
-              <a:t>hub serves as a message-oriented middleware with a centralized integration engine to translate operations into a single canonical language and route messages to the right destinations. </a:t>
-            </a:r>
-            <a:endParaRPr lang="en-US" dirty="0" smtClean="0"/>
-          </a:p>
-          <a:p>
-            <a:r>
-              <a:rPr lang="en-US" dirty="0" smtClean="0"/>
-              <a:t>The </a:t>
-            </a:r>
-            <a:r>
-              <a:rPr lang="en-US" dirty="0"/>
-              <a:t>spokes (adapters) connecting the hub to the subsystems are managed individually.</a:t>
-            </a:r>
-            <a:endParaRPr lang="en-US" dirty="0"/>
+              <a:t>Point-to-point connects a system to another system for them to function together. </a:t>
+            </a:r>
+          </a:p>
+          <a:p>
+            <a:r>
+              <a:rPr lang="en-US" dirty="0"/>
+              <a:t>Typically, such point-to-point integration handles only one function and does not involve any complex business logic. </a:t>
+            </a:r>
+          </a:p>
+          <a:p>
+            <a:r>
+              <a:rPr lang="en-US" dirty="0"/>
+              <a:t>Many cloud-based applications offer these types of point-to-point integrations as productized, “out of the box” integration modules for the most common IT systems.</a:t>
+            </a:r>
           </a:p>
         </p:txBody>
       </p:sp>
@@ -9533,7 +9347,7 @@
     </p:spTree>
     <p:extLst>
       <p:ext uri="{BB962C8B-B14F-4D97-AF65-F5344CB8AC3E}">
-        <p14:creationId xmlns:p14="http://schemas.microsoft.com/office/powerpoint/2010/main" val="2660631207"/>
+        <p14:creationId xmlns:p14="http://schemas.microsoft.com/office/powerpoint/2010/main" val="1902840644"/>
       </p:ext>
     </p:extLst>
   </p:cSld>
@@ -9577,13 +9391,8 @@
           <a:p>
             <a:r>
               <a:rPr lang="en-US" dirty="0"/>
-              <a:t>Enterprise Service Bus (ESB</a:t>
-            </a:r>
-            <a:r>
-              <a:rPr lang="en-US" dirty="0" smtClean="0"/>
-              <a:t>)</a:t>
-            </a:r>
-            <a:endParaRPr lang="en-US" dirty="0"/>
+              <a:t>Point-to-Point Integration</a:t>
+            </a:r>
           </a:p>
         </p:txBody>
       </p:sp>
@@ -9606,41 +9415,34 @@
           <a:p>
             <a:r>
               <a:rPr lang="en-US" dirty="0"/>
-              <a:t>The ESB architecture involves the creation of a separate specialized subsystem — an enterprise service bus — that serves as a common user interface layer connecting other subsystems.</a:t>
-            </a:r>
-          </a:p>
-          <a:p>
-            <a:r>
-              <a:rPr lang="en-US" dirty="0" smtClean="0"/>
-              <a:t>The </a:t>
-            </a:r>
-            <a:r>
-              <a:rPr lang="en-US" dirty="0"/>
-              <a:t>ESB can be described as a set of middleware services that glue multiple systems, serving as a messaging backbone. </a:t>
-            </a:r>
-            <a:endParaRPr lang="en-US" dirty="0" smtClean="0"/>
-          </a:p>
-          <a:p>
-            <a:r>
-              <a:rPr lang="en-US" dirty="0" smtClean="0"/>
-              <a:t>In </a:t>
-            </a:r>
-            <a:r>
-              <a:rPr lang="en-US" dirty="0"/>
-              <a:t>contrast to hub-and-spoke with a single centralized integration engine, in ESB, each system is supplied with a separate integration engine and an adapter that translates a message into the canonical format and back into the destination supported format. </a:t>
-            </a:r>
-            <a:endParaRPr lang="en-US" dirty="0" smtClean="0"/>
-          </a:p>
-          <a:p>
-            <a:r>
-              <a:rPr lang="en-US" dirty="0" smtClean="0"/>
-              <a:t>Initially </a:t>
-            </a:r>
-            <a:r>
-              <a:rPr lang="en-US" dirty="0"/>
-              <a:t>designed to bridge complex internal systems of large enterprises, ESBs can work with cloud services too.</a:t>
-            </a:r>
-            <a:endParaRPr lang="en-US" dirty="0"/>
+              <a:t>P2P is the architectural pattern in which every system is directly connected to all other systems and apps it needs to work in tandem and share information with. </a:t>
+            </a:r>
+          </a:p>
+          <a:p>
+            <a:r>
+              <a:rPr lang="en-US" dirty="0"/>
+              <a:t>This model can be realized via APIs, </a:t>
+            </a:r>
+            <a:r>
+              <a:rPr lang="en-US" dirty="0" err="1"/>
+              <a:t>webhooks</a:t>
+            </a:r>
+            <a:r>
+              <a:rPr lang="en-US" dirty="0"/>
+              <a:t>, or custom code.</a:t>
+            </a:r>
+          </a:p>
+          <a:p>
+            <a:r>
+              <a:rPr lang="en-US" dirty="0"/>
+              <a:t>With a point-to-point connection, data is extracted from one system, modified or formatted, and then sent to another system. </a:t>
+            </a:r>
+          </a:p>
+          <a:p>
+            <a:r>
+              <a:rPr lang="en-US" dirty="0"/>
+              <a:t>Each application implements all the logic for data translation, transformation, and routing, taking into account the protocols and supported data models of other integrated components.</a:t>
+            </a:r>
           </a:p>
         </p:txBody>
       </p:sp>
@@ -9671,7 +9473,7 @@
     </p:spTree>
     <p:extLst>
       <p:ext uri="{BB962C8B-B14F-4D97-AF65-F5344CB8AC3E}">
-        <p14:creationId xmlns:p14="http://schemas.microsoft.com/office/powerpoint/2010/main" val="253314333"/>
+        <p14:creationId xmlns:p14="http://schemas.microsoft.com/office/powerpoint/2010/main" val="1223318244"/>
       </p:ext>
     </p:extLst>
   </p:cSld>
@@ -9714,12 +9516,8 @@
           <a:lstStyle/>
           <a:p>
             <a:r>
-              <a:rPr lang="en-US" dirty="0" smtClean="0"/>
-              <a:t>Vertical </a:t>
-            </a:r>
-            <a:r>
-              <a:rPr lang="en-US" dirty="0"/>
-              <a:t>Integration</a:t>
+              <a:rPr lang="en-US" dirty="0"/>
+              <a:t>Hub-and-spoke model</a:t>
             </a:r>
           </a:p>
         </p:txBody>
@@ -9742,34 +9540,26 @@
           <a:lstStyle/>
           <a:p>
             <a:r>
-              <a:rPr lang="en-US" dirty="0" smtClean="0"/>
-              <a:t>The </a:t>
-            </a:r>
-            <a:r>
-              <a:rPr lang="en-US" dirty="0"/>
-              <a:t>system components (sub-systems) are integrated by creating functional "silos", beginning with the basic bottom function upward. </a:t>
-            </a:r>
-            <a:endParaRPr lang="en-US" dirty="0" smtClean="0"/>
-          </a:p>
-          <a:p>
-            <a:r>
-              <a:rPr lang="en-US" dirty="0" smtClean="0"/>
-              <a:t>This </a:t>
-            </a:r>
-            <a:r>
-              <a:rPr lang="en-US" dirty="0"/>
-              <a:t>is normally a relatively simple and easy method that only involves a limited number of systems (more than two), but on the other hand, this integration method is quite rigid and more difficult to manage in the long term as any new functionality will require its own functional ”silo”. </a:t>
-            </a:r>
-            <a:endParaRPr lang="en-US" dirty="0" smtClean="0"/>
-          </a:p>
-          <a:p>
-            <a:r>
-              <a:rPr lang="en-US" dirty="0" smtClean="0"/>
-              <a:t>Still</a:t>
-            </a:r>
-            <a:r>
-              <a:rPr lang="en-US" dirty="0"/>
-              <a:t>, this method can be used effectively to create simple integrations that only need to address a single function.</a:t>
+              <a:rPr lang="en-US" dirty="0"/>
+              <a:t>The hub-and-spoke model is a more advanced type of integration architecture that addresses the issues of point-to-point and helps to avoid the star/spaghetti mess. </a:t>
+            </a:r>
+          </a:p>
+          <a:p>
+            <a:r>
+              <a:rPr lang="en-US" dirty="0"/>
+              <a:t>The connections between all subsystems are handled by a central hub (message broker), so they don’t communicate with each other directly.</a:t>
+            </a:r>
+          </a:p>
+          <a:p>
+            <a:r>
+              <a:rPr lang="en-US" dirty="0"/>
+              <a:t>The hub serves as a message-oriented middleware with a centralized integration engine to translate operations into a single canonical language and route messages to the right destinations. </a:t>
+            </a:r>
+          </a:p>
+          <a:p>
+            <a:r>
+              <a:rPr lang="en-US" dirty="0"/>
+              <a:t>The spokes (adapters) connecting the hub to the subsystems are managed individually.</a:t>
             </a:r>
           </a:p>
         </p:txBody>
@@ -9801,7 +9591,7 @@
     </p:spTree>
     <p:extLst>
       <p:ext uri="{BB962C8B-B14F-4D97-AF65-F5344CB8AC3E}">
-        <p14:creationId xmlns:p14="http://schemas.microsoft.com/office/powerpoint/2010/main" val="2334092565"/>
+        <p14:creationId xmlns:p14="http://schemas.microsoft.com/office/powerpoint/2010/main" val="2660631207"/>
       </p:ext>
     </p:extLst>
   </p:cSld>
@@ -9844,12 +9634,8 @@
           <a:lstStyle/>
           <a:p>
             <a:r>
-              <a:rPr lang="en-US" dirty="0" smtClean="0"/>
-              <a:t>Star </a:t>
-            </a:r>
-            <a:r>
-              <a:rPr lang="en-US" dirty="0"/>
-              <a:t>Integration</a:t>
+              <a:rPr lang="en-US" dirty="0"/>
+              <a:t>Enterprise Service Bus (ESB)</a:t>
             </a:r>
           </a:p>
         </p:txBody>
@@ -9873,40 +9659,25 @@
           <a:p>
             <a:r>
               <a:rPr lang="en-US" dirty="0"/>
-              <a:t>Star integration means a system where each sub-system is connected with other sub-systems using point-to-point connections. </a:t>
-            </a:r>
-            <a:endParaRPr lang="en-US" dirty="0" smtClean="0"/>
-          </a:p>
-          <a:p>
-            <a:r>
-              <a:rPr lang="en-US" dirty="0" smtClean="0"/>
-              <a:t>This </a:t>
-            </a:r>
-            <a:r>
-              <a:rPr lang="en-US" dirty="0"/>
-              <a:t>allows for more functionality, but as the number of integrated systems increases, the number of integrations also increases significantly, and the management of the integrations becomes very demanding. </a:t>
-            </a:r>
-            <a:endParaRPr lang="en-US" dirty="0" smtClean="0"/>
-          </a:p>
-          <a:p>
-            <a:r>
-              <a:rPr lang="en-US" dirty="0" smtClean="0"/>
-              <a:t>As </a:t>
-            </a:r>
-            <a:r>
-              <a:rPr lang="en-US" dirty="0"/>
-              <a:t>an example, connecting ten systems to each other using this method will require 45 separate integrations, and every time there is a change in one system, nine connections may need to be re-done as well. </a:t>
-            </a:r>
-            <a:endParaRPr lang="en-US" dirty="0" smtClean="0"/>
-          </a:p>
-          <a:p>
-            <a:r>
-              <a:rPr lang="en-US" dirty="0" smtClean="0"/>
-              <a:t>Sometimes </a:t>
-            </a:r>
-            <a:r>
-              <a:rPr lang="en-US" dirty="0"/>
-              <a:t>Star Integration is there for also referred to as "Spaghetti Integration" as an analogy to “Spaghetti code”.</a:t>
+              <a:t>The ESB architecture involves the creation of a separate specialized subsystem — an enterprise service bus — that serves as a common user interface layer connecting other subsystems.</a:t>
+            </a:r>
+          </a:p>
+          <a:p>
+            <a:r>
+              <a:rPr lang="en-US" dirty="0"/>
+              <a:t>The ESB can be described as a set of middleware services that glue multiple systems, serving as a messaging backbone. </a:t>
+            </a:r>
+          </a:p>
+          <a:p>
+            <a:r>
+              <a:rPr lang="en-US" dirty="0"/>
+              <a:t>In contrast to hub-and-spoke with a single centralized integration engine, in ESB, each system is supplied with a separate integration engine and an adapter that translates a message into the canonical format and back into the destination supported format. </a:t>
+            </a:r>
+          </a:p>
+          <a:p>
+            <a:r>
+              <a:rPr lang="en-US" dirty="0"/>
+              <a:t>Initially designed to bridge complex internal systems of large enterprises, ESBs can work with cloud services too.</a:t>
             </a:r>
           </a:p>
         </p:txBody>
@@ -9938,7 +9709,7 @@
     </p:spTree>
     <p:extLst>
       <p:ext uri="{BB962C8B-B14F-4D97-AF65-F5344CB8AC3E}">
-        <p14:creationId xmlns:p14="http://schemas.microsoft.com/office/powerpoint/2010/main" val="1385202131"/>
+        <p14:creationId xmlns:p14="http://schemas.microsoft.com/office/powerpoint/2010/main" val="253314333"/>
       </p:ext>
     </p:extLst>
   </p:cSld>
@@ -10010,7 +9781,7 @@
               </a:lnSpc>
             </a:pPr>
             <a:r>
-              <a:rPr lang="en-US" dirty="0" smtClean="0"/>
+              <a:rPr lang="en-US" dirty="0"/>
               <a:t>Introduction</a:t>
             </a:r>
           </a:p>
@@ -10022,9 +9793,8 @@
             </a:pPr>
             <a:r>
               <a:rPr lang="en-US" dirty="0"/>
-              <a:t>Integrated system vs. Legacy System</a:t>
-            </a:r>
-            <a:endParaRPr lang="en-US" dirty="0" smtClean="0"/>
+              <a:t>Integration Types</a:t>
+            </a:r>
           </a:p>
           <a:p>
             <a:pPr>
@@ -10034,9 +9804,30 @@
             </a:pPr>
             <a:r>
               <a:rPr lang="en-US" dirty="0"/>
+              <a:t>Integration Models</a:t>
+            </a:r>
+          </a:p>
+          <a:p>
+            <a:pPr>
+              <a:lnSpc>
+                <a:spcPct val="100000"/>
+              </a:lnSpc>
+            </a:pPr>
+            <a:r>
+              <a:rPr lang="en-US" dirty="0"/>
+              <a:t>Integrated system vs. Legacy System</a:t>
+            </a:r>
+          </a:p>
+          <a:p>
+            <a:pPr>
+              <a:lnSpc>
+                <a:spcPct val="100000"/>
+              </a:lnSpc>
+            </a:pPr>
+            <a:r>
+              <a:rPr lang="en-US" dirty="0"/>
               <a:t>Integration type</a:t>
             </a:r>
-            <a:endParaRPr lang="en-US" dirty="0" smtClean="0"/>
           </a:p>
           <a:p>
             <a:pPr>
@@ -10085,13 +9876,6 @@
   <p:clrMapOvr>
     <a:masterClrMapping/>
   </p:clrMapOvr>
-  <p:timing>
-    <p:tnLst>
-      <p:par>
-        <p:cTn id="1" dur="indefinite" restart="never" nodeType="tmRoot"/>
-      </p:par>
-    </p:tnLst>
-  </p:timing>
 </p:sld>
 </file>
 
@@ -10128,12 +9912,8 @@
           <a:lstStyle/>
           <a:p>
             <a:r>
-              <a:rPr lang="en-US" dirty="0" smtClean="0"/>
-              <a:t>Horizontal </a:t>
-            </a:r>
-            <a:r>
-              <a:rPr lang="en-US" dirty="0"/>
-              <a:t>Integration</a:t>
+              <a:rPr lang="en-US" dirty="0"/>
+              <a:t>Vertical Integration</a:t>
             </a:r>
           </a:p>
         </p:txBody>
@@ -10157,40 +9937,19 @@
           <a:p>
             <a:r>
               <a:rPr lang="en-US" dirty="0"/>
-              <a:t>In horizontal integration, a separate sub-system is used as a common interface layer between all sub-systems.  </a:t>
-            </a:r>
-            <a:endParaRPr lang="en-US" dirty="0" smtClean="0"/>
-          </a:p>
-          <a:p>
-            <a:r>
-              <a:rPr lang="en-US" dirty="0" smtClean="0"/>
-              <a:t>Very </a:t>
-            </a:r>
-            <a:r>
-              <a:rPr lang="en-US" dirty="0"/>
-              <a:t>often, this layer is referred to as an Enterprise Service Bus (ESB).  </a:t>
-            </a:r>
-            <a:endParaRPr lang="en-US" dirty="0" smtClean="0"/>
-          </a:p>
-          <a:p>
-            <a:r>
-              <a:rPr lang="en-US" dirty="0" smtClean="0"/>
-              <a:t>This </a:t>
-            </a:r>
-            <a:r>
-              <a:rPr lang="en-US" dirty="0"/>
-              <a:t>method allows each sub-system to have just one single interface to communicate with all the other sub-systems connected to the common interface layer (i.e., with ten systems, there are only ten connections).  </a:t>
-            </a:r>
-            <a:endParaRPr lang="en-US" dirty="0" smtClean="0"/>
-          </a:p>
-          <a:p>
-            <a:r>
-              <a:rPr lang="en-US" dirty="0" smtClean="0"/>
-              <a:t>The </a:t>
-            </a:r>
-            <a:r>
-              <a:rPr lang="en-US" dirty="0"/>
-              <a:t>benefit of this method is also that each sub-system can be changed or even replaced without having to redo the interfaces of any other systems.</a:t>
+              <a:t>The system components (sub-systems) are integrated by creating functional "silos", beginning with the basic bottom function upward. </a:t>
+            </a:r>
+          </a:p>
+          <a:p>
+            <a:r>
+              <a:rPr lang="en-US" dirty="0"/>
+              <a:t>This is normally a relatively simple and easy method that only involves a limited number of systems (more than two), but on the other hand, this integration method is quite rigid and more difficult to manage in the long term as any new functionality will require its own functional ”silo”. </a:t>
+            </a:r>
+          </a:p>
+          <a:p>
+            <a:r>
+              <a:rPr lang="en-US" dirty="0"/>
+              <a:t>Still, this method can be used effectively to create simple integrations that only need to address a single function.</a:t>
             </a:r>
           </a:p>
         </p:txBody>
@@ -10222,7 +9981,7 @@
     </p:spTree>
     <p:extLst>
       <p:ext uri="{BB962C8B-B14F-4D97-AF65-F5344CB8AC3E}">
-        <p14:creationId xmlns:p14="http://schemas.microsoft.com/office/powerpoint/2010/main" val="1888378477"/>
+        <p14:creationId xmlns:p14="http://schemas.microsoft.com/office/powerpoint/2010/main" val="2334092565"/>
       </p:ext>
     </p:extLst>
   </p:cSld>
@@ -10266,7 +10025,7 @@
           <a:p>
             <a:r>
               <a:rPr lang="en-US" dirty="0"/>
-              <a:t>Common Data Format integration</a:t>
+              <a:t>Star Integration</a:t>
             </a:r>
           </a:p>
         </p:txBody>
@@ -10290,40 +10049,25 @@
           <a:p>
             <a:r>
               <a:rPr lang="en-US" dirty="0"/>
-              <a:t>Integrating different IT systems into each other usually requires that the data coming out from one system needs to be transformed into a different data format used by the receiving system.  </a:t>
-            </a:r>
-            <a:endParaRPr lang="en-US" dirty="0" smtClean="0"/>
-          </a:p>
-          <a:p>
-            <a:r>
-              <a:rPr lang="en-US" dirty="0" smtClean="0"/>
-              <a:t>As </a:t>
-            </a:r>
-            <a:r>
-              <a:rPr lang="en-US" dirty="0"/>
-              <a:t>with the Star Integration, if each transformation needs to be done system-by-system basis, the number of data transformations increases significantly and becomes a high-maintenance task.  </a:t>
-            </a:r>
-            <a:endParaRPr lang="en-US" dirty="0" smtClean="0"/>
-          </a:p>
-          <a:p>
-            <a:r>
-              <a:rPr lang="en-US" dirty="0" smtClean="0"/>
-              <a:t>To </a:t>
-            </a:r>
-            <a:r>
-              <a:rPr lang="en-US" dirty="0"/>
-              <a:t>overcome this problem, the common data format approach allows each system to do only one data conversion from its native format to the common (and vice versa).  </a:t>
-            </a:r>
-            <a:endParaRPr lang="en-US" dirty="0" smtClean="0"/>
-          </a:p>
-          <a:p>
-            <a:r>
-              <a:rPr lang="en-US" dirty="0" smtClean="0"/>
-              <a:t>This </a:t>
-            </a:r>
-            <a:r>
-              <a:rPr lang="en-US" dirty="0"/>
-              <a:t>way, the number of required data transformations is just as high as the number of the sub-system.</a:t>
+              <a:t>Star integration means a system where each sub-system is connected with other sub-systems using point-to-point connections. </a:t>
+            </a:r>
+          </a:p>
+          <a:p>
+            <a:r>
+              <a:rPr lang="en-US" dirty="0"/>
+              <a:t>This allows for more functionality, but as the number of integrated systems increases, the number of integrations also increases significantly, and the management of the integrations becomes very demanding. </a:t>
+            </a:r>
+          </a:p>
+          <a:p>
+            <a:r>
+              <a:rPr lang="en-US" dirty="0"/>
+              <a:t>As an example, connecting ten systems to each other using this method will require 45 separate integrations, and every time there is a change in one system, nine connections may need to be re-done as well. </a:t>
+            </a:r>
+          </a:p>
+          <a:p>
+            <a:r>
+              <a:rPr lang="en-US" dirty="0"/>
+              <a:t>Sometimes Star Integration is there for also referred to as "Spaghetti Integration" as an analogy to “Spaghetti code”.</a:t>
             </a:r>
           </a:p>
         </p:txBody>
@@ -10355,7 +10099,7 @@
     </p:spTree>
     <p:extLst>
       <p:ext uri="{BB962C8B-B14F-4D97-AF65-F5344CB8AC3E}">
-        <p14:creationId xmlns:p14="http://schemas.microsoft.com/office/powerpoint/2010/main" val="1635272410"/>
+        <p14:creationId xmlns:p14="http://schemas.microsoft.com/office/powerpoint/2010/main" val="1385202131"/>
       </p:ext>
     </p:extLst>
   </p:cSld>
@@ -10384,7 +10128,7 @@
       </p:grpSpPr>
       <p:sp>
         <p:nvSpPr>
-          <p:cNvPr id="4" name="Title 3"/>
+          <p:cNvPr id="2" name="Title 1"/>
           <p:cNvSpPr>
             <a:spLocks noGrp="1"/>
           </p:cNvSpPr>
@@ -10398,35 +10142,57 @@
           <a:lstStyle/>
           <a:p>
             <a:r>
-              <a:rPr lang="en-US" dirty="0" smtClean="0"/>
-              <a:t>A System for Value Delivery</a:t>
-            </a:r>
-            <a:endParaRPr lang="en-US" dirty="0"/>
-          </a:p>
-        </p:txBody>
-      </p:sp>
-      <p:sp>
-        <p:nvSpPr>
-          <p:cNvPr id="5" name="Text Placeholder 4"/>
-          <p:cNvSpPr>
-            <a:spLocks noGrp="1"/>
-          </p:cNvSpPr>
-          <p:nvPr>
-            <p:ph type="body" idx="1"/>
-          </p:nvPr>
-        </p:nvSpPr>
-        <p:spPr/>
-        <p:txBody>
-          <a:bodyPr/>
-          <a:lstStyle/>
-          <a:p>
-            <a:endParaRPr lang="en-US"/>
-          </a:p>
-        </p:txBody>
-      </p:sp>
-      <p:sp>
-        <p:nvSpPr>
-          <p:cNvPr id="2" name="Slide Number Placeholder 1"/>
+              <a:rPr lang="en-US" dirty="0"/>
+              <a:t>Horizontal Integration</a:t>
+            </a:r>
+          </a:p>
+        </p:txBody>
+      </p:sp>
+      <p:sp>
+        <p:nvSpPr>
+          <p:cNvPr id="3" name="Content Placeholder 2"/>
+          <p:cNvSpPr>
+            <a:spLocks noGrp="1"/>
+          </p:cNvSpPr>
+          <p:nvPr>
+            <p:ph idx="1"/>
+          </p:nvPr>
+        </p:nvSpPr>
+        <p:spPr/>
+        <p:txBody>
+          <a:bodyPr>
+            <a:normAutofit/>
+          </a:bodyPr>
+          <a:lstStyle/>
+          <a:p>
+            <a:r>
+              <a:rPr lang="en-US" dirty="0"/>
+              <a:t>In horizontal integration, a separate sub-system is used as a common interface layer between all sub-systems.  </a:t>
+            </a:r>
+          </a:p>
+          <a:p>
+            <a:r>
+              <a:rPr lang="en-US" dirty="0"/>
+              <a:t>Very often, this layer is referred to as an Enterprise Service Bus (ESB).  </a:t>
+            </a:r>
+          </a:p>
+          <a:p>
+            <a:r>
+              <a:rPr lang="en-US" dirty="0"/>
+              <a:t>This method allows each sub-system to have just one single interface to communicate with all the other sub-systems connected to the common interface layer (i.e., with ten systems, there are only ten connections).  </a:t>
+            </a:r>
+          </a:p>
+          <a:p>
+            <a:r>
+              <a:rPr lang="en-US" dirty="0"/>
+              <a:t>The benefit of this method is also that each sub-system can be changed or even replaced without having to redo the interfaces of any other systems.</a:t>
+            </a:r>
+          </a:p>
+        </p:txBody>
+      </p:sp>
+      <p:sp>
+        <p:nvSpPr>
+          <p:cNvPr id="4" name="Slide Number Placeholder 3"/>
           <p:cNvSpPr>
             <a:spLocks noGrp="1"/>
           </p:cNvSpPr>
@@ -10441,16 +10207,17 @@
           <a:p>
             <a:fld id="{B8DACC02-A2BD-4578-8E03-6D891060A695}" type="slidenum">
               <a:rPr lang="en-US" smtClean="0"/>
+              <a:pPr/>
               <a:t>22</a:t>
             </a:fld>
-            <a:endParaRPr lang="en-US"/>
+            <a:endParaRPr lang="en-US" dirty="0"/>
           </a:p>
         </p:txBody>
       </p:sp>
     </p:spTree>
     <p:extLst>
       <p:ext uri="{BB962C8B-B14F-4D97-AF65-F5344CB8AC3E}">
-        <p14:creationId xmlns:p14="http://schemas.microsoft.com/office/powerpoint/2010/main" val="4075390909"/>
+        <p14:creationId xmlns:p14="http://schemas.microsoft.com/office/powerpoint/2010/main" val="1888378477"/>
       </p:ext>
     </p:extLst>
   </p:cSld>
@@ -10494,13 +10261,8 @@
           <a:p>
             <a:r>
               <a:rPr lang="en-US" dirty="0"/>
-              <a:t>Legacy </a:t>
-            </a:r>
-            <a:r>
-              <a:rPr lang="en-US" dirty="0" smtClean="0"/>
-              <a:t>System</a:t>
-            </a:r>
-            <a:endParaRPr lang="en-US" dirty="0"/>
+              <a:t>Common Data Format integration</a:t>
+            </a:r>
           </a:p>
         </p:txBody>
       </p:sp>
@@ -10517,183 +10279,31 @@
         <p:spPr/>
         <p:txBody>
           <a:bodyPr>
-            <a:normAutofit fontScale="92500" lnSpcReduction="10000"/>
+            <a:normAutofit/>
           </a:bodyPr>
           <a:lstStyle/>
           <a:p>
             <a:r>
-              <a:rPr lang="en-US" dirty="0" smtClean="0"/>
-              <a:t>A </a:t>
-            </a:r>
-            <a:r>
-              <a:rPr lang="en-US" dirty="0"/>
-              <a:t>legacy </a:t>
-            </a:r>
-            <a:r>
-              <a:rPr lang="en-US" dirty="0" smtClean="0"/>
-              <a:t>system </a:t>
-            </a:r>
-            <a:r>
-              <a:rPr lang="en-US" dirty="0"/>
-              <a:t>refers to outdated </a:t>
-            </a:r>
-            <a:r>
-              <a:rPr lang="en-US" dirty="0" smtClean="0"/>
-              <a:t>computer systems</a:t>
-            </a:r>
-            <a:r>
-              <a:rPr lang="en-US" dirty="0"/>
-              <a:t>, programming languages or application software that are used </a:t>
-            </a:r>
-            <a:r>
-              <a:rPr lang="en-US" dirty="0" smtClean="0"/>
-              <a:t>instead of </a:t>
-            </a:r>
-            <a:r>
-              <a:rPr lang="en-US" dirty="0"/>
-              <a:t>available upgraded versions</a:t>
-            </a:r>
-            <a:r>
-              <a:rPr lang="en-US" dirty="0" smtClean="0"/>
-              <a:t>.</a:t>
-            </a:r>
-          </a:p>
-          <a:p>
-            <a:r>
-              <a:rPr lang="en-US" dirty="0" smtClean="0"/>
-              <a:t>A </a:t>
-            </a:r>
-            <a:r>
-              <a:rPr lang="en-US" dirty="0"/>
-              <a:t>legacy system is not necessarily defined by age</a:t>
-            </a:r>
-            <a:r>
-              <a:rPr lang="en-US" dirty="0" smtClean="0"/>
-              <a:t>.</a:t>
-            </a:r>
-          </a:p>
-          <a:p>
-            <a:pPr lvl="1"/>
-            <a:r>
-              <a:rPr lang="en-US" dirty="0" smtClean="0"/>
-              <a:t>Legacy </a:t>
-            </a:r>
-            <a:r>
-              <a:rPr lang="en-US" dirty="0"/>
-              <a:t>may refer to lack of vendor support </a:t>
-            </a:r>
-            <a:r>
-              <a:rPr lang="en-US" dirty="0" smtClean="0"/>
-              <a:t>or</a:t>
-            </a:r>
-          </a:p>
-          <a:p>
-            <a:pPr lvl="1"/>
-            <a:r>
-              <a:rPr lang="en-US" dirty="0" smtClean="0"/>
-              <a:t>A </a:t>
-            </a:r>
-            <a:r>
-              <a:rPr lang="en-US" dirty="0"/>
-              <a:t>system's incapacity to meet organizational requirements. For example, a </a:t>
-            </a:r>
-            <a:r>
-              <a:rPr lang="en-US" dirty="0" smtClean="0"/>
-              <a:t>large mainframe </a:t>
-            </a:r>
-            <a:r>
-              <a:rPr lang="en-US" dirty="0"/>
-              <a:t>may use a 64-bit Java, while a Linux platform might utilize code from the1960s</a:t>
-            </a:r>
-            <a:r>
-              <a:rPr lang="en-US" dirty="0" smtClean="0"/>
-              <a:t>.</a:t>
-            </a:r>
-          </a:p>
-          <a:p>
-            <a:pPr lvl="1"/>
-            <a:r>
-              <a:rPr lang="en-US" dirty="0" smtClean="0"/>
-              <a:t>Legacy </a:t>
-            </a:r>
-            <a:r>
-              <a:rPr lang="en-US" dirty="0"/>
-              <a:t>conditions refer to a system's difficulty (or inability) to be maintained, </a:t>
-            </a:r>
-            <a:r>
-              <a:rPr lang="en-US" dirty="0" smtClean="0"/>
-              <a:t>supported or </a:t>
-            </a:r>
-            <a:r>
-              <a:rPr lang="en-US" dirty="0"/>
-              <a:t>improved. A legacy system is usually incompatible with newly purchased systems</a:t>
-            </a:r>
-            <a:r>
-              <a:rPr lang="en-US" dirty="0" smtClean="0"/>
-              <a:t>.</a:t>
-            </a:r>
-          </a:p>
-          <a:p>
-            <a:r>
-              <a:rPr lang="en-US" dirty="0" smtClean="0"/>
-              <a:t>An </a:t>
-            </a:r>
-            <a:r>
-              <a:rPr lang="en-US" dirty="0"/>
-              <a:t>organization might continue to use legacy systems for a wide range </a:t>
-            </a:r>
-            <a:r>
-              <a:rPr lang="en-US" dirty="0" smtClean="0"/>
-              <a:t>of reasons</a:t>
-            </a:r>
-            <a:r>
-              <a:rPr lang="en-US" dirty="0"/>
-              <a:t>, such as the following</a:t>
-            </a:r>
-            <a:r>
-              <a:rPr lang="en-US" dirty="0" smtClean="0"/>
-              <a:t>:</a:t>
-            </a:r>
-          </a:p>
-          <a:p>
-            <a:pPr lvl="1"/>
-            <a:r>
-              <a:rPr lang="en-US" dirty="0" smtClean="0"/>
-              <a:t>"</a:t>
-            </a:r>
-            <a:r>
-              <a:rPr lang="en-US" dirty="0"/>
-              <a:t>If it is not broken." The system might work adequately</a:t>
-            </a:r>
-            <a:r>
-              <a:rPr lang="en-US" dirty="0" smtClean="0"/>
-              <a:t>.</a:t>
-            </a:r>
-          </a:p>
-          <a:p>
-            <a:pPr lvl="1"/>
-            <a:r>
-              <a:rPr lang="en-US" dirty="0" smtClean="0"/>
-              <a:t>The </a:t>
-            </a:r>
-            <a:r>
-              <a:rPr lang="en-US" dirty="0"/>
-              <a:t>system is complex, and documentation is poor. Simply defining scope can </a:t>
-            </a:r>
-            <a:r>
-              <a:rPr lang="en-US" dirty="0" smtClean="0"/>
-              <a:t>be difficult.</a:t>
-            </a:r>
-          </a:p>
-          <a:p>
-            <a:pPr lvl="1"/>
-            <a:r>
-              <a:rPr lang="en-US" dirty="0" smtClean="0"/>
-              <a:t>A </a:t>
-            </a:r>
-            <a:r>
-              <a:rPr lang="en-US" dirty="0"/>
-              <a:t>redesign is costly, due to complexity or monolithic architecture.</a:t>
+              <a:rPr lang="en-US" dirty="0"/>
+              <a:t>Integrating different IT systems into each other usually requires that the data coming out from one system needs to be transformed into a different data format used by the receiving system.  </a:t>
+            </a:r>
+          </a:p>
+          <a:p>
+            <a:r>
+              <a:rPr lang="en-US" dirty="0"/>
+              <a:t>As with the Star Integration, if each transformation needs to be done system-by-system basis, the number of data transformations increases significantly and becomes a high-maintenance task.  </a:t>
+            </a:r>
+          </a:p>
+          <a:p>
+            <a:r>
+              <a:rPr lang="en-US" dirty="0"/>
+              <a:t>To overcome this problem, the common data format approach allows each system to do only one data conversion from its native format to the common (and vice versa).  </a:t>
+            </a:r>
+          </a:p>
+          <a:p>
+            <a:r>
+              <a:rPr lang="en-US" dirty="0"/>
+              <a:t>This way, the number of required data transformations is just as high as the number of the sub-system.</a:t>
             </a:r>
           </a:p>
         </p:txBody>
@@ -10725,7 +10335,7 @@
     </p:spTree>
     <p:extLst>
       <p:ext uri="{BB962C8B-B14F-4D97-AF65-F5344CB8AC3E}">
-        <p14:creationId xmlns:p14="http://schemas.microsoft.com/office/powerpoint/2010/main" val="4168407607"/>
+        <p14:creationId xmlns:p14="http://schemas.microsoft.com/office/powerpoint/2010/main" val="1635272410"/>
       </p:ext>
     </p:extLst>
   </p:cSld>
@@ -10754,7 +10364,7 @@
       </p:grpSpPr>
       <p:sp>
         <p:nvSpPr>
-          <p:cNvPr id="2" name="Title 1"/>
+          <p:cNvPr id="4" name="Title 3"/>
           <p:cNvSpPr>
             <a:spLocks noGrp="1"/>
           </p:cNvSpPr>
@@ -10769,141 +10379,33 @@
           <a:p>
             <a:r>
               <a:rPr lang="en-US" dirty="0"/>
-              <a:t>Integrated system vs. Legacy system</a:t>
-            </a:r>
-          </a:p>
-        </p:txBody>
-      </p:sp>
-      <p:sp>
-        <p:nvSpPr>
-          <p:cNvPr id="3" name="Content Placeholder 2"/>
-          <p:cNvSpPr>
-            <a:spLocks noGrp="1"/>
-          </p:cNvSpPr>
-          <p:nvPr>
-            <p:ph idx="1"/>
-          </p:nvPr>
-        </p:nvSpPr>
-        <p:spPr/>
-        <p:txBody>
-          <a:bodyPr>
-            <a:normAutofit/>
-          </a:bodyPr>
-          <a:lstStyle/>
-          <a:p>
-            <a:r>
-              <a:rPr lang="en-US" dirty="0"/>
-              <a:t>Integrated </a:t>
-            </a:r>
-            <a:r>
-              <a:rPr lang="en-US" dirty="0" smtClean="0"/>
-              <a:t>system</a:t>
-            </a:r>
-          </a:p>
-          <a:p>
-            <a:pPr lvl="1"/>
-            <a:r>
-              <a:rPr lang="en-US" dirty="0" smtClean="0"/>
-              <a:t>Technology </a:t>
-            </a:r>
-            <a:r>
-              <a:rPr lang="en-US" dirty="0"/>
-              <a:t>dependency: independent of </a:t>
-            </a:r>
-            <a:r>
-              <a:rPr lang="en-US" dirty="0" smtClean="0"/>
-              <a:t>platforms, programming languages, database programming, database </a:t>
-            </a:r>
-            <a:r>
-              <a:rPr lang="en-US" dirty="0"/>
-              <a:t>schema and </a:t>
-            </a:r>
-            <a:r>
-              <a:rPr lang="en-US" dirty="0" err="1" smtClean="0"/>
-              <a:t>etc</a:t>
-            </a:r>
-            <a:endParaRPr lang="en-US" dirty="0" smtClean="0"/>
-          </a:p>
-          <a:p>
-            <a:pPr lvl="1"/>
-            <a:r>
-              <a:rPr lang="en-US" dirty="0" smtClean="0"/>
-              <a:t>Competitive </a:t>
-            </a:r>
-            <a:r>
-              <a:rPr lang="en-US" dirty="0"/>
-              <a:t>advantage: integrated system let </a:t>
-            </a:r>
-            <a:r>
-              <a:rPr lang="en-US" dirty="0" smtClean="0"/>
-              <a:t>an organization </a:t>
-            </a:r>
-            <a:r>
-              <a:rPr lang="en-US" dirty="0"/>
-              <a:t>be </a:t>
-            </a:r>
-            <a:r>
-              <a:rPr lang="en-US" dirty="0" smtClean="0"/>
-              <a:t>competitive in </a:t>
-            </a:r>
-            <a:r>
-              <a:rPr lang="en-US" dirty="0"/>
-              <a:t>a time in </a:t>
-            </a:r>
-            <a:r>
-              <a:rPr lang="en-US" dirty="0" smtClean="0"/>
-              <a:t>which Technology </a:t>
-            </a:r>
-            <a:r>
-              <a:rPr lang="en-US" dirty="0"/>
-              <a:t>is changed from time to time, </a:t>
-            </a:r>
-            <a:r>
-              <a:rPr lang="en-US" dirty="0" smtClean="0"/>
-              <a:t>growing needs </a:t>
-            </a:r>
-            <a:r>
-              <a:rPr lang="en-US" dirty="0"/>
-              <a:t>for information availability and accessibility </a:t>
-            </a:r>
-            <a:r>
-              <a:rPr lang="en-US" dirty="0" smtClean="0"/>
-              <a:t>is happened</a:t>
-            </a:r>
-            <a:r>
-              <a:rPr lang="en-US" dirty="0"/>
-              <a:t>, and </a:t>
-            </a:r>
-            <a:r>
-              <a:rPr lang="en-US" dirty="0" err="1" smtClean="0"/>
-              <a:t>etc</a:t>
-            </a:r>
-            <a:endParaRPr lang="en-US" dirty="0" smtClean="0"/>
-          </a:p>
-          <a:p>
-            <a:pPr lvl="1"/>
-            <a:r>
-              <a:rPr lang="en-US" dirty="0" smtClean="0"/>
-              <a:t>Integrated </a:t>
-            </a:r>
-            <a:r>
-              <a:rPr lang="en-US" dirty="0"/>
-              <a:t>system </a:t>
-            </a:r>
-            <a:r>
-              <a:rPr lang="en-US" dirty="0" smtClean="0"/>
-              <a:t>designed with consideration modification and evolution to meet new and constantly </a:t>
-            </a:r>
-            <a:r>
-              <a:rPr lang="en-US" dirty="0"/>
-              <a:t>changing business requirements.</a:t>
-            </a:r>
-          </a:p>
-        </p:txBody>
-      </p:sp>
-      <p:sp>
-        <p:nvSpPr>
-          <p:cNvPr id="4" name="Slide Number Placeholder 3"/>
+              <a:t>Integrated system vs. Legacy System</a:t>
+            </a:r>
+          </a:p>
+        </p:txBody>
+      </p:sp>
+      <p:sp>
+        <p:nvSpPr>
+          <p:cNvPr id="5" name="Text Placeholder 4"/>
+          <p:cNvSpPr>
+            <a:spLocks noGrp="1"/>
+          </p:cNvSpPr>
+          <p:nvPr>
+            <p:ph type="body" idx="1"/>
+          </p:nvPr>
+        </p:nvSpPr>
+        <p:spPr/>
+        <p:txBody>
+          <a:bodyPr/>
+          <a:lstStyle/>
+          <a:p>
+            <a:endParaRPr lang="en-US"/>
+          </a:p>
+        </p:txBody>
+      </p:sp>
+      <p:sp>
+        <p:nvSpPr>
+          <p:cNvPr id="2" name="Slide Number Placeholder 1"/>
           <p:cNvSpPr>
             <a:spLocks noGrp="1"/>
           </p:cNvSpPr>
@@ -10918,17 +10420,16 @@
           <a:p>
             <a:fld id="{B8DACC02-A2BD-4578-8E03-6D891060A695}" type="slidenum">
               <a:rPr lang="en-US" smtClean="0"/>
-              <a:pPr/>
               <a:t>24</a:t>
             </a:fld>
-            <a:endParaRPr lang="en-US" dirty="0"/>
+            <a:endParaRPr lang="en-US"/>
           </a:p>
         </p:txBody>
       </p:sp>
     </p:spTree>
     <p:extLst>
       <p:ext uri="{BB962C8B-B14F-4D97-AF65-F5344CB8AC3E}">
-        <p14:creationId xmlns:p14="http://schemas.microsoft.com/office/powerpoint/2010/main" val="3269652924"/>
+        <p14:creationId xmlns:p14="http://schemas.microsoft.com/office/powerpoint/2010/main" val="4075390909"/>
       </p:ext>
     </p:extLst>
   </p:cSld>
@@ -10972,7 +10473,7 @@
           <a:p>
             <a:r>
               <a:rPr lang="en-US" dirty="0"/>
-              <a:t>Integrated system vs. Legacy system</a:t>
+              <a:t>Legacy System</a:t>
             </a:r>
           </a:p>
         </p:txBody>
@@ -10990,116 +10491,67 @@
         <p:spPr/>
         <p:txBody>
           <a:bodyPr>
-            <a:normAutofit/>
+            <a:normAutofit fontScale="92500"/>
           </a:bodyPr>
           <a:lstStyle/>
           <a:p>
             <a:r>
               <a:rPr lang="en-US" dirty="0"/>
-              <a:t>Integrated </a:t>
-            </a:r>
-            <a:r>
-              <a:rPr lang="en-US" dirty="0" smtClean="0"/>
-              <a:t>system</a:t>
+              <a:t>A legacy system refers to outdated computer systems, programming languages or application software that are used instead of available upgraded versions.</a:t>
+            </a:r>
+          </a:p>
+          <a:p>
+            <a:r>
+              <a:rPr lang="en-US" dirty="0"/>
+              <a:t>A legacy system is not necessarily defined by age.</a:t>
             </a:r>
           </a:p>
           <a:p>
             <a:pPr lvl="1"/>
             <a:r>
-              <a:rPr lang="en-US" dirty="0" smtClean="0"/>
-              <a:t>Technology </a:t>
-            </a:r>
-            <a:r>
-              <a:rPr lang="en-US" dirty="0"/>
-              <a:t>dependency: independent of </a:t>
-            </a:r>
-            <a:r>
-              <a:rPr lang="en-US" dirty="0" smtClean="0"/>
-              <a:t>platforms, programming languages, database programming, database </a:t>
-            </a:r>
-            <a:r>
-              <a:rPr lang="en-US" dirty="0"/>
-              <a:t>schema and </a:t>
-            </a:r>
-            <a:r>
-              <a:rPr lang="en-US" dirty="0" err="1" smtClean="0"/>
-              <a:t>etc</a:t>
-            </a:r>
-            <a:endParaRPr lang="en-US" dirty="0" smtClean="0"/>
+              <a:rPr lang="en-US" dirty="0"/>
+              <a:t>Legacy may refer to lack of vendor support or</a:t>
+            </a:r>
           </a:p>
           <a:p>
             <a:pPr lvl="1"/>
             <a:r>
-              <a:rPr lang="en-US" dirty="0" smtClean="0"/>
-              <a:t>Competitive </a:t>
-            </a:r>
-            <a:r>
-              <a:rPr lang="en-US" dirty="0"/>
-              <a:t>advantage: integrated system let </a:t>
-            </a:r>
-            <a:r>
-              <a:rPr lang="en-US" dirty="0" smtClean="0"/>
-              <a:t>an organization </a:t>
-            </a:r>
-            <a:r>
-              <a:rPr lang="en-US" dirty="0"/>
-              <a:t>be </a:t>
-            </a:r>
-            <a:r>
-              <a:rPr lang="en-US" dirty="0" smtClean="0"/>
-              <a:t>competitive in </a:t>
-            </a:r>
-            <a:r>
-              <a:rPr lang="en-US" dirty="0"/>
-              <a:t>a time in </a:t>
-            </a:r>
-            <a:r>
-              <a:rPr lang="en-US" dirty="0" smtClean="0"/>
-              <a:t>which Technology </a:t>
-            </a:r>
-            <a:r>
-              <a:rPr lang="en-US" dirty="0"/>
-              <a:t>is changed from time to time, </a:t>
-            </a:r>
-            <a:r>
-              <a:rPr lang="en-US" dirty="0" smtClean="0"/>
-              <a:t>growing needs </a:t>
-            </a:r>
-            <a:r>
-              <a:rPr lang="en-US" dirty="0"/>
-              <a:t>for information availability and accessibility </a:t>
-            </a:r>
-            <a:r>
-              <a:rPr lang="en-US" dirty="0" smtClean="0"/>
-              <a:t>is happened</a:t>
-            </a:r>
-            <a:r>
-              <a:rPr lang="en-US" dirty="0"/>
-              <a:t>, and </a:t>
-            </a:r>
-            <a:r>
-              <a:rPr lang="en-US" dirty="0" err="1" smtClean="0"/>
-              <a:t>etc</a:t>
-            </a:r>
-            <a:endParaRPr lang="en-US" dirty="0" smtClean="0"/>
+              <a:rPr lang="en-US" dirty="0"/>
+              <a:t>A system's incapacity to meet organizational requirements. For example, a large mainframe may use a 64-bit Java, while a Linux platform might utilize code from the1960s.</a:t>
+            </a:r>
           </a:p>
           <a:p>
             <a:pPr lvl="1"/>
             <a:r>
-              <a:rPr lang="en-US" dirty="0" smtClean="0"/>
-              <a:t>Integrated </a:t>
-            </a:r>
-            <a:r>
-              <a:rPr lang="en-US" dirty="0"/>
-              <a:t>system </a:t>
-            </a:r>
-            <a:r>
-              <a:rPr lang="en-US" dirty="0" smtClean="0"/>
-              <a:t>designed with consideration modification and evolution to meet new and constantly </a:t>
-            </a:r>
-            <a:r>
-              <a:rPr lang="en-US" dirty="0"/>
-              <a:t>changing business requirements.</a:t>
+              <a:rPr lang="en-US" dirty="0"/>
+              <a:t>Legacy conditions refer to a system's difficulty (or inability) to be maintained, supported or improved. A legacy system is usually incompatible with newly purchased systems.</a:t>
+            </a:r>
+          </a:p>
+          <a:p>
+            <a:r>
+              <a:rPr lang="en-US" dirty="0"/>
+              <a:t>An organization might continue to use legacy systems for a wide range of reasons, such as the following:</a:t>
+            </a:r>
+          </a:p>
+          <a:p>
+            <a:pPr lvl="1"/>
+            <a:r>
+              <a:rPr lang="en-US" dirty="0"/>
+              <a:t>"If it is not broken." The system might work adequately.</a:t>
+            </a:r>
+          </a:p>
+          <a:p>
+            <a:pPr lvl="1"/>
+            <a:r>
+              <a:rPr lang="en-US" dirty="0"/>
+              <a:t>The system is complex, and documentation is poor. Simply defining scope can be difficult.</a:t>
+            </a:r>
+          </a:p>
+          <a:p>
+            <a:pPr lvl="1"/>
+            <a:r>
+              <a:rPr lang="en-US" dirty="0"/>
+              <a:t>A redesign is costly, due to complexity or monolithic architecture.</a:t>
             </a:r>
           </a:p>
         </p:txBody>
@@ -11131,7 +10583,7 @@
     </p:spTree>
     <p:extLst>
       <p:ext uri="{BB962C8B-B14F-4D97-AF65-F5344CB8AC3E}">
-        <p14:creationId xmlns:p14="http://schemas.microsoft.com/office/powerpoint/2010/main" val="2739920468"/>
+        <p14:creationId xmlns:p14="http://schemas.microsoft.com/office/powerpoint/2010/main" val="4168407607"/>
       </p:ext>
     </p:extLst>
   </p:cSld>
@@ -11175,7 +10627,62 @@
           <a:p>
             <a:r>
               <a:rPr lang="en-US" dirty="0"/>
-              <a:t>Integration uncovers hidden problems</a:t>
+              <a:t>Integrated system vs. Legacy system</a:t>
+            </a:r>
+          </a:p>
+        </p:txBody>
+      </p:sp>
+      <p:sp>
+        <p:nvSpPr>
+          <p:cNvPr id="3" name="Content Placeholder 2"/>
+          <p:cNvSpPr>
+            <a:spLocks noGrp="1"/>
+          </p:cNvSpPr>
+          <p:nvPr>
+            <p:ph idx="1"/>
+          </p:nvPr>
+        </p:nvSpPr>
+        <p:spPr/>
+        <p:txBody>
+          <a:bodyPr>
+            <a:normAutofit/>
+          </a:bodyPr>
+          <a:lstStyle/>
+          <a:p>
+            <a:r>
+              <a:rPr lang="en-US" dirty="0"/>
+              <a:t>Integrated system</a:t>
+            </a:r>
+          </a:p>
+          <a:p>
+            <a:pPr lvl="1"/>
+            <a:r>
+              <a:rPr lang="en-US" dirty="0"/>
+              <a:t>Technology dependency: independent of platforms, programming languages, database programming, database schema and </a:t>
+            </a:r>
+            <a:r>
+              <a:rPr lang="en-US" dirty="0" err="1"/>
+              <a:t>etc</a:t>
+            </a:r>
+            <a:endParaRPr lang="en-US" dirty="0"/>
+          </a:p>
+          <a:p>
+            <a:pPr lvl="1"/>
+            <a:r>
+              <a:rPr lang="en-US" dirty="0"/>
+              <a:t>Competitive advantage: integrated system let an organization be competitive in a time in which Technology is changed from time to time, growing needs for information availability and accessibility is happened, and </a:t>
+            </a:r>
+            <a:r>
+              <a:rPr lang="en-US" dirty="0" err="1"/>
+              <a:t>etc</a:t>
+            </a:r>
+            <a:endParaRPr lang="en-US" dirty="0"/>
+          </a:p>
+          <a:p>
+            <a:pPr lvl="1"/>
+            <a:r>
+              <a:rPr lang="en-US" dirty="0"/>
+              <a:t>Integrated system designed with consideration modification and evolution to meet new and constantly changing business requirements.</a:t>
             </a:r>
           </a:p>
         </p:txBody>
@@ -11204,34 +10711,10 @@
           </a:p>
         </p:txBody>
       </p:sp>
-      <p:pic>
-        <p:nvPicPr>
-          <p:cNvPr id="6" name="Picture 5"/>
-          <p:cNvPicPr>
-            <a:picLocks noChangeAspect="1"/>
-          </p:cNvPicPr>
-          <p:nvPr/>
-        </p:nvPicPr>
-        <p:blipFill>
-          <a:blip r:embed="rId2"/>
-          <a:stretch>
-            <a:fillRect/>
-          </a:stretch>
-        </p:blipFill>
-        <p:spPr>
-          <a:xfrm>
-            <a:off x="1823511" y="1489551"/>
-            <a:ext cx="7764109" cy="4824542"/>
-          </a:xfrm>
-          <a:prstGeom prst="rect">
-            <a:avLst/>
-          </a:prstGeom>
-        </p:spPr>
-      </p:pic>
     </p:spTree>
     <p:extLst>
       <p:ext uri="{BB962C8B-B14F-4D97-AF65-F5344CB8AC3E}">
-        <p14:creationId xmlns:p14="http://schemas.microsoft.com/office/powerpoint/2010/main" val="404781862"/>
+        <p14:creationId xmlns:p14="http://schemas.microsoft.com/office/powerpoint/2010/main" val="3269652924"/>
       </p:ext>
     </p:extLst>
   </p:cSld>
@@ -11260,7 +10743,13 @@
       </p:grpSpPr>
       <p:sp>
         <p:nvSpPr>
-          <p:cNvPr id="2" name="Title 1"/>
+          <p:cNvPr id="2" name="Title 1">
+            <a:extLst>
+              <a:ext uri="{FF2B5EF4-FFF2-40B4-BE49-F238E27FC236}">
+                <a16:creationId xmlns:a16="http://schemas.microsoft.com/office/drawing/2014/main" id="{8CDB4D21-E51A-9E44-A22F-3E3E4B7087D6}"/>
+              </a:ext>
+            </a:extLst>
+          </p:cNvPr>
           <p:cNvSpPr>
             <a:spLocks noGrp="1"/>
           </p:cNvSpPr>
@@ -11275,14 +10764,20 @@
           <a:p>
             <a:r>
               <a:rPr lang="en-US" dirty="0"/>
-              <a:t>Example Functional Model of Information Flow</a:t>
-            </a:r>
-          </a:p>
-        </p:txBody>
-      </p:sp>
-      <p:sp>
-        <p:nvSpPr>
-          <p:cNvPr id="3" name="Content Placeholder 2"/>
+              <a:t>Legacy systems modernization and migration</a:t>
+            </a:r>
+          </a:p>
+        </p:txBody>
+      </p:sp>
+      <p:sp>
+        <p:nvSpPr>
+          <p:cNvPr id="3" name="Content Placeholder 2">
+            <a:extLst>
+              <a:ext uri="{FF2B5EF4-FFF2-40B4-BE49-F238E27FC236}">
+                <a16:creationId xmlns:a16="http://schemas.microsoft.com/office/drawing/2014/main" id="{CC02241E-31B2-A8D6-A9CA-EE0FC38461D5}"/>
+              </a:ext>
+            </a:extLst>
+          </p:cNvPr>
           <p:cNvSpPr>
             <a:spLocks noGrp="1"/>
           </p:cNvSpPr>
@@ -11295,62 +10790,35 @@
           <a:bodyPr/>
           <a:lstStyle/>
           <a:p>
-            <a:endParaRPr lang="en-US"/>
-          </a:p>
-        </p:txBody>
-      </p:sp>
-      <p:sp>
-        <p:nvSpPr>
-          <p:cNvPr id="4" name="Slide Number Placeholder 3"/>
-          <p:cNvSpPr>
-            <a:spLocks noGrp="1"/>
-          </p:cNvSpPr>
-          <p:nvPr>
-            <p:ph type="sldNum" sz="quarter" idx="12"/>
-          </p:nvPr>
-        </p:nvSpPr>
-        <p:spPr/>
-        <p:txBody>
-          <a:bodyPr/>
-          <a:lstStyle/>
-          <a:p>
-            <a:fld id="{B8DACC02-A2BD-4578-8E03-6D891060A695}" type="slidenum">
-              <a:rPr lang="en-US" smtClean="0"/>
-              <a:pPr/>
-              <a:t>27</a:t>
-            </a:fld>
-            <a:endParaRPr lang="en-US" dirty="0"/>
-          </a:p>
-        </p:txBody>
-      </p:sp>
-      <p:pic>
-        <p:nvPicPr>
-          <p:cNvPr id="5" name="Picture 4"/>
-          <p:cNvPicPr>
-            <a:picLocks noChangeAspect="1"/>
-          </p:cNvPicPr>
-          <p:nvPr/>
-        </p:nvPicPr>
-        <p:blipFill>
-          <a:blip r:embed="rId2"/>
-          <a:stretch>
-            <a:fillRect/>
-          </a:stretch>
-        </p:blipFill>
-        <p:spPr>
-          <a:xfrm>
-            <a:off x="1092278" y="1406880"/>
-            <a:ext cx="9916909" cy="4486901"/>
-          </a:xfrm>
-          <a:prstGeom prst="rect">
-            <a:avLst/>
-          </a:prstGeom>
-        </p:spPr>
-      </p:pic>
+            <a:r>
+              <a:rPr lang="en-US" dirty="0"/>
+              <a:t>Legacy systems and applications cannot be maintained at a functioning level forever. </a:t>
+            </a:r>
+          </a:p>
+          <a:p>
+            <a:r>
+              <a:rPr lang="en-US" dirty="0"/>
+              <a:t>At some point, most enterprises will update or replace outdated hardware, coding language, OSes and software.</a:t>
+            </a:r>
+          </a:p>
+          <a:p>
+            <a:r>
+              <a:rPr lang="en-US" dirty="0"/>
+              <a:t>Legacy system and software modernization and migration often involves refactoring, which is the restructuring of a system's code to make it compatible with a new platform. </a:t>
+            </a:r>
+          </a:p>
+          <a:p>
+            <a:r>
+              <a:rPr lang="en-US" dirty="0"/>
+              <a:t>An enterprise conducting a legacy system modernization or migration must first evaluate which components of its system need to be addressed</a:t>
+            </a:r>
+          </a:p>
+        </p:txBody>
+      </p:sp>
     </p:spTree>
     <p:extLst>
       <p:ext uri="{BB962C8B-B14F-4D97-AF65-F5344CB8AC3E}">
-        <p14:creationId xmlns:p14="http://schemas.microsoft.com/office/powerpoint/2010/main" val="1632716764"/>
+        <p14:creationId xmlns:p14="http://schemas.microsoft.com/office/powerpoint/2010/main" val="2159076777"/>
       </p:ext>
     </p:extLst>
   </p:cSld>
@@ -11379,7 +10847,13 @@
       </p:grpSpPr>
       <p:sp>
         <p:nvSpPr>
-          <p:cNvPr id="2" name="Title 1"/>
+          <p:cNvPr id="2" name="Title 1">
+            <a:extLst>
+              <a:ext uri="{FF2B5EF4-FFF2-40B4-BE49-F238E27FC236}">
+                <a16:creationId xmlns:a16="http://schemas.microsoft.com/office/drawing/2014/main" id="{7CB12664-4FCE-CD42-6C6F-283567B61E60}"/>
+              </a:ext>
+            </a:extLst>
+          </p:cNvPr>
           <p:cNvSpPr>
             <a:spLocks noGrp="1"/>
           </p:cNvSpPr>
@@ -11392,13 +10866,22 @@
           <a:bodyPr/>
           <a:lstStyle/>
           <a:p>
-            <a:endParaRPr lang="en-US"/>
-          </a:p>
-        </p:txBody>
-      </p:sp>
-      <p:sp>
-        <p:nvSpPr>
-          <p:cNvPr id="3" name="Content Placeholder 2"/>
+            <a:r>
+              <a:rPr lang="en-US" dirty="0"/>
+              <a:t>Legacy systems modernization and migration</a:t>
+            </a:r>
+          </a:p>
+        </p:txBody>
+      </p:sp>
+      <p:sp>
+        <p:nvSpPr>
+          <p:cNvPr id="3" name="Content Placeholder 2">
+            <a:extLst>
+              <a:ext uri="{FF2B5EF4-FFF2-40B4-BE49-F238E27FC236}">
+                <a16:creationId xmlns:a16="http://schemas.microsoft.com/office/drawing/2014/main" id="{B58BEB0A-557D-CCAB-48D1-8F12BAF092E9}"/>
+              </a:ext>
+            </a:extLst>
+          </p:cNvPr>
           <p:cNvSpPr>
             <a:spLocks noGrp="1"/>
           </p:cNvSpPr>
@@ -11408,33 +10891,38 @@
         </p:nvSpPr>
         <p:spPr/>
         <p:txBody>
-          <a:bodyPr/>
-          <a:lstStyle/>
-          <a:p>
-            <a:endParaRPr lang="en-US"/>
-          </a:p>
-        </p:txBody>
-      </p:sp>
-      <p:sp>
-        <p:nvSpPr>
-          <p:cNvPr id="4" name="Slide Number Placeholder 3"/>
-          <p:cNvSpPr>
-            <a:spLocks noGrp="1"/>
-          </p:cNvSpPr>
-          <p:nvPr>
-            <p:ph type="sldNum" sz="quarter" idx="12"/>
-          </p:nvPr>
-        </p:nvSpPr>
-        <p:spPr/>
-        <p:txBody>
-          <a:bodyPr/>
-          <a:lstStyle/>
-          <a:p>
-            <a:fld id="{B8DACC02-A2BD-4578-8E03-6D891060A695}" type="slidenum">
-              <a:rPr lang="en-US" smtClean="0"/>
-              <a:pPr/>
-              <a:t>28</a:t>
-            </a:fld>
+          <a:bodyPr>
+            <a:normAutofit/>
+          </a:bodyPr>
+          <a:lstStyle/>
+          <a:p>
+            <a:r>
+              <a:rPr lang="en-US" dirty="0"/>
+              <a:t>You should follow these steps:</a:t>
+            </a:r>
+          </a:p>
+          <a:p>
+            <a:pPr lvl="1"/>
+            <a:r>
+              <a:rPr lang="en-US" dirty="0"/>
+              <a:t>Identify which components of the system or application are no longer meeting standards or requirements for business processes and must be modernized or upgraded. Organizations should consider functionality and cost.</a:t>
+            </a:r>
+          </a:p>
+          <a:p>
+            <a:pPr lvl="1"/>
+            <a:r>
+              <a:rPr lang="en-US" dirty="0"/>
+              <a:t>Evaluate modernization or migration options. For example, a team considers moving to a software-as-a-service approach with application programming interfaces, or APIs, that free the application from ties to a specific OS and make future updates simpler. An enterprise can also redistribute the location of its application and data between on-site data centers and public cloud platforms using infrastructure as a service.</a:t>
+            </a:r>
+          </a:p>
+          <a:p>
+            <a:pPr lvl="1"/>
+            <a:r>
+              <a:rPr lang="en-US" dirty="0"/>
+              <a:t>Choose the option that will most benefit the organization's architecture, scalability and functionality.</a:t>
+            </a:r>
+          </a:p>
+          <a:p>
             <a:endParaRPr lang="en-US" dirty="0"/>
           </a:p>
         </p:txBody>
@@ -11442,7 +10930,7 @@
     </p:spTree>
     <p:extLst>
       <p:ext uri="{BB962C8B-B14F-4D97-AF65-F5344CB8AC3E}">
-        <p14:creationId xmlns:p14="http://schemas.microsoft.com/office/powerpoint/2010/main" val="750288791"/>
+        <p14:creationId xmlns:p14="http://schemas.microsoft.com/office/powerpoint/2010/main" val="1544445667"/>
       </p:ext>
     </p:extLst>
   </p:cSld>
@@ -11471,7 +10959,13 @@
       </p:grpSpPr>
       <p:sp>
         <p:nvSpPr>
-          <p:cNvPr id="2" name="Title 1"/>
+          <p:cNvPr id="2" name="Title 1">
+            <a:extLst>
+              <a:ext uri="{FF2B5EF4-FFF2-40B4-BE49-F238E27FC236}">
+                <a16:creationId xmlns:a16="http://schemas.microsoft.com/office/drawing/2014/main" id="{AE72C537-01D3-F17E-E028-76F033851B37}"/>
+              </a:ext>
+            </a:extLst>
+          </p:cNvPr>
           <p:cNvSpPr>
             <a:spLocks noGrp="1"/>
           </p:cNvSpPr>
@@ -11486,19 +10980,25 @@
           <a:p>
             <a:r>
               <a:rPr lang="en-US" dirty="0"/>
-              <a:t>System Integration Challenges</a:t>
-            </a:r>
-          </a:p>
-        </p:txBody>
-      </p:sp>
-      <p:sp>
-        <p:nvSpPr>
-          <p:cNvPr id="3" name="Text Placeholder 2"/>
-          <p:cNvSpPr>
-            <a:spLocks noGrp="1"/>
-          </p:cNvSpPr>
-          <p:nvPr>
-            <p:ph type="body" idx="1"/>
+              <a:t>Legacy systems modernization techniques</a:t>
+            </a:r>
+          </a:p>
+        </p:txBody>
+      </p:sp>
+      <p:sp>
+        <p:nvSpPr>
+          <p:cNvPr id="3" name="Content Placeholder 2">
+            <a:extLst>
+              <a:ext uri="{FF2B5EF4-FFF2-40B4-BE49-F238E27FC236}">
+                <a16:creationId xmlns:a16="http://schemas.microsoft.com/office/drawing/2014/main" id="{50B06449-A317-88FD-DF12-4D7F80D4A011}"/>
+              </a:ext>
+            </a:extLst>
+          </p:cNvPr>
+          <p:cNvSpPr>
+            <a:spLocks noGrp="1"/>
+          </p:cNvSpPr>
+          <p:nvPr>
+            <p:ph idx="1"/>
           </p:nvPr>
         </p:nvSpPr>
         <p:spPr/>
@@ -11510,33 +11010,55 @@
           </a:p>
         </p:txBody>
       </p:sp>
-      <p:sp>
-        <p:nvSpPr>
-          <p:cNvPr id="4" name="Slide Number Placeholder 3"/>
-          <p:cNvSpPr>
-            <a:spLocks noGrp="1"/>
-          </p:cNvSpPr>
-          <p:nvPr>
-            <p:ph type="sldNum" sz="quarter" idx="12"/>
-          </p:nvPr>
-        </p:nvSpPr>
-        <p:spPr/>
-        <p:txBody>
-          <a:bodyPr/>
-          <a:lstStyle/>
-          <a:p>
-            <a:fld id="{B8DACC02-A2BD-4578-8E03-6D891060A695}" type="slidenum">
-              <a:rPr lang="en-US" smtClean="0"/>
-              <a:t>29</a:t>
-            </a:fld>
-            <a:endParaRPr lang="en-US"/>
-          </a:p>
-        </p:txBody>
-      </p:sp>
+      <p:pic>
+        <p:nvPicPr>
+          <p:cNvPr id="1026" name="Picture 2">
+            <a:extLst>
+              <a:ext uri="{FF2B5EF4-FFF2-40B4-BE49-F238E27FC236}">
+                <a16:creationId xmlns:a16="http://schemas.microsoft.com/office/drawing/2014/main" id="{4C945F79-E087-C0DA-0488-81CA59381A3E}"/>
+              </a:ext>
+            </a:extLst>
+          </p:cNvPr>
+          <p:cNvPicPr>
+            <a:picLocks noChangeAspect="1" noChangeArrowheads="1"/>
+          </p:cNvPicPr>
+          <p:nvPr/>
+        </p:nvPicPr>
+        <p:blipFill rotWithShape="1">
+          <a:blip r:embed="rId2">
+            <a:extLst>
+              <a:ext uri="{28A0092B-C50C-407E-A947-70E740481C1C}">
+                <a14:useLocalDpi xmlns:a14="http://schemas.microsoft.com/office/drawing/2010/main" val="0"/>
+              </a:ext>
+            </a:extLst>
+          </a:blip>
+          <a:srcRect l="8909" t="37562" r="8982" b="20808"/>
+          <a:stretch/>
+        </p:blipFill>
+        <p:spPr bwMode="auto">
+          <a:xfrm>
+            <a:off x="2182090" y="2750127"/>
+            <a:ext cx="7820891" cy="2272146"/>
+          </a:xfrm>
+          <a:prstGeom prst="rect">
+            <a:avLst/>
+          </a:prstGeom>
+          <a:noFill/>
+          <a:extLst>
+            <a:ext uri="{909E8E84-426E-40DD-AFC4-6F175D3DCCD1}">
+              <a14:hiddenFill xmlns:a14="http://schemas.microsoft.com/office/drawing/2010/main">
+                <a:solidFill>
+                  <a:srgbClr val="FFFFFF"/>
+                </a:solidFill>
+              </a14:hiddenFill>
+            </a:ext>
+          </a:extLst>
+        </p:spPr>
+      </p:pic>
     </p:spTree>
     <p:extLst>
       <p:ext uri="{BB962C8B-B14F-4D97-AF65-F5344CB8AC3E}">
-        <p14:creationId xmlns:p14="http://schemas.microsoft.com/office/powerpoint/2010/main" val="4178565334"/>
+        <p14:creationId xmlns:p14="http://schemas.microsoft.com/office/powerpoint/2010/main" val="3250170649"/>
       </p:ext>
     </p:extLst>
   </p:cSld>
@@ -11579,10 +11101,9 @@
           <a:lstStyle/>
           <a:p>
             <a:r>
-              <a:rPr lang="en-US" dirty="0" smtClean="0"/>
+              <a:rPr lang="en-US" dirty="0"/>
               <a:t>Introduction</a:t>
             </a:r>
-            <a:endParaRPr lang="en-US" dirty="0"/>
           </a:p>
         </p:txBody>
       </p:sp>
@@ -11639,13 +11160,6 @@
   <p:clrMapOvr>
     <a:masterClrMapping/>
   </p:clrMapOvr>
-  <p:timing>
-    <p:tnLst>
-      <p:par>
-        <p:cTn id="1" dur="indefinite" restart="never" nodeType="tmRoot"/>
-      </p:par>
-    </p:tnLst>
-  </p:timing>
 </p:sld>
 </file>
 
@@ -11668,7 +11182,13 @@
       </p:grpSpPr>
       <p:sp>
         <p:nvSpPr>
-          <p:cNvPr id="2" name="Title 1"/>
+          <p:cNvPr id="2" name="Title 1">
+            <a:extLst>
+              <a:ext uri="{FF2B5EF4-FFF2-40B4-BE49-F238E27FC236}">
+                <a16:creationId xmlns:a16="http://schemas.microsoft.com/office/drawing/2014/main" id="{BA2A3DCD-1617-D65B-3063-60944CCD98FF}"/>
+              </a:ext>
+            </a:extLst>
+          </p:cNvPr>
           <p:cNvSpPr>
             <a:spLocks noGrp="1"/>
           </p:cNvSpPr>
@@ -11681,13 +11201,22 @@
           <a:bodyPr/>
           <a:lstStyle/>
           <a:p>
-            <a:endParaRPr lang="en-US"/>
-          </a:p>
-        </p:txBody>
-      </p:sp>
-      <p:sp>
-        <p:nvSpPr>
-          <p:cNvPr id="3" name="Content Placeholder 2"/>
+            <a:r>
+              <a:rPr lang="en-US" dirty="0"/>
+              <a:t>Legacy systems modernization and migration</a:t>
+            </a:r>
+          </a:p>
+        </p:txBody>
+      </p:sp>
+      <p:sp>
+        <p:nvSpPr>
+          <p:cNvPr id="3" name="Content Placeholder 2">
+            <a:extLst>
+              <a:ext uri="{FF2B5EF4-FFF2-40B4-BE49-F238E27FC236}">
+                <a16:creationId xmlns:a16="http://schemas.microsoft.com/office/drawing/2014/main" id="{C7765527-C918-5ACC-826C-91B5D13B3764}"/>
+              </a:ext>
+            </a:extLst>
+          </p:cNvPr>
           <p:cNvSpPr>
             <a:spLocks noGrp="1"/>
           </p:cNvSpPr>
@@ -11697,41 +11226,57 @@
         </p:nvSpPr>
         <p:spPr/>
         <p:txBody>
-          <a:bodyPr/>
-          <a:lstStyle/>
-          <a:p>
-            <a:endParaRPr lang="en-US"/>
-          </a:p>
-        </p:txBody>
-      </p:sp>
-      <p:sp>
-        <p:nvSpPr>
-          <p:cNvPr id="4" name="Slide Number Placeholder 3"/>
-          <p:cNvSpPr>
-            <a:spLocks noGrp="1"/>
-          </p:cNvSpPr>
-          <p:nvPr>
-            <p:ph type="sldNum" sz="quarter" idx="12"/>
-          </p:nvPr>
-        </p:nvSpPr>
-        <p:spPr/>
-        <p:txBody>
-          <a:bodyPr/>
-          <a:lstStyle/>
-          <a:p>
-            <a:fld id="{B8DACC02-A2BD-4578-8E03-6D891060A695}" type="slidenum">
-              <a:rPr lang="en-US" smtClean="0"/>
-              <a:pPr/>
-              <a:t>30</a:t>
-            </a:fld>
-            <a:endParaRPr lang="en-US" dirty="0"/>
+          <a:bodyPr>
+            <a:normAutofit/>
+          </a:bodyPr>
+          <a:lstStyle/>
+          <a:p>
+            <a:r>
+              <a:rPr lang="en-US" dirty="0"/>
+              <a:t>Once a method is chosen, data migration becomes important. It also often involves data conversion and the following steps:</a:t>
+            </a:r>
+          </a:p>
+          <a:p>
+            <a:pPr lvl="1"/>
+            <a:r>
+              <a:rPr lang="en-US" dirty="0"/>
+              <a:t>Extraction. Data extraction can be difficult because a lot of data stored in legacy systems is siloed or stored in outdated formats. Before data migration begins, organizations must make sure the business-critical data can be extracted.</a:t>
+            </a:r>
+          </a:p>
+          <a:p>
+            <a:pPr lvl="1"/>
+            <a:r>
+              <a:rPr lang="en-US" dirty="0"/>
+              <a:t>Data mapping. The data must be converted to the new system's formats and requirements using data mapping. Often, old data does not map exactly to the new information system.</a:t>
+            </a:r>
+          </a:p>
+          <a:p>
+            <a:pPr lvl="1"/>
+            <a:r>
+              <a:rPr lang="en-US" dirty="0"/>
+              <a:t>Updating the data. All incomplete and nontransferable data should be deleted and all duplicate data deduplicated.</a:t>
+            </a:r>
+          </a:p>
+          <a:p>
+            <a:pPr lvl="1"/>
+            <a:r>
+              <a:rPr lang="en-US" dirty="0"/>
+              <a:t>Test the migration. Organizations should run a test on a sample data set. This way, errors and bugs can be identified before the real data migration begins.</a:t>
+            </a:r>
+          </a:p>
+          <a:p>
+            <a:pPr lvl="1"/>
+            <a:r>
+              <a:rPr lang="en-US" dirty="0"/>
+              <a:t>Migrate the data. Once organizations have extracted, mapped, updated and tested their data, they can safely migrate it to their new platform.</a:t>
+            </a:r>
           </a:p>
         </p:txBody>
       </p:sp>
     </p:spTree>
     <p:extLst>
       <p:ext uri="{BB962C8B-B14F-4D97-AF65-F5344CB8AC3E}">
-        <p14:creationId xmlns:p14="http://schemas.microsoft.com/office/powerpoint/2010/main" val="3581571607"/>
+        <p14:creationId xmlns:p14="http://schemas.microsoft.com/office/powerpoint/2010/main" val="4131114478"/>
       </p:ext>
     </p:extLst>
   </p:cSld>
@@ -11760,6 +11305,779 @@
       </p:grpSpPr>
       <p:sp>
         <p:nvSpPr>
+          <p:cNvPr id="2" name="Title 1">
+            <a:extLst>
+              <a:ext uri="{FF2B5EF4-FFF2-40B4-BE49-F238E27FC236}">
+                <a16:creationId xmlns:a16="http://schemas.microsoft.com/office/drawing/2014/main" id="{28B483F4-F842-3186-B88C-857D00A830F7}"/>
+              </a:ext>
+            </a:extLst>
+          </p:cNvPr>
+          <p:cNvSpPr>
+            <a:spLocks noGrp="1"/>
+          </p:cNvSpPr>
+          <p:nvPr>
+            <p:ph type="title"/>
+          </p:nvPr>
+        </p:nvSpPr>
+        <p:spPr/>
+        <p:txBody>
+          <a:bodyPr/>
+          <a:lstStyle/>
+          <a:p>
+            <a:r>
+              <a:rPr lang="en-US" dirty="0"/>
+              <a:t>Legacy systems modernization process</a:t>
+            </a:r>
+          </a:p>
+        </p:txBody>
+      </p:sp>
+      <p:sp>
+        <p:nvSpPr>
+          <p:cNvPr id="3" name="Content Placeholder 2">
+            <a:extLst>
+              <a:ext uri="{FF2B5EF4-FFF2-40B4-BE49-F238E27FC236}">
+                <a16:creationId xmlns:a16="http://schemas.microsoft.com/office/drawing/2014/main" id="{EDD37FBE-A5A1-4718-6115-2CAC4E5FA5D9}"/>
+              </a:ext>
+            </a:extLst>
+          </p:cNvPr>
+          <p:cNvSpPr>
+            <a:spLocks noGrp="1"/>
+          </p:cNvSpPr>
+          <p:nvPr>
+            <p:ph idx="1"/>
+          </p:nvPr>
+        </p:nvSpPr>
+        <p:spPr/>
+        <p:txBody>
+          <a:bodyPr/>
+          <a:lstStyle/>
+          <a:p>
+            <a:endParaRPr lang="en-US"/>
+          </a:p>
+        </p:txBody>
+      </p:sp>
+      <p:pic>
+        <p:nvPicPr>
+          <p:cNvPr id="2050" name="Picture 2">
+            <a:extLst>
+              <a:ext uri="{FF2B5EF4-FFF2-40B4-BE49-F238E27FC236}">
+                <a16:creationId xmlns:a16="http://schemas.microsoft.com/office/drawing/2014/main" id="{50A65C90-18B7-B379-8BF7-8E8CB700E4C9}"/>
+              </a:ext>
+            </a:extLst>
+          </p:cNvPr>
+          <p:cNvPicPr>
+            <a:picLocks noChangeAspect="1" noChangeArrowheads="1"/>
+          </p:cNvPicPr>
+          <p:nvPr/>
+        </p:nvPicPr>
+        <p:blipFill rotWithShape="1">
+          <a:blip r:embed="rId2">
+            <a:extLst>
+              <a:ext uri="{28A0092B-C50C-407E-A947-70E740481C1C}">
+                <a14:useLocalDpi xmlns:a14="http://schemas.microsoft.com/office/drawing/2010/main" val="0"/>
+              </a:ext>
+            </a:extLst>
+          </a:blip>
+          <a:srcRect l="8546" t="35785" r="8981" b="20808"/>
+          <a:stretch/>
+        </p:blipFill>
+        <p:spPr bwMode="auto">
+          <a:xfrm>
+            <a:off x="2147454" y="2653145"/>
+            <a:ext cx="7855527" cy="2369128"/>
+          </a:xfrm>
+          <a:prstGeom prst="rect">
+            <a:avLst/>
+          </a:prstGeom>
+          <a:noFill/>
+          <a:extLst>
+            <a:ext uri="{909E8E84-426E-40DD-AFC4-6F175D3DCCD1}">
+              <a14:hiddenFill xmlns:a14="http://schemas.microsoft.com/office/drawing/2010/main">
+                <a:solidFill>
+                  <a:srgbClr val="FFFFFF"/>
+                </a:solidFill>
+              </a14:hiddenFill>
+            </a:ext>
+          </a:extLst>
+        </p:spPr>
+      </p:pic>
+    </p:spTree>
+    <p:extLst>
+      <p:ext uri="{BB962C8B-B14F-4D97-AF65-F5344CB8AC3E}">
+        <p14:creationId xmlns:p14="http://schemas.microsoft.com/office/powerpoint/2010/main" val="1533793186"/>
+      </p:ext>
+    </p:extLst>
+  </p:cSld>
+  <p:clrMapOvr>
+    <a:masterClrMapping/>
+  </p:clrMapOvr>
+</p:sld>
+</file>
+
+<file path=ppt/slides/slide32.xml><?xml version="1.0" encoding="utf-8"?>
+<p:sld xmlns:a="http://schemas.openxmlformats.org/drawingml/2006/main" xmlns:r="http://schemas.openxmlformats.org/officeDocument/2006/relationships" xmlns:p="http://schemas.openxmlformats.org/presentationml/2006/main">
+  <p:cSld>
+    <p:spTree>
+      <p:nvGrpSpPr>
+        <p:cNvPr id="1" name=""/>
+        <p:cNvGrpSpPr/>
+        <p:nvPr/>
+      </p:nvGrpSpPr>
+      <p:grpSpPr>
+        <a:xfrm>
+          <a:off x="0" y="0"/>
+          <a:ext cx="0" cy="0"/>
+          <a:chOff x="0" y="0"/>
+          <a:chExt cx="0" cy="0"/>
+        </a:xfrm>
+      </p:grpSpPr>
+      <p:sp>
+        <p:nvSpPr>
+          <p:cNvPr id="2" name="Title 1">
+            <a:extLst>
+              <a:ext uri="{FF2B5EF4-FFF2-40B4-BE49-F238E27FC236}">
+                <a16:creationId xmlns:a16="http://schemas.microsoft.com/office/drawing/2014/main" id="{5D1B1BCB-3D4E-1993-F9E5-ED8062DFBBD7}"/>
+              </a:ext>
+            </a:extLst>
+          </p:cNvPr>
+          <p:cNvSpPr>
+            <a:spLocks noGrp="1"/>
+          </p:cNvSpPr>
+          <p:nvPr>
+            <p:ph type="title"/>
+          </p:nvPr>
+        </p:nvSpPr>
+        <p:spPr/>
+        <p:txBody>
+          <a:bodyPr/>
+          <a:lstStyle/>
+          <a:p>
+            <a:r>
+              <a:rPr lang="en-US" dirty="0"/>
+              <a:t>Strategies for Legacy Modernization</a:t>
+            </a:r>
+          </a:p>
+        </p:txBody>
+      </p:sp>
+      <p:sp>
+        <p:nvSpPr>
+          <p:cNvPr id="3" name="Content Placeholder 2">
+            <a:extLst>
+              <a:ext uri="{FF2B5EF4-FFF2-40B4-BE49-F238E27FC236}">
+                <a16:creationId xmlns:a16="http://schemas.microsoft.com/office/drawing/2014/main" id="{FD3EDA14-0B99-D0DA-ECBC-6B7B81641DE2}"/>
+              </a:ext>
+            </a:extLst>
+          </p:cNvPr>
+          <p:cNvSpPr>
+            <a:spLocks noGrp="1"/>
+          </p:cNvSpPr>
+          <p:nvPr>
+            <p:ph idx="1"/>
+          </p:nvPr>
+        </p:nvSpPr>
+        <p:spPr/>
+        <p:txBody>
+          <a:bodyPr/>
+          <a:lstStyle/>
+          <a:p>
+            <a:r>
+              <a:rPr lang="en-US" dirty="0"/>
+              <a:t>Re-engineering </a:t>
+            </a:r>
+          </a:p>
+          <a:p>
+            <a:r>
+              <a:rPr lang="en-US" dirty="0"/>
+              <a:t>Wrap it up </a:t>
+            </a:r>
+          </a:p>
+          <a:p>
+            <a:r>
+              <a:rPr lang="en-US" dirty="0"/>
+              <a:t>Data migration </a:t>
+            </a:r>
+          </a:p>
+          <a:p>
+            <a:r>
+              <a:rPr lang="en-US" dirty="0"/>
+              <a:t>Decommission and replace </a:t>
+            </a:r>
+          </a:p>
+        </p:txBody>
+      </p:sp>
+    </p:spTree>
+    <p:extLst>
+      <p:ext uri="{BB962C8B-B14F-4D97-AF65-F5344CB8AC3E}">
+        <p14:creationId xmlns:p14="http://schemas.microsoft.com/office/powerpoint/2010/main" val="3821078113"/>
+      </p:ext>
+    </p:extLst>
+  </p:cSld>
+  <p:clrMapOvr>
+    <a:masterClrMapping/>
+  </p:clrMapOvr>
+</p:sld>
+</file>
+
+<file path=ppt/slides/slide33.xml><?xml version="1.0" encoding="utf-8"?>
+<p:sld xmlns:a="http://schemas.openxmlformats.org/drawingml/2006/main" xmlns:r="http://schemas.openxmlformats.org/officeDocument/2006/relationships" xmlns:p="http://schemas.openxmlformats.org/presentationml/2006/main">
+  <p:cSld>
+    <p:spTree>
+      <p:nvGrpSpPr>
+        <p:cNvPr id="1" name=""/>
+        <p:cNvGrpSpPr/>
+        <p:nvPr/>
+      </p:nvGrpSpPr>
+      <p:grpSpPr>
+        <a:xfrm>
+          <a:off x="0" y="0"/>
+          <a:ext cx="0" cy="0"/>
+          <a:chOff x="0" y="0"/>
+          <a:chExt cx="0" cy="0"/>
+        </a:xfrm>
+      </p:grpSpPr>
+      <p:sp>
+        <p:nvSpPr>
+          <p:cNvPr id="2" name="Title 1">
+            <a:extLst>
+              <a:ext uri="{FF2B5EF4-FFF2-40B4-BE49-F238E27FC236}">
+                <a16:creationId xmlns:a16="http://schemas.microsoft.com/office/drawing/2014/main" id="{5D1B1BCB-3D4E-1993-F9E5-ED8062DFBBD7}"/>
+              </a:ext>
+            </a:extLst>
+          </p:cNvPr>
+          <p:cNvSpPr>
+            <a:spLocks noGrp="1"/>
+          </p:cNvSpPr>
+          <p:nvPr>
+            <p:ph type="title"/>
+          </p:nvPr>
+        </p:nvSpPr>
+        <p:spPr/>
+        <p:txBody>
+          <a:bodyPr/>
+          <a:lstStyle/>
+          <a:p>
+            <a:r>
+              <a:rPr lang="en-US" dirty="0"/>
+              <a:t>Strategies for Legacy Modernization</a:t>
+            </a:r>
+          </a:p>
+        </p:txBody>
+      </p:sp>
+      <p:sp>
+        <p:nvSpPr>
+          <p:cNvPr id="3" name="Content Placeholder 2">
+            <a:extLst>
+              <a:ext uri="{FF2B5EF4-FFF2-40B4-BE49-F238E27FC236}">
+                <a16:creationId xmlns:a16="http://schemas.microsoft.com/office/drawing/2014/main" id="{FD3EDA14-0B99-D0DA-ECBC-6B7B81641DE2}"/>
+              </a:ext>
+            </a:extLst>
+          </p:cNvPr>
+          <p:cNvSpPr>
+            <a:spLocks noGrp="1"/>
+          </p:cNvSpPr>
+          <p:nvPr>
+            <p:ph idx="1"/>
+          </p:nvPr>
+        </p:nvSpPr>
+        <p:spPr/>
+        <p:txBody>
+          <a:bodyPr>
+            <a:normAutofit lnSpcReduction="10000"/>
+          </a:bodyPr>
+          <a:lstStyle/>
+          <a:p>
+            <a:r>
+              <a:rPr lang="en-US" dirty="0"/>
+              <a:t>Wrap it up </a:t>
+            </a:r>
+          </a:p>
+          <a:p>
+            <a:pPr lvl="1"/>
+            <a:r>
+              <a:rPr lang="en-US" dirty="0"/>
+              <a:t>Sometimes legacy systems are too expensive to fully re-engineer but still contain core functions and data which is valuable to the business. </a:t>
+            </a:r>
+          </a:p>
+          <a:p>
+            <a:pPr lvl="1"/>
+            <a:r>
+              <a:rPr lang="en-US" dirty="0"/>
+              <a:t>The difficulty is that the legacy system is placing a constraint on the agility of the organization. </a:t>
+            </a:r>
+          </a:p>
+          <a:p>
+            <a:pPr lvl="1"/>
+            <a:r>
+              <a:rPr lang="en-US" dirty="0"/>
+              <a:t>One approach is to wrap the legacy system in a façade using modern technologies and use the inter-operability of the modern technology to gain access to the legacy functions and data. </a:t>
+            </a:r>
+          </a:p>
+          <a:p>
+            <a:pPr lvl="1"/>
+            <a:r>
+              <a:rPr lang="en-US" dirty="0"/>
+              <a:t>For example, a legacy system may be wrapped using APIs which mediate and expose data from the legacy system to modern applications. Using this technique, the data from the legacy system may be used via APIs, while providing a modern application as front-end. </a:t>
+            </a:r>
+          </a:p>
+          <a:p>
+            <a:pPr lvl="1"/>
+            <a:r>
+              <a:rPr lang="en-US" dirty="0"/>
+              <a:t>This strategy has limitations, especially if performance or capacity is an issue. Wrapping the legacy system is unlikely to improve performance and can even add extra overhead. Communication protocols with the legacy system may also be constrained limiting the ability to communicate in real-time. </a:t>
+            </a:r>
+          </a:p>
+        </p:txBody>
+      </p:sp>
+    </p:spTree>
+    <p:extLst>
+      <p:ext uri="{BB962C8B-B14F-4D97-AF65-F5344CB8AC3E}">
+        <p14:creationId xmlns:p14="http://schemas.microsoft.com/office/powerpoint/2010/main" val="202098695"/>
+      </p:ext>
+    </p:extLst>
+  </p:cSld>
+  <p:clrMapOvr>
+    <a:masterClrMapping/>
+  </p:clrMapOvr>
+</p:sld>
+</file>
+
+<file path=ppt/slides/slide34.xml><?xml version="1.0" encoding="utf-8"?>
+<p:sld xmlns:a="http://schemas.openxmlformats.org/drawingml/2006/main" xmlns:r="http://schemas.openxmlformats.org/officeDocument/2006/relationships" xmlns:p="http://schemas.openxmlformats.org/presentationml/2006/main">
+  <p:cSld>
+    <p:spTree>
+      <p:nvGrpSpPr>
+        <p:cNvPr id="1" name=""/>
+        <p:cNvGrpSpPr/>
+        <p:nvPr/>
+      </p:nvGrpSpPr>
+      <p:grpSpPr>
+        <a:xfrm>
+          <a:off x="0" y="0"/>
+          <a:ext cx="0" cy="0"/>
+          <a:chOff x="0" y="0"/>
+          <a:chExt cx="0" cy="0"/>
+        </a:xfrm>
+      </p:grpSpPr>
+      <p:sp>
+        <p:nvSpPr>
+          <p:cNvPr id="2" name="Title 1">
+            <a:extLst>
+              <a:ext uri="{FF2B5EF4-FFF2-40B4-BE49-F238E27FC236}">
+                <a16:creationId xmlns:a16="http://schemas.microsoft.com/office/drawing/2014/main" id="{5D1B1BCB-3D4E-1993-F9E5-ED8062DFBBD7}"/>
+              </a:ext>
+            </a:extLst>
+          </p:cNvPr>
+          <p:cNvSpPr>
+            <a:spLocks noGrp="1"/>
+          </p:cNvSpPr>
+          <p:nvPr>
+            <p:ph type="title"/>
+          </p:nvPr>
+        </p:nvSpPr>
+        <p:spPr/>
+        <p:txBody>
+          <a:bodyPr/>
+          <a:lstStyle/>
+          <a:p>
+            <a:r>
+              <a:rPr lang="en-US" dirty="0"/>
+              <a:t>Strategies for Legacy Modernization</a:t>
+            </a:r>
+          </a:p>
+        </p:txBody>
+      </p:sp>
+      <p:sp>
+        <p:nvSpPr>
+          <p:cNvPr id="3" name="Content Placeholder 2">
+            <a:extLst>
+              <a:ext uri="{FF2B5EF4-FFF2-40B4-BE49-F238E27FC236}">
+                <a16:creationId xmlns:a16="http://schemas.microsoft.com/office/drawing/2014/main" id="{FD3EDA14-0B99-D0DA-ECBC-6B7B81641DE2}"/>
+              </a:ext>
+            </a:extLst>
+          </p:cNvPr>
+          <p:cNvSpPr>
+            <a:spLocks noGrp="1"/>
+          </p:cNvSpPr>
+          <p:nvPr>
+            <p:ph idx="1"/>
+          </p:nvPr>
+        </p:nvSpPr>
+        <p:spPr/>
+        <p:txBody>
+          <a:bodyPr>
+            <a:normAutofit lnSpcReduction="10000"/>
+          </a:bodyPr>
+          <a:lstStyle/>
+          <a:p>
+            <a:r>
+              <a:rPr lang="en-US" dirty="0"/>
+              <a:t>Re-engineering </a:t>
+            </a:r>
+          </a:p>
+          <a:p>
+            <a:pPr lvl="1"/>
+            <a:r>
+              <a:rPr lang="en-US" dirty="0"/>
+              <a:t>Re-engineering of legacy systems often involves major technical surgery where substantial parts of the system are either re-designed or modified. </a:t>
+            </a:r>
+          </a:p>
+          <a:p>
+            <a:pPr lvl="1"/>
+            <a:r>
+              <a:rPr lang="en-US" dirty="0"/>
+              <a:t>This can be a useful strategy if the system function is still valuable to the organization but the cost of maintenance is large, or technologies lack support. </a:t>
+            </a:r>
+          </a:p>
+          <a:p>
+            <a:pPr lvl="1"/>
+            <a:r>
+              <a:rPr lang="en-US" dirty="0"/>
+              <a:t>In practice this may result in: </a:t>
+            </a:r>
+          </a:p>
+          <a:p>
+            <a:pPr lvl="2"/>
+            <a:r>
+              <a:rPr lang="en-US" dirty="0"/>
+              <a:t>Porting legacy programming language to modern programming language </a:t>
+            </a:r>
+          </a:p>
+          <a:p>
+            <a:pPr lvl="2"/>
+            <a:r>
+              <a:rPr lang="en-US" dirty="0"/>
+              <a:t>Complete re-design of specific functions or modules </a:t>
+            </a:r>
+          </a:p>
+          <a:p>
+            <a:pPr lvl="2"/>
+            <a:r>
+              <a:rPr lang="en-US" dirty="0"/>
+              <a:t>Modernization of platform or third-party components </a:t>
+            </a:r>
+          </a:p>
+          <a:p>
+            <a:pPr lvl="2"/>
+            <a:r>
+              <a:rPr lang="en-US" dirty="0"/>
+              <a:t>Modernization of an architecture layer (for example, data management or presentation) </a:t>
+            </a:r>
+          </a:p>
+          <a:p>
+            <a:pPr lvl="1"/>
+            <a:r>
+              <a:rPr lang="en-US" dirty="0"/>
+              <a:t>Re-engineering can be very expensive. </a:t>
+            </a:r>
+          </a:p>
+          <a:p>
+            <a:pPr lvl="1"/>
+            <a:r>
+              <a:rPr lang="en-US" dirty="0"/>
+              <a:t>Automated tools can help to re-engineer a system, for example, converting from one programming language to another, or moving to a new platform. </a:t>
+            </a:r>
+          </a:p>
+          <a:p>
+            <a:pPr lvl="1"/>
+            <a:r>
+              <a:rPr lang="en-US" dirty="0"/>
+              <a:t>The use of automated tools can speed up the re-engineering process but it is unlikely to improve the quality of the implementation. </a:t>
+            </a:r>
+          </a:p>
+        </p:txBody>
+      </p:sp>
+    </p:spTree>
+    <p:extLst>
+      <p:ext uri="{BB962C8B-B14F-4D97-AF65-F5344CB8AC3E}">
+        <p14:creationId xmlns:p14="http://schemas.microsoft.com/office/powerpoint/2010/main" val="2595582289"/>
+      </p:ext>
+    </p:extLst>
+  </p:cSld>
+  <p:clrMapOvr>
+    <a:masterClrMapping/>
+  </p:clrMapOvr>
+</p:sld>
+</file>
+
+<file path=ppt/slides/slide35.xml><?xml version="1.0" encoding="utf-8"?>
+<p:sld xmlns:a="http://schemas.openxmlformats.org/drawingml/2006/main" xmlns:r="http://schemas.openxmlformats.org/officeDocument/2006/relationships" xmlns:p="http://schemas.openxmlformats.org/presentationml/2006/main">
+  <p:cSld>
+    <p:spTree>
+      <p:nvGrpSpPr>
+        <p:cNvPr id="1" name=""/>
+        <p:cNvGrpSpPr/>
+        <p:nvPr/>
+      </p:nvGrpSpPr>
+      <p:grpSpPr>
+        <a:xfrm>
+          <a:off x="0" y="0"/>
+          <a:ext cx="0" cy="0"/>
+          <a:chOff x="0" y="0"/>
+          <a:chExt cx="0" cy="0"/>
+        </a:xfrm>
+      </p:grpSpPr>
+      <p:sp>
+        <p:nvSpPr>
+          <p:cNvPr id="2" name="Title 1">
+            <a:extLst>
+              <a:ext uri="{FF2B5EF4-FFF2-40B4-BE49-F238E27FC236}">
+                <a16:creationId xmlns:a16="http://schemas.microsoft.com/office/drawing/2014/main" id="{5D1B1BCB-3D4E-1993-F9E5-ED8062DFBBD7}"/>
+              </a:ext>
+            </a:extLst>
+          </p:cNvPr>
+          <p:cNvSpPr>
+            <a:spLocks noGrp="1"/>
+          </p:cNvSpPr>
+          <p:nvPr>
+            <p:ph type="title"/>
+          </p:nvPr>
+        </p:nvSpPr>
+        <p:spPr/>
+        <p:txBody>
+          <a:bodyPr/>
+          <a:lstStyle/>
+          <a:p>
+            <a:r>
+              <a:rPr lang="en-US" dirty="0"/>
+              <a:t>Strategies for Legacy Modernization</a:t>
+            </a:r>
+          </a:p>
+        </p:txBody>
+      </p:sp>
+      <p:sp>
+        <p:nvSpPr>
+          <p:cNvPr id="3" name="Content Placeholder 2">
+            <a:extLst>
+              <a:ext uri="{FF2B5EF4-FFF2-40B4-BE49-F238E27FC236}">
+                <a16:creationId xmlns:a16="http://schemas.microsoft.com/office/drawing/2014/main" id="{FD3EDA14-0B99-D0DA-ECBC-6B7B81641DE2}"/>
+              </a:ext>
+            </a:extLst>
+          </p:cNvPr>
+          <p:cNvSpPr>
+            <a:spLocks noGrp="1"/>
+          </p:cNvSpPr>
+          <p:nvPr>
+            <p:ph idx="1"/>
+          </p:nvPr>
+        </p:nvSpPr>
+        <p:spPr/>
+        <p:txBody>
+          <a:bodyPr>
+            <a:normAutofit/>
+          </a:bodyPr>
+          <a:lstStyle/>
+          <a:p>
+            <a:r>
+              <a:rPr lang="en-US" dirty="0"/>
+              <a:t>Data migration </a:t>
+            </a:r>
+          </a:p>
+          <a:p>
+            <a:pPr lvl="1"/>
+            <a:r>
+              <a:rPr lang="en-US" dirty="0"/>
+              <a:t>A common modernization strategy is to migrate the legacy system to a modern system. This is done when the data contained in the legacy system is still very valuable to the organization. </a:t>
+            </a:r>
+          </a:p>
+          <a:p>
+            <a:pPr lvl="1"/>
+            <a:r>
+              <a:rPr lang="en-US" dirty="0"/>
+              <a:t>A new system is purchased or developed and the data from the legacy system is migrated into the modern system.  </a:t>
+            </a:r>
+          </a:p>
+          <a:p>
+            <a:pPr lvl="1"/>
+            <a:r>
+              <a:rPr lang="en-US" dirty="0"/>
+              <a:t>This strategy provides a new system with modern technologies while retaining valuable data from the legacy system. </a:t>
+            </a:r>
+          </a:p>
+          <a:p>
+            <a:pPr lvl="1"/>
+            <a:r>
+              <a:rPr lang="en-US" dirty="0"/>
+              <a:t>Purchasing or developing a new system requires substantial investment and takes significant time. </a:t>
+            </a:r>
+          </a:p>
+          <a:p>
+            <a:pPr lvl="1"/>
+            <a:r>
+              <a:rPr lang="en-US" dirty="0"/>
+              <a:t>Migration tools are required for transforming the data formats from the legacy system to the new system and the migration may only be successful for a certain percentage of the data, therefore manual migration may be required. </a:t>
+            </a:r>
+          </a:p>
+          <a:p>
+            <a:pPr lvl="1"/>
+            <a:r>
+              <a:rPr lang="en-US" dirty="0"/>
+              <a:t>It may also be the case that the legacy system and new system will run in parallel for a certain period of time, and this can incur double maintenance costs. </a:t>
+            </a:r>
+          </a:p>
+        </p:txBody>
+      </p:sp>
+    </p:spTree>
+    <p:extLst>
+      <p:ext uri="{BB962C8B-B14F-4D97-AF65-F5344CB8AC3E}">
+        <p14:creationId xmlns:p14="http://schemas.microsoft.com/office/powerpoint/2010/main" val="632794267"/>
+      </p:ext>
+    </p:extLst>
+  </p:cSld>
+  <p:clrMapOvr>
+    <a:masterClrMapping/>
+  </p:clrMapOvr>
+</p:sld>
+</file>
+
+<file path=ppt/slides/slide36.xml><?xml version="1.0" encoding="utf-8"?>
+<p:sld xmlns:a="http://schemas.openxmlformats.org/drawingml/2006/main" xmlns:r="http://schemas.openxmlformats.org/officeDocument/2006/relationships" xmlns:p="http://schemas.openxmlformats.org/presentationml/2006/main">
+  <p:cSld>
+    <p:spTree>
+      <p:nvGrpSpPr>
+        <p:cNvPr id="1" name=""/>
+        <p:cNvGrpSpPr/>
+        <p:nvPr/>
+      </p:nvGrpSpPr>
+      <p:grpSpPr>
+        <a:xfrm>
+          <a:off x="0" y="0"/>
+          <a:ext cx="0" cy="0"/>
+          <a:chOff x="0" y="0"/>
+          <a:chExt cx="0" cy="0"/>
+        </a:xfrm>
+      </p:grpSpPr>
+      <p:sp>
+        <p:nvSpPr>
+          <p:cNvPr id="2" name="Title 1">
+            <a:extLst>
+              <a:ext uri="{FF2B5EF4-FFF2-40B4-BE49-F238E27FC236}">
+                <a16:creationId xmlns:a16="http://schemas.microsoft.com/office/drawing/2014/main" id="{5D1B1BCB-3D4E-1993-F9E5-ED8062DFBBD7}"/>
+              </a:ext>
+            </a:extLst>
+          </p:cNvPr>
+          <p:cNvSpPr>
+            <a:spLocks noGrp="1"/>
+          </p:cNvSpPr>
+          <p:nvPr>
+            <p:ph type="title"/>
+          </p:nvPr>
+        </p:nvSpPr>
+        <p:spPr/>
+        <p:txBody>
+          <a:bodyPr/>
+          <a:lstStyle/>
+          <a:p>
+            <a:r>
+              <a:rPr lang="en-US" dirty="0"/>
+              <a:t>Strategies for Legacy Modernization</a:t>
+            </a:r>
+          </a:p>
+        </p:txBody>
+      </p:sp>
+      <p:sp>
+        <p:nvSpPr>
+          <p:cNvPr id="3" name="Content Placeholder 2">
+            <a:extLst>
+              <a:ext uri="{FF2B5EF4-FFF2-40B4-BE49-F238E27FC236}">
+                <a16:creationId xmlns:a16="http://schemas.microsoft.com/office/drawing/2014/main" id="{FD3EDA14-0B99-D0DA-ECBC-6B7B81641DE2}"/>
+              </a:ext>
+            </a:extLst>
+          </p:cNvPr>
+          <p:cNvSpPr>
+            <a:spLocks noGrp="1"/>
+          </p:cNvSpPr>
+          <p:nvPr>
+            <p:ph idx="1"/>
+          </p:nvPr>
+        </p:nvSpPr>
+        <p:spPr/>
+        <p:txBody>
+          <a:bodyPr>
+            <a:normAutofit/>
+          </a:bodyPr>
+          <a:lstStyle/>
+          <a:p>
+            <a:r>
+              <a:rPr lang="en-US" dirty="0"/>
+              <a:t>Decommission and replace</a:t>
+            </a:r>
+          </a:p>
+          <a:p>
+            <a:pPr lvl="1"/>
+            <a:r>
+              <a:rPr lang="en-US" dirty="0"/>
+              <a:t>In some cases, a legacy system simply reaches its end of life. </a:t>
+            </a:r>
+          </a:p>
+          <a:p>
+            <a:pPr lvl="1"/>
+            <a:r>
+              <a:rPr lang="en-US" dirty="0"/>
+              <a:t>The historical data is deemed to be of little value and the system can simply be replaced by a modern system providing the functions that the organization needs. The legacy system is decommissioned and archived. </a:t>
+            </a:r>
+          </a:p>
+          <a:p>
+            <a:pPr lvl="1"/>
+            <a:r>
+              <a:rPr lang="en-US" dirty="0"/>
+              <a:t>If data is required from the legacy system it may be obtained from the archive. </a:t>
+            </a:r>
+          </a:p>
+          <a:p>
+            <a:pPr lvl="1"/>
+            <a:r>
+              <a:rPr lang="en-US" dirty="0"/>
+              <a:t>This strategy provides a faster way to replace the legacy system, however, it may take some time for the organization to adjust to the new system. </a:t>
+            </a:r>
+          </a:p>
+          <a:p>
+            <a:pPr lvl="1"/>
+            <a:r>
+              <a:rPr lang="en-US" dirty="0"/>
+              <a:t>The introduction of the new system is likely to require substantial training for personnel. </a:t>
+            </a:r>
+          </a:p>
+          <a:p>
+            <a:pPr lvl="1"/>
+            <a:r>
+              <a:rPr lang="en-US" dirty="0"/>
+              <a:t>Under an initial period, the organization may have to obtain data from the archive as well as from the new system, this may involve using time-consuming manual processes. </a:t>
+            </a:r>
+          </a:p>
+        </p:txBody>
+      </p:sp>
+    </p:spTree>
+    <p:extLst>
+      <p:ext uri="{BB962C8B-B14F-4D97-AF65-F5344CB8AC3E}">
+        <p14:creationId xmlns:p14="http://schemas.microsoft.com/office/powerpoint/2010/main" val="1511721557"/>
+      </p:ext>
+    </p:extLst>
+  </p:cSld>
+  <p:clrMapOvr>
+    <a:masterClrMapping/>
+  </p:clrMapOvr>
+</p:sld>
+</file>
+
+<file path=ppt/slides/slide37.xml><?xml version="1.0" encoding="utf-8"?>
+<p:sld xmlns:a="http://schemas.openxmlformats.org/drawingml/2006/main" xmlns:r="http://schemas.openxmlformats.org/officeDocument/2006/relationships" xmlns:p="http://schemas.openxmlformats.org/presentationml/2006/main">
+  <p:cSld>
+    <p:spTree>
+      <p:nvGrpSpPr>
+        <p:cNvPr id="1" name=""/>
+        <p:cNvGrpSpPr/>
+        <p:nvPr/>
+      </p:nvGrpSpPr>
+      <p:grpSpPr>
+        <a:xfrm>
+          <a:off x="0" y="0"/>
+          <a:ext cx="0" cy="0"/>
+          <a:chOff x="0" y="0"/>
+          <a:chExt cx="0" cy="0"/>
+        </a:xfrm>
+      </p:grpSpPr>
+      <p:sp>
+        <p:nvSpPr>
           <p:cNvPr id="2" name="Title 1"/>
           <p:cNvSpPr>
             <a:spLocks noGrp="1"/>
@@ -11775,21 +12093,8 @@
           <a:p>
             <a:r>
               <a:rPr lang="en-US" dirty="0"/>
-              <a:t>4 </a:t>
-            </a:r>
-            <a:r>
-              <a:rPr lang="en-US" dirty="0" smtClean="0"/>
-              <a:t>Main Types </a:t>
-            </a:r>
-            <a:r>
-              <a:rPr lang="en-US" dirty="0"/>
-              <a:t>of </a:t>
-            </a:r>
-            <a:r>
-              <a:rPr lang="en-US" dirty="0" smtClean="0"/>
-              <a:t>Integration</a:t>
-            </a:r>
-            <a:endParaRPr lang="en-US" dirty="0"/>
+              <a:t>Legacy system integration Benefits</a:t>
+            </a:r>
           </a:p>
         </p:txBody>
       </p:sp>
@@ -11805,38 +12110,74 @@
         </p:nvSpPr>
         <p:spPr/>
         <p:txBody>
-          <a:bodyPr/>
-          <a:lstStyle/>
-          <a:p>
-            <a:r>
-              <a:rPr lang="en-US" dirty="0"/>
-              <a:t>API </a:t>
-            </a:r>
-            <a:r>
-              <a:rPr lang="en-US" dirty="0" smtClean="0"/>
-              <a:t>Integration</a:t>
-            </a:r>
-          </a:p>
-          <a:p>
-            <a:r>
-              <a:rPr lang="en-US" dirty="0" err="1" smtClean="0"/>
-              <a:t>Webhooks</a:t>
-            </a:r>
-            <a:endParaRPr lang="en-US" dirty="0" smtClean="0"/>
-          </a:p>
-          <a:p>
-            <a:r>
-              <a:rPr lang="en-US" dirty="0"/>
-              <a:t>Integration Services Component (ISC) </a:t>
-            </a:r>
-            <a:endParaRPr lang="en-US" dirty="0" smtClean="0"/>
-          </a:p>
-          <a:p>
-            <a:r>
-              <a:rPr lang="en-US" dirty="0" smtClean="0"/>
-              <a:t>Orchestrations</a:t>
-            </a:r>
-            <a:endParaRPr lang="en-US" dirty="0"/>
+          <a:bodyPr>
+            <a:normAutofit fontScale="92500" lnSpcReduction="20000"/>
+          </a:bodyPr>
+          <a:lstStyle/>
+          <a:p>
+            <a:r>
+              <a:rPr lang="en-US" dirty="0"/>
+              <a:t>Less manual work. </a:t>
+            </a:r>
+          </a:p>
+          <a:p>
+            <a:pPr lvl="1"/>
+            <a:r>
+              <a:rPr lang="en-US" dirty="0"/>
+              <a:t>Reentering the same data over and over again inevitably hinders your performance and comes with the risk of human error. </a:t>
+            </a:r>
+          </a:p>
+          <a:p>
+            <a:r>
+              <a:rPr lang="en-US" dirty="0"/>
+              <a:t>Better decision-making. </a:t>
+            </a:r>
+          </a:p>
+          <a:p>
+            <a:pPr lvl="1"/>
+            <a:r>
+              <a:rPr lang="en-US" dirty="0"/>
+              <a:t>Integration of legacy systems with modern solutions allows you to unlock the invaluable data you’ve been collecting for decades, identify patterns in it, and use this knowledge to improve your strategic decisions. </a:t>
+            </a:r>
+          </a:p>
+          <a:p>
+            <a:r>
+              <a:rPr lang="en-US" dirty="0"/>
+              <a:t>Access to new technologies and functionalities. </a:t>
+            </a:r>
+          </a:p>
+          <a:p>
+            <a:pPr lvl="1"/>
+            <a:r>
+              <a:rPr lang="en-US" dirty="0"/>
+              <a:t>Integration is a perfect way to enhance your legacy system with new features and modern technologies without building anything from scratch.</a:t>
+            </a:r>
+          </a:p>
+          <a:p>
+            <a:r>
+              <a:rPr lang="en-US" dirty="0"/>
+              <a:t>Minimal learning curve for old employees. </a:t>
+            </a:r>
+          </a:p>
+          <a:p>
+            <a:pPr lvl="1"/>
+            <a:r>
+              <a:rPr lang="en-US" dirty="0"/>
+              <a:t>Replacing a legacy system with entirely new software always implies that you’ll need to train your staff to use it, which can be challenging, especially if you used the system for your core processes. </a:t>
+            </a:r>
+          </a:p>
+          <a:p>
+            <a:r>
+              <a:rPr lang="en-US" dirty="0"/>
+              <a:t>Minimal learning curve for new employees.</a:t>
+            </a:r>
+          </a:p>
+          <a:p>
+            <a:pPr lvl="1"/>
+            <a:r>
+              <a:rPr lang="en-US" dirty="0"/>
+              <a:t>In terms of usability, many legacy systems are not as intuitive as their modern counterparts, and new employees might have a hard time getting a grasp of them.</a:t>
+            </a:r>
           </a:p>
         </p:txBody>
       </p:sp>
@@ -11858,7 +12199,510 @@
             <a:fld id="{B8DACC02-A2BD-4578-8E03-6D891060A695}" type="slidenum">
               <a:rPr lang="en-US" smtClean="0"/>
               <a:pPr/>
-              <a:t>31</a:t>
+              <a:t>37</a:t>
+            </a:fld>
+            <a:endParaRPr lang="en-US" dirty="0"/>
+          </a:p>
+        </p:txBody>
+      </p:sp>
+    </p:spTree>
+    <p:extLst>
+      <p:ext uri="{BB962C8B-B14F-4D97-AF65-F5344CB8AC3E}">
+        <p14:creationId xmlns:p14="http://schemas.microsoft.com/office/powerpoint/2010/main" val="750288791"/>
+      </p:ext>
+    </p:extLst>
+  </p:cSld>
+  <p:clrMapOvr>
+    <a:masterClrMapping/>
+  </p:clrMapOvr>
+</p:sld>
+</file>
+
+<file path=ppt/slides/slide38.xml><?xml version="1.0" encoding="utf-8"?>
+<p:sld xmlns:a="http://schemas.openxmlformats.org/drawingml/2006/main" xmlns:r="http://schemas.openxmlformats.org/officeDocument/2006/relationships" xmlns:p="http://schemas.openxmlformats.org/presentationml/2006/main">
+  <p:cSld>
+    <p:spTree>
+      <p:nvGrpSpPr>
+        <p:cNvPr id="1" name=""/>
+        <p:cNvGrpSpPr/>
+        <p:nvPr/>
+      </p:nvGrpSpPr>
+      <p:grpSpPr>
+        <a:xfrm>
+          <a:off x="0" y="0"/>
+          <a:ext cx="0" cy="0"/>
+          <a:chOff x="0" y="0"/>
+          <a:chExt cx="0" cy="0"/>
+        </a:xfrm>
+      </p:grpSpPr>
+      <p:sp>
+        <p:nvSpPr>
+          <p:cNvPr id="2" name="Title 1"/>
+          <p:cNvSpPr>
+            <a:spLocks noGrp="1"/>
+          </p:cNvSpPr>
+          <p:nvPr>
+            <p:ph type="title"/>
+          </p:nvPr>
+        </p:nvSpPr>
+        <p:spPr/>
+        <p:txBody>
+          <a:bodyPr/>
+          <a:lstStyle/>
+          <a:p>
+            <a:r>
+              <a:rPr lang="en-US" dirty="0"/>
+              <a:t>Legacy system integration Challenges</a:t>
+            </a:r>
+          </a:p>
+        </p:txBody>
+      </p:sp>
+      <p:sp>
+        <p:nvSpPr>
+          <p:cNvPr id="3" name="Content Placeholder 2"/>
+          <p:cNvSpPr>
+            <a:spLocks noGrp="1"/>
+          </p:cNvSpPr>
+          <p:nvPr>
+            <p:ph idx="1"/>
+          </p:nvPr>
+        </p:nvSpPr>
+        <p:spPr/>
+        <p:txBody>
+          <a:bodyPr>
+            <a:normAutofit/>
+          </a:bodyPr>
+          <a:lstStyle/>
+          <a:p>
+            <a:r>
+              <a:rPr lang="en-US" dirty="0"/>
+              <a:t>The lack of expertise. </a:t>
+            </a:r>
+          </a:p>
+          <a:p>
+            <a:pPr lvl="1"/>
+            <a:r>
+              <a:rPr lang="en-US" dirty="0"/>
+              <a:t>Legacy systems integration will require people that specialize in obsolete technologies. </a:t>
+            </a:r>
+          </a:p>
+          <a:p>
+            <a:r>
+              <a:rPr lang="en-US" dirty="0"/>
+              <a:t>Insufficient documentation. </a:t>
+            </a:r>
+          </a:p>
+          <a:p>
+            <a:pPr lvl="1"/>
+            <a:r>
+              <a:rPr lang="en-US" dirty="0"/>
+              <a:t>More often than not, legacy applications are poorly documented. </a:t>
+            </a:r>
+          </a:p>
+          <a:p>
+            <a:r>
+              <a:rPr lang="en-US" dirty="0"/>
+              <a:t>Low quality of data. </a:t>
+            </a:r>
+          </a:p>
+          <a:p>
+            <a:pPr lvl="1"/>
+            <a:r>
+              <a:rPr lang="en-US" dirty="0"/>
+              <a:t>The legacy data format and structure are too far from modern standards. </a:t>
+            </a:r>
+          </a:p>
+          <a:p>
+            <a:r>
+              <a:rPr lang="en-US" dirty="0"/>
+              <a:t>Resistance to change. </a:t>
+            </a:r>
+          </a:p>
+          <a:p>
+            <a:pPr lvl="1"/>
+            <a:r>
+              <a:rPr lang="en-US" dirty="0"/>
+              <a:t>Despite the complexity of your legacy system, your employees might be unwilling to introduce “the unknown” into their working routine.</a:t>
+            </a:r>
+          </a:p>
+          <a:p>
+            <a:r>
+              <a:rPr lang="en-US" dirty="0"/>
+              <a:t>Security issues. </a:t>
+            </a:r>
+          </a:p>
+          <a:p>
+            <a:pPr lvl="1"/>
+            <a:r>
+              <a:rPr lang="en-US" dirty="0"/>
+              <a:t>Legacy apps are vulnerable to cyber threats. </a:t>
+            </a:r>
+          </a:p>
+        </p:txBody>
+      </p:sp>
+      <p:sp>
+        <p:nvSpPr>
+          <p:cNvPr id="4" name="Slide Number Placeholder 3"/>
+          <p:cNvSpPr>
+            <a:spLocks noGrp="1"/>
+          </p:cNvSpPr>
+          <p:nvPr>
+            <p:ph type="sldNum" sz="quarter" idx="12"/>
+          </p:nvPr>
+        </p:nvSpPr>
+        <p:spPr/>
+        <p:txBody>
+          <a:bodyPr/>
+          <a:lstStyle/>
+          <a:p>
+            <a:fld id="{B8DACC02-A2BD-4578-8E03-6D891060A695}" type="slidenum">
+              <a:rPr lang="en-US" smtClean="0"/>
+              <a:pPr/>
+              <a:t>38</a:t>
+            </a:fld>
+            <a:endParaRPr lang="en-US" dirty="0"/>
+          </a:p>
+        </p:txBody>
+      </p:sp>
+    </p:spTree>
+    <p:extLst>
+      <p:ext uri="{BB962C8B-B14F-4D97-AF65-F5344CB8AC3E}">
+        <p14:creationId xmlns:p14="http://schemas.microsoft.com/office/powerpoint/2010/main" val="4194712356"/>
+      </p:ext>
+    </p:extLst>
+  </p:cSld>
+  <p:clrMapOvr>
+    <a:masterClrMapping/>
+  </p:clrMapOvr>
+</p:sld>
+</file>
+
+<file path=ppt/slides/slide39.xml><?xml version="1.0" encoding="utf-8"?>
+<p:sld xmlns:a="http://schemas.openxmlformats.org/drawingml/2006/main" xmlns:r="http://schemas.openxmlformats.org/officeDocument/2006/relationships" xmlns:p="http://schemas.openxmlformats.org/presentationml/2006/main">
+  <p:cSld>
+    <p:spTree>
+      <p:nvGrpSpPr>
+        <p:cNvPr id="1" name=""/>
+        <p:cNvGrpSpPr/>
+        <p:nvPr/>
+      </p:nvGrpSpPr>
+      <p:grpSpPr>
+        <a:xfrm>
+          <a:off x="0" y="0"/>
+          <a:ext cx="0" cy="0"/>
+          <a:chOff x="0" y="0"/>
+          <a:chExt cx="0" cy="0"/>
+        </a:xfrm>
+      </p:grpSpPr>
+      <p:sp>
+        <p:nvSpPr>
+          <p:cNvPr id="2" name="Title 1"/>
+          <p:cNvSpPr>
+            <a:spLocks noGrp="1"/>
+          </p:cNvSpPr>
+          <p:nvPr>
+            <p:ph type="title"/>
+          </p:nvPr>
+        </p:nvSpPr>
+        <p:spPr/>
+        <p:txBody>
+          <a:bodyPr/>
+          <a:lstStyle/>
+          <a:p>
+            <a:r>
+              <a:rPr lang="en-US" dirty="0"/>
+              <a:t>4 Main Types of Integration</a:t>
+            </a:r>
+          </a:p>
+        </p:txBody>
+      </p:sp>
+      <p:sp>
+        <p:nvSpPr>
+          <p:cNvPr id="3" name="Text Placeholder 2"/>
+          <p:cNvSpPr>
+            <a:spLocks noGrp="1"/>
+          </p:cNvSpPr>
+          <p:nvPr>
+            <p:ph type="body" idx="1"/>
+          </p:nvPr>
+        </p:nvSpPr>
+        <p:spPr/>
+        <p:txBody>
+          <a:bodyPr/>
+          <a:lstStyle/>
+          <a:p>
+            <a:endParaRPr lang="en-US"/>
+          </a:p>
+        </p:txBody>
+      </p:sp>
+      <p:sp>
+        <p:nvSpPr>
+          <p:cNvPr id="4" name="Slide Number Placeholder 3"/>
+          <p:cNvSpPr>
+            <a:spLocks noGrp="1"/>
+          </p:cNvSpPr>
+          <p:nvPr>
+            <p:ph type="sldNum" sz="quarter" idx="12"/>
+          </p:nvPr>
+        </p:nvSpPr>
+        <p:spPr/>
+        <p:txBody>
+          <a:bodyPr/>
+          <a:lstStyle/>
+          <a:p>
+            <a:fld id="{B8DACC02-A2BD-4578-8E03-6D891060A695}" type="slidenum">
+              <a:rPr lang="en-US" smtClean="0"/>
+              <a:t>39</a:t>
+            </a:fld>
+            <a:endParaRPr lang="en-US"/>
+          </a:p>
+        </p:txBody>
+      </p:sp>
+    </p:spTree>
+    <p:extLst>
+      <p:ext uri="{BB962C8B-B14F-4D97-AF65-F5344CB8AC3E}">
+        <p14:creationId xmlns:p14="http://schemas.microsoft.com/office/powerpoint/2010/main" val="4178565334"/>
+      </p:ext>
+    </p:extLst>
+  </p:cSld>
+  <p:clrMapOvr>
+    <a:masterClrMapping/>
+  </p:clrMapOvr>
+</p:sld>
+</file>
+
+<file path=ppt/slides/slide4.xml><?xml version="1.0" encoding="utf-8"?>
+<p:sld xmlns:a="http://schemas.openxmlformats.org/drawingml/2006/main" xmlns:r="http://schemas.openxmlformats.org/officeDocument/2006/relationships" xmlns:p="http://schemas.openxmlformats.org/presentationml/2006/main">
+  <p:cSld>
+    <p:spTree>
+      <p:nvGrpSpPr>
+        <p:cNvPr id="1" name=""/>
+        <p:cNvGrpSpPr/>
+        <p:nvPr/>
+      </p:nvGrpSpPr>
+      <p:grpSpPr>
+        <a:xfrm>
+          <a:off x="0" y="0"/>
+          <a:ext cx="0" cy="0"/>
+          <a:chOff x="0" y="0"/>
+          <a:chExt cx="0" cy="0"/>
+        </a:xfrm>
+      </p:grpSpPr>
+      <p:sp>
+        <p:nvSpPr>
+          <p:cNvPr id="2" name="Title 1"/>
+          <p:cNvSpPr>
+            <a:spLocks noGrp="1"/>
+          </p:cNvSpPr>
+          <p:nvPr>
+            <p:ph type="title"/>
+          </p:nvPr>
+        </p:nvSpPr>
+        <p:spPr/>
+        <p:txBody>
+          <a:bodyPr/>
+          <a:lstStyle/>
+          <a:p>
+            <a:r>
+              <a:rPr lang="en-US" dirty="0"/>
+              <a:t>System integration Overview</a:t>
+            </a:r>
+          </a:p>
+        </p:txBody>
+      </p:sp>
+      <p:sp>
+        <p:nvSpPr>
+          <p:cNvPr id="3" name="Content Placeholder 2"/>
+          <p:cNvSpPr>
+            <a:spLocks noGrp="1"/>
+          </p:cNvSpPr>
+          <p:nvPr>
+            <p:ph idx="1"/>
+          </p:nvPr>
+        </p:nvSpPr>
+        <p:spPr/>
+        <p:txBody>
+          <a:bodyPr/>
+          <a:lstStyle/>
+          <a:p>
+            <a:r>
+              <a:rPr lang="en-US" dirty="0"/>
+              <a:t>What is Systems Integration?</a:t>
+            </a:r>
+          </a:p>
+          <a:p>
+            <a:pPr lvl="1"/>
+            <a:r>
+              <a:rPr lang="en-US" dirty="0"/>
+              <a:t>What is system?</a:t>
+            </a:r>
+          </a:p>
+          <a:p>
+            <a:pPr lvl="2"/>
+            <a:r>
+              <a:rPr lang="en-US" dirty="0"/>
+              <a:t>A system is an aggregation of subsystems cooperating so that the system is able to achieve one or more goals.</a:t>
+            </a:r>
+          </a:p>
+          <a:p>
+            <a:pPr lvl="1"/>
+            <a:r>
+              <a:rPr lang="en-US" dirty="0"/>
+              <a:t>Systems integration is the process of linking together different computing systems and software applications physically or functionally, to act as a coordinated whole.</a:t>
+            </a:r>
+          </a:p>
+          <a:p>
+            <a:pPr lvl="1"/>
+            <a:r>
+              <a:rPr lang="en-US" dirty="0"/>
+              <a:t>System integration is the process of connecting different sub-systems(components) into a single larger system that functions as one.</a:t>
+            </a:r>
+          </a:p>
+          <a:p>
+            <a:pPr lvl="2"/>
+            <a:r>
+              <a:rPr lang="en-US" dirty="0"/>
+              <a:t>In software solutions, system integration is typically defined as the process of linking together various IT systems, services and/or software to enable all of them to work functionally together.</a:t>
+            </a:r>
+          </a:p>
+        </p:txBody>
+      </p:sp>
+      <p:sp>
+        <p:nvSpPr>
+          <p:cNvPr id="4" name="Slide Number Placeholder 3"/>
+          <p:cNvSpPr>
+            <a:spLocks noGrp="1"/>
+          </p:cNvSpPr>
+          <p:nvPr>
+            <p:ph type="sldNum" sz="quarter" idx="12"/>
+          </p:nvPr>
+        </p:nvSpPr>
+        <p:spPr/>
+        <p:txBody>
+          <a:bodyPr/>
+          <a:lstStyle/>
+          <a:p>
+            <a:fld id="{B8DACC02-A2BD-4578-8E03-6D891060A695}" type="slidenum">
+              <a:rPr lang="en-US" smtClean="0"/>
+              <a:pPr/>
+              <a:t>4</a:t>
+            </a:fld>
+            <a:endParaRPr lang="en-US" dirty="0"/>
+          </a:p>
+        </p:txBody>
+      </p:sp>
+    </p:spTree>
+    <p:extLst>
+      <p:ext uri="{BB962C8B-B14F-4D97-AF65-F5344CB8AC3E}">
+        <p14:creationId xmlns:p14="http://schemas.microsoft.com/office/powerpoint/2010/main" val="2561281319"/>
+      </p:ext>
+    </p:extLst>
+  </p:cSld>
+  <p:clrMapOvr>
+    <a:masterClrMapping/>
+  </p:clrMapOvr>
+</p:sld>
+</file>
+
+<file path=ppt/slides/slide40.xml><?xml version="1.0" encoding="utf-8"?>
+<p:sld xmlns:a="http://schemas.openxmlformats.org/drawingml/2006/main" xmlns:r="http://schemas.openxmlformats.org/officeDocument/2006/relationships" xmlns:p="http://schemas.openxmlformats.org/presentationml/2006/main">
+  <p:cSld>
+    <p:spTree>
+      <p:nvGrpSpPr>
+        <p:cNvPr id="1" name=""/>
+        <p:cNvGrpSpPr/>
+        <p:nvPr/>
+      </p:nvGrpSpPr>
+      <p:grpSpPr>
+        <a:xfrm>
+          <a:off x="0" y="0"/>
+          <a:ext cx="0" cy="0"/>
+          <a:chOff x="0" y="0"/>
+          <a:chExt cx="0" cy="0"/>
+        </a:xfrm>
+      </p:grpSpPr>
+      <p:sp>
+        <p:nvSpPr>
+          <p:cNvPr id="2" name="Title 1"/>
+          <p:cNvSpPr>
+            <a:spLocks noGrp="1"/>
+          </p:cNvSpPr>
+          <p:nvPr>
+            <p:ph type="title"/>
+          </p:nvPr>
+        </p:nvSpPr>
+        <p:spPr/>
+        <p:txBody>
+          <a:bodyPr/>
+          <a:lstStyle/>
+          <a:p>
+            <a:r>
+              <a:rPr lang="en-US" dirty="0"/>
+              <a:t>4 Main Types of Integration</a:t>
+            </a:r>
+          </a:p>
+        </p:txBody>
+      </p:sp>
+      <p:sp>
+        <p:nvSpPr>
+          <p:cNvPr id="3" name="Content Placeholder 2"/>
+          <p:cNvSpPr>
+            <a:spLocks noGrp="1"/>
+          </p:cNvSpPr>
+          <p:nvPr>
+            <p:ph idx="1"/>
+          </p:nvPr>
+        </p:nvSpPr>
+        <p:spPr/>
+        <p:txBody>
+          <a:bodyPr/>
+          <a:lstStyle/>
+          <a:p>
+            <a:r>
+              <a:rPr lang="en-US" dirty="0"/>
+              <a:t>API Integration</a:t>
+            </a:r>
+          </a:p>
+          <a:p>
+            <a:r>
+              <a:rPr lang="en-US" dirty="0" err="1"/>
+              <a:t>Webhooks</a:t>
+            </a:r>
+            <a:endParaRPr lang="en-US" dirty="0"/>
+          </a:p>
+          <a:p>
+            <a:r>
+              <a:rPr lang="en-US" dirty="0"/>
+              <a:t>Integration Services Component (ISC) </a:t>
+            </a:r>
+          </a:p>
+          <a:p>
+            <a:r>
+              <a:rPr lang="en-US" dirty="0"/>
+              <a:t>Orchestrations</a:t>
+            </a:r>
+          </a:p>
+        </p:txBody>
+      </p:sp>
+      <p:sp>
+        <p:nvSpPr>
+          <p:cNvPr id="4" name="Slide Number Placeholder 3"/>
+          <p:cNvSpPr>
+            <a:spLocks noGrp="1"/>
+          </p:cNvSpPr>
+          <p:nvPr>
+            <p:ph type="sldNum" sz="quarter" idx="12"/>
+          </p:nvPr>
+        </p:nvSpPr>
+        <p:spPr/>
+        <p:txBody>
+          <a:bodyPr/>
+          <a:lstStyle/>
+          <a:p>
+            <a:fld id="{B8DACC02-A2BD-4578-8E03-6D891060A695}" type="slidenum">
+              <a:rPr lang="en-US" smtClean="0"/>
+              <a:pPr/>
+              <a:t>40</a:t>
             </a:fld>
             <a:endParaRPr lang="en-US" dirty="0"/>
           </a:p>
@@ -11916,7 +12760,7 @@
 </p:sld>
 </file>
 
-<file path=ppt/slides/slide32.xml><?xml version="1.0" encoding="utf-8"?>
+<file path=ppt/slides/slide41.xml><?xml version="1.0" encoding="utf-8"?>
 <p:sld xmlns:a="http://schemas.openxmlformats.org/drawingml/2006/main" xmlns:r="http://schemas.openxmlformats.org/officeDocument/2006/relationships" xmlns:p="http://schemas.openxmlformats.org/presentationml/2006/main">
   <p:cSld>
     <p:spTree>
@@ -11968,7 +12812,7 @@
         <p:spPr/>
         <p:txBody>
           <a:bodyPr>
-            <a:normAutofit fontScale="70000" lnSpcReduction="20000"/>
+            <a:normAutofit fontScale="85000" lnSpcReduction="20000"/>
           </a:bodyPr>
           <a:lstStyle/>
           <a:p>
@@ -11976,37 +12820,23 @@
               <a:rPr lang="en-US" dirty="0"/>
               <a:t>Application Programming Interface (API) is the most common tool for connecting different applications for service management software. </a:t>
             </a:r>
-            <a:endParaRPr lang="en-US" dirty="0" smtClean="0"/>
-          </a:p>
-          <a:p>
-            <a:r>
-              <a:rPr lang="en-US" dirty="0" smtClean="0"/>
-              <a:t>There </a:t>
-            </a:r>
-            <a:r>
-              <a:rPr lang="en-US" dirty="0"/>
-              <a:t>are many different types of API that are either public, partner, or private. What they all have in common is how they enable interaction between applications. </a:t>
-            </a:r>
-            <a:endParaRPr lang="en-US" dirty="0" smtClean="0"/>
-          </a:p>
-          <a:p>
-            <a:r>
-              <a:rPr lang="en-US" dirty="0" smtClean="0"/>
-              <a:t>An </a:t>
-            </a:r>
-            <a:r>
-              <a:rPr lang="en-US" dirty="0"/>
-              <a:t>API uses a common code language to specify functionality and set protocols. This gives your applications the ability to transfer data.</a:t>
-            </a:r>
-          </a:p>
-          <a:p>
-            <a:r>
-              <a:rPr lang="en-US" dirty="0" smtClean="0"/>
-              <a:t>Pros</a:t>
-            </a:r>
-            <a:r>
-              <a:rPr lang="en-US" dirty="0"/>
-              <a:t>:</a:t>
+          </a:p>
+          <a:p>
+            <a:r>
+              <a:rPr lang="en-US" dirty="0"/>
+              <a:t>There are many different types of API that are either public, partner, or private. What they all have in common is how they enable interaction between applications. </a:t>
+            </a:r>
+          </a:p>
+          <a:p>
+            <a:r>
+              <a:rPr lang="en-US" dirty="0"/>
+              <a:t>An API uses a common code language to specify functionality and set protocols. This gives your applications the ability to transfer data.</a:t>
+            </a:r>
+          </a:p>
+          <a:p>
+            <a:r>
+              <a:rPr lang="en-US" dirty="0"/>
+              <a:t>Pros:</a:t>
             </a:r>
           </a:p>
           <a:p>
@@ -12070,7 +12900,7 @@
             <a:fld id="{B8DACC02-A2BD-4578-8E03-6D891060A695}" type="slidenum">
               <a:rPr lang="en-US" smtClean="0"/>
               <a:pPr/>
-              <a:t>32</a:t>
+              <a:t>41</a:t>
             </a:fld>
             <a:endParaRPr lang="en-US" dirty="0"/>
           </a:p>
@@ -12089,7 +12919,7 @@
 </p:sld>
 </file>
 
-<file path=ppt/slides/slide33.xml><?xml version="1.0" encoding="utf-8"?>
+<file path=ppt/slides/slide42.xml><?xml version="1.0" encoding="utf-8"?>
 <p:sld xmlns:a="http://schemas.openxmlformats.org/drawingml/2006/main" xmlns:r="http://schemas.openxmlformats.org/officeDocument/2006/relationships" xmlns:p="http://schemas.openxmlformats.org/presentationml/2006/main">
   <p:cSld>
     <p:spTree>
@@ -12149,27 +12979,17 @@
               <a:rPr lang="en-US" dirty="0"/>
               <a:t>Middleware is the hidden software layer that glues together distributed systems, applications, services, and devices. </a:t>
             </a:r>
-            <a:endParaRPr lang="en-US" dirty="0" smtClean="0"/>
-          </a:p>
-          <a:p>
-            <a:r>
-              <a:rPr lang="en-US" dirty="0" smtClean="0"/>
-              <a:t>It </a:t>
-            </a:r>
-            <a:r>
-              <a:rPr lang="en-US" dirty="0"/>
-              <a:t>handles different tasks such as data management, messaging, API management, or authentication. Cloud middleware can be accessed via APIs. </a:t>
-            </a:r>
-            <a:endParaRPr lang="en-US" dirty="0" smtClean="0"/>
-          </a:p>
-          <a:p>
-            <a:r>
-              <a:rPr lang="en-US" dirty="0" smtClean="0"/>
-              <a:t>In </a:t>
-            </a:r>
-            <a:r>
-              <a:rPr lang="en-US" dirty="0"/>
-              <a:t>turn, an API gateway can be considered a type of middleware between a collection of services and systems using them.</a:t>
+          </a:p>
+          <a:p>
+            <a:r>
+              <a:rPr lang="en-US" dirty="0"/>
+              <a:t>It handles different tasks such as data management, messaging, API management, or authentication. Cloud middleware can be accessed via APIs. </a:t>
+            </a:r>
+          </a:p>
+          <a:p>
+            <a:r>
+              <a:rPr lang="en-US" dirty="0"/>
+              <a:t>In turn, an API gateway can be considered a type of middleware between a collection of services and systems using them.</a:t>
             </a:r>
           </a:p>
         </p:txBody>
@@ -12192,7 +13012,7 @@
             <a:fld id="{B8DACC02-A2BD-4578-8E03-6D891060A695}" type="slidenum">
               <a:rPr lang="en-US" smtClean="0"/>
               <a:pPr/>
-              <a:t>33</a:t>
+              <a:t>42</a:t>
             </a:fld>
             <a:endParaRPr lang="en-US" dirty="0"/>
           </a:p>
@@ -12211,7 +13031,7 @@
 </p:sld>
 </file>
 
-<file path=ppt/slides/slide34.xml><?xml version="1.0" encoding="utf-8"?>
+<file path=ppt/slides/slide43.xml><?xml version="1.0" encoding="utf-8"?>
 <p:sld xmlns:a="http://schemas.openxmlformats.org/drawingml/2006/main" xmlns:r="http://schemas.openxmlformats.org/officeDocument/2006/relationships" xmlns:p="http://schemas.openxmlformats.org/presentationml/2006/main">
   <p:cSld>
     <p:spTree>
@@ -12264,7 +13084,7 @@
         <p:spPr/>
         <p:txBody>
           <a:bodyPr>
-            <a:normAutofit fontScale="85000" lnSpcReduction="20000"/>
+            <a:normAutofit fontScale="92500" lnSpcReduction="20000"/>
           </a:bodyPr>
           <a:lstStyle/>
           <a:p>
@@ -12276,22 +13096,16 @@
               <a:rPr lang="en-US" dirty="0"/>
               <a:t> or HTTP callbacks are an alternative to API integration. </a:t>
             </a:r>
-            <a:endParaRPr lang="en-US" dirty="0" smtClean="0"/>
-          </a:p>
-          <a:p>
-            <a:r>
-              <a:rPr lang="en-US" dirty="0" smtClean="0"/>
-              <a:t>They </a:t>
-            </a:r>
-            <a:r>
-              <a:rPr lang="en-US" dirty="0"/>
-              <a:t>are both tools that link to a web application but have two key differences. </a:t>
-            </a:r>
-            <a:endParaRPr lang="en-US" dirty="0" smtClean="0"/>
-          </a:p>
-          <a:p>
-            <a:r>
-              <a:rPr lang="en-US" dirty="0" smtClean="0"/>
+          </a:p>
+          <a:p>
+            <a:r>
+              <a:rPr lang="en-US" dirty="0"/>
+              <a:t>They are both tools that link to a web application but have two key differences. </a:t>
+            </a:r>
+          </a:p>
+          <a:p>
+            <a:r>
+              <a:rPr lang="en-US" dirty="0"/>
               <a:t>For </a:t>
             </a:r>
             <a:r>
@@ -12302,16 +13116,11 @@
               <a:rPr lang="en-US" dirty="0"/>
               <a:t>, implementation is often not code-based. They often have modules that are programmable within a web application. </a:t>
             </a:r>
-            <a:endParaRPr lang="en-US" dirty="0" smtClean="0"/>
-          </a:p>
-          <a:p>
-            <a:r>
-              <a:rPr lang="en-US" dirty="0" smtClean="0"/>
-              <a:t>Instead </a:t>
-            </a:r>
-            <a:r>
-              <a:rPr lang="en-US" dirty="0"/>
-              <a:t>of being request-based, </a:t>
+          </a:p>
+          <a:p>
+            <a:r>
+              <a:rPr lang="en-US" dirty="0"/>
+              <a:t>Instead of being request-based, </a:t>
             </a:r>
             <a:r>
               <a:rPr lang="en-US" dirty="0" err="1"/>
@@ -12321,26 +13130,17 @@
               <a:rPr lang="en-US" dirty="0"/>
               <a:t> are event-based. </a:t>
             </a:r>
-            <a:endParaRPr lang="en-US" dirty="0" smtClean="0"/>
-          </a:p>
-          <a:p>
-            <a:r>
-              <a:rPr lang="en-US" dirty="0" smtClean="0"/>
-              <a:t>They </a:t>
-            </a:r>
-            <a:r>
-              <a:rPr lang="en-US" dirty="0"/>
-              <a:t>only trigger when specific events occur within a third-party service.</a:t>
-            </a:r>
-          </a:p>
-          <a:p>
-            <a:r>
-              <a:rPr lang="en-US" dirty="0" smtClean="0"/>
-              <a:t>Pros</a:t>
-            </a:r>
-            <a:r>
-              <a:rPr lang="en-US" dirty="0"/>
-              <a:t>:</a:t>
+          </a:p>
+          <a:p>
+            <a:r>
+              <a:rPr lang="en-US" dirty="0"/>
+              <a:t>They only trigger when specific events occur within a third-party service.</a:t>
+            </a:r>
+          </a:p>
+          <a:p>
+            <a:r>
+              <a:rPr lang="en-US" dirty="0"/>
+              <a:t>Pros:</a:t>
             </a:r>
           </a:p>
           <a:p>
@@ -12385,17 +13185,12 @@
               <a:rPr lang="en-US" dirty="0"/>
               <a:t> requires the service to trigger a data transfer based on an update. </a:t>
             </a:r>
-            <a:endParaRPr lang="en-US" dirty="0" smtClean="0"/>
           </a:p>
           <a:p>
             <a:pPr lvl="1"/>
             <a:r>
-              <a:rPr lang="en-US" dirty="0" smtClean="0"/>
-              <a:t>In </a:t>
-            </a:r>
-            <a:r>
-              <a:rPr lang="en-US" dirty="0"/>
-              <a:t>contrast to </a:t>
+              <a:rPr lang="en-US" dirty="0"/>
+              <a:t>In contrast to </a:t>
             </a:r>
             <a:r>
               <a:rPr lang="en-US" dirty="0" err="1"/>
@@ -12426,7 +13221,7 @@
             <a:fld id="{B8DACC02-A2BD-4578-8E03-6D891060A695}" type="slidenum">
               <a:rPr lang="en-US" smtClean="0"/>
               <a:pPr/>
-              <a:t>34</a:t>
+              <a:t>43</a:t>
             </a:fld>
             <a:endParaRPr lang="en-US" dirty="0"/>
           </a:p>
@@ -12445,7 +13240,7 @@
 </p:sld>
 </file>
 
-<file path=ppt/slides/slide35.xml><?xml version="1.0" encoding="utf-8"?>
+<file path=ppt/slides/slide44.xml><?xml version="1.0" encoding="utf-8"?>
 <p:sld xmlns:a="http://schemas.openxmlformats.org/drawingml/2006/main" xmlns:r="http://schemas.openxmlformats.org/officeDocument/2006/relationships" xmlns:p="http://schemas.openxmlformats.org/presentationml/2006/main">
   <p:cSld>
     <p:spTree>
@@ -12497,7 +13292,7 @@
         <p:spPr/>
         <p:txBody>
           <a:bodyPr>
-            <a:normAutofit fontScale="85000" lnSpcReduction="10000"/>
+            <a:normAutofit fontScale="92500" lnSpcReduction="10000"/>
           </a:bodyPr>
           <a:lstStyle/>
           <a:p>
@@ -12505,16 +13300,11 @@
               <a:rPr lang="en-US" dirty="0"/>
               <a:t>Integration Services Component (ISC) lives on a local server unlike code-based integrations.  </a:t>
             </a:r>
-            <a:endParaRPr lang="en-US" dirty="0" smtClean="0"/>
-          </a:p>
-          <a:p>
-            <a:r>
-              <a:rPr lang="en-US" dirty="0" smtClean="0"/>
-              <a:t>The </a:t>
-            </a:r>
-            <a:r>
-              <a:rPr lang="en-US" dirty="0"/>
-              <a:t>ISC creates a bridge with </a:t>
+          </a:p>
+          <a:p>
+            <a:r>
+              <a:rPr lang="en-US" dirty="0"/>
+              <a:t>The ISC creates a bridge with </a:t>
             </a:r>
             <a:r>
               <a:rPr lang="en-US" dirty="0" err="1"/>
@@ -12522,13 +13312,8 @@
             </a:r>
             <a:r>
               <a:rPr lang="en-US" dirty="0"/>
-              <a:t> tools such as directories, asset management tools, and BI tools without the need for file imports</a:t>
-            </a:r>
-            <a:r>
-              <a:rPr lang="en-US" dirty="0" smtClean="0"/>
-              <a:t>.</a:t>
-            </a:r>
-            <a:endParaRPr lang="en-US" dirty="0"/>
+              <a:t> tools such as directories, asset management tools, and BI tools without the need for file imports.</a:t>
+            </a:r>
           </a:p>
           <a:p>
             <a:r>
@@ -12549,17 +13334,12 @@
               <a:rPr lang="en-US" dirty="0"/>
               <a:t>Wider Range of Functionality: With an ISC, you have complete data access that you can do anything with.  </a:t>
             </a:r>
-            <a:endParaRPr lang="en-US" dirty="0" smtClean="0"/>
           </a:p>
           <a:p>
             <a:pPr lvl="1"/>
             <a:r>
-              <a:rPr lang="en-US" dirty="0" smtClean="0"/>
-              <a:t>Any </a:t>
-            </a:r>
-            <a:r>
-              <a:rPr lang="en-US" dirty="0"/>
-              <a:t>data that you can access on the backend with your cloud service will be available.</a:t>
+              <a:rPr lang="en-US" dirty="0"/>
+              <a:t>Any data that you can access on the backend with your cloud service will be available.</a:t>
             </a:r>
           </a:p>
           <a:p>
@@ -12602,7 +13382,7 @@
             <a:fld id="{B8DACC02-A2BD-4578-8E03-6D891060A695}" type="slidenum">
               <a:rPr lang="en-US" smtClean="0"/>
               <a:pPr/>
-              <a:t>35</a:t>
+              <a:t>44</a:t>
             </a:fld>
             <a:endParaRPr lang="en-US" dirty="0"/>
           </a:p>
@@ -12621,7 +13401,7 @@
 </p:sld>
 </file>
 
-<file path=ppt/slides/slide36.xml><?xml version="1.0" encoding="utf-8"?>
+<file path=ppt/slides/slide45.xml><?xml version="1.0" encoding="utf-8"?>
 <p:sld xmlns:a="http://schemas.openxmlformats.org/drawingml/2006/main" xmlns:r="http://schemas.openxmlformats.org/officeDocument/2006/relationships" xmlns:p="http://schemas.openxmlformats.org/presentationml/2006/main">
   <p:cSld>
     <p:spTree>
@@ -12673,7 +13453,7 @@
         <p:spPr/>
         <p:txBody>
           <a:bodyPr>
-            <a:normAutofit fontScale="85000" lnSpcReduction="20000"/>
+            <a:normAutofit fontScale="92500" lnSpcReduction="20000"/>
           </a:bodyPr>
           <a:lstStyle/>
           <a:p>
@@ -12681,48 +13461,29 @@
               <a:rPr lang="en-US" dirty="0"/>
               <a:t>The most automated integration option is orchestrations. </a:t>
             </a:r>
-            <a:endParaRPr lang="en-US" dirty="0" smtClean="0"/>
-          </a:p>
-          <a:p>
-            <a:r>
-              <a:rPr lang="en-US" dirty="0" smtClean="0"/>
-              <a:t>It is the </a:t>
-            </a:r>
-            <a:r>
-              <a:rPr lang="en-US" dirty="0"/>
-              <a:t>process of automating multiple systems and services together. </a:t>
-            </a:r>
-            <a:endParaRPr lang="en-US" dirty="0" smtClean="0"/>
-          </a:p>
-          <a:p>
-            <a:r>
-              <a:rPr lang="en-US" dirty="0" smtClean="0"/>
-              <a:t>Teams </a:t>
-            </a:r>
-            <a:r>
-              <a:rPr lang="en-US" dirty="0"/>
-              <a:t>will often use software configuration management tools such as PowerShell to build orchestrations. </a:t>
-            </a:r>
-            <a:endParaRPr lang="en-US" dirty="0" smtClean="0"/>
-          </a:p>
-          <a:p>
-            <a:r>
-              <a:rPr lang="en-US" dirty="0" smtClean="0"/>
-              <a:t>Software </a:t>
-            </a:r>
-            <a:r>
-              <a:rPr lang="en-US" dirty="0"/>
-              <a:t>configuration management tools offer various methods such as snap-ins or hosting APIs to connect with applications to manage the automation workflow.</a:t>
-            </a:r>
-          </a:p>
-          <a:p>
-            <a:r>
-              <a:rPr lang="en-US" dirty="0" smtClean="0"/>
-              <a:t>Pros</a:t>
-            </a:r>
-            <a:r>
-              <a:rPr lang="en-US" dirty="0"/>
-              <a:t>:</a:t>
+          </a:p>
+          <a:p>
+            <a:r>
+              <a:rPr lang="en-US" dirty="0"/>
+              <a:t>It is the process of automating multiple systems and services together. </a:t>
+            </a:r>
+          </a:p>
+          <a:p>
+            <a:r>
+              <a:rPr lang="en-US" dirty="0"/>
+              <a:t>Teams will often use software configuration management tools such as PowerShell to build orchestrations. </a:t>
+            </a:r>
+          </a:p>
+          <a:p>
+            <a:r>
+              <a:rPr lang="en-US" dirty="0"/>
+              <a:t>Software configuration management tools offer various methods such as snap-ins or hosting APIs to connect with applications to manage the automation workflow.</a:t>
+            </a:r>
+          </a:p>
+          <a:p>
+            <a:r>
+              <a:rPr lang="en-US" dirty="0"/>
+              <a:t>Pros:</a:t>
             </a:r>
           </a:p>
           <a:p>
@@ -12756,13 +13517,8 @@
             <a:pPr lvl="1"/>
             <a:r>
               <a:rPr lang="en-US" dirty="0"/>
-              <a:t>Labor-Intensive: Because the workflows are quite complex, the setup can be a drawn-out process. Also, any asset or process changes force you to check how it will affect your orchestrations</a:t>
-            </a:r>
-            <a:r>
-              <a:rPr lang="en-US" dirty="0" smtClean="0"/>
-              <a:t>.</a:t>
-            </a:r>
-            <a:endParaRPr lang="en-US" dirty="0"/>
+              <a:t>Labor-Intensive: Because the workflows are quite complex, the setup can be a drawn-out process. Also, any asset or process changes force you to check how it will affect your orchestrations.</a:t>
+            </a:r>
           </a:p>
         </p:txBody>
       </p:sp>
@@ -12784,7 +13540,7 @@
             <a:fld id="{B8DACC02-A2BD-4578-8E03-6D891060A695}" type="slidenum">
               <a:rPr lang="en-US" smtClean="0"/>
               <a:pPr/>
-              <a:t>36</a:t>
+              <a:t>45</a:t>
             </a:fld>
             <a:endParaRPr lang="en-US" dirty="0"/>
           </a:p>
@@ -12803,7 +13559,7 @@
 </p:sld>
 </file>
 
-<file path=ppt/slides/slide37.xml><?xml version="1.0" encoding="utf-8"?>
+<file path=ppt/slides/slide46.xml><?xml version="1.0" encoding="utf-8"?>
 <p:sld xmlns:a="http://schemas.openxmlformats.org/drawingml/2006/main" xmlns:r="http://schemas.openxmlformats.org/officeDocument/2006/relationships" xmlns:p="http://schemas.openxmlformats.org/presentationml/2006/main">
   <p:cSld>
     <p:spTree>
@@ -12822,7 +13578,13 @@
       </p:grpSpPr>
       <p:sp>
         <p:nvSpPr>
-          <p:cNvPr id="5" name="Title 4"/>
+          <p:cNvPr id="5" name="Title 4">
+            <a:extLst>
+              <a:ext uri="{FF2B5EF4-FFF2-40B4-BE49-F238E27FC236}">
+                <a16:creationId xmlns:a16="http://schemas.microsoft.com/office/drawing/2014/main" id="{D9BAA9D7-1182-2D06-8207-5961CE3225EC}"/>
+              </a:ext>
+            </a:extLst>
+          </p:cNvPr>
           <p:cNvSpPr>
             <a:spLocks noGrp="1"/>
           </p:cNvSpPr>
@@ -12835,13 +13597,22 @@
           <a:bodyPr/>
           <a:lstStyle/>
           <a:p>
-            <a:endParaRPr lang="en-US" dirty="0"/>
-          </a:p>
-        </p:txBody>
-      </p:sp>
-      <p:sp>
-        <p:nvSpPr>
-          <p:cNvPr id="6" name="Text Placeholder 5"/>
+            <a:r>
+              <a:rPr lang="en-US" dirty="0"/>
+              <a:t>Integration Steps</a:t>
+            </a:r>
+          </a:p>
+        </p:txBody>
+      </p:sp>
+      <p:sp>
+        <p:nvSpPr>
+          <p:cNvPr id="6" name="Text Placeholder 5">
+            <a:extLst>
+              <a:ext uri="{FF2B5EF4-FFF2-40B4-BE49-F238E27FC236}">
+                <a16:creationId xmlns:a16="http://schemas.microsoft.com/office/drawing/2014/main" id="{CFB533CF-05C8-E591-501F-31889B50638E}"/>
+              </a:ext>
+            </a:extLst>
+          </p:cNvPr>
           <p:cNvSpPr>
             <a:spLocks noGrp="1"/>
           </p:cNvSpPr>
@@ -12860,7 +13631,13 @@
       </p:sp>
       <p:sp>
         <p:nvSpPr>
-          <p:cNvPr id="4" name="Slide Number Placeholder 3"/>
+          <p:cNvPr id="4" name="Slide Number Placeholder 3">
+            <a:extLst>
+              <a:ext uri="{FF2B5EF4-FFF2-40B4-BE49-F238E27FC236}">
+                <a16:creationId xmlns:a16="http://schemas.microsoft.com/office/drawing/2014/main" id="{18B888A4-9912-177B-9050-0BEC567AA6B6}"/>
+              </a:ext>
+            </a:extLst>
+          </p:cNvPr>
           <p:cNvSpPr>
             <a:spLocks noGrp="1"/>
           </p:cNvSpPr>
@@ -12876,7 +13653,7 @@
             <a:fld id="{B8DACC02-A2BD-4578-8E03-6D891060A695}" type="slidenum">
               <a:rPr lang="en-US" smtClean="0"/>
               <a:pPr/>
-              <a:t>37</a:t>
+              <a:t>46</a:t>
             </a:fld>
             <a:endParaRPr lang="en-US" dirty="0"/>
           </a:p>
@@ -12885,7 +13662,7 @@
     </p:spTree>
     <p:extLst>
       <p:ext uri="{BB962C8B-B14F-4D97-AF65-F5344CB8AC3E}">
-        <p14:creationId xmlns:p14="http://schemas.microsoft.com/office/powerpoint/2010/main" val="3888811329"/>
+        <p14:creationId xmlns:p14="http://schemas.microsoft.com/office/powerpoint/2010/main" val="1239433158"/>
       </p:ext>
     </p:extLst>
   </p:cSld>
@@ -12895,7 +13672,7 @@
 </p:sld>
 </file>
 
-<file path=ppt/slides/slide38.xml><?xml version="1.0" encoding="utf-8"?>
+<file path=ppt/slides/slide47.xml><?xml version="1.0" encoding="utf-8"?>
 <p:sld xmlns:a="http://schemas.openxmlformats.org/drawingml/2006/main" xmlns:r="http://schemas.openxmlformats.org/officeDocument/2006/relationships" xmlns:p="http://schemas.openxmlformats.org/presentationml/2006/main">
   <p:cSld>
     <p:spTree>
@@ -12952,7 +13729,7 @@
             <a:fld id="{B8DACC02-A2BD-4578-8E03-6D891060A695}" type="slidenum">
               <a:rPr lang="en-US" smtClean="0"/>
               <a:pPr/>
-              <a:t>38</a:t>
+              <a:t>47</a:t>
             </a:fld>
             <a:endParaRPr lang="en-US" dirty="0"/>
           </a:p>
@@ -12993,7 +13770,7 @@
 </p:sld>
 </file>
 
-<file path=ppt/slides/slide39.xml><?xml version="1.0" encoding="utf-8"?>
+<file path=ppt/slides/slide48.xml><?xml version="1.0" encoding="utf-8"?>
 <p:sld xmlns:a="http://schemas.openxmlformats.org/drawingml/2006/main" xmlns:r="http://schemas.openxmlformats.org/officeDocument/2006/relationships" xmlns:p="http://schemas.openxmlformats.org/presentationml/2006/main">
   <p:cSld>
     <p:spTree>
@@ -13070,12 +13847,8 @@
           <a:p>
             <a:pPr lvl="1"/>
             <a:r>
-              <a:rPr lang="en-US" dirty="0" smtClean="0"/>
-              <a:t>Choosing </a:t>
-            </a:r>
-            <a:r>
-              <a:rPr lang="en-US" dirty="0"/>
-              <a:t>one of the common models we mentioned above or designing a custom architecture to meet your specific needs. </a:t>
+              <a:rPr lang="en-US" dirty="0"/>
+              <a:t>Choosing one of the common models we mentioned above or designing a custom architecture to meet your specific needs. </a:t>
             </a:r>
           </a:p>
           <a:p>
@@ -13124,7 +13897,7 @@
             <a:fld id="{B8DACC02-A2BD-4578-8E03-6D891060A695}" type="slidenum">
               <a:rPr lang="en-US" smtClean="0"/>
               <a:pPr/>
-              <a:t>39</a:t>
+              <a:t>48</a:t>
             </a:fld>
             <a:endParaRPr lang="en-US" dirty="0"/>
           </a:p>
@@ -13143,7 +13916,7 @@
 </p:sld>
 </file>
 
-<file path=ppt/slides/slide4.xml><?xml version="1.0" encoding="utf-8"?>
+<file path=ppt/slides/slide49.xml><?xml version="1.0" encoding="utf-8"?>
 <p:sld xmlns:a="http://schemas.openxmlformats.org/drawingml/2006/main" xmlns:r="http://schemas.openxmlformats.org/officeDocument/2006/relationships" xmlns:p="http://schemas.openxmlformats.org/presentationml/2006/main">
   <p:cSld>
     <p:spTree>
@@ -13162,7 +13935,13 @@
       </p:grpSpPr>
       <p:sp>
         <p:nvSpPr>
-          <p:cNvPr id="2" name="Title 1"/>
+          <p:cNvPr id="2" name="Title 1">
+            <a:extLst>
+              <a:ext uri="{FF2B5EF4-FFF2-40B4-BE49-F238E27FC236}">
+                <a16:creationId xmlns:a16="http://schemas.microsoft.com/office/drawing/2014/main" id="{3EDE229B-E41B-EBCF-63DC-F3620B2B04DA}"/>
+              </a:ext>
+            </a:extLst>
+          </p:cNvPr>
           <p:cNvSpPr>
             <a:spLocks noGrp="1"/>
           </p:cNvSpPr>
@@ -13172,24 +13951,27 @@
         </p:nvSpPr>
         <p:spPr/>
         <p:txBody>
-          <a:bodyPr/>
-          <a:lstStyle/>
-          <a:p>
-            <a:r>
-              <a:rPr lang="en-US" dirty="0"/>
-              <a:t>System integration </a:t>
-            </a:r>
-            <a:r>
-              <a:rPr lang="en-US" dirty="0" smtClean="0"/>
-              <a:t>Overview</a:t>
-            </a:r>
-            <a:endParaRPr lang="en-US" dirty="0"/>
-          </a:p>
-        </p:txBody>
-      </p:sp>
-      <p:sp>
-        <p:nvSpPr>
-          <p:cNvPr id="3" name="Content Placeholder 2"/>
+          <a:bodyPr>
+            <a:normAutofit/>
+          </a:bodyPr>
+          <a:lstStyle/>
+          <a:p>
+            <a:r>
+              <a:rPr lang="en-US" dirty="0"/>
+              <a:t>12 Steps to Application Integration</a:t>
+            </a:r>
+          </a:p>
+        </p:txBody>
+      </p:sp>
+      <p:sp>
+        <p:nvSpPr>
+          <p:cNvPr id="3" name="Content Placeholder 2">
+            <a:extLst>
+              <a:ext uri="{FF2B5EF4-FFF2-40B4-BE49-F238E27FC236}">
+                <a16:creationId xmlns:a16="http://schemas.microsoft.com/office/drawing/2014/main" id="{67AC4D2D-C9A9-C049-A179-C5C20E9FBB97}"/>
+              </a:ext>
+            </a:extLst>
+          </p:cNvPr>
           <p:cNvSpPr>
             <a:spLocks noGrp="1"/>
           </p:cNvSpPr>
@@ -13199,122 +13981,141 @@
         </p:nvSpPr>
         <p:spPr/>
         <p:txBody>
-          <a:bodyPr/>
-          <a:lstStyle/>
-          <a:p>
-            <a:r>
-              <a:rPr lang="en-US" dirty="0" smtClean="0"/>
-              <a:t>What is Systems Integration?</a:t>
-            </a:r>
-          </a:p>
-          <a:p>
-            <a:pPr lvl="1"/>
-            <a:r>
-              <a:rPr lang="en-US" dirty="0" smtClean="0"/>
-              <a:t>What </a:t>
-            </a:r>
-            <a:r>
-              <a:rPr lang="en-US" dirty="0"/>
-              <a:t>is </a:t>
-            </a:r>
-            <a:r>
-              <a:rPr lang="en-US" dirty="0" smtClean="0"/>
-              <a:t>system?</a:t>
-            </a:r>
-          </a:p>
-          <a:p>
-            <a:pPr lvl="2"/>
-            <a:r>
-              <a:rPr lang="en-US" dirty="0" smtClean="0"/>
-              <a:t>A </a:t>
-            </a:r>
-            <a:r>
-              <a:rPr lang="en-US" dirty="0"/>
-              <a:t>system is an aggregation of subsystems cooperating so that the system is able to achieve one or </a:t>
-            </a:r>
-            <a:r>
-              <a:rPr lang="en-US" dirty="0" smtClean="0"/>
-              <a:t>more goals.</a:t>
-            </a:r>
-          </a:p>
-          <a:p>
-            <a:pPr lvl="1"/>
-            <a:r>
-              <a:rPr lang="en-US" dirty="0" smtClean="0"/>
-              <a:t>Systems integration is </a:t>
-            </a:r>
-            <a:r>
-              <a:rPr lang="en-US" dirty="0"/>
-              <a:t>the process of linking together </a:t>
-            </a:r>
-            <a:r>
-              <a:rPr lang="en-US" dirty="0" smtClean="0"/>
-              <a:t>different computing </a:t>
-            </a:r>
-            <a:r>
-              <a:rPr lang="en-US" dirty="0"/>
-              <a:t>systems and software applications physically or functionally, to act as </a:t>
-            </a:r>
-            <a:r>
-              <a:rPr lang="en-US" dirty="0" smtClean="0"/>
-              <a:t>a coordinated </a:t>
-            </a:r>
-            <a:r>
-              <a:rPr lang="en-US" dirty="0"/>
-              <a:t>whole</a:t>
-            </a:r>
-            <a:r>
-              <a:rPr lang="en-US" dirty="0" smtClean="0"/>
-              <a:t>.</a:t>
-            </a:r>
-          </a:p>
-          <a:p>
-            <a:pPr lvl="1"/>
-            <a:r>
-              <a:rPr lang="en-US" dirty="0" smtClean="0"/>
-              <a:t>System </a:t>
-            </a:r>
-            <a:r>
-              <a:rPr lang="en-US" dirty="0"/>
-              <a:t>integration is the process of connecting different </a:t>
-            </a:r>
-            <a:r>
-              <a:rPr lang="en-US" dirty="0" smtClean="0"/>
-              <a:t>sub-systems(components</a:t>
-            </a:r>
-            <a:r>
-              <a:rPr lang="en-US" dirty="0"/>
-              <a:t>) into a single larger system that functions </a:t>
-            </a:r>
-            <a:r>
-              <a:rPr lang="en-US" dirty="0" smtClean="0"/>
-              <a:t>as one.</a:t>
-            </a:r>
-          </a:p>
-          <a:p>
-            <a:pPr lvl="2"/>
-            <a:r>
-              <a:rPr lang="en-US" dirty="0" smtClean="0"/>
-              <a:t>In software solutions, system integration is typically defined as the process </a:t>
-            </a:r>
-            <a:r>
-              <a:rPr lang="en-US" dirty="0"/>
-              <a:t>of linking together various IT systems, services and/or software to enable all of them to </a:t>
-            </a:r>
-            <a:r>
-              <a:rPr lang="en-US" dirty="0" smtClean="0"/>
-              <a:t>work functionally </a:t>
-            </a:r>
-            <a:r>
-              <a:rPr lang="en-US" dirty="0"/>
-              <a:t>together.</a:t>
-            </a:r>
-          </a:p>
-        </p:txBody>
-      </p:sp>
-      <p:sp>
-        <p:nvSpPr>
-          <p:cNvPr id="4" name="Slide Number Placeholder 3"/>
+          <a:bodyPr>
+            <a:normAutofit fontScale="92500" lnSpcReduction="10000"/>
+          </a:bodyPr>
+          <a:lstStyle/>
+          <a:p>
+            <a:pPr marL="514350" indent="-514350">
+              <a:buFont typeface="+mj-lt"/>
+              <a:buAutoNum type="arabicPeriod"/>
+            </a:pPr>
+            <a:r>
+              <a:rPr lang="en-US" dirty="0"/>
+              <a:t>Understand the enterprise and problem domain.</a:t>
+            </a:r>
+          </a:p>
+          <a:p>
+            <a:pPr marL="514350" indent="-514350">
+              <a:buFont typeface="+mj-lt"/>
+              <a:buAutoNum type="arabicPeriod"/>
+            </a:pPr>
+            <a:r>
+              <a:rPr lang="en-US" dirty="0"/>
+              <a:t>Make sense of the data.</a:t>
+            </a:r>
+          </a:p>
+          <a:p>
+            <a:pPr marL="514350" indent="-514350">
+              <a:buFont typeface="+mj-lt"/>
+              <a:buAutoNum type="arabicPeriod"/>
+            </a:pPr>
+            <a:r>
+              <a:rPr lang="en-US" dirty="0"/>
+              <a:t>Make sense of the processes.</a:t>
+            </a:r>
+          </a:p>
+          <a:p>
+            <a:pPr marL="514350" indent="-514350">
+              <a:buFont typeface="+mj-lt"/>
+              <a:buAutoNum type="arabicPeriod"/>
+            </a:pPr>
+            <a:r>
+              <a:rPr lang="en-US" dirty="0"/>
+              <a:t>Identify any application interfaces.</a:t>
+            </a:r>
+          </a:p>
+          <a:p>
+            <a:pPr marL="514350" indent="-514350">
+              <a:buFont typeface="+mj-lt"/>
+              <a:buAutoNum type="arabicPeriod"/>
+            </a:pPr>
+            <a:r>
+              <a:rPr lang="en-US" dirty="0"/>
+              <a:t>Identify the business events.</a:t>
+            </a:r>
+          </a:p>
+          <a:p>
+            <a:pPr marL="514350" indent="-514350">
+              <a:buFont typeface="+mj-lt"/>
+              <a:buAutoNum type="arabicPeriod"/>
+            </a:pPr>
+            <a:r>
+              <a:rPr lang="en-US" dirty="0"/>
+              <a:t>Identify the data transformation scenarios.</a:t>
+            </a:r>
+          </a:p>
+          <a:p>
+            <a:pPr marL="514350" indent="-514350">
+              <a:buFont typeface="+mj-lt"/>
+              <a:buAutoNum type="arabicPeriod"/>
+            </a:pPr>
+            <a:r>
+              <a:rPr lang="en-US" dirty="0"/>
+              <a:t>Map information movement.</a:t>
+            </a:r>
+          </a:p>
+          <a:p>
+            <a:pPr marL="514350" indent="-514350">
+              <a:buFont typeface="+mj-lt"/>
+              <a:buAutoNum type="arabicPeriod"/>
+            </a:pPr>
+            <a:r>
+              <a:rPr lang="en-US" dirty="0"/>
+              <a:t>Apply technology.</a:t>
+            </a:r>
+          </a:p>
+          <a:p>
+            <a:pPr marL="514350" indent="-514350">
+              <a:buFont typeface="+mj-lt"/>
+              <a:buAutoNum type="arabicPeriod"/>
+            </a:pPr>
+            <a:r>
+              <a:rPr lang="en-US" dirty="0"/>
+              <a:t>Test, test, test.</a:t>
+            </a:r>
+          </a:p>
+          <a:p>
+            <a:pPr marL="514350" indent="-514350">
+              <a:buFont typeface="+mj-lt"/>
+              <a:buAutoNum type="arabicPeriod"/>
+            </a:pPr>
+            <a:r>
+              <a:rPr lang="en-US" dirty="0"/>
+              <a:t>Consider performance.</a:t>
+            </a:r>
+          </a:p>
+          <a:p>
+            <a:pPr marL="514350" indent="-514350">
+              <a:buFont typeface="+mj-lt"/>
+              <a:buAutoNum type="arabicPeriod"/>
+            </a:pPr>
+            <a:r>
+              <a:rPr lang="en-US" dirty="0"/>
+              <a:t>Define the value.</a:t>
+            </a:r>
+          </a:p>
+          <a:p>
+            <a:pPr marL="514350" indent="-514350">
+              <a:buFont typeface="+mj-lt"/>
+              <a:buAutoNum type="arabicPeriod"/>
+            </a:pPr>
+            <a:r>
+              <a:rPr lang="en-US" dirty="0"/>
+              <a:t>Create maintenance procedures.</a:t>
+            </a:r>
+          </a:p>
+        </p:txBody>
+      </p:sp>
+      <p:sp>
+        <p:nvSpPr>
+          <p:cNvPr id="4" name="Slide Number Placeholder 3">
+            <a:extLst>
+              <a:ext uri="{FF2B5EF4-FFF2-40B4-BE49-F238E27FC236}">
+                <a16:creationId xmlns:a16="http://schemas.microsoft.com/office/drawing/2014/main" id="{CB0827A6-672A-79E4-ABAA-34B1489A3733}"/>
+              </a:ext>
+            </a:extLst>
+          </p:cNvPr>
           <p:cNvSpPr>
             <a:spLocks noGrp="1"/>
           </p:cNvSpPr>
@@ -13330,7 +14131,7 @@
             <a:fld id="{B8DACC02-A2BD-4578-8E03-6D891060A695}" type="slidenum">
               <a:rPr lang="en-US" smtClean="0"/>
               <a:pPr/>
-              <a:t>4</a:t>
+              <a:t>49</a:t>
             </a:fld>
             <a:endParaRPr lang="en-US" dirty="0"/>
           </a:p>
@@ -13339,7 +14140,7 @@
     </p:spTree>
     <p:extLst>
       <p:ext uri="{BB962C8B-B14F-4D97-AF65-F5344CB8AC3E}">
-        <p14:creationId xmlns:p14="http://schemas.microsoft.com/office/powerpoint/2010/main" val="2561281319"/>
+        <p14:creationId xmlns:p14="http://schemas.microsoft.com/office/powerpoint/2010/main" val="206344040"/>
       </p:ext>
     </p:extLst>
   </p:cSld>
@@ -13383,13 +14184,8 @@
           <a:p>
             <a:r>
               <a:rPr lang="en-US" dirty="0"/>
-              <a:t>System integration </a:t>
-            </a:r>
-            <a:r>
-              <a:rPr lang="en-US" dirty="0" smtClean="0"/>
-              <a:t>Overview</a:t>
-            </a:r>
-            <a:endParaRPr lang="en-US" dirty="0"/>
+              <a:t>System integration Overview</a:t>
+            </a:r>
           </a:p>
         </p:txBody>
       </p:sp>
@@ -13410,68 +14206,28 @@
           <a:p>
             <a:r>
               <a:rPr lang="en-US" dirty="0"/>
-              <a:t>The main reason for organizations to use system integration is</a:t>
-            </a:r>
-            <a:r>
-              <a:rPr lang="en-US" dirty="0" smtClean="0"/>
-              <a:t>:</a:t>
+              <a:t>The main reason for organizations to use system integration is:</a:t>
             </a:r>
           </a:p>
           <a:p>
             <a:pPr lvl="1"/>
             <a:r>
-              <a:rPr lang="en-US" dirty="0" smtClean="0"/>
-              <a:t>Their </a:t>
-            </a:r>
-            <a:r>
-              <a:rPr lang="en-US" dirty="0"/>
-              <a:t>need to improve productivity and quality of their </a:t>
-            </a:r>
-            <a:r>
-              <a:rPr lang="en-US" dirty="0" smtClean="0"/>
-              <a:t>operations.</a:t>
+              <a:rPr lang="en-US" dirty="0"/>
+              <a:t>Their need to improve productivity and quality of their operations.</a:t>
             </a:r>
           </a:p>
           <a:p>
             <a:pPr lvl="1"/>
             <a:r>
-              <a:rPr lang="en-US" dirty="0" smtClean="0"/>
-              <a:t>Get </a:t>
-            </a:r>
-            <a:r>
-              <a:rPr lang="en-US" dirty="0"/>
-              <a:t>the organizations various IT systems to “talk to each other” through the integration, </a:t>
-            </a:r>
-            <a:r>
-              <a:rPr lang="en-US" dirty="0" smtClean="0"/>
-              <a:t>to speed </a:t>
-            </a:r>
-            <a:r>
-              <a:rPr lang="en-US" dirty="0"/>
-              <a:t>up information flows and reduce operational costs for the </a:t>
-            </a:r>
-            <a:r>
-              <a:rPr lang="en-US" dirty="0" smtClean="0"/>
-              <a:t>organization.</a:t>
+              <a:rPr lang="en-US" dirty="0"/>
+              <a:t>Get the organizations various IT systems to “talk to each other” through the integration, to speed up information flows and reduce operational costs for the organization.</a:t>
             </a:r>
           </a:p>
           <a:p>
             <a:pPr lvl="1"/>
             <a:r>
-              <a:rPr lang="en-US" dirty="0" smtClean="0"/>
-              <a:t>But </a:t>
-            </a:r>
-            <a:r>
-              <a:rPr lang="en-US" dirty="0"/>
-              <a:t>system integration is not used only to connect an organization’s internal systems, </a:t>
-            </a:r>
-            <a:r>
-              <a:rPr lang="en-US" dirty="0" smtClean="0"/>
-              <a:t>but also </a:t>
-            </a:r>
-            <a:r>
-              <a:rPr lang="en-US" dirty="0"/>
-              <a:t>third parties that the organization operates with.</a:t>
+              <a:rPr lang="en-US" dirty="0"/>
+              <a:t>But system integration is not used only to connect an organization’s internal systems, but also third parties that the organization operates with.</a:t>
             </a:r>
           </a:p>
         </p:txBody>
@@ -13504,6 +14260,260 @@
     <p:extLst>
       <p:ext uri="{BB962C8B-B14F-4D97-AF65-F5344CB8AC3E}">
         <p14:creationId xmlns:p14="http://schemas.microsoft.com/office/powerpoint/2010/main" val="581908363"/>
+      </p:ext>
+    </p:extLst>
+  </p:cSld>
+  <p:clrMapOvr>
+    <a:masterClrMapping/>
+  </p:clrMapOvr>
+</p:sld>
+</file>
+
+<file path=ppt/slides/slide50.xml><?xml version="1.0" encoding="utf-8"?>
+<p:sld xmlns:a="http://schemas.openxmlformats.org/drawingml/2006/main" xmlns:r="http://schemas.openxmlformats.org/officeDocument/2006/relationships" xmlns:p="http://schemas.openxmlformats.org/presentationml/2006/main">
+  <p:cSld>
+    <p:spTree>
+      <p:nvGrpSpPr>
+        <p:cNvPr id="1" name=""/>
+        <p:cNvGrpSpPr/>
+        <p:nvPr/>
+      </p:nvGrpSpPr>
+      <p:grpSpPr>
+        <a:xfrm>
+          <a:off x="0" y="0"/>
+          <a:ext cx="0" cy="0"/>
+          <a:chOff x="0" y="0"/>
+          <a:chExt cx="0" cy="0"/>
+        </a:xfrm>
+      </p:grpSpPr>
+      <p:sp>
+        <p:nvSpPr>
+          <p:cNvPr id="2" name="Title 1">
+            <a:extLst>
+              <a:ext uri="{FF2B5EF4-FFF2-40B4-BE49-F238E27FC236}">
+                <a16:creationId xmlns:a16="http://schemas.microsoft.com/office/drawing/2014/main" id="{796BE53A-EDDE-8E8F-947E-005BE16E8518}"/>
+              </a:ext>
+            </a:extLst>
+          </p:cNvPr>
+          <p:cNvSpPr>
+            <a:spLocks noGrp="1"/>
+          </p:cNvSpPr>
+          <p:nvPr>
+            <p:ph type="title"/>
+          </p:nvPr>
+        </p:nvSpPr>
+        <p:spPr/>
+        <p:txBody>
+          <a:bodyPr/>
+          <a:lstStyle/>
+          <a:p>
+            <a:r>
+              <a:rPr lang="en-US" dirty="0"/>
+              <a:t>Final Notes</a:t>
+            </a:r>
+          </a:p>
+        </p:txBody>
+      </p:sp>
+      <p:sp>
+        <p:nvSpPr>
+          <p:cNvPr id="3" name="Content Placeholder 2">
+            <a:extLst>
+              <a:ext uri="{FF2B5EF4-FFF2-40B4-BE49-F238E27FC236}">
+                <a16:creationId xmlns:a16="http://schemas.microsoft.com/office/drawing/2014/main" id="{0A4E50BF-B398-CBBF-763B-3376A3638AF0}"/>
+              </a:ext>
+            </a:extLst>
+          </p:cNvPr>
+          <p:cNvSpPr>
+            <a:spLocks noGrp="1"/>
+          </p:cNvSpPr>
+          <p:nvPr>
+            <p:ph idx="1"/>
+          </p:nvPr>
+        </p:nvSpPr>
+        <p:spPr/>
+        <p:txBody>
+          <a:bodyPr>
+            <a:normAutofit/>
+          </a:bodyPr>
+          <a:lstStyle/>
+          <a:p>
+            <a:r>
+              <a:rPr lang="en-US" dirty="0"/>
+              <a:t>System integration, enterprise application integration (EAI), and enterprise resource planning (ERP) are closely related concepts that are used in modern businesses to streamline operations and increase efficiency.</a:t>
+            </a:r>
+          </a:p>
+          <a:p>
+            <a:r>
+              <a:rPr lang="en-US" dirty="0"/>
+              <a:t>System integration refers to the process of connecting different systems and applications to work together seamlessly, facilitating the exchange of data and information between them.</a:t>
+            </a:r>
+          </a:p>
+        </p:txBody>
+      </p:sp>
+      <p:sp>
+        <p:nvSpPr>
+          <p:cNvPr id="4" name="Slide Number Placeholder 3">
+            <a:extLst>
+              <a:ext uri="{FF2B5EF4-FFF2-40B4-BE49-F238E27FC236}">
+                <a16:creationId xmlns:a16="http://schemas.microsoft.com/office/drawing/2014/main" id="{489B7A08-D832-33BC-0070-C72D243F1DE1}"/>
+              </a:ext>
+            </a:extLst>
+          </p:cNvPr>
+          <p:cNvSpPr>
+            <a:spLocks noGrp="1"/>
+          </p:cNvSpPr>
+          <p:nvPr>
+            <p:ph type="sldNum" sz="quarter" idx="12"/>
+          </p:nvPr>
+        </p:nvSpPr>
+        <p:spPr/>
+        <p:txBody>
+          <a:bodyPr/>
+          <a:lstStyle/>
+          <a:p>
+            <a:fld id="{B8DACC02-A2BD-4578-8E03-6D891060A695}" type="slidenum">
+              <a:rPr lang="en-US" smtClean="0"/>
+              <a:pPr/>
+              <a:t>50</a:t>
+            </a:fld>
+            <a:endParaRPr lang="en-US" dirty="0"/>
+          </a:p>
+        </p:txBody>
+      </p:sp>
+    </p:spTree>
+    <p:extLst>
+      <p:ext uri="{BB962C8B-B14F-4D97-AF65-F5344CB8AC3E}">
+        <p14:creationId xmlns:p14="http://schemas.microsoft.com/office/powerpoint/2010/main" val="1266982993"/>
+      </p:ext>
+    </p:extLst>
+  </p:cSld>
+  <p:clrMapOvr>
+    <a:masterClrMapping/>
+  </p:clrMapOvr>
+</p:sld>
+</file>
+
+<file path=ppt/slides/slide51.xml><?xml version="1.0" encoding="utf-8"?>
+<p:sld xmlns:a="http://schemas.openxmlformats.org/drawingml/2006/main" xmlns:r="http://schemas.openxmlformats.org/officeDocument/2006/relationships" xmlns:p="http://schemas.openxmlformats.org/presentationml/2006/main">
+  <p:cSld>
+    <p:spTree>
+      <p:nvGrpSpPr>
+        <p:cNvPr id="1" name=""/>
+        <p:cNvGrpSpPr/>
+        <p:nvPr/>
+      </p:nvGrpSpPr>
+      <p:grpSpPr>
+        <a:xfrm>
+          <a:off x="0" y="0"/>
+          <a:ext cx="0" cy="0"/>
+          <a:chOff x="0" y="0"/>
+          <a:chExt cx="0" cy="0"/>
+        </a:xfrm>
+      </p:grpSpPr>
+      <p:sp>
+        <p:nvSpPr>
+          <p:cNvPr id="2" name="Title 1">
+            <a:extLst>
+              <a:ext uri="{FF2B5EF4-FFF2-40B4-BE49-F238E27FC236}">
+                <a16:creationId xmlns:a16="http://schemas.microsoft.com/office/drawing/2014/main" id="{796BE53A-EDDE-8E8F-947E-005BE16E8518}"/>
+              </a:ext>
+            </a:extLst>
+          </p:cNvPr>
+          <p:cNvSpPr>
+            <a:spLocks noGrp="1"/>
+          </p:cNvSpPr>
+          <p:nvPr>
+            <p:ph type="title"/>
+          </p:nvPr>
+        </p:nvSpPr>
+        <p:spPr/>
+        <p:txBody>
+          <a:bodyPr/>
+          <a:lstStyle/>
+          <a:p>
+            <a:r>
+              <a:rPr lang="en-US" dirty="0"/>
+              <a:t>Final Notes</a:t>
+            </a:r>
+          </a:p>
+        </p:txBody>
+      </p:sp>
+      <p:sp>
+        <p:nvSpPr>
+          <p:cNvPr id="3" name="Content Placeholder 2">
+            <a:extLst>
+              <a:ext uri="{FF2B5EF4-FFF2-40B4-BE49-F238E27FC236}">
+                <a16:creationId xmlns:a16="http://schemas.microsoft.com/office/drawing/2014/main" id="{0A4E50BF-B398-CBBF-763B-3376A3638AF0}"/>
+              </a:ext>
+            </a:extLst>
+          </p:cNvPr>
+          <p:cNvSpPr>
+            <a:spLocks noGrp="1"/>
+          </p:cNvSpPr>
+          <p:nvPr>
+            <p:ph idx="1"/>
+          </p:nvPr>
+        </p:nvSpPr>
+        <p:spPr/>
+        <p:txBody>
+          <a:bodyPr>
+            <a:normAutofit/>
+          </a:bodyPr>
+          <a:lstStyle/>
+          <a:p>
+            <a:r>
+              <a:rPr lang="en-US" dirty="0"/>
+              <a:t>EAI is a more advanced form of system integration that focuses on integrating more complex enterprise-level applications, such as customer relationship management (CRM), supply chain management (SCM), and human resources management (HRM) systems.</a:t>
+            </a:r>
+          </a:p>
+          <a:p>
+            <a:r>
+              <a:rPr lang="en-US" dirty="0"/>
+              <a:t>ERP is a software solution that brings together all the different functions and processes of a business into a single, integrated system. It typically includes modules for finance, sales, procurement, inventory management, and more.</a:t>
+            </a:r>
+          </a:p>
+          <a:p>
+            <a:r>
+              <a:rPr lang="en-US" dirty="0"/>
+              <a:t>ERP can be seen as the ultimate goal of system integration and EAI, providing a unified view of the entire business that enables better decision-making and improved efficiency.</a:t>
+            </a:r>
+          </a:p>
+        </p:txBody>
+      </p:sp>
+      <p:sp>
+        <p:nvSpPr>
+          <p:cNvPr id="4" name="Slide Number Placeholder 3">
+            <a:extLst>
+              <a:ext uri="{FF2B5EF4-FFF2-40B4-BE49-F238E27FC236}">
+                <a16:creationId xmlns:a16="http://schemas.microsoft.com/office/drawing/2014/main" id="{489B7A08-D832-33BC-0070-C72D243F1DE1}"/>
+              </a:ext>
+            </a:extLst>
+          </p:cNvPr>
+          <p:cNvSpPr>
+            <a:spLocks noGrp="1"/>
+          </p:cNvSpPr>
+          <p:nvPr>
+            <p:ph type="sldNum" sz="quarter" idx="12"/>
+          </p:nvPr>
+        </p:nvSpPr>
+        <p:spPr/>
+        <p:txBody>
+          <a:bodyPr/>
+          <a:lstStyle/>
+          <a:p>
+            <a:fld id="{B8DACC02-A2BD-4578-8E03-6D891060A695}" type="slidenum">
+              <a:rPr lang="en-US" smtClean="0"/>
+              <a:pPr/>
+              <a:t>51</a:t>
+            </a:fld>
+            <a:endParaRPr lang="en-US" dirty="0"/>
+          </a:p>
+        </p:txBody>
+      </p:sp>
+    </p:spTree>
+    <p:extLst>
+      <p:ext uri="{BB962C8B-B14F-4D97-AF65-F5344CB8AC3E}">
+        <p14:creationId xmlns:p14="http://schemas.microsoft.com/office/powerpoint/2010/main" val="4186995024"/>
       </p:ext>
     </p:extLst>
   </p:cSld>
@@ -13546,14 +14556,9 @@
           <a:lstStyle/>
           <a:p>
             <a:r>
-              <a:rPr lang="en-US" dirty="0" smtClean="0"/>
-              <a:t>When </a:t>
-            </a:r>
-            <a:r>
-              <a:rPr lang="en-US" dirty="0"/>
-              <a:t>do you need it?</a:t>
-            </a:r>
-            <a:endParaRPr lang="en-US" dirty="0"/>
+              <a:rPr lang="en-US" dirty="0"/>
+              <a:t>When do you need it?</a:t>
+            </a:r>
           </a:p>
         </p:txBody>
       </p:sp>
@@ -13578,55 +14583,40 @@
               <a:rPr lang="en-US" dirty="0"/>
               <a:t>System integration is the process of joining software and hardware modules into one cohesive infrastructure, enabling all pieces to work as a whole. </a:t>
             </a:r>
-            <a:endParaRPr lang="en-US" dirty="0" smtClean="0"/>
-          </a:p>
-          <a:p>
-            <a:r>
-              <a:rPr lang="en-US" dirty="0" smtClean="0"/>
-              <a:t>Often </a:t>
-            </a:r>
-            <a:r>
-              <a:rPr lang="en-US" dirty="0"/>
-              <a:t>referred to as IT integration or software integration, it results in the following advantages.</a:t>
+          </a:p>
+          <a:p>
+            <a:r>
+              <a:rPr lang="en-US" dirty="0"/>
+              <a:t>Often referred to as IT integration or software integration, it results in the following advantages.</a:t>
             </a:r>
           </a:p>
           <a:p>
             <a:pPr lvl="1"/>
             <a:r>
-              <a:rPr lang="en-US" dirty="0" smtClean="0"/>
+              <a:rPr lang="en-US" dirty="0"/>
               <a:t>Increased productivity</a:t>
             </a:r>
           </a:p>
           <a:p>
             <a:pPr lvl="1"/>
             <a:r>
-              <a:rPr lang="en-US" dirty="0" smtClean="0"/>
-              <a:t>More </a:t>
-            </a:r>
-            <a:r>
-              <a:rPr lang="en-US" dirty="0"/>
-              <a:t>accurate and trustworthy </a:t>
-            </a:r>
-            <a:r>
-              <a:rPr lang="en-US" dirty="0" smtClean="0"/>
-              <a:t>data</a:t>
-            </a:r>
-            <a:endParaRPr lang="en-US" dirty="0"/>
+              <a:rPr lang="en-US" dirty="0"/>
+              <a:t>More accurate and trustworthy data</a:t>
+            </a:r>
           </a:p>
           <a:p>
             <a:pPr lvl="1"/>
             <a:r>
-              <a:rPr lang="en-US" dirty="0" smtClean="0"/>
+              <a:rPr lang="en-US" dirty="0"/>
               <a:t>Faster decision-making</a:t>
             </a:r>
           </a:p>
           <a:p>
             <a:pPr lvl="1"/>
             <a:r>
-              <a:rPr lang="en-US" dirty="0" smtClean="0"/>
+              <a:rPr lang="en-US" dirty="0"/>
               <a:t>Cost-effectiveness</a:t>
             </a:r>
-            <a:endParaRPr lang="en-US" dirty="0"/>
           </a:p>
         </p:txBody>
       </p:sp>
@@ -13686,7 +14676,7 @@
       </p:grpSpPr>
       <p:sp>
         <p:nvSpPr>
-          <p:cNvPr id="2" name="Title 1"/>
+          <p:cNvPr id="5" name="Title 4"/>
           <p:cNvSpPr>
             <a:spLocks noGrp="1"/>
           </p:cNvSpPr>
@@ -13700,123 +14690,28 @@
           <a:lstStyle/>
           <a:p>
             <a:r>
-              <a:rPr lang="en-US" dirty="0" smtClean="0"/>
-              <a:t>Most Common Integration Types</a:t>
-            </a:r>
-            <a:endParaRPr lang="en-US" dirty="0"/>
-          </a:p>
-        </p:txBody>
-      </p:sp>
-      <p:sp>
-        <p:nvSpPr>
-          <p:cNvPr id="3" name="Content Placeholder 2"/>
-          <p:cNvSpPr>
-            <a:spLocks noGrp="1"/>
-          </p:cNvSpPr>
-          <p:nvPr>
-            <p:ph idx="1"/>
-          </p:nvPr>
-        </p:nvSpPr>
-        <p:spPr/>
-        <p:txBody>
-          <a:bodyPr>
-            <a:normAutofit fontScale="70000" lnSpcReduction="20000"/>
-          </a:bodyPr>
-          <a:lstStyle/>
-          <a:p>
-            <a:r>
-              <a:rPr lang="en-US" dirty="0" smtClean="0"/>
-              <a:t>Data Integration</a:t>
-            </a:r>
-            <a:endParaRPr lang="en-US" dirty="0"/>
-          </a:p>
-          <a:p>
-            <a:pPr lvl="1"/>
-            <a:r>
-              <a:rPr lang="en-US" dirty="0"/>
-              <a:t>Data integration is the process of gathering data from disparate sources (e.g., services, platforms, and databases) together to provide businesses with a centralized access point making data more available and easy to process/consume by systems and their users.</a:t>
-            </a:r>
-          </a:p>
-          <a:p>
-            <a:r>
-              <a:rPr lang="en-US" dirty="0" smtClean="0"/>
-              <a:t>Business-to-Business Integration</a:t>
-            </a:r>
-            <a:endParaRPr lang="en-US" dirty="0"/>
-          </a:p>
-          <a:p>
-            <a:pPr lvl="1"/>
-            <a:r>
-              <a:rPr lang="en-US" dirty="0" smtClean="0"/>
-              <a:t>This </a:t>
-            </a:r>
-            <a:r>
-              <a:rPr lang="en-US" dirty="0"/>
-              <a:t>type of integration enables companies to automate business communication and processes with all stakeholders to exchange vital for their business data more efficiently. So, with the B2B integration, organizations facilitate real-time data exchange with their business partners.  </a:t>
-            </a:r>
-          </a:p>
-          <a:p>
-            <a:r>
-              <a:rPr lang="en-US" dirty="0" smtClean="0"/>
-              <a:t>Legacy System Integration</a:t>
-            </a:r>
-            <a:endParaRPr lang="en-US" dirty="0"/>
-          </a:p>
-          <a:p>
-            <a:pPr lvl="1"/>
-            <a:r>
-              <a:rPr lang="en-US" dirty="0" smtClean="0"/>
-              <a:t>Legacy </a:t>
-            </a:r>
-            <a:r>
-              <a:rPr lang="en-US" dirty="0"/>
-              <a:t>system integration implies connectivity between outdated legacy systems (still vital for core business) with more modern IT infrastructure to ensure seamless communication between the components and avoid disrupting a company's day-to-day workflow.  </a:t>
-            </a:r>
-          </a:p>
-          <a:p>
-            <a:r>
-              <a:rPr lang="en-US" dirty="0" smtClean="0"/>
-              <a:t>Electronic Document Interchange </a:t>
-            </a:r>
-            <a:r>
-              <a:rPr lang="en-US" dirty="0"/>
-              <a:t>(EDI)</a:t>
-            </a:r>
-          </a:p>
-          <a:p>
-            <a:pPr lvl="1"/>
-            <a:r>
-              <a:rPr lang="en-US" dirty="0" smtClean="0"/>
-              <a:t>EDI </a:t>
-            </a:r>
-            <a:r>
-              <a:rPr lang="en-US" dirty="0"/>
-              <a:t>is the system-to-system exchange of business documents in a standard electronic format between business partners intended to replace paper-based documents (e.g., invoices or purchase orders). Hence, this type of integration is vital for companies looking to enable paper-based business transactions to save time and avoid costly errors resulting from manual processing.</a:t>
-            </a:r>
-          </a:p>
-          <a:p>
-            <a:r>
-              <a:rPr lang="en-US" dirty="0" smtClean="0"/>
-              <a:t>Enterprise Application Integration (</a:t>
-            </a:r>
-            <a:r>
-              <a:rPr lang="en-US" dirty="0"/>
-              <a:t>EAI)</a:t>
-            </a:r>
-          </a:p>
-          <a:p>
-            <a:pPr lvl="1"/>
-            <a:r>
-              <a:rPr lang="en-US" dirty="0" smtClean="0"/>
-              <a:t>EAI is </a:t>
-            </a:r>
-            <a:r>
-              <a:rPr lang="en-US" dirty="0"/>
-              <a:t>all about bridging gaps between different software programs and applications (ERP, CRM, SCM, etc.) to streamline business processes through smooth data flow from one point to another.</a:t>
-            </a:r>
-          </a:p>
-          <a:p>
-            <a:endParaRPr lang="en-US" dirty="0"/>
+              <a:rPr lang="en-US" dirty="0"/>
+              <a:t>Integration Types</a:t>
+            </a:r>
+          </a:p>
+        </p:txBody>
+      </p:sp>
+      <p:sp>
+        <p:nvSpPr>
+          <p:cNvPr id="6" name="Text Placeholder 5"/>
+          <p:cNvSpPr>
+            <a:spLocks noGrp="1"/>
+          </p:cNvSpPr>
+          <p:nvPr>
+            <p:ph type="body" idx="1"/>
+          </p:nvPr>
+        </p:nvSpPr>
+        <p:spPr/>
+        <p:txBody>
+          <a:bodyPr/>
+          <a:lstStyle/>
+          <a:p>
+            <a:endParaRPr lang="en-US"/>
           </a:p>
         </p:txBody>
       </p:sp>
@@ -13847,7 +14742,7 @@
     </p:spTree>
     <p:extLst>
       <p:ext uri="{BB962C8B-B14F-4D97-AF65-F5344CB8AC3E}">
-        <p14:creationId xmlns:p14="http://schemas.microsoft.com/office/powerpoint/2010/main" val="1099769881"/>
+        <p14:creationId xmlns:p14="http://schemas.microsoft.com/office/powerpoint/2010/main" val="2715729107"/>
       </p:ext>
     </p:extLst>
   </p:cSld>
@@ -13890,10 +14785,9 @@
           <a:lstStyle/>
           <a:p>
             <a:r>
-              <a:rPr lang="en-US" dirty="0" smtClean="0"/>
+              <a:rPr lang="en-US" dirty="0"/>
               <a:t>Most Common Integration Types</a:t>
             </a:r>
-            <a:endParaRPr lang="en-US" dirty="0"/>
           </a:p>
         </p:txBody>
       </p:sp>
@@ -13910,67 +14804,75 @@
         <p:spPr/>
         <p:txBody>
           <a:bodyPr>
-            <a:normAutofit/>
+            <a:normAutofit fontScale="85000" lnSpcReduction="20000"/>
           </a:bodyPr>
           <a:lstStyle/>
           <a:p>
             <a:r>
               <a:rPr lang="en-US" dirty="0"/>
-              <a:t>Business-to-business integration</a:t>
+              <a:t>Data Integration</a:t>
             </a:r>
           </a:p>
           <a:p>
             <a:pPr lvl="1"/>
             <a:r>
               <a:rPr lang="en-US" dirty="0"/>
-              <a:t>Goal: connecting systems of two or more </a:t>
-            </a:r>
-            <a:r>
-              <a:rPr lang="en-US" dirty="0" smtClean="0"/>
-              <a:t>organizations</a:t>
+              <a:t>Data integration is the process of gathering data from disparate sources (e.g., services, platforms, and databases) together to provide businesses with a centralized access point making data more available and easy to process/consume by systems and their users.</a:t>
+            </a:r>
+          </a:p>
+          <a:p>
+            <a:r>
+              <a:rPr lang="en-US" dirty="0"/>
+              <a:t>Business-to-Business Integration</a:t>
             </a:r>
           </a:p>
           <a:p>
             <a:pPr lvl="1"/>
             <a:r>
-              <a:rPr lang="en-US" dirty="0" smtClean="0"/>
-              <a:t>Business-to-business </a:t>
-            </a:r>
-            <a:r>
-              <a:rPr lang="en-US" dirty="0"/>
-              <a:t>or B2B integration automates transactions and document exchange across companies. </a:t>
-            </a:r>
-            <a:endParaRPr lang="en-US" dirty="0" smtClean="0"/>
+              <a:rPr lang="en-US" dirty="0"/>
+              <a:t>This type of integration enables companies to automate business communication and processes with all stakeholders to exchange vital for their business data more efficiently. So, with the B2B integration, organizations facilitate real-time data exchange with their business partners.  </a:t>
+            </a:r>
+          </a:p>
+          <a:p>
+            <a:r>
+              <a:rPr lang="en-US" dirty="0"/>
+              <a:t>Legacy System Integration</a:t>
+            </a:r>
           </a:p>
           <a:p>
             <a:pPr lvl="1"/>
             <a:r>
-              <a:rPr lang="en-US" dirty="0" smtClean="0"/>
-              <a:t>It </a:t>
-            </a:r>
-            <a:r>
-              <a:rPr lang="en-US" dirty="0"/>
-              <a:t>leads to more efficient cooperation and trade with suppliers, customers, and </a:t>
-            </a:r>
-            <a:r>
-              <a:rPr lang="en-US" dirty="0" smtClean="0"/>
-              <a:t>partners.</a:t>
+              <a:rPr lang="en-US" dirty="0"/>
+              <a:t>Legacy system integration implies connectivity between outdated legacy systems (still vital for core business) with more modern IT infrastructure to ensure seamless communication between the components and avoid disrupting a company's day-to-day workflow.  </a:t>
+            </a:r>
+          </a:p>
+          <a:p>
+            <a:r>
+              <a:rPr lang="en-US" dirty="0"/>
+              <a:t>Electronic Document Interchange (EDI)</a:t>
             </a:r>
           </a:p>
           <a:p>
             <a:pPr lvl="1"/>
             <a:r>
-              <a:rPr lang="en-US" dirty="0" smtClean="0"/>
-              <a:t>Example</a:t>
-            </a:r>
-            <a:r>
-              <a:rPr lang="en-US" dirty="0"/>
-              <a:t>: connecting a retailer’s purchasing system to a supplier’s ERP system</a:t>
-            </a:r>
-            <a:r>
-              <a:rPr lang="en-US" dirty="0" smtClean="0"/>
-              <a:t>.</a:t>
-            </a:r>
+              <a:rPr lang="en-US" dirty="0"/>
+              <a:t>EDI is the system-to-system exchange of business documents in a standard electronic format between business partners intended to replace paper-based documents (e.g., invoices or purchase orders). Hence, this type of integration is vital for companies looking to enable paper-based business transactions to save time and avoid costly errors resulting from manual processing.</a:t>
+            </a:r>
+          </a:p>
+          <a:p>
+            <a:r>
+              <a:rPr lang="en-US" dirty="0"/>
+              <a:t>Enterprise Application Integration (EAI)</a:t>
+            </a:r>
+          </a:p>
+          <a:p>
+            <a:pPr lvl="1"/>
+            <a:r>
+              <a:rPr lang="en-US" dirty="0"/>
+              <a:t>EAI is all about bridging gaps between different software programs and applications (ERP, CRM, SCM, etc.) to streamline business processes through smooth data flow from one point to another.</a:t>
+            </a:r>
+          </a:p>
+          <a:p>
             <a:endParaRPr lang="en-US" dirty="0"/>
           </a:p>
         </p:txBody>
@@ -14002,7 +14904,7 @@
     </p:spTree>
     <p:extLst>
       <p:ext uri="{BB962C8B-B14F-4D97-AF65-F5344CB8AC3E}">
-        <p14:creationId xmlns:p14="http://schemas.microsoft.com/office/powerpoint/2010/main" val="2830620386"/>
+        <p14:creationId xmlns:p14="http://schemas.microsoft.com/office/powerpoint/2010/main" val="1099769881"/>
       </p:ext>
     </p:extLst>
   </p:cSld>
@@ -14045,10 +14947,9 @@
           <a:lstStyle/>
           <a:p>
             <a:r>
-              <a:rPr lang="en-US" dirty="0" smtClean="0"/>
+              <a:rPr lang="en-US" dirty="0"/>
               <a:t>Most Common Integration Types</a:t>
             </a:r>
-            <a:endParaRPr lang="en-US" dirty="0"/>
           </a:p>
         </p:txBody>
       </p:sp>
@@ -14070,72 +14971,37 @@
           <a:lstStyle/>
           <a:p>
             <a:r>
-              <a:rPr lang="en-US" dirty="0" smtClean="0"/>
-              <a:t>Legacy </a:t>
-            </a:r>
-            <a:r>
-              <a:rPr lang="en-US" dirty="0" smtClean="0"/>
-              <a:t>System Integration</a:t>
-            </a:r>
-            <a:endParaRPr lang="en-US" dirty="0"/>
+              <a:rPr lang="en-US" dirty="0"/>
+              <a:t>Business-to-business integration</a:t>
+            </a:r>
           </a:p>
           <a:p>
             <a:pPr lvl="1"/>
             <a:r>
-              <a:rPr lang="en-US" dirty="0" smtClean="0"/>
-              <a:t>Goal</a:t>
-            </a:r>
-            <a:r>
-              <a:rPr lang="en-US" dirty="0"/>
-              <a:t>: integration of modern applications into existing outdated systems</a:t>
+              <a:rPr lang="en-US" dirty="0"/>
+              <a:t>Goal: connecting systems of two or more organizations</a:t>
             </a:r>
           </a:p>
           <a:p>
             <a:pPr lvl="1"/>
             <a:r>
-              <a:rPr lang="en-US" dirty="0" smtClean="0"/>
-              <a:t>Many </a:t>
-            </a:r>
-            <a:r>
-              <a:rPr lang="en-US" dirty="0"/>
-              <a:t>organizations use outdated software to perform their core business functions. </a:t>
-            </a:r>
-            <a:endParaRPr lang="en-US" dirty="0" smtClean="0"/>
+              <a:rPr lang="en-US" dirty="0"/>
+              <a:t>Business-to-business or B2B integration automates transactions and document exchange across companies. </a:t>
+            </a:r>
           </a:p>
           <a:p>
             <a:pPr lvl="1"/>
             <a:r>
-              <a:rPr lang="en-US" dirty="0" smtClean="0"/>
-              <a:t>It </a:t>
-            </a:r>
-            <a:r>
-              <a:rPr lang="en-US" dirty="0"/>
-              <a:t>cannot be removed and replaced with more modern technology as it is critical to a company’s day-to-day workflow. </a:t>
-            </a:r>
-            <a:endParaRPr lang="en-US" dirty="0" smtClean="0"/>
+              <a:rPr lang="en-US" dirty="0"/>
+              <a:t>It leads to more efficient cooperation and trade with suppliers, customers, and partners.</a:t>
+            </a:r>
           </a:p>
           <a:p>
             <a:pPr lvl="1"/>
             <a:r>
-              <a:rPr lang="en-US" dirty="0" smtClean="0"/>
-              <a:t>Instead</a:t>
-            </a:r>
-            <a:r>
-              <a:rPr lang="en-US" dirty="0"/>
-              <a:t>, legacy systems can be modernized by establishing a communication channel with newer information systems and technology solutions.</a:t>
-            </a:r>
-          </a:p>
-          <a:p>
-            <a:pPr lvl="1"/>
-            <a:r>
-              <a:rPr lang="en-US" dirty="0" smtClean="0"/>
-              <a:t>Example</a:t>
-            </a:r>
-            <a:r>
-              <a:rPr lang="en-US" dirty="0"/>
-              <a:t>: connecting a legacy CRM system to a data warehouse or a transportation management system (TMS).</a:t>
-            </a:r>
-            <a:endParaRPr lang="en-US" dirty="0"/>
+              <a:rPr lang="en-US" dirty="0"/>
+              <a:t>Example: connecting a retailer’s purchasing system to a supplier’s ERP system.</a:t>
+            </a:r>
           </a:p>
         </p:txBody>
       </p:sp>
@@ -14166,7 +15032,7 @@
     </p:spTree>
     <p:extLst>
       <p:ext uri="{BB962C8B-B14F-4D97-AF65-F5344CB8AC3E}">
-        <p14:creationId xmlns:p14="http://schemas.microsoft.com/office/powerpoint/2010/main" val="2794051614"/>
+        <p14:creationId xmlns:p14="http://schemas.microsoft.com/office/powerpoint/2010/main" val="2830620386"/>
       </p:ext>
     </p:extLst>
   </p:cSld>

--- a/SE495/Lectures/1-Introduction/Introduction.pptx
+++ b/SE495/Lectures/1-Introduction/Introduction.pptx
@@ -5,7 +5,7 @@
     <p:sldMasterId id="2147483648" r:id="rId1"/>
   </p:sldMasterIdLst>
   <p:notesMasterIdLst>
-    <p:notesMasterId r:id="rId56"/>
+    <p:notesMasterId r:id="rId59"/>
   </p:notesMasterIdLst>
   <p:sldIdLst>
     <p:sldId id="256" r:id="rId2"/>
@@ -13,55 +13,58 @@
     <p:sldId id="686" r:id="rId4"/>
     <p:sldId id="779" r:id="rId5"/>
     <p:sldId id="780" r:id="rId6"/>
-    <p:sldId id="813" r:id="rId7"/>
-    <p:sldId id="793" r:id="rId8"/>
-    <p:sldId id="806" r:id="rId9"/>
-    <p:sldId id="715" r:id="rId10"/>
-    <p:sldId id="797" r:id="rId11"/>
-    <p:sldId id="814" r:id="rId12"/>
-    <p:sldId id="794" r:id="rId13"/>
-    <p:sldId id="798" r:id="rId14"/>
-    <p:sldId id="795" r:id="rId15"/>
-    <p:sldId id="796" r:id="rId16"/>
-    <p:sldId id="807" r:id="rId17"/>
-    <p:sldId id="716" r:id="rId18"/>
-    <p:sldId id="781" r:id="rId19"/>
-    <p:sldId id="800" r:id="rId20"/>
-    <p:sldId id="801" r:id="rId21"/>
-    <p:sldId id="802" r:id="rId22"/>
-    <p:sldId id="782" r:id="rId23"/>
-    <p:sldId id="783" r:id="rId24"/>
-    <p:sldId id="784" r:id="rId25"/>
-    <p:sldId id="785" r:id="rId26"/>
-    <p:sldId id="717" r:id="rId27"/>
-    <p:sldId id="776" r:id="rId28"/>
-    <p:sldId id="777" r:id="rId29"/>
-    <p:sldId id="816" r:id="rId30"/>
-    <p:sldId id="257" r:id="rId31"/>
-    <p:sldId id="258" r:id="rId32"/>
-    <p:sldId id="259" r:id="rId33"/>
-    <p:sldId id="260" r:id="rId34"/>
-    <p:sldId id="261" r:id="rId35"/>
-    <p:sldId id="262" r:id="rId36"/>
-    <p:sldId id="264" r:id="rId37"/>
-    <p:sldId id="263" r:id="rId38"/>
-    <p:sldId id="265" r:id="rId39"/>
-    <p:sldId id="266" r:id="rId40"/>
-    <p:sldId id="774" r:id="rId41"/>
-    <p:sldId id="808" r:id="rId42"/>
-    <p:sldId id="787" r:id="rId43"/>
-    <p:sldId id="788" r:id="rId44"/>
-    <p:sldId id="789" r:id="rId45"/>
-    <p:sldId id="799" r:id="rId46"/>
-    <p:sldId id="790" r:id="rId47"/>
-    <p:sldId id="791" r:id="rId48"/>
-    <p:sldId id="792" r:id="rId49"/>
-    <p:sldId id="809" r:id="rId50"/>
-    <p:sldId id="803" r:id="rId51"/>
-    <p:sldId id="805" r:id="rId52"/>
-    <p:sldId id="810" r:id="rId53"/>
-    <p:sldId id="811" r:id="rId54"/>
-    <p:sldId id="812" r:id="rId55"/>
+    <p:sldId id="817" r:id="rId7"/>
+    <p:sldId id="813" r:id="rId8"/>
+    <p:sldId id="793" r:id="rId9"/>
+    <p:sldId id="820" r:id="rId10"/>
+    <p:sldId id="819" r:id="rId11"/>
+    <p:sldId id="822" r:id="rId12"/>
+    <p:sldId id="824" r:id="rId13"/>
+    <p:sldId id="823" r:id="rId14"/>
+    <p:sldId id="825" r:id="rId15"/>
+    <p:sldId id="826" r:id="rId16"/>
+    <p:sldId id="827" r:id="rId17"/>
+    <p:sldId id="828" r:id="rId18"/>
+    <p:sldId id="829" r:id="rId19"/>
+    <p:sldId id="833" r:id="rId20"/>
+    <p:sldId id="830" r:id="rId21"/>
+    <p:sldId id="832" r:id="rId22"/>
+    <p:sldId id="831" r:id="rId23"/>
+    <p:sldId id="717" r:id="rId24"/>
+    <p:sldId id="776" r:id="rId25"/>
+    <p:sldId id="777" r:id="rId26"/>
+    <p:sldId id="816" r:id="rId27"/>
+    <p:sldId id="257" r:id="rId28"/>
+    <p:sldId id="258" r:id="rId29"/>
+    <p:sldId id="259" r:id="rId30"/>
+    <p:sldId id="260" r:id="rId31"/>
+    <p:sldId id="261" r:id="rId32"/>
+    <p:sldId id="262" r:id="rId33"/>
+    <p:sldId id="264" r:id="rId34"/>
+    <p:sldId id="263" r:id="rId35"/>
+    <p:sldId id="265" r:id="rId36"/>
+    <p:sldId id="266" r:id="rId37"/>
+    <p:sldId id="774" r:id="rId38"/>
+    <p:sldId id="808" r:id="rId39"/>
+    <p:sldId id="809" r:id="rId40"/>
+    <p:sldId id="803" r:id="rId41"/>
+    <p:sldId id="805" r:id="rId42"/>
+    <p:sldId id="810" r:id="rId43"/>
+    <p:sldId id="811" r:id="rId44"/>
+    <p:sldId id="812" r:id="rId45"/>
+    <p:sldId id="837" r:id="rId46"/>
+    <p:sldId id="838" r:id="rId47"/>
+    <p:sldId id="839" r:id="rId48"/>
+    <p:sldId id="841" r:id="rId49"/>
+    <p:sldId id="842" r:id="rId50"/>
+    <p:sldId id="843" r:id="rId51"/>
+    <p:sldId id="834" r:id="rId52"/>
+    <p:sldId id="835" r:id="rId53"/>
+    <p:sldId id="844" r:id="rId54"/>
+    <p:sldId id="845" r:id="rId55"/>
+    <p:sldId id="846" r:id="rId56"/>
+    <p:sldId id="847" r:id="rId57"/>
+    <p:sldId id="836" r:id="rId58"/>
   </p:sldIdLst>
   <p:sldSz cx="12192000" cy="6858000"/>
   <p:notesSz cx="6858000" cy="9144000"/>
@@ -2127,6 +2130,13 @@
         </dgm:presLayoutVars>
       </dgm:prSet>
       <dgm:spPr/>
+      <dgm:t>
+        <a:bodyPr/>
+        <a:lstStyle/>
+        <a:p>
+          <a:endParaRPr lang="en-US"/>
+        </a:p>
+      </dgm:t>
     </dgm:pt>
     <dgm:pt modelId="{35D1F444-5163-454D-AD7A-FB8BE4DAAB13}" type="pres">
       <dgm:prSet presAssocID="{B8B98284-83C0-45CB-88AD-F9F121CBAB3A}" presName="composite" presStyleCnt="0"/>
@@ -2141,6 +2151,13 @@
         </dgm:presLayoutVars>
       </dgm:prSet>
       <dgm:spPr/>
+      <dgm:t>
+        <a:bodyPr/>
+        <a:lstStyle/>
+        <a:p>
+          <a:endParaRPr lang="en-US"/>
+        </a:p>
+      </dgm:t>
     </dgm:pt>
     <dgm:pt modelId="{078C2102-EA6F-431F-BDCF-44DC2D8F9E4A}" type="pres">
       <dgm:prSet presAssocID="{B8B98284-83C0-45CB-88AD-F9F121CBAB3A}" presName="desTx" presStyleLbl="alignAccFollowNode1" presStyleIdx="0" presStyleCnt="4">
@@ -2290,8 +2307,8 @@
     <dgm:cxn modelId="{D5974304-3785-40D1-8130-7D4B40EB4E4F}" type="presOf" srcId="{37B9E4C6-DC84-4204-BD6A-515A670EA9BC}" destId="{F305E898-A48D-43B2-B899-AC63EC4CC004}" srcOrd="0" destOrd="0" presId="urn:microsoft.com/office/officeart/2005/8/layout/hList1"/>
     <dgm:cxn modelId="{471B8EA1-16AD-4F01-BCE4-BE6844E05643}" srcId="{329E763A-6A1E-41AC-BCCF-A18781364CAD}" destId="{6824B87F-53B6-4103-A48B-7D2AAF205995}" srcOrd="1" destOrd="0" parTransId="{83D2E3BC-6FFD-45D8-994F-6D89FD80FE48}" sibTransId="{E7EB0939-109B-436E-A630-E98121BAB3EE}"/>
     <dgm:cxn modelId="{15F72B3F-26AD-4BB8-A647-19C856099868}" type="presOf" srcId="{840D18E1-5BED-4855-BE73-A23FCEAE0063}" destId="{078C2102-EA6F-431F-BDCF-44DC2D8F9E4A}" srcOrd="0" destOrd="0" presId="urn:microsoft.com/office/officeart/2005/8/layout/hList1"/>
+    <dgm:cxn modelId="{3474B423-E355-48D3-959D-0F5EC97879D9}" type="presOf" srcId="{6824B87F-53B6-4103-A48B-7D2AAF205995}" destId="{E98C6BD9-5B4D-4EDD-BD99-263EA65BF2E4}" srcOrd="0" destOrd="1" presId="urn:microsoft.com/office/officeart/2005/8/layout/hList1"/>
     <dgm:cxn modelId="{122D085A-35A5-41B1-8074-BEDE62795528}" type="presOf" srcId="{E3E729F5-86B6-41E1-AF2E-4F6D189C5789}" destId="{2824D7D9-9E82-4FEA-83F2-F1BA2D3A2826}" srcOrd="0" destOrd="0" presId="urn:microsoft.com/office/officeart/2005/8/layout/hList1"/>
-    <dgm:cxn modelId="{3474B423-E355-48D3-959D-0F5EC97879D9}" type="presOf" srcId="{6824B87F-53B6-4103-A48B-7D2AAF205995}" destId="{E98C6BD9-5B4D-4EDD-BD99-263EA65BF2E4}" srcOrd="0" destOrd="1" presId="urn:microsoft.com/office/officeart/2005/8/layout/hList1"/>
     <dgm:cxn modelId="{CF91CB87-7399-4698-958F-BB36EC31B1C9}" type="presOf" srcId="{98481D9B-F862-4EAA-8800-38FB1D5E003D}" destId="{3D95CBC5-0990-4A90-BA54-68C938609EC2}" srcOrd="0" destOrd="0" presId="urn:microsoft.com/office/officeart/2005/8/layout/hList1"/>
     <dgm:cxn modelId="{9E9FBC03-412C-420F-B4AA-79ACBE6E3FED}" srcId="{98481D9B-F862-4EAA-8800-38FB1D5E003D}" destId="{C51D8928-9115-4668-8C91-6D83D043914F}" srcOrd="1" destOrd="0" parTransId="{727F0669-8364-48E2-98F9-5B21D9DB7435}" sibTransId="{A8156046-7BA7-461C-9FD5-A13C8632B8E9}"/>
     <dgm:cxn modelId="{648EF8CB-2F82-4AC3-8554-9A23D7C20442}" srcId="{329E763A-6A1E-41AC-BCCF-A18781364CAD}" destId="{70ADF31E-D953-46AF-94D8-F4B730C6FE8B}" srcOrd="0" destOrd="0" parTransId="{4415822D-34AA-4EEC-B33C-1CF349F81B0E}" sibTransId="{05769DA0-234D-455E-A4C0-D2B2F88759FF}"/>
@@ -7956,7 +7973,7 @@
           <a:p>
             <a:fld id="{41DA9887-9249-49FD-809A-BACB264048C3}" type="datetimeFigureOut">
               <a:rPr lang="en-US" smtClean="0"/>
-              <a:t>4/10/2023</a:t>
+              <a:t>5/18/2023</a:t>
             </a:fld>
             <a:endParaRPr lang="en-US"/>
           </a:p>
@@ -8358,7 +8375,7 @@
           <a:p>
             <a:fld id="{EF213E56-3C1A-435A-851B-5B1F221C2038}" type="datetime1">
               <a:rPr lang="en-US" smtClean="0"/>
-              <a:t>4/10/2023</a:t>
+              <a:t>5/18/2023</a:t>
             </a:fld>
             <a:endParaRPr lang="en-US"/>
           </a:p>
@@ -8648,7 +8665,7 @@
           <a:p>
             <a:fld id="{B4696837-4851-4AA6-8AED-554226C981D1}" type="datetime1">
               <a:rPr lang="en-US" smtClean="0"/>
-              <a:t>4/10/2023</a:t>
+              <a:t>5/18/2023</a:t>
             </a:fld>
             <a:endParaRPr lang="en-US"/>
           </a:p>
@@ -8826,7 +8843,7 @@
           <a:p>
             <a:fld id="{BADD32E1-BB70-4827-BA33-FF5AFC435BE9}" type="datetime1">
               <a:rPr lang="en-US" smtClean="0"/>
-              <a:t>4/10/2023</a:t>
+              <a:t>5/18/2023</a:t>
             </a:fld>
             <a:endParaRPr lang="en-US"/>
           </a:p>
@@ -9069,7 +9086,7 @@
             </a:pPr>
             <a:fld id="{40B9EAF6-54F2-4DF5-9C6B-3F6F95B86356}" type="datetime1">
               <a:rPr lang="en-US" smtClean="0"/>
-              <a:t>4/10/2023</a:t>
+              <a:t>5/18/2023</a:t>
             </a:fld>
             <a:endParaRPr lang="en-US"/>
           </a:p>
@@ -9249,7 +9266,7 @@
             </a:pPr>
             <a:fld id="{D3D64A56-6FF4-479A-8655-719A18A98C4B}" type="datetime1">
               <a:rPr lang="en-US" smtClean="0"/>
-              <a:t>4/10/2023</a:t>
+              <a:t>5/18/2023</a:t>
             </a:fld>
             <a:endParaRPr lang="en-US"/>
           </a:p>
@@ -9527,7 +9544,7 @@
           <a:p>
             <a:fld id="{BB961044-FC46-4CBC-9061-59528F4899F3}" type="datetime1">
               <a:rPr lang="en-US" smtClean="0"/>
-              <a:t>4/10/2023</a:t>
+              <a:t>5/18/2023</a:t>
             </a:fld>
             <a:endParaRPr lang="en-US"/>
           </a:p>
@@ -9871,7 +9888,7 @@
           <a:p>
             <a:fld id="{4466A08C-77F3-471E-A5C4-1D2068144BAC}" type="datetime1">
               <a:rPr lang="en-US" smtClean="0"/>
-              <a:t>4/10/2023</a:t>
+              <a:t>5/18/2023</a:t>
             </a:fld>
             <a:endParaRPr lang="en-US"/>
           </a:p>
@@ -10100,7 +10117,7 @@
           <a:p>
             <a:fld id="{B90A7AD1-16F4-44C3-AE32-24C59A599E9D}" type="datetime1">
               <a:rPr lang="en-US" smtClean="0"/>
-              <a:t>4/10/2023</a:t>
+              <a:t>5/18/2023</a:t>
             </a:fld>
             <a:endParaRPr lang="en-US"/>
           </a:p>
@@ -10464,7 +10481,7 @@
           <a:p>
             <a:fld id="{B583DB4F-4316-4DF5-A229-BC1D787C82A0}" type="datetime1">
               <a:rPr lang="en-US" smtClean="0"/>
-              <a:t>4/10/2023</a:t>
+              <a:t>5/18/2023</a:t>
             </a:fld>
             <a:endParaRPr lang="en-US"/>
           </a:p>
@@ -10559,7 +10576,7 @@
           <a:p>
             <a:fld id="{AE6064B7-7A9F-432D-B7B9-6824267AA574}" type="datetime1">
               <a:rPr lang="en-US" smtClean="0"/>
-              <a:t>4/10/2023</a:t>
+              <a:t>5/18/2023</a:t>
             </a:fld>
             <a:endParaRPr lang="en-US"/>
           </a:p>
@@ -10781,7 +10798,7 @@
             <a:fld id="{B2F5E2FA-C428-4CE7-95B0-168D3259A5BB}" type="datetimeFigureOut">
               <a:rPr lang="en-US" smtClean="0"/>
               <a:pPr/>
-              <a:t>4/10/2023</a:t>
+              <a:t>5/18/2023</a:t>
             </a:fld>
             <a:endParaRPr lang="en-US"/>
           </a:p>
@@ -10952,7 +10969,7 @@
           <a:p>
             <a:fld id="{4E1C93A2-B712-486A-8AB5-D41B95D547BE}" type="datetime1">
               <a:rPr lang="en-US" smtClean="0"/>
-              <a:t>4/10/2023</a:t>
+              <a:t>5/18/2023</a:t>
             </a:fld>
             <a:endParaRPr lang="en-US"/>
           </a:p>
@@ -11227,7 +11244,7 @@
           <a:p>
             <a:fld id="{CAB2F318-F19F-4608-B7EF-F7FB8A482213}" type="datetime1">
               <a:rPr lang="en-US" smtClean="0"/>
-              <a:t>4/10/2023</a:t>
+              <a:t>5/18/2023</a:t>
             </a:fld>
             <a:endParaRPr lang="en-US"/>
           </a:p>
@@ -11479,7 +11496,7 @@
           <a:p>
             <a:fld id="{BB9CEF8C-69D6-4C3E-B892-F682F307A7B6}" type="datetime1">
               <a:rPr lang="en-US" smtClean="0"/>
-              <a:t>4/10/2023</a:t>
+              <a:t>5/18/2023</a:t>
             </a:fld>
             <a:endParaRPr lang="en-US"/>
           </a:p>
@@ -11690,7 +11707,7 @@
           <a:p>
             <a:fld id="{FB737C73-4A31-4C17-AFB7-7B8470027787}" type="datetime1">
               <a:rPr lang="en-US" smtClean="0"/>
-              <a:t>4/10/2023</a:t>
+              <a:t>5/18/2023</a:t>
             </a:fld>
             <a:endParaRPr lang="en-US"/>
           </a:p>
@@ -12219,68 +12236,55 @@
         </p:nvSpPr>
         <p:spPr/>
         <p:txBody>
+          <a:bodyPr>
+            <a:normAutofit fontScale="90000"/>
+          </a:bodyPr>
+          <a:lstStyle/>
+          <a:p>
+            <a:r>
+              <a:rPr lang="en-US" dirty="0"/>
+              <a:t>What are the Challenges in Systems Integration?</a:t>
+            </a:r>
+          </a:p>
+        </p:txBody>
+      </p:sp>
+      <p:sp>
+        <p:nvSpPr>
+          <p:cNvPr id="3" name="Content Placeholder 2"/>
+          <p:cNvSpPr>
+            <a:spLocks noGrp="1"/>
+          </p:cNvSpPr>
+          <p:nvPr>
+            <p:ph idx="1"/>
+          </p:nvPr>
+        </p:nvSpPr>
+        <p:spPr/>
+        <p:txBody>
           <a:bodyPr/>
           <a:lstStyle/>
           <a:p>
             <a:r>
               <a:rPr lang="en-US" dirty="0"/>
-              <a:t>Most Common Integration Types</a:t>
-            </a:r>
-          </a:p>
-        </p:txBody>
-      </p:sp>
-      <p:sp>
-        <p:nvSpPr>
-          <p:cNvPr id="3" name="Content Placeholder 2"/>
-          <p:cNvSpPr>
-            <a:spLocks noGrp="1"/>
-          </p:cNvSpPr>
-          <p:nvPr>
-            <p:ph idx="1"/>
-          </p:nvPr>
-        </p:nvSpPr>
-        <p:spPr/>
-        <p:txBody>
-          <a:bodyPr>
-            <a:normAutofit/>
-          </a:bodyPr>
-          <a:lstStyle/>
-          <a:p>
-            <a:r>
-              <a:rPr lang="en-US" dirty="0"/>
-              <a:t>Data Integration</a:t>
-            </a:r>
-          </a:p>
-          <a:p>
-            <a:pPr lvl="1"/>
-            <a:r>
-              <a:rPr lang="en-US" dirty="0"/>
-              <a:t>Data integration is the process of gathering data from disparate sources (e.g., services, platforms, and databases) together to provide businesses with a centralized access point making data more available and easy to process/consume by systems and their users</a:t>
-            </a:r>
-            <a:r>
-              <a:rPr lang="en-US" dirty="0" smtClean="0"/>
-              <a:t>.</a:t>
-            </a:r>
-          </a:p>
-          <a:p>
-            <a:pPr lvl="1"/>
-            <a:r>
-              <a:rPr lang="en-US" dirty="0"/>
-              <a:t>This type of integration involves the combining of data from different sources into a single database or data warehouse. </a:t>
-            </a:r>
-            <a:endParaRPr lang="en-US" dirty="0" smtClean="0"/>
-          </a:p>
-          <a:p>
-            <a:pPr lvl="1"/>
-            <a:r>
-              <a:rPr lang="en-US" dirty="0" smtClean="0"/>
-              <a:t>This </a:t>
-            </a:r>
-            <a:r>
-              <a:rPr lang="en-US" dirty="0"/>
-              <a:t>enables organizations to gain insights from disparate data sets that may have previously been difficult to analyze.</a:t>
-            </a:r>
-            <a:endParaRPr lang="en-US" dirty="0"/>
+              <a:t>Integration complexity: Different systems may have different architectures, protocols, and interfaces that need to be mapped and translated.</a:t>
+            </a:r>
+          </a:p>
+          <a:p>
+            <a:r>
+              <a:rPr lang="en-US" dirty="0"/>
+              <a:t>Data quality: Different systems may use different data formats, standards, and definitions that need to be reconciled and validated.</a:t>
+            </a:r>
+          </a:p>
+          <a:p>
+            <a:r>
+              <a:rPr lang="en-US" dirty="0"/>
+              <a:t>Security and privacy: Integrating systems may expose sensitive data and increase the risk of cyber attacks and data breaches.</a:t>
+            </a:r>
+          </a:p>
+          <a:p>
+            <a:r>
+              <a:rPr lang="en-US" dirty="0"/>
+              <a:t>Cost and time: Integrating systems may require significant investments in hardware, software, and personnel, as well as time for testing and deployment.</a:t>
+            </a:r>
           </a:p>
         </p:txBody>
       </p:sp>
@@ -12311,7 +12315,7 @@
     </p:spTree>
     <p:extLst>
       <p:ext uri="{BB962C8B-B14F-4D97-AF65-F5344CB8AC3E}">
-        <p14:creationId xmlns:p14="http://schemas.microsoft.com/office/powerpoint/2010/main" val="2830620386"/>
+        <p14:creationId xmlns:p14="http://schemas.microsoft.com/office/powerpoint/2010/main" val="4282536225"/>
       </p:ext>
     </p:extLst>
   </p:cSld>
@@ -12355,7 +12359,7 @@
           <a:p>
             <a:r>
               <a:rPr lang="en-US" dirty="0"/>
-              <a:t>Most Common Integration Types</a:t>
+              <a:t>Why is Systems Integration Motivating?</a:t>
             </a:r>
           </a:p>
         </p:txBody>
@@ -12372,42 +12376,30 @@
         </p:nvSpPr>
         <p:spPr/>
         <p:txBody>
-          <a:bodyPr>
-            <a:normAutofit/>
-          </a:bodyPr>
-          <a:lstStyle/>
-          <a:p>
-            <a:r>
-              <a:rPr lang="en-US" dirty="0"/>
-              <a:t>Business-to-business integration</a:t>
-            </a:r>
-          </a:p>
-          <a:p>
-            <a:pPr lvl="1"/>
-            <a:r>
-              <a:rPr lang="en-US" dirty="0"/>
-              <a:t>Goal: connecting systems of two or more organizations</a:t>
-            </a:r>
-          </a:p>
-          <a:p>
-            <a:pPr lvl="1"/>
-            <a:r>
-              <a:rPr lang="en-US" dirty="0"/>
-              <a:t>Business-to-business or B2B integration automates transactions and document exchange across companies. </a:t>
-            </a:r>
-          </a:p>
-          <a:p>
-            <a:pPr lvl="1"/>
-            <a:r>
-              <a:rPr lang="en-US" dirty="0"/>
-              <a:t>It leads to more efficient cooperation and trade with suppliers, customers, and partners.</a:t>
-            </a:r>
-          </a:p>
-          <a:p>
-            <a:pPr lvl="1"/>
-            <a:r>
-              <a:rPr lang="en-US" dirty="0"/>
-              <a:t>Example: connecting a retailer’s purchasing system to a supplier’s ERP system.</a:t>
+          <a:bodyPr/>
+          <a:lstStyle/>
+          <a:p>
+            <a:r>
+              <a:rPr lang="en-US" dirty="0"/>
+              <a:t>Better decision-making: Integration enables access to real-time data and analytics, leading to better decision-making.</a:t>
+            </a:r>
+          </a:p>
+          <a:p>
+            <a:r>
+              <a:rPr lang="en-US" dirty="0"/>
+              <a:t>Increased efficiency: Integration reduces manual data entry and duplication, leading to increased efficiency.</a:t>
+            </a:r>
+          </a:p>
+          <a:p>
+            <a:r>
+              <a:rPr lang="en-US" dirty="0"/>
+              <a:t>Improved accuracy: Integration ensures data consistency across different systems, leading to improved accuracy.</a:t>
+            </a:r>
+          </a:p>
+          <a:p>
+            <a:r>
+              <a:rPr lang="en-US" dirty="0"/>
+              <a:t>Enhanced customer experience: Integration across different channels and touchpoints leads to enhanced customer experience.</a:t>
             </a:r>
           </a:p>
         </p:txBody>
@@ -12439,7 +12431,7 @@
     </p:spTree>
     <p:extLst>
       <p:ext uri="{BB962C8B-B14F-4D97-AF65-F5344CB8AC3E}">
-        <p14:creationId xmlns:p14="http://schemas.microsoft.com/office/powerpoint/2010/main" val="4293204268"/>
+        <p14:creationId xmlns:p14="http://schemas.microsoft.com/office/powerpoint/2010/main" val="2778248789"/>
       </p:ext>
     </p:extLst>
   </p:cSld>
@@ -12468,7 +12460,7 @@
       </p:grpSpPr>
       <p:sp>
         <p:nvSpPr>
-          <p:cNvPr id="2" name="Title 1"/>
+          <p:cNvPr id="5" name="Title 4"/>
           <p:cNvSpPr>
             <a:spLocks noGrp="1"/>
           </p:cNvSpPr>
@@ -12483,67 +12475,32 @@
           <a:p>
             <a:r>
               <a:rPr lang="en-US" dirty="0"/>
-              <a:t>Most Common Integration Types</a:t>
-            </a:r>
-          </a:p>
-        </p:txBody>
-      </p:sp>
-      <p:sp>
-        <p:nvSpPr>
-          <p:cNvPr id="3" name="Content Placeholder 2"/>
-          <p:cNvSpPr>
-            <a:spLocks noGrp="1"/>
-          </p:cNvSpPr>
-          <p:nvPr>
-            <p:ph idx="1"/>
+              <a:t>Overview of systems integration </a:t>
+            </a:r>
+            <a:r>
+              <a:rPr lang="en-US" dirty="0" smtClean="0"/>
+              <a:t>approaches</a:t>
+            </a:r>
+            <a:endParaRPr lang="en-US" dirty="0"/>
+          </a:p>
+        </p:txBody>
+      </p:sp>
+      <p:sp>
+        <p:nvSpPr>
+          <p:cNvPr id="6" name="Text Placeholder 5"/>
+          <p:cNvSpPr>
+            <a:spLocks noGrp="1"/>
+          </p:cNvSpPr>
+          <p:nvPr>
+            <p:ph type="body" idx="1"/>
           </p:nvPr>
         </p:nvSpPr>
         <p:spPr/>
         <p:txBody>
-          <a:bodyPr>
-            <a:normAutofit/>
-          </a:bodyPr>
-          <a:lstStyle/>
-          <a:p>
-            <a:r>
-              <a:rPr lang="en-US" dirty="0"/>
-              <a:t>Legacy System Integration</a:t>
-            </a:r>
-          </a:p>
-          <a:p>
-            <a:pPr lvl="1"/>
-            <a:r>
-              <a:rPr lang="en-US" dirty="0"/>
-              <a:t>Goal: integration of modern applications into existing outdated systems</a:t>
-            </a:r>
-          </a:p>
-          <a:p>
-            <a:pPr lvl="1"/>
-            <a:r>
-              <a:rPr lang="en-US" dirty="0"/>
-              <a:t>Many organizations use outdated software to perform their core business functions. </a:t>
-            </a:r>
-          </a:p>
-          <a:p>
-            <a:pPr lvl="1"/>
-            <a:r>
-              <a:rPr lang="en-US" dirty="0"/>
-              <a:t>It cannot be removed and replaced with more modern technology as it is critical to a company’s day-to-day workflow. </a:t>
-            </a:r>
-          </a:p>
-          <a:p>
-            <a:pPr lvl="1"/>
-            <a:r>
-              <a:rPr lang="en-US" dirty="0"/>
-              <a:t>Instead, legacy systems can be modernized by establishing a communication channel with newer information systems and technology solutions.</a:t>
-            </a:r>
-          </a:p>
-          <a:p>
-            <a:pPr lvl="1"/>
-            <a:r>
-              <a:rPr lang="en-US" dirty="0"/>
-              <a:t>Example: connecting a legacy CRM system to a data warehouse or a transportation management system (TMS).</a:t>
-            </a:r>
+          <a:bodyPr/>
+          <a:lstStyle/>
+          <a:p>
+            <a:endParaRPr lang="en-US"/>
           </a:p>
         </p:txBody>
       </p:sp>
@@ -12574,7 +12531,7 @@
     </p:spTree>
     <p:extLst>
       <p:ext uri="{BB962C8B-B14F-4D97-AF65-F5344CB8AC3E}">
-        <p14:creationId xmlns:p14="http://schemas.microsoft.com/office/powerpoint/2010/main" val="2794051614"/>
+        <p14:creationId xmlns:p14="http://schemas.microsoft.com/office/powerpoint/2010/main" val="29436604"/>
       </p:ext>
     </p:extLst>
   </p:cSld>
@@ -12617,9 +12574,10 @@
           <a:lstStyle/>
           <a:p>
             <a:r>
-              <a:rPr lang="en-US" dirty="0"/>
-              <a:t>Most Common Integration Types</a:t>
-            </a:r>
+              <a:rPr lang="en-US" dirty="0" smtClean="0"/>
+              <a:t>Integration Approaches</a:t>
+            </a:r>
+            <a:endParaRPr lang="en-US" dirty="0"/>
           </a:p>
         </p:txBody>
       </p:sp>
@@ -12635,49 +12593,87 @@
         </p:nvSpPr>
         <p:spPr/>
         <p:txBody>
-          <a:bodyPr>
-            <a:normAutofit/>
-          </a:bodyPr>
-          <a:lstStyle/>
-          <a:p>
-            <a:r>
-              <a:rPr lang="en-US" dirty="0"/>
-              <a:t>Electronic Data Interchange (EDI)</a:t>
-            </a:r>
-          </a:p>
-          <a:p>
-            <a:pPr lvl="1"/>
-            <a:r>
-              <a:rPr lang="en-US" dirty="0"/>
-              <a:t>Electronic Data Interchange (EDI) is the automated, computer-to-computer exchange of standard electronic business documents between business partners over a secure, standardized connection.</a:t>
-            </a:r>
-          </a:p>
-          <a:p>
-            <a:pPr lvl="1"/>
-            <a:r>
-              <a:rPr lang="en-US" dirty="0"/>
-              <a:t>EDI documents are processed by computers and use standard, computer-friendly formats.</a:t>
-            </a:r>
-          </a:p>
-          <a:p>
-            <a:pPr lvl="1"/>
-            <a:r>
-              <a:rPr lang="en-US" dirty="0"/>
-              <a:t>Standards describe each piece of data and its format (e.g., type of document, parties involved, actions to take, mmddyy).</a:t>
-            </a:r>
-          </a:p>
-          <a:p>
-            <a:pPr lvl="1"/>
-            <a:r>
-              <a:rPr lang="en-US" dirty="0"/>
-              <a:t>Standards eliminate company-to-company variations, allowing each business partner's computer system to speak a common language.</a:t>
-            </a:r>
-          </a:p>
-          <a:p>
-            <a:pPr lvl="1"/>
-            <a:r>
-              <a:rPr lang="en-US" dirty="0"/>
-              <a:t>Popular standards include: ANSI X12 in the U.S., UN/EDIFACT globally and industry-specific standards, such as HIPAA</a:t>
+          <a:bodyPr/>
+          <a:lstStyle/>
+          <a:p>
+            <a:r>
+              <a:rPr lang="en-US" dirty="0"/>
+              <a:t>Point-to-Point </a:t>
+            </a:r>
+            <a:r>
+              <a:rPr lang="en-US" dirty="0" smtClean="0"/>
+              <a:t>Integration</a:t>
+            </a:r>
+          </a:p>
+          <a:p>
+            <a:r>
+              <a:rPr lang="en-US" dirty="0"/>
+              <a:t>Middleware </a:t>
+            </a:r>
+            <a:r>
+              <a:rPr lang="en-US" dirty="0" smtClean="0"/>
+              <a:t>Integration</a:t>
+            </a:r>
+          </a:p>
+          <a:p>
+            <a:r>
+              <a:rPr lang="en-US" dirty="0" smtClean="0"/>
+              <a:t>Service-Oriented </a:t>
+            </a:r>
+            <a:r>
+              <a:rPr lang="en-US" dirty="0"/>
+              <a:t>Architecture (SOA</a:t>
+            </a:r>
+            <a:r>
+              <a:rPr lang="en-US" dirty="0" smtClean="0"/>
+              <a:t>)</a:t>
+            </a:r>
+          </a:p>
+          <a:p>
+            <a:r>
+              <a:rPr lang="en-US" dirty="0"/>
+              <a:t>Application Programming Interface (API) </a:t>
+            </a:r>
+            <a:r>
+              <a:rPr lang="en-US" dirty="0" smtClean="0"/>
+              <a:t>Integration</a:t>
+            </a:r>
+          </a:p>
+          <a:p>
+            <a:r>
+              <a:rPr lang="en-US" dirty="0"/>
+              <a:t>Data </a:t>
+            </a:r>
+            <a:r>
+              <a:rPr lang="en-US" dirty="0" smtClean="0"/>
+              <a:t>Integration</a:t>
+            </a:r>
+          </a:p>
+          <a:p>
+            <a:r>
+              <a:rPr lang="en-US" dirty="0"/>
+              <a:t>Cloud Integration</a:t>
+            </a:r>
+            <a:endParaRPr lang="en-US" dirty="0" smtClean="0"/>
+          </a:p>
+          <a:p>
+            <a:r>
+              <a:rPr lang="en-US" dirty="0"/>
+              <a:t>Event-Driven Architecture (EDA</a:t>
+            </a:r>
+            <a:r>
+              <a:rPr lang="en-US" dirty="0" smtClean="0"/>
+              <a:t>)</a:t>
+            </a:r>
+          </a:p>
+          <a:p>
+            <a:r>
+              <a:rPr lang="en-US" dirty="0" err="1"/>
+              <a:t>Microservices</a:t>
+            </a:r>
+            <a:r>
+              <a:rPr lang="en-US" dirty="0"/>
+              <a:t> Architecture</a:t>
             </a:r>
           </a:p>
         </p:txBody>
@@ -12709,7 +12705,7 @@
     </p:spTree>
     <p:extLst>
       <p:ext uri="{BB962C8B-B14F-4D97-AF65-F5344CB8AC3E}">
-        <p14:creationId xmlns:p14="http://schemas.microsoft.com/office/powerpoint/2010/main" val="1071446314"/>
+        <p14:creationId xmlns:p14="http://schemas.microsoft.com/office/powerpoint/2010/main" val="3035196282"/>
       </p:ext>
     </p:extLst>
   </p:cSld>
@@ -12753,7 +12749,7 @@
           <a:p>
             <a:r>
               <a:rPr lang="en-US" dirty="0"/>
-              <a:t>Most Common Integration Types</a:t>
+              <a:t>Point-to-Point Integration</a:t>
             </a:r>
           </a:p>
         </p:txBody>
@@ -12770,49 +12766,30 @@
         </p:nvSpPr>
         <p:spPr/>
         <p:txBody>
-          <a:bodyPr>
-            <a:normAutofit/>
-          </a:bodyPr>
-          <a:lstStyle/>
-          <a:p>
-            <a:r>
-              <a:rPr lang="en-US" dirty="0"/>
-              <a:t>Enterprise application integration (EAI)</a:t>
-            </a:r>
-          </a:p>
-          <a:p>
-            <a:pPr lvl="1"/>
-            <a:r>
-              <a:rPr lang="en-US" dirty="0"/>
-              <a:t>Goal: unification of different subsystems inside one business environment</a:t>
-            </a:r>
-          </a:p>
-          <a:p>
-            <a:pPr lvl="1"/>
-            <a:r>
-              <a:rPr lang="en-US" dirty="0"/>
-              <a:t>While growing, companies incorporate more and more enterprise applications to streamline their front- and back-office processes. </a:t>
-            </a:r>
-          </a:p>
-          <a:p>
-            <a:pPr lvl="1"/>
-            <a:r>
-              <a:rPr lang="en-US" dirty="0"/>
-              <a:t>These applications often share no points of convergence and accumulate huge volumes of data separately. </a:t>
-            </a:r>
-          </a:p>
-          <a:p>
-            <a:pPr lvl="1"/>
-            <a:r>
-              <a:rPr lang="en-US" dirty="0"/>
-              <a:t>Enterprise application integration (EAI) brings all functions into one business chain and automates real-time data exchange between different applications.</a:t>
-            </a:r>
-          </a:p>
-          <a:p>
-            <a:pPr lvl="1"/>
-            <a:r>
-              <a:rPr lang="en-US" dirty="0"/>
-              <a:t>Example: creating one ecosystem for accounting, human resources information, inventory management, enterprise resource planning (ERP), and CRM systems of a company.</a:t>
+          <a:bodyPr/>
+          <a:lstStyle/>
+          <a:p>
+            <a:r>
+              <a:rPr lang="en-US" dirty="0"/>
+              <a:t>Directly connecting two systems together</a:t>
+            </a:r>
+          </a:p>
+          <a:p>
+            <a:r>
+              <a:rPr lang="en-US" dirty="0"/>
+              <a:t>Simple and straightforward, but can become complex and difficult to manage as the number of systems increases</a:t>
+            </a:r>
+          </a:p>
+          <a:p>
+            <a:r>
+              <a:rPr lang="en-US" dirty="0"/>
+              <a:t>Custom interfaces and protocols are used to connect systems</a:t>
+            </a:r>
+          </a:p>
+          <a:p>
+            <a:r>
+              <a:rPr lang="en-US" dirty="0"/>
+              <a:t>Can be used for small-scale integrations or temporary solutions</a:t>
             </a:r>
           </a:p>
         </p:txBody>
@@ -12844,7 +12821,7 @@
     </p:spTree>
     <p:extLst>
       <p:ext uri="{BB962C8B-B14F-4D97-AF65-F5344CB8AC3E}">
-        <p14:creationId xmlns:p14="http://schemas.microsoft.com/office/powerpoint/2010/main" val="2429161411"/>
+        <p14:creationId xmlns:p14="http://schemas.microsoft.com/office/powerpoint/2010/main" val="3111192953"/>
       </p:ext>
     </p:extLst>
   </p:cSld>
@@ -12888,7 +12865,7 @@
           <a:p>
             <a:r>
               <a:rPr lang="en-US" dirty="0"/>
-              <a:t>Most Common Integration Types</a:t>
+              <a:t>Middleware Integration</a:t>
             </a:r>
           </a:p>
         </p:txBody>
@@ -12905,43 +12882,38 @@
         </p:nvSpPr>
         <p:spPr/>
         <p:txBody>
-          <a:bodyPr>
-            <a:normAutofit/>
-          </a:bodyPr>
-          <a:lstStyle/>
-          <a:p>
-            <a:r>
-              <a:rPr lang="en-US" dirty="0"/>
-              <a:t>Third-party system integration</a:t>
-            </a:r>
-          </a:p>
-          <a:p>
-            <a:pPr lvl="1"/>
-            <a:r>
-              <a:rPr lang="en-US" dirty="0"/>
-              <a:t>Goal: expanding functionality of the existing system</a:t>
-            </a:r>
-          </a:p>
-          <a:p>
-            <a:pPr lvl="1"/>
-            <a:r>
-              <a:rPr lang="en-US" dirty="0"/>
-              <a:t>Integration of third-party tools is a great option when your business needs new functionality but can’t afford custom software development or just has no time to wait for features to be built from scratch.</a:t>
-            </a:r>
-          </a:p>
-          <a:p>
-            <a:pPr lvl="1"/>
-            <a:r>
-              <a:rPr lang="en-US" dirty="0"/>
-              <a:t>Example: integrating an existing application with online payment systems (PayPal, </a:t>
+          <a:bodyPr/>
+          <a:lstStyle/>
+          <a:p>
+            <a:r>
+              <a:rPr lang="en-US" dirty="0"/>
+              <a:t>Using middleware or integration platforms to mediate communication between systems</a:t>
+            </a:r>
+          </a:p>
+          <a:p>
+            <a:r>
+              <a:rPr lang="en-US" dirty="0"/>
+              <a:t>More scalable and flexible than point-to-point integration</a:t>
+            </a:r>
+          </a:p>
+          <a:p>
+            <a:r>
+              <a:rPr lang="en-US" dirty="0"/>
+              <a:t>Middleware acts as a mediator between systems, allowing them to communicate without direct connections</a:t>
+            </a:r>
+          </a:p>
+          <a:p>
+            <a:r>
+              <a:rPr lang="en-US" dirty="0"/>
+              <a:t>Examples of middleware include enterprise service bus (ESB), message-oriented middleware (MOM), and integration platform as a service (</a:t>
             </a:r>
             <a:r>
               <a:rPr lang="en-US" dirty="0" err="1"/>
-              <a:t>WebMoney</a:t>
-            </a:r>
-            <a:r>
-              <a:rPr lang="en-US" dirty="0"/>
-              <a:t>), social media (Facebook, LinkedIn), online video streaming services (YouTube), etc.</a:t>
+              <a:t>iPaaS</a:t>
+            </a:r>
+            <a:r>
+              <a:rPr lang="en-US" dirty="0"/>
+              <a:t>)</a:t>
             </a:r>
           </a:p>
         </p:txBody>
@@ -12973,7 +12945,7 @@
     </p:spTree>
     <p:extLst>
       <p:ext uri="{BB962C8B-B14F-4D97-AF65-F5344CB8AC3E}">
-        <p14:creationId xmlns:p14="http://schemas.microsoft.com/office/powerpoint/2010/main" val="903370518"/>
+        <p14:creationId xmlns:p14="http://schemas.microsoft.com/office/powerpoint/2010/main" val="1801004639"/>
       </p:ext>
     </p:extLst>
   </p:cSld>
@@ -13002,13 +12974,7 @@
       </p:grpSpPr>
       <p:sp>
         <p:nvSpPr>
-          <p:cNvPr id="5" name="Title 4">
-            <a:extLst>
-              <a:ext uri="{FF2B5EF4-FFF2-40B4-BE49-F238E27FC236}">
-                <a16:creationId xmlns:a16="http://schemas.microsoft.com/office/drawing/2014/main" id="{0F448E3E-AB9C-0DF8-C2B6-5E10EBB14BD3}"/>
-              </a:ext>
-            </a:extLst>
-          </p:cNvPr>
+          <p:cNvPr id="2" name="Title 1"/>
           <p:cNvSpPr>
             <a:spLocks noGrp="1"/>
           </p:cNvSpPr>
@@ -13023,25 +12989,19 @@
           <a:p>
             <a:r>
               <a:rPr lang="en-US" dirty="0"/>
-              <a:t>Integration Models</a:t>
-            </a:r>
-          </a:p>
-        </p:txBody>
-      </p:sp>
-      <p:sp>
-        <p:nvSpPr>
-          <p:cNvPr id="6" name="Text Placeholder 5">
-            <a:extLst>
-              <a:ext uri="{FF2B5EF4-FFF2-40B4-BE49-F238E27FC236}">
-                <a16:creationId xmlns:a16="http://schemas.microsoft.com/office/drawing/2014/main" id="{F407F8AA-9080-4599-DAF2-51FFCFF3BE41}"/>
-              </a:ext>
-            </a:extLst>
-          </p:cNvPr>
-          <p:cNvSpPr>
-            <a:spLocks noGrp="1"/>
-          </p:cNvSpPr>
-          <p:nvPr>
-            <p:ph type="body" idx="1"/>
+              <a:t>Service-Oriented Architecture (SOA)</a:t>
+            </a:r>
+          </a:p>
+        </p:txBody>
+      </p:sp>
+      <p:sp>
+        <p:nvSpPr>
+          <p:cNvPr id="3" name="Content Placeholder 2"/>
+          <p:cNvSpPr>
+            <a:spLocks noGrp="1"/>
+          </p:cNvSpPr>
+          <p:nvPr>
+            <p:ph idx="1"/>
           </p:nvPr>
         </p:nvSpPr>
         <p:spPr/>
@@ -13049,19 +13009,34 @@
           <a:bodyPr/>
           <a:lstStyle/>
           <a:p>
-            <a:endParaRPr lang="en-US"/>
-          </a:p>
-        </p:txBody>
-      </p:sp>
-      <p:sp>
-        <p:nvSpPr>
-          <p:cNvPr id="4" name="Slide Number Placeholder 3">
-            <a:extLst>
-              <a:ext uri="{FF2B5EF4-FFF2-40B4-BE49-F238E27FC236}">
-                <a16:creationId xmlns:a16="http://schemas.microsoft.com/office/drawing/2014/main" id="{567157A9-5A99-3C9C-980A-275EB53D156F}"/>
-              </a:ext>
-            </a:extLst>
-          </p:cNvPr>
+            <a:r>
+              <a:rPr lang="en-US" dirty="0"/>
+              <a:t>Decomposing systems into services that can be composed and orchestrated</a:t>
+            </a:r>
+          </a:p>
+          <a:p>
+            <a:r>
+              <a:rPr lang="en-US" dirty="0"/>
+              <a:t>Allows for greater flexibility and reusability of software components</a:t>
+            </a:r>
+          </a:p>
+          <a:p>
+            <a:r>
+              <a:rPr lang="en-US" dirty="0"/>
+              <a:t>Services are self-contained, loosely coupled, and can be combined and reused to create new applications</a:t>
+            </a:r>
+          </a:p>
+          <a:p>
+            <a:r>
+              <a:rPr lang="en-US" dirty="0"/>
+              <a:t>Uses standards-based interfaces and protocols, such as Web Services Description Language (WSDL) and Simple Object Access Protocol (SOAP)</a:t>
+            </a:r>
+          </a:p>
+        </p:txBody>
+      </p:sp>
+      <p:sp>
+        <p:nvSpPr>
+          <p:cNvPr id="4" name="Slide Number Placeholder 3"/>
           <p:cNvSpPr>
             <a:spLocks noGrp="1"/>
           </p:cNvSpPr>
@@ -13086,7 +13061,7 @@
     </p:spTree>
     <p:extLst>
       <p:ext uri="{BB962C8B-B14F-4D97-AF65-F5344CB8AC3E}">
-        <p14:creationId xmlns:p14="http://schemas.microsoft.com/office/powerpoint/2010/main" val="1220197846"/>
+        <p14:creationId xmlns:p14="http://schemas.microsoft.com/office/powerpoint/2010/main" val="3869027539"/>
       </p:ext>
     </p:extLst>
   </p:cSld>
@@ -13125,85 +13100,62 @@
         </p:nvSpPr>
         <p:spPr/>
         <p:txBody>
-          <a:bodyPr/>
-          <a:lstStyle/>
-          <a:p>
-            <a:r>
-              <a:rPr lang="en-US" dirty="0"/>
-              <a:t>Integration Models</a:t>
-            </a:r>
-          </a:p>
-        </p:txBody>
-      </p:sp>
-      <p:sp>
-        <p:nvSpPr>
-          <p:cNvPr id="3" name="Content Placeholder 2"/>
-          <p:cNvSpPr>
-            <a:spLocks noGrp="1"/>
-          </p:cNvSpPr>
-          <p:nvPr>
-            <p:ph idx="1"/>
-          </p:nvPr>
-        </p:nvSpPr>
-        <p:spPr/>
-        <p:txBody>
           <a:bodyPr>
             <a:normAutofit/>
           </a:bodyPr>
           <a:lstStyle/>
           <a:p>
             <a:r>
-              <a:rPr lang="en-US" dirty="0"/>
-              <a:t>As for typical system integration models, they can be divided into the following different categories:</a:t>
-            </a:r>
-          </a:p>
-          <a:p>
-            <a:pPr lvl="1"/>
-            <a:r>
-              <a:rPr lang="en-US" dirty="0"/>
-              <a:t>Point-to-Point Integration</a:t>
-            </a:r>
-          </a:p>
-          <a:p>
-            <a:pPr lvl="1"/>
-            <a:r>
-              <a:rPr lang="en-US" dirty="0"/>
-              <a:t>Hub-and-spoke model</a:t>
-            </a:r>
-          </a:p>
-          <a:p>
-            <a:pPr lvl="1"/>
-            <a:r>
-              <a:rPr lang="en-US" dirty="0"/>
-              <a:t>Enterprise Service Bus (ESB) model</a:t>
-            </a:r>
-          </a:p>
-          <a:p>
-            <a:pPr lvl="1"/>
-            <a:r>
-              <a:rPr lang="en-US" dirty="0"/>
-              <a:t>Vertical Integration</a:t>
-            </a:r>
-          </a:p>
-          <a:p>
-            <a:pPr lvl="1"/>
-            <a:r>
-              <a:rPr lang="en-US" dirty="0"/>
-              <a:t>Star Integration</a:t>
-            </a:r>
-          </a:p>
-          <a:p>
-            <a:pPr lvl="1"/>
-            <a:r>
-              <a:rPr lang="en-US" dirty="0"/>
-              <a:t>Horizontal Integration </a:t>
-            </a:r>
-          </a:p>
-          <a:p>
-            <a:pPr lvl="1"/>
-            <a:r>
-              <a:rPr lang="en-US" dirty="0"/>
-              <a:t>Common Data Format integration</a:t>
+              <a:rPr lang="en-US" sz="3600" dirty="0"/>
+              <a:t>Application Programming Interface (API) Integration</a:t>
+            </a:r>
+          </a:p>
+        </p:txBody>
+      </p:sp>
+      <p:sp>
+        <p:nvSpPr>
+          <p:cNvPr id="3" name="Content Placeholder 2"/>
+          <p:cNvSpPr>
+            <a:spLocks noGrp="1"/>
+          </p:cNvSpPr>
+          <p:nvPr>
+            <p:ph idx="1"/>
+          </p:nvPr>
+        </p:nvSpPr>
+        <p:spPr/>
+        <p:txBody>
+          <a:bodyPr/>
+          <a:lstStyle/>
+          <a:p>
+            <a:r>
+              <a:rPr lang="en-US" dirty="0"/>
+              <a:t>Using APIs to enable communication between different software applications and systems</a:t>
+            </a:r>
+          </a:p>
+          <a:p>
+            <a:r>
+              <a:rPr lang="en-US" dirty="0"/>
+              <a:t>APIs provide a standardized interface for communication, allowing different systems to interact with each other</a:t>
+            </a:r>
+          </a:p>
+          <a:p>
+            <a:r>
+              <a:rPr lang="en-US" dirty="0"/>
+              <a:t>Examples of APIs include RESTful APIs, SOAP APIs, and </a:t>
+            </a:r>
+            <a:r>
+              <a:rPr lang="en-US" dirty="0" err="1"/>
+              <a:t>GraphQL</a:t>
+            </a:r>
+            <a:r>
+              <a:rPr lang="en-US" dirty="0"/>
+              <a:t> APIs</a:t>
+            </a:r>
+          </a:p>
+          <a:p>
+            <a:r>
+              <a:rPr lang="en-US" dirty="0"/>
+              <a:t>Can be used for both internal and external integrations</a:t>
             </a:r>
           </a:p>
         </p:txBody>
@@ -13235,7 +13187,7 @@
     </p:spTree>
     <p:extLst>
       <p:ext uri="{BB962C8B-B14F-4D97-AF65-F5344CB8AC3E}">
-        <p14:creationId xmlns:p14="http://schemas.microsoft.com/office/powerpoint/2010/main" val="51079093"/>
+        <p14:creationId xmlns:p14="http://schemas.microsoft.com/office/powerpoint/2010/main" val="3463538666"/>
       </p:ext>
     </p:extLst>
   </p:cSld>
@@ -13279,7 +13231,7 @@
           <a:p>
             <a:r>
               <a:rPr lang="en-US" dirty="0"/>
-              <a:t>Point-to-Point Integration</a:t>
+              <a:t>Data Integration</a:t>
             </a:r>
           </a:p>
         </p:txBody>
@@ -13296,26 +13248,30 @@
         </p:nvSpPr>
         <p:spPr/>
         <p:txBody>
-          <a:bodyPr>
-            <a:normAutofit/>
-          </a:bodyPr>
-          <a:lstStyle/>
-          <a:p>
-            <a:r>
-              <a:rPr lang="en-US" dirty="0"/>
-              <a:t>Point-to-point connects a system to another system for them to function together. </a:t>
-            </a:r>
-          </a:p>
-          <a:p>
-            <a:r>
-              <a:rPr lang="en-US" dirty="0"/>
-              <a:t>Typically, such point-to-point integration handles only one function and does not involve any complex business logic. </a:t>
-            </a:r>
-          </a:p>
-          <a:p>
-            <a:r>
-              <a:rPr lang="en-US" dirty="0"/>
-              <a:t>Many cloud-based applications offer these types of point-to-point integrations as productized, “out of the box” integration modules for the most common IT systems.</a:t>
+          <a:bodyPr/>
+          <a:lstStyle/>
+          <a:p>
+            <a:r>
+              <a:rPr lang="en-US" dirty="0"/>
+              <a:t>Combining data from different sources and making it available to other applications or systems</a:t>
+            </a:r>
+          </a:p>
+          <a:p>
+            <a:r>
+              <a:rPr lang="en-US" dirty="0"/>
+              <a:t>Data integration typically involves using extract, transform, and load (ETL) or data replication tools to move data between systems</a:t>
+            </a:r>
+          </a:p>
+          <a:p>
+            <a:r>
+              <a:rPr lang="en-US" dirty="0"/>
+              <a:t>Requires careful validation and quality control measures to ensure accuracy and consistency</a:t>
+            </a:r>
+          </a:p>
+          <a:p>
+            <a:r>
+              <a:rPr lang="en-US" dirty="0"/>
+              <a:t>Can be used for business intelligence, data warehousing, and reporting</a:t>
             </a:r>
           </a:p>
         </p:txBody>
@@ -13347,7 +13303,7 @@
     </p:spTree>
     <p:extLst>
       <p:ext uri="{BB962C8B-B14F-4D97-AF65-F5344CB8AC3E}">
-        <p14:creationId xmlns:p14="http://schemas.microsoft.com/office/powerpoint/2010/main" val="1902840644"/>
+        <p14:creationId xmlns:p14="http://schemas.microsoft.com/office/powerpoint/2010/main" val="1217220615"/>
       </p:ext>
     </p:extLst>
   </p:cSld>
@@ -13390,8 +13346,12 @@
           <a:lstStyle/>
           <a:p>
             <a:r>
-              <a:rPr lang="en-US" dirty="0"/>
-              <a:t>Point-to-Point Integration</a:t>
+              <a:rPr lang="en-US" dirty="0" smtClean="0"/>
+              <a:t>Cloud </a:t>
+            </a:r>
+            <a:r>
+              <a:rPr lang="en-US" dirty="0"/>
+              <a:t>Integration</a:t>
             </a:r>
           </a:p>
         </p:txBody>
@@ -13408,40 +13368,30 @@
         </p:nvSpPr>
         <p:spPr/>
         <p:txBody>
-          <a:bodyPr>
-            <a:normAutofit/>
-          </a:bodyPr>
-          <a:lstStyle/>
-          <a:p>
-            <a:r>
-              <a:rPr lang="en-US" dirty="0"/>
-              <a:t>P2P is the architectural pattern in which every system is directly connected to all other systems and apps it needs to work in tandem and share information with. </a:t>
-            </a:r>
-          </a:p>
-          <a:p>
-            <a:r>
-              <a:rPr lang="en-US" dirty="0"/>
-              <a:t>This model can be realized via APIs, </a:t>
-            </a:r>
-            <a:r>
-              <a:rPr lang="en-US" dirty="0" err="1"/>
-              <a:t>webhooks</a:t>
-            </a:r>
-            <a:r>
-              <a:rPr lang="en-US" dirty="0"/>
-              <a:t>, or custom code.</a:t>
-            </a:r>
-          </a:p>
-          <a:p>
-            <a:r>
-              <a:rPr lang="en-US" dirty="0"/>
-              <a:t>With a point-to-point connection, data is extracted from one system, modified or formatted, and then sent to another system. </a:t>
-            </a:r>
-          </a:p>
-          <a:p>
-            <a:r>
-              <a:rPr lang="en-US" dirty="0"/>
-              <a:t>Each application implements all the logic for data translation, transformation, and routing, taking into account the protocols and supported data models of other integrated components.</a:t>
+          <a:bodyPr/>
+          <a:lstStyle/>
+          <a:p>
+            <a:r>
+              <a:rPr lang="en-US" dirty="0"/>
+              <a:t>Integrating cloud-based applications and services with each other and with on-premises systems</a:t>
+            </a:r>
+          </a:p>
+          <a:p>
+            <a:r>
+              <a:rPr lang="en-US" dirty="0"/>
+              <a:t>Can be done using various integration approaches, such as cloud-to-cloud, cloud-to-on-premises, or hybrid integration</a:t>
+            </a:r>
+          </a:p>
+          <a:p>
+            <a:r>
+              <a:rPr lang="en-US" dirty="0"/>
+              <a:t>Offers benefits such as scalability, agility, accessibility, and security</a:t>
+            </a:r>
+          </a:p>
+          <a:p>
+            <a:r>
+              <a:rPr lang="en-US" dirty="0"/>
+              <a:t>Presents challenges such as complexity, data integration, cost, and data privacy</a:t>
             </a:r>
           </a:p>
         </p:txBody>
@@ -13473,7 +13423,7 @@
     </p:spTree>
     <p:extLst>
       <p:ext uri="{BB962C8B-B14F-4D97-AF65-F5344CB8AC3E}">
-        <p14:creationId xmlns:p14="http://schemas.microsoft.com/office/powerpoint/2010/main" val="1223318244"/>
+        <p14:creationId xmlns:p14="http://schemas.microsoft.com/office/powerpoint/2010/main" val="1451733969"/>
       </p:ext>
     </p:extLst>
   </p:cSld>
@@ -13545,8 +13495,12 @@
               </a:lnSpc>
             </a:pPr>
             <a:r>
-              <a:rPr lang="en-US" dirty="0"/>
-              <a:t>Introduction</a:t>
+              <a:rPr lang="en-US" dirty="0" smtClean="0"/>
+              <a:t>Definition </a:t>
+            </a:r>
+            <a:r>
+              <a:rPr lang="en-US" dirty="0"/>
+              <a:t>of systems integration</a:t>
             </a:r>
           </a:p>
           <a:p>
@@ -13556,8 +13510,12 @@
               </a:lnSpc>
             </a:pPr>
             <a:r>
-              <a:rPr lang="en-US" dirty="0"/>
-              <a:t>Integration Types</a:t>
+              <a:rPr lang="en-US" dirty="0" smtClean="0"/>
+              <a:t>Importance </a:t>
+            </a:r>
+            <a:r>
+              <a:rPr lang="en-US" dirty="0"/>
+              <a:t>of systems integration</a:t>
             </a:r>
           </a:p>
           <a:p>
@@ -13567,8 +13525,12 @@
               </a:lnSpc>
             </a:pPr>
             <a:r>
-              <a:rPr lang="en-US" dirty="0"/>
-              <a:t>Integration Models</a:t>
+              <a:rPr lang="en-US" dirty="0" smtClean="0"/>
+              <a:t>Challenges </a:t>
+            </a:r>
+            <a:r>
+              <a:rPr lang="en-US" dirty="0"/>
+              <a:t>and motivations in systems integration</a:t>
             </a:r>
           </a:p>
           <a:p>
@@ -13578,8 +13540,16 @@
               </a:lnSpc>
             </a:pPr>
             <a:r>
-              <a:rPr lang="en-US" dirty="0"/>
-              <a:t>Integrated system vs. Legacy System</a:t>
+              <a:rPr lang="en-US" dirty="0" smtClean="0"/>
+              <a:t>Overview </a:t>
+            </a:r>
+            <a:r>
+              <a:rPr lang="en-US" dirty="0"/>
+              <a:t>of systems integration </a:t>
+            </a:r>
+            <a:r>
+              <a:rPr lang="en-US" dirty="0" smtClean="0"/>
+              <a:t>approaches</a:t>
             </a:r>
           </a:p>
           <a:p>
@@ -13590,7 +13560,11 @@
             </a:pPr>
             <a:r>
               <a:rPr lang="en-US" dirty="0"/>
-              <a:t>Integration type</a:t>
+              <a:t>Integrated system vs. Legacy </a:t>
+            </a:r>
+            <a:r>
+              <a:rPr lang="en-US" dirty="0" smtClean="0"/>
+              <a:t>System</a:t>
             </a:r>
           </a:p>
           <a:p>
@@ -13601,8 +13575,46 @@
             </a:pPr>
             <a:r>
               <a:rPr lang="en-US" dirty="0"/>
-              <a:t>Integration Architecture</a:t>
-            </a:r>
+              <a:t>Integration </a:t>
+            </a:r>
+            <a:r>
+              <a:rPr lang="en-US" dirty="0" smtClean="0"/>
+              <a:t>Steps</a:t>
+            </a:r>
+          </a:p>
+          <a:p>
+            <a:pPr>
+              <a:lnSpc>
+                <a:spcPct val="100000"/>
+              </a:lnSpc>
+            </a:pPr>
+            <a:r>
+              <a:rPr lang="en-US" dirty="0"/>
+              <a:t>4 Main Types of </a:t>
+            </a:r>
+            <a:r>
+              <a:rPr lang="en-US" dirty="0" smtClean="0"/>
+              <a:t>Integration</a:t>
+            </a:r>
+          </a:p>
+          <a:p>
+            <a:pPr>
+              <a:lnSpc>
+                <a:spcPct val="100000"/>
+              </a:lnSpc>
+            </a:pPr>
+            <a:r>
+              <a:rPr lang="en-US" dirty="0" smtClean="0"/>
+              <a:t>Examples and Conclusion</a:t>
+            </a:r>
+          </a:p>
+          <a:p>
+            <a:pPr>
+              <a:lnSpc>
+                <a:spcPct val="100000"/>
+              </a:lnSpc>
+            </a:pPr>
+            <a:endParaRPr lang="en-US" dirty="0"/>
           </a:p>
         </p:txBody>
       </p:sp>
@@ -13677,7 +13689,7 @@
           <a:p>
             <a:r>
               <a:rPr lang="en-US" dirty="0"/>
-              <a:t>Hub-and-spoke model</a:t>
+              <a:t>Event-Driven Architecture (EDA)</a:t>
             </a:r>
           </a:p>
         </p:txBody>
@@ -13694,32 +13706,30 @@
         </p:nvSpPr>
         <p:spPr/>
         <p:txBody>
-          <a:bodyPr>
-            <a:normAutofit/>
-          </a:bodyPr>
-          <a:lstStyle/>
-          <a:p>
-            <a:r>
-              <a:rPr lang="en-US" dirty="0"/>
-              <a:t>The hub-and-spoke model is a more advanced type of integration architecture that addresses the issues of point-to-point and helps to avoid the star/spaghetti mess. </a:t>
-            </a:r>
-          </a:p>
-          <a:p>
-            <a:r>
-              <a:rPr lang="en-US" dirty="0"/>
-              <a:t>The connections between all subsystems are handled by a central hub (message broker), so they don’t communicate with each other directly.</a:t>
-            </a:r>
-          </a:p>
-          <a:p>
-            <a:r>
-              <a:rPr lang="en-US" dirty="0"/>
-              <a:t>The hub serves as a message-oriented middleware with a centralized integration engine to translate operations into a single canonical language and route messages to the right destinations. </a:t>
-            </a:r>
-          </a:p>
-          <a:p>
-            <a:r>
-              <a:rPr lang="en-US" dirty="0"/>
-              <a:t>The spokes (adapters) connecting the hub to the subsystems are managed individually.</a:t>
+          <a:bodyPr/>
+          <a:lstStyle/>
+          <a:p>
+            <a:r>
+              <a:rPr lang="en-US" dirty="0"/>
+              <a:t>Using events or notifications to trigger actions in different software applications and systems</a:t>
+            </a:r>
+          </a:p>
+          <a:p>
+            <a:r>
+              <a:rPr lang="en-US" dirty="0"/>
+              <a:t>Allows for real-time communication between systems and applications</a:t>
+            </a:r>
+          </a:p>
+          <a:p>
+            <a:r>
+              <a:rPr lang="en-US" dirty="0"/>
+              <a:t>Event-driven architectures can be designed to be reactive, proactive or hybrid.</a:t>
+            </a:r>
+          </a:p>
+          <a:p>
+            <a:r>
+              <a:rPr lang="en-US" dirty="0"/>
+              <a:t>Uses publish-subscribe or message broker pattern to deliver events.</a:t>
             </a:r>
           </a:p>
         </p:txBody>
@@ -13751,7 +13761,7 @@
     </p:spTree>
     <p:extLst>
       <p:ext uri="{BB962C8B-B14F-4D97-AF65-F5344CB8AC3E}">
-        <p14:creationId xmlns:p14="http://schemas.microsoft.com/office/powerpoint/2010/main" val="2660631207"/>
+        <p14:creationId xmlns:p14="http://schemas.microsoft.com/office/powerpoint/2010/main" val="670335746"/>
       </p:ext>
     </p:extLst>
   </p:cSld>
@@ -13794,8 +13804,12 @@
           <a:lstStyle/>
           <a:p>
             <a:r>
-              <a:rPr lang="en-US" dirty="0"/>
-              <a:t>Enterprise Service Bus (ESB)</a:t>
+              <a:rPr lang="en-US" dirty="0" err="1"/>
+              <a:t>Microservices</a:t>
+            </a:r>
+            <a:r>
+              <a:rPr lang="en-US" dirty="0"/>
+              <a:t> Architecture</a:t>
             </a:r>
           </a:p>
         </p:txBody>
@@ -13812,32 +13826,46 @@
         </p:nvSpPr>
         <p:spPr/>
         <p:txBody>
-          <a:bodyPr>
-            <a:normAutofit/>
-          </a:bodyPr>
-          <a:lstStyle/>
-          <a:p>
-            <a:r>
-              <a:rPr lang="en-US" dirty="0"/>
-              <a:t>The ESB architecture involves the creation of a separate specialized subsystem — an enterprise service bus — that serves as a common user interface layer connecting other subsystems.</a:t>
-            </a:r>
-          </a:p>
-          <a:p>
-            <a:r>
-              <a:rPr lang="en-US" dirty="0"/>
-              <a:t>The ESB can be described as a set of middleware services that glue multiple systems, serving as a messaging backbone. </a:t>
-            </a:r>
-          </a:p>
-          <a:p>
-            <a:r>
-              <a:rPr lang="en-US" dirty="0"/>
-              <a:t>In contrast to hub-and-spoke with a single centralized integration engine, in ESB, each system is supplied with a separate integration engine and an adapter that translates a message into the canonical format and back into the destination supported format. </a:t>
-            </a:r>
-          </a:p>
-          <a:p>
-            <a:r>
-              <a:rPr lang="en-US" dirty="0"/>
-              <a:t>Initially designed to bridge complex internal systems of large enterprises, ESBs can work with cloud services too.</a:t>
+          <a:bodyPr/>
+          <a:lstStyle/>
+          <a:p>
+            <a:r>
+              <a:rPr lang="en-US" dirty="0"/>
+              <a:t>Structuring an application as a collection of small, independent, and loosely coupled services that can be developed, deployed, and scaled independently</a:t>
+            </a:r>
+          </a:p>
+          <a:p>
+            <a:r>
+              <a:rPr lang="en-US" dirty="0"/>
+              <a:t>Each </a:t>
+            </a:r>
+            <a:r>
+              <a:rPr lang="en-US" dirty="0" err="1"/>
+              <a:t>microservice</a:t>
+            </a:r>
+            <a:r>
+              <a:rPr lang="en-US" dirty="0"/>
+              <a:t> is responsible for a specific business capability and communicates with other </a:t>
+            </a:r>
+            <a:r>
+              <a:rPr lang="en-US" dirty="0" err="1"/>
+              <a:t>microservices</a:t>
+            </a:r>
+            <a:r>
+              <a:rPr lang="en-US" dirty="0"/>
+              <a:t> using well-defined APIs and protocols</a:t>
+            </a:r>
+          </a:p>
+          <a:p>
+            <a:r>
+              <a:rPr lang="en-US" dirty="0"/>
+              <a:t>Offers benefits such as scalability, agility, resilience, maintainability, and innovation</a:t>
+            </a:r>
+          </a:p>
+          <a:p>
+            <a:r>
+              <a:rPr lang="en-US" dirty="0"/>
+              <a:t>Presents challenges such as complexity, integration, testing, communication, and governance</a:t>
             </a:r>
           </a:p>
         </p:txBody>
@@ -13869,7 +13897,7 @@
     </p:spTree>
     <p:extLst>
       <p:ext uri="{BB962C8B-B14F-4D97-AF65-F5344CB8AC3E}">
-        <p14:creationId xmlns:p14="http://schemas.microsoft.com/office/powerpoint/2010/main" val="253314333"/>
+        <p14:creationId xmlns:p14="http://schemas.microsoft.com/office/powerpoint/2010/main" val="993931421"/>
       </p:ext>
     </p:extLst>
   </p:cSld>
@@ -13912,9 +13940,10 @@
           <a:lstStyle/>
           <a:p>
             <a:r>
-              <a:rPr lang="en-US" dirty="0"/>
-              <a:t>Vertical Integration</a:t>
-            </a:r>
+              <a:rPr lang="en-US" dirty="0" smtClean="0"/>
+              <a:t>Final Notes</a:t>
+            </a:r>
+            <a:endParaRPr lang="en-US" dirty="0"/>
           </a:p>
         </p:txBody>
       </p:sp>
@@ -13930,26 +13959,34 @@
         </p:nvSpPr>
         <p:spPr/>
         <p:txBody>
-          <a:bodyPr>
-            <a:normAutofit/>
-          </a:bodyPr>
-          <a:lstStyle/>
-          <a:p>
-            <a:r>
-              <a:rPr lang="en-US" dirty="0"/>
-              <a:t>The system components (sub-systems) are integrated by creating functional "silos", beginning with the basic bottom function upward. </a:t>
-            </a:r>
-          </a:p>
-          <a:p>
-            <a:r>
-              <a:rPr lang="en-US" dirty="0"/>
-              <a:t>This is normally a relatively simple and easy method that only involves a limited number of systems (more than two), but on the other hand, this integration method is quite rigid and more difficult to manage in the long term as any new functionality will require its own functional ”silo”. </a:t>
-            </a:r>
-          </a:p>
-          <a:p>
-            <a:r>
-              <a:rPr lang="en-US" dirty="0"/>
-              <a:t>Still, this method can be used effectively to create simple integrations that only need to address a single function.</a:t>
+          <a:bodyPr/>
+          <a:lstStyle/>
+          <a:p>
+            <a:r>
+              <a:rPr lang="en-US" dirty="0"/>
+              <a:t>The approach used will depend on the specific needs of the organization and the systems being integrated </a:t>
+            </a:r>
+            <a:endParaRPr lang="en-US" dirty="0" smtClean="0"/>
+          </a:p>
+          <a:p>
+            <a:r>
+              <a:rPr lang="en-US" dirty="0" smtClean="0"/>
+              <a:t>Each </a:t>
+            </a:r>
+            <a:r>
+              <a:rPr lang="en-US" dirty="0"/>
+              <a:t>approach to integrating software and systems has its own strengths and weaknesses, and the approach used will depend on the specific needs of the organization and the systems being integrated. </a:t>
+            </a:r>
+            <a:endParaRPr lang="en-US" dirty="0" smtClean="0"/>
+          </a:p>
+          <a:p>
+            <a:r>
+              <a:rPr lang="en-US" dirty="0" smtClean="0"/>
+              <a:t>The </a:t>
+            </a:r>
+            <a:r>
+              <a:rPr lang="en-US" dirty="0"/>
+              <a:t>goal of integrating software and systems is to create a seamless and efficient system that allows different applications and systems to work together to achieve common goals.</a:t>
             </a:r>
           </a:p>
         </p:txBody>
@@ -13981,7 +14018,7 @@
     </p:spTree>
     <p:extLst>
       <p:ext uri="{BB962C8B-B14F-4D97-AF65-F5344CB8AC3E}">
-        <p14:creationId xmlns:p14="http://schemas.microsoft.com/office/powerpoint/2010/main" val="2334092565"/>
+        <p14:creationId xmlns:p14="http://schemas.microsoft.com/office/powerpoint/2010/main" val="3606032710"/>
       </p:ext>
     </p:extLst>
   </p:cSld>
@@ -14010,7 +14047,7 @@
       </p:grpSpPr>
       <p:sp>
         <p:nvSpPr>
-          <p:cNvPr id="2" name="Title 1"/>
+          <p:cNvPr id="4" name="Title 3"/>
           <p:cNvSpPr>
             <a:spLocks noGrp="1"/>
           </p:cNvSpPr>
@@ -14025,56 +14062,33 @@
           <a:p>
             <a:r>
               <a:rPr lang="en-US" dirty="0"/>
-              <a:t>Star Integration</a:t>
-            </a:r>
-          </a:p>
-        </p:txBody>
-      </p:sp>
-      <p:sp>
-        <p:nvSpPr>
-          <p:cNvPr id="3" name="Content Placeholder 2"/>
-          <p:cNvSpPr>
-            <a:spLocks noGrp="1"/>
-          </p:cNvSpPr>
-          <p:nvPr>
-            <p:ph idx="1"/>
+              <a:t>Integrated system vs. Legacy System</a:t>
+            </a:r>
+          </a:p>
+        </p:txBody>
+      </p:sp>
+      <p:sp>
+        <p:nvSpPr>
+          <p:cNvPr id="5" name="Text Placeholder 4"/>
+          <p:cNvSpPr>
+            <a:spLocks noGrp="1"/>
+          </p:cNvSpPr>
+          <p:nvPr>
+            <p:ph type="body" idx="1"/>
           </p:nvPr>
         </p:nvSpPr>
         <p:spPr/>
         <p:txBody>
-          <a:bodyPr>
-            <a:normAutofit/>
-          </a:bodyPr>
-          <a:lstStyle/>
-          <a:p>
-            <a:r>
-              <a:rPr lang="en-US" dirty="0"/>
-              <a:t>Star integration means a system where each sub-system is connected with other sub-systems using point-to-point connections. </a:t>
-            </a:r>
-          </a:p>
-          <a:p>
-            <a:r>
-              <a:rPr lang="en-US" dirty="0"/>
-              <a:t>This allows for more functionality, but as the number of integrated systems increases, the number of integrations also increases significantly, and the management of the integrations becomes very demanding. </a:t>
-            </a:r>
-          </a:p>
-          <a:p>
-            <a:r>
-              <a:rPr lang="en-US" dirty="0"/>
-              <a:t>As an example, connecting ten systems to each other using this method will require 45 separate integrations, and every time there is a change in one system, nine connections may need to be re-done as well. </a:t>
-            </a:r>
-          </a:p>
-          <a:p>
-            <a:r>
-              <a:rPr lang="en-US" dirty="0"/>
-              <a:t>Sometimes Star Integration is there for also referred to as "Spaghetti Integration" as an analogy to “Spaghetti code”.</a:t>
-            </a:r>
-          </a:p>
-        </p:txBody>
-      </p:sp>
-      <p:sp>
-        <p:nvSpPr>
-          <p:cNvPr id="4" name="Slide Number Placeholder 3"/>
+          <a:bodyPr/>
+          <a:lstStyle/>
+          <a:p>
+            <a:endParaRPr lang="en-US"/>
+          </a:p>
+        </p:txBody>
+      </p:sp>
+      <p:sp>
+        <p:nvSpPr>
+          <p:cNvPr id="2" name="Slide Number Placeholder 1"/>
           <p:cNvSpPr>
             <a:spLocks noGrp="1"/>
           </p:cNvSpPr>
@@ -14089,17 +14103,16 @@
           <a:p>
             <a:fld id="{B8DACC02-A2BD-4578-8E03-6D891060A695}" type="slidenum">
               <a:rPr lang="en-US" smtClean="0"/>
-              <a:pPr/>
               <a:t>23</a:t>
             </a:fld>
-            <a:endParaRPr lang="en-US" dirty="0"/>
+            <a:endParaRPr lang="en-US"/>
           </a:p>
         </p:txBody>
       </p:sp>
     </p:spTree>
     <p:extLst>
       <p:ext uri="{BB962C8B-B14F-4D97-AF65-F5344CB8AC3E}">
-        <p14:creationId xmlns:p14="http://schemas.microsoft.com/office/powerpoint/2010/main" val="1385202131"/>
+        <p14:creationId xmlns:p14="http://schemas.microsoft.com/office/powerpoint/2010/main" val="4075390909"/>
       </p:ext>
     </p:extLst>
   </p:cSld>
@@ -14143,7 +14156,7 @@
           <a:p>
             <a:r>
               <a:rPr lang="en-US" dirty="0"/>
-              <a:t>Horizontal Integration</a:t>
+              <a:t>Legacy System</a:t>
             </a:r>
           </a:p>
         </p:txBody>
@@ -14161,31 +14174,67 @@
         <p:spPr/>
         <p:txBody>
           <a:bodyPr>
-            <a:normAutofit/>
+            <a:normAutofit fontScale="92500"/>
           </a:bodyPr>
           <a:lstStyle/>
           <a:p>
             <a:r>
               <a:rPr lang="en-US" dirty="0"/>
-              <a:t>In horizontal integration, a separate sub-system is used as a common interface layer between all sub-systems.  </a:t>
-            </a:r>
-          </a:p>
-          <a:p>
-            <a:r>
-              <a:rPr lang="en-US" dirty="0"/>
-              <a:t>Very often, this layer is referred to as an Enterprise Service Bus (ESB).  </a:t>
-            </a:r>
-          </a:p>
-          <a:p>
-            <a:r>
-              <a:rPr lang="en-US" dirty="0"/>
-              <a:t>This method allows each sub-system to have just one single interface to communicate with all the other sub-systems connected to the common interface layer (i.e., with ten systems, there are only ten connections).  </a:t>
-            </a:r>
-          </a:p>
-          <a:p>
-            <a:r>
-              <a:rPr lang="en-US" dirty="0"/>
-              <a:t>The benefit of this method is also that each sub-system can be changed or even replaced without having to redo the interfaces of any other systems.</a:t>
+              <a:t>A legacy system refers to outdated computer systems, programming languages or application software that are used instead of available upgraded versions.</a:t>
+            </a:r>
+          </a:p>
+          <a:p>
+            <a:r>
+              <a:rPr lang="en-US" dirty="0"/>
+              <a:t>A legacy system is not necessarily defined by age.</a:t>
+            </a:r>
+          </a:p>
+          <a:p>
+            <a:pPr lvl="1"/>
+            <a:r>
+              <a:rPr lang="en-US" dirty="0"/>
+              <a:t>Legacy may refer to lack of vendor support or</a:t>
+            </a:r>
+          </a:p>
+          <a:p>
+            <a:pPr lvl="1"/>
+            <a:r>
+              <a:rPr lang="en-US" dirty="0"/>
+              <a:t>A system's incapacity to meet organizational requirements. For example, a large mainframe may use a 64-bit Java, while a Linux platform might utilize code from the1960s.</a:t>
+            </a:r>
+          </a:p>
+          <a:p>
+            <a:pPr lvl="1"/>
+            <a:r>
+              <a:rPr lang="en-US" dirty="0"/>
+              <a:t>Legacy conditions refer to a system's difficulty (or inability) to be maintained, supported or improved. A legacy system is usually incompatible with newly purchased systems.</a:t>
+            </a:r>
+          </a:p>
+          <a:p>
+            <a:r>
+              <a:rPr lang="en-US" dirty="0"/>
+              <a:t>An organization might continue to use legacy systems for a wide range of reasons, such as the following:</a:t>
+            </a:r>
+          </a:p>
+          <a:p>
+            <a:pPr lvl="1"/>
+            <a:r>
+              <a:rPr lang="en-US" dirty="0"/>
+              <a:t>"If it is not broken." The system might work adequately.</a:t>
+            </a:r>
+          </a:p>
+          <a:p>
+            <a:pPr lvl="1"/>
+            <a:r>
+              <a:rPr lang="en-US" dirty="0"/>
+              <a:t>The system is complex, and documentation is poor. Simply defining scope can be difficult.</a:t>
+            </a:r>
+          </a:p>
+          <a:p>
+            <a:pPr lvl="1"/>
+            <a:r>
+              <a:rPr lang="en-US" dirty="0"/>
+              <a:t>A redesign is costly, due to complexity or monolithic architecture.</a:t>
             </a:r>
           </a:p>
         </p:txBody>
@@ -14217,7 +14266,7 @@
     </p:spTree>
     <p:extLst>
       <p:ext uri="{BB962C8B-B14F-4D97-AF65-F5344CB8AC3E}">
-        <p14:creationId xmlns:p14="http://schemas.microsoft.com/office/powerpoint/2010/main" val="1888378477"/>
+        <p14:creationId xmlns:p14="http://schemas.microsoft.com/office/powerpoint/2010/main" val="4168407607"/>
       </p:ext>
     </p:extLst>
   </p:cSld>
@@ -14261,7 +14310,7 @@
           <a:p>
             <a:r>
               <a:rPr lang="en-US" dirty="0"/>
-              <a:t>Common Data Format integration</a:t>
+              <a:t>Integrated system vs. Legacy system</a:t>
             </a:r>
           </a:p>
         </p:txBody>
@@ -14285,25 +14334,38 @@
           <a:p>
             <a:r>
               <a:rPr lang="en-US" dirty="0"/>
-              <a:t>Integrating different IT systems into each other usually requires that the data coming out from one system needs to be transformed into a different data format used by the receiving system.  </a:t>
-            </a:r>
-          </a:p>
-          <a:p>
-            <a:r>
-              <a:rPr lang="en-US" dirty="0"/>
-              <a:t>As with the Star Integration, if each transformation needs to be done system-by-system basis, the number of data transformations increases significantly and becomes a high-maintenance task.  </a:t>
-            </a:r>
-          </a:p>
-          <a:p>
-            <a:r>
-              <a:rPr lang="en-US" dirty="0"/>
-              <a:t>To overcome this problem, the common data format approach allows each system to do only one data conversion from its native format to the common (and vice versa).  </a:t>
-            </a:r>
-          </a:p>
-          <a:p>
-            <a:r>
-              <a:rPr lang="en-US" dirty="0"/>
-              <a:t>This way, the number of required data transformations is just as high as the number of the sub-system.</a:t>
+              <a:t>Integrated system</a:t>
+            </a:r>
+          </a:p>
+          <a:p>
+            <a:pPr lvl="1"/>
+            <a:r>
+              <a:rPr lang="en-US" dirty="0"/>
+              <a:t>Technology dependency: independent of platforms, programming languages, database programming, database schema and </a:t>
+            </a:r>
+            <a:r>
+              <a:rPr lang="en-US" dirty="0" err="1"/>
+              <a:t>etc</a:t>
+            </a:r>
+            <a:endParaRPr lang="en-US" dirty="0"/>
+          </a:p>
+          <a:p>
+            <a:pPr lvl="1"/>
+            <a:r>
+              <a:rPr lang="en-US" dirty="0"/>
+              <a:t>Competitive advantage: integrated system let an organization be competitive in a time in which Technology is changed from time to time, growing needs for information availability and accessibility is happened, and </a:t>
+            </a:r>
+            <a:r>
+              <a:rPr lang="en-US" dirty="0" err="1"/>
+              <a:t>etc</a:t>
+            </a:r>
+            <a:endParaRPr lang="en-US" dirty="0"/>
+          </a:p>
+          <a:p>
+            <a:pPr lvl="1"/>
+            <a:r>
+              <a:rPr lang="en-US" dirty="0"/>
+              <a:t>Integrated system designed with consideration modification and evolution to meet new and constantly changing business requirements.</a:t>
             </a:r>
           </a:p>
         </p:txBody>
@@ -14335,7 +14397,7 @@
     </p:spTree>
     <p:extLst>
       <p:ext uri="{BB962C8B-B14F-4D97-AF65-F5344CB8AC3E}">
-        <p14:creationId xmlns:p14="http://schemas.microsoft.com/office/powerpoint/2010/main" val="1635272410"/>
+        <p14:creationId xmlns:p14="http://schemas.microsoft.com/office/powerpoint/2010/main" val="3269652924"/>
       </p:ext>
     </p:extLst>
   </p:cSld>
@@ -14364,7 +14426,7 @@
       </p:grpSpPr>
       <p:sp>
         <p:nvSpPr>
-          <p:cNvPr id="4" name="Title 3"/>
+          <p:cNvPr id="2" name="Title 1"/>
           <p:cNvSpPr>
             <a:spLocks noGrp="1"/>
           </p:cNvSpPr>
@@ -14379,33 +14441,39 @@
           <a:p>
             <a:r>
               <a:rPr lang="en-US" dirty="0"/>
-              <a:t>Integrated system vs. Legacy System</a:t>
-            </a:r>
-          </a:p>
-        </p:txBody>
-      </p:sp>
-      <p:sp>
-        <p:nvSpPr>
-          <p:cNvPr id="5" name="Text Placeholder 4"/>
-          <p:cNvSpPr>
-            <a:spLocks noGrp="1"/>
-          </p:cNvSpPr>
-          <p:nvPr>
-            <p:ph type="body" idx="1"/>
-          </p:nvPr>
-        </p:nvSpPr>
-        <p:spPr/>
-        <p:txBody>
-          <a:bodyPr/>
-          <a:lstStyle/>
-          <a:p>
-            <a:endParaRPr lang="en-US"/>
-          </a:p>
-        </p:txBody>
-      </p:sp>
-      <p:sp>
-        <p:nvSpPr>
-          <p:cNvPr id="2" name="Slide Number Placeholder 1"/>
+              <a:t>Integrated system vs. Legacy system</a:t>
+            </a:r>
+          </a:p>
+        </p:txBody>
+      </p:sp>
+      <p:graphicFrame>
+        <p:nvGraphicFramePr>
+          <p:cNvPr id="5" name="Content Placeholder 4"/>
+          <p:cNvGraphicFramePr>
+            <a:graphicFrameLocks noGrp="1"/>
+          </p:cNvGraphicFramePr>
+          <p:nvPr>
+            <p:ph idx="1"/>
+            <p:extLst>
+              <p:ext uri="{D42A27DB-BD31-4B8C-83A1-F6EECF244321}">
+                <p14:modId xmlns:p14="http://schemas.microsoft.com/office/powerpoint/2010/main" val="1114734172"/>
+              </p:ext>
+            </p:extLst>
+          </p:nvPr>
+        </p:nvGraphicFramePr>
+        <p:xfrm>
+          <a:off x="347663" y="995363"/>
+          <a:ext cx="11650662" cy="5470525"/>
+        </p:xfrm>
+        <a:graphic>
+          <a:graphicData uri="http://schemas.openxmlformats.org/drawingml/2006/diagram">
+            <dgm:relIds xmlns:dgm="http://schemas.openxmlformats.org/drawingml/2006/diagram" xmlns:r="http://schemas.openxmlformats.org/officeDocument/2006/relationships" r:dm="rId2" r:lo="rId3" r:qs="rId4" r:cs="rId5"/>
+          </a:graphicData>
+        </a:graphic>
+      </p:graphicFrame>
+      <p:sp>
+        <p:nvSpPr>
+          <p:cNvPr id="4" name="Slide Number Placeholder 3"/>
           <p:cNvSpPr>
             <a:spLocks noGrp="1"/>
           </p:cNvSpPr>
@@ -14420,16 +14488,17 @@
           <a:p>
             <a:fld id="{B8DACC02-A2BD-4578-8E03-6D891060A695}" type="slidenum">
               <a:rPr lang="en-US" smtClean="0"/>
+              <a:pPr/>
               <a:t>26</a:t>
             </a:fld>
-            <a:endParaRPr lang="en-US"/>
+            <a:endParaRPr lang="en-US" dirty="0"/>
           </a:p>
         </p:txBody>
       </p:sp>
     </p:spTree>
     <p:extLst>
       <p:ext uri="{BB962C8B-B14F-4D97-AF65-F5344CB8AC3E}">
-        <p14:creationId xmlns:p14="http://schemas.microsoft.com/office/powerpoint/2010/main" val="4075390909"/>
+        <p14:creationId xmlns:p14="http://schemas.microsoft.com/office/powerpoint/2010/main" val="992817289"/>
       </p:ext>
     </p:extLst>
   </p:cSld>
@@ -14458,7 +14527,13 @@
       </p:grpSpPr>
       <p:sp>
         <p:nvSpPr>
-          <p:cNvPr id="2" name="Title 1"/>
+          <p:cNvPr id="2" name="Title 1">
+            <a:extLst>
+              <a:ext uri="{FF2B5EF4-FFF2-40B4-BE49-F238E27FC236}">
+                <a16:creationId xmlns:a16="http://schemas.microsoft.com/office/drawing/2014/main" id="{8CDB4D21-E51A-9E44-A22F-3E3E4B7087D6}"/>
+              </a:ext>
+            </a:extLst>
+          </p:cNvPr>
           <p:cNvSpPr>
             <a:spLocks noGrp="1"/>
           </p:cNvSpPr>
@@ -14473,14 +14548,20 @@
           <a:p>
             <a:r>
               <a:rPr lang="en-US" dirty="0"/>
-              <a:t>Legacy System</a:t>
-            </a:r>
-          </a:p>
-        </p:txBody>
-      </p:sp>
-      <p:sp>
-        <p:nvSpPr>
-          <p:cNvPr id="3" name="Content Placeholder 2"/>
+              <a:t>Legacy systems modernization and migration</a:t>
+            </a:r>
+          </a:p>
+        </p:txBody>
+      </p:sp>
+      <p:sp>
+        <p:nvSpPr>
+          <p:cNvPr id="3" name="Content Placeholder 2">
+            <a:extLst>
+              <a:ext uri="{FF2B5EF4-FFF2-40B4-BE49-F238E27FC236}">
+                <a16:creationId xmlns:a16="http://schemas.microsoft.com/office/drawing/2014/main" id="{CC02241E-31B2-A8D6-A9CA-EE0FC38461D5}"/>
+              </a:ext>
+            </a:extLst>
+          </p:cNvPr>
           <p:cNvSpPr>
             <a:spLocks noGrp="1"/>
           </p:cNvSpPr>
@@ -14490,100 +14571,38 @@
         </p:nvSpPr>
         <p:spPr/>
         <p:txBody>
-          <a:bodyPr>
-            <a:normAutofit fontScale="92500"/>
-          </a:bodyPr>
-          <a:lstStyle/>
-          <a:p>
-            <a:r>
-              <a:rPr lang="en-US" dirty="0"/>
-              <a:t>A legacy system refers to outdated computer systems, programming languages or application software that are used instead of available upgraded versions.</a:t>
-            </a:r>
-          </a:p>
-          <a:p>
-            <a:r>
-              <a:rPr lang="en-US" dirty="0"/>
-              <a:t>A legacy system is not necessarily defined by age.</a:t>
-            </a:r>
-          </a:p>
-          <a:p>
-            <a:pPr lvl="1"/>
-            <a:r>
-              <a:rPr lang="en-US" dirty="0"/>
-              <a:t>Legacy may refer to lack of vendor support or</a:t>
-            </a:r>
-          </a:p>
-          <a:p>
-            <a:pPr lvl="1"/>
-            <a:r>
-              <a:rPr lang="en-US" dirty="0"/>
-              <a:t>A system's incapacity to meet organizational requirements. For example, a large mainframe may use a 64-bit Java, while a Linux platform might utilize code from the1960s.</a:t>
-            </a:r>
-          </a:p>
-          <a:p>
-            <a:pPr lvl="1"/>
-            <a:r>
-              <a:rPr lang="en-US" dirty="0"/>
-              <a:t>Legacy conditions refer to a system's difficulty (or inability) to be maintained, supported or improved. A legacy system is usually incompatible with newly purchased systems.</a:t>
-            </a:r>
-          </a:p>
-          <a:p>
-            <a:r>
-              <a:rPr lang="en-US" dirty="0"/>
-              <a:t>An organization might continue to use legacy systems for a wide range of reasons, such as the following:</a:t>
-            </a:r>
-          </a:p>
-          <a:p>
-            <a:pPr lvl="1"/>
-            <a:r>
-              <a:rPr lang="en-US" dirty="0"/>
-              <a:t>"If it is not broken." The system might work adequately.</a:t>
-            </a:r>
-          </a:p>
-          <a:p>
-            <a:pPr lvl="1"/>
-            <a:r>
-              <a:rPr lang="en-US" dirty="0"/>
-              <a:t>The system is complex, and documentation is poor. Simply defining scope can be difficult.</a:t>
-            </a:r>
-          </a:p>
-          <a:p>
-            <a:pPr lvl="1"/>
-            <a:r>
-              <a:rPr lang="en-US" dirty="0"/>
-              <a:t>A redesign is costly, due to complexity or monolithic architecture.</a:t>
-            </a:r>
-          </a:p>
-        </p:txBody>
-      </p:sp>
-      <p:sp>
-        <p:nvSpPr>
-          <p:cNvPr id="4" name="Slide Number Placeholder 3"/>
-          <p:cNvSpPr>
-            <a:spLocks noGrp="1"/>
-          </p:cNvSpPr>
-          <p:nvPr>
-            <p:ph type="sldNum" sz="quarter" idx="12"/>
-          </p:nvPr>
-        </p:nvSpPr>
-        <p:spPr/>
-        <p:txBody>
           <a:bodyPr/>
           <a:lstStyle/>
           <a:p>
-            <a:fld id="{B8DACC02-A2BD-4578-8E03-6D891060A695}" type="slidenum">
-              <a:rPr lang="en-US" smtClean="0"/>
-              <a:pPr/>
-              <a:t>27</a:t>
-            </a:fld>
-            <a:endParaRPr lang="en-US" dirty="0"/>
+            <a:r>
+              <a:rPr lang="en-US" dirty="0"/>
+              <a:t>Legacy systems and applications cannot be maintained at a functioning level forever. </a:t>
+            </a:r>
+          </a:p>
+          <a:p>
+            <a:r>
+              <a:rPr lang="en-US" dirty="0"/>
+              <a:t>At some point, most enterprises will update or replace outdated hardware, coding language, OSes and software.</a:t>
+            </a:r>
+          </a:p>
+          <a:p>
+            <a:r>
+              <a:rPr lang="en-US" dirty="0"/>
+              <a:t>Legacy system and software modernization and migration often involves refactoring, which is the restructuring of a system's code to make it compatible with a new platform. </a:t>
+            </a:r>
+          </a:p>
+          <a:p>
+            <a:r>
+              <a:rPr lang="en-US" dirty="0"/>
+              <a:t>An enterprise conducting a legacy system modernization or migration must first evaluate which components of its system need to be addressed</a:t>
+            </a:r>
           </a:p>
         </p:txBody>
       </p:sp>
     </p:spTree>
     <p:extLst>
       <p:ext uri="{BB962C8B-B14F-4D97-AF65-F5344CB8AC3E}">
-        <p14:creationId xmlns:p14="http://schemas.microsoft.com/office/powerpoint/2010/main" val="4168407607"/>
+        <p14:creationId xmlns:p14="http://schemas.microsoft.com/office/powerpoint/2010/main" val="2159076777"/>
       </p:ext>
     </p:extLst>
   </p:cSld>
@@ -14612,437 +14631,6 @@
       </p:grpSpPr>
       <p:sp>
         <p:nvSpPr>
-          <p:cNvPr id="2" name="Title 1"/>
-          <p:cNvSpPr>
-            <a:spLocks noGrp="1"/>
-          </p:cNvSpPr>
-          <p:nvPr>
-            <p:ph type="title"/>
-          </p:nvPr>
-        </p:nvSpPr>
-        <p:spPr/>
-        <p:txBody>
-          <a:bodyPr/>
-          <a:lstStyle/>
-          <a:p>
-            <a:r>
-              <a:rPr lang="en-US" dirty="0"/>
-              <a:t>Integrated system vs. Legacy system</a:t>
-            </a:r>
-          </a:p>
-        </p:txBody>
-      </p:sp>
-      <p:sp>
-        <p:nvSpPr>
-          <p:cNvPr id="3" name="Content Placeholder 2"/>
-          <p:cNvSpPr>
-            <a:spLocks noGrp="1"/>
-          </p:cNvSpPr>
-          <p:nvPr>
-            <p:ph idx="1"/>
-          </p:nvPr>
-        </p:nvSpPr>
-        <p:spPr/>
-        <p:txBody>
-          <a:bodyPr>
-            <a:normAutofit/>
-          </a:bodyPr>
-          <a:lstStyle/>
-          <a:p>
-            <a:r>
-              <a:rPr lang="en-US" dirty="0"/>
-              <a:t>Integrated system</a:t>
-            </a:r>
-          </a:p>
-          <a:p>
-            <a:pPr lvl="1"/>
-            <a:r>
-              <a:rPr lang="en-US" dirty="0"/>
-              <a:t>Technology dependency: independent of platforms, programming languages, database programming, database schema and </a:t>
-            </a:r>
-            <a:r>
-              <a:rPr lang="en-US" dirty="0" err="1"/>
-              <a:t>etc</a:t>
-            </a:r>
-            <a:endParaRPr lang="en-US" dirty="0"/>
-          </a:p>
-          <a:p>
-            <a:pPr lvl="1"/>
-            <a:r>
-              <a:rPr lang="en-US" dirty="0"/>
-              <a:t>Competitive advantage: integrated system let an organization be competitive in a time in which Technology is changed from time to time, growing needs for information availability and accessibility is happened, and </a:t>
-            </a:r>
-            <a:r>
-              <a:rPr lang="en-US" dirty="0" err="1"/>
-              <a:t>etc</a:t>
-            </a:r>
-            <a:endParaRPr lang="en-US" dirty="0"/>
-          </a:p>
-          <a:p>
-            <a:pPr lvl="1"/>
-            <a:r>
-              <a:rPr lang="en-US" dirty="0"/>
-              <a:t>Integrated system designed with consideration modification and evolution to meet new and constantly changing business requirements.</a:t>
-            </a:r>
-          </a:p>
-        </p:txBody>
-      </p:sp>
-      <p:sp>
-        <p:nvSpPr>
-          <p:cNvPr id="4" name="Slide Number Placeholder 3"/>
-          <p:cNvSpPr>
-            <a:spLocks noGrp="1"/>
-          </p:cNvSpPr>
-          <p:nvPr>
-            <p:ph type="sldNum" sz="quarter" idx="12"/>
-          </p:nvPr>
-        </p:nvSpPr>
-        <p:spPr/>
-        <p:txBody>
-          <a:bodyPr/>
-          <a:lstStyle/>
-          <a:p>
-            <a:fld id="{B8DACC02-A2BD-4578-8E03-6D891060A695}" type="slidenum">
-              <a:rPr lang="en-US" smtClean="0"/>
-              <a:pPr/>
-              <a:t>28</a:t>
-            </a:fld>
-            <a:endParaRPr lang="en-US" dirty="0"/>
-          </a:p>
-        </p:txBody>
-      </p:sp>
-    </p:spTree>
-    <p:extLst>
-      <p:ext uri="{BB962C8B-B14F-4D97-AF65-F5344CB8AC3E}">
-        <p14:creationId xmlns:p14="http://schemas.microsoft.com/office/powerpoint/2010/main" val="3269652924"/>
-      </p:ext>
-    </p:extLst>
-  </p:cSld>
-  <p:clrMapOvr>
-    <a:masterClrMapping/>
-  </p:clrMapOvr>
-</p:sld>
-</file>
-
-<file path=ppt/slides/slide29.xml><?xml version="1.0" encoding="utf-8"?>
-<p:sld xmlns:a="http://schemas.openxmlformats.org/drawingml/2006/main" xmlns:r="http://schemas.openxmlformats.org/officeDocument/2006/relationships" xmlns:p="http://schemas.openxmlformats.org/presentationml/2006/main">
-  <p:cSld>
-    <p:spTree>
-      <p:nvGrpSpPr>
-        <p:cNvPr id="1" name=""/>
-        <p:cNvGrpSpPr/>
-        <p:nvPr/>
-      </p:nvGrpSpPr>
-      <p:grpSpPr>
-        <a:xfrm>
-          <a:off x="0" y="0"/>
-          <a:ext cx="0" cy="0"/>
-          <a:chOff x="0" y="0"/>
-          <a:chExt cx="0" cy="0"/>
-        </a:xfrm>
-      </p:grpSpPr>
-      <p:sp>
-        <p:nvSpPr>
-          <p:cNvPr id="2" name="Title 1"/>
-          <p:cNvSpPr>
-            <a:spLocks noGrp="1"/>
-          </p:cNvSpPr>
-          <p:nvPr>
-            <p:ph type="title"/>
-          </p:nvPr>
-        </p:nvSpPr>
-        <p:spPr/>
-        <p:txBody>
-          <a:bodyPr/>
-          <a:lstStyle/>
-          <a:p>
-            <a:r>
-              <a:rPr lang="en-US" dirty="0"/>
-              <a:t>Integrated system vs. Legacy system</a:t>
-            </a:r>
-          </a:p>
-        </p:txBody>
-      </p:sp>
-      <p:graphicFrame>
-        <p:nvGraphicFramePr>
-          <p:cNvPr id="5" name="Content Placeholder 4"/>
-          <p:cNvGraphicFramePr>
-            <a:graphicFrameLocks noGrp="1"/>
-          </p:cNvGraphicFramePr>
-          <p:nvPr>
-            <p:ph idx="1"/>
-            <p:extLst>
-              <p:ext uri="{D42A27DB-BD31-4B8C-83A1-F6EECF244321}">
-                <p14:modId xmlns:p14="http://schemas.microsoft.com/office/powerpoint/2010/main" val="1114734172"/>
-              </p:ext>
-            </p:extLst>
-          </p:nvPr>
-        </p:nvGraphicFramePr>
-        <p:xfrm>
-          <a:off x="347663" y="995363"/>
-          <a:ext cx="11650662" cy="5470525"/>
-        </p:xfrm>
-        <a:graphic>
-          <a:graphicData uri="http://schemas.openxmlformats.org/drawingml/2006/diagram">
-            <dgm:relIds xmlns:dgm="http://schemas.openxmlformats.org/drawingml/2006/diagram" xmlns:r="http://schemas.openxmlformats.org/officeDocument/2006/relationships" r:dm="rId2" r:lo="rId3" r:qs="rId4" r:cs="rId5"/>
-          </a:graphicData>
-        </a:graphic>
-      </p:graphicFrame>
-      <p:sp>
-        <p:nvSpPr>
-          <p:cNvPr id="4" name="Slide Number Placeholder 3"/>
-          <p:cNvSpPr>
-            <a:spLocks noGrp="1"/>
-          </p:cNvSpPr>
-          <p:nvPr>
-            <p:ph type="sldNum" sz="quarter" idx="12"/>
-          </p:nvPr>
-        </p:nvSpPr>
-        <p:spPr/>
-        <p:txBody>
-          <a:bodyPr/>
-          <a:lstStyle/>
-          <a:p>
-            <a:fld id="{B8DACC02-A2BD-4578-8E03-6D891060A695}" type="slidenum">
-              <a:rPr lang="en-US" smtClean="0"/>
-              <a:pPr/>
-              <a:t>29</a:t>
-            </a:fld>
-            <a:endParaRPr lang="en-US" dirty="0"/>
-          </a:p>
-        </p:txBody>
-      </p:sp>
-    </p:spTree>
-    <p:extLst>
-      <p:ext uri="{BB962C8B-B14F-4D97-AF65-F5344CB8AC3E}">
-        <p14:creationId xmlns:p14="http://schemas.microsoft.com/office/powerpoint/2010/main" val="992817289"/>
-      </p:ext>
-    </p:extLst>
-  </p:cSld>
-  <p:clrMapOvr>
-    <a:masterClrMapping/>
-  </p:clrMapOvr>
-</p:sld>
-</file>
-
-<file path=ppt/slides/slide3.xml><?xml version="1.0" encoding="utf-8"?>
-<p:sld xmlns:a="http://schemas.openxmlformats.org/drawingml/2006/main" xmlns:r="http://schemas.openxmlformats.org/officeDocument/2006/relationships" xmlns:p="http://schemas.openxmlformats.org/presentationml/2006/main">
-  <p:cSld>
-    <p:spTree>
-      <p:nvGrpSpPr>
-        <p:cNvPr id="1" name=""/>
-        <p:cNvGrpSpPr/>
-        <p:nvPr/>
-      </p:nvGrpSpPr>
-      <p:grpSpPr>
-        <a:xfrm>
-          <a:off x="0" y="0"/>
-          <a:ext cx="0" cy="0"/>
-          <a:chOff x="0" y="0"/>
-          <a:chExt cx="0" cy="0"/>
-        </a:xfrm>
-      </p:grpSpPr>
-      <p:sp>
-        <p:nvSpPr>
-          <p:cNvPr id="5" name="Title 4"/>
-          <p:cNvSpPr>
-            <a:spLocks noGrp="1"/>
-          </p:cNvSpPr>
-          <p:nvPr>
-            <p:ph type="title"/>
-          </p:nvPr>
-        </p:nvSpPr>
-        <p:spPr/>
-        <p:txBody>
-          <a:bodyPr/>
-          <a:lstStyle/>
-          <a:p>
-            <a:r>
-              <a:rPr lang="en-US" dirty="0"/>
-              <a:t>Introduction</a:t>
-            </a:r>
-          </a:p>
-        </p:txBody>
-      </p:sp>
-      <p:sp>
-        <p:nvSpPr>
-          <p:cNvPr id="6" name="Text Placeholder 5"/>
-          <p:cNvSpPr>
-            <a:spLocks noGrp="1"/>
-          </p:cNvSpPr>
-          <p:nvPr>
-            <p:ph type="body" idx="1"/>
-          </p:nvPr>
-        </p:nvSpPr>
-        <p:spPr/>
-        <p:txBody>
-          <a:bodyPr/>
-          <a:lstStyle/>
-          <a:p>
-            <a:endParaRPr lang="en-US"/>
-          </a:p>
-        </p:txBody>
-      </p:sp>
-      <p:sp>
-        <p:nvSpPr>
-          <p:cNvPr id="4" name="Slide Number Placeholder 3"/>
-          <p:cNvSpPr>
-            <a:spLocks noGrp="1"/>
-          </p:cNvSpPr>
-          <p:nvPr>
-            <p:ph type="sldNum" sz="quarter" idx="12"/>
-          </p:nvPr>
-        </p:nvSpPr>
-        <p:spPr/>
-        <p:txBody>
-          <a:bodyPr/>
-          <a:lstStyle/>
-          <a:p>
-            <a:fld id="{B8DACC02-A2BD-4578-8E03-6D891060A695}" type="slidenum">
-              <a:rPr lang="en-US" smtClean="0"/>
-              <a:pPr/>
-              <a:t>3</a:t>
-            </a:fld>
-            <a:endParaRPr lang="en-US" dirty="0"/>
-          </a:p>
-        </p:txBody>
-      </p:sp>
-    </p:spTree>
-    <p:extLst>
-      <p:ext uri="{BB962C8B-B14F-4D97-AF65-F5344CB8AC3E}">
-        <p14:creationId xmlns:p14="http://schemas.microsoft.com/office/powerpoint/2010/main" val="2107866549"/>
-      </p:ext>
-    </p:extLst>
-  </p:cSld>
-  <p:clrMapOvr>
-    <a:masterClrMapping/>
-  </p:clrMapOvr>
-</p:sld>
-</file>
-
-<file path=ppt/slides/slide30.xml><?xml version="1.0" encoding="utf-8"?>
-<p:sld xmlns:a="http://schemas.openxmlformats.org/drawingml/2006/main" xmlns:r="http://schemas.openxmlformats.org/officeDocument/2006/relationships" xmlns:p="http://schemas.openxmlformats.org/presentationml/2006/main">
-  <p:cSld>
-    <p:spTree>
-      <p:nvGrpSpPr>
-        <p:cNvPr id="1" name=""/>
-        <p:cNvGrpSpPr/>
-        <p:nvPr/>
-      </p:nvGrpSpPr>
-      <p:grpSpPr>
-        <a:xfrm>
-          <a:off x="0" y="0"/>
-          <a:ext cx="0" cy="0"/>
-          <a:chOff x="0" y="0"/>
-          <a:chExt cx="0" cy="0"/>
-        </a:xfrm>
-      </p:grpSpPr>
-      <p:sp>
-        <p:nvSpPr>
-          <p:cNvPr id="2" name="Title 1">
-            <a:extLst>
-              <a:ext uri="{FF2B5EF4-FFF2-40B4-BE49-F238E27FC236}">
-                <a16:creationId xmlns:a16="http://schemas.microsoft.com/office/drawing/2014/main" id="{8CDB4D21-E51A-9E44-A22F-3E3E4B7087D6}"/>
-              </a:ext>
-            </a:extLst>
-          </p:cNvPr>
-          <p:cNvSpPr>
-            <a:spLocks noGrp="1"/>
-          </p:cNvSpPr>
-          <p:nvPr>
-            <p:ph type="title"/>
-          </p:nvPr>
-        </p:nvSpPr>
-        <p:spPr/>
-        <p:txBody>
-          <a:bodyPr/>
-          <a:lstStyle/>
-          <a:p>
-            <a:r>
-              <a:rPr lang="en-US" dirty="0"/>
-              <a:t>Legacy systems modernization and migration</a:t>
-            </a:r>
-          </a:p>
-        </p:txBody>
-      </p:sp>
-      <p:sp>
-        <p:nvSpPr>
-          <p:cNvPr id="3" name="Content Placeholder 2">
-            <a:extLst>
-              <a:ext uri="{FF2B5EF4-FFF2-40B4-BE49-F238E27FC236}">
-                <a16:creationId xmlns:a16="http://schemas.microsoft.com/office/drawing/2014/main" id="{CC02241E-31B2-A8D6-A9CA-EE0FC38461D5}"/>
-              </a:ext>
-            </a:extLst>
-          </p:cNvPr>
-          <p:cNvSpPr>
-            <a:spLocks noGrp="1"/>
-          </p:cNvSpPr>
-          <p:nvPr>
-            <p:ph idx="1"/>
-          </p:nvPr>
-        </p:nvSpPr>
-        <p:spPr/>
-        <p:txBody>
-          <a:bodyPr/>
-          <a:lstStyle/>
-          <a:p>
-            <a:r>
-              <a:rPr lang="en-US" dirty="0"/>
-              <a:t>Legacy systems and applications cannot be maintained at a functioning level forever. </a:t>
-            </a:r>
-          </a:p>
-          <a:p>
-            <a:r>
-              <a:rPr lang="en-US" dirty="0"/>
-              <a:t>At some point, most enterprises will update or replace outdated hardware, coding language, OSes and software.</a:t>
-            </a:r>
-          </a:p>
-          <a:p>
-            <a:r>
-              <a:rPr lang="en-US" dirty="0"/>
-              <a:t>Legacy system and software modernization and migration often involves refactoring, which is the restructuring of a system's code to make it compatible with a new platform. </a:t>
-            </a:r>
-          </a:p>
-          <a:p>
-            <a:r>
-              <a:rPr lang="en-US" dirty="0"/>
-              <a:t>An enterprise conducting a legacy system modernization or migration must first evaluate which components of its system need to be addressed</a:t>
-            </a:r>
-          </a:p>
-        </p:txBody>
-      </p:sp>
-    </p:spTree>
-    <p:extLst>
-      <p:ext uri="{BB962C8B-B14F-4D97-AF65-F5344CB8AC3E}">
-        <p14:creationId xmlns:p14="http://schemas.microsoft.com/office/powerpoint/2010/main" val="2159076777"/>
-      </p:ext>
-    </p:extLst>
-  </p:cSld>
-  <p:clrMapOvr>
-    <a:masterClrMapping/>
-  </p:clrMapOvr>
-</p:sld>
-</file>
-
-<file path=ppt/slides/slide31.xml><?xml version="1.0" encoding="utf-8"?>
-<p:sld xmlns:a="http://schemas.openxmlformats.org/drawingml/2006/main" xmlns:r="http://schemas.openxmlformats.org/officeDocument/2006/relationships" xmlns:p="http://schemas.openxmlformats.org/presentationml/2006/main">
-  <p:cSld>
-    <p:spTree>
-      <p:nvGrpSpPr>
-        <p:cNvPr id="1" name=""/>
-        <p:cNvGrpSpPr/>
-        <p:nvPr/>
-      </p:nvGrpSpPr>
-      <p:grpSpPr>
-        <a:xfrm>
-          <a:off x="0" y="0"/>
-          <a:ext cx="0" cy="0"/>
-          <a:chOff x="0" y="0"/>
-          <a:chExt cx="0" cy="0"/>
-        </a:xfrm>
-      </p:grpSpPr>
-      <p:sp>
-        <p:nvSpPr>
           <p:cNvPr id="2" name="Title 1">
             <a:extLst>
               <a:ext uri="{FF2B5EF4-FFF2-40B4-BE49-F238E27FC236}">
@@ -15136,7 +14724,7 @@
 </p:sld>
 </file>
 
-<file path=ppt/slides/slide32.xml><?xml version="1.0" encoding="utf-8"?>
+<file path=ppt/slides/slide29.xml><?xml version="1.0" encoding="utf-8"?>
 <p:sld xmlns:a="http://schemas.openxmlformats.org/drawingml/2006/main" xmlns:r="http://schemas.openxmlformats.org/officeDocument/2006/relationships" xmlns:p="http://schemas.openxmlformats.org/presentationml/2006/main">
   <p:cSld>
     <p:spTree>
@@ -15264,7 +14852,7 @@
 </p:sld>
 </file>
 
-<file path=ppt/slides/slide33.xml><?xml version="1.0" encoding="utf-8"?>
+<file path=ppt/slides/slide3.xml><?xml version="1.0" encoding="utf-8"?>
 <p:sld xmlns:a="http://schemas.openxmlformats.org/drawingml/2006/main" xmlns:r="http://schemas.openxmlformats.org/officeDocument/2006/relationships" xmlns:p="http://schemas.openxmlformats.org/presentationml/2006/main">
   <p:cSld>
     <p:spTree>
@@ -15283,6 +14871,102 @@
       </p:grpSpPr>
       <p:sp>
         <p:nvSpPr>
+          <p:cNvPr id="5" name="Title 4"/>
+          <p:cNvSpPr>
+            <a:spLocks noGrp="1"/>
+          </p:cNvSpPr>
+          <p:nvPr>
+            <p:ph type="title"/>
+          </p:nvPr>
+        </p:nvSpPr>
+        <p:spPr/>
+        <p:txBody>
+          <a:bodyPr/>
+          <a:lstStyle/>
+          <a:p>
+            <a:r>
+              <a:rPr lang="en-US" dirty="0"/>
+              <a:t>Definition of systems integration</a:t>
+            </a:r>
+            <a:endParaRPr lang="en-US" dirty="0"/>
+          </a:p>
+        </p:txBody>
+      </p:sp>
+      <p:sp>
+        <p:nvSpPr>
+          <p:cNvPr id="6" name="Text Placeholder 5"/>
+          <p:cNvSpPr>
+            <a:spLocks noGrp="1"/>
+          </p:cNvSpPr>
+          <p:nvPr>
+            <p:ph type="body" idx="1"/>
+          </p:nvPr>
+        </p:nvSpPr>
+        <p:spPr/>
+        <p:txBody>
+          <a:bodyPr/>
+          <a:lstStyle/>
+          <a:p>
+            <a:endParaRPr lang="en-US"/>
+          </a:p>
+        </p:txBody>
+      </p:sp>
+      <p:sp>
+        <p:nvSpPr>
+          <p:cNvPr id="4" name="Slide Number Placeholder 3"/>
+          <p:cNvSpPr>
+            <a:spLocks noGrp="1"/>
+          </p:cNvSpPr>
+          <p:nvPr>
+            <p:ph type="sldNum" sz="quarter" idx="12"/>
+          </p:nvPr>
+        </p:nvSpPr>
+        <p:spPr/>
+        <p:txBody>
+          <a:bodyPr/>
+          <a:lstStyle/>
+          <a:p>
+            <a:fld id="{B8DACC02-A2BD-4578-8E03-6D891060A695}" type="slidenum">
+              <a:rPr lang="en-US" smtClean="0"/>
+              <a:pPr/>
+              <a:t>3</a:t>
+            </a:fld>
+            <a:endParaRPr lang="en-US" dirty="0"/>
+          </a:p>
+        </p:txBody>
+      </p:sp>
+    </p:spTree>
+    <p:extLst>
+      <p:ext uri="{BB962C8B-B14F-4D97-AF65-F5344CB8AC3E}">
+        <p14:creationId xmlns:p14="http://schemas.microsoft.com/office/powerpoint/2010/main" val="2107866549"/>
+      </p:ext>
+    </p:extLst>
+  </p:cSld>
+  <p:clrMapOvr>
+    <a:masterClrMapping/>
+  </p:clrMapOvr>
+</p:sld>
+</file>
+
+<file path=ppt/slides/slide30.xml><?xml version="1.0" encoding="utf-8"?>
+<p:sld xmlns:a="http://schemas.openxmlformats.org/drawingml/2006/main" xmlns:r="http://schemas.openxmlformats.org/officeDocument/2006/relationships" xmlns:p="http://schemas.openxmlformats.org/presentationml/2006/main">
+  <p:cSld>
+    <p:spTree>
+      <p:nvGrpSpPr>
+        <p:cNvPr id="1" name=""/>
+        <p:cNvGrpSpPr/>
+        <p:nvPr/>
+      </p:nvGrpSpPr>
+      <p:grpSpPr>
+        <a:xfrm>
+          <a:off x="0" y="0"/>
+          <a:ext cx="0" cy="0"/>
+          <a:chOff x="0" y="0"/>
+          <a:chExt cx="0" cy="0"/>
+        </a:xfrm>
+      </p:grpSpPr>
+      <p:sp>
+        <p:nvSpPr>
           <p:cNvPr id="2" name="Title 1">
             <a:extLst>
               <a:ext uri="{FF2B5EF4-FFF2-40B4-BE49-F238E27FC236}">
@@ -15387,7 +15071,7 @@
 </p:sld>
 </file>
 
-<file path=ppt/slides/slide34.xml><?xml version="1.0" encoding="utf-8"?>
+<file path=ppt/slides/slide31.xml><?xml version="1.0" encoding="utf-8"?>
 <p:sld xmlns:a="http://schemas.openxmlformats.org/drawingml/2006/main" xmlns:r="http://schemas.openxmlformats.org/officeDocument/2006/relationships" xmlns:p="http://schemas.openxmlformats.org/presentationml/2006/main">
   <p:cSld>
     <p:spTree>
@@ -15515,6 +15199,391 @@
 </p:sld>
 </file>
 
+<file path=ppt/slides/slide32.xml><?xml version="1.0" encoding="utf-8"?>
+<p:sld xmlns:a="http://schemas.openxmlformats.org/drawingml/2006/main" xmlns:r="http://schemas.openxmlformats.org/officeDocument/2006/relationships" xmlns:p="http://schemas.openxmlformats.org/presentationml/2006/main">
+  <p:cSld>
+    <p:spTree>
+      <p:nvGrpSpPr>
+        <p:cNvPr id="1" name=""/>
+        <p:cNvGrpSpPr/>
+        <p:nvPr/>
+      </p:nvGrpSpPr>
+      <p:grpSpPr>
+        <a:xfrm>
+          <a:off x="0" y="0"/>
+          <a:ext cx="0" cy="0"/>
+          <a:chOff x="0" y="0"/>
+          <a:chExt cx="0" cy="0"/>
+        </a:xfrm>
+      </p:grpSpPr>
+      <p:sp>
+        <p:nvSpPr>
+          <p:cNvPr id="2" name="Title 1">
+            <a:extLst>
+              <a:ext uri="{FF2B5EF4-FFF2-40B4-BE49-F238E27FC236}">
+                <a16:creationId xmlns:a16="http://schemas.microsoft.com/office/drawing/2014/main" id="{5D1B1BCB-3D4E-1993-F9E5-ED8062DFBBD7}"/>
+              </a:ext>
+            </a:extLst>
+          </p:cNvPr>
+          <p:cNvSpPr>
+            <a:spLocks noGrp="1"/>
+          </p:cNvSpPr>
+          <p:nvPr>
+            <p:ph type="title"/>
+          </p:nvPr>
+        </p:nvSpPr>
+        <p:spPr/>
+        <p:txBody>
+          <a:bodyPr/>
+          <a:lstStyle/>
+          <a:p>
+            <a:r>
+              <a:rPr lang="en-US" dirty="0"/>
+              <a:t>Strategies for Legacy Modernization</a:t>
+            </a:r>
+          </a:p>
+        </p:txBody>
+      </p:sp>
+      <p:sp>
+        <p:nvSpPr>
+          <p:cNvPr id="3" name="Content Placeholder 2">
+            <a:extLst>
+              <a:ext uri="{FF2B5EF4-FFF2-40B4-BE49-F238E27FC236}">
+                <a16:creationId xmlns:a16="http://schemas.microsoft.com/office/drawing/2014/main" id="{FD3EDA14-0B99-D0DA-ECBC-6B7B81641DE2}"/>
+              </a:ext>
+            </a:extLst>
+          </p:cNvPr>
+          <p:cNvSpPr>
+            <a:spLocks noGrp="1"/>
+          </p:cNvSpPr>
+          <p:nvPr>
+            <p:ph idx="1"/>
+          </p:nvPr>
+        </p:nvSpPr>
+        <p:spPr/>
+        <p:txBody>
+          <a:bodyPr/>
+          <a:lstStyle/>
+          <a:p>
+            <a:r>
+              <a:rPr lang="en-US" dirty="0"/>
+              <a:t>Re-engineering </a:t>
+            </a:r>
+          </a:p>
+          <a:p>
+            <a:r>
+              <a:rPr lang="en-US" dirty="0"/>
+              <a:t>Wrap it up </a:t>
+            </a:r>
+          </a:p>
+          <a:p>
+            <a:r>
+              <a:rPr lang="en-US" dirty="0"/>
+              <a:t>Data migration </a:t>
+            </a:r>
+          </a:p>
+          <a:p>
+            <a:r>
+              <a:rPr lang="en-US" dirty="0"/>
+              <a:t>Decommission and replace </a:t>
+            </a:r>
+          </a:p>
+        </p:txBody>
+      </p:sp>
+    </p:spTree>
+    <p:extLst>
+      <p:ext uri="{BB962C8B-B14F-4D97-AF65-F5344CB8AC3E}">
+        <p14:creationId xmlns:p14="http://schemas.microsoft.com/office/powerpoint/2010/main" val="3821078113"/>
+      </p:ext>
+    </p:extLst>
+  </p:cSld>
+  <p:clrMapOvr>
+    <a:masterClrMapping/>
+  </p:clrMapOvr>
+</p:sld>
+</file>
+
+<file path=ppt/slides/slide33.xml><?xml version="1.0" encoding="utf-8"?>
+<p:sld xmlns:a="http://schemas.openxmlformats.org/drawingml/2006/main" xmlns:r="http://schemas.openxmlformats.org/officeDocument/2006/relationships" xmlns:p="http://schemas.openxmlformats.org/presentationml/2006/main">
+  <p:cSld>
+    <p:spTree>
+      <p:nvGrpSpPr>
+        <p:cNvPr id="1" name=""/>
+        <p:cNvGrpSpPr/>
+        <p:nvPr/>
+      </p:nvGrpSpPr>
+      <p:grpSpPr>
+        <a:xfrm>
+          <a:off x="0" y="0"/>
+          <a:ext cx="0" cy="0"/>
+          <a:chOff x="0" y="0"/>
+          <a:chExt cx="0" cy="0"/>
+        </a:xfrm>
+      </p:grpSpPr>
+      <p:sp>
+        <p:nvSpPr>
+          <p:cNvPr id="2" name="Title 1">
+            <a:extLst>
+              <a:ext uri="{FF2B5EF4-FFF2-40B4-BE49-F238E27FC236}">
+                <a16:creationId xmlns:a16="http://schemas.microsoft.com/office/drawing/2014/main" id="{5D1B1BCB-3D4E-1993-F9E5-ED8062DFBBD7}"/>
+              </a:ext>
+            </a:extLst>
+          </p:cNvPr>
+          <p:cNvSpPr>
+            <a:spLocks noGrp="1"/>
+          </p:cNvSpPr>
+          <p:nvPr>
+            <p:ph type="title"/>
+          </p:nvPr>
+        </p:nvSpPr>
+        <p:spPr/>
+        <p:txBody>
+          <a:bodyPr/>
+          <a:lstStyle/>
+          <a:p>
+            <a:r>
+              <a:rPr lang="en-US" dirty="0"/>
+              <a:t>Strategies for Legacy Modernization</a:t>
+            </a:r>
+          </a:p>
+        </p:txBody>
+      </p:sp>
+      <p:sp>
+        <p:nvSpPr>
+          <p:cNvPr id="3" name="Content Placeholder 2">
+            <a:extLst>
+              <a:ext uri="{FF2B5EF4-FFF2-40B4-BE49-F238E27FC236}">
+                <a16:creationId xmlns:a16="http://schemas.microsoft.com/office/drawing/2014/main" id="{FD3EDA14-0B99-D0DA-ECBC-6B7B81641DE2}"/>
+              </a:ext>
+            </a:extLst>
+          </p:cNvPr>
+          <p:cNvSpPr>
+            <a:spLocks noGrp="1"/>
+          </p:cNvSpPr>
+          <p:nvPr>
+            <p:ph idx="1"/>
+          </p:nvPr>
+        </p:nvSpPr>
+        <p:spPr/>
+        <p:txBody>
+          <a:bodyPr>
+            <a:normAutofit lnSpcReduction="10000"/>
+          </a:bodyPr>
+          <a:lstStyle/>
+          <a:p>
+            <a:r>
+              <a:rPr lang="en-US" dirty="0"/>
+              <a:t>Wrap it up </a:t>
+            </a:r>
+          </a:p>
+          <a:p>
+            <a:pPr lvl="1"/>
+            <a:r>
+              <a:rPr lang="en-US" dirty="0"/>
+              <a:t>Sometimes legacy systems are too expensive to fully re-engineer but still contain core functions and data which is valuable to the business. </a:t>
+            </a:r>
+          </a:p>
+          <a:p>
+            <a:pPr lvl="1"/>
+            <a:r>
+              <a:rPr lang="en-US" dirty="0"/>
+              <a:t>The difficulty is that the legacy system is placing a constraint on the agility of the organization. </a:t>
+            </a:r>
+          </a:p>
+          <a:p>
+            <a:pPr lvl="1"/>
+            <a:r>
+              <a:rPr lang="en-US" dirty="0"/>
+              <a:t>One approach is to wrap the legacy system in a façade using modern technologies and use the inter-operability of the modern technology to gain access to the legacy functions and data. </a:t>
+            </a:r>
+          </a:p>
+          <a:p>
+            <a:pPr lvl="1"/>
+            <a:r>
+              <a:rPr lang="en-US" dirty="0"/>
+              <a:t>For example, a legacy system may be wrapped using APIs which mediate and expose data from the legacy system to modern applications. Using this technique, the data from the legacy system may be used via APIs, while providing a modern application as front-end. </a:t>
+            </a:r>
+          </a:p>
+          <a:p>
+            <a:pPr lvl="1"/>
+            <a:r>
+              <a:rPr lang="en-US" dirty="0"/>
+              <a:t>This strategy has limitations, especially if performance or capacity is an issue. Wrapping the legacy system is unlikely to improve performance and can even add extra overhead. Communication protocols with the legacy system may also be constrained limiting the ability to communicate in real-time. </a:t>
+            </a:r>
+          </a:p>
+        </p:txBody>
+      </p:sp>
+    </p:spTree>
+    <p:extLst>
+      <p:ext uri="{BB962C8B-B14F-4D97-AF65-F5344CB8AC3E}">
+        <p14:creationId xmlns:p14="http://schemas.microsoft.com/office/powerpoint/2010/main" val="202098695"/>
+      </p:ext>
+    </p:extLst>
+  </p:cSld>
+  <p:clrMapOvr>
+    <a:masterClrMapping/>
+  </p:clrMapOvr>
+</p:sld>
+</file>
+
+<file path=ppt/slides/slide34.xml><?xml version="1.0" encoding="utf-8"?>
+<p:sld xmlns:a="http://schemas.openxmlformats.org/drawingml/2006/main" xmlns:r="http://schemas.openxmlformats.org/officeDocument/2006/relationships" xmlns:p="http://schemas.openxmlformats.org/presentationml/2006/main">
+  <p:cSld>
+    <p:spTree>
+      <p:nvGrpSpPr>
+        <p:cNvPr id="1" name=""/>
+        <p:cNvGrpSpPr/>
+        <p:nvPr/>
+      </p:nvGrpSpPr>
+      <p:grpSpPr>
+        <a:xfrm>
+          <a:off x="0" y="0"/>
+          <a:ext cx="0" cy="0"/>
+          <a:chOff x="0" y="0"/>
+          <a:chExt cx="0" cy="0"/>
+        </a:xfrm>
+      </p:grpSpPr>
+      <p:sp>
+        <p:nvSpPr>
+          <p:cNvPr id="2" name="Title 1">
+            <a:extLst>
+              <a:ext uri="{FF2B5EF4-FFF2-40B4-BE49-F238E27FC236}">
+                <a16:creationId xmlns:a16="http://schemas.microsoft.com/office/drawing/2014/main" id="{5D1B1BCB-3D4E-1993-F9E5-ED8062DFBBD7}"/>
+              </a:ext>
+            </a:extLst>
+          </p:cNvPr>
+          <p:cNvSpPr>
+            <a:spLocks noGrp="1"/>
+          </p:cNvSpPr>
+          <p:nvPr>
+            <p:ph type="title"/>
+          </p:nvPr>
+        </p:nvSpPr>
+        <p:spPr/>
+        <p:txBody>
+          <a:bodyPr/>
+          <a:lstStyle/>
+          <a:p>
+            <a:r>
+              <a:rPr lang="en-US" dirty="0"/>
+              <a:t>Strategies for Legacy Modernization</a:t>
+            </a:r>
+          </a:p>
+        </p:txBody>
+      </p:sp>
+      <p:sp>
+        <p:nvSpPr>
+          <p:cNvPr id="3" name="Content Placeholder 2">
+            <a:extLst>
+              <a:ext uri="{FF2B5EF4-FFF2-40B4-BE49-F238E27FC236}">
+                <a16:creationId xmlns:a16="http://schemas.microsoft.com/office/drawing/2014/main" id="{FD3EDA14-0B99-D0DA-ECBC-6B7B81641DE2}"/>
+              </a:ext>
+            </a:extLst>
+          </p:cNvPr>
+          <p:cNvSpPr>
+            <a:spLocks noGrp="1"/>
+          </p:cNvSpPr>
+          <p:nvPr>
+            <p:ph idx="1"/>
+          </p:nvPr>
+        </p:nvSpPr>
+        <p:spPr/>
+        <p:txBody>
+          <a:bodyPr>
+            <a:normAutofit lnSpcReduction="10000"/>
+          </a:bodyPr>
+          <a:lstStyle/>
+          <a:p>
+            <a:r>
+              <a:rPr lang="en-US" dirty="0"/>
+              <a:t>Re-engineering </a:t>
+            </a:r>
+          </a:p>
+          <a:p>
+            <a:pPr lvl="1"/>
+            <a:r>
+              <a:rPr lang="en-US" dirty="0"/>
+              <a:t>Re-engineering of legacy systems often involves major technical surgery where substantial parts of the system are either re-designed or modified. </a:t>
+            </a:r>
+          </a:p>
+          <a:p>
+            <a:pPr lvl="1"/>
+            <a:r>
+              <a:rPr lang="en-US" dirty="0"/>
+              <a:t>This can be a useful strategy if the system function is still valuable to the organization but the cost of maintenance is large, or technologies lack support. </a:t>
+            </a:r>
+          </a:p>
+          <a:p>
+            <a:pPr lvl="1"/>
+            <a:r>
+              <a:rPr lang="en-US" dirty="0"/>
+              <a:t>In practice this may result in: </a:t>
+            </a:r>
+          </a:p>
+          <a:p>
+            <a:pPr lvl="2"/>
+            <a:r>
+              <a:rPr lang="en-US" dirty="0"/>
+              <a:t>Porting legacy programming language to modern programming language </a:t>
+            </a:r>
+          </a:p>
+          <a:p>
+            <a:pPr lvl="2"/>
+            <a:r>
+              <a:rPr lang="en-US" dirty="0"/>
+              <a:t>Complete re-design of specific functions or modules </a:t>
+            </a:r>
+          </a:p>
+          <a:p>
+            <a:pPr lvl="2"/>
+            <a:r>
+              <a:rPr lang="en-US" dirty="0"/>
+              <a:t>Modernization of platform or third-party components </a:t>
+            </a:r>
+          </a:p>
+          <a:p>
+            <a:pPr lvl="2"/>
+            <a:r>
+              <a:rPr lang="en-US" dirty="0"/>
+              <a:t>Modernization of an architecture layer (for example, data management or presentation) </a:t>
+            </a:r>
+          </a:p>
+          <a:p>
+            <a:pPr lvl="1"/>
+            <a:r>
+              <a:rPr lang="en-US" dirty="0"/>
+              <a:t>Re-engineering can be very expensive. </a:t>
+            </a:r>
+          </a:p>
+          <a:p>
+            <a:pPr lvl="1"/>
+            <a:r>
+              <a:rPr lang="en-US" dirty="0"/>
+              <a:t>Automated tools can help to re-engineer a system, for example, converting from one programming language to another, or moving to a new platform. </a:t>
+            </a:r>
+          </a:p>
+          <a:p>
+            <a:pPr lvl="1"/>
+            <a:r>
+              <a:rPr lang="en-US" dirty="0"/>
+              <a:t>The use of automated tools can speed up the re-engineering process but it is unlikely to improve the quality of the implementation. </a:t>
+            </a:r>
+          </a:p>
+        </p:txBody>
+      </p:sp>
+    </p:spTree>
+    <p:extLst>
+      <p:ext uri="{BB962C8B-B14F-4D97-AF65-F5344CB8AC3E}">
+        <p14:creationId xmlns:p14="http://schemas.microsoft.com/office/powerpoint/2010/main" val="2595582289"/>
+      </p:ext>
+    </p:extLst>
+  </p:cSld>
+  <p:clrMapOvr>
+    <a:masterClrMapping/>
+  </p:clrMapOvr>
+</p:sld>
+</file>
+
 <file path=ppt/slides/slide35.xml><?xml version="1.0" encoding="utf-8"?>
 <p:sld xmlns:a="http://schemas.openxmlformats.org/drawingml/2006/main" xmlns:r="http://schemas.openxmlformats.org/officeDocument/2006/relationships" xmlns:p="http://schemas.openxmlformats.org/presentationml/2006/main">
   <p:cSld>
@@ -15578,20 +15647,10 @@
         </p:nvSpPr>
         <p:spPr/>
         <p:txBody>
-          <a:bodyPr/>
-          <a:lstStyle/>
-          <a:p>
-            <a:r>
-              <a:rPr lang="en-US" dirty="0"/>
-              <a:t>Re-engineering </a:t>
-            </a:r>
-          </a:p>
-          <a:p>
-            <a:r>
-              <a:rPr lang="en-US" dirty="0"/>
-              <a:t>Wrap it up </a:t>
-            </a:r>
-          </a:p>
+          <a:bodyPr>
+            <a:normAutofit/>
+          </a:bodyPr>
+          <a:lstStyle/>
           <a:p>
             <a:r>
               <a:rPr lang="en-US" dirty="0"/>
@@ -15599,9 +15658,45 @@
             </a:r>
           </a:p>
           <a:p>
-            <a:r>
-              <a:rPr lang="en-US" dirty="0"/>
-              <a:t>Decommission and replace </a:t>
+            <a:pPr lvl="1"/>
+            <a:r>
+              <a:rPr lang="en-US" dirty="0"/>
+              <a:t>A common modernization strategy is to migrate the legacy system to a modern system. This is done when the data contained in the legacy system is still very valuable to the organization. </a:t>
+            </a:r>
+          </a:p>
+          <a:p>
+            <a:pPr lvl="1"/>
+            <a:r>
+              <a:rPr lang="en-US" dirty="0"/>
+              <a:t>A new system is purchased or developed and the data from the legacy system is migrated into the modern system.  </a:t>
+            </a:r>
+          </a:p>
+          <a:p>
+            <a:pPr lvl="1"/>
+            <a:r>
+              <a:rPr lang="en-US" dirty="0"/>
+              <a:t>This strategy provides a new system with modern technologies while retaining valuable data from the legacy system. </a:t>
+            </a:r>
+          </a:p>
+          <a:p>
+            <a:pPr lvl="1"/>
+            <a:r>
+              <a:rPr lang="en-US" dirty="0"/>
+              <a:t>Purchasing or developing a new system requires substantial investment and takes significant time. </a:t>
+            </a:r>
+          </a:p>
+          <a:p>
+            <a:pPr lvl="1"/>
+            <a:r>
+              <a:rPr lang="en-US" dirty="0"/>
+              <a:t>Migration tools are required for transforming the data formats from the legacy system to the new system and the migration may only be successful for a certain percentage of the data, therefore manual migration may be required. </a:t>
+            </a:r>
+          </a:p>
+          <a:p>
+            <a:pPr lvl="1"/>
+            <a:r>
+              <a:rPr lang="en-US" dirty="0"/>
+              <a:t>It may also be the case that the legacy system and new system will run in parallel for a certain period of time, and this can incur double maintenance costs. </a:t>
             </a:r>
           </a:p>
         </p:txBody>
@@ -15609,7 +15704,7 @@
     </p:spTree>
     <p:extLst>
       <p:ext uri="{BB962C8B-B14F-4D97-AF65-F5344CB8AC3E}">
-        <p14:creationId xmlns:p14="http://schemas.microsoft.com/office/powerpoint/2010/main" val="3821078113"/>
+        <p14:creationId xmlns:p14="http://schemas.microsoft.com/office/powerpoint/2010/main" val="632794267"/>
       </p:ext>
     </p:extLst>
   </p:cSld>
@@ -15683,48 +15778,55 @@
         <p:spPr/>
         <p:txBody>
           <a:bodyPr>
-            <a:normAutofit lnSpcReduction="10000"/>
+            <a:normAutofit/>
           </a:bodyPr>
           <a:lstStyle/>
           <a:p>
             <a:r>
               <a:rPr lang="en-US" dirty="0"/>
-              <a:t>Wrap it up </a:t>
+              <a:t>Decommission and replace</a:t>
             </a:r>
           </a:p>
           <a:p>
             <a:pPr lvl="1"/>
             <a:r>
               <a:rPr lang="en-US" dirty="0"/>
-              <a:t>Sometimes legacy systems are too expensive to fully re-engineer but still contain core functions and data which is valuable to the business. </a:t>
+              <a:t>In some cases, a legacy system simply reaches its end of life. </a:t>
             </a:r>
           </a:p>
           <a:p>
             <a:pPr lvl="1"/>
             <a:r>
               <a:rPr lang="en-US" dirty="0"/>
-              <a:t>The difficulty is that the legacy system is placing a constraint on the agility of the organization. </a:t>
+              <a:t>The historical data is deemed to be of little value and the system can simply be replaced by a modern system providing the functions that the organization needs. The legacy system is decommissioned and archived. </a:t>
             </a:r>
           </a:p>
           <a:p>
             <a:pPr lvl="1"/>
             <a:r>
               <a:rPr lang="en-US" dirty="0"/>
-              <a:t>One approach is to wrap the legacy system in a façade using modern technologies and use the inter-operability of the modern technology to gain access to the legacy functions and data. </a:t>
+              <a:t>If data is required from the legacy system it may be obtained from the archive. </a:t>
             </a:r>
           </a:p>
           <a:p>
             <a:pPr lvl="1"/>
             <a:r>
               <a:rPr lang="en-US" dirty="0"/>
-              <a:t>For example, a legacy system may be wrapped using APIs which mediate and expose data from the legacy system to modern applications. Using this technique, the data from the legacy system may be used via APIs, while providing a modern application as front-end. </a:t>
+              <a:t>This strategy provides a faster way to replace the legacy system, however, it may take some time for the organization to adjust to the new system. </a:t>
             </a:r>
           </a:p>
           <a:p>
             <a:pPr lvl="1"/>
             <a:r>
               <a:rPr lang="en-US" dirty="0"/>
-              <a:t>This strategy has limitations, especially if performance or capacity is an issue. Wrapping the legacy system is unlikely to improve performance and can even add extra overhead. Communication protocols with the legacy system may also be constrained limiting the ability to communicate in real-time. </a:t>
+              <a:t>The introduction of the new system is likely to require substantial training for personnel. </a:t>
+            </a:r>
+          </a:p>
+          <a:p>
+            <a:pPr lvl="1"/>
+            <a:r>
+              <a:rPr lang="en-US" dirty="0"/>
+              <a:t>Under an initial period, the organization may have to obtain data from the archive as well as from the new system, this may involve using time-consuming manual processes. </a:t>
             </a:r>
           </a:p>
         </p:txBody>
@@ -15732,7 +15834,7 @@
     </p:spTree>
     <p:extLst>
       <p:ext uri="{BB962C8B-B14F-4D97-AF65-F5344CB8AC3E}">
-        <p14:creationId xmlns:p14="http://schemas.microsoft.com/office/powerpoint/2010/main" val="202098695"/>
+        <p14:creationId xmlns:p14="http://schemas.microsoft.com/office/powerpoint/2010/main" val="1511721557"/>
       </p:ext>
     </p:extLst>
   </p:cSld>
@@ -15761,13 +15863,7 @@
       </p:grpSpPr>
       <p:sp>
         <p:nvSpPr>
-          <p:cNvPr id="2" name="Title 1">
-            <a:extLst>
-              <a:ext uri="{FF2B5EF4-FFF2-40B4-BE49-F238E27FC236}">
-                <a16:creationId xmlns:a16="http://schemas.microsoft.com/office/drawing/2014/main" id="{5D1B1BCB-3D4E-1993-F9E5-ED8062DFBBD7}"/>
-              </a:ext>
-            </a:extLst>
-          </p:cNvPr>
+          <p:cNvPr id="2" name="Title 1"/>
           <p:cNvSpPr>
             <a:spLocks noGrp="1"/>
           </p:cNvSpPr>
@@ -15782,20 +15878,14 @@
           <a:p>
             <a:r>
               <a:rPr lang="en-US" dirty="0"/>
-              <a:t>Strategies for Legacy Modernization</a:t>
-            </a:r>
-          </a:p>
-        </p:txBody>
-      </p:sp>
-      <p:sp>
-        <p:nvSpPr>
-          <p:cNvPr id="3" name="Content Placeholder 2">
-            <a:extLst>
-              <a:ext uri="{FF2B5EF4-FFF2-40B4-BE49-F238E27FC236}">
-                <a16:creationId xmlns:a16="http://schemas.microsoft.com/office/drawing/2014/main" id="{FD3EDA14-0B99-D0DA-ECBC-6B7B81641DE2}"/>
-              </a:ext>
-            </a:extLst>
-          </p:cNvPr>
+              <a:t>Legacy system integration Benefits</a:t>
+            </a:r>
+          </a:p>
+        </p:txBody>
+      </p:sp>
+      <p:sp>
+        <p:nvSpPr>
+          <p:cNvPr id="3" name="Content Placeholder 2"/>
           <p:cNvSpPr>
             <a:spLocks noGrp="1"/>
           </p:cNvSpPr>
@@ -15806,91 +15896,104 @@
         <p:spPr/>
         <p:txBody>
           <a:bodyPr>
-            <a:normAutofit lnSpcReduction="10000"/>
+            <a:normAutofit fontScale="92500" lnSpcReduction="20000"/>
           </a:bodyPr>
           <a:lstStyle/>
           <a:p>
             <a:r>
               <a:rPr lang="en-US" dirty="0"/>
-              <a:t>Re-engineering </a:t>
+              <a:t>Less manual work. </a:t>
             </a:r>
           </a:p>
           <a:p>
             <a:pPr lvl="1"/>
             <a:r>
               <a:rPr lang="en-US" dirty="0"/>
-              <a:t>Re-engineering of legacy systems often involves major technical surgery where substantial parts of the system are either re-designed or modified. </a:t>
+              <a:t>Reentering the same data over and over again inevitably hinders your performance and comes with the risk of human error. </a:t>
+            </a:r>
+          </a:p>
+          <a:p>
+            <a:r>
+              <a:rPr lang="en-US" dirty="0"/>
+              <a:t>Better decision-making. </a:t>
             </a:r>
           </a:p>
           <a:p>
             <a:pPr lvl="1"/>
             <a:r>
               <a:rPr lang="en-US" dirty="0"/>
-              <a:t>This can be a useful strategy if the system function is still valuable to the organization but the cost of maintenance is large, or technologies lack support. </a:t>
+              <a:t>Integration of legacy systems with modern solutions allows you to unlock the invaluable data you’ve been collecting for decades, identify patterns in it, and use this knowledge to improve your strategic decisions. </a:t>
+            </a:r>
+          </a:p>
+          <a:p>
+            <a:r>
+              <a:rPr lang="en-US" dirty="0"/>
+              <a:t>Access to new technologies and functionalities. </a:t>
             </a:r>
           </a:p>
           <a:p>
             <a:pPr lvl="1"/>
             <a:r>
               <a:rPr lang="en-US" dirty="0"/>
-              <a:t>In practice this may result in: </a:t>
-            </a:r>
-          </a:p>
-          <a:p>
-            <a:pPr lvl="2"/>
-            <a:r>
-              <a:rPr lang="en-US" dirty="0"/>
-              <a:t>Porting legacy programming language to modern programming language </a:t>
-            </a:r>
-          </a:p>
-          <a:p>
-            <a:pPr lvl="2"/>
-            <a:r>
-              <a:rPr lang="en-US" dirty="0"/>
-              <a:t>Complete re-design of specific functions or modules </a:t>
-            </a:r>
-          </a:p>
-          <a:p>
-            <a:pPr lvl="2"/>
-            <a:r>
-              <a:rPr lang="en-US" dirty="0"/>
-              <a:t>Modernization of platform or third-party components </a:t>
-            </a:r>
-          </a:p>
-          <a:p>
-            <a:pPr lvl="2"/>
-            <a:r>
-              <a:rPr lang="en-US" dirty="0"/>
-              <a:t>Modernization of an architecture layer (for example, data management or presentation) </a:t>
+              <a:t>Integration is a perfect way to enhance your legacy system with new features and modern technologies without building anything from scratch.</a:t>
+            </a:r>
+          </a:p>
+          <a:p>
+            <a:r>
+              <a:rPr lang="en-US" dirty="0"/>
+              <a:t>Minimal learning curve for old employees. </a:t>
             </a:r>
           </a:p>
           <a:p>
             <a:pPr lvl="1"/>
             <a:r>
               <a:rPr lang="en-US" dirty="0"/>
-              <a:t>Re-engineering can be very expensive. </a:t>
+              <a:t>Replacing a legacy system with entirely new software always implies that you’ll need to train your staff to use it, which can be challenging, especially if you used the system for your core processes. </a:t>
+            </a:r>
+          </a:p>
+          <a:p>
+            <a:r>
+              <a:rPr lang="en-US" dirty="0"/>
+              <a:t>Minimal learning curve for new employees.</a:t>
             </a:r>
           </a:p>
           <a:p>
             <a:pPr lvl="1"/>
             <a:r>
               <a:rPr lang="en-US" dirty="0"/>
-              <a:t>Automated tools can help to re-engineer a system, for example, converting from one programming language to another, or moving to a new platform. </a:t>
-            </a:r>
-          </a:p>
-          <a:p>
-            <a:pPr lvl="1"/>
-            <a:r>
-              <a:rPr lang="en-US" dirty="0"/>
-              <a:t>The use of automated tools can speed up the re-engineering process but it is unlikely to improve the quality of the implementation. </a:t>
-            </a:r>
+              <a:t>In terms of usability, many legacy systems are not as intuitive as their modern counterparts, and new employees might have a hard time getting a grasp of them.</a:t>
+            </a:r>
+          </a:p>
+        </p:txBody>
+      </p:sp>
+      <p:sp>
+        <p:nvSpPr>
+          <p:cNvPr id="4" name="Slide Number Placeholder 3"/>
+          <p:cNvSpPr>
+            <a:spLocks noGrp="1"/>
+          </p:cNvSpPr>
+          <p:nvPr>
+            <p:ph type="sldNum" sz="quarter" idx="12"/>
+          </p:nvPr>
+        </p:nvSpPr>
+        <p:spPr/>
+        <p:txBody>
+          <a:bodyPr/>
+          <a:lstStyle/>
+          <a:p>
+            <a:fld id="{B8DACC02-A2BD-4578-8E03-6D891060A695}" type="slidenum">
+              <a:rPr lang="en-US" smtClean="0"/>
+              <a:pPr/>
+              <a:t>37</a:t>
+            </a:fld>
+            <a:endParaRPr lang="en-US" dirty="0"/>
           </a:p>
         </p:txBody>
       </p:sp>
     </p:spTree>
     <p:extLst>
       <p:ext uri="{BB962C8B-B14F-4D97-AF65-F5344CB8AC3E}">
-        <p14:creationId xmlns:p14="http://schemas.microsoft.com/office/powerpoint/2010/main" val="2595582289"/>
+        <p14:creationId xmlns:p14="http://schemas.microsoft.com/office/powerpoint/2010/main" val="750288791"/>
       </p:ext>
     </p:extLst>
   </p:cSld>
@@ -15919,13 +16022,7 @@
       </p:grpSpPr>
       <p:sp>
         <p:nvSpPr>
-          <p:cNvPr id="2" name="Title 1">
-            <a:extLst>
-              <a:ext uri="{FF2B5EF4-FFF2-40B4-BE49-F238E27FC236}">
-                <a16:creationId xmlns:a16="http://schemas.microsoft.com/office/drawing/2014/main" id="{5D1B1BCB-3D4E-1993-F9E5-ED8062DFBBD7}"/>
-              </a:ext>
-            </a:extLst>
-          </p:cNvPr>
+          <p:cNvPr id="2" name="Title 1"/>
           <p:cNvSpPr>
             <a:spLocks noGrp="1"/>
           </p:cNvSpPr>
@@ -15940,20 +16037,14 @@
           <a:p>
             <a:r>
               <a:rPr lang="en-US" dirty="0"/>
-              <a:t>Strategies for Legacy Modernization</a:t>
-            </a:r>
-          </a:p>
-        </p:txBody>
-      </p:sp>
-      <p:sp>
-        <p:nvSpPr>
-          <p:cNvPr id="3" name="Content Placeholder 2">
-            <a:extLst>
-              <a:ext uri="{FF2B5EF4-FFF2-40B4-BE49-F238E27FC236}">
-                <a16:creationId xmlns:a16="http://schemas.microsoft.com/office/drawing/2014/main" id="{FD3EDA14-0B99-D0DA-ECBC-6B7B81641DE2}"/>
-              </a:ext>
-            </a:extLst>
-          </p:cNvPr>
+              <a:t>Legacy system integration Challenges</a:t>
+            </a:r>
+          </a:p>
+        </p:txBody>
+      </p:sp>
+      <p:sp>
+        <p:nvSpPr>
+          <p:cNvPr id="3" name="Content Placeholder 2"/>
           <p:cNvSpPr>
             <a:spLocks noGrp="1"/>
           </p:cNvSpPr>
@@ -15970,57 +16061,98 @@
           <a:p>
             <a:r>
               <a:rPr lang="en-US" dirty="0"/>
-              <a:t>Data migration </a:t>
+              <a:t>The lack of expertise. </a:t>
             </a:r>
           </a:p>
           <a:p>
             <a:pPr lvl="1"/>
             <a:r>
               <a:rPr lang="en-US" dirty="0"/>
-              <a:t>A common modernization strategy is to migrate the legacy system to a modern system. This is done when the data contained in the legacy system is still very valuable to the organization. </a:t>
+              <a:t>Legacy systems integration will require people that specialize in obsolete technologies. </a:t>
+            </a:r>
+          </a:p>
+          <a:p>
+            <a:r>
+              <a:rPr lang="en-US" dirty="0"/>
+              <a:t>Insufficient documentation. </a:t>
             </a:r>
           </a:p>
           <a:p>
             <a:pPr lvl="1"/>
             <a:r>
               <a:rPr lang="en-US" dirty="0"/>
-              <a:t>A new system is purchased or developed and the data from the legacy system is migrated into the modern system.  </a:t>
+              <a:t>More often than not, legacy applications are poorly documented. </a:t>
+            </a:r>
+          </a:p>
+          <a:p>
+            <a:r>
+              <a:rPr lang="en-US" dirty="0"/>
+              <a:t>Low quality of data. </a:t>
             </a:r>
           </a:p>
           <a:p>
             <a:pPr lvl="1"/>
             <a:r>
               <a:rPr lang="en-US" dirty="0"/>
-              <a:t>This strategy provides a new system with modern technologies while retaining valuable data from the legacy system. </a:t>
+              <a:t>The legacy data format and structure are too far from modern standards. </a:t>
+            </a:r>
+          </a:p>
+          <a:p>
+            <a:r>
+              <a:rPr lang="en-US" dirty="0"/>
+              <a:t>Resistance to change. </a:t>
             </a:r>
           </a:p>
           <a:p>
             <a:pPr lvl="1"/>
             <a:r>
               <a:rPr lang="en-US" dirty="0"/>
-              <a:t>Purchasing or developing a new system requires substantial investment and takes significant time. </a:t>
+              <a:t>Despite the complexity of your legacy system, your employees might be unwilling to introduce “the unknown” into their working routine.</a:t>
+            </a:r>
+          </a:p>
+          <a:p>
+            <a:r>
+              <a:rPr lang="en-US" dirty="0"/>
+              <a:t>Security issues. </a:t>
             </a:r>
           </a:p>
           <a:p>
             <a:pPr lvl="1"/>
             <a:r>
               <a:rPr lang="en-US" dirty="0"/>
-              <a:t>Migration tools are required for transforming the data formats from the legacy system to the new system and the migration may only be successful for a certain percentage of the data, therefore manual migration may be required. </a:t>
-            </a:r>
-          </a:p>
-          <a:p>
-            <a:pPr lvl="1"/>
-            <a:r>
-              <a:rPr lang="en-US" dirty="0"/>
-              <a:t>It may also be the case that the legacy system and new system will run in parallel for a certain period of time, and this can incur double maintenance costs. </a:t>
-            </a:r>
+              <a:t>Legacy apps are vulnerable to cyber threats. </a:t>
+            </a:r>
+          </a:p>
+        </p:txBody>
+      </p:sp>
+      <p:sp>
+        <p:nvSpPr>
+          <p:cNvPr id="4" name="Slide Number Placeholder 3"/>
+          <p:cNvSpPr>
+            <a:spLocks noGrp="1"/>
+          </p:cNvSpPr>
+          <p:nvPr>
+            <p:ph type="sldNum" sz="quarter" idx="12"/>
+          </p:nvPr>
+        </p:nvSpPr>
+        <p:spPr/>
+        <p:txBody>
+          <a:bodyPr/>
+          <a:lstStyle/>
+          <a:p>
+            <a:fld id="{B8DACC02-A2BD-4578-8E03-6D891060A695}" type="slidenum">
+              <a:rPr lang="en-US" smtClean="0"/>
+              <a:pPr/>
+              <a:t>38</a:t>
+            </a:fld>
+            <a:endParaRPr lang="en-US" dirty="0"/>
           </a:p>
         </p:txBody>
       </p:sp>
     </p:spTree>
     <p:extLst>
       <p:ext uri="{BB962C8B-B14F-4D97-AF65-F5344CB8AC3E}">
-        <p14:creationId xmlns:p14="http://schemas.microsoft.com/office/powerpoint/2010/main" val="632794267"/>
+        <p14:creationId xmlns:p14="http://schemas.microsoft.com/office/powerpoint/2010/main" val="4194712356"/>
       </p:ext>
     </p:extLst>
   </p:cSld>
@@ -16049,10 +16181,10 @@
       </p:grpSpPr>
       <p:sp>
         <p:nvSpPr>
-          <p:cNvPr id="2" name="Title 1">
+          <p:cNvPr id="5" name="Title 4">
             <a:extLst>
               <a:ext uri="{FF2B5EF4-FFF2-40B4-BE49-F238E27FC236}">
-                <a16:creationId xmlns:a16="http://schemas.microsoft.com/office/drawing/2014/main" id="{5D1B1BCB-3D4E-1993-F9E5-ED8062DFBBD7}"/>
+                <a16:creationId xmlns:a16="http://schemas.microsoft.com/office/drawing/2014/main" id="{D9BAA9D7-1182-2D06-8207-5961CE3225EC}"/>
               </a:ext>
             </a:extLst>
           </p:cNvPr>
@@ -16070,17 +16202,17 @@
           <a:p>
             <a:r>
               <a:rPr lang="en-US" dirty="0"/>
-              <a:t>Strategies for Legacy Modernization</a:t>
-            </a:r>
-          </a:p>
-        </p:txBody>
-      </p:sp>
-      <p:sp>
-        <p:nvSpPr>
-          <p:cNvPr id="3" name="Content Placeholder 2">
+              <a:t>Integration Steps</a:t>
+            </a:r>
+          </a:p>
+        </p:txBody>
+      </p:sp>
+      <p:sp>
+        <p:nvSpPr>
+          <p:cNvPr id="6" name="Text Placeholder 5">
             <a:extLst>
               <a:ext uri="{FF2B5EF4-FFF2-40B4-BE49-F238E27FC236}">
-                <a16:creationId xmlns:a16="http://schemas.microsoft.com/office/drawing/2014/main" id="{FD3EDA14-0B99-D0DA-ECBC-6B7B81641DE2}"/>
+                <a16:creationId xmlns:a16="http://schemas.microsoft.com/office/drawing/2014/main" id="{CFB533CF-05C8-E591-501F-31889B50638E}"/>
               </a:ext>
             </a:extLst>
           </p:cNvPr>
@@ -16088,69 +16220,52 @@
             <a:spLocks noGrp="1"/>
           </p:cNvSpPr>
           <p:nvPr>
-            <p:ph idx="1"/>
+            <p:ph type="body" idx="1"/>
           </p:nvPr>
         </p:nvSpPr>
         <p:spPr/>
         <p:txBody>
-          <a:bodyPr>
-            <a:normAutofit/>
-          </a:bodyPr>
-          <a:lstStyle/>
-          <a:p>
-            <a:r>
-              <a:rPr lang="en-US" dirty="0"/>
-              <a:t>Decommission and replace</a:t>
-            </a:r>
-          </a:p>
-          <a:p>
-            <a:pPr lvl="1"/>
-            <a:r>
-              <a:rPr lang="en-US" dirty="0"/>
-              <a:t>In some cases, a legacy system simply reaches its end of life. </a:t>
-            </a:r>
-          </a:p>
-          <a:p>
-            <a:pPr lvl="1"/>
-            <a:r>
-              <a:rPr lang="en-US" dirty="0"/>
-              <a:t>The historical data is deemed to be of little value and the system can simply be replaced by a modern system providing the functions that the organization needs. The legacy system is decommissioned and archived. </a:t>
-            </a:r>
-          </a:p>
-          <a:p>
-            <a:pPr lvl="1"/>
-            <a:r>
-              <a:rPr lang="en-US" dirty="0"/>
-              <a:t>If data is required from the legacy system it may be obtained from the archive. </a:t>
-            </a:r>
-          </a:p>
-          <a:p>
-            <a:pPr lvl="1"/>
-            <a:r>
-              <a:rPr lang="en-US" dirty="0"/>
-              <a:t>This strategy provides a faster way to replace the legacy system, however, it may take some time for the organization to adjust to the new system. </a:t>
-            </a:r>
-          </a:p>
-          <a:p>
-            <a:pPr lvl="1"/>
-            <a:r>
-              <a:rPr lang="en-US" dirty="0"/>
-              <a:t>The introduction of the new system is likely to require substantial training for personnel. </a:t>
-            </a:r>
-          </a:p>
-          <a:p>
-            <a:pPr lvl="1"/>
-            <a:r>
-              <a:rPr lang="en-US" dirty="0"/>
-              <a:t>Under an initial period, the organization may have to obtain data from the archive as well as from the new system, this may involve using time-consuming manual processes. </a:t>
-            </a:r>
+          <a:bodyPr/>
+          <a:lstStyle/>
+          <a:p>
+            <a:endParaRPr lang="en-US"/>
+          </a:p>
+        </p:txBody>
+      </p:sp>
+      <p:sp>
+        <p:nvSpPr>
+          <p:cNvPr id="4" name="Slide Number Placeholder 3">
+            <a:extLst>
+              <a:ext uri="{FF2B5EF4-FFF2-40B4-BE49-F238E27FC236}">
+                <a16:creationId xmlns:a16="http://schemas.microsoft.com/office/drawing/2014/main" id="{18B888A4-9912-177B-9050-0BEC567AA6B6}"/>
+              </a:ext>
+            </a:extLst>
+          </p:cNvPr>
+          <p:cNvSpPr>
+            <a:spLocks noGrp="1"/>
+          </p:cNvSpPr>
+          <p:nvPr>
+            <p:ph type="sldNum" sz="quarter" idx="12"/>
+          </p:nvPr>
+        </p:nvSpPr>
+        <p:spPr/>
+        <p:txBody>
+          <a:bodyPr/>
+          <a:lstStyle/>
+          <a:p>
+            <a:fld id="{B8DACC02-A2BD-4578-8E03-6D891060A695}" type="slidenum">
+              <a:rPr lang="en-US" smtClean="0"/>
+              <a:pPr/>
+              <a:t>39</a:t>
+            </a:fld>
+            <a:endParaRPr lang="en-US" dirty="0"/>
           </a:p>
         </p:txBody>
       </p:sp>
     </p:spTree>
     <p:extLst>
       <p:ext uri="{BB962C8B-B14F-4D97-AF65-F5344CB8AC3E}">
-        <p14:creationId xmlns:p14="http://schemas.microsoft.com/office/powerpoint/2010/main" val="1511721557"/>
+        <p14:creationId xmlns:p14="http://schemas.microsoft.com/office/powerpoint/2010/main" val="1239433158"/>
       </p:ext>
     </p:extLst>
   </p:cSld>
@@ -16194,8 +16309,9 @@
           <a:p>
             <a:r>
               <a:rPr lang="en-US" dirty="0"/>
-              <a:t>System integration Overview</a:t>
-            </a:r>
+              <a:t>Definition of Systems Integration</a:t>
+            </a:r>
+            <a:endParaRPr lang="en-US" dirty="0"/>
           </a:p>
         </p:txBody>
       </p:sp>
@@ -16222,37 +16338,28 @@
           <a:p>
             <a:pPr lvl="1"/>
             <a:r>
-              <a:rPr lang="en-US" dirty="0"/>
-              <a:t>What is system?</a:t>
-            </a:r>
-          </a:p>
-          <a:p>
-            <a:pPr lvl="2"/>
-            <a:r>
-              <a:rPr lang="en-US" dirty="0"/>
-              <a:t>A system is an aggregation of subsystems cooperating so that the system is able to achieve one or more goals.</a:t>
+              <a:rPr lang="en-US" dirty="0" smtClean="0"/>
+              <a:t>Systems </a:t>
+            </a:r>
+            <a:r>
+              <a:rPr lang="en-US" dirty="0"/>
+              <a:t>integration is the process of combining different subsystems or components into a unified system.</a:t>
             </a:r>
           </a:p>
           <a:p>
             <a:pPr lvl="1"/>
             <a:r>
               <a:rPr lang="en-US" dirty="0"/>
-              <a:t>Systems integration is the process of linking together different computing systems and software applications physically or functionally, to act as a coordinated whole.</a:t>
+              <a:t>It involves connecting different hardware and software components to work together as a single system.</a:t>
             </a:r>
           </a:p>
           <a:p>
             <a:pPr lvl="1"/>
             <a:r>
               <a:rPr lang="en-US" dirty="0"/>
-              <a:t>System integration is the process of connecting different sub-systems(components) into a single larger system that functions as one.</a:t>
-            </a:r>
-          </a:p>
-          <a:p>
-            <a:pPr lvl="2"/>
-            <a:r>
-              <a:rPr lang="en-US" dirty="0"/>
-              <a:t>In software solutions, system integration is typically defined as the process of linking together various IT systems, services and/or software to enable all of them to work functionally together.</a:t>
-            </a:r>
+              <a:t>Systems integration can be done at different levels, including hardware, software, and data integration.</a:t>
+            </a:r>
+            <a:endParaRPr lang="en-US" dirty="0"/>
           </a:p>
         </p:txBody>
       </p:sp>
@@ -16327,90 +16434,7 @@
           <a:p>
             <a:r>
               <a:rPr lang="en-US" dirty="0"/>
-              <a:t>Legacy system integration Benefits</a:t>
-            </a:r>
-          </a:p>
-        </p:txBody>
-      </p:sp>
-      <p:sp>
-        <p:nvSpPr>
-          <p:cNvPr id="3" name="Content Placeholder 2"/>
-          <p:cNvSpPr>
-            <a:spLocks noGrp="1"/>
-          </p:cNvSpPr>
-          <p:nvPr>
-            <p:ph idx="1"/>
-          </p:nvPr>
-        </p:nvSpPr>
-        <p:spPr/>
-        <p:txBody>
-          <a:bodyPr>
-            <a:normAutofit fontScale="92500" lnSpcReduction="20000"/>
-          </a:bodyPr>
-          <a:lstStyle/>
-          <a:p>
-            <a:r>
-              <a:rPr lang="en-US" dirty="0"/>
-              <a:t>Less manual work. </a:t>
-            </a:r>
-          </a:p>
-          <a:p>
-            <a:pPr lvl="1"/>
-            <a:r>
-              <a:rPr lang="en-US" dirty="0"/>
-              <a:t>Reentering the same data over and over again inevitably hinders your performance and comes with the risk of human error. </a:t>
-            </a:r>
-          </a:p>
-          <a:p>
-            <a:r>
-              <a:rPr lang="en-US" dirty="0"/>
-              <a:t>Better decision-making. </a:t>
-            </a:r>
-          </a:p>
-          <a:p>
-            <a:pPr lvl="1"/>
-            <a:r>
-              <a:rPr lang="en-US" dirty="0"/>
-              <a:t>Integration of legacy systems with modern solutions allows you to unlock the invaluable data you’ve been collecting for decades, identify patterns in it, and use this knowledge to improve your strategic decisions. </a:t>
-            </a:r>
-          </a:p>
-          <a:p>
-            <a:r>
-              <a:rPr lang="en-US" dirty="0"/>
-              <a:t>Access to new technologies and functionalities. </a:t>
-            </a:r>
-          </a:p>
-          <a:p>
-            <a:pPr lvl="1"/>
-            <a:r>
-              <a:rPr lang="en-US" dirty="0"/>
-              <a:t>Integration is a perfect way to enhance your legacy system with new features and modern technologies without building anything from scratch.</a:t>
-            </a:r>
-          </a:p>
-          <a:p>
-            <a:r>
-              <a:rPr lang="en-US" dirty="0"/>
-              <a:t>Minimal learning curve for old employees. </a:t>
-            </a:r>
-          </a:p>
-          <a:p>
-            <a:pPr lvl="1"/>
-            <a:r>
-              <a:rPr lang="en-US" dirty="0"/>
-              <a:t>Replacing a legacy system with entirely new software always implies that you’ll need to train your staff to use it, which can be challenging, especially if you used the system for your core processes. </a:t>
-            </a:r>
-          </a:p>
-          <a:p>
-            <a:r>
-              <a:rPr lang="en-US" dirty="0"/>
-              <a:t>Minimal learning curve for new employees.</a:t>
-            </a:r>
-          </a:p>
-          <a:p>
-            <a:pPr lvl="1"/>
-            <a:r>
-              <a:rPr lang="en-US" dirty="0"/>
-              <a:t>In terms of usability, many legacy systems are not as intuitive as their modern counterparts, and new employees might have a hard time getting a grasp of them.</a:t>
+              <a:t>Key steps of system integration</a:t>
             </a:r>
           </a:p>
         </p:txBody>
@@ -16439,10 +16463,32 @@
           </a:p>
         </p:txBody>
       </p:sp>
+      <p:graphicFrame>
+        <p:nvGraphicFramePr>
+          <p:cNvPr id="7" name="Diagram 6"/>
+          <p:cNvGraphicFramePr/>
+          <p:nvPr>
+            <p:extLst>
+              <p:ext uri="{D42A27DB-BD31-4B8C-83A1-F6EECF244321}">
+                <p14:modId xmlns:p14="http://schemas.microsoft.com/office/powerpoint/2010/main" val="2265295448"/>
+              </p:ext>
+            </p:extLst>
+          </p:nvPr>
+        </p:nvGraphicFramePr>
+        <p:xfrm>
+          <a:off x="972743" y="1044338"/>
+          <a:ext cx="9782773" cy="5418667"/>
+        </p:xfrm>
+        <a:graphic>
+          <a:graphicData uri="http://schemas.openxmlformats.org/drawingml/2006/diagram">
+            <dgm:relIds xmlns:dgm="http://schemas.openxmlformats.org/drawingml/2006/diagram" xmlns:r="http://schemas.openxmlformats.org/officeDocument/2006/relationships" r:dm="rId2" r:lo="rId3" r:qs="rId4" r:cs="rId5"/>
+          </a:graphicData>
+        </a:graphic>
+      </p:graphicFrame>
     </p:spTree>
     <p:extLst>
       <p:ext uri="{BB962C8B-B14F-4D97-AF65-F5344CB8AC3E}">
-        <p14:creationId xmlns:p14="http://schemas.microsoft.com/office/powerpoint/2010/main" val="750288791"/>
+        <p14:creationId xmlns:p14="http://schemas.microsoft.com/office/powerpoint/2010/main" val="3533412128"/>
       </p:ext>
     </p:extLst>
   </p:cSld>
@@ -16486,7 +16532,7 @@
           <a:p>
             <a:r>
               <a:rPr lang="en-US" dirty="0"/>
-              <a:t>Legacy system integration Challenges</a:t>
+              <a:t>Key steps of system integration</a:t>
             </a:r>
           </a:p>
         </p:txBody>
@@ -16510,66 +16556,53 @@
           <a:p>
             <a:r>
               <a:rPr lang="en-US" dirty="0"/>
-              <a:t>The lack of expertise. </a:t>
+              <a:t>Planning and feasibility analysis</a:t>
             </a:r>
           </a:p>
           <a:p>
             <a:pPr lvl="1"/>
             <a:r>
               <a:rPr lang="en-US" dirty="0"/>
-              <a:t>Legacy systems integration will require people that specialize in obsolete technologies. </a:t>
-            </a:r>
-          </a:p>
-          <a:p>
-            <a:r>
-              <a:rPr lang="en-US" dirty="0"/>
-              <a:t>Insufficient documentation. </a:t>
+              <a:t>Every integration process starts with the assessment of systems to be integrated and mapping out a realistic strategy. </a:t>
+            </a:r>
+          </a:p>
+          <a:p>
+            <a:r>
+              <a:rPr lang="en-US" dirty="0"/>
+              <a:t>Architecture modeling</a:t>
             </a:r>
           </a:p>
           <a:p>
             <a:pPr lvl="1"/>
             <a:r>
               <a:rPr lang="en-US" dirty="0"/>
-              <a:t>More often than not, legacy applications are poorly documented. </a:t>
-            </a:r>
-          </a:p>
-          <a:p>
-            <a:r>
-              <a:rPr lang="en-US" dirty="0"/>
-              <a:t>Low quality of data. </a:t>
+              <a:t>Choosing one of the common models we mentioned above or designing a custom architecture to meet your specific needs. </a:t>
+            </a:r>
+          </a:p>
+          <a:p>
+            <a:r>
+              <a:rPr lang="en-US" dirty="0"/>
+              <a:t>Implementation</a:t>
             </a:r>
           </a:p>
           <a:p>
             <a:pPr lvl="1"/>
             <a:r>
               <a:rPr lang="en-US" dirty="0"/>
-              <a:t>The legacy data format and structure are too far from modern standards. </a:t>
-            </a:r>
-          </a:p>
-          <a:p>
-            <a:r>
-              <a:rPr lang="en-US" dirty="0"/>
-              <a:t>Resistance to change. </a:t>
+              <a:t>The new integrated system is thoroughly tested to make sure that all modules seamlessly interact with one another without losing any data during transmission. </a:t>
+            </a:r>
+          </a:p>
+          <a:p>
+            <a:r>
+              <a:rPr lang="en-US" dirty="0"/>
+              <a:t>Maintenance</a:t>
             </a:r>
           </a:p>
           <a:p>
             <a:pPr lvl="1"/>
             <a:r>
               <a:rPr lang="en-US" dirty="0"/>
-              <a:t>Despite the complexity of your legacy system, your employees might be unwilling to introduce “the unknown” into their working routine.</a:t>
-            </a:r>
-          </a:p>
-          <a:p>
-            <a:r>
-              <a:rPr lang="en-US" dirty="0"/>
-              <a:t>Security issues. </a:t>
-            </a:r>
-          </a:p>
-          <a:p>
-            <a:pPr lvl="1"/>
-            <a:r>
-              <a:rPr lang="en-US" dirty="0"/>
-              <a:t>Legacy apps are vulnerable to cyber threats. </a:t>
+              <a:t>You shouldn’t neglect routine maintenance on the system. </a:t>
             </a:r>
           </a:p>
         </p:txBody>
@@ -16601,7 +16634,7 @@
     </p:spTree>
     <p:extLst>
       <p:ext uri="{BB962C8B-B14F-4D97-AF65-F5344CB8AC3E}">
-        <p14:creationId xmlns:p14="http://schemas.microsoft.com/office/powerpoint/2010/main" val="4194712356"/>
+        <p14:creationId xmlns:p14="http://schemas.microsoft.com/office/powerpoint/2010/main" val="3389403840"/>
       </p:ext>
     </p:extLst>
   </p:cSld>
@@ -16630,7 +16663,13 @@
       </p:grpSpPr>
       <p:sp>
         <p:nvSpPr>
-          <p:cNvPr id="2" name="Title 1"/>
+          <p:cNvPr id="2" name="Title 1">
+            <a:extLst>
+              <a:ext uri="{FF2B5EF4-FFF2-40B4-BE49-F238E27FC236}">
+                <a16:creationId xmlns:a16="http://schemas.microsoft.com/office/drawing/2014/main" id="{3EDE229B-E41B-EBCF-63DC-F3620B2B04DA}"/>
+              </a:ext>
+            </a:extLst>
+          </p:cNvPr>
           <p:cNvSpPr>
             <a:spLocks noGrp="1"/>
           </p:cNvSpPr>
@@ -16640,38 +16679,171 @@
         </p:nvSpPr>
         <p:spPr/>
         <p:txBody>
-          <a:bodyPr/>
-          <a:lstStyle/>
-          <a:p>
-            <a:r>
-              <a:rPr lang="en-US" dirty="0"/>
-              <a:t>4 Main Types of Integration</a:t>
-            </a:r>
-          </a:p>
-        </p:txBody>
-      </p:sp>
-      <p:sp>
-        <p:nvSpPr>
-          <p:cNvPr id="3" name="Text Placeholder 2"/>
-          <p:cNvSpPr>
-            <a:spLocks noGrp="1"/>
-          </p:cNvSpPr>
-          <p:nvPr>
-            <p:ph type="body" idx="1"/>
+          <a:bodyPr>
+            <a:normAutofit/>
+          </a:bodyPr>
+          <a:lstStyle/>
+          <a:p>
+            <a:r>
+              <a:rPr lang="en-US" dirty="0"/>
+              <a:t>12 Steps to Application Integration</a:t>
+            </a:r>
+          </a:p>
+        </p:txBody>
+      </p:sp>
+      <p:sp>
+        <p:nvSpPr>
+          <p:cNvPr id="3" name="Content Placeholder 2">
+            <a:extLst>
+              <a:ext uri="{FF2B5EF4-FFF2-40B4-BE49-F238E27FC236}">
+                <a16:creationId xmlns:a16="http://schemas.microsoft.com/office/drawing/2014/main" id="{67AC4D2D-C9A9-C049-A179-C5C20E9FBB97}"/>
+              </a:ext>
+            </a:extLst>
+          </p:cNvPr>
+          <p:cNvSpPr>
+            <a:spLocks noGrp="1"/>
+          </p:cNvSpPr>
+          <p:nvPr>
+            <p:ph idx="1"/>
           </p:nvPr>
         </p:nvSpPr>
         <p:spPr/>
         <p:txBody>
-          <a:bodyPr/>
-          <a:lstStyle/>
-          <a:p>
-            <a:endParaRPr lang="en-US"/>
-          </a:p>
-        </p:txBody>
-      </p:sp>
-      <p:sp>
-        <p:nvSpPr>
-          <p:cNvPr id="4" name="Slide Number Placeholder 3"/>
+          <a:bodyPr>
+            <a:normAutofit fontScale="92500" lnSpcReduction="10000"/>
+          </a:bodyPr>
+          <a:lstStyle/>
+          <a:p>
+            <a:pPr marL="514350" indent="-514350">
+              <a:buFont typeface="+mj-lt"/>
+              <a:buAutoNum type="arabicPeriod"/>
+            </a:pPr>
+            <a:r>
+              <a:rPr lang="en-US" dirty="0"/>
+              <a:t>Understand the enterprise and problem domain.</a:t>
+            </a:r>
+          </a:p>
+          <a:p>
+            <a:pPr marL="514350" indent="-514350">
+              <a:buFont typeface="+mj-lt"/>
+              <a:buAutoNum type="arabicPeriod"/>
+            </a:pPr>
+            <a:r>
+              <a:rPr lang="en-US" dirty="0"/>
+              <a:t>Make sense of the data.</a:t>
+            </a:r>
+          </a:p>
+          <a:p>
+            <a:pPr marL="514350" indent="-514350">
+              <a:buFont typeface="+mj-lt"/>
+              <a:buAutoNum type="arabicPeriod"/>
+            </a:pPr>
+            <a:r>
+              <a:rPr lang="en-US" dirty="0"/>
+              <a:t>Make sense of the processes.</a:t>
+            </a:r>
+          </a:p>
+          <a:p>
+            <a:pPr marL="514350" indent="-514350">
+              <a:buFont typeface="+mj-lt"/>
+              <a:buAutoNum type="arabicPeriod"/>
+            </a:pPr>
+            <a:r>
+              <a:rPr lang="en-US" dirty="0"/>
+              <a:t>Identify any application interfaces.</a:t>
+            </a:r>
+          </a:p>
+          <a:p>
+            <a:pPr marL="514350" indent="-514350">
+              <a:buFont typeface="+mj-lt"/>
+              <a:buAutoNum type="arabicPeriod"/>
+            </a:pPr>
+            <a:r>
+              <a:rPr lang="en-US" dirty="0"/>
+              <a:t>Identify the business events.</a:t>
+            </a:r>
+          </a:p>
+          <a:p>
+            <a:pPr marL="514350" indent="-514350">
+              <a:buFont typeface="+mj-lt"/>
+              <a:buAutoNum type="arabicPeriod"/>
+            </a:pPr>
+            <a:r>
+              <a:rPr lang="en-US" dirty="0"/>
+              <a:t>Identify the data transformation scenarios.</a:t>
+            </a:r>
+          </a:p>
+          <a:p>
+            <a:pPr marL="514350" indent="-514350">
+              <a:buFont typeface="+mj-lt"/>
+              <a:buAutoNum type="arabicPeriod"/>
+            </a:pPr>
+            <a:r>
+              <a:rPr lang="en-US" dirty="0"/>
+              <a:t>Map information movement.</a:t>
+            </a:r>
+          </a:p>
+          <a:p>
+            <a:pPr marL="514350" indent="-514350">
+              <a:buFont typeface="+mj-lt"/>
+              <a:buAutoNum type="arabicPeriod"/>
+            </a:pPr>
+            <a:r>
+              <a:rPr lang="en-US" dirty="0"/>
+              <a:t>Apply technology.</a:t>
+            </a:r>
+          </a:p>
+          <a:p>
+            <a:pPr marL="514350" indent="-514350">
+              <a:buFont typeface="+mj-lt"/>
+              <a:buAutoNum type="arabicPeriod"/>
+            </a:pPr>
+            <a:r>
+              <a:rPr lang="en-US" dirty="0"/>
+              <a:t>Test, test, test.</a:t>
+            </a:r>
+          </a:p>
+          <a:p>
+            <a:pPr marL="514350" indent="-514350">
+              <a:buFont typeface="+mj-lt"/>
+              <a:buAutoNum type="arabicPeriod"/>
+            </a:pPr>
+            <a:r>
+              <a:rPr lang="en-US" dirty="0"/>
+              <a:t>Consider performance.</a:t>
+            </a:r>
+          </a:p>
+          <a:p>
+            <a:pPr marL="514350" indent="-514350">
+              <a:buFont typeface="+mj-lt"/>
+              <a:buAutoNum type="arabicPeriod"/>
+            </a:pPr>
+            <a:r>
+              <a:rPr lang="en-US" dirty="0"/>
+              <a:t>Define the value.</a:t>
+            </a:r>
+          </a:p>
+          <a:p>
+            <a:pPr marL="514350" indent="-514350">
+              <a:buFont typeface="+mj-lt"/>
+              <a:buAutoNum type="arabicPeriod"/>
+            </a:pPr>
+            <a:r>
+              <a:rPr lang="en-US" dirty="0"/>
+              <a:t>Create maintenance procedures.</a:t>
+            </a:r>
+          </a:p>
+        </p:txBody>
+      </p:sp>
+      <p:sp>
+        <p:nvSpPr>
+          <p:cNvPr id="4" name="Slide Number Placeholder 3">
+            <a:extLst>
+              <a:ext uri="{FF2B5EF4-FFF2-40B4-BE49-F238E27FC236}">
+                <a16:creationId xmlns:a16="http://schemas.microsoft.com/office/drawing/2014/main" id="{CB0827A6-672A-79E4-ABAA-34B1489A3733}"/>
+              </a:ext>
+            </a:extLst>
+          </p:cNvPr>
           <p:cNvSpPr>
             <a:spLocks noGrp="1"/>
           </p:cNvSpPr>
@@ -16686,16 +16858,17 @@
           <a:p>
             <a:fld id="{B8DACC02-A2BD-4578-8E03-6D891060A695}" type="slidenum">
               <a:rPr lang="en-US" smtClean="0"/>
+              <a:pPr/>
               <a:t>42</a:t>
             </a:fld>
-            <a:endParaRPr lang="en-US"/>
+            <a:endParaRPr lang="en-US" dirty="0"/>
           </a:p>
         </p:txBody>
       </p:sp>
     </p:spTree>
     <p:extLst>
       <p:ext uri="{BB962C8B-B14F-4D97-AF65-F5344CB8AC3E}">
-        <p14:creationId xmlns:p14="http://schemas.microsoft.com/office/powerpoint/2010/main" val="4178565334"/>
+        <p14:creationId xmlns:p14="http://schemas.microsoft.com/office/powerpoint/2010/main" val="206344040"/>
       </p:ext>
     </p:extLst>
   </p:cSld>
@@ -16724,7 +16897,13 @@
       </p:grpSpPr>
       <p:sp>
         <p:nvSpPr>
-          <p:cNvPr id="2" name="Title 1"/>
+          <p:cNvPr id="2" name="Title 1">
+            <a:extLst>
+              <a:ext uri="{FF2B5EF4-FFF2-40B4-BE49-F238E27FC236}">
+                <a16:creationId xmlns:a16="http://schemas.microsoft.com/office/drawing/2014/main" id="{796BE53A-EDDE-8E8F-947E-005BE16E8518}"/>
+              </a:ext>
+            </a:extLst>
+          </p:cNvPr>
           <p:cNvSpPr>
             <a:spLocks noGrp="1"/>
           </p:cNvSpPr>
@@ -16739,14 +16918,20 @@
           <a:p>
             <a:r>
               <a:rPr lang="en-US" dirty="0"/>
-              <a:t>4 Main Types of Integration</a:t>
-            </a:r>
-          </a:p>
-        </p:txBody>
-      </p:sp>
-      <p:sp>
-        <p:nvSpPr>
-          <p:cNvPr id="3" name="Content Placeholder 2"/>
+              <a:t>Final Notes</a:t>
+            </a:r>
+          </a:p>
+        </p:txBody>
+      </p:sp>
+      <p:sp>
+        <p:nvSpPr>
+          <p:cNvPr id="3" name="Content Placeholder 2">
+            <a:extLst>
+              <a:ext uri="{FF2B5EF4-FFF2-40B4-BE49-F238E27FC236}">
+                <a16:creationId xmlns:a16="http://schemas.microsoft.com/office/drawing/2014/main" id="{0A4E50BF-B398-CBBF-763B-3376A3638AF0}"/>
+              </a:ext>
+            </a:extLst>
+          </p:cNvPr>
           <p:cNvSpPr>
             <a:spLocks noGrp="1"/>
           </p:cNvSpPr>
@@ -16756,38 +16941,33 @@
         </p:nvSpPr>
         <p:spPr/>
         <p:txBody>
-          <a:bodyPr/>
-          <a:lstStyle/>
-          <a:p>
-            <a:r>
-              <a:rPr lang="en-US" dirty="0"/>
-              <a:t>API Integration</a:t>
-            </a:r>
-          </a:p>
-          <a:p>
-            <a:r>
-              <a:rPr lang="en-US" dirty="0" err="1"/>
-              <a:t>Webhooks</a:t>
-            </a:r>
-            <a:endParaRPr lang="en-US" dirty="0"/>
-          </a:p>
-          <a:p>
-            <a:r>
-              <a:rPr lang="en-US" dirty="0"/>
-              <a:t>Integration Services Component (ISC) </a:t>
-            </a:r>
-          </a:p>
-          <a:p>
-            <a:r>
-              <a:rPr lang="en-US" dirty="0"/>
-              <a:t>Orchestrations</a:t>
-            </a:r>
-          </a:p>
-        </p:txBody>
-      </p:sp>
-      <p:sp>
-        <p:nvSpPr>
-          <p:cNvPr id="4" name="Slide Number Placeholder 3"/>
+          <a:bodyPr>
+            <a:normAutofit/>
+          </a:bodyPr>
+          <a:lstStyle/>
+          <a:p>
+            <a:r>
+              <a:rPr lang="en-US" dirty="0"/>
+              <a:t>System integration, enterprise application integration (EAI), and enterprise resource planning (ERP) are closely related concepts that are used in modern businesses to streamline operations and increase efficiency.</a:t>
+            </a:r>
+          </a:p>
+          <a:p>
+            <a:r>
+              <a:rPr lang="en-US" dirty="0"/>
+              <a:t>System integration refers to the process of connecting different systems and applications to work together seamlessly, facilitating the exchange of data and information between them.</a:t>
+            </a:r>
+          </a:p>
+        </p:txBody>
+      </p:sp>
+      <p:sp>
+        <p:nvSpPr>
+          <p:cNvPr id="4" name="Slide Number Placeholder 3">
+            <a:extLst>
+              <a:ext uri="{FF2B5EF4-FFF2-40B4-BE49-F238E27FC236}">
+                <a16:creationId xmlns:a16="http://schemas.microsoft.com/office/drawing/2014/main" id="{489B7A08-D832-33BC-0070-C72D243F1DE1}"/>
+              </a:ext>
+            </a:extLst>
+          </p:cNvPr>
           <p:cNvSpPr>
             <a:spLocks noGrp="1"/>
           </p:cNvSpPr>
@@ -16804,6 +16984,347 @@
               <a:rPr lang="en-US" smtClean="0"/>
               <a:pPr/>
               <a:t>43</a:t>
+            </a:fld>
+            <a:endParaRPr lang="en-US" dirty="0"/>
+          </a:p>
+        </p:txBody>
+      </p:sp>
+    </p:spTree>
+    <p:extLst>
+      <p:ext uri="{BB962C8B-B14F-4D97-AF65-F5344CB8AC3E}">
+        <p14:creationId xmlns:p14="http://schemas.microsoft.com/office/powerpoint/2010/main" val="1266982993"/>
+      </p:ext>
+    </p:extLst>
+  </p:cSld>
+  <p:clrMapOvr>
+    <a:masterClrMapping/>
+  </p:clrMapOvr>
+</p:sld>
+</file>
+
+<file path=ppt/slides/slide44.xml><?xml version="1.0" encoding="utf-8"?>
+<p:sld xmlns:a="http://schemas.openxmlformats.org/drawingml/2006/main" xmlns:r="http://schemas.openxmlformats.org/officeDocument/2006/relationships" xmlns:p="http://schemas.openxmlformats.org/presentationml/2006/main">
+  <p:cSld>
+    <p:spTree>
+      <p:nvGrpSpPr>
+        <p:cNvPr id="1" name=""/>
+        <p:cNvGrpSpPr/>
+        <p:nvPr/>
+      </p:nvGrpSpPr>
+      <p:grpSpPr>
+        <a:xfrm>
+          <a:off x="0" y="0"/>
+          <a:ext cx="0" cy="0"/>
+          <a:chOff x="0" y="0"/>
+          <a:chExt cx="0" cy="0"/>
+        </a:xfrm>
+      </p:grpSpPr>
+      <p:sp>
+        <p:nvSpPr>
+          <p:cNvPr id="2" name="Title 1">
+            <a:extLst>
+              <a:ext uri="{FF2B5EF4-FFF2-40B4-BE49-F238E27FC236}">
+                <a16:creationId xmlns:a16="http://schemas.microsoft.com/office/drawing/2014/main" id="{796BE53A-EDDE-8E8F-947E-005BE16E8518}"/>
+              </a:ext>
+            </a:extLst>
+          </p:cNvPr>
+          <p:cNvSpPr>
+            <a:spLocks noGrp="1"/>
+          </p:cNvSpPr>
+          <p:nvPr>
+            <p:ph type="title"/>
+          </p:nvPr>
+        </p:nvSpPr>
+        <p:spPr/>
+        <p:txBody>
+          <a:bodyPr/>
+          <a:lstStyle/>
+          <a:p>
+            <a:r>
+              <a:rPr lang="en-US" dirty="0"/>
+              <a:t>Final Notes</a:t>
+            </a:r>
+          </a:p>
+        </p:txBody>
+      </p:sp>
+      <p:sp>
+        <p:nvSpPr>
+          <p:cNvPr id="3" name="Content Placeholder 2">
+            <a:extLst>
+              <a:ext uri="{FF2B5EF4-FFF2-40B4-BE49-F238E27FC236}">
+                <a16:creationId xmlns:a16="http://schemas.microsoft.com/office/drawing/2014/main" id="{0A4E50BF-B398-CBBF-763B-3376A3638AF0}"/>
+              </a:ext>
+            </a:extLst>
+          </p:cNvPr>
+          <p:cNvSpPr>
+            <a:spLocks noGrp="1"/>
+          </p:cNvSpPr>
+          <p:nvPr>
+            <p:ph idx="1"/>
+          </p:nvPr>
+        </p:nvSpPr>
+        <p:spPr/>
+        <p:txBody>
+          <a:bodyPr>
+            <a:normAutofit/>
+          </a:bodyPr>
+          <a:lstStyle/>
+          <a:p>
+            <a:r>
+              <a:rPr lang="en-US" dirty="0"/>
+              <a:t>EAI is a more advanced form of system integration that focuses on integrating more complex enterprise-level applications, such as customer relationship management (CRM), supply chain management (SCM), and human resources management (HRM) systems.</a:t>
+            </a:r>
+          </a:p>
+          <a:p>
+            <a:r>
+              <a:rPr lang="en-US" dirty="0"/>
+              <a:t>ERP is a software solution that brings together all the different functions and processes of a business into a single, integrated system. It typically includes modules for finance, sales, procurement, inventory management, and more.</a:t>
+            </a:r>
+          </a:p>
+          <a:p>
+            <a:r>
+              <a:rPr lang="en-US" dirty="0"/>
+              <a:t>ERP can be seen as the ultimate goal of system integration and EAI, providing a unified view of the entire business that enables better decision-making and improved efficiency.</a:t>
+            </a:r>
+          </a:p>
+        </p:txBody>
+      </p:sp>
+      <p:sp>
+        <p:nvSpPr>
+          <p:cNvPr id="4" name="Slide Number Placeholder 3">
+            <a:extLst>
+              <a:ext uri="{FF2B5EF4-FFF2-40B4-BE49-F238E27FC236}">
+                <a16:creationId xmlns:a16="http://schemas.microsoft.com/office/drawing/2014/main" id="{489B7A08-D832-33BC-0070-C72D243F1DE1}"/>
+              </a:ext>
+            </a:extLst>
+          </p:cNvPr>
+          <p:cNvSpPr>
+            <a:spLocks noGrp="1"/>
+          </p:cNvSpPr>
+          <p:nvPr>
+            <p:ph type="sldNum" sz="quarter" idx="12"/>
+          </p:nvPr>
+        </p:nvSpPr>
+        <p:spPr/>
+        <p:txBody>
+          <a:bodyPr/>
+          <a:lstStyle/>
+          <a:p>
+            <a:fld id="{B8DACC02-A2BD-4578-8E03-6D891060A695}" type="slidenum">
+              <a:rPr lang="en-US" smtClean="0"/>
+              <a:pPr/>
+              <a:t>44</a:t>
+            </a:fld>
+            <a:endParaRPr lang="en-US" dirty="0"/>
+          </a:p>
+        </p:txBody>
+      </p:sp>
+    </p:spTree>
+    <p:extLst>
+      <p:ext uri="{BB962C8B-B14F-4D97-AF65-F5344CB8AC3E}">
+        <p14:creationId xmlns:p14="http://schemas.microsoft.com/office/powerpoint/2010/main" val="4186995024"/>
+      </p:ext>
+    </p:extLst>
+  </p:cSld>
+  <p:clrMapOvr>
+    <a:masterClrMapping/>
+  </p:clrMapOvr>
+</p:sld>
+</file>
+
+<file path=ppt/slides/slide45.xml><?xml version="1.0" encoding="utf-8"?>
+<p:sld xmlns:a="http://schemas.openxmlformats.org/drawingml/2006/main" xmlns:r="http://schemas.openxmlformats.org/officeDocument/2006/relationships" xmlns:p="http://schemas.openxmlformats.org/presentationml/2006/main">
+  <p:cSld>
+    <p:spTree>
+      <p:nvGrpSpPr>
+        <p:cNvPr id="1" name=""/>
+        <p:cNvGrpSpPr/>
+        <p:nvPr/>
+      </p:nvGrpSpPr>
+      <p:grpSpPr>
+        <a:xfrm>
+          <a:off x="0" y="0"/>
+          <a:ext cx="0" cy="0"/>
+          <a:chOff x="0" y="0"/>
+          <a:chExt cx="0" cy="0"/>
+        </a:xfrm>
+      </p:grpSpPr>
+      <p:sp>
+        <p:nvSpPr>
+          <p:cNvPr id="2" name="Title 1"/>
+          <p:cNvSpPr>
+            <a:spLocks noGrp="1"/>
+          </p:cNvSpPr>
+          <p:nvPr>
+            <p:ph type="title"/>
+          </p:nvPr>
+        </p:nvSpPr>
+        <p:spPr/>
+        <p:txBody>
+          <a:bodyPr/>
+          <a:lstStyle/>
+          <a:p>
+            <a:r>
+              <a:rPr lang="en-US" dirty="0"/>
+              <a:t>4 Main Types of Integration</a:t>
+            </a:r>
+          </a:p>
+        </p:txBody>
+      </p:sp>
+      <p:sp>
+        <p:nvSpPr>
+          <p:cNvPr id="3" name="Text Placeholder 2"/>
+          <p:cNvSpPr>
+            <a:spLocks noGrp="1"/>
+          </p:cNvSpPr>
+          <p:nvPr>
+            <p:ph type="body" idx="1"/>
+          </p:nvPr>
+        </p:nvSpPr>
+        <p:spPr/>
+        <p:txBody>
+          <a:bodyPr/>
+          <a:lstStyle/>
+          <a:p>
+            <a:endParaRPr lang="en-US"/>
+          </a:p>
+        </p:txBody>
+      </p:sp>
+      <p:sp>
+        <p:nvSpPr>
+          <p:cNvPr id="4" name="Slide Number Placeholder 3"/>
+          <p:cNvSpPr>
+            <a:spLocks noGrp="1"/>
+          </p:cNvSpPr>
+          <p:nvPr>
+            <p:ph type="sldNum" sz="quarter" idx="12"/>
+          </p:nvPr>
+        </p:nvSpPr>
+        <p:spPr/>
+        <p:txBody>
+          <a:bodyPr/>
+          <a:lstStyle/>
+          <a:p>
+            <a:fld id="{B8DACC02-A2BD-4578-8E03-6D891060A695}" type="slidenum">
+              <a:rPr lang="en-US" smtClean="0"/>
+              <a:t>45</a:t>
+            </a:fld>
+            <a:endParaRPr lang="en-US"/>
+          </a:p>
+        </p:txBody>
+      </p:sp>
+    </p:spTree>
+    <p:extLst>
+      <p:ext uri="{BB962C8B-B14F-4D97-AF65-F5344CB8AC3E}">
+        <p14:creationId xmlns:p14="http://schemas.microsoft.com/office/powerpoint/2010/main" val="1268584335"/>
+      </p:ext>
+    </p:extLst>
+  </p:cSld>
+  <p:clrMapOvr>
+    <a:masterClrMapping/>
+  </p:clrMapOvr>
+</p:sld>
+</file>
+
+<file path=ppt/slides/slide46.xml><?xml version="1.0" encoding="utf-8"?>
+<p:sld xmlns:a="http://schemas.openxmlformats.org/drawingml/2006/main" xmlns:r="http://schemas.openxmlformats.org/officeDocument/2006/relationships" xmlns:p="http://schemas.openxmlformats.org/presentationml/2006/main">
+  <p:cSld>
+    <p:spTree>
+      <p:nvGrpSpPr>
+        <p:cNvPr id="1" name=""/>
+        <p:cNvGrpSpPr/>
+        <p:nvPr/>
+      </p:nvGrpSpPr>
+      <p:grpSpPr>
+        <a:xfrm>
+          <a:off x="0" y="0"/>
+          <a:ext cx="0" cy="0"/>
+          <a:chOff x="0" y="0"/>
+          <a:chExt cx="0" cy="0"/>
+        </a:xfrm>
+      </p:grpSpPr>
+      <p:sp>
+        <p:nvSpPr>
+          <p:cNvPr id="2" name="Title 1"/>
+          <p:cNvSpPr>
+            <a:spLocks noGrp="1"/>
+          </p:cNvSpPr>
+          <p:nvPr>
+            <p:ph type="title"/>
+          </p:nvPr>
+        </p:nvSpPr>
+        <p:spPr/>
+        <p:txBody>
+          <a:bodyPr/>
+          <a:lstStyle/>
+          <a:p>
+            <a:r>
+              <a:rPr lang="en-US" dirty="0"/>
+              <a:t>4 Main Types of Integration</a:t>
+            </a:r>
+          </a:p>
+        </p:txBody>
+      </p:sp>
+      <p:sp>
+        <p:nvSpPr>
+          <p:cNvPr id="3" name="Content Placeholder 2"/>
+          <p:cNvSpPr>
+            <a:spLocks noGrp="1"/>
+          </p:cNvSpPr>
+          <p:nvPr>
+            <p:ph idx="1"/>
+          </p:nvPr>
+        </p:nvSpPr>
+        <p:spPr/>
+        <p:txBody>
+          <a:bodyPr/>
+          <a:lstStyle/>
+          <a:p>
+            <a:r>
+              <a:rPr lang="en-US" dirty="0"/>
+              <a:t>API Integration</a:t>
+            </a:r>
+          </a:p>
+          <a:p>
+            <a:r>
+              <a:rPr lang="en-US" dirty="0" err="1"/>
+              <a:t>Webhooks</a:t>
+            </a:r>
+            <a:endParaRPr lang="en-US" dirty="0"/>
+          </a:p>
+          <a:p>
+            <a:r>
+              <a:rPr lang="en-US" dirty="0"/>
+              <a:t>Integration Services Component (ISC) </a:t>
+            </a:r>
+          </a:p>
+          <a:p>
+            <a:r>
+              <a:rPr lang="en-US" dirty="0"/>
+              <a:t>Orchestrations</a:t>
+            </a:r>
+          </a:p>
+        </p:txBody>
+      </p:sp>
+      <p:sp>
+        <p:nvSpPr>
+          <p:cNvPr id="4" name="Slide Number Placeholder 3"/>
+          <p:cNvSpPr>
+            <a:spLocks noGrp="1"/>
+          </p:cNvSpPr>
+          <p:nvPr>
+            <p:ph type="sldNum" sz="quarter" idx="12"/>
+          </p:nvPr>
+        </p:nvSpPr>
+        <p:spPr/>
+        <p:txBody>
+          <a:bodyPr/>
+          <a:lstStyle/>
+          <a:p>
+            <a:fld id="{B8DACC02-A2BD-4578-8E03-6D891060A695}" type="slidenum">
+              <a:rPr lang="en-US" smtClean="0"/>
+              <a:pPr/>
+              <a:t>46</a:t>
             </a:fld>
             <a:endParaRPr lang="en-US" dirty="0"/>
           </a:p>
@@ -16851,487 +17372,7 @@
     </p:spTree>
     <p:extLst>
       <p:ext uri="{BB962C8B-B14F-4D97-AF65-F5344CB8AC3E}">
-        <p14:creationId xmlns:p14="http://schemas.microsoft.com/office/powerpoint/2010/main" val="377490040"/>
-      </p:ext>
-    </p:extLst>
-  </p:cSld>
-  <p:clrMapOvr>
-    <a:masterClrMapping/>
-  </p:clrMapOvr>
-</p:sld>
-</file>
-
-<file path=ppt/slides/slide44.xml><?xml version="1.0" encoding="utf-8"?>
-<p:sld xmlns:a="http://schemas.openxmlformats.org/drawingml/2006/main" xmlns:r="http://schemas.openxmlformats.org/officeDocument/2006/relationships" xmlns:p="http://schemas.openxmlformats.org/presentationml/2006/main">
-  <p:cSld>
-    <p:spTree>
-      <p:nvGrpSpPr>
-        <p:cNvPr id="1" name=""/>
-        <p:cNvGrpSpPr/>
-        <p:nvPr/>
-      </p:nvGrpSpPr>
-      <p:grpSpPr>
-        <a:xfrm>
-          <a:off x="0" y="0"/>
-          <a:ext cx="0" cy="0"/>
-          <a:chOff x="0" y="0"/>
-          <a:chExt cx="0" cy="0"/>
-        </a:xfrm>
-      </p:grpSpPr>
-      <p:sp>
-        <p:nvSpPr>
-          <p:cNvPr id="2" name="Title 1"/>
-          <p:cNvSpPr>
-            <a:spLocks noGrp="1"/>
-          </p:cNvSpPr>
-          <p:nvPr>
-            <p:ph type="title"/>
-          </p:nvPr>
-        </p:nvSpPr>
-        <p:spPr/>
-        <p:txBody>
-          <a:bodyPr/>
-          <a:lstStyle/>
-          <a:p>
-            <a:r>
-              <a:rPr lang="en-US" dirty="0"/>
-              <a:t>API Integration</a:t>
-            </a:r>
-          </a:p>
-        </p:txBody>
-      </p:sp>
-      <p:sp>
-        <p:nvSpPr>
-          <p:cNvPr id="3" name="Content Placeholder 2"/>
-          <p:cNvSpPr>
-            <a:spLocks noGrp="1"/>
-          </p:cNvSpPr>
-          <p:nvPr>
-            <p:ph idx="1"/>
-          </p:nvPr>
-        </p:nvSpPr>
-        <p:spPr/>
-        <p:txBody>
-          <a:bodyPr>
-            <a:normAutofit fontScale="85000" lnSpcReduction="20000"/>
-          </a:bodyPr>
-          <a:lstStyle/>
-          <a:p>
-            <a:r>
-              <a:rPr lang="en-US" dirty="0"/>
-              <a:t>Application Programming Interface (API) is the most common tool for connecting different applications for service management software. </a:t>
-            </a:r>
-          </a:p>
-          <a:p>
-            <a:r>
-              <a:rPr lang="en-US" dirty="0"/>
-              <a:t>There are many different types of API that are either public, partner, or private. What they all have in common is how they enable interaction between applications. </a:t>
-            </a:r>
-          </a:p>
-          <a:p>
-            <a:r>
-              <a:rPr lang="en-US" dirty="0"/>
-              <a:t>An API uses a common code language to specify functionality and set protocols. This gives your applications the ability to transfer data.</a:t>
-            </a:r>
-          </a:p>
-          <a:p>
-            <a:r>
-              <a:rPr lang="en-US" dirty="0"/>
-              <a:t>Pros:</a:t>
-            </a:r>
-          </a:p>
-          <a:p>
-            <a:pPr lvl="1"/>
-            <a:r>
-              <a:rPr lang="en-US" dirty="0"/>
-              <a:t>Highly Flexible: Even though you are dependent on the developer resources, specific data becomes highly flexible because the integration uses product code.</a:t>
-            </a:r>
-          </a:p>
-          <a:p>
-            <a:pPr lvl="1"/>
-            <a:r>
-              <a:rPr lang="en-US" dirty="0"/>
-              <a:t>App Changes Aren’t Disruptive: Service providers offer better functionality that goes uninterrupted since APIs are often limited in scope.</a:t>
-            </a:r>
-          </a:p>
-          <a:p>
-            <a:pPr lvl="1"/>
-            <a:r>
-              <a:rPr lang="en-US" dirty="0"/>
-              <a:t>Widely Available: As stated earlier, API is the most common tool for third-party integration. So, it will be unlikely that you run into a service that won’t offer API integration options.</a:t>
-            </a:r>
-          </a:p>
-          <a:p>
-            <a:r>
-              <a:rPr lang="en-US" dirty="0"/>
-              <a:t>Cons:</a:t>
-            </a:r>
-          </a:p>
-          <a:p>
-            <a:pPr lvl="1"/>
-            <a:r>
-              <a:rPr lang="en-US" dirty="0"/>
-              <a:t>Dependent on Vendor: Vendors are responsible for creating APIs. So, you are reliant on the vendor to create APIs for the specific type of information you are trying to pull.</a:t>
-            </a:r>
-          </a:p>
-          <a:p>
-            <a:pPr lvl="1"/>
-            <a:r>
-              <a:rPr lang="en-US" dirty="0"/>
-              <a:t>Code-Intensive: Because they are code-based, APIs need an understanding of programming languages to install.</a:t>
-            </a:r>
-          </a:p>
-        </p:txBody>
-      </p:sp>
-      <p:sp>
-        <p:nvSpPr>
-          <p:cNvPr id="4" name="Slide Number Placeholder 3"/>
-          <p:cNvSpPr>
-            <a:spLocks noGrp="1"/>
-          </p:cNvSpPr>
-          <p:nvPr>
-            <p:ph type="sldNum" sz="quarter" idx="12"/>
-          </p:nvPr>
-        </p:nvSpPr>
-        <p:spPr/>
-        <p:txBody>
-          <a:bodyPr/>
-          <a:lstStyle/>
-          <a:p>
-            <a:fld id="{B8DACC02-A2BD-4578-8E03-6D891060A695}" type="slidenum">
-              <a:rPr lang="en-US" smtClean="0"/>
-              <a:pPr/>
-              <a:t>44</a:t>
-            </a:fld>
-            <a:endParaRPr lang="en-US" dirty="0"/>
-          </a:p>
-        </p:txBody>
-      </p:sp>
-    </p:spTree>
-    <p:extLst>
-      <p:ext uri="{BB962C8B-B14F-4D97-AF65-F5344CB8AC3E}">
-        <p14:creationId xmlns:p14="http://schemas.microsoft.com/office/powerpoint/2010/main" val="462994708"/>
-      </p:ext>
-    </p:extLst>
-  </p:cSld>
-  <p:clrMapOvr>
-    <a:masterClrMapping/>
-  </p:clrMapOvr>
-</p:sld>
-</file>
-
-<file path=ppt/slides/slide45.xml><?xml version="1.0" encoding="utf-8"?>
-<p:sld xmlns:a="http://schemas.openxmlformats.org/drawingml/2006/main" xmlns:r="http://schemas.openxmlformats.org/officeDocument/2006/relationships" xmlns:p="http://schemas.openxmlformats.org/presentationml/2006/main">
-  <p:cSld>
-    <p:spTree>
-      <p:nvGrpSpPr>
-        <p:cNvPr id="1" name=""/>
-        <p:cNvGrpSpPr/>
-        <p:nvPr/>
-      </p:nvGrpSpPr>
-      <p:grpSpPr>
-        <a:xfrm>
-          <a:off x="0" y="0"/>
-          <a:ext cx="0" cy="0"/>
-          <a:chOff x="0" y="0"/>
-          <a:chExt cx="0" cy="0"/>
-        </a:xfrm>
-      </p:grpSpPr>
-      <p:sp>
-        <p:nvSpPr>
-          <p:cNvPr id="2" name="Title 1"/>
-          <p:cNvSpPr>
-            <a:spLocks noGrp="1"/>
-          </p:cNvSpPr>
-          <p:nvPr>
-            <p:ph type="title"/>
-          </p:nvPr>
-        </p:nvSpPr>
-        <p:spPr/>
-        <p:txBody>
-          <a:bodyPr/>
-          <a:lstStyle/>
-          <a:p>
-            <a:r>
-              <a:rPr lang="en-US" dirty="0"/>
-              <a:t>API Integration</a:t>
-            </a:r>
-          </a:p>
-        </p:txBody>
-      </p:sp>
-      <p:sp>
-        <p:nvSpPr>
-          <p:cNvPr id="3" name="Content Placeholder 2"/>
-          <p:cNvSpPr>
-            <a:spLocks noGrp="1"/>
-          </p:cNvSpPr>
-          <p:nvPr>
-            <p:ph idx="1"/>
-          </p:nvPr>
-        </p:nvSpPr>
-        <p:spPr/>
-        <p:txBody>
-          <a:bodyPr>
-            <a:normAutofit/>
-          </a:bodyPr>
-          <a:lstStyle/>
-          <a:p>
-            <a:r>
-              <a:rPr lang="en-US" dirty="0"/>
-              <a:t>Middleware is the hidden software layer that glues together distributed systems, applications, services, and devices. </a:t>
-            </a:r>
-          </a:p>
-          <a:p>
-            <a:r>
-              <a:rPr lang="en-US" dirty="0"/>
-              <a:t>It handles different tasks such as data management, messaging, API management, or authentication. Cloud middleware can be accessed via APIs. </a:t>
-            </a:r>
-          </a:p>
-          <a:p>
-            <a:r>
-              <a:rPr lang="en-US" dirty="0"/>
-              <a:t>In turn, an API gateway can be considered a type of middleware between a collection of services and systems using them.</a:t>
-            </a:r>
-          </a:p>
-        </p:txBody>
-      </p:sp>
-      <p:sp>
-        <p:nvSpPr>
-          <p:cNvPr id="4" name="Slide Number Placeholder 3"/>
-          <p:cNvSpPr>
-            <a:spLocks noGrp="1"/>
-          </p:cNvSpPr>
-          <p:nvPr>
-            <p:ph type="sldNum" sz="quarter" idx="12"/>
-          </p:nvPr>
-        </p:nvSpPr>
-        <p:spPr/>
-        <p:txBody>
-          <a:bodyPr/>
-          <a:lstStyle/>
-          <a:p>
-            <a:fld id="{B8DACC02-A2BD-4578-8E03-6D891060A695}" type="slidenum">
-              <a:rPr lang="en-US" smtClean="0"/>
-              <a:pPr/>
-              <a:t>45</a:t>
-            </a:fld>
-            <a:endParaRPr lang="en-US" dirty="0"/>
-          </a:p>
-        </p:txBody>
-      </p:sp>
-    </p:spTree>
-    <p:extLst>
-      <p:ext uri="{BB962C8B-B14F-4D97-AF65-F5344CB8AC3E}">
-        <p14:creationId xmlns:p14="http://schemas.microsoft.com/office/powerpoint/2010/main" val="730452656"/>
-      </p:ext>
-    </p:extLst>
-  </p:cSld>
-  <p:clrMapOvr>
-    <a:masterClrMapping/>
-  </p:clrMapOvr>
-</p:sld>
-</file>
-
-<file path=ppt/slides/slide46.xml><?xml version="1.0" encoding="utf-8"?>
-<p:sld xmlns:a="http://schemas.openxmlformats.org/drawingml/2006/main" xmlns:r="http://schemas.openxmlformats.org/officeDocument/2006/relationships" xmlns:p="http://schemas.openxmlformats.org/presentationml/2006/main">
-  <p:cSld>
-    <p:spTree>
-      <p:nvGrpSpPr>
-        <p:cNvPr id="1" name=""/>
-        <p:cNvGrpSpPr/>
-        <p:nvPr/>
-      </p:nvGrpSpPr>
-      <p:grpSpPr>
-        <a:xfrm>
-          <a:off x="0" y="0"/>
-          <a:ext cx="0" cy="0"/>
-          <a:chOff x="0" y="0"/>
-          <a:chExt cx="0" cy="0"/>
-        </a:xfrm>
-      </p:grpSpPr>
-      <p:sp>
-        <p:nvSpPr>
-          <p:cNvPr id="2" name="Title 1"/>
-          <p:cNvSpPr>
-            <a:spLocks noGrp="1"/>
-          </p:cNvSpPr>
-          <p:nvPr>
-            <p:ph type="title"/>
-          </p:nvPr>
-        </p:nvSpPr>
-        <p:spPr/>
-        <p:txBody>
-          <a:bodyPr/>
-          <a:lstStyle/>
-          <a:p>
-            <a:r>
-              <a:rPr lang="en-US" dirty="0" err="1"/>
-              <a:t>Webhooks</a:t>
-            </a:r>
-            <a:endParaRPr lang="en-US" dirty="0"/>
-          </a:p>
-        </p:txBody>
-      </p:sp>
-      <p:sp>
-        <p:nvSpPr>
-          <p:cNvPr id="3" name="Content Placeholder 2"/>
-          <p:cNvSpPr>
-            <a:spLocks noGrp="1"/>
-          </p:cNvSpPr>
-          <p:nvPr>
-            <p:ph idx="1"/>
-          </p:nvPr>
-        </p:nvSpPr>
-        <p:spPr/>
-        <p:txBody>
-          <a:bodyPr>
-            <a:normAutofit fontScale="92500" lnSpcReduction="20000"/>
-          </a:bodyPr>
-          <a:lstStyle/>
-          <a:p>
-            <a:r>
-              <a:rPr lang="en-US" dirty="0" err="1"/>
-              <a:t>Webhooks</a:t>
-            </a:r>
-            <a:r>
-              <a:rPr lang="en-US" dirty="0"/>
-              <a:t> or HTTP callbacks are an alternative to API integration. </a:t>
-            </a:r>
-          </a:p>
-          <a:p>
-            <a:r>
-              <a:rPr lang="en-US" dirty="0"/>
-              <a:t>They are both tools that link to a web application but have two key differences. </a:t>
-            </a:r>
-          </a:p>
-          <a:p>
-            <a:r>
-              <a:rPr lang="en-US" dirty="0"/>
-              <a:t>For </a:t>
-            </a:r>
-            <a:r>
-              <a:rPr lang="en-US" dirty="0" err="1"/>
-              <a:t>webhooks</a:t>
-            </a:r>
-            <a:r>
-              <a:rPr lang="en-US" dirty="0"/>
-              <a:t>, implementation is often not code-based. They often have modules that are programmable within a web application. </a:t>
-            </a:r>
-          </a:p>
-          <a:p>
-            <a:r>
-              <a:rPr lang="en-US" dirty="0"/>
-              <a:t>Instead of being request-based, </a:t>
-            </a:r>
-            <a:r>
-              <a:rPr lang="en-US" dirty="0" err="1"/>
-              <a:t>webhooks</a:t>
-            </a:r>
-            <a:r>
-              <a:rPr lang="en-US" dirty="0"/>
-              <a:t> are event-based. </a:t>
-            </a:r>
-          </a:p>
-          <a:p>
-            <a:r>
-              <a:rPr lang="en-US" dirty="0"/>
-              <a:t>They only trigger when specific events occur within a third-party service.</a:t>
-            </a:r>
-          </a:p>
-          <a:p>
-            <a:r>
-              <a:rPr lang="en-US" dirty="0"/>
-              <a:t>Pros:</a:t>
-            </a:r>
-          </a:p>
-          <a:p>
-            <a:pPr lvl="1"/>
-            <a:r>
-              <a:rPr lang="en-US" dirty="0"/>
-              <a:t>Real-Time Data: </a:t>
-            </a:r>
-            <a:r>
-              <a:rPr lang="en-US" dirty="0" err="1"/>
-              <a:t>Webhooks</a:t>
-            </a:r>
-            <a:r>
-              <a:rPr lang="en-US" dirty="0"/>
-              <a:t> don’t use a request-based system. They allow your team to view data on a real-time scale.</a:t>
-            </a:r>
-          </a:p>
-          <a:p>
-            <a:pPr lvl="1"/>
-            <a:r>
-              <a:rPr lang="en-US" dirty="0"/>
-              <a:t>Supports Automation Efforts: Because data requests are event-based, you don’t have to set up poll timings to your data center. This can help streamline data flow and automation.</a:t>
-            </a:r>
-          </a:p>
-          <a:p>
-            <a:r>
-              <a:rPr lang="en-US" dirty="0"/>
-              <a:t>Cons:</a:t>
-            </a:r>
-          </a:p>
-          <a:p>
-            <a:pPr lvl="1"/>
-            <a:r>
-              <a:rPr lang="en-US" dirty="0"/>
-              <a:t>Limits Data Manipulation: A </a:t>
-            </a:r>
-            <a:r>
-              <a:rPr lang="en-US" dirty="0" err="1"/>
-              <a:t>webhook</a:t>
-            </a:r>
-            <a:r>
-              <a:rPr lang="en-US" dirty="0"/>
-              <a:t> requires the service to trigger a data transfer based on an update. </a:t>
-            </a:r>
-          </a:p>
-          <a:p>
-            <a:pPr lvl="1"/>
-            <a:r>
-              <a:rPr lang="en-US" dirty="0"/>
-              <a:t>In contrast to </a:t>
-            </a:r>
-            <a:r>
-              <a:rPr lang="en-US" dirty="0" err="1"/>
-              <a:t>webhooks</a:t>
-            </a:r>
-            <a:r>
-              <a:rPr lang="en-US" dirty="0"/>
-              <a:t>, APIs can list, create, edit, or delete an item without triggering a transfer.</a:t>
-            </a:r>
-          </a:p>
-        </p:txBody>
-      </p:sp>
-      <p:sp>
-        <p:nvSpPr>
-          <p:cNvPr id="4" name="Slide Number Placeholder 3"/>
-          <p:cNvSpPr>
-            <a:spLocks noGrp="1"/>
-          </p:cNvSpPr>
-          <p:nvPr>
-            <p:ph type="sldNum" sz="quarter" idx="12"/>
-          </p:nvPr>
-        </p:nvSpPr>
-        <p:spPr/>
-        <p:txBody>
-          <a:bodyPr/>
-          <a:lstStyle/>
-          <a:p>
-            <a:fld id="{B8DACC02-A2BD-4578-8E03-6D891060A695}" type="slidenum">
-              <a:rPr lang="en-US" smtClean="0"/>
-              <a:pPr/>
-              <a:t>46</a:t>
-            </a:fld>
-            <a:endParaRPr lang="en-US" dirty="0"/>
-          </a:p>
-        </p:txBody>
-      </p:sp>
-    </p:spTree>
-    <p:extLst>
-      <p:ext uri="{BB962C8B-B14F-4D97-AF65-F5344CB8AC3E}">
-        <p14:creationId xmlns:p14="http://schemas.microsoft.com/office/powerpoint/2010/main" val="4119524139"/>
+        <p14:creationId xmlns:p14="http://schemas.microsoft.com/office/powerpoint/2010/main" val="851331880"/>
       </p:ext>
     </p:extLst>
   </p:cSld>
@@ -17375,7 +17416,7 @@
           <a:p>
             <a:r>
               <a:rPr lang="en-US" dirty="0"/>
-              <a:t>Integration Services Component (ISC)</a:t>
+              <a:t>API Integration</a:t>
             </a:r>
           </a:p>
         </p:txBody>
@@ -17393,75 +17434,48 @@
         <p:spPr/>
         <p:txBody>
           <a:bodyPr>
-            <a:normAutofit fontScale="92500" lnSpcReduction="10000"/>
+            <a:normAutofit/>
           </a:bodyPr>
           <a:lstStyle/>
           <a:p>
             <a:r>
-              <a:rPr lang="en-US" dirty="0"/>
-              <a:t>Integration Services Component (ISC) lives on a local server unlike code-based integrations.  </a:t>
-            </a:r>
-          </a:p>
-          <a:p>
-            <a:r>
-              <a:rPr lang="en-US" dirty="0"/>
-              <a:t>The ISC creates a bridge with </a:t>
+              <a:rPr lang="en-US" dirty="0" smtClean="0"/>
+              <a:t>Using </a:t>
+            </a:r>
+            <a:r>
+              <a:rPr lang="en-US" dirty="0"/>
+              <a:t>APIs to enable communication between different software applications and systems.</a:t>
+            </a:r>
+          </a:p>
+          <a:p>
+            <a:r>
+              <a:rPr lang="en-US" dirty="0" smtClean="0"/>
+              <a:t>APIs </a:t>
+            </a:r>
+            <a:r>
+              <a:rPr lang="en-US" dirty="0"/>
+              <a:t>provide a standardized interface for communication, allowing different systems to interact with each other. </a:t>
+            </a:r>
+            <a:endParaRPr lang="en-US" dirty="0" smtClean="0"/>
+          </a:p>
+          <a:p>
+            <a:r>
+              <a:rPr lang="en-US" dirty="0" smtClean="0"/>
+              <a:t>Examples </a:t>
+            </a:r>
+            <a:r>
+              <a:rPr lang="en-US" dirty="0"/>
+              <a:t>of APIs include RESTful APIs, SOAP APIs, and </a:t>
             </a:r>
             <a:r>
               <a:rPr lang="en-US" dirty="0" err="1"/>
-              <a:t>on-premise</a:t>
-            </a:r>
-            <a:r>
-              <a:rPr lang="en-US" dirty="0"/>
-              <a:t> tools such as directories, asset management tools, and BI tools without the need for file imports.</a:t>
-            </a:r>
-          </a:p>
-          <a:p>
-            <a:r>
-              <a:rPr lang="en-US" dirty="0"/>
-              <a:t>Pros:</a:t>
-            </a:r>
-          </a:p>
-          <a:p>
-            <a:pPr lvl="1"/>
-            <a:r>
-              <a:rPr lang="en-US" dirty="0"/>
-              <a:t>(Near) Out-of-the-Box Solution: The ISC immediately offers many data synchronization options you would likely use.</a:t>
-            </a:r>
-          </a:p>
-          <a:p>
-            <a:pPr lvl="1"/>
-            <a:r>
-              <a:rPr lang="en-US" dirty="0"/>
-              <a:t>Wider Range of Functionality: With an ISC, you have complete data access that you can do anything with.  </a:t>
-            </a:r>
-          </a:p>
-          <a:p>
-            <a:pPr lvl="1"/>
-            <a:r>
-              <a:rPr lang="en-US" dirty="0"/>
-              <a:t>Any data that you can access on the backend with your cloud service will be available.</a:t>
-            </a:r>
-          </a:p>
-          <a:p>
-            <a:r>
-              <a:rPr lang="en-US" dirty="0"/>
-              <a:t>Cons:</a:t>
-            </a:r>
-          </a:p>
-          <a:p>
-            <a:pPr lvl="1"/>
-            <a:r>
-              <a:rPr lang="en-US" dirty="0"/>
-              <a:t>Knowledge of Database Architecture Necessary: If you are unfamiliar with how your local database is set up, implementing an ISC will be challenging.</a:t>
-            </a:r>
-          </a:p>
-          <a:p>
-            <a:pPr lvl="1"/>
-            <a:r>
-              <a:rPr lang="en-US" dirty="0"/>
-              <a:t>Requires Access to the Backend of Your Applications: There will be many cases where backend access isn’t there for your team, so you won’t be able to use an ISC in those situations.</a:t>
-            </a:r>
+              <a:t>GraphQL</a:t>
+            </a:r>
+            <a:r>
+              <a:rPr lang="en-US" dirty="0"/>
+              <a:t> APIs. Can be used for both internal and external integrations.</a:t>
+            </a:r>
+            <a:endParaRPr lang="en-US" dirty="0"/>
           </a:p>
         </p:txBody>
       </p:sp>
@@ -17492,7 +17506,7 @@
     </p:spTree>
     <p:extLst>
       <p:ext uri="{BB962C8B-B14F-4D97-AF65-F5344CB8AC3E}">
-        <p14:creationId xmlns:p14="http://schemas.microsoft.com/office/powerpoint/2010/main" val="2896942127"/>
+        <p14:creationId xmlns:p14="http://schemas.microsoft.com/office/powerpoint/2010/main" val="1215567782"/>
       </p:ext>
     </p:extLst>
   </p:cSld>
@@ -17535,9 +17549,10 @@
           <a:lstStyle/>
           <a:p>
             <a:r>
-              <a:rPr lang="en-US" dirty="0"/>
-              <a:t>Orchestrations</a:t>
-            </a:r>
+              <a:rPr lang="en-US" dirty="0" err="1"/>
+              <a:t>Webhooks</a:t>
+            </a:r>
+            <a:endParaRPr lang="en-US" dirty="0"/>
           </a:p>
         </p:txBody>
       </p:sp>
@@ -17554,72 +17569,44 @@
         <p:spPr/>
         <p:txBody>
           <a:bodyPr>
-            <a:normAutofit fontScale="92500" lnSpcReduction="20000"/>
+            <a:normAutofit/>
           </a:bodyPr>
           <a:lstStyle/>
           <a:p>
             <a:r>
-              <a:rPr lang="en-US" dirty="0"/>
-              <a:t>The most automated integration option is orchestrations. </a:t>
-            </a:r>
-          </a:p>
-          <a:p>
-            <a:r>
-              <a:rPr lang="en-US" dirty="0"/>
-              <a:t>It is the process of automating multiple systems and services together. </a:t>
-            </a:r>
-          </a:p>
-          <a:p>
-            <a:r>
-              <a:rPr lang="en-US" dirty="0"/>
-              <a:t>Teams will often use software configuration management tools such as PowerShell to build orchestrations. </a:t>
-            </a:r>
-          </a:p>
-          <a:p>
-            <a:r>
-              <a:rPr lang="en-US" dirty="0"/>
-              <a:t>Software configuration management tools offer various methods such as snap-ins or hosting APIs to connect with applications to manage the automation workflow.</a:t>
-            </a:r>
-          </a:p>
-          <a:p>
-            <a:r>
-              <a:rPr lang="en-US" dirty="0"/>
-              <a:t>Pros:</a:t>
-            </a:r>
-          </a:p>
-          <a:p>
-            <a:pPr lvl="1"/>
-            <a:r>
-              <a:rPr lang="en-US" dirty="0"/>
-              <a:t>Full Automation: Automation across all processes.</a:t>
-            </a:r>
-          </a:p>
-          <a:p>
-            <a:pPr lvl="1"/>
-            <a:r>
-              <a:rPr lang="en-US" dirty="0"/>
-              <a:t>Manages Multiple Systems: Ability to manage the integrations of multiple systems collectively.</a:t>
-            </a:r>
-          </a:p>
-          <a:p>
-            <a:r>
-              <a:rPr lang="en-US" dirty="0"/>
-              <a:t>Cons:</a:t>
-            </a:r>
-          </a:p>
-          <a:p>
-            <a:pPr lvl="1"/>
-            <a:r>
-              <a:rPr lang="en-US" dirty="0"/>
-              <a:t>Code-Intensive: You need to have coding skills to manage your software configuration management tool.</a:t>
-            </a:r>
-          </a:p>
-          <a:p>
-            <a:pPr lvl="1"/>
-            <a:r>
-              <a:rPr lang="en-US" dirty="0"/>
-              <a:t>Labor-Intensive: Because the workflows are quite complex, the setup can be a drawn-out process. Also, any asset or process changes force you to check how it will affect your orchestrations.</a:t>
-            </a:r>
+              <a:rPr lang="en-US" dirty="0" smtClean="0"/>
+              <a:t>A </a:t>
+            </a:r>
+            <a:r>
+              <a:rPr lang="en-US" dirty="0"/>
+              <a:t>mechanism for triggering a specific action in one system based on an event that occurs in another system.</a:t>
+            </a:r>
+          </a:p>
+          <a:p>
+            <a:r>
+              <a:rPr lang="en-US" dirty="0" err="1" smtClean="0"/>
+              <a:t>Webhooks</a:t>
+            </a:r>
+            <a:r>
+              <a:rPr lang="en-US" dirty="0" smtClean="0"/>
+              <a:t> </a:t>
+            </a:r>
+            <a:r>
+              <a:rPr lang="en-US" dirty="0"/>
+              <a:t>allow one system to send an HTTP POST request to another system when a specific event occurs, such as a new customer signup or a new order. </a:t>
+            </a:r>
+            <a:endParaRPr lang="en-US" dirty="0" smtClean="0"/>
+          </a:p>
+          <a:p>
+            <a:r>
+              <a:rPr lang="en-US" dirty="0" smtClean="0"/>
+              <a:t>The </a:t>
+            </a:r>
+            <a:r>
+              <a:rPr lang="en-US" dirty="0"/>
+              <a:t>receiving system can then perform a specific action or process based on the data sent in the request.</a:t>
+            </a:r>
+            <a:endParaRPr lang="en-US" dirty="0"/>
           </a:p>
         </p:txBody>
       </p:sp>
@@ -17650,7 +17637,7 @@
     </p:spTree>
     <p:extLst>
       <p:ext uri="{BB962C8B-B14F-4D97-AF65-F5344CB8AC3E}">
-        <p14:creationId xmlns:p14="http://schemas.microsoft.com/office/powerpoint/2010/main" val="4075353029"/>
+        <p14:creationId xmlns:p14="http://schemas.microsoft.com/office/powerpoint/2010/main" val="3862333406"/>
       </p:ext>
     </p:extLst>
   </p:cSld>
@@ -17679,13 +17666,7 @@
       </p:grpSpPr>
       <p:sp>
         <p:nvSpPr>
-          <p:cNvPr id="5" name="Title 4">
-            <a:extLst>
-              <a:ext uri="{FF2B5EF4-FFF2-40B4-BE49-F238E27FC236}">
-                <a16:creationId xmlns:a16="http://schemas.microsoft.com/office/drawing/2014/main" id="{D9BAA9D7-1182-2D06-8207-5961CE3225EC}"/>
-              </a:ext>
-            </a:extLst>
-          </p:cNvPr>
+          <p:cNvPr id="2" name="Title 1"/>
           <p:cNvSpPr>
             <a:spLocks noGrp="1"/>
           </p:cNvSpPr>
@@ -17700,45 +17681,85 @@
           <a:p>
             <a:r>
               <a:rPr lang="en-US" dirty="0"/>
-              <a:t>Integration Steps</a:t>
-            </a:r>
-          </a:p>
-        </p:txBody>
-      </p:sp>
-      <p:sp>
-        <p:nvSpPr>
-          <p:cNvPr id="6" name="Text Placeholder 5">
-            <a:extLst>
-              <a:ext uri="{FF2B5EF4-FFF2-40B4-BE49-F238E27FC236}">
-                <a16:creationId xmlns:a16="http://schemas.microsoft.com/office/drawing/2014/main" id="{CFB533CF-05C8-E591-501F-31889B50638E}"/>
-              </a:ext>
-            </a:extLst>
-          </p:cNvPr>
-          <p:cNvSpPr>
-            <a:spLocks noGrp="1"/>
-          </p:cNvSpPr>
-          <p:nvPr>
-            <p:ph type="body" idx="1"/>
+              <a:t>Integration Services Component (ISC)</a:t>
+            </a:r>
+          </a:p>
+        </p:txBody>
+      </p:sp>
+      <p:sp>
+        <p:nvSpPr>
+          <p:cNvPr id="3" name="Content Placeholder 2"/>
+          <p:cNvSpPr>
+            <a:spLocks noGrp="1"/>
+          </p:cNvSpPr>
+          <p:nvPr>
+            <p:ph idx="1"/>
           </p:nvPr>
         </p:nvSpPr>
         <p:spPr/>
         <p:txBody>
-          <a:bodyPr/>
-          <a:lstStyle/>
-          <a:p>
-            <a:endParaRPr lang="en-US"/>
-          </a:p>
-        </p:txBody>
-      </p:sp>
-      <p:sp>
-        <p:nvSpPr>
-          <p:cNvPr id="4" name="Slide Number Placeholder 3">
-            <a:extLst>
-              <a:ext uri="{FF2B5EF4-FFF2-40B4-BE49-F238E27FC236}">
-                <a16:creationId xmlns:a16="http://schemas.microsoft.com/office/drawing/2014/main" id="{18B888A4-9912-177B-9050-0BEC567AA6B6}"/>
-              </a:ext>
-            </a:extLst>
-          </p:cNvPr>
+          <a:bodyPr>
+            <a:normAutofit/>
+          </a:bodyPr>
+          <a:lstStyle/>
+          <a:p>
+            <a:r>
+              <a:rPr lang="en-US" dirty="0"/>
+              <a:t>Integration Services Component (ISC) lives on a local server unlike code-based integrations.  </a:t>
+            </a:r>
+          </a:p>
+          <a:p>
+            <a:r>
+              <a:rPr lang="en-US" dirty="0"/>
+              <a:t>The ISC creates a bridge with </a:t>
+            </a:r>
+            <a:r>
+              <a:rPr lang="en-US" dirty="0" err="1"/>
+              <a:t>on-premise</a:t>
+            </a:r>
+            <a:r>
+              <a:rPr lang="en-US" dirty="0"/>
+              <a:t> tools such as directories, asset management tools, and BI tools without the need for file imports.</a:t>
+            </a:r>
+          </a:p>
+          <a:p>
+            <a:r>
+              <a:rPr lang="en-US" dirty="0" smtClean="0"/>
+              <a:t>ISC </a:t>
+            </a:r>
+            <a:r>
+              <a:rPr lang="en-US" dirty="0"/>
+              <a:t>provides a set of tools and features for creating and managing integrations between different systems and applications. </a:t>
+            </a:r>
+            <a:endParaRPr lang="en-US" dirty="0" smtClean="0"/>
+          </a:p>
+          <a:p>
+            <a:r>
+              <a:rPr lang="en-US" dirty="0" smtClean="0"/>
+              <a:t>It </a:t>
+            </a:r>
+            <a:r>
+              <a:rPr lang="en-US" dirty="0"/>
+              <a:t>supports a variety of integration patterns and protocols, such as messaging, web services, and EDI. </a:t>
+            </a:r>
+            <a:endParaRPr lang="en-US" dirty="0" smtClean="0"/>
+          </a:p>
+          <a:p>
+            <a:r>
+              <a:rPr lang="en-US" dirty="0" smtClean="0"/>
+              <a:t>ISC </a:t>
+            </a:r>
+            <a:r>
+              <a:rPr lang="en-US" dirty="0"/>
+              <a:t>can be used for both internal and external integrations.</a:t>
+            </a:r>
+            <a:endParaRPr lang="en-US" dirty="0"/>
+          </a:p>
+        </p:txBody>
+      </p:sp>
+      <p:sp>
+        <p:nvSpPr>
+          <p:cNvPr id="4" name="Slide Number Placeholder 3"/>
           <p:cNvSpPr>
             <a:spLocks noGrp="1"/>
           </p:cNvSpPr>
@@ -17763,7 +17784,7 @@
     </p:spTree>
     <p:extLst>
       <p:ext uri="{BB962C8B-B14F-4D97-AF65-F5344CB8AC3E}">
-        <p14:creationId xmlns:p14="http://schemas.microsoft.com/office/powerpoint/2010/main" val="1239433158"/>
+        <p14:creationId xmlns:p14="http://schemas.microsoft.com/office/powerpoint/2010/main" val="3993557373"/>
       </p:ext>
     </p:extLst>
   </p:cSld>
@@ -17807,8 +17828,9 @@
           <a:p>
             <a:r>
               <a:rPr lang="en-US" dirty="0"/>
-              <a:t>System integration Overview</a:t>
-            </a:r>
+              <a:t>Types of Systems Integration</a:t>
+            </a:r>
+            <a:endParaRPr lang="en-US" dirty="0"/>
           </a:p>
         </p:txBody>
       </p:sp>
@@ -17829,29 +17851,21 @@
           <a:p>
             <a:r>
               <a:rPr lang="en-US" dirty="0"/>
-              <a:t>The main reason for organizations to use system integration is:</a:t>
-            </a:r>
-          </a:p>
-          <a:p>
-            <a:pPr lvl="1"/>
-            <a:r>
-              <a:rPr lang="en-US" dirty="0"/>
-              <a:t>Their need to improve productivity and quality of their operations.</a:t>
-            </a:r>
-          </a:p>
-          <a:p>
-            <a:pPr lvl="1"/>
-            <a:r>
-              <a:rPr lang="en-US" dirty="0"/>
-              <a:t>Get the organizations various IT systems to “talk to each other” through the integration, to speed up information flows and reduce operational costs for the organization.</a:t>
-            </a:r>
-          </a:p>
-          <a:p>
-            <a:pPr lvl="1"/>
-            <a:r>
-              <a:rPr lang="en-US" dirty="0"/>
-              <a:t>But system integration is not used only to connect an organization’s internal systems, but also third parties that the organization operates with.</a:t>
-            </a:r>
+              <a:t>Hardware Integration: Connecting physical devices and equipment to work together as a single system.</a:t>
+            </a:r>
+          </a:p>
+          <a:p>
+            <a:r>
+              <a:rPr lang="en-US" dirty="0"/>
+              <a:t>Software Integration: Combining different software applications or systems to work together as a single system.</a:t>
+            </a:r>
+          </a:p>
+          <a:p>
+            <a:r>
+              <a:rPr lang="en-US" dirty="0"/>
+              <a:t>Data Integration: Combining different data sources and formats to work together as a single system.</a:t>
+            </a:r>
+            <a:endParaRPr lang="en-US" dirty="0"/>
           </a:p>
         </p:txBody>
       </p:sp>
@@ -17926,8 +17940,91 @@
           <a:p>
             <a:r>
               <a:rPr lang="en-US" dirty="0"/>
-              <a:t>Key steps of system integration</a:t>
-            </a:r>
+              <a:t>Orchestrations</a:t>
+            </a:r>
+          </a:p>
+        </p:txBody>
+      </p:sp>
+      <p:sp>
+        <p:nvSpPr>
+          <p:cNvPr id="3" name="Content Placeholder 2"/>
+          <p:cNvSpPr>
+            <a:spLocks noGrp="1"/>
+          </p:cNvSpPr>
+          <p:nvPr>
+            <p:ph idx="1"/>
+          </p:nvPr>
+        </p:nvSpPr>
+        <p:spPr/>
+        <p:txBody>
+          <a:bodyPr>
+            <a:normAutofit/>
+          </a:bodyPr>
+          <a:lstStyle/>
+          <a:p>
+            <a:r>
+              <a:rPr lang="en-US" dirty="0" smtClean="0"/>
+              <a:t>The most automated integration option is orchestrations. </a:t>
+            </a:r>
+          </a:p>
+          <a:p>
+            <a:r>
+              <a:rPr lang="en-US" dirty="0" smtClean="0"/>
+              <a:t>A </a:t>
+            </a:r>
+            <a:r>
+              <a:rPr lang="en-US" dirty="0"/>
+              <a:t>workflow or process that coordinates the execution of multiple tasks or functions across different systems and applications.</a:t>
+            </a:r>
+          </a:p>
+          <a:p>
+            <a:r>
+              <a:rPr lang="en-US" dirty="0" smtClean="0"/>
+              <a:t>Orchestrations </a:t>
+            </a:r>
+            <a:r>
+              <a:rPr lang="en-US" dirty="0"/>
+              <a:t>enable the automation of complex business processes by defining a sequence of tasks and functions that need to be executed in a specific order. </a:t>
+            </a:r>
+            <a:endParaRPr lang="en-US" dirty="0" smtClean="0"/>
+          </a:p>
+          <a:p>
+            <a:r>
+              <a:rPr lang="en-US" dirty="0" smtClean="0"/>
+              <a:t>Orchestrations </a:t>
+            </a:r>
+            <a:r>
+              <a:rPr lang="en-US" dirty="0"/>
+              <a:t>can be used to integrate multiple systems and applications by coordinating the exchange of data and messages between them. </a:t>
+            </a:r>
+            <a:endParaRPr lang="en-US" dirty="0" smtClean="0"/>
+          </a:p>
+          <a:p>
+            <a:r>
+              <a:rPr lang="en-US" dirty="0" smtClean="0"/>
+              <a:t>They </a:t>
+            </a:r>
+            <a:r>
+              <a:rPr lang="en-US" dirty="0"/>
+              <a:t>can be designed using various tools and platforms, such as Microsoft BizTalk Server, </a:t>
+            </a:r>
+            <a:r>
+              <a:rPr lang="en-US" dirty="0" err="1"/>
+              <a:t>MuleSoft</a:t>
+            </a:r>
+            <a:r>
+              <a:rPr lang="en-US" dirty="0"/>
+              <a:t> </a:t>
+            </a:r>
+            <a:r>
+              <a:rPr lang="en-US" dirty="0" err="1"/>
+              <a:t>Anypoint</a:t>
+            </a:r>
+            <a:r>
+              <a:rPr lang="en-US" dirty="0"/>
+              <a:t> Platform, or Apache Camel.</a:t>
+            </a:r>
+            <a:endParaRPr lang="en-US" dirty="0" smtClean="0"/>
           </a:p>
         </p:txBody>
       </p:sp>
@@ -17955,32 +18052,10 @@
           </a:p>
         </p:txBody>
       </p:sp>
-      <p:graphicFrame>
-        <p:nvGraphicFramePr>
-          <p:cNvPr id="7" name="Diagram 6"/>
-          <p:cNvGraphicFramePr/>
-          <p:nvPr>
-            <p:extLst>
-              <p:ext uri="{D42A27DB-BD31-4B8C-83A1-F6EECF244321}">
-                <p14:modId xmlns:p14="http://schemas.microsoft.com/office/powerpoint/2010/main" val="2265295448"/>
-              </p:ext>
-            </p:extLst>
-          </p:nvPr>
-        </p:nvGraphicFramePr>
-        <p:xfrm>
-          <a:off x="972743" y="1044338"/>
-          <a:ext cx="9782773" cy="5418667"/>
-        </p:xfrm>
-        <a:graphic>
-          <a:graphicData uri="http://schemas.openxmlformats.org/drawingml/2006/diagram">
-            <dgm:relIds xmlns:dgm="http://schemas.openxmlformats.org/drawingml/2006/diagram" xmlns:r="http://schemas.openxmlformats.org/officeDocument/2006/relationships" r:dm="rId2" r:lo="rId3" r:qs="rId4" r:cs="rId5"/>
-          </a:graphicData>
-        </a:graphic>
-      </p:graphicFrame>
     </p:spTree>
     <p:extLst>
       <p:ext uri="{BB962C8B-B14F-4D97-AF65-F5344CB8AC3E}">
-        <p14:creationId xmlns:p14="http://schemas.microsoft.com/office/powerpoint/2010/main" val="3533412128"/>
+        <p14:creationId xmlns:p14="http://schemas.microsoft.com/office/powerpoint/2010/main" val="236354967"/>
       </p:ext>
     </p:extLst>
   </p:cSld>
@@ -18009,7 +18084,7 @@
       </p:grpSpPr>
       <p:sp>
         <p:nvSpPr>
-          <p:cNvPr id="2" name="Title 1"/>
+          <p:cNvPr id="5" name="Title 4"/>
           <p:cNvSpPr>
             <a:spLocks noGrp="1"/>
           </p:cNvSpPr>
@@ -18023,79 +18098,29 @@
           <a:lstStyle/>
           <a:p>
             <a:r>
-              <a:rPr lang="en-US" dirty="0"/>
-              <a:t>Key steps of system integration</a:t>
-            </a:r>
-          </a:p>
-        </p:txBody>
-      </p:sp>
-      <p:sp>
-        <p:nvSpPr>
-          <p:cNvPr id="3" name="Content Placeholder 2"/>
-          <p:cNvSpPr>
-            <a:spLocks noGrp="1"/>
-          </p:cNvSpPr>
-          <p:nvPr>
-            <p:ph idx="1"/>
+              <a:rPr lang="en-US" dirty="0" smtClean="0"/>
+              <a:t>Examples and Conclusion</a:t>
+            </a:r>
+            <a:endParaRPr lang="en-US" dirty="0"/>
+          </a:p>
+        </p:txBody>
+      </p:sp>
+      <p:sp>
+        <p:nvSpPr>
+          <p:cNvPr id="6" name="Text Placeholder 5"/>
+          <p:cNvSpPr>
+            <a:spLocks noGrp="1"/>
+          </p:cNvSpPr>
+          <p:nvPr>
+            <p:ph type="body" idx="1"/>
           </p:nvPr>
         </p:nvSpPr>
         <p:spPr/>
         <p:txBody>
-          <a:bodyPr>
-            <a:normAutofit/>
-          </a:bodyPr>
-          <a:lstStyle/>
-          <a:p>
-            <a:r>
-              <a:rPr lang="en-US" dirty="0"/>
-              <a:t>Planning and feasibility analysis</a:t>
-            </a:r>
-          </a:p>
-          <a:p>
-            <a:pPr lvl="1"/>
-            <a:r>
-              <a:rPr lang="en-US" dirty="0"/>
-              <a:t>Every integration process starts with the assessment of systems to be integrated and mapping out a realistic strategy. </a:t>
-            </a:r>
-          </a:p>
-          <a:p>
-            <a:r>
-              <a:rPr lang="en-US" dirty="0"/>
-              <a:t>Architecture modeling</a:t>
-            </a:r>
-          </a:p>
-          <a:p>
-            <a:pPr lvl="1"/>
-            <a:r>
-              <a:rPr lang="en-US" dirty="0"/>
-              <a:t>Choosing one of the common models we mentioned above or designing a custom architecture to meet your specific needs. </a:t>
-            </a:r>
-          </a:p>
-          <a:p>
-            <a:r>
-              <a:rPr lang="en-US" dirty="0"/>
-              <a:t>Implementation</a:t>
-            </a:r>
-          </a:p>
-          <a:p>
-            <a:pPr lvl="1"/>
-            <a:r>
-              <a:rPr lang="en-US" dirty="0"/>
-              <a:t>The new integrated system is thoroughly tested to make sure that all modules seamlessly interact with one another without losing any data during transmission. </a:t>
-            </a:r>
-          </a:p>
-          <a:p>
-            <a:r>
-              <a:rPr lang="en-US" dirty="0"/>
-              <a:t>Maintenance</a:t>
-            </a:r>
-          </a:p>
-          <a:p>
-            <a:pPr lvl="1"/>
-            <a:r>
-              <a:rPr lang="en-US" dirty="0"/>
-              <a:t>You shouldn’t neglect routine maintenance on the system. </a:t>
-            </a:r>
+          <a:bodyPr/>
+          <a:lstStyle/>
+          <a:p>
+            <a:endParaRPr lang="en-US"/>
           </a:p>
         </p:txBody>
       </p:sp>
@@ -18126,7 +18151,7 @@
     </p:spTree>
     <p:extLst>
       <p:ext uri="{BB962C8B-B14F-4D97-AF65-F5344CB8AC3E}">
-        <p14:creationId xmlns:p14="http://schemas.microsoft.com/office/powerpoint/2010/main" val="3389403840"/>
+        <p14:creationId xmlns:p14="http://schemas.microsoft.com/office/powerpoint/2010/main" val="1659922625"/>
       </p:ext>
     </p:extLst>
   </p:cSld>
@@ -18155,13 +18180,7 @@
       </p:grpSpPr>
       <p:sp>
         <p:nvSpPr>
-          <p:cNvPr id="2" name="Title 1">
-            <a:extLst>
-              <a:ext uri="{FF2B5EF4-FFF2-40B4-BE49-F238E27FC236}">
-                <a16:creationId xmlns:a16="http://schemas.microsoft.com/office/drawing/2014/main" id="{3EDE229B-E41B-EBCF-63DC-F3620B2B04DA}"/>
-              </a:ext>
-            </a:extLst>
-          </p:cNvPr>
+          <p:cNvPr id="2" name="Title 1"/>
           <p:cNvSpPr>
             <a:spLocks noGrp="1"/>
           </p:cNvSpPr>
@@ -18178,20 +18197,19 @@
           <a:p>
             <a:r>
               <a:rPr lang="en-US" dirty="0"/>
-              <a:t>12 Steps to Application Integration</a:t>
-            </a:r>
-          </a:p>
-        </p:txBody>
-      </p:sp>
-      <p:sp>
-        <p:nvSpPr>
-          <p:cNvPr id="3" name="Content Placeholder 2">
-            <a:extLst>
-              <a:ext uri="{FF2B5EF4-FFF2-40B4-BE49-F238E27FC236}">
-                <a16:creationId xmlns:a16="http://schemas.microsoft.com/office/drawing/2014/main" id="{67AC4D2D-C9A9-C049-A179-C5C20E9FBB97}"/>
-              </a:ext>
-            </a:extLst>
-          </p:cNvPr>
+              <a:t>Examples of Successful Systems </a:t>
+            </a:r>
+            <a:r>
+              <a:rPr lang="en-US" dirty="0" smtClean="0"/>
+              <a:t>Integration</a:t>
+            </a:r>
+            <a:endParaRPr lang="en-US" dirty="0"/>
+          </a:p>
+        </p:txBody>
+      </p:sp>
+      <p:sp>
+        <p:nvSpPr>
+          <p:cNvPr id="3" name="Content Placeholder 2"/>
           <p:cNvSpPr>
             <a:spLocks noGrp="1"/>
           </p:cNvSpPr>
@@ -18201,141 +18219,44 @@
         </p:nvSpPr>
         <p:spPr/>
         <p:txBody>
-          <a:bodyPr>
-            <a:normAutofit fontScale="92500" lnSpcReduction="10000"/>
-          </a:bodyPr>
-          <a:lstStyle/>
-          <a:p>
-            <a:pPr marL="514350" indent="-514350">
-              <a:buFont typeface="+mj-lt"/>
-              <a:buAutoNum type="arabicPeriod"/>
-            </a:pPr>
-            <a:r>
-              <a:rPr lang="en-US" dirty="0"/>
-              <a:t>Understand the enterprise and problem domain.</a:t>
-            </a:r>
-          </a:p>
-          <a:p>
-            <a:pPr marL="514350" indent="-514350">
-              <a:buFont typeface="+mj-lt"/>
-              <a:buAutoNum type="arabicPeriod"/>
-            </a:pPr>
-            <a:r>
-              <a:rPr lang="en-US" dirty="0"/>
-              <a:t>Make sense of the data.</a:t>
-            </a:r>
-          </a:p>
-          <a:p>
-            <a:pPr marL="514350" indent="-514350">
-              <a:buFont typeface="+mj-lt"/>
-              <a:buAutoNum type="arabicPeriod"/>
-            </a:pPr>
-            <a:r>
-              <a:rPr lang="en-US" dirty="0"/>
-              <a:t>Make sense of the processes.</a:t>
-            </a:r>
-          </a:p>
-          <a:p>
-            <a:pPr marL="514350" indent="-514350">
-              <a:buFont typeface="+mj-lt"/>
-              <a:buAutoNum type="arabicPeriod"/>
-            </a:pPr>
-            <a:r>
-              <a:rPr lang="en-US" dirty="0"/>
-              <a:t>Identify any application interfaces.</a:t>
-            </a:r>
-          </a:p>
-          <a:p>
-            <a:pPr marL="514350" indent="-514350">
-              <a:buFont typeface="+mj-lt"/>
-              <a:buAutoNum type="arabicPeriod"/>
-            </a:pPr>
-            <a:r>
-              <a:rPr lang="en-US" dirty="0"/>
-              <a:t>Identify the business events.</a:t>
-            </a:r>
-          </a:p>
-          <a:p>
-            <a:pPr marL="514350" indent="-514350">
-              <a:buFont typeface="+mj-lt"/>
-              <a:buAutoNum type="arabicPeriod"/>
-            </a:pPr>
-            <a:r>
-              <a:rPr lang="en-US" dirty="0"/>
-              <a:t>Identify the data transformation scenarios.</a:t>
-            </a:r>
-          </a:p>
-          <a:p>
-            <a:pPr marL="514350" indent="-514350">
-              <a:buFont typeface="+mj-lt"/>
-              <a:buAutoNum type="arabicPeriod"/>
-            </a:pPr>
-            <a:r>
-              <a:rPr lang="en-US" dirty="0"/>
-              <a:t>Map information movement.</a:t>
-            </a:r>
-          </a:p>
-          <a:p>
-            <a:pPr marL="514350" indent="-514350">
-              <a:buFont typeface="+mj-lt"/>
-              <a:buAutoNum type="arabicPeriod"/>
-            </a:pPr>
-            <a:r>
-              <a:rPr lang="en-US" dirty="0"/>
-              <a:t>Apply technology.</a:t>
-            </a:r>
-          </a:p>
-          <a:p>
-            <a:pPr marL="514350" indent="-514350">
-              <a:buFont typeface="+mj-lt"/>
-              <a:buAutoNum type="arabicPeriod"/>
-            </a:pPr>
-            <a:r>
-              <a:rPr lang="en-US" dirty="0"/>
-              <a:t>Test, test, test.</a:t>
-            </a:r>
-          </a:p>
-          <a:p>
-            <a:pPr marL="514350" indent="-514350">
-              <a:buFont typeface="+mj-lt"/>
-              <a:buAutoNum type="arabicPeriod"/>
-            </a:pPr>
-            <a:r>
-              <a:rPr lang="en-US" dirty="0"/>
-              <a:t>Consider performance.</a:t>
-            </a:r>
-          </a:p>
-          <a:p>
-            <a:pPr marL="514350" indent="-514350">
-              <a:buFont typeface="+mj-lt"/>
-              <a:buAutoNum type="arabicPeriod"/>
-            </a:pPr>
-            <a:r>
-              <a:rPr lang="en-US" dirty="0"/>
-              <a:t>Define the value.</a:t>
-            </a:r>
-          </a:p>
-          <a:p>
-            <a:pPr marL="514350" indent="-514350">
-              <a:buFont typeface="+mj-lt"/>
-              <a:buAutoNum type="arabicPeriod"/>
-            </a:pPr>
-            <a:r>
-              <a:rPr lang="en-US" dirty="0"/>
-              <a:t>Create maintenance procedures.</a:t>
-            </a:r>
-          </a:p>
-        </p:txBody>
-      </p:sp>
-      <p:sp>
-        <p:nvSpPr>
-          <p:cNvPr id="4" name="Slide Number Placeholder 3">
-            <a:extLst>
-              <a:ext uri="{FF2B5EF4-FFF2-40B4-BE49-F238E27FC236}">
-                <a16:creationId xmlns:a16="http://schemas.microsoft.com/office/drawing/2014/main" id="{CB0827A6-672A-79E4-ABAA-34B1489A3733}"/>
-              </a:ext>
-            </a:extLst>
-          </p:cNvPr>
+          <a:bodyPr/>
+          <a:lstStyle/>
+          <a:p>
+            <a:r>
+              <a:rPr lang="en-US" dirty="0" smtClean="0"/>
+              <a:t>Amazon </a:t>
+            </a:r>
+            <a:r>
+              <a:rPr lang="en-US" dirty="0"/>
+              <a:t>Web Services: Using API and web services to enable cloud-to-cloud integration and data exchange.</a:t>
+            </a:r>
+          </a:p>
+          <a:p>
+            <a:r>
+              <a:rPr lang="en-US" dirty="0"/>
+              <a:t>FedEx: Using middleware and SOA to integrate different logistics systems and improve shipment tracking and delivery.</a:t>
+            </a:r>
+          </a:p>
+          <a:p>
+            <a:r>
+              <a:rPr lang="en-US" dirty="0"/>
+              <a:t>NASA: Using web services and data integration to combine different scientific data sources and enable collaborative research.</a:t>
+            </a:r>
+          </a:p>
+          <a:p>
+            <a:r>
+              <a:rPr lang="en-US" dirty="0"/>
+              <a:t>Uber: Using web services and data integration to connect drivers, riders, and payments across different locations and devices.</a:t>
+            </a:r>
+          </a:p>
+          <a:p>
+            <a:endParaRPr lang="en-US" dirty="0"/>
+          </a:p>
+        </p:txBody>
+      </p:sp>
+      <p:sp>
+        <p:nvSpPr>
+          <p:cNvPr id="4" name="Slide Number Placeholder 3"/>
           <p:cNvSpPr>
             <a:spLocks noGrp="1"/>
           </p:cNvSpPr>
@@ -18360,7 +18281,7 @@
     </p:spTree>
     <p:extLst>
       <p:ext uri="{BB962C8B-B14F-4D97-AF65-F5344CB8AC3E}">
-        <p14:creationId xmlns:p14="http://schemas.microsoft.com/office/powerpoint/2010/main" val="206344040"/>
+        <p14:creationId xmlns:p14="http://schemas.microsoft.com/office/powerpoint/2010/main" val="2893813485"/>
       </p:ext>
     </p:extLst>
   </p:cSld>
@@ -18389,13 +18310,7 @@
       </p:grpSpPr>
       <p:sp>
         <p:nvSpPr>
-          <p:cNvPr id="2" name="Title 1">
-            <a:extLst>
-              <a:ext uri="{FF2B5EF4-FFF2-40B4-BE49-F238E27FC236}">
-                <a16:creationId xmlns:a16="http://schemas.microsoft.com/office/drawing/2014/main" id="{796BE53A-EDDE-8E8F-947E-005BE16E8518}"/>
-              </a:ext>
-            </a:extLst>
-          </p:cNvPr>
+          <p:cNvPr id="2" name="Title 1"/>
           <p:cNvSpPr>
             <a:spLocks noGrp="1"/>
           </p:cNvSpPr>
@@ -18410,20 +18325,19 @@
           <a:p>
             <a:r>
               <a:rPr lang="en-US" dirty="0"/>
-              <a:t>Final Notes</a:t>
-            </a:r>
-          </a:p>
-        </p:txBody>
-      </p:sp>
-      <p:sp>
-        <p:nvSpPr>
-          <p:cNvPr id="3" name="Content Placeholder 2">
-            <a:extLst>
-              <a:ext uri="{FF2B5EF4-FFF2-40B4-BE49-F238E27FC236}">
-                <a16:creationId xmlns:a16="http://schemas.microsoft.com/office/drawing/2014/main" id="{0A4E50BF-B398-CBBF-763B-3376A3638AF0}"/>
-              </a:ext>
-            </a:extLst>
-          </p:cNvPr>
+              <a:t>Amazon Web </a:t>
+            </a:r>
+            <a:r>
+              <a:rPr lang="en-US" dirty="0" smtClean="0"/>
+              <a:t>Services</a:t>
+            </a:r>
+            <a:endParaRPr lang="en-US" dirty="0"/>
+          </a:p>
+        </p:txBody>
+      </p:sp>
+      <p:sp>
+        <p:nvSpPr>
+          <p:cNvPr id="3" name="Content Placeholder 2"/>
           <p:cNvSpPr>
             <a:spLocks noGrp="1"/>
           </p:cNvSpPr>
@@ -18433,33 +18347,37 @@
         </p:nvSpPr>
         <p:spPr/>
         <p:txBody>
-          <a:bodyPr>
-            <a:normAutofit/>
-          </a:bodyPr>
-          <a:lstStyle/>
-          <a:p>
-            <a:r>
-              <a:rPr lang="en-US" dirty="0"/>
-              <a:t>System integration, enterprise application integration (EAI), and enterprise resource planning (ERP) are closely related concepts that are used in modern businesses to streamline operations and increase efficiency.</a:t>
-            </a:r>
-          </a:p>
-          <a:p>
-            <a:r>
-              <a:rPr lang="en-US" dirty="0"/>
-              <a:t>System integration refers to the process of connecting different systems and applications to work together seamlessly, facilitating the exchange of data and information between them.</a:t>
-            </a:r>
-          </a:p>
-        </p:txBody>
-      </p:sp>
-      <p:sp>
-        <p:nvSpPr>
-          <p:cNvPr id="4" name="Slide Number Placeholder 3">
-            <a:extLst>
-              <a:ext uri="{FF2B5EF4-FFF2-40B4-BE49-F238E27FC236}">
-                <a16:creationId xmlns:a16="http://schemas.microsoft.com/office/drawing/2014/main" id="{489B7A08-D832-33BC-0070-C72D243F1DE1}"/>
-              </a:ext>
-            </a:extLst>
-          </p:cNvPr>
+          <a:bodyPr/>
+          <a:lstStyle/>
+          <a:p>
+            <a:r>
+              <a:rPr lang="en-US" dirty="0"/>
+              <a:t>Using API and web services to enable cloud-to-cloud integration and data exchange.</a:t>
+            </a:r>
+          </a:p>
+          <a:p>
+            <a:r>
+              <a:rPr lang="en-US" dirty="0"/>
+              <a:t>AWS offers a wide range of APIs and web services that enable seamless integration between different cloud-based applications and services, such as Amazon S3, Amazon EC2, and Amazon Lambda.</a:t>
+            </a:r>
+          </a:p>
+          <a:p>
+            <a:r>
+              <a:rPr lang="en-US" dirty="0"/>
+              <a:t>AWS also offers integration with on-premises systems through services such as AWS Direct Connect and AWS Storage Gateway.</a:t>
+            </a:r>
+          </a:p>
+          <a:p>
+            <a:r>
+              <a:rPr lang="en-US" dirty="0"/>
+              <a:t>AWS's integration capabilities have enabled organizations to build scalable, flexible, and cost-effective cloud-based solutions, such as e-commerce platforms, media streaming services, and enterprise resource planning (ERP) systems.</a:t>
+            </a:r>
+          </a:p>
+        </p:txBody>
+      </p:sp>
+      <p:sp>
+        <p:nvSpPr>
+          <p:cNvPr id="4" name="Slide Number Placeholder 3"/>
           <p:cNvSpPr>
             <a:spLocks noGrp="1"/>
           </p:cNvSpPr>
@@ -18484,7 +18402,7 @@
     </p:spTree>
     <p:extLst>
       <p:ext uri="{BB962C8B-B14F-4D97-AF65-F5344CB8AC3E}">
-        <p14:creationId xmlns:p14="http://schemas.microsoft.com/office/powerpoint/2010/main" val="1266982993"/>
+        <p14:creationId xmlns:p14="http://schemas.microsoft.com/office/powerpoint/2010/main" val="2370130594"/>
       </p:ext>
     </p:extLst>
   </p:cSld>
@@ -18513,13 +18431,7 @@
       </p:grpSpPr>
       <p:sp>
         <p:nvSpPr>
-          <p:cNvPr id="2" name="Title 1">
-            <a:extLst>
-              <a:ext uri="{FF2B5EF4-FFF2-40B4-BE49-F238E27FC236}">
-                <a16:creationId xmlns:a16="http://schemas.microsoft.com/office/drawing/2014/main" id="{796BE53A-EDDE-8E8F-947E-005BE16E8518}"/>
-              </a:ext>
-            </a:extLst>
-          </p:cNvPr>
+          <p:cNvPr id="2" name="Title 1"/>
           <p:cNvSpPr>
             <a:spLocks noGrp="1"/>
           </p:cNvSpPr>
@@ -18534,20 +18446,14 @@
           <a:p>
             <a:r>
               <a:rPr lang="en-US" dirty="0"/>
-              <a:t>Final Notes</a:t>
-            </a:r>
-          </a:p>
-        </p:txBody>
-      </p:sp>
-      <p:sp>
-        <p:nvSpPr>
-          <p:cNvPr id="3" name="Content Placeholder 2">
-            <a:extLst>
-              <a:ext uri="{FF2B5EF4-FFF2-40B4-BE49-F238E27FC236}">
-                <a16:creationId xmlns:a16="http://schemas.microsoft.com/office/drawing/2014/main" id="{0A4E50BF-B398-CBBF-763B-3376A3638AF0}"/>
-              </a:ext>
-            </a:extLst>
-          </p:cNvPr>
+              <a:t>FedEx</a:t>
+            </a:r>
+          </a:p>
+        </p:txBody>
+      </p:sp>
+      <p:sp>
+        <p:nvSpPr>
+          <p:cNvPr id="3" name="Content Placeholder 2"/>
           <p:cNvSpPr>
             <a:spLocks noGrp="1"/>
           </p:cNvSpPr>
@@ -18557,39 +18463,37 @@
         </p:nvSpPr>
         <p:spPr/>
         <p:txBody>
-          <a:bodyPr>
-            <a:normAutofit/>
-          </a:bodyPr>
-          <a:lstStyle/>
-          <a:p>
-            <a:r>
-              <a:rPr lang="en-US" dirty="0"/>
-              <a:t>EAI is a more advanced form of system integration that focuses on integrating more complex enterprise-level applications, such as customer relationship management (CRM), supply chain management (SCM), and human resources management (HRM) systems.</a:t>
-            </a:r>
-          </a:p>
-          <a:p>
-            <a:r>
-              <a:rPr lang="en-US" dirty="0"/>
-              <a:t>ERP is a software solution that brings together all the different functions and processes of a business into a single, integrated system. It typically includes modules for finance, sales, procurement, inventory management, and more.</a:t>
-            </a:r>
-          </a:p>
-          <a:p>
-            <a:r>
-              <a:rPr lang="en-US" dirty="0"/>
-              <a:t>ERP can be seen as the ultimate goal of system integration and EAI, providing a unified view of the entire business that enables better decision-making and improved efficiency.</a:t>
-            </a:r>
-          </a:p>
-        </p:txBody>
-      </p:sp>
-      <p:sp>
-        <p:nvSpPr>
-          <p:cNvPr id="4" name="Slide Number Placeholder 3">
-            <a:extLst>
-              <a:ext uri="{FF2B5EF4-FFF2-40B4-BE49-F238E27FC236}">
-                <a16:creationId xmlns:a16="http://schemas.microsoft.com/office/drawing/2014/main" id="{489B7A08-D832-33BC-0070-C72D243F1DE1}"/>
-              </a:ext>
-            </a:extLst>
-          </p:cNvPr>
+          <a:bodyPr/>
+          <a:lstStyle/>
+          <a:p>
+            <a:r>
+              <a:rPr lang="en-US" dirty="0"/>
+              <a:t>Using middleware and SOA to integrate different logistics systems and improve shipment tracking and delivery.</a:t>
+            </a:r>
+          </a:p>
+          <a:p>
+            <a:r>
+              <a:rPr lang="en-US" dirty="0"/>
+              <a:t>FedEx uses middleware and SOA to integrate different logistics systems, such as package tracking, customer service, and billing, into a single, unified system.</a:t>
+            </a:r>
+          </a:p>
+          <a:p>
+            <a:r>
+              <a:rPr lang="en-US" dirty="0"/>
+              <a:t>This integration has enabled FedEx to improve shipment tracking and delivery, reduce costs, and enhance customer experience.</a:t>
+            </a:r>
+          </a:p>
+          <a:p>
+            <a:r>
+              <a:rPr lang="en-US" dirty="0"/>
+              <a:t>FedEx's integration capabilities have also enabled it to expand its services and enter new markets, such as healthcare and e-commerce.</a:t>
+            </a:r>
+          </a:p>
+        </p:txBody>
+      </p:sp>
+      <p:sp>
+        <p:nvSpPr>
+          <p:cNvPr id="4" name="Slide Number Placeholder 3"/>
           <p:cNvSpPr>
             <a:spLocks noGrp="1"/>
           </p:cNvSpPr>
@@ -18614,7 +18518,360 @@
     </p:spTree>
     <p:extLst>
       <p:ext uri="{BB962C8B-B14F-4D97-AF65-F5344CB8AC3E}">
-        <p14:creationId xmlns:p14="http://schemas.microsoft.com/office/powerpoint/2010/main" val="4186995024"/>
+        <p14:creationId xmlns:p14="http://schemas.microsoft.com/office/powerpoint/2010/main" val="3689046063"/>
+      </p:ext>
+    </p:extLst>
+  </p:cSld>
+  <p:clrMapOvr>
+    <a:masterClrMapping/>
+  </p:clrMapOvr>
+</p:sld>
+</file>
+
+<file path=ppt/slides/slide55.xml><?xml version="1.0" encoding="utf-8"?>
+<p:sld xmlns:a="http://schemas.openxmlformats.org/drawingml/2006/main" xmlns:r="http://schemas.openxmlformats.org/officeDocument/2006/relationships" xmlns:p="http://schemas.openxmlformats.org/presentationml/2006/main">
+  <p:cSld>
+    <p:spTree>
+      <p:nvGrpSpPr>
+        <p:cNvPr id="1" name=""/>
+        <p:cNvGrpSpPr/>
+        <p:nvPr/>
+      </p:nvGrpSpPr>
+      <p:grpSpPr>
+        <a:xfrm>
+          <a:off x="0" y="0"/>
+          <a:ext cx="0" cy="0"/>
+          <a:chOff x="0" y="0"/>
+          <a:chExt cx="0" cy="0"/>
+        </a:xfrm>
+      </p:grpSpPr>
+      <p:sp>
+        <p:nvSpPr>
+          <p:cNvPr id="2" name="Title 1"/>
+          <p:cNvSpPr>
+            <a:spLocks noGrp="1"/>
+          </p:cNvSpPr>
+          <p:nvPr>
+            <p:ph type="title"/>
+          </p:nvPr>
+        </p:nvSpPr>
+        <p:spPr/>
+        <p:txBody>
+          <a:bodyPr/>
+          <a:lstStyle/>
+          <a:p>
+            <a:r>
+              <a:rPr lang="en-US" dirty="0"/>
+              <a:t>NASA</a:t>
+            </a:r>
+          </a:p>
+        </p:txBody>
+      </p:sp>
+      <p:sp>
+        <p:nvSpPr>
+          <p:cNvPr id="3" name="Content Placeholder 2"/>
+          <p:cNvSpPr>
+            <a:spLocks noGrp="1"/>
+          </p:cNvSpPr>
+          <p:nvPr>
+            <p:ph idx="1"/>
+          </p:nvPr>
+        </p:nvSpPr>
+        <p:spPr/>
+        <p:txBody>
+          <a:bodyPr/>
+          <a:lstStyle/>
+          <a:p>
+            <a:r>
+              <a:rPr lang="en-US" dirty="0"/>
+              <a:t>Using web services and data integration to combine different scientific data sources and enable collaborative research.</a:t>
+            </a:r>
+          </a:p>
+          <a:p>
+            <a:r>
+              <a:rPr lang="en-US" dirty="0"/>
+              <a:t>NASA uses web services and data integration to combine different scientific data sources, such as satellite imagery, climate models, and atmospheric data, into a single, accessible database.</a:t>
+            </a:r>
+          </a:p>
+          <a:p>
+            <a:r>
+              <a:rPr lang="en-US" dirty="0"/>
+              <a:t>This integration has enabled NASA to conduct collaborative research and analysis, such as studying climate change, weather patterns, and natural disasters.</a:t>
+            </a:r>
+          </a:p>
+          <a:p>
+            <a:r>
+              <a:rPr lang="en-US" dirty="0"/>
+              <a:t>NASA's integration capabilities have also enabled it to share data and expertise with other organizations, such as universities, research institutions, and government agencies.</a:t>
+            </a:r>
+          </a:p>
+        </p:txBody>
+      </p:sp>
+      <p:sp>
+        <p:nvSpPr>
+          <p:cNvPr id="4" name="Slide Number Placeholder 3"/>
+          <p:cNvSpPr>
+            <a:spLocks noGrp="1"/>
+          </p:cNvSpPr>
+          <p:nvPr>
+            <p:ph type="sldNum" sz="quarter" idx="12"/>
+          </p:nvPr>
+        </p:nvSpPr>
+        <p:spPr/>
+        <p:txBody>
+          <a:bodyPr/>
+          <a:lstStyle/>
+          <a:p>
+            <a:fld id="{B8DACC02-A2BD-4578-8E03-6D891060A695}" type="slidenum">
+              <a:rPr lang="en-US" smtClean="0"/>
+              <a:pPr/>
+              <a:t>55</a:t>
+            </a:fld>
+            <a:endParaRPr lang="en-US" dirty="0"/>
+          </a:p>
+        </p:txBody>
+      </p:sp>
+    </p:spTree>
+    <p:extLst>
+      <p:ext uri="{BB962C8B-B14F-4D97-AF65-F5344CB8AC3E}">
+        <p14:creationId xmlns:p14="http://schemas.microsoft.com/office/powerpoint/2010/main" val="1933554459"/>
+      </p:ext>
+    </p:extLst>
+  </p:cSld>
+  <p:clrMapOvr>
+    <a:masterClrMapping/>
+  </p:clrMapOvr>
+</p:sld>
+</file>
+
+<file path=ppt/slides/slide56.xml><?xml version="1.0" encoding="utf-8"?>
+<p:sld xmlns:a="http://schemas.openxmlformats.org/drawingml/2006/main" xmlns:r="http://schemas.openxmlformats.org/officeDocument/2006/relationships" xmlns:p="http://schemas.openxmlformats.org/presentationml/2006/main">
+  <p:cSld>
+    <p:spTree>
+      <p:nvGrpSpPr>
+        <p:cNvPr id="1" name=""/>
+        <p:cNvGrpSpPr/>
+        <p:nvPr/>
+      </p:nvGrpSpPr>
+      <p:grpSpPr>
+        <a:xfrm>
+          <a:off x="0" y="0"/>
+          <a:ext cx="0" cy="0"/>
+          <a:chOff x="0" y="0"/>
+          <a:chExt cx="0" cy="0"/>
+        </a:xfrm>
+      </p:grpSpPr>
+      <p:sp>
+        <p:nvSpPr>
+          <p:cNvPr id="2" name="Title 1"/>
+          <p:cNvSpPr>
+            <a:spLocks noGrp="1"/>
+          </p:cNvSpPr>
+          <p:nvPr>
+            <p:ph type="title"/>
+          </p:nvPr>
+        </p:nvSpPr>
+        <p:spPr/>
+        <p:txBody>
+          <a:bodyPr/>
+          <a:lstStyle/>
+          <a:p>
+            <a:r>
+              <a:rPr lang="en-US" dirty="0" smtClean="0"/>
+              <a:t>Uber</a:t>
+            </a:r>
+            <a:endParaRPr lang="en-US" dirty="0"/>
+          </a:p>
+        </p:txBody>
+      </p:sp>
+      <p:sp>
+        <p:nvSpPr>
+          <p:cNvPr id="3" name="Content Placeholder 2"/>
+          <p:cNvSpPr>
+            <a:spLocks noGrp="1"/>
+          </p:cNvSpPr>
+          <p:nvPr>
+            <p:ph idx="1"/>
+          </p:nvPr>
+        </p:nvSpPr>
+        <p:spPr/>
+        <p:txBody>
+          <a:bodyPr/>
+          <a:lstStyle/>
+          <a:p>
+            <a:r>
+              <a:rPr lang="en-US" dirty="0"/>
+              <a:t>Using web services and data integration to connect drivers, riders, and payments across different locations and devices.</a:t>
+            </a:r>
+          </a:p>
+          <a:p>
+            <a:r>
+              <a:rPr lang="en-US" dirty="0"/>
+              <a:t>Uber uses web services and data integration to connect drivers, riders, and payments across different locations and devices, such as smartphones, tablets, and computers.</a:t>
+            </a:r>
+          </a:p>
+          <a:p>
+            <a:r>
+              <a:rPr lang="en-US" dirty="0"/>
+              <a:t>This integration has enabled Uber to provide a seamless and reliable ride-sharing service, with features such as real-time tracking, fare estimation, and payment processing.</a:t>
+            </a:r>
+          </a:p>
+          <a:p>
+            <a:r>
+              <a:rPr lang="en-US" dirty="0"/>
+              <a:t>Uber's integration capabilities have also enabled it to expand its services and enter new markets, such as food delivery and freight transportation.</a:t>
+            </a:r>
+          </a:p>
+        </p:txBody>
+      </p:sp>
+      <p:sp>
+        <p:nvSpPr>
+          <p:cNvPr id="4" name="Slide Number Placeholder 3"/>
+          <p:cNvSpPr>
+            <a:spLocks noGrp="1"/>
+          </p:cNvSpPr>
+          <p:nvPr>
+            <p:ph type="sldNum" sz="quarter" idx="12"/>
+          </p:nvPr>
+        </p:nvSpPr>
+        <p:spPr/>
+        <p:txBody>
+          <a:bodyPr/>
+          <a:lstStyle/>
+          <a:p>
+            <a:fld id="{B8DACC02-A2BD-4578-8E03-6D891060A695}" type="slidenum">
+              <a:rPr lang="en-US" smtClean="0"/>
+              <a:pPr/>
+              <a:t>56</a:t>
+            </a:fld>
+            <a:endParaRPr lang="en-US" dirty="0"/>
+          </a:p>
+        </p:txBody>
+      </p:sp>
+    </p:spTree>
+    <p:extLst>
+      <p:ext uri="{BB962C8B-B14F-4D97-AF65-F5344CB8AC3E}">
+        <p14:creationId xmlns:p14="http://schemas.microsoft.com/office/powerpoint/2010/main" val="1495022633"/>
+      </p:ext>
+    </p:extLst>
+  </p:cSld>
+  <p:clrMapOvr>
+    <a:masterClrMapping/>
+  </p:clrMapOvr>
+</p:sld>
+</file>
+
+<file path=ppt/slides/slide57.xml><?xml version="1.0" encoding="utf-8"?>
+<p:sld xmlns:a="http://schemas.openxmlformats.org/drawingml/2006/main" xmlns:r="http://schemas.openxmlformats.org/officeDocument/2006/relationships" xmlns:p="http://schemas.openxmlformats.org/presentationml/2006/main">
+  <p:cSld>
+    <p:spTree>
+      <p:nvGrpSpPr>
+        <p:cNvPr id="1" name=""/>
+        <p:cNvGrpSpPr/>
+        <p:nvPr/>
+      </p:nvGrpSpPr>
+      <p:grpSpPr>
+        <a:xfrm>
+          <a:off x="0" y="0"/>
+          <a:ext cx="0" cy="0"/>
+          <a:chOff x="0" y="0"/>
+          <a:chExt cx="0" cy="0"/>
+        </a:xfrm>
+      </p:grpSpPr>
+      <p:sp>
+        <p:nvSpPr>
+          <p:cNvPr id="2" name="Title 1"/>
+          <p:cNvSpPr>
+            <a:spLocks noGrp="1"/>
+          </p:cNvSpPr>
+          <p:nvPr>
+            <p:ph type="title"/>
+          </p:nvPr>
+        </p:nvSpPr>
+        <p:spPr/>
+        <p:txBody>
+          <a:bodyPr/>
+          <a:lstStyle/>
+          <a:p>
+            <a:r>
+              <a:rPr lang="en-US" dirty="0"/>
+              <a:t>Conclusion</a:t>
+            </a:r>
+          </a:p>
+        </p:txBody>
+      </p:sp>
+      <p:sp>
+        <p:nvSpPr>
+          <p:cNvPr id="3" name="Content Placeholder 2"/>
+          <p:cNvSpPr>
+            <a:spLocks noGrp="1"/>
+          </p:cNvSpPr>
+          <p:nvPr>
+            <p:ph idx="1"/>
+          </p:nvPr>
+        </p:nvSpPr>
+        <p:spPr/>
+        <p:txBody>
+          <a:bodyPr/>
+          <a:lstStyle/>
+          <a:p>
+            <a:r>
+              <a:rPr lang="en-US" dirty="0"/>
+              <a:t>Systems integration is the process of combining different subsystems or components into a unified system.</a:t>
+            </a:r>
+          </a:p>
+          <a:p>
+            <a:r>
+              <a:rPr lang="en-US" dirty="0"/>
+              <a:t>It is important for increasing efficiency, accuracy, and productivity, as well as improving decision-making and enhancing customer experience</a:t>
+            </a:r>
+            <a:r>
+              <a:rPr lang="en-US" dirty="0" smtClean="0"/>
+              <a:t>.</a:t>
+            </a:r>
+          </a:p>
+          <a:p>
+            <a:r>
+              <a:rPr lang="en-US" dirty="0"/>
+              <a:t>It requires careful planning, implementation, and maintenance to achieve its benefits and overcome its challenges.</a:t>
+            </a:r>
+          </a:p>
+          <a:p>
+            <a:r>
+              <a:rPr lang="en-US" dirty="0"/>
+              <a:t>By adopting best practices and leveraging new trends and technologies, organizations can achieve more efficient, effective, and innovative systems integration and improve their competitiveness and value proposition.</a:t>
+            </a:r>
+          </a:p>
+        </p:txBody>
+      </p:sp>
+      <p:sp>
+        <p:nvSpPr>
+          <p:cNvPr id="4" name="Slide Number Placeholder 3"/>
+          <p:cNvSpPr>
+            <a:spLocks noGrp="1"/>
+          </p:cNvSpPr>
+          <p:nvPr>
+            <p:ph type="sldNum" sz="quarter" idx="12"/>
+          </p:nvPr>
+        </p:nvSpPr>
+        <p:spPr/>
+        <p:txBody>
+          <a:bodyPr/>
+          <a:lstStyle/>
+          <a:p>
+            <a:fld id="{B8DACC02-A2BD-4578-8E03-6D891060A695}" type="slidenum">
+              <a:rPr lang="en-US" smtClean="0"/>
+              <a:pPr/>
+              <a:t>57</a:t>
+            </a:fld>
+            <a:endParaRPr lang="en-US" dirty="0"/>
+          </a:p>
+        </p:txBody>
+      </p:sp>
+    </p:spTree>
+    <p:extLst>
+      <p:ext uri="{BB962C8B-B14F-4D97-AF65-F5344CB8AC3E}">
+        <p14:creationId xmlns:p14="http://schemas.microsoft.com/office/powerpoint/2010/main" val="939847713"/>
       </p:ext>
     </p:extLst>
   </p:cSld>
@@ -18643,7 +18900,7 @@
       </p:grpSpPr>
       <p:sp>
         <p:nvSpPr>
-          <p:cNvPr id="2" name="Title 1"/>
+          <p:cNvPr id="5" name="Title 4"/>
           <p:cNvSpPr>
             <a:spLocks noGrp="1"/>
           </p:cNvSpPr>
@@ -18658,19 +18915,20 @@
           <a:p>
             <a:r>
               <a:rPr lang="en-US" dirty="0"/>
-              <a:t>System integration Overview</a:t>
-            </a:r>
-          </a:p>
-        </p:txBody>
-      </p:sp>
-      <p:sp>
-        <p:nvSpPr>
-          <p:cNvPr id="3" name="Content Placeholder 2"/>
-          <p:cNvSpPr>
-            <a:spLocks noGrp="1"/>
-          </p:cNvSpPr>
-          <p:nvPr>
-            <p:ph idx="1"/>
+              <a:t>Importance of Systems Integration</a:t>
+            </a:r>
+            <a:endParaRPr lang="en-US" dirty="0"/>
+          </a:p>
+        </p:txBody>
+      </p:sp>
+      <p:sp>
+        <p:nvSpPr>
+          <p:cNvPr id="6" name="Text Placeholder 5"/>
+          <p:cNvSpPr>
+            <a:spLocks noGrp="1"/>
+          </p:cNvSpPr>
+          <p:nvPr>
+            <p:ph type="body" idx="1"/>
           </p:nvPr>
         </p:nvSpPr>
         <p:spPr/>
@@ -18678,22 +18936,7 @@
           <a:bodyPr/>
           <a:lstStyle/>
           <a:p>
-            <a:r>
-              <a:rPr lang="en-US" dirty="0"/>
-              <a:t>Systems integration is the process of combining different subsystems or components of a software application into a single, cohesive system that functions as a whole. </a:t>
-            </a:r>
-            <a:endParaRPr lang="en-US" dirty="0" smtClean="0"/>
-          </a:p>
-          <a:p>
-            <a:r>
-              <a:rPr lang="en-US" dirty="0" smtClean="0"/>
-              <a:t>It </a:t>
-            </a:r>
-            <a:r>
-              <a:rPr lang="en-US" dirty="0"/>
-              <a:t>is an important aspect of software engineering because it ensures that all the different components of an application work together seamlessly and efficiently, and that the application as a whole meets the requirements of the end-user.</a:t>
-            </a:r>
-            <a:endParaRPr lang="en-US" dirty="0"/>
+            <a:endParaRPr lang="en-US"/>
           </a:p>
         </p:txBody>
       </p:sp>
@@ -18724,7 +18967,7 @@
     </p:spTree>
     <p:extLst>
       <p:ext uri="{BB962C8B-B14F-4D97-AF65-F5344CB8AC3E}">
-        <p14:creationId xmlns:p14="http://schemas.microsoft.com/office/powerpoint/2010/main" val="1640547976"/>
+        <p14:creationId xmlns:p14="http://schemas.microsoft.com/office/powerpoint/2010/main" val="3471785395"/>
       </p:ext>
     </p:extLst>
   </p:cSld>
@@ -18768,8 +19011,9 @@
           <a:p>
             <a:r>
               <a:rPr lang="en-US" dirty="0"/>
-              <a:t>When do you need it?</a:t>
-            </a:r>
+              <a:t>Why is Systems Integration Important?</a:t>
+            </a:r>
+            <a:endParaRPr lang="en-US" dirty="0"/>
           </a:p>
         </p:txBody>
       </p:sp>
@@ -18785,49 +19029,32 @@
         </p:nvSpPr>
         <p:spPr/>
         <p:txBody>
-          <a:bodyPr>
-            <a:normAutofit/>
-          </a:bodyPr>
-          <a:lstStyle/>
-          <a:p>
-            <a:r>
-              <a:rPr lang="en-US" dirty="0"/>
-              <a:t>System integration is the process of joining software and hardware modules into one cohesive infrastructure, enabling all pieces to work as a whole. </a:t>
-            </a:r>
-          </a:p>
-          <a:p>
-            <a:r>
-              <a:rPr lang="en-US" dirty="0"/>
-              <a:t>Often referred to as IT integration or software integration, it results in the following advantages.</a:t>
-            </a:r>
-          </a:p>
-          <a:p>
-            <a:pPr lvl="1"/>
-            <a:r>
-              <a:rPr lang="en-US" dirty="0"/>
-              <a:t>Increased productivity</a:t>
-            </a:r>
-          </a:p>
-          <a:p>
-            <a:pPr lvl="1"/>
-            <a:r>
-              <a:rPr lang="en-US" dirty="0"/>
-              <a:t>More accurate and trustworthy data</a:t>
-            </a:r>
-          </a:p>
-          <a:p>
-            <a:pPr lvl="1"/>
-            <a:r>
-              <a:rPr lang="en-US" dirty="0"/>
-              <a:t>Faster decision-making</a:t>
-            </a:r>
-          </a:p>
-          <a:p>
-            <a:pPr lvl="1"/>
-            <a:r>
-              <a:rPr lang="en-US" dirty="0"/>
-              <a:t>Cost-effectiveness</a:t>
-            </a:r>
+          <a:bodyPr/>
+          <a:lstStyle/>
+          <a:p>
+            <a:r>
+              <a:rPr lang="en-US" dirty="0"/>
+              <a:t>Enables different systems and applications to communicate and share data.</a:t>
+            </a:r>
+          </a:p>
+          <a:p>
+            <a:r>
+              <a:rPr lang="en-US" dirty="0"/>
+              <a:t>Increases efficiency and productivity by reducing the need for manual data entry and duplication.</a:t>
+            </a:r>
+          </a:p>
+          <a:p>
+            <a:r>
+              <a:rPr lang="en-US" dirty="0"/>
+              <a:t>Reduces errors and improves accuracy by ensuring that data is consistent across different systems.</a:t>
+            </a:r>
+          </a:p>
+          <a:p>
+            <a:r>
+              <a:rPr lang="en-US" dirty="0"/>
+              <a:t>Supports better decision-making by providing access to real-time data and analytics.</a:t>
+            </a:r>
+            <a:endParaRPr lang="en-US" dirty="0"/>
           </a:p>
         </p:txBody>
       </p:sp>
@@ -18858,7 +19085,7 @@
     </p:spTree>
     <p:extLst>
       <p:ext uri="{BB962C8B-B14F-4D97-AF65-F5344CB8AC3E}">
-        <p14:creationId xmlns:p14="http://schemas.microsoft.com/office/powerpoint/2010/main" val="2147297377"/>
+        <p14:creationId xmlns:p14="http://schemas.microsoft.com/office/powerpoint/2010/main" val="1640547976"/>
       </p:ext>
     </p:extLst>
   </p:cSld>
@@ -18887,7 +19114,7 @@
       </p:grpSpPr>
       <p:sp>
         <p:nvSpPr>
-          <p:cNvPr id="5" name="Title 4"/>
+          <p:cNvPr id="2" name="Title 1"/>
           <p:cNvSpPr>
             <a:spLocks noGrp="1"/>
           </p:cNvSpPr>
@@ -18902,27 +19129,52 @@
           <a:p>
             <a:r>
               <a:rPr lang="en-US" dirty="0"/>
-              <a:t>Integration Types</a:t>
-            </a:r>
-          </a:p>
-        </p:txBody>
-      </p:sp>
-      <p:sp>
-        <p:nvSpPr>
-          <p:cNvPr id="6" name="Text Placeholder 5"/>
-          <p:cNvSpPr>
-            <a:spLocks noGrp="1"/>
-          </p:cNvSpPr>
-          <p:nvPr>
-            <p:ph type="body" idx="1"/>
+              <a:t>Benefits of Systems Integration</a:t>
+            </a:r>
+            <a:endParaRPr lang="en-US" dirty="0"/>
+          </a:p>
+        </p:txBody>
+      </p:sp>
+      <p:sp>
+        <p:nvSpPr>
+          <p:cNvPr id="3" name="Content Placeholder 2"/>
+          <p:cNvSpPr>
+            <a:spLocks noGrp="1"/>
+          </p:cNvSpPr>
+          <p:nvPr>
+            <p:ph idx="1"/>
           </p:nvPr>
         </p:nvSpPr>
         <p:spPr/>
         <p:txBody>
-          <a:bodyPr/>
-          <a:lstStyle/>
-          <a:p>
-            <a:endParaRPr lang="en-US"/>
+          <a:bodyPr>
+            <a:normAutofit/>
+          </a:bodyPr>
+          <a:lstStyle/>
+          <a:p>
+            <a:r>
+              <a:rPr lang="en-US" dirty="0"/>
+              <a:t>Streamlines business processes and workflows.</a:t>
+            </a:r>
+          </a:p>
+          <a:p>
+            <a:r>
+              <a:rPr lang="en-US" dirty="0"/>
+              <a:t>Enhances customer experience by providing seamless integration across different channels.</a:t>
+            </a:r>
+          </a:p>
+          <a:p>
+            <a:r>
+              <a:rPr lang="en-US" dirty="0"/>
+              <a:t>Improves data security by reducing the risk of data breaches and unauthorized access.</a:t>
+            </a:r>
+          </a:p>
+          <a:p>
+            <a:r>
+              <a:rPr lang="en-US" dirty="0"/>
+              <a:t>Increases agility and flexibility by enabling rapid changes to systems and applications.</a:t>
+            </a:r>
+            <a:endParaRPr lang="en-US" dirty="0"/>
           </a:p>
         </p:txBody>
       </p:sp>
@@ -18953,7 +19205,7 @@
     </p:spTree>
     <p:extLst>
       <p:ext uri="{BB962C8B-B14F-4D97-AF65-F5344CB8AC3E}">
-        <p14:creationId xmlns:p14="http://schemas.microsoft.com/office/powerpoint/2010/main" val="2715729107"/>
+        <p14:creationId xmlns:p14="http://schemas.microsoft.com/office/powerpoint/2010/main" val="2147297377"/>
       </p:ext>
     </p:extLst>
   </p:cSld>
@@ -18982,7 +19234,7 @@
       </p:grpSpPr>
       <p:sp>
         <p:nvSpPr>
-          <p:cNvPr id="2" name="Title 1"/>
+          <p:cNvPr id="5" name="Title 4"/>
           <p:cNvSpPr>
             <a:spLocks noGrp="1"/>
           </p:cNvSpPr>
@@ -18997,94 +19249,27 @@
           <a:p>
             <a:r>
               <a:rPr lang="en-US" dirty="0"/>
-              <a:t>Most Common Integration Types</a:t>
-            </a:r>
-          </a:p>
-        </p:txBody>
-      </p:sp>
-      <p:sp>
-        <p:nvSpPr>
-          <p:cNvPr id="3" name="Content Placeholder 2"/>
-          <p:cNvSpPr>
-            <a:spLocks noGrp="1"/>
-          </p:cNvSpPr>
-          <p:nvPr>
-            <p:ph idx="1"/>
+              <a:t>Challenges and motivations in systems integration</a:t>
+            </a:r>
+          </a:p>
+        </p:txBody>
+      </p:sp>
+      <p:sp>
+        <p:nvSpPr>
+          <p:cNvPr id="6" name="Text Placeholder 5"/>
+          <p:cNvSpPr>
+            <a:spLocks noGrp="1"/>
+          </p:cNvSpPr>
+          <p:nvPr>
+            <p:ph type="body" idx="1"/>
           </p:nvPr>
         </p:nvSpPr>
         <p:spPr/>
         <p:txBody>
-          <a:bodyPr>
-            <a:normAutofit fontScale="85000" lnSpcReduction="20000"/>
-          </a:bodyPr>
-          <a:lstStyle/>
-          <a:p>
-            <a:r>
-              <a:rPr lang="en-US" dirty="0"/>
-              <a:t>Data Integration</a:t>
-            </a:r>
-          </a:p>
-          <a:p>
-            <a:pPr lvl="1"/>
-            <a:r>
-              <a:rPr lang="en-US" dirty="0"/>
-              <a:t>Data integration is the process of gathering data from disparate sources (e.g., services, platforms, and databases) together to provide businesses with a centralized access point making data more available and easy to process/consume by systems and their users.</a:t>
-            </a:r>
-          </a:p>
-          <a:p>
-            <a:r>
-              <a:rPr lang="en-US" dirty="0"/>
-              <a:t>Business-to-Business Integration</a:t>
-            </a:r>
-          </a:p>
-          <a:p>
-            <a:pPr lvl="1"/>
-            <a:r>
-              <a:rPr lang="en-US" dirty="0"/>
-              <a:t>This type of integration enables companies to automate business communication and processes with all stakeholders to exchange vital for their business data more efficiently. So, with the B2B integration, organizations facilitate real-time data exchange with their business partners.  </a:t>
-            </a:r>
-          </a:p>
-          <a:p>
-            <a:r>
-              <a:rPr lang="en-US" dirty="0"/>
-              <a:t>Legacy System Integration</a:t>
-            </a:r>
-          </a:p>
-          <a:p>
-            <a:pPr lvl="1"/>
-            <a:r>
-              <a:rPr lang="en-US" dirty="0"/>
-              <a:t>Legacy system integration implies connectivity between outdated legacy systems (still vital for core business) with more modern IT infrastructure to ensure seamless communication between the components and avoid disrupting a company's day-to-day workflow.  </a:t>
-            </a:r>
-          </a:p>
-          <a:p>
-            <a:r>
-              <a:rPr lang="en-US" dirty="0"/>
-              <a:t>Electronic Document Interchange (EDI)</a:t>
-            </a:r>
-          </a:p>
-          <a:p>
-            <a:pPr lvl="1"/>
-            <a:r>
-              <a:rPr lang="en-US" dirty="0"/>
-              <a:t>EDI is the system-to-system exchange of business documents in a standard electronic format between business partners intended to replace paper-based documents (e.g., invoices or purchase orders). Hence, this type of integration is vital for companies looking to enable paper-based business transactions to save time and avoid costly errors resulting from manual processing.</a:t>
-            </a:r>
-          </a:p>
-          <a:p>
-            <a:r>
-              <a:rPr lang="en-US" dirty="0"/>
-              <a:t>Enterprise Application Integration (EAI)</a:t>
-            </a:r>
-          </a:p>
-          <a:p>
-            <a:pPr lvl="1"/>
-            <a:r>
-              <a:rPr lang="en-US" dirty="0"/>
-              <a:t>EAI is all about bridging gaps between different software programs and applications (ERP, CRM, SCM, etc.) to streamline business processes through smooth data flow from one point to another.</a:t>
-            </a:r>
-          </a:p>
-          <a:p>
-            <a:endParaRPr lang="en-US" dirty="0"/>
+          <a:bodyPr/>
+          <a:lstStyle/>
+          <a:p>
+            <a:endParaRPr lang="en-US"/>
           </a:p>
         </p:txBody>
       </p:sp>
@@ -19115,7 +19300,7 @@
     </p:spTree>
     <p:extLst>
       <p:ext uri="{BB962C8B-B14F-4D97-AF65-F5344CB8AC3E}">
-        <p14:creationId xmlns:p14="http://schemas.microsoft.com/office/powerpoint/2010/main" val="1099769881"/>
+        <p14:creationId xmlns:p14="http://schemas.microsoft.com/office/powerpoint/2010/main" val="822119973"/>
       </p:ext>
     </p:extLst>
   </p:cSld>

--- a/SE495/Lectures/1-Introduction/Introduction.pptx
+++ b/SE495/Lectures/1-Introduction/Introduction.pptx
@@ -5,7 +5,7 @@
     <p:sldMasterId id="2147483648" r:id="rId1"/>
   </p:sldMasterIdLst>
   <p:notesMasterIdLst>
-    <p:notesMasterId r:id="rId33"/>
+    <p:notesMasterId r:id="rId34"/>
   </p:notesMasterIdLst>
   <p:sldIdLst>
     <p:sldId id="256" r:id="rId2"/>
@@ -18,27 +18,28 @@
     <p:sldId id="744" r:id="rId9"/>
     <p:sldId id="746" r:id="rId10"/>
     <p:sldId id="741" r:id="rId11"/>
-    <p:sldId id="747" r:id="rId12"/>
-    <p:sldId id="748" r:id="rId13"/>
-    <p:sldId id="750" r:id="rId14"/>
-    <p:sldId id="758" r:id="rId15"/>
-    <p:sldId id="751" r:id="rId16"/>
-    <p:sldId id="752" r:id="rId17"/>
-    <p:sldId id="749" r:id="rId18"/>
-    <p:sldId id="734" r:id="rId19"/>
-    <p:sldId id="753" r:id="rId20"/>
-    <p:sldId id="735" r:id="rId21"/>
-    <p:sldId id="736" r:id="rId22"/>
-    <p:sldId id="737" r:id="rId23"/>
-    <p:sldId id="738" r:id="rId24"/>
-    <p:sldId id="761" r:id="rId25"/>
-    <p:sldId id="760" r:id="rId26"/>
-    <p:sldId id="762" r:id="rId27"/>
-    <p:sldId id="754" r:id="rId28"/>
-    <p:sldId id="755" r:id="rId29"/>
-    <p:sldId id="756" r:id="rId30"/>
-    <p:sldId id="739" r:id="rId31"/>
-    <p:sldId id="742" r:id="rId32"/>
+    <p:sldId id="763" r:id="rId12"/>
+    <p:sldId id="747" r:id="rId13"/>
+    <p:sldId id="748" r:id="rId14"/>
+    <p:sldId id="750" r:id="rId15"/>
+    <p:sldId id="758" r:id="rId16"/>
+    <p:sldId id="751" r:id="rId17"/>
+    <p:sldId id="752" r:id="rId18"/>
+    <p:sldId id="749" r:id="rId19"/>
+    <p:sldId id="734" r:id="rId20"/>
+    <p:sldId id="753" r:id="rId21"/>
+    <p:sldId id="735" r:id="rId22"/>
+    <p:sldId id="736" r:id="rId23"/>
+    <p:sldId id="737" r:id="rId24"/>
+    <p:sldId id="738" r:id="rId25"/>
+    <p:sldId id="761" r:id="rId26"/>
+    <p:sldId id="760" r:id="rId27"/>
+    <p:sldId id="762" r:id="rId28"/>
+    <p:sldId id="754" r:id="rId29"/>
+    <p:sldId id="755" r:id="rId30"/>
+    <p:sldId id="756" r:id="rId31"/>
+    <p:sldId id="739" r:id="rId32"/>
+    <p:sldId id="742" r:id="rId33"/>
   </p:sldIdLst>
   <p:sldSz cx="12192000" cy="6858000"/>
   <p:notesSz cx="6858000" cy="9144000"/>
@@ -9346,7 +9347,7 @@
                 <a14:useLocalDpi xmlns:a14="http://schemas.microsoft.com/office/drawing/2010/main" val="0"/>
               </a:ext>
               <a:ext uri="{96DAC541-7B7A-43D3-8B79-37D633B846F1}">
-                <asvg:svgBlip xmlns:asvg="http://schemas.microsoft.com/office/drawing/2016/SVG/main" xmlns="" r:embed="rId2"/>
+                <asvg:svgBlip xmlns="" xmlns:asvg="http://schemas.microsoft.com/office/drawing/2016/SVG/main" r:embed="rId2"/>
               </a:ext>
             </a:extLst>
           </a:blip>
@@ -9413,7 +9414,7 @@
                 <a14:useLocalDpi xmlns:a14="http://schemas.microsoft.com/office/drawing/2010/main" val="0"/>
               </a:ext>
               <a:ext uri="{96DAC541-7B7A-43D3-8B79-37D633B846F1}">
-                <asvg:svgBlip xmlns:asvg="http://schemas.microsoft.com/office/drawing/2016/SVG/main" xmlns="" r:embed="rId4"/>
+                <asvg:svgBlip xmlns="" xmlns:asvg="http://schemas.microsoft.com/office/drawing/2016/SVG/main" r:embed="rId4"/>
               </a:ext>
             </a:extLst>
           </a:blip>
@@ -9480,7 +9481,7 @@
                 <a14:useLocalDpi xmlns:a14="http://schemas.microsoft.com/office/drawing/2010/main" val="0"/>
               </a:ext>
               <a:ext uri="{96DAC541-7B7A-43D3-8B79-37D633B846F1}">
-                <asvg:svgBlip xmlns:asvg="http://schemas.microsoft.com/office/drawing/2016/SVG/main" xmlns="" r:embed="rId6"/>
+                <asvg:svgBlip xmlns="" xmlns:asvg="http://schemas.microsoft.com/office/drawing/2016/SVG/main" r:embed="rId6"/>
               </a:ext>
             </a:extLst>
           </a:blip>
@@ -9547,7 +9548,7 @@
                 <a14:useLocalDpi xmlns:a14="http://schemas.microsoft.com/office/drawing/2010/main" val="0"/>
               </a:ext>
               <a:ext uri="{96DAC541-7B7A-43D3-8B79-37D633B846F1}">
-                <asvg:svgBlip xmlns:asvg="http://schemas.microsoft.com/office/drawing/2016/SVG/main" xmlns="" r:embed="rId8"/>
+                <asvg:svgBlip xmlns="" xmlns:asvg="http://schemas.microsoft.com/office/drawing/2016/SVG/main" r:embed="rId8"/>
               </a:ext>
             </a:extLst>
           </a:blip>
@@ -9614,7 +9615,7 @@
                 <a14:useLocalDpi xmlns:a14="http://schemas.microsoft.com/office/drawing/2010/main" val="0"/>
               </a:ext>
               <a:ext uri="{96DAC541-7B7A-43D3-8B79-37D633B846F1}">
-                <asvg:svgBlip xmlns:asvg="http://schemas.microsoft.com/office/drawing/2016/SVG/main" xmlns="" r:embed="rId10"/>
+                <asvg:svgBlip xmlns="" xmlns:asvg="http://schemas.microsoft.com/office/drawing/2016/SVG/main" r:embed="rId10"/>
               </a:ext>
             </a:extLst>
           </a:blip>
@@ -9865,7 +9866,7 @@
           <a:blip xmlns:r="http://schemas.openxmlformats.org/officeDocument/2006/relationships" r:embed="rId1">
             <a:extLst>
               <a:ext uri="{96DAC541-7B7A-43D3-8B79-37D633B846F1}">
-                <asvg:svgBlip xmlns:asvg="http://schemas.microsoft.com/office/drawing/2016/SVG/main" xmlns="" r:embed="rId2"/>
+                <asvg:svgBlip xmlns="" xmlns:asvg="http://schemas.microsoft.com/office/drawing/2016/SVG/main" r:embed="rId2"/>
               </a:ext>
             </a:extLst>
           </a:blip>
@@ -9930,7 +9931,7 @@
                 <a14:useLocalDpi xmlns:a14="http://schemas.microsoft.com/office/drawing/2010/main" val="0"/>
               </a:ext>
               <a:ext uri="{96DAC541-7B7A-43D3-8B79-37D633B846F1}">
-                <asvg:svgBlip xmlns:asvg="http://schemas.microsoft.com/office/drawing/2016/SVG/main" xmlns="" r:embed="rId4"/>
+                <asvg:svgBlip xmlns="" xmlns:asvg="http://schemas.microsoft.com/office/drawing/2016/SVG/main" r:embed="rId4"/>
               </a:ext>
             </a:extLst>
           </a:blip>
@@ -10863,25 +10864,25 @@
     </dgm:pt>
   </dgm:ptLst>
   <dgm:cxnLst>
+    <dgm:cxn modelId="{36DE4397-FB71-40A4-AD6E-D73EFCF8221C}" srcId="{B1607DBF-414F-4165-9EEA-0EA4F84490A0}" destId="{02AAA453-DF2A-4DA4-86A8-E0E259FA51F7}" srcOrd="0" destOrd="0" parTransId="{F13FDF66-1740-4ACD-8993-0F2F984684FA}" sibTransId="{A0086714-C494-4ED3-ACA8-B0F5C39BEC7C}"/>
+    <dgm:cxn modelId="{739F2079-48A0-4046-86F2-DFE1211377C9}" type="presOf" srcId="{4A6413E4-03E2-4F84-9599-56294A85148C}" destId="{B7DB12FE-BD69-453B-BF25-97B5C73A42C0}" srcOrd="1" destOrd="1" presId="urn:microsoft.com/office/officeart/2005/8/layout/vList4"/>
+    <dgm:cxn modelId="{650E2CB4-49AE-419A-9B57-D7A39AB68134}" type="presOf" srcId="{0E3691A7-DCB3-4DDB-B404-4492AEA95C4E}" destId="{6A266906-C15C-4FFE-A0BA-DAA5D4D6954D}" srcOrd="0" destOrd="0" presId="urn:microsoft.com/office/officeart/2005/8/layout/vList4"/>
+    <dgm:cxn modelId="{FB9DBC8C-25D5-4C6E-B906-CD579C67608F}" srcId="{0E3691A7-DCB3-4DDB-B404-4492AEA95C4E}" destId="{4886983E-08E3-4E43-8BD3-D56B2FC21DA7}" srcOrd="0" destOrd="0" parTransId="{847D2DF3-45FB-478A-94BD-85290588B7CF}" sibTransId="{D681A2F2-D833-4AD2-962D-CF809CFEACC1}"/>
+    <dgm:cxn modelId="{97005208-B69D-4469-BBA8-5BAFB2D5E8BD}" type="presOf" srcId="{4A6413E4-03E2-4F84-9599-56294A85148C}" destId="{BEB73F8B-0669-4871-8CDD-EEDF03F9DFBF}" srcOrd="0" destOrd="1" presId="urn:microsoft.com/office/officeart/2005/8/layout/vList4"/>
+    <dgm:cxn modelId="{1E1AFA56-3241-4AEC-AE49-9BB6FF9C5883}" type="presOf" srcId="{67F15CEB-D4BD-4E0B-84E4-41DDD935139B}" destId="{8EA1D01F-6593-4FDC-AF92-E5158BCE8DCF}" srcOrd="0" destOrd="0" presId="urn:microsoft.com/office/officeart/2005/8/layout/vList4"/>
+    <dgm:cxn modelId="{E28030B6-6997-45ED-8BD0-9394B06F0F94}" type="presOf" srcId="{02AAA453-DF2A-4DA4-86A8-E0E259FA51F7}" destId="{C9FFCD84-18DC-455C-A836-2459272DC523}" srcOrd="0" destOrd="1" presId="urn:microsoft.com/office/officeart/2005/8/layout/vList4"/>
+    <dgm:cxn modelId="{F55BABE2-94E4-4BBE-9CDE-A3A112C1739B}" type="presOf" srcId="{B0298932-B8DC-4EE6-A809-CC3DBA34A8D7}" destId="{BEB73F8B-0669-4871-8CDD-EEDF03F9DFBF}" srcOrd="0" destOrd="0" presId="urn:microsoft.com/office/officeart/2005/8/layout/vList4"/>
+    <dgm:cxn modelId="{98FE50BB-62A6-403E-B58C-6E64D2EA2825}" srcId="{B0298932-B8DC-4EE6-A809-CC3DBA34A8D7}" destId="{4A6413E4-03E2-4F84-9599-56294A85148C}" srcOrd="0" destOrd="0" parTransId="{BEFB3B54-0BD4-4827-8B83-061A74DAE64D}" sibTransId="{F88D803C-1566-4903-947E-6E2A0950328B}"/>
     <dgm:cxn modelId="{D7AE4C90-8858-4101-8219-1242344DB16F}" type="presOf" srcId="{0E3691A7-DCB3-4DDB-B404-4492AEA95C4E}" destId="{AEF62DD3-BDBB-42EA-B901-C3DDB1A0CDC7}" srcOrd="1" destOrd="0" presId="urn:microsoft.com/office/officeart/2005/8/layout/vList4"/>
-    <dgm:cxn modelId="{36DE4397-FB71-40A4-AD6E-D73EFCF8221C}" srcId="{B1607DBF-414F-4165-9EEA-0EA4F84490A0}" destId="{02AAA453-DF2A-4DA4-86A8-E0E259FA51F7}" srcOrd="0" destOrd="0" parTransId="{F13FDF66-1740-4ACD-8993-0F2F984684FA}" sibTransId="{A0086714-C494-4ED3-ACA8-B0F5C39BEC7C}"/>
+    <dgm:cxn modelId="{7DB3A300-72D1-4415-89DD-C9D7802DD605}" type="presOf" srcId="{4886983E-08E3-4E43-8BD3-D56B2FC21DA7}" destId="{6A266906-C15C-4FFE-A0BA-DAA5D4D6954D}" srcOrd="0" destOrd="1" presId="urn:microsoft.com/office/officeart/2005/8/layout/vList4"/>
+    <dgm:cxn modelId="{007F5956-EDAA-400D-9CD9-F1DC48A173B0}" srcId="{67F15CEB-D4BD-4E0B-84E4-41DDD935139B}" destId="{B0298932-B8DC-4EE6-A809-CC3DBA34A8D7}" srcOrd="2" destOrd="0" parTransId="{D69D8D97-85B6-4D76-AC4B-70F3D22A555F}" sibTransId="{7871ED9B-7615-4390-BC97-C087B2AB7EFE}"/>
+    <dgm:cxn modelId="{3E4B309B-F834-4B62-A264-2778DFAA3BB9}" type="presOf" srcId="{4886983E-08E3-4E43-8BD3-D56B2FC21DA7}" destId="{AEF62DD3-BDBB-42EA-B901-C3DDB1A0CDC7}" srcOrd="1" destOrd="1" presId="urn:microsoft.com/office/officeart/2005/8/layout/vList4"/>
+    <dgm:cxn modelId="{B908183A-249F-4230-8B13-2C8C47BE5D6D}" srcId="{67F15CEB-D4BD-4E0B-84E4-41DDD935139B}" destId="{0E3691A7-DCB3-4DDB-B404-4492AEA95C4E}" srcOrd="1" destOrd="0" parTransId="{FAAF20AE-8D6D-42BD-957E-E236D7BC3251}" sibTransId="{D305FA22-F540-4FAB-8F0F-7EE8C694B23F}"/>
+    <dgm:cxn modelId="{BFC4EDEF-A894-4E90-9A71-7BD17AB189FE}" type="presOf" srcId="{B0298932-B8DC-4EE6-A809-CC3DBA34A8D7}" destId="{B7DB12FE-BD69-453B-BF25-97B5C73A42C0}" srcOrd="1" destOrd="0" presId="urn:microsoft.com/office/officeart/2005/8/layout/vList4"/>
+    <dgm:cxn modelId="{33F62AB2-F563-40C7-9584-E1128888E587}" type="presOf" srcId="{B1607DBF-414F-4165-9EEA-0EA4F84490A0}" destId="{C9FFCD84-18DC-455C-A836-2459272DC523}" srcOrd="0" destOrd="0" presId="urn:microsoft.com/office/officeart/2005/8/layout/vList4"/>
     <dgm:cxn modelId="{BAD89A76-BFAE-4FBE-8357-A833B843E1A5}" type="presOf" srcId="{B1607DBF-414F-4165-9EEA-0EA4F84490A0}" destId="{8EFA8C57-5C11-4184-A10B-40E31FBC2508}" srcOrd="1" destOrd="0" presId="urn:microsoft.com/office/officeart/2005/8/layout/vList4"/>
-    <dgm:cxn modelId="{F55BABE2-94E4-4BBE-9CDE-A3A112C1739B}" type="presOf" srcId="{B0298932-B8DC-4EE6-A809-CC3DBA34A8D7}" destId="{BEB73F8B-0669-4871-8CDD-EEDF03F9DFBF}" srcOrd="0" destOrd="0" presId="urn:microsoft.com/office/officeart/2005/8/layout/vList4"/>
-    <dgm:cxn modelId="{1E1AFA56-3241-4AEC-AE49-9BB6FF9C5883}" type="presOf" srcId="{67F15CEB-D4BD-4E0B-84E4-41DDD935139B}" destId="{8EA1D01F-6593-4FDC-AF92-E5158BCE8DCF}" srcOrd="0" destOrd="0" presId="urn:microsoft.com/office/officeart/2005/8/layout/vList4"/>
-    <dgm:cxn modelId="{BFC4EDEF-A894-4E90-9A71-7BD17AB189FE}" type="presOf" srcId="{B0298932-B8DC-4EE6-A809-CC3DBA34A8D7}" destId="{B7DB12FE-BD69-453B-BF25-97B5C73A42C0}" srcOrd="1" destOrd="0" presId="urn:microsoft.com/office/officeart/2005/8/layout/vList4"/>
-    <dgm:cxn modelId="{97005208-B69D-4469-BBA8-5BAFB2D5E8BD}" type="presOf" srcId="{4A6413E4-03E2-4F84-9599-56294A85148C}" destId="{BEB73F8B-0669-4871-8CDD-EEDF03F9DFBF}" srcOrd="0" destOrd="1" presId="urn:microsoft.com/office/officeart/2005/8/layout/vList4"/>
-    <dgm:cxn modelId="{FB9DBC8C-25D5-4C6E-B906-CD579C67608F}" srcId="{0E3691A7-DCB3-4DDB-B404-4492AEA95C4E}" destId="{4886983E-08E3-4E43-8BD3-D56B2FC21DA7}" srcOrd="0" destOrd="0" parTransId="{847D2DF3-45FB-478A-94BD-85290588B7CF}" sibTransId="{D681A2F2-D833-4AD2-962D-CF809CFEACC1}"/>
-    <dgm:cxn modelId="{B908183A-249F-4230-8B13-2C8C47BE5D6D}" srcId="{67F15CEB-D4BD-4E0B-84E4-41DDD935139B}" destId="{0E3691A7-DCB3-4DDB-B404-4492AEA95C4E}" srcOrd="1" destOrd="0" parTransId="{FAAF20AE-8D6D-42BD-957E-E236D7BC3251}" sibTransId="{D305FA22-F540-4FAB-8F0F-7EE8C694B23F}"/>
-    <dgm:cxn modelId="{33F62AB2-F563-40C7-9584-E1128888E587}" type="presOf" srcId="{B1607DBF-414F-4165-9EEA-0EA4F84490A0}" destId="{C9FFCD84-18DC-455C-A836-2459272DC523}" srcOrd="0" destOrd="0" presId="urn:microsoft.com/office/officeart/2005/8/layout/vList4"/>
+    <dgm:cxn modelId="{0351495B-BAD8-48F6-AA28-50B322EC745F}" srcId="{67F15CEB-D4BD-4E0B-84E4-41DDD935139B}" destId="{B1607DBF-414F-4165-9EEA-0EA4F84490A0}" srcOrd="0" destOrd="0" parTransId="{A3053735-E482-4437-82BC-B752D65D24C6}" sibTransId="{F4C1A625-FE6E-4C16-8C27-0B95902056AE}"/>
     <dgm:cxn modelId="{BD9C84BD-5FE7-4063-832B-59AF22DEDCEF}" type="presOf" srcId="{02AAA453-DF2A-4DA4-86A8-E0E259FA51F7}" destId="{8EFA8C57-5C11-4184-A10B-40E31FBC2508}" srcOrd="1" destOrd="1" presId="urn:microsoft.com/office/officeart/2005/8/layout/vList4"/>
-    <dgm:cxn modelId="{650E2CB4-49AE-419A-9B57-D7A39AB68134}" type="presOf" srcId="{0E3691A7-DCB3-4DDB-B404-4492AEA95C4E}" destId="{6A266906-C15C-4FFE-A0BA-DAA5D4D6954D}" srcOrd="0" destOrd="0" presId="urn:microsoft.com/office/officeart/2005/8/layout/vList4"/>
-    <dgm:cxn modelId="{007F5956-EDAA-400D-9CD9-F1DC48A173B0}" srcId="{67F15CEB-D4BD-4E0B-84E4-41DDD935139B}" destId="{B0298932-B8DC-4EE6-A809-CC3DBA34A8D7}" srcOrd="2" destOrd="0" parTransId="{D69D8D97-85B6-4D76-AC4B-70F3D22A555F}" sibTransId="{7871ED9B-7615-4390-BC97-C087B2AB7EFE}"/>
-    <dgm:cxn modelId="{0351495B-BAD8-48F6-AA28-50B322EC745F}" srcId="{67F15CEB-D4BD-4E0B-84E4-41DDD935139B}" destId="{B1607DBF-414F-4165-9EEA-0EA4F84490A0}" srcOrd="0" destOrd="0" parTransId="{A3053735-E482-4437-82BC-B752D65D24C6}" sibTransId="{F4C1A625-FE6E-4C16-8C27-0B95902056AE}"/>
-    <dgm:cxn modelId="{739F2079-48A0-4046-86F2-DFE1211377C9}" type="presOf" srcId="{4A6413E4-03E2-4F84-9599-56294A85148C}" destId="{B7DB12FE-BD69-453B-BF25-97B5C73A42C0}" srcOrd="1" destOrd="1" presId="urn:microsoft.com/office/officeart/2005/8/layout/vList4"/>
-    <dgm:cxn modelId="{7DB3A300-72D1-4415-89DD-C9D7802DD605}" type="presOf" srcId="{4886983E-08E3-4E43-8BD3-D56B2FC21DA7}" destId="{6A266906-C15C-4FFE-A0BA-DAA5D4D6954D}" srcOrd="0" destOrd="1" presId="urn:microsoft.com/office/officeart/2005/8/layout/vList4"/>
-    <dgm:cxn modelId="{3E4B309B-F834-4B62-A264-2778DFAA3BB9}" type="presOf" srcId="{4886983E-08E3-4E43-8BD3-D56B2FC21DA7}" destId="{AEF62DD3-BDBB-42EA-B901-C3DDB1A0CDC7}" srcOrd="1" destOrd="1" presId="urn:microsoft.com/office/officeart/2005/8/layout/vList4"/>
-    <dgm:cxn modelId="{E28030B6-6997-45ED-8BD0-9394B06F0F94}" type="presOf" srcId="{02AAA453-DF2A-4DA4-86A8-E0E259FA51F7}" destId="{C9FFCD84-18DC-455C-A836-2459272DC523}" srcOrd="0" destOrd="1" presId="urn:microsoft.com/office/officeart/2005/8/layout/vList4"/>
-    <dgm:cxn modelId="{98FE50BB-62A6-403E-B58C-6E64D2EA2825}" srcId="{B0298932-B8DC-4EE6-A809-CC3DBA34A8D7}" destId="{4A6413E4-03E2-4F84-9599-56294A85148C}" srcOrd="0" destOrd="0" parTransId="{BEFB3B54-0BD4-4827-8B83-061A74DAE64D}" sibTransId="{F88D803C-1566-4903-947E-6E2A0950328B}"/>
     <dgm:cxn modelId="{D7839B67-91AD-41AE-B46C-B59CEE89DA06}" type="presParOf" srcId="{8EA1D01F-6593-4FDC-AF92-E5158BCE8DCF}" destId="{29701C95-320D-48A3-8C4F-C9BDBCFEF98D}" srcOrd="0" destOrd="0" presId="urn:microsoft.com/office/officeart/2005/8/layout/vList4"/>
     <dgm:cxn modelId="{8DAA72A3-A55B-4302-9F29-C6A15ECBB271}" type="presParOf" srcId="{29701C95-320D-48A3-8C4F-C9BDBCFEF98D}" destId="{C9FFCD84-18DC-455C-A836-2459272DC523}" srcOrd="0" destOrd="0" presId="urn:microsoft.com/office/officeart/2005/8/layout/vList4"/>
     <dgm:cxn modelId="{7A2C2E73-175D-4013-A68A-DD17DC7069FC}" type="presParOf" srcId="{29701C95-320D-48A3-8C4F-C9BDBCFEF98D}" destId="{C7784D23-1B4C-430E-A0DB-9E362B76425A}" srcOrd="1" destOrd="0" presId="urn:microsoft.com/office/officeart/2005/8/layout/vList4"/>
@@ -11106,7 +11107,7 @@
                 <a14:useLocalDpi xmlns:a14="http://schemas.microsoft.com/office/drawing/2010/main" val="0"/>
               </a:ext>
               <a:ext uri="{96DAC541-7B7A-43D3-8B79-37D633B846F1}">
-                <asvg:svgBlip xmlns:asvg="http://schemas.microsoft.com/office/drawing/2016/SVG/main" xmlns="" r:embed="rId2"/>
+                <asvg:svgBlip xmlns="" xmlns:asvg="http://schemas.microsoft.com/office/drawing/2016/SVG/main" r:embed="rId2"/>
               </a:ext>
             </a:extLst>
           </a:blip>
@@ -11177,7 +11178,7 @@
                 <a14:useLocalDpi xmlns:a14="http://schemas.microsoft.com/office/drawing/2010/main" val="0"/>
               </a:ext>
               <a:ext uri="{96DAC541-7B7A-43D3-8B79-37D633B846F1}">
-                <asvg:svgBlip xmlns:asvg="http://schemas.microsoft.com/office/drawing/2016/SVG/main" xmlns="" r:embed="rId4"/>
+                <asvg:svgBlip xmlns="" xmlns:asvg="http://schemas.microsoft.com/office/drawing/2016/SVG/main" r:embed="rId4"/>
               </a:ext>
             </a:extLst>
           </a:blip>
@@ -11248,7 +11249,7 @@
                 <a14:useLocalDpi xmlns:a14="http://schemas.microsoft.com/office/drawing/2010/main" val="0"/>
               </a:ext>
               <a:ext uri="{96DAC541-7B7A-43D3-8B79-37D633B846F1}">
-                <asvg:svgBlip xmlns:asvg="http://schemas.microsoft.com/office/drawing/2016/SVG/main" xmlns="" r:embed="rId6"/>
+                <asvg:svgBlip xmlns="" xmlns:asvg="http://schemas.microsoft.com/office/drawing/2016/SVG/main" r:embed="rId6"/>
               </a:ext>
             </a:extLst>
           </a:blip>
@@ -11512,7 +11513,7 @@
                 <a14:useLocalDpi xmlns:a14="http://schemas.microsoft.com/office/drawing/2010/main" val="0"/>
               </a:ext>
               <a:ext uri="{96DAC541-7B7A-43D3-8B79-37D633B846F1}">
-                <asvg:svgBlip xmlns:asvg="http://schemas.microsoft.com/office/drawing/2016/SVG/main" xmlns="" r:embed="rId2"/>
+                <asvg:svgBlip xmlns="" xmlns:asvg="http://schemas.microsoft.com/office/drawing/2016/SVG/main" r:embed="rId2"/>
               </a:ext>
             </a:extLst>
           </a:blip>
@@ -11573,7 +11574,7 @@
                 <a14:useLocalDpi xmlns:a14="http://schemas.microsoft.com/office/drawing/2010/main" val="0"/>
               </a:ext>
               <a:ext uri="{96DAC541-7B7A-43D3-8B79-37D633B846F1}">
-                <asvg:svgBlip xmlns:asvg="http://schemas.microsoft.com/office/drawing/2016/SVG/main" xmlns="" r:embed="rId4"/>
+                <asvg:svgBlip xmlns="" xmlns:asvg="http://schemas.microsoft.com/office/drawing/2016/SVG/main" r:embed="rId4"/>
               </a:ext>
             </a:extLst>
           </a:blip>
@@ -11633,7 +11634,7 @@
                 <a14:useLocalDpi xmlns:a14="http://schemas.microsoft.com/office/drawing/2010/main" val="0"/>
               </a:ext>
               <a:ext uri="{96DAC541-7B7A-43D3-8B79-37D633B846F1}">
-                <asvg:svgBlip xmlns:asvg="http://schemas.microsoft.com/office/drawing/2016/SVG/main" xmlns="" r:embed="rId6"/>
+                <asvg:svgBlip xmlns="" xmlns:asvg="http://schemas.microsoft.com/office/drawing/2016/SVG/main" r:embed="rId6"/>
               </a:ext>
             </a:extLst>
           </a:blip>
@@ -12086,7 +12087,7 @@
                 <a14:useLocalDpi xmlns:a14="http://schemas.microsoft.com/office/drawing/2010/main" val="0"/>
               </a:ext>
               <a:ext uri="{96DAC541-7B7A-43D3-8B79-37D633B846F1}">
-                <asvg:svgBlip xmlns:asvg="http://schemas.microsoft.com/office/drawing/2016/SVG/main" xmlns="" r:embed="rId2"/>
+                <asvg:svgBlip xmlns="" xmlns:asvg="http://schemas.microsoft.com/office/drawing/2016/SVG/main" r:embed="rId2"/>
               </a:ext>
             </a:extLst>
           </a:blip>
@@ -12150,7 +12151,7 @@
                 <a14:useLocalDpi xmlns:a14="http://schemas.microsoft.com/office/drawing/2010/main" val="0"/>
               </a:ext>
               <a:ext uri="{96DAC541-7B7A-43D3-8B79-37D633B846F1}">
-                <asvg:svgBlip xmlns:asvg="http://schemas.microsoft.com/office/drawing/2016/SVG/main" xmlns="" r:embed="rId4"/>
+                <asvg:svgBlip xmlns="" xmlns:asvg="http://schemas.microsoft.com/office/drawing/2016/SVG/main" r:embed="rId4"/>
               </a:ext>
             </a:extLst>
           </a:blip>
@@ -12214,7 +12215,7 @@
                 <a14:useLocalDpi xmlns:a14="http://schemas.microsoft.com/office/drawing/2010/main" val="0"/>
               </a:ext>
               <a:ext uri="{96DAC541-7B7A-43D3-8B79-37D633B846F1}">
-                <asvg:svgBlip xmlns:asvg="http://schemas.microsoft.com/office/drawing/2016/SVG/main" xmlns="" r:embed="rId6"/>
+                <asvg:svgBlip xmlns="" xmlns:asvg="http://schemas.microsoft.com/office/drawing/2016/SVG/main" r:embed="rId6"/>
               </a:ext>
             </a:extLst>
           </a:blip>
@@ -13535,7 +13536,7 @@
                 <a14:useLocalDpi xmlns:a14="http://schemas.microsoft.com/office/drawing/2010/main" val="0"/>
               </a:ext>
               <a:ext uri="{96DAC541-7B7A-43D3-8B79-37D633B846F1}">
-                <asvg:svgBlip xmlns:asvg="http://schemas.microsoft.com/office/drawing/2016/SVG/main" xmlns="" r:embed="rId2"/>
+                <asvg:svgBlip xmlns="" xmlns:asvg="http://schemas.microsoft.com/office/drawing/2016/SVG/main" r:embed="rId2"/>
               </a:ext>
             </a:extLst>
           </a:blip>
@@ -13612,7 +13613,7 @@
                 <a14:useLocalDpi xmlns:a14="http://schemas.microsoft.com/office/drawing/2010/main" val="0"/>
               </a:ext>
               <a:ext uri="{96DAC541-7B7A-43D3-8B79-37D633B846F1}">
-                <asvg:svgBlip xmlns:asvg="http://schemas.microsoft.com/office/drawing/2016/SVG/main" xmlns="" r:embed="rId4"/>
+                <asvg:svgBlip xmlns="" xmlns:asvg="http://schemas.microsoft.com/office/drawing/2016/SVG/main" r:embed="rId4"/>
               </a:ext>
             </a:extLst>
           </a:blip>
@@ -13673,25 +13674,25 @@
     </dgm:pt>
   </dgm:ptLst>
   <dgm:cxnLst>
+    <dgm:cxn modelId="{DEB404DC-9B59-4BCC-9BD1-2DC55635F72E}" srcId="{00EC9B84-4D8D-41B8-9A64-73C188184ADF}" destId="{5F0F1326-FD8A-40ED-B8E8-F2A902F14EE6}" srcOrd="2" destOrd="0" parTransId="{2618DFD4-A858-471E-A7EF-5330DADB2D56}" sibTransId="{F3B51ACF-AF7C-48ED-B50E-244BAC07D23E}"/>
+    <dgm:cxn modelId="{6E13A115-2773-46FD-90DE-6F75C1340E89}" type="presOf" srcId="{809C9CF9-0B58-4383-A3A7-DACE95BA0639}" destId="{BD01FF30-B654-40EC-8802-BE625E8275E0}" srcOrd="0" destOrd="0" presId="urn:microsoft.com/office/officeart/2018/5/layout/CenteredIconLabelDescriptionList"/>
     <dgm:cxn modelId="{C9508180-249E-4F91-B600-CA2A27001187}" type="presOf" srcId="{5F0F1326-FD8A-40ED-B8E8-F2A902F14EE6}" destId="{5AAA6252-9F99-495F-868C-55BEA728A7F5}" srcOrd="0" destOrd="2" presId="urn:microsoft.com/office/officeart/2018/5/layout/CenteredIconLabelDescriptionList"/>
+    <dgm:cxn modelId="{AF1014DA-616E-4F19-8F24-F1631892AA72}" type="presOf" srcId="{840298A1-20A7-4004-B12C-02F0E401E6E5}" destId="{5AAA6252-9F99-495F-868C-55BEA728A7F5}" srcOrd="0" destOrd="3" presId="urn:microsoft.com/office/officeart/2018/5/layout/CenteredIconLabelDescriptionList"/>
+    <dgm:cxn modelId="{98B8708F-CC31-47F5-AF18-0553FBBD7214}" srcId="{07B50E0B-C4AE-45C7-B40C-86BCF4D37AE1}" destId="{809C9CF9-0B58-4383-A3A7-DACE95BA0639}" srcOrd="0" destOrd="0" parTransId="{C511F142-B1FB-451A-8A13-9457DF7C7462}" sibTransId="{DCE33EB7-DB5E-45FB-A873-0CAC8F14382E}"/>
+    <dgm:cxn modelId="{F4ECF720-E5E5-4E9E-987F-6655F05A36D8}" type="presOf" srcId="{958A48CE-6A5B-4C28-9F75-93C84EF35221}" destId="{3DB607A7-D342-411D-BF03-B7EBF98B53B4}" srcOrd="0" destOrd="0" presId="urn:microsoft.com/office/officeart/2018/5/layout/CenteredIconLabelDescriptionList"/>
     <dgm:cxn modelId="{0DB3531D-D164-4BE4-B1F8-A6FE98D3201D}" type="presOf" srcId="{748864FA-427B-4790-A2D9-F45E48D7A42B}" destId="{BD01FF30-B654-40EC-8802-BE625E8275E0}" srcOrd="0" destOrd="1" presId="urn:microsoft.com/office/officeart/2018/5/layout/CenteredIconLabelDescriptionList"/>
-    <dgm:cxn modelId="{AF1014DA-616E-4F19-8F24-F1631892AA72}" type="presOf" srcId="{840298A1-20A7-4004-B12C-02F0E401E6E5}" destId="{5AAA6252-9F99-495F-868C-55BEA728A7F5}" srcOrd="0" destOrd="3" presId="urn:microsoft.com/office/officeart/2018/5/layout/CenteredIconLabelDescriptionList"/>
     <dgm:cxn modelId="{994507EB-69B0-4B8A-8FA1-5180D07156A8}" type="presOf" srcId="{00EC9B84-4D8D-41B8-9A64-73C188184ADF}" destId="{E33D1D36-7715-4E26-87CD-B387A5C00BFF}" srcOrd="0" destOrd="0" presId="urn:microsoft.com/office/officeart/2018/5/layout/CenteredIconLabelDescriptionList"/>
-    <dgm:cxn modelId="{5E28A7CC-10E3-44F3-B3E9-01B6FAF15E9C}" srcId="{00EC9B84-4D8D-41B8-9A64-73C188184ADF}" destId="{70C9C226-EE28-4C45-AE85-3ECABCBBBC9F}" srcOrd="1" destOrd="0" parTransId="{726D1772-79D4-45EE-A404-FC178F264F0D}" sibTransId="{5478498D-9BD5-4582-A818-108C84F26E28}"/>
-    <dgm:cxn modelId="{E4A774EC-DA9D-4A95-B84F-6486A6DFCD41}" srcId="{00EC9B84-4D8D-41B8-9A64-73C188184ADF}" destId="{51BC37A4-FD94-4590-AC94-3CEC0D224128}" srcOrd="0" destOrd="0" parTransId="{E89E1D40-D218-462F-AB50-B3BF71F3F944}" sibTransId="{98ACC1DA-A1C7-4F85-ADA6-D929B4CFBCA9}"/>
-    <dgm:cxn modelId="{215777CE-ACF8-4701-A5B2-222CB0C8656E}" type="presOf" srcId="{07B50E0B-C4AE-45C7-B40C-86BCF4D37AE1}" destId="{50FEF43A-2B19-4D00-8485-B9D0B8F26E8C}" srcOrd="0" destOrd="0" presId="urn:microsoft.com/office/officeart/2018/5/layout/CenteredIconLabelDescriptionList"/>
-    <dgm:cxn modelId="{F8B2D143-49BC-4CBF-9582-2D72F94C65A4}" srcId="{07B50E0B-C4AE-45C7-B40C-86BCF4D37AE1}" destId="{748864FA-427B-4790-A2D9-F45E48D7A42B}" srcOrd="1" destOrd="0" parTransId="{ABB524F0-92AB-46A9-98C0-A4B8F4EEACCD}" sibTransId="{D7CFAA3E-1E03-4E8D-A3A9-97445C9D2788}"/>
-    <dgm:cxn modelId="{B204FDCD-DE24-41F1-88EB-C492A1632C95}" type="presOf" srcId="{51BC37A4-FD94-4590-AC94-3CEC0D224128}" destId="{5AAA6252-9F99-495F-868C-55BEA728A7F5}" srcOrd="0" destOrd="0" presId="urn:microsoft.com/office/officeart/2018/5/layout/CenteredIconLabelDescriptionList"/>
-    <dgm:cxn modelId="{6E13A115-2773-46FD-90DE-6F75C1340E89}" type="presOf" srcId="{809C9CF9-0B58-4383-A3A7-DACE95BA0639}" destId="{BD01FF30-B654-40EC-8802-BE625E8275E0}" srcOrd="0" destOrd="0" presId="urn:microsoft.com/office/officeart/2018/5/layout/CenteredIconLabelDescriptionList"/>
-    <dgm:cxn modelId="{DEB404DC-9B59-4BCC-9BD1-2DC55635F72E}" srcId="{00EC9B84-4D8D-41B8-9A64-73C188184ADF}" destId="{5F0F1326-FD8A-40ED-B8E8-F2A902F14EE6}" srcOrd="2" destOrd="0" parTransId="{2618DFD4-A858-471E-A7EF-5330DADB2D56}" sibTransId="{F3B51ACF-AF7C-48ED-B50E-244BAC07D23E}"/>
-    <dgm:cxn modelId="{7A66FE72-55DB-47FB-8A21-492B41879386}" srcId="{958A48CE-6A5B-4C28-9F75-93C84EF35221}" destId="{07B50E0B-C4AE-45C7-B40C-86BCF4D37AE1}" srcOrd="0" destOrd="0" parTransId="{BF6E9836-F18C-4075-BA0C-581A66B671ED}" sibTransId="{674B44A7-0E16-4755-AD53-16641352F949}"/>
-    <dgm:cxn modelId="{D1F79972-1C58-487C-A6C1-45086F66C5A7}" srcId="{958A48CE-6A5B-4C28-9F75-93C84EF35221}" destId="{00EC9B84-4D8D-41B8-9A64-73C188184ADF}" srcOrd="1" destOrd="0" parTransId="{98C33D03-CD06-45C6-9F30-AA90C2303CC7}" sibTransId="{0B0940BC-4864-4486-9422-9947C0798D72}"/>
+    <dgm:cxn modelId="{E2C31371-C2E6-4142-9735-D3514A9A662E}" type="presOf" srcId="{70C9C226-EE28-4C45-AE85-3ECABCBBBC9F}" destId="{5AAA6252-9F99-495F-868C-55BEA728A7F5}" srcOrd="0" destOrd="1" presId="urn:microsoft.com/office/officeart/2018/5/layout/CenteredIconLabelDescriptionList"/>
+    <dgm:cxn modelId="{E20F409A-03A9-44BC-8C38-5BD7B7251986}" type="presOf" srcId="{32109F24-67D3-4400-AEEF-DA897D75DBCC}" destId="{BD01FF30-B654-40EC-8802-BE625E8275E0}" srcOrd="0" destOrd="2" presId="urn:microsoft.com/office/officeart/2018/5/layout/CenteredIconLabelDescriptionList"/>
     <dgm:cxn modelId="{47E14000-74F1-43D6-9F60-D19CFE15337D}" srcId="{00EC9B84-4D8D-41B8-9A64-73C188184ADF}" destId="{840298A1-20A7-4004-B12C-02F0E401E6E5}" srcOrd="3" destOrd="0" parTransId="{32950D47-F162-4B98-B86C-2347EF38E9C8}" sibTransId="{5C614511-2A8D-4876-89C0-BB266EA89C11}"/>
     <dgm:cxn modelId="{01E36CFC-9C9D-4F9D-BEE1-7D46B40B6A0B}" srcId="{07B50E0B-C4AE-45C7-B40C-86BCF4D37AE1}" destId="{32109F24-67D3-4400-AEEF-DA897D75DBCC}" srcOrd="2" destOrd="0" parTransId="{C66BE384-F2BD-494C-9778-5E85B37D3C40}" sibTransId="{005BEB67-F3BD-41F4-86AB-57E255C8C478}"/>
-    <dgm:cxn modelId="{F4ECF720-E5E5-4E9E-987F-6655F05A36D8}" type="presOf" srcId="{958A48CE-6A5B-4C28-9F75-93C84EF35221}" destId="{3DB607A7-D342-411D-BF03-B7EBF98B53B4}" srcOrd="0" destOrd="0" presId="urn:microsoft.com/office/officeart/2018/5/layout/CenteredIconLabelDescriptionList"/>
-    <dgm:cxn modelId="{E2C31371-C2E6-4142-9735-D3514A9A662E}" type="presOf" srcId="{70C9C226-EE28-4C45-AE85-3ECABCBBBC9F}" destId="{5AAA6252-9F99-495F-868C-55BEA728A7F5}" srcOrd="0" destOrd="1" presId="urn:microsoft.com/office/officeart/2018/5/layout/CenteredIconLabelDescriptionList"/>
-    <dgm:cxn modelId="{E20F409A-03A9-44BC-8C38-5BD7B7251986}" type="presOf" srcId="{32109F24-67D3-4400-AEEF-DA897D75DBCC}" destId="{BD01FF30-B654-40EC-8802-BE625E8275E0}" srcOrd="0" destOrd="2" presId="urn:microsoft.com/office/officeart/2018/5/layout/CenteredIconLabelDescriptionList"/>
-    <dgm:cxn modelId="{98B8708F-CC31-47F5-AF18-0553FBBD7214}" srcId="{07B50E0B-C4AE-45C7-B40C-86BCF4D37AE1}" destId="{809C9CF9-0B58-4383-A3A7-DACE95BA0639}" srcOrd="0" destOrd="0" parTransId="{C511F142-B1FB-451A-8A13-9457DF7C7462}" sibTransId="{DCE33EB7-DB5E-45FB-A873-0CAC8F14382E}"/>
+    <dgm:cxn modelId="{F8B2D143-49BC-4CBF-9582-2D72F94C65A4}" srcId="{07B50E0B-C4AE-45C7-B40C-86BCF4D37AE1}" destId="{748864FA-427B-4790-A2D9-F45E48D7A42B}" srcOrd="1" destOrd="0" parTransId="{ABB524F0-92AB-46A9-98C0-A4B8F4EEACCD}" sibTransId="{D7CFAA3E-1E03-4E8D-A3A9-97445C9D2788}"/>
+    <dgm:cxn modelId="{5E28A7CC-10E3-44F3-B3E9-01B6FAF15E9C}" srcId="{00EC9B84-4D8D-41B8-9A64-73C188184ADF}" destId="{70C9C226-EE28-4C45-AE85-3ECABCBBBC9F}" srcOrd="1" destOrd="0" parTransId="{726D1772-79D4-45EE-A404-FC178F264F0D}" sibTransId="{5478498D-9BD5-4582-A818-108C84F26E28}"/>
+    <dgm:cxn modelId="{B204FDCD-DE24-41F1-88EB-C492A1632C95}" type="presOf" srcId="{51BC37A4-FD94-4590-AC94-3CEC0D224128}" destId="{5AAA6252-9F99-495F-868C-55BEA728A7F5}" srcOrd="0" destOrd="0" presId="urn:microsoft.com/office/officeart/2018/5/layout/CenteredIconLabelDescriptionList"/>
+    <dgm:cxn modelId="{215777CE-ACF8-4701-A5B2-222CB0C8656E}" type="presOf" srcId="{07B50E0B-C4AE-45C7-B40C-86BCF4D37AE1}" destId="{50FEF43A-2B19-4D00-8485-B9D0B8F26E8C}" srcOrd="0" destOrd="0" presId="urn:microsoft.com/office/officeart/2018/5/layout/CenteredIconLabelDescriptionList"/>
+    <dgm:cxn modelId="{7A66FE72-55DB-47FB-8A21-492B41879386}" srcId="{958A48CE-6A5B-4C28-9F75-93C84EF35221}" destId="{07B50E0B-C4AE-45C7-B40C-86BCF4D37AE1}" srcOrd="0" destOrd="0" parTransId="{BF6E9836-F18C-4075-BA0C-581A66B671ED}" sibTransId="{674B44A7-0E16-4755-AD53-16641352F949}"/>
+    <dgm:cxn modelId="{E4A774EC-DA9D-4A95-B84F-6486A6DFCD41}" srcId="{00EC9B84-4D8D-41B8-9A64-73C188184ADF}" destId="{51BC37A4-FD94-4590-AC94-3CEC0D224128}" srcOrd="0" destOrd="0" parTransId="{E89E1D40-D218-462F-AB50-B3BF71F3F944}" sibTransId="{98ACC1DA-A1C7-4F85-ADA6-D929B4CFBCA9}"/>
+    <dgm:cxn modelId="{D1F79972-1C58-487C-A6C1-45086F66C5A7}" srcId="{958A48CE-6A5B-4C28-9F75-93C84EF35221}" destId="{00EC9B84-4D8D-41B8-9A64-73C188184ADF}" srcOrd="1" destOrd="0" parTransId="{98C33D03-CD06-45C6-9F30-AA90C2303CC7}" sibTransId="{0B0940BC-4864-4486-9422-9947C0798D72}"/>
     <dgm:cxn modelId="{0878CD59-8983-4272-9A1F-1788CDB4A41F}" type="presParOf" srcId="{3DB607A7-D342-411D-BF03-B7EBF98B53B4}" destId="{570799DD-8A4A-4F3C-9058-621D3B75663D}" srcOrd="0" destOrd="0" presId="urn:microsoft.com/office/officeart/2018/5/layout/CenteredIconLabelDescriptionList"/>
     <dgm:cxn modelId="{1393DDEB-F864-4531-85BB-7C7358003F29}" type="presParOf" srcId="{570799DD-8A4A-4F3C-9058-621D3B75663D}" destId="{8A064E45-D777-48DF-BDDF-40E862F18B1B}" srcOrd="0" destOrd="0" presId="urn:microsoft.com/office/officeart/2018/5/layout/CenteredIconLabelDescriptionList"/>
     <dgm:cxn modelId="{2FF65034-0DEC-43FE-974A-092CF0EE2F9B}" type="presParOf" srcId="{570799DD-8A4A-4F3C-9058-621D3B75663D}" destId="{70BD1A51-4863-4130-B986-E1889983A3BD}" srcOrd="1" destOrd="0" presId="urn:microsoft.com/office/officeart/2018/5/layout/CenteredIconLabelDescriptionList"/>
@@ -14012,7 +14013,7 @@
                 <a14:useLocalDpi xmlns:a14="http://schemas.microsoft.com/office/drawing/2010/main" val="0"/>
               </a:ext>
               <a:ext uri="{96DAC541-7B7A-43D3-8B79-37D633B846F1}">
-                <asvg:svgBlip xmlns:asvg="http://schemas.microsoft.com/office/drawing/2016/SVG/main" xmlns="" r:embed="rId2"/>
+                <asvg:svgBlip xmlns="" xmlns:asvg="http://schemas.microsoft.com/office/drawing/2016/SVG/main" r:embed="rId2"/>
               </a:ext>
             </a:extLst>
           </a:blip>
@@ -14075,7 +14076,7 @@
                 <a14:useLocalDpi xmlns:a14="http://schemas.microsoft.com/office/drawing/2010/main" val="0"/>
               </a:ext>
               <a:ext uri="{96DAC541-7B7A-43D3-8B79-37D633B846F1}">
-                <asvg:svgBlip xmlns:asvg="http://schemas.microsoft.com/office/drawing/2016/SVG/main" xmlns="" r:embed="rId4"/>
+                <asvg:svgBlip xmlns="" xmlns:asvg="http://schemas.microsoft.com/office/drawing/2016/SVG/main" r:embed="rId4"/>
               </a:ext>
             </a:extLst>
           </a:blip>
@@ -14138,7 +14139,7 @@
                 <a14:useLocalDpi xmlns:a14="http://schemas.microsoft.com/office/drawing/2010/main" val="0"/>
               </a:ext>
               <a:ext uri="{96DAC541-7B7A-43D3-8B79-37D633B846F1}">
-                <asvg:svgBlip xmlns:asvg="http://schemas.microsoft.com/office/drawing/2016/SVG/main" xmlns="" r:embed="rId6"/>
+                <asvg:svgBlip xmlns="" xmlns:asvg="http://schemas.microsoft.com/office/drawing/2016/SVG/main" r:embed="rId6"/>
               </a:ext>
             </a:extLst>
           </a:blip>
@@ -14201,7 +14202,7 @@
                 <a14:useLocalDpi xmlns:a14="http://schemas.microsoft.com/office/drawing/2010/main" val="0"/>
               </a:ext>
               <a:ext uri="{96DAC541-7B7A-43D3-8B79-37D633B846F1}">
-                <asvg:svgBlip xmlns:asvg="http://schemas.microsoft.com/office/drawing/2016/SVG/main" xmlns="" r:embed="rId8"/>
+                <asvg:svgBlip xmlns="" xmlns:asvg="http://schemas.microsoft.com/office/drawing/2016/SVG/main" r:embed="rId8"/>
               </a:ext>
             </a:extLst>
           </a:blip>
@@ -14264,7 +14265,7 @@
                 <a14:useLocalDpi xmlns:a14="http://schemas.microsoft.com/office/drawing/2010/main" val="0"/>
               </a:ext>
               <a:ext uri="{96DAC541-7B7A-43D3-8B79-37D633B846F1}">
-                <asvg:svgBlip xmlns:asvg="http://schemas.microsoft.com/office/drawing/2016/SVG/main" xmlns="" r:embed="rId10"/>
+                <asvg:svgBlip xmlns="" xmlns:asvg="http://schemas.microsoft.com/office/drawing/2016/SVG/main" r:embed="rId10"/>
               </a:ext>
             </a:extLst>
           </a:blip>
@@ -14327,7 +14328,7 @@
                 <a14:useLocalDpi xmlns:a14="http://schemas.microsoft.com/office/drawing/2010/main" val="0"/>
               </a:ext>
               <a:ext uri="{96DAC541-7B7A-43D3-8B79-37D633B846F1}">
-                <asvg:svgBlip xmlns:asvg="http://schemas.microsoft.com/office/drawing/2016/SVG/main" xmlns="" r:embed="rId12"/>
+                <asvg:svgBlip xmlns="" xmlns:asvg="http://schemas.microsoft.com/office/drawing/2016/SVG/main" r:embed="rId12"/>
               </a:ext>
             </a:extLst>
           </a:blip>
@@ -14989,7 +14990,7 @@
                 <a14:useLocalDpi xmlns:a14="http://schemas.microsoft.com/office/drawing/2010/main" val="0"/>
               </a:ext>
               <a:ext uri="{96DAC541-7B7A-43D3-8B79-37D633B846F1}">
-                <asvg:svgBlip xmlns:asvg="http://schemas.microsoft.com/office/drawing/2016/SVG/main" xmlns="" r:embed="rId2"/>
+                <asvg:svgBlip xmlns="" xmlns:asvg="http://schemas.microsoft.com/office/drawing/2016/SVG/main" r:embed="rId2"/>
               </a:ext>
             </a:extLst>
           </a:blip>
@@ -15141,7 +15142,7 @@
                 <a14:useLocalDpi xmlns:a14="http://schemas.microsoft.com/office/drawing/2010/main" val="0"/>
               </a:ext>
               <a:ext uri="{96DAC541-7B7A-43D3-8B79-37D633B846F1}">
-                <asvg:svgBlip xmlns:asvg="http://schemas.microsoft.com/office/drawing/2016/SVG/main" xmlns="" r:embed="rId4"/>
+                <asvg:svgBlip xmlns="" xmlns:asvg="http://schemas.microsoft.com/office/drawing/2016/SVG/main" r:embed="rId4"/>
               </a:ext>
             </a:extLst>
           </a:blip>
@@ -15293,7 +15294,7 @@
                 <a14:useLocalDpi xmlns:a14="http://schemas.microsoft.com/office/drawing/2010/main" val="0"/>
               </a:ext>
               <a:ext uri="{96DAC541-7B7A-43D3-8B79-37D633B846F1}">
-                <asvg:svgBlip xmlns:asvg="http://schemas.microsoft.com/office/drawing/2016/SVG/main" xmlns="" r:embed="rId6"/>
+                <asvg:svgBlip xmlns="" xmlns:asvg="http://schemas.microsoft.com/office/drawing/2016/SVG/main" r:embed="rId6"/>
               </a:ext>
             </a:extLst>
           </a:blip>
@@ -15445,7 +15446,7 @@
                 <a14:useLocalDpi xmlns:a14="http://schemas.microsoft.com/office/drawing/2010/main" val="0"/>
               </a:ext>
               <a:ext uri="{96DAC541-7B7A-43D3-8B79-37D633B846F1}">
-                <asvg:svgBlip xmlns:asvg="http://schemas.microsoft.com/office/drawing/2016/SVG/main" xmlns="" r:embed="rId8"/>
+                <asvg:svgBlip xmlns="" xmlns:asvg="http://schemas.microsoft.com/office/drawing/2016/SVG/main" r:embed="rId8"/>
               </a:ext>
             </a:extLst>
           </a:blip>
@@ -15597,7 +15598,7 @@
                 <a14:useLocalDpi xmlns:a14="http://schemas.microsoft.com/office/drawing/2010/main" val="0"/>
               </a:ext>
               <a:ext uri="{96DAC541-7B7A-43D3-8B79-37D633B846F1}">
-                <asvg:svgBlip xmlns:asvg="http://schemas.microsoft.com/office/drawing/2016/SVG/main" xmlns="" r:embed="rId10"/>
+                <asvg:svgBlip xmlns="" xmlns:asvg="http://schemas.microsoft.com/office/drawing/2016/SVG/main" r:embed="rId10"/>
               </a:ext>
             </a:extLst>
           </a:blip>
@@ -15758,7 +15759,7 @@
           <a:blip xmlns:r="http://schemas.openxmlformats.org/officeDocument/2006/relationships" r:embed="rId1">
             <a:extLst>
               <a:ext uri="{96DAC541-7B7A-43D3-8B79-37D633B846F1}">
-                <asvg:svgBlip xmlns:asvg="http://schemas.microsoft.com/office/drawing/2016/SVG/main" xmlns="" r:embed="rId2"/>
+                <asvg:svgBlip xmlns="" xmlns:asvg="http://schemas.microsoft.com/office/drawing/2016/SVG/main" r:embed="rId2"/>
               </a:ext>
             </a:extLst>
           </a:blip>
@@ -15917,7 +15918,7 @@
                 <a14:useLocalDpi xmlns:a14="http://schemas.microsoft.com/office/drawing/2010/main" val="0"/>
               </a:ext>
               <a:ext uri="{96DAC541-7B7A-43D3-8B79-37D633B846F1}">
-                <asvg:svgBlip xmlns:asvg="http://schemas.microsoft.com/office/drawing/2016/SVG/main" xmlns="" r:embed="rId4"/>
+                <asvg:svgBlip xmlns="" xmlns:asvg="http://schemas.microsoft.com/office/drawing/2016/SVG/main" r:embed="rId4"/>
               </a:ext>
             </a:extLst>
           </a:blip>
@@ -17329,7 +17330,7 @@
                 <a14:useLocalDpi xmlns:a14="http://schemas.microsoft.com/office/drawing/2010/main" val="0"/>
               </a:ext>
               <a:ext uri="{96DAC541-7B7A-43D3-8B79-37D633B846F1}">
-                <asvg:svgBlip xmlns:asvg="http://schemas.microsoft.com/office/drawing/2016/SVG/main" xmlns="" r:embed="rId2"/>
+                <asvg:svgBlip xmlns="" xmlns:asvg="http://schemas.microsoft.com/office/drawing/2016/SVG/main" r:embed="rId2"/>
               </a:ext>
             </a:extLst>
           </a:blip>
@@ -17491,7 +17492,7 @@
                 <a14:useLocalDpi xmlns:a14="http://schemas.microsoft.com/office/drawing/2010/main" val="0"/>
               </a:ext>
               <a:ext uri="{96DAC541-7B7A-43D3-8B79-37D633B846F1}">
-                <asvg:svgBlip xmlns:asvg="http://schemas.microsoft.com/office/drawing/2016/SVG/main" xmlns="" r:embed="rId4"/>
+                <asvg:svgBlip xmlns="" xmlns:asvg="http://schemas.microsoft.com/office/drawing/2016/SVG/main" r:embed="rId4"/>
               </a:ext>
             </a:extLst>
           </a:blip>
@@ -17653,7 +17654,7 @@
                 <a14:useLocalDpi xmlns:a14="http://schemas.microsoft.com/office/drawing/2010/main" val="0"/>
               </a:ext>
               <a:ext uri="{96DAC541-7B7A-43D3-8B79-37D633B846F1}">
-                <asvg:svgBlip xmlns:asvg="http://schemas.microsoft.com/office/drawing/2016/SVG/main" xmlns="" r:embed="rId6"/>
+                <asvg:svgBlip xmlns="" xmlns:asvg="http://schemas.microsoft.com/office/drawing/2016/SVG/main" r:embed="rId6"/>
               </a:ext>
             </a:extLst>
           </a:blip>
@@ -17784,7 +17785,7 @@
                 <a14:useLocalDpi xmlns:a14="http://schemas.microsoft.com/office/drawing/2010/main" val="0"/>
               </a:ext>
               <a:ext uri="{96DAC541-7B7A-43D3-8B79-37D633B846F1}">
-                <asvg:svgBlip xmlns:asvg="http://schemas.microsoft.com/office/drawing/2016/SVG/main" xmlns="" r:embed="rId2"/>
+                <asvg:svgBlip xmlns="" xmlns:asvg="http://schemas.microsoft.com/office/drawing/2016/SVG/main" r:embed="rId2"/>
               </a:ext>
             </a:extLst>
           </a:blip>
@@ -17903,7 +17904,7 @@
                 <a14:useLocalDpi xmlns:a14="http://schemas.microsoft.com/office/drawing/2010/main" val="0"/>
               </a:ext>
               <a:ext uri="{96DAC541-7B7A-43D3-8B79-37D633B846F1}">
-                <asvg:svgBlip xmlns:asvg="http://schemas.microsoft.com/office/drawing/2016/SVG/main" xmlns="" r:embed="rId4"/>
+                <asvg:svgBlip xmlns="" xmlns:asvg="http://schemas.microsoft.com/office/drawing/2016/SVG/main" r:embed="rId4"/>
               </a:ext>
             </a:extLst>
           </a:blip>
@@ -18021,7 +18022,7 @@
                 <a14:useLocalDpi xmlns:a14="http://schemas.microsoft.com/office/drawing/2010/main" val="0"/>
               </a:ext>
               <a:ext uri="{96DAC541-7B7A-43D3-8B79-37D633B846F1}">
-                <asvg:svgBlip xmlns:asvg="http://schemas.microsoft.com/office/drawing/2016/SVG/main" xmlns="" r:embed="rId6"/>
+                <asvg:svgBlip xmlns="" xmlns:asvg="http://schemas.microsoft.com/office/drawing/2016/SVG/main" r:embed="rId6"/>
               </a:ext>
             </a:extLst>
           </a:blip>
@@ -18193,7 +18194,7 @@
                 <a14:useLocalDpi xmlns:a14="http://schemas.microsoft.com/office/drawing/2010/main" val="0"/>
               </a:ext>
               <a:ext uri="{96DAC541-7B7A-43D3-8B79-37D633B846F1}">
-                <asvg:svgBlip xmlns:asvg="http://schemas.microsoft.com/office/drawing/2016/SVG/main" xmlns="" r:embed="rId2"/>
+                <asvg:svgBlip xmlns="" xmlns:asvg="http://schemas.microsoft.com/office/drawing/2016/SVG/main" r:embed="rId2"/>
               </a:ext>
             </a:extLst>
           </a:blip>
@@ -18353,7 +18354,7 @@
                 <a14:useLocalDpi xmlns:a14="http://schemas.microsoft.com/office/drawing/2010/main" val="0"/>
               </a:ext>
               <a:ext uri="{96DAC541-7B7A-43D3-8B79-37D633B846F1}">
-                <asvg:svgBlip xmlns:asvg="http://schemas.microsoft.com/office/drawing/2016/SVG/main" xmlns="" r:embed="rId4"/>
+                <asvg:svgBlip xmlns="" xmlns:asvg="http://schemas.microsoft.com/office/drawing/2016/SVG/main" r:embed="rId4"/>
               </a:ext>
             </a:extLst>
           </a:blip>
@@ -18513,7 +18514,7 @@
                 <a14:useLocalDpi xmlns:a14="http://schemas.microsoft.com/office/drawing/2010/main" val="0"/>
               </a:ext>
               <a:ext uri="{96DAC541-7B7A-43D3-8B79-37D633B846F1}">
-                <asvg:svgBlip xmlns:asvg="http://schemas.microsoft.com/office/drawing/2016/SVG/main" xmlns="" r:embed="rId6"/>
+                <asvg:svgBlip xmlns="" xmlns:asvg="http://schemas.microsoft.com/office/drawing/2016/SVG/main" r:embed="rId6"/>
               </a:ext>
             </a:extLst>
           </a:blip>
@@ -19430,7 +19431,7 @@
                 <a14:useLocalDpi xmlns:a14="http://schemas.microsoft.com/office/drawing/2010/main" val="0"/>
               </a:ext>
               <a:ext uri="{96DAC541-7B7A-43D3-8B79-37D633B846F1}">
-                <asvg:svgBlip xmlns:asvg="http://schemas.microsoft.com/office/drawing/2016/SVG/main" xmlns="" r:embed="rId2"/>
+                <asvg:svgBlip xmlns="" xmlns:asvg="http://schemas.microsoft.com/office/drawing/2016/SVG/main" r:embed="rId2"/>
               </a:ext>
             </a:extLst>
           </a:blip>
@@ -19648,7 +19649,7 @@
                 <a14:useLocalDpi xmlns:a14="http://schemas.microsoft.com/office/drawing/2010/main" val="0"/>
               </a:ext>
               <a:ext uri="{96DAC541-7B7A-43D3-8B79-37D633B846F1}">
-                <asvg:svgBlip xmlns:asvg="http://schemas.microsoft.com/office/drawing/2016/SVG/main" xmlns="" r:embed="rId4"/>
+                <asvg:svgBlip xmlns="" xmlns:asvg="http://schemas.microsoft.com/office/drawing/2016/SVG/main" r:embed="rId4"/>
               </a:ext>
             </a:extLst>
           </a:blip>
@@ -19897,7 +19898,7 @@
                 <a14:useLocalDpi xmlns:a14="http://schemas.microsoft.com/office/drawing/2010/main" val="0"/>
               </a:ext>
               <a:ext uri="{96DAC541-7B7A-43D3-8B79-37D633B846F1}">
-                <asvg:svgBlip xmlns:asvg="http://schemas.microsoft.com/office/drawing/2016/SVG/main" xmlns="" r:embed="rId2"/>
+                <asvg:svgBlip xmlns="" xmlns:asvg="http://schemas.microsoft.com/office/drawing/2016/SVG/main" r:embed="rId2"/>
               </a:ext>
             </a:extLst>
           </a:blip>
@@ -20008,7 +20009,7 @@
                 <a14:useLocalDpi xmlns:a14="http://schemas.microsoft.com/office/drawing/2010/main" val="0"/>
               </a:ext>
               <a:ext uri="{96DAC541-7B7A-43D3-8B79-37D633B846F1}">
-                <asvg:svgBlip xmlns:asvg="http://schemas.microsoft.com/office/drawing/2016/SVG/main" xmlns="" r:embed="rId4"/>
+                <asvg:svgBlip xmlns="" xmlns:asvg="http://schemas.microsoft.com/office/drawing/2016/SVG/main" r:embed="rId4"/>
               </a:ext>
             </a:extLst>
           </a:blip>
@@ -20119,7 +20120,7 @@
                 <a14:useLocalDpi xmlns:a14="http://schemas.microsoft.com/office/drawing/2010/main" val="0"/>
               </a:ext>
               <a:ext uri="{96DAC541-7B7A-43D3-8B79-37D633B846F1}">
-                <asvg:svgBlip xmlns:asvg="http://schemas.microsoft.com/office/drawing/2016/SVG/main" xmlns="" r:embed="rId6"/>
+                <asvg:svgBlip xmlns="" xmlns:asvg="http://schemas.microsoft.com/office/drawing/2016/SVG/main" r:embed="rId6"/>
               </a:ext>
             </a:extLst>
           </a:blip>
@@ -20230,7 +20231,7 @@
                 <a14:useLocalDpi xmlns:a14="http://schemas.microsoft.com/office/drawing/2010/main" val="0"/>
               </a:ext>
               <a:ext uri="{96DAC541-7B7A-43D3-8B79-37D633B846F1}">
-                <asvg:svgBlip xmlns:asvg="http://schemas.microsoft.com/office/drawing/2016/SVG/main" xmlns="" r:embed="rId8"/>
+                <asvg:svgBlip xmlns="" xmlns:asvg="http://schemas.microsoft.com/office/drawing/2016/SVG/main" r:embed="rId8"/>
               </a:ext>
             </a:extLst>
           </a:blip>
@@ -20341,7 +20342,7 @@
                 <a14:useLocalDpi xmlns:a14="http://schemas.microsoft.com/office/drawing/2010/main" val="0"/>
               </a:ext>
               <a:ext uri="{96DAC541-7B7A-43D3-8B79-37D633B846F1}">
-                <asvg:svgBlip xmlns:asvg="http://schemas.microsoft.com/office/drawing/2016/SVG/main" xmlns="" r:embed="rId10"/>
+                <asvg:svgBlip xmlns="" xmlns:asvg="http://schemas.microsoft.com/office/drawing/2016/SVG/main" r:embed="rId10"/>
               </a:ext>
             </a:extLst>
           </a:blip>
@@ -20452,7 +20453,7 @@
                 <a14:useLocalDpi xmlns:a14="http://schemas.microsoft.com/office/drawing/2010/main" val="0"/>
               </a:ext>
               <a:ext uri="{96DAC541-7B7A-43D3-8B79-37D633B846F1}">
-                <asvg:svgBlip xmlns:asvg="http://schemas.microsoft.com/office/drawing/2016/SVG/main" xmlns="" r:embed="rId12"/>
+                <asvg:svgBlip xmlns="" xmlns:asvg="http://schemas.microsoft.com/office/drawing/2016/SVG/main" r:embed="rId12"/>
               </a:ext>
             </a:extLst>
           </a:blip>
@@ -21102,7 +21103,7 @@
   </dgm:layoutNode>
   <dgm:extLst>
     <a:ext uri="{68A01E43-0DF5-4B5B-8FA6-DAF915123BFB}">
-      <dgm1612:lstStyle xmlns:dgm1612="http://schemas.microsoft.com/office/drawing/2016/12/diagram" xmlns="">
+      <dgm1612:lstStyle xmlns="" xmlns:dgm1612="http://schemas.microsoft.com/office/drawing/2016/12/diagram">
         <a:lvl1pPr>
           <a:lnSpc>
             <a:spcPct val="100000"/>
@@ -21315,7 +21316,7 @@
   </dgm:layoutNode>
   <dgm:extLst>
     <a:ext uri="{68A01E43-0DF5-4B5B-8FA6-DAF915123BFB}">
-      <dgm1612:lstStyle xmlns:dgm1612="http://schemas.microsoft.com/office/drawing/2016/12/diagram" xmlns="">
+      <dgm1612:lstStyle xmlns="" xmlns:dgm1612="http://schemas.microsoft.com/office/drawing/2016/12/diagram">
         <a:lvl1pPr>
           <a:lnSpc>
             <a:spcPct val="100000"/>
@@ -22954,7 +22955,7 @@
             <dgm:adjLst/>
             <dgm:extLst>
               <a:ext uri="{B698B0E9-8C71-41B9-8309-B3DCBF30829C}">
-                <dgm1612:spPr xmlns:dgm1612="http://schemas.microsoft.com/office/drawing/2016/12/diagram" xmlns="">
+                <dgm1612:spPr xmlns="" xmlns:dgm1612="http://schemas.microsoft.com/office/drawing/2016/12/diagram">
                   <a:prstGeom prst="round2DiagRect">
                     <a:avLst>
                       <a:gd name="adj1" fmla="val 29727"/>
@@ -23026,7 +23027,7 @@
   </dgm:layoutNode>
   <dgm:extLst>
     <a:ext uri="{68A01E43-0DF5-4B5B-8FA6-DAF915123BFB}">
-      <dgm1612:lstStyle xmlns:dgm1612="http://schemas.microsoft.com/office/drawing/2016/12/diagram" xmlns="">
+      <dgm1612:lstStyle xmlns="" xmlns:dgm1612="http://schemas.microsoft.com/office/drawing/2016/12/diagram">
         <a:lvl1pPr>
           <a:lnSpc>
             <a:spcPct val="100000"/>
@@ -23217,7 +23218,7 @@
   </dgm:layoutNode>
   <dgm:extLst>
     <a:ext uri="{68A01E43-0DF5-4B5B-8FA6-DAF915123BFB}">
-      <dgm1612:lstStyle xmlns:dgm1612="http://schemas.microsoft.com/office/drawing/2016/12/diagram" xmlns="">
+      <dgm1612:lstStyle xmlns="" xmlns:dgm1612="http://schemas.microsoft.com/office/drawing/2016/12/diagram">
         <a:lvl1pPr>
           <a:lnSpc>
             <a:spcPct val="100000"/>
@@ -23506,7 +23507,7 @@
   </dgm:layoutNode>
   <dgm:extLst>
     <a:ext uri="{68A01E43-0DF5-4B5B-8FA6-DAF915123BFB}">
-      <dgm1612:lstStyle xmlns:dgm1612="http://schemas.microsoft.com/office/drawing/2016/12/diagram" xmlns="">
+      <dgm1612:lstStyle xmlns="" xmlns:dgm1612="http://schemas.microsoft.com/office/drawing/2016/12/diagram">
         <a:lvl1pPr>
           <a:lnSpc>
             <a:spcPct val="100000"/>
@@ -23931,7 +23932,7 @@
   </dgm:layoutNode>
   <dgm:extLst>
     <a:ext uri="{68A01E43-0DF5-4B5B-8FA6-DAF915123BFB}">
-      <dgm1612:lstStyle xmlns:dgm1612="http://schemas.microsoft.com/office/drawing/2016/12/diagram" xmlns="">
+      <dgm1612:lstStyle xmlns="" xmlns:dgm1612="http://schemas.microsoft.com/office/drawing/2016/12/diagram">
         <a:lvl1pPr>
           <a:lnSpc>
             <a:spcPct val="100000"/>
@@ -24127,7 +24128,7 @@
   </dgm:layoutNode>
   <dgm:extLst>
     <a:ext uri="{68A01E43-0DF5-4B5B-8FA6-DAF915123BFB}">
-      <dgm1612:lstStyle xmlns:dgm1612="http://schemas.microsoft.com/office/drawing/2016/12/diagram" xmlns="">
+      <dgm1612:lstStyle xmlns="" xmlns:dgm1612="http://schemas.microsoft.com/office/drawing/2016/12/diagram">
         <a:lvl1pPr>
           <a:lnSpc>
             <a:spcPct val="100000"/>
@@ -35891,7 +35892,7 @@
           <a:p>
             <a:fld id="{41DA9887-9249-49FD-809A-BACB264048C3}" type="datetimeFigureOut">
               <a:rPr lang="en-US" smtClean="0"/>
-              <a:t>11/9/2023</a:t>
+              <a:t>11/12/2023</a:t>
             </a:fld>
             <a:endParaRPr lang="en-US"/>
           </a:p>
@@ -36223,7 +36224,7 @@
           <a:p>
             <a:fld id="{DCF07A4B-4191-4CEB-845D-77B454B7E5DE}" type="slidenum">
               <a:rPr lang="en-US" smtClean="0"/>
-              <a:t>19</a:t>
+              <a:t>20</a:t>
             </a:fld>
             <a:endParaRPr lang="en-US"/>
           </a:p>
@@ -36377,7 +36378,7 @@
           <a:p>
             <a:fld id="{EF213E56-3C1A-435A-851B-5B1F221C2038}" type="datetime1">
               <a:rPr lang="en-US" smtClean="0"/>
-              <a:t>11/9/2023</a:t>
+              <a:t>11/12/2023</a:t>
             </a:fld>
             <a:endParaRPr lang="en-US"/>
           </a:p>
@@ -36678,7 +36679,7 @@
           <a:p>
             <a:fld id="{B4696837-4851-4AA6-8AED-554226C981D1}" type="datetime1">
               <a:rPr lang="en-US" smtClean="0"/>
-              <a:t>11/9/2023</a:t>
+              <a:t>11/12/2023</a:t>
             </a:fld>
             <a:endParaRPr lang="en-US"/>
           </a:p>
@@ -36856,7 +36857,7 @@
           <a:p>
             <a:fld id="{BADD32E1-BB70-4827-BA33-FF5AFC435BE9}" type="datetime1">
               <a:rPr lang="en-US" smtClean="0"/>
-              <a:t>11/9/2023</a:t>
+              <a:t>11/12/2023</a:t>
             </a:fld>
             <a:endParaRPr lang="en-US"/>
           </a:p>
@@ -37099,7 +37100,7 @@
             </a:pPr>
             <a:fld id="{40B9EAF6-54F2-4DF5-9C6B-3F6F95B86356}" type="datetime1">
               <a:rPr lang="en-US" smtClean="0"/>
-              <a:t>11/9/2023</a:t>
+              <a:t>11/12/2023</a:t>
             </a:fld>
             <a:endParaRPr lang="en-US"/>
           </a:p>
@@ -37279,7 +37280,7 @@
             </a:pPr>
             <a:fld id="{D3D64A56-6FF4-479A-8655-719A18A98C4B}" type="datetime1">
               <a:rPr lang="en-US" smtClean="0"/>
-              <a:t>11/9/2023</a:t>
+              <a:t>11/12/2023</a:t>
             </a:fld>
             <a:endParaRPr lang="en-US"/>
           </a:p>
@@ -37560,7 +37561,7 @@
           <a:p>
             <a:fld id="{BB961044-FC46-4CBC-9061-59528F4899F3}" type="datetime1">
               <a:rPr lang="en-US" smtClean="0"/>
-              <a:t>11/9/2023</a:t>
+              <a:t>11/12/2023</a:t>
             </a:fld>
             <a:endParaRPr lang="en-US"/>
           </a:p>
@@ -37910,7 +37911,7 @@
           <a:p>
             <a:fld id="{4466A08C-77F3-471E-A5C4-1D2068144BAC}" type="datetime1">
               <a:rPr lang="en-US" smtClean="0"/>
-              <a:t>11/9/2023</a:t>
+              <a:t>11/12/2023</a:t>
             </a:fld>
             <a:endParaRPr lang="en-US"/>
           </a:p>
@@ -38139,7 +38140,7 @@
           <a:p>
             <a:fld id="{B90A7AD1-16F4-44C3-AE32-24C59A599E9D}" type="datetime1">
               <a:rPr lang="en-US" smtClean="0"/>
-              <a:t>11/9/2023</a:t>
+              <a:t>11/12/2023</a:t>
             </a:fld>
             <a:endParaRPr lang="en-US"/>
           </a:p>
@@ -38503,7 +38504,7 @@
           <a:p>
             <a:fld id="{B583DB4F-4316-4DF5-A229-BC1D787C82A0}" type="datetime1">
               <a:rPr lang="en-US" smtClean="0"/>
-              <a:t>11/9/2023</a:t>
+              <a:t>11/12/2023</a:t>
             </a:fld>
             <a:endParaRPr lang="en-US"/>
           </a:p>
@@ -38598,7 +38599,7 @@
           <a:p>
             <a:fld id="{AE6064B7-7A9F-432D-B7B9-6824267AA574}" type="datetime1">
               <a:rPr lang="en-US" smtClean="0"/>
-              <a:t>11/9/2023</a:t>
+              <a:t>11/12/2023</a:t>
             </a:fld>
             <a:endParaRPr lang="en-US"/>
           </a:p>
@@ -38823,7 +38824,7 @@
             <a:fld id="{B2F5E2FA-C428-4CE7-95B0-168D3259A5BB}" type="datetimeFigureOut">
               <a:rPr lang="en-US" smtClean="0"/>
               <a:pPr/>
-              <a:t>11/9/2023</a:t>
+              <a:t>11/12/2023</a:t>
             </a:fld>
             <a:endParaRPr lang="en-US"/>
           </a:p>
@@ -39000,7 +39001,7 @@
           <a:p>
             <a:fld id="{4E1C93A2-B712-486A-8AB5-D41B95D547BE}" type="datetime1">
               <a:rPr lang="en-US" smtClean="0"/>
-              <a:t>11/9/2023</a:t>
+              <a:t>11/12/2023</a:t>
             </a:fld>
             <a:endParaRPr lang="en-US"/>
           </a:p>
@@ -39275,7 +39276,7 @@
           <a:p>
             <a:fld id="{CAB2F318-F19F-4608-B7EF-F7FB8A482213}" type="datetime1">
               <a:rPr lang="en-US" smtClean="0"/>
-              <a:t>11/9/2023</a:t>
+              <a:t>11/12/2023</a:t>
             </a:fld>
             <a:endParaRPr lang="en-US"/>
           </a:p>
@@ -39527,7 +39528,7 @@
           <a:p>
             <a:fld id="{BB9CEF8C-69D6-4C3E-B892-F682F307A7B6}" type="datetime1">
               <a:rPr lang="en-US" smtClean="0"/>
-              <a:t>11/9/2023</a:t>
+              <a:t>11/12/2023</a:t>
             </a:fld>
             <a:endParaRPr lang="en-US"/>
           </a:p>
@@ -39738,7 +39739,7 @@
           <a:p>
             <a:fld id="{FB737C73-4A31-4C17-AFB7-7B8470027787}" type="datetime1">
               <a:rPr lang="en-US" smtClean="0"/>
-              <a:t>11/9/2023</a:t>
+              <a:t>11/12/2023</a:t>
             </a:fld>
             <a:endParaRPr lang="en-US"/>
           </a:p>
@@ -40354,10 +40355,117 @@
   <p:clrMapOvr>
     <a:masterClrMapping/>
   </p:clrMapOvr>
+  <p:timing>
+    <p:tnLst>
+      <p:par>
+        <p:cTn id="1" dur="indefinite" restart="never" nodeType="tmRoot"/>
+      </p:par>
+    </p:tnLst>
+  </p:timing>
 </p:sld>
 </file>
 
 <file path=ppt/slides/slide11.xml><?xml version="1.0" encoding="utf-8"?>
+<p:sld xmlns:a="http://schemas.openxmlformats.org/drawingml/2006/main" xmlns:r="http://schemas.openxmlformats.org/officeDocument/2006/relationships" xmlns:p="http://schemas.openxmlformats.org/presentationml/2006/main">
+  <p:cSld>
+    <p:spTree>
+      <p:nvGrpSpPr>
+        <p:cNvPr id="1" name=""/>
+        <p:cNvGrpSpPr/>
+        <p:nvPr/>
+      </p:nvGrpSpPr>
+      <p:grpSpPr>
+        <a:xfrm>
+          <a:off x="0" y="0"/>
+          <a:ext cx="0" cy="0"/>
+          <a:chOff x="0" y="0"/>
+          <a:chExt cx="0" cy="0"/>
+        </a:xfrm>
+      </p:grpSpPr>
+      <p:sp>
+        <p:nvSpPr>
+          <p:cNvPr id="4" name="Slide Number Placeholder 3"/>
+          <p:cNvSpPr>
+            <a:spLocks noGrp="1"/>
+          </p:cNvSpPr>
+          <p:nvPr>
+            <p:ph type="sldNum" sz="quarter" idx="12"/>
+          </p:nvPr>
+        </p:nvSpPr>
+        <p:spPr/>
+        <p:txBody>
+          <a:bodyPr/>
+          <a:lstStyle/>
+          <a:p>
+            <a:fld id="{B8DACC02-A2BD-4578-8E03-6D891060A695}" type="slidenum">
+              <a:rPr lang="en-US" smtClean="0"/>
+              <a:pPr/>
+              <a:t>11</a:t>
+            </a:fld>
+            <a:endParaRPr lang="en-US" dirty="0"/>
+          </a:p>
+        </p:txBody>
+      </p:sp>
+      <p:pic>
+        <p:nvPicPr>
+          <p:cNvPr id="1026" name="Picture 2" descr="https://assets.entrepreneur.com/images/misc/1679316497_1.jpg?width=1000"/>
+          <p:cNvPicPr>
+            <a:picLocks noChangeAspect="1" noChangeArrowheads="1"/>
+          </p:cNvPicPr>
+          <p:nvPr/>
+        </p:nvPicPr>
+        <p:blipFill rotWithShape="1">
+          <a:blip r:embed="rId2">
+            <a:extLst>
+              <a:ext uri="{28A0092B-C50C-407E-A947-70E740481C1C}">
+                <a14:useLocalDpi xmlns:a14="http://schemas.microsoft.com/office/drawing/2010/main" val="0"/>
+              </a:ext>
+            </a:extLst>
+          </a:blip>
+          <a:srcRect l="4582" t="2137" r="4645" b="8405"/>
+          <a:stretch/>
+        </p:blipFill>
+        <p:spPr bwMode="auto">
+          <a:xfrm>
+            <a:off x="1665837" y="544026"/>
+            <a:ext cx="8646059" cy="5649362"/>
+          </a:xfrm>
+          <a:prstGeom prst="rect">
+            <a:avLst/>
+          </a:prstGeom>
+          <a:noFill/>
+          <a:extLst>
+            <a:ext uri="{909E8E84-426E-40DD-AFC4-6F175D3DCCD1}">
+              <a14:hiddenFill xmlns:a14="http://schemas.microsoft.com/office/drawing/2010/main">
+                <a:solidFill>
+                  <a:srgbClr val="FFFFFF"/>
+                </a:solidFill>
+              </a14:hiddenFill>
+            </a:ext>
+          </a:extLst>
+        </p:spPr>
+      </p:pic>
+    </p:spTree>
+    <p:extLst>
+      <p:ext uri="{BB962C8B-B14F-4D97-AF65-F5344CB8AC3E}">
+        <p14:creationId xmlns:p14="http://schemas.microsoft.com/office/powerpoint/2010/main" val="497740084"/>
+      </p:ext>
+    </p:extLst>
+  </p:cSld>
+  <p:clrMapOvr>
+    <a:masterClrMapping/>
+  </p:clrMapOvr>
+  <p:timing>
+    <p:tnLst>
+      <p:par>
+        <p:cTn id="1" dur="indefinite" restart="never" nodeType="tmRoot"/>
+      </p:par>
+    </p:tnLst>
+  </p:timing>
+</p:sld>
+</file>
+
+<file path=ppt/slides/slide12.xml><?xml version="1.0" encoding="utf-8"?>
 <p:sld xmlns:a="http://schemas.openxmlformats.org/drawingml/2006/main" xmlns:r="http://schemas.openxmlformats.org/officeDocument/2006/relationships" xmlns:p="http://schemas.openxmlformats.org/presentationml/2006/main">
   <p:cSld>
     <p:spTree>
@@ -40457,7 +40565,7 @@
             <a:fld id="{B8DACC02-A2BD-4578-8E03-6D891060A695}" type="slidenum">
               <a:rPr lang="en-US" smtClean="0"/>
               <a:pPr/>
-              <a:t>11</a:t>
+              <a:t>12</a:t>
             </a:fld>
             <a:endParaRPr lang="en-US" dirty="0"/>
           </a:p>
@@ -40473,10 +40581,17 @@
   <p:clrMapOvr>
     <a:masterClrMapping/>
   </p:clrMapOvr>
+  <p:timing>
+    <p:tnLst>
+      <p:par>
+        <p:cTn id="1" dur="indefinite" restart="never" nodeType="tmRoot"/>
+      </p:par>
+    </p:tnLst>
+  </p:timing>
 </p:sld>
 </file>
 
-<file path=ppt/slides/slide12.xml><?xml version="1.0" encoding="utf-8"?>
+<file path=ppt/slides/slide13.xml><?xml version="1.0" encoding="utf-8"?>
 <p:sld xmlns:a="http://schemas.openxmlformats.org/drawingml/2006/main" xmlns:r="http://schemas.openxmlformats.org/officeDocument/2006/relationships" xmlns:p="http://schemas.openxmlformats.org/presentationml/2006/main">
   <p:cSld>
     <p:spTree>
@@ -40570,7 +40685,7 @@
             <a:fld id="{B8DACC02-A2BD-4578-8E03-6D891060A695}" type="slidenum">
               <a:rPr lang="en-US" smtClean="0"/>
               <a:pPr/>
-              <a:t>12</a:t>
+              <a:t>13</a:t>
             </a:fld>
             <a:endParaRPr lang="en-US" dirty="0"/>
           </a:p>
@@ -40589,7 +40704,7 @@
 </p:sld>
 </file>
 
-<file path=ppt/slides/slide13.xml><?xml version="1.0" encoding="utf-8"?>
+<file path=ppt/slides/slide14.xml><?xml version="1.0" encoding="utf-8"?>
 <p:sld xmlns:a="http://schemas.openxmlformats.org/drawingml/2006/main" xmlns:r="http://schemas.openxmlformats.org/officeDocument/2006/relationships" xmlns:p="http://schemas.openxmlformats.org/presentationml/2006/main">
   <p:cSld>
     <p:spTree>
@@ -40658,7 +40773,7 @@
           <a:p>
             <a:fld id="{B8DACC02-A2BD-4578-8E03-6D891060A695}" type="slidenum">
               <a:rPr lang="en-US" smtClean="0"/>
-              <a:t>13</a:t>
+              <a:t>14</a:t>
             </a:fld>
             <a:endParaRPr lang="en-US"/>
           </a:p>
@@ -40708,7 +40823,7 @@
 </p:sld>
 </file>
 
-<file path=ppt/slides/slide14.xml><?xml version="1.0" encoding="utf-8"?>
+<file path=ppt/slides/slide15.xml><?xml version="1.0" encoding="utf-8"?>
 <p:sld xmlns:a="http://schemas.openxmlformats.org/drawingml/2006/main" xmlns:r="http://schemas.openxmlformats.org/officeDocument/2006/relationships" xmlns:p="http://schemas.openxmlformats.org/presentationml/2006/main">
   <p:cSld>
     <p:spTree>
@@ -40777,7 +40892,7 @@
             <a:fld id="{B8DACC02-A2BD-4578-8E03-6D891060A695}" type="slidenum">
               <a:rPr lang="en-US" smtClean="0"/>
               <a:pPr/>
-              <a:t>14</a:t>
+              <a:t>15</a:t>
             </a:fld>
             <a:endParaRPr lang="en-US" dirty="0"/>
           </a:p>
@@ -41030,7 +41145,7 @@
 </p:sld>
 </file>
 
-<file path=ppt/slides/slide15.xml><?xml version="1.0" encoding="utf-8"?>
+<file path=ppt/slides/slide16.xml><?xml version="1.0" encoding="utf-8"?>
 <p:sld xmlns:a="http://schemas.openxmlformats.org/drawingml/2006/main" xmlns:r="http://schemas.openxmlformats.org/officeDocument/2006/relationships" xmlns:p="http://schemas.openxmlformats.org/presentationml/2006/main">
   <p:cSld>
     <p:spTree>
@@ -41160,7 +41275,7 @@
             <a:fld id="{B8DACC02-A2BD-4578-8E03-6D891060A695}" type="slidenum">
               <a:rPr lang="en-US" smtClean="0"/>
               <a:pPr/>
-              <a:t>15</a:t>
+              <a:t>16</a:t>
             </a:fld>
             <a:endParaRPr lang="en-US" dirty="0"/>
           </a:p>
@@ -41179,7 +41294,7 @@
 </p:sld>
 </file>
 
-<file path=ppt/slides/slide16.xml><?xml version="1.0" encoding="utf-8"?>
+<file path=ppt/slides/slide17.xml><?xml version="1.0" encoding="utf-8"?>
 <p:sld xmlns:a="http://schemas.openxmlformats.org/drawingml/2006/main" xmlns:r="http://schemas.openxmlformats.org/officeDocument/2006/relationships" xmlns:p="http://schemas.openxmlformats.org/presentationml/2006/main">
   <p:cSld>
     <p:spTree>
@@ -41249,7 +41364,7 @@
             <a:fld id="{B8DACC02-A2BD-4578-8E03-6D891060A695}" type="slidenum">
               <a:rPr lang="en-US" smtClean="0"/>
               <a:pPr/>
-              <a:t>16</a:t>
+              <a:t>17</a:t>
             </a:fld>
             <a:endParaRPr lang="en-US" dirty="0"/>
           </a:p>
@@ -41299,7 +41414,7 @@
 </p:sld>
 </file>
 
-<file path=ppt/slides/slide17.xml><?xml version="1.0" encoding="utf-8"?>
+<file path=ppt/slides/slide18.xml><?xml version="1.0" encoding="utf-8"?>
 <p:sld xmlns:a="http://schemas.openxmlformats.org/drawingml/2006/main" xmlns:r="http://schemas.openxmlformats.org/officeDocument/2006/relationships" xmlns:p="http://schemas.openxmlformats.org/presentationml/2006/main">
   <p:cSld>
     <p:spTree>
@@ -41393,7 +41508,7 @@
             <a:fld id="{B8DACC02-A2BD-4578-8E03-6D891060A695}" type="slidenum">
               <a:rPr lang="en-US" smtClean="0"/>
               <a:pPr/>
-              <a:t>17</a:t>
+              <a:t>18</a:t>
             </a:fld>
             <a:endParaRPr lang="en-US" dirty="0"/>
           </a:p>
@@ -41412,7 +41527,7 @@
 </p:sld>
 </file>
 
-<file path=ppt/slides/slide18.xml><?xml version="1.0" encoding="utf-8"?>
+<file path=ppt/slides/slide19.xml><?xml version="1.0" encoding="utf-8"?>
 <p:sld xmlns:a="http://schemas.openxmlformats.org/drawingml/2006/main" xmlns:r="http://schemas.openxmlformats.org/officeDocument/2006/relationships" xmlns:p="http://schemas.openxmlformats.org/presentationml/2006/main">
   <p:cSld>
     <p:spTree>
@@ -41506,7 +41621,7 @@
             <a:fld id="{B8DACC02-A2BD-4578-8E03-6D891060A695}" type="slidenum">
               <a:rPr lang="en-US" smtClean="0"/>
               <a:pPr/>
-              <a:t>18</a:t>
+              <a:t>19</a:t>
             </a:fld>
             <a:endParaRPr lang="en-US" dirty="0"/>
           </a:p>
@@ -41563,127 +41678,6 @@
     <p:extLst>
       <p:ext uri="{BB962C8B-B14F-4D97-AF65-F5344CB8AC3E}">
         <p14:creationId xmlns:p14="http://schemas.microsoft.com/office/powerpoint/2010/main" val="1871574428"/>
-      </p:ext>
-    </p:extLst>
-  </p:cSld>
-  <p:clrMapOvr>
-    <a:masterClrMapping/>
-  </p:clrMapOvr>
-</p:sld>
-</file>
-
-<file path=ppt/slides/slide19.xml><?xml version="1.0" encoding="utf-8"?>
-<p:sld xmlns:a="http://schemas.openxmlformats.org/drawingml/2006/main" xmlns:r="http://schemas.openxmlformats.org/officeDocument/2006/relationships" xmlns:p="http://schemas.openxmlformats.org/presentationml/2006/main">
-  <p:cSld>
-    <p:spTree>
-      <p:nvGrpSpPr>
-        <p:cNvPr id="1" name=""/>
-        <p:cNvGrpSpPr/>
-        <p:nvPr/>
-      </p:nvGrpSpPr>
-      <p:grpSpPr>
-        <a:xfrm>
-          <a:off x="0" y="0"/>
-          <a:ext cx="0" cy="0"/>
-          <a:chOff x="0" y="0"/>
-          <a:chExt cx="0" cy="0"/>
-        </a:xfrm>
-      </p:grpSpPr>
-      <p:sp>
-        <p:nvSpPr>
-          <p:cNvPr id="5" name="Title 4">
-            <a:extLst>
-              <a:ext uri="{FF2B5EF4-FFF2-40B4-BE49-F238E27FC236}">
-                <a16:creationId xmlns:a16="http://schemas.microsoft.com/office/drawing/2014/main" id="{3EC85A3A-09C7-143D-B556-BD714067F5E6}"/>
-              </a:ext>
-            </a:extLst>
-          </p:cNvPr>
-          <p:cNvSpPr>
-            <a:spLocks noGrp="1"/>
-          </p:cNvSpPr>
-          <p:nvPr>
-            <p:ph type="title"/>
-          </p:nvPr>
-        </p:nvSpPr>
-        <p:spPr/>
-        <p:txBody>
-          <a:bodyPr>
-            <a:normAutofit/>
-          </a:bodyPr>
-          <a:lstStyle/>
-          <a:p>
-            <a:r>
-              <a:rPr lang="en-US"/>
-              <a:t>Understanding Product Development Life Cycle</a:t>
-            </a:r>
-            <a:endParaRPr lang="en-US" dirty="0"/>
-          </a:p>
-        </p:txBody>
-      </p:sp>
-      <p:sp>
-        <p:nvSpPr>
-          <p:cNvPr id="4" name="Slide Number Placeholder 3">
-            <a:extLst>
-              <a:ext uri="{FF2B5EF4-FFF2-40B4-BE49-F238E27FC236}">
-                <a16:creationId xmlns:a16="http://schemas.microsoft.com/office/drawing/2014/main" id="{58A75489-7A34-CC89-2CCF-5563A4FA4FBD}"/>
-              </a:ext>
-            </a:extLst>
-          </p:cNvPr>
-          <p:cNvSpPr>
-            <a:spLocks noGrp="1"/>
-          </p:cNvSpPr>
-          <p:nvPr>
-            <p:ph type="sldNum" sz="quarter" idx="12"/>
-          </p:nvPr>
-        </p:nvSpPr>
-        <p:spPr/>
-        <p:txBody>
-          <a:bodyPr/>
-          <a:lstStyle/>
-          <a:p>
-            <a:fld id="{B8DACC02-A2BD-4578-8E03-6D891060A695}" type="slidenum">
-              <a:rPr lang="en-US" smtClean="0"/>
-              <a:t>19</a:t>
-            </a:fld>
-            <a:endParaRPr lang="en-US"/>
-          </a:p>
-        </p:txBody>
-      </p:sp>
-      <p:graphicFrame>
-        <p:nvGraphicFramePr>
-          <p:cNvPr id="10" name="Content Placeholder 5">
-            <a:extLst>
-              <a:ext uri="{FF2B5EF4-FFF2-40B4-BE49-F238E27FC236}">
-                <a16:creationId xmlns:a16="http://schemas.microsoft.com/office/drawing/2014/main" id="{C70D4DAD-41C1-EDF9-A25F-73D756A0DF03}"/>
-              </a:ext>
-            </a:extLst>
-          </p:cNvPr>
-          <p:cNvGraphicFramePr>
-            <a:graphicFrameLocks noGrp="1"/>
-          </p:cNvGraphicFramePr>
-          <p:nvPr>
-            <p:ph idx="1"/>
-            <p:extLst>
-              <p:ext uri="{D42A27DB-BD31-4B8C-83A1-F6EECF244321}">
-                <p14:modId xmlns:p14="http://schemas.microsoft.com/office/powerpoint/2010/main" val="947509537"/>
-              </p:ext>
-            </p:extLst>
-          </p:nvPr>
-        </p:nvGraphicFramePr>
-        <p:xfrm>
-          <a:off x="347527" y="1586537"/>
-          <a:ext cx="11441350" cy="4420973"/>
-        </p:xfrm>
-        <a:graphic>
-          <a:graphicData uri="http://schemas.openxmlformats.org/drawingml/2006/diagram">
-            <dgm:relIds xmlns:dgm="http://schemas.openxmlformats.org/drawingml/2006/diagram" xmlns:r="http://schemas.openxmlformats.org/officeDocument/2006/relationships" r:dm="rId3" r:lo="rId4" r:qs="rId5" r:cs="rId6"/>
-          </a:graphicData>
-        </a:graphic>
-      </p:graphicFrame>
-    </p:spTree>
-    <p:extLst>
-      <p:ext uri="{BB962C8B-B14F-4D97-AF65-F5344CB8AC3E}">
-        <p14:creationId xmlns:p14="http://schemas.microsoft.com/office/powerpoint/2010/main" val="1230363762"/>
       </p:ext>
     </p:extLst>
   </p:cSld>
@@ -41855,6 +41849,127 @@
       </p:grpSpPr>
       <p:sp>
         <p:nvSpPr>
+          <p:cNvPr id="5" name="Title 4">
+            <a:extLst>
+              <a:ext uri="{FF2B5EF4-FFF2-40B4-BE49-F238E27FC236}">
+                <a16:creationId xmlns:a16="http://schemas.microsoft.com/office/drawing/2014/main" id="{3EC85A3A-09C7-143D-B556-BD714067F5E6}"/>
+              </a:ext>
+            </a:extLst>
+          </p:cNvPr>
+          <p:cNvSpPr>
+            <a:spLocks noGrp="1"/>
+          </p:cNvSpPr>
+          <p:nvPr>
+            <p:ph type="title"/>
+          </p:nvPr>
+        </p:nvSpPr>
+        <p:spPr/>
+        <p:txBody>
+          <a:bodyPr>
+            <a:normAutofit/>
+          </a:bodyPr>
+          <a:lstStyle/>
+          <a:p>
+            <a:r>
+              <a:rPr lang="en-US"/>
+              <a:t>Understanding Product Development Life Cycle</a:t>
+            </a:r>
+            <a:endParaRPr lang="en-US" dirty="0"/>
+          </a:p>
+        </p:txBody>
+      </p:sp>
+      <p:sp>
+        <p:nvSpPr>
+          <p:cNvPr id="4" name="Slide Number Placeholder 3">
+            <a:extLst>
+              <a:ext uri="{FF2B5EF4-FFF2-40B4-BE49-F238E27FC236}">
+                <a16:creationId xmlns:a16="http://schemas.microsoft.com/office/drawing/2014/main" id="{58A75489-7A34-CC89-2CCF-5563A4FA4FBD}"/>
+              </a:ext>
+            </a:extLst>
+          </p:cNvPr>
+          <p:cNvSpPr>
+            <a:spLocks noGrp="1"/>
+          </p:cNvSpPr>
+          <p:nvPr>
+            <p:ph type="sldNum" sz="quarter" idx="12"/>
+          </p:nvPr>
+        </p:nvSpPr>
+        <p:spPr/>
+        <p:txBody>
+          <a:bodyPr/>
+          <a:lstStyle/>
+          <a:p>
+            <a:fld id="{B8DACC02-A2BD-4578-8E03-6D891060A695}" type="slidenum">
+              <a:rPr lang="en-US" smtClean="0"/>
+              <a:t>20</a:t>
+            </a:fld>
+            <a:endParaRPr lang="en-US"/>
+          </a:p>
+        </p:txBody>
+      </p:sp>
+      <p:graphicFrame>
+        <p:nvGraphicFramePr>
+          <p:cNvPr id="10" name="Content Placeholder 5">
+            <a:extLst>
+              <a:ext uri="{FF2B5EF4-FFF2-40B4-BE49-F238E27FC236}">
+                <a16:creationId xmlns:a16="http://schemas.microsoft.com/office/drawing/2014/main" id="{C70D4DAD-41C1-EDF9-A25F-73D756A0DF03}"/>
+              </a:ext>
+            </a:extLst>
+          </p:cNvPr>
+          <p:cNvGraphicFramePr>
+            <a:graphicFrameLocks noGrp="1"/>
+          </p:cNvGraphicFramePr>
+          <p:nvPr>
+            <p:ph idx="1"/>
+            <p:extLst>
+              <p:ext uri="{D42A27DB-BD31-4B8C-83A1-F6EECF244321}">
+                <p14:modId xmlns:p14="http://schemas.microsoft.com/office/powerpoint/2010/main" val="947509537"/>
+              </p:ext>
+            </p:extLst>
+          </p:nvPr>
+        </p:nvGraphicFramePr>
+        <p:xfrm>
+          <a:off x="347527" y="1586537"/>
+          <a:ext cx="11441350" cy="4420973"/>
+        </p:xfrm>
+        <a:graphic>
+          <a:graphicData uri="http://schemas.openxmlformats.org/drawingml/2006/diagram">
+            <dgm:relIds xmlns:dgm="http://schemas.openxmlformats.org/drawingml/2006/diagram" xmlns:r="http://schemas.openxmlformats.org/officeDocument/2006/relationships" r:dm="rId3" r:lo="rId4" r:qs="rId5" r:cs="rId6"/>
+          </a:graphicData>
+        </a:graphic>
+      </p:graphicFrame>
+    </p:spTree>
+    <p:extLst>
+      <p:ext uri="{BB962C8B-B14F-4D97-AF65-F5344CB8AC3E}">
+        <p14:creationId xmlns:p14="http://schemas.microsoft.com/office/powerpoint/2010/main" val="1230363762"/>
+      </p:ext>
+    </p:extLst>
+  </p:cSld>
+  <p:clrMapOvr>
+    <a:masterClrMapping/>
+  </p:clrMapOvr>
+</p:sld>
+</file>
+
+<file path=ppt/slides/slide21.xml><?xml version="1.0" encoding="utf-8"?>
+<p:sld xmlns:a="http://schemas.openxmlformats.org/drawingml/2006/main" xmlns:r="http://schemas.openxmlformats.org/officeDocument/2006/relationships" xmlns:p="http://schemas.openxmlformats.org/presentationml/2006/main">
+  <p:cSld>
+    <p:spTree>
+      <p:nvGrpSpPr>
+        <p:cNvPr id="1" name=""/>
+        <p:cNvGrpSpPr/>
+        <p:nvPr/>
+      </p:nvGrpSpPr>
+      <p:grpSpPr>
+        <a:xfrm>
+          <a:off x="0" y="0"/>
+          <a:ext cx="0" cy="0"/>
+          <a:chOff x="0" y="0"/>
+          <a:chExt cx="0" cy="0"/>
+        </a:xfrm>
+      </p:grpSpPr>
+      <p:sp>
+        <p:nvSpPr>
           <p:cNvPr id="2" name="Title 1">
             <a:extLst>
               <a:ext uri="{FF2B5EF4-FFF2-40B4-BE49-F238E27FC236}">
@@ -41930,7 +42045,7 @@
             <a:fld id="{B8DACC02-A2BD-4578-8E03-6D891060A695}" type="slidenum">
               <a:rPr lang="en-US" smtClean="0"/>
               <a:pPr/>
-              <a:t>20</a:t>
+              <a:t>21</a:t>
             </a:fld>
             <a:endParaRPr lang="en-US" dirty="0"/>
           </a:p>
@@ -41994,7 +42109,7 @@
 </p:sld>
 </file>
 
-<file path=ppt/slides/slide21.xml><?xml version="1.0" encoding="utf-8"?>
+<file path=ppt/slides/slide22.xml><?xml version="1.0" encoding="utf-8"?>
 <p:sld xmlns:a="http://schemas.openxmlformats.org/drawingml/2006/main" xmlns:r="http://schemas.openxmlformats.org/officeDocument/2006/relationships" xmlns:p="http://schemas.openxmlformats.org/presentationml/2006/main">
   <p:cSld>
     <p:spTree>
@@ -42088,7 +42203,7 @@
             <a:fld id="{B8DACC02-A2BD-4578-8E03-6D891060A695}" type="slidenum">
               <a:rPr lang="en-US" smtClean="0"/>
               <a:pPr/>
-              <a:t>21</a:t>
+              <a:t>22</a:t>
             </a:fld>
             <a:endParaRPr lang="en-US" dirty="0"/>
           </a:p>
@@ -42152,7 +42267,7 @@
 </p:sld>
 </file>
 
-<file path=ppt/slides/slide22.xml><?xml version="1.0" encoding="utf-8"?>
+<file path=ppt/slides/slide23.xml><?xml version="1.0" encoding="utf-8"?>
 <p:sld xmlns:a="http://schemas.openxmlformats.org/drawingml/2006/main" xmlns:r="http://schemas.openxmlformats.org/officeDocument/2006/relationships" xmlns:p="http://schemas.openxmlformats.org/presentationml/2006/main">
   <p:cSld>
     <p:spTree>
@@ -42246,7 +42361,7 @@
             <a:fld id="{B8DACC02-A2BD-4578-8E03-6D891060A695}" type="slidenum">
               <a:rPr lang="en-US" smtClean="0"/>
               <a:pPr/>
-              <a:t>22</a:t>
+              <a:t>23</a:t>
             </a:fld>
             <a:endParaRPr lang="en-US" dirty="0"/>
           </a:p>
@@ -42310,7 +42425,7 @@
 </p:sld>
 </file>
 
-<file path=ppt/slides/slide23.xml><?xml version="1.0" encoding="utf-8"?>
+<file path=ppt/slides/slide24.xml><?xml version="1.0" encoding="utf-8"?>
 <p:sld xmlns:a="http://schemas.openxmlformats.org/drawingml/2006/main" xmlns:r="http://schemas.openxmlformats.org/officeDocument/2006/relationships" xmlns:p="http://schemas.openxmlformats.org/presentationml/2006/main">
   <p:cSld>
     <p:spTree>
@@ -42380,7 +42495,7 @@
             <a:fld id="{B8DACC02-A2BD-4578-8E03-6D891060A695}" type="slidenum">
               <a:rPr lang="en-US" smtClean="0"/>
               <a:pPr/>
-              <a:t>23</a:t>
+              <a:t>24</a:t>
             </a:fld>
             <a:endParaRPr lang="en-US" dirty="0"/>
           </a:p>
@@ -42430,7 +42545,7 @@
 </p:sld>
 </file>
 
-<file path=ppt/slides/slide24.xml><?xml version="1.0" encoding="utf-8"?>
+<file path=ppt/slides/slide25.xml><?xml version="1.0" encoding="utf-8"?>
 <p:sld xmlns:a="http://schemas.openxmlformats.org/drawingml/2006/main" xmlns:r="http://schemas.openxmlformats.org/officeDocument/2006/relationships" xmlns:p="http://schemas.openxmlformats.org/presentationml/2006/main">
   <p:cSld>
     <p:spTree>
@@ -42528,7 +42643,7 @@
             <a:fld id="{B8DACC02-A2BD-4578-8E03-6D891060A695}" type="slidenum">
               <a:rPr lang="en-US" smtClean="0"/>
               <a:pPr/>
-              <a:t>24</a:t>
+              <a:t>25</a:t>
             </a:fld>
             <a:endParaRPr lang="en-US" dirty="0"/>
           </a:p>
@@ -42547,7 +42662,7 @@
 </p:sld>
 </file>
 
-<file path=ppt/slides/slide25.xml><?xml version="1.0" encoding="utf-8"?>
+<file path=ppt/slides/slide26.xml><?xml version="1.0" encoding="utf-8"?>
 <p:sld xmlns:a="http://schemas.openxmlformats.org/drawingml/2006/main" xmlns:r="http://schemas.openxmlformats.org/officeDocument/2006/relationships" xmlns:p="http://schemas.openxmlformats.org/presentationml/2006/main">
   <p:cSld>
     <p:spTree>
@@ -42605,7 +42720,7 @@
             <a:fld id="{B8DACC02-A2BD-4578-8E03-6D891060A695}" type="slidenum">
               <a:rPr lang="en-US" smtClean="0"/>
               <a:pPr/>
-              <a:t>25</a:t>
+              <a:t>26</a:t>
             </a:fld>
             <a:endParaRPr lang="en-US" dirty="0"/>
           </a:p>
@@ -42842,7 +42957,7 @@
 </p:sld>
 </file>
 
-<file path=ppt/slides/slide26.xml><?xml version="1.0" encoding="utf-8"?>
+<file path=ppt/slides/slide27.xml><?xml version="1.0" encoding="utf-8"?>
 <p:sld xmlns:a="http://schemas.openxmlformats.org/drawingml/2006/main" xmlns:r="http://schemas.openxmlformats.org/officeDocument/2006/relationships" xmlns:p="http://schemas.openxmlformats.org/presentationml/2006/main">
   <p:cSld>
     <p:spTree>
@@ -42900,7 +43015,7 @@
             <a:fld id="{B8DACC02-A2BD-4578-8E03-6D891060A695}" type="slidenum">
               <a:rPr lang="en-US" smtClean="0"/>
               <a:pPr/>
-              <a:t>26</a:t>
+              <a:t>27</a:t>
             </a:fld>
             <a:endParaRPr lang="en-US" dirty="0"/>
           </a:p>
@@ -43146,7 +43261,7 @@
 </p:sld>
 </file>
 
-<file path=ppt/slides/slide27.xml><?xml version="1.0" encoding="utf-8"?>
+<file path=ppt/slides/slide28.xml><?xml version="1.0" encoding="utf-8"?>
 <p:sld xmlns:a="http://schemas.openxmlformats.org/drawingml/2006/main" xmlns:r="http://schemas.openxmlformats.org/officeDocument/2006/relationships" xmlns:p="http://schemas.openxmlformats.org/presentationml/2006/main">
   <p:cSld>
     <p:spTree>
@@ -43240,7 +43355,7 @@
             <a:fld id="{B8DACC02-A2BD-4578-8E03-6D891060A695}" type="slidenum">
               <a:rPr lang="en-US" smtClean="0"/>
               <a:pPr/>
-              <a:t>27</a:t>
+              <a:t>28</a:t>
             </a:fld>
             <a:endParaRPr lang="en-US" dirty="0"/>
           </a:p>
@@ -43259,7 +43374,7 @@
 </p:sld>
 </file>
 
-<file path=ppt/slides/slide28.xml><?xml version="1.0" encoding="utf-8"?>
+<file path=ppt/slides/slide29.xml><?xml version="1.0" encoding="utf-8"?>
 <p:sld xmlns:a="http://schemas.openxmlformats.org/drawingml/2006/main" xmlns:r="http://schemas.openxmlformats.org/officeDocument/2006/relationships" xmlns:p="http://schemas.openxmlformats.org/presentationml/2006/main">
   <p:cSld>
     <p:spTree>
@@ -43390,7 +43505,7 @@
           <a:p>
             <a:fld id="{B8DACC02-A2BD-4578-8E03-6D891060A695}" type="slidenum">
               <a:rPr lang="en-US" smtClean="0"/>
-              <a:t>28</a:t>
+              <a:t>29</a:t>
             </a:fld>
             <a:endParaRPr lang="en-US"/>
           </a:p>
@@ -43400,146 +43515,6 @@
     <p:extLst>
       <p:ext uri="{BB962C8B-B14F-4D97-AF65-F5344CB8AC3E}">
         <p14:creationId xmlns:p14="http://schemas.microsoft.com/office/powerpoint/2010/main" val="389147121"/>
-      </p:ext>
-    </p:extLst>
-  </p:cSld>
-  <p:clrMapOvr>
-    <a:masterClrMapping/>
-  </p:clrMapOvr>
-</p:sld>
-</file>
-
-<file path=ppt/slides/slide29.xml><?xml version="1.0" encoding="utf-8"?>
-<p:sld xmlns:a="http://schemas.openxmlformats.org/drawingml/2006/main" xmlns:r="http://schemas.openxmlformats.org/officeDocument/2006/relationships" xmlns:p="http://schemas.openxmlformats.org/presentationml/2006/main">
-  <p:cSld>
-    <p:spTree>
-      <p:nvGrpSpPr>
-        <p:cNvPr id="1" name=""/>
-        <p:cNvGrpSpPr/>
-        <p:nvPr/>
-      </p:nvGrpSpPr>
-      <p:grpSpPr>
-        <a:xfrm>
-          <a:off x="0" y="0"/>
-          <a:ext cx="0" cy="0"/>
-          <a:chOff x="0" y="0"/>
-          <a:chExt cx="0" cy="0"/>
-        </a:xfrm>
-      </p:grpSpPr>
-      <p:sp>
-        <p:nvSpPr>
-          <p:cNvPr id="5" name="Title 4">
-            <a:extLst>
-              <a:ext uri="{FF2B5EF4-FFF2-40B4-BE49-F238E27FC236}">
-                <a16:creationId xmlns:a16="http://schemas.microsoft.com/office/drawing/2014/main" id="{56E7722F-F741-71F3-5754-ABD23C8EB7B4}"/>
-              </a:ext>
-            </a:extLst>
-          </p:cNvPr>
-          <p:cNvSpPr>
-            <a:spLocks noGrp="1"/>
-          </p:cNvSpPr>
-          <p:nvPr>
-            <p:ph type="title"/>
-          </p:nvPr>
-        </p:nvSpPr>
-        <p:spPr/>
-        <p:txBody>
-          <a:bodyPr/>
-          <a:lstStyle/>
-          <a:p>
-            <a:r>
-              <a:rPr lang="en-US" dirty="0"/>
-              <a:t>Funding Options for Software Startups</a:t>
-            </a:r>
-          </a:p>
-        </p:txBody>
-      </p:sp>
-      <p:sp>
-        <p:nvSpPr>
-          <p:cNvPr id="6" name="Content Placeholder 5">
-            <a:extLst>
-              <a:ext uri="{FF2B5EF4-FFF2-40B4-BE49-F238E27FC236}">
-                <a16:creationId xmlns:a16="http://schemas.microsoft.com/office/drawing/2014/main" id="{C343976B-C5F0-B1E5-4947-FC3EFB7793EE}"/>
-              </a:ext>
-            </a:extLst>
-          </p:cNvPr>
-          <p:cNvSpPr>
-            <a:spLocks noGrp="1"/>
-          </p:cNvSpPr>
-          <p:nvPr>
-            <p:ph idx="1"/>
-          </p:nvPr>
-        </p:nvSpPr>
-        <p:spPr/>
-        <p:txBody>
-          <a:bodyPr>
-            <a:normAutofit/>
-          </a:bodyPr>
-          <a:lstStyle/>
-          <a:p>
-            <a:r>
-              <a:rPr lang="en-US" dirty="0"/>
-              <a:t>Crowdfunding</a:t>
-            </a:r>
-          </a:p>
-          <a:p>
-            <a:pPr lvl="1"/>
-            <a:r>
-              <a:rPr lang="en-US" dirty="0"/>
-              <a:t>raising small amounts of money from a large number of people, typically through online platforms</a:t>
-            </a:r>
-          </a:p>
-          <a:p>
-            <a:r>
-              <a:rPr lang="en-US" dirty="0"/>
-              <a:t>Loans and grants</a:t>
-            </a:r>
-          </a:p>
-          <a:p>
-            <a:pPr lvl="1"/>
-            <a:r>
-              <a:rPr lang="en-US" dirty="0"/>
-              <a:t>government-backed loans and grants for startups that meet certain criteria</a:t>
-            </a:r>
-          </a:p>
-          <a:p>
-            <a:endParaRPr lang="en-US" dirty="0"/>
-          </a:p>
-        </p:txBody>
-      </p:sp>
-      <p:sp>
-        <p:nvSpPr>
-          <p:cNvPr id="4" name="Slide Number Placeholder 3">
-            <a:extLst>
-              <a:ext uri="{FF2B5EF4-FFF2-40B4-BE49-F238E27FC236}">
-                <a16:creationId xmlns:a16="http://schemas.microsoft.com/office/drawing/2014/main" id="{4ECA15E4-92D9-C04A-7067-955A16FC4DF9}"/>
-              </a:ext>
-            </a:extLst>
-          </p:cNvPr>
-          <p:cNvSpPr>
-            <a:spLocks noGrp="1"/>
-          </p:cNvSpPr>
-          <p:nvPr>
-            <p:ph type="sldNum" sz="quarter" idx="12"/>
-          </p:nvPr>
-        </p:nvSpPr>
-        <p:spPr/>
-        <p:txBody>
-          <a:bodyPr/>
-          <a:lstStyle/>
-          <a:p>
-            <a:fld id="{B8DACC02-A2BD-4578-8E03-6D891060A695}" type="slidenum">
-              <a:rPr lang="en-US" smtClean="0"/>
-              <a:t>29</a:t>
-            </a:fld>
-            <a:endParaRPr lang="en-US"/>
-          </a:p>
-        </p:txBody>
-      </p:sp>
-    </p:spTree>
-    <p:extLst>
-      <p:ext uri="{BB962C8B-B14F-4D97-AF65-F5344CB8AC3E}">
-        <p14:creationId xmlns:p14="http://schemas.microsoft.com/office/powerpoint/2010/main" val="1795030029"/>
       </p:ext>
     </p:extLst>
   </p:cSld>
@@ -43681,6 +43656,146 @@
       </p:grpSpPr>
       <p:sp>
         <p:nvSpPr>
+          <p:cNvPr id="5" name="Title 4">
+            <a:extLst>
+              <a:ext uri="{FF2B5EF4-FFF2-40B4-BE49-F238E27FC236}">
+                <a16:creationId xmlns:a16="http://schemas.microsoft.com/office/drawing/2014/main" id="{56E7722F-F741-71F3-5754-ABD23C8EB7B4}"/>
+              </a:ext>
+            </a:extLst>
+          </p:cNvPr>
+          <p:cNvSpPr>
+            <a:spLocks noGrp="1"/>
+          </p:cNvSpPr>
+          <p:nvPr>
+            <p:ph type="title"/>
+          </p:nvPr>
+        </p:nvSpPr>
+        <p:spPr/>
+        <p:txBody>
+          <a:bodyPr/>
+          <a:lstStyle/>
+          <a:p>
+            <a:r>
+              <a:rPr lang="en-US" dirty="0"/>
+              <a:t>Funding Options for Software Startups</a:t>
+            </a:r>
+          </a:p>
+        </p:txBody>
+      </p:sp>
+      <p:sp>
+        <p:nvSpPr>
+          <p:cNvPr id="6" name="Content Placeholder 5">
+            <a:extLst>
+              <a:ext uri="{FF2B5EF4-FFF2-40B4-BE49-F238E27FC236}">
+                <a16:creationId xmlns:a16="http://schemas.microsoft.com/office/drawing/2014/main" id="{C343976B-C5F0-B1E5-4947-FC3EFB7793EE}"/>
+              </a:ext>
+            </a:extLst>
+          </p:cNvPr>
+          <p:cNvSpPr>
+            <a:spLocks noGrp="1"/>
+          </p:cNvSpPr>
+          <p:nvPr>
+            <p:ph idx="1"/>
+          </p:nvPr>
+        </p:nvSpPr>
+        <p:spPr/>
+        <p:txBody>
+          <a:bodyPr>
+            <a:normAutofit/>
+          </a:bodyPr>
+          <a:lstStyle/>
+          <a:p>
+            <a:r>
+              <a:rPr lang="en-US" dirty="0"/>
+              <a:t>Crowdfunding</a:t>
+            </a:r>
+          </a:p>
+          <a:p>
+            <a:pPr lvl="1"/>
+            <a:r>
+              <a:rPr lang="en-US" dirty="0"/>
+              <a:t>raising small amounts of money from a large number of people, typically through online platforms</a:t>
+            </a:r>
+          </a:p>
+          <a:p>
+            <a:r>
+              <a:rPr lang="en-US" dirty="0"/>
+              <a:t>Loans and grants</a:t>
+            </a:r>
+          </a:p>
+          <a:p>
+            <a:pPr lvl="1"/>
+            <a:r>
+              <a:rPr lang="en-US" dirty="0"/>
+              <a:t>government-backed loans and grants for startups that meet certain criteria</a:t>
+            </a:r>
+          </a:p>
+          <a:p>
+            <a:endParaRPr lang="en-US" dirty="0"/>
+          </a:p>
+        </p:txBody>
+      </p:sp>
+      <p:sp>
+        <p:nvSpPr>
+          <p:cNvPr id="4" name="Slide Number Placeholder 3">
+            <a:extLst>
+              <a:ext uri="{FF2B5EF4-FFF2-40B4-BE49-F238E27FC236}">
+                <a16:creationId xmlns:a16="http://schemas.microsoft.com/office/drawing/2014/main" id="{4ECA15E4-92D9-C04A-7067-955A16FC4DF9}"/>
+              </a:ext>
+            </a:extLst>
+          </p:cNvPr>
+          <p:cNvSpPr>
+            <a:spLocks noGrp="1"/>
+          </p:cNvSpPr>
+          <p:nvPr>
+            <p:ph type="sldNum" sz="quarter" idx="12"/>
+          </p:nvPr>
+        </p:nvSpPr>
+        <p:spPr/>
+        <p:txBody>
+          <a:bodyPr/>
+          <a:lstStyle/>
+          <a:p>
+            <a:fld id="{B8DACC02-A2BD-4578-8E03-6D891060A695}" type="slidenum">
+              <a:rPr lang="en-US" smtClean="0"/>
+              <a:t>30</a:t>
+            </a:fld>
+            <a:endParaRPr lang="en-US"/>
+          </a:p>
+        </p:txBody>
+      </p:sp>
+    </p:spTree>
+    <p:extLst>
+      <p:ext uri="{BB962C8B-B14F-4D97-AF65-F5344CB8AC3E}">
+        <p14:creationId xmlns:p14="http://schemas.microsoft.com/office/powerpoint/2010/main" val="1795030029"/>
+      </p:ext>
+    </p:extLst>
+  </p:cSld>
+  <p:clrMapOvr>
+    <a:masterClrMapping/>
+  </p:clrMapOvr>
+</p:sld>
+</file>
+
+<file path=ppt/slides/slide31.xml><?xml version="1.0" encoding="utf-8"?>
+<p:sld xmlns:a="http://schemas.openxmlformats.org/drawingml/2006/main" xmlns:r="http://schemas.openxmlformats.org/officeDocument/2006/relationships" xmlns:p="http://schemas.openxmlformats.org/presentationml/2006/main">
+  <p:cSld>
+    <p:spTree>
+      <p:nvGrpSpPr>
+        <p:cNvPr id="1" name=""/>
+        <p:cNvGrpSpPr/>
+        <p:nvPr/>
+      </p:nvGrpSpPr>
+      <p:grpSpPr>
+        <a:xfrm>
+          <a:off x="0" y="0"/>
+          <a:ext cx="0" cy="0"/>
+          <a:chOff x="0" y="0"/>
+          <a:chExt cx="0" cy="0"/>
+        </a:xfrm>
+      </p:grpSpPr>
+      <p:sp>
+        <p:nvSpPr>
           <p:cNvPr id="2" name="Title 1">
             <a:extLst>
               <a:ext uri="{FF2B5EF4-FFF2-40B4-BE49-F238E27FC236}">
@@ -43762,7 +43877,7 @@
             <a:fld id="{B8DACC02-A2BD-4578-8E03-6D891060A695}" type="slidenum">
               <a:rPr lang="en-US" smtClean="0"/>
               <a:pPr/>
-              <a:t>30</a:t>
+              <a:t>31</a:t>
             </a:fld>
             <a:endParaRPr lang="en-US" dirty="0"/>
           </a:p>
@@ -43781,7 +43896,7 @@
 </p:sld>
 </file>
 
-<file path=ppt/slides/slide31.xml><?xml version="1.0" encoding="utf-8"?>
+<file path=ppt/slides/slide32.xml><?xml version="1.0" encoding="utf-8"?>
 <p:sld xmlns:a="http://schemas.openxmlformats.org/drawingml/2006/main" xmlns:r="http://schemas.openxmlformats.org/officeDocument/2006/relationships" xmlns:p="http://schemas.openxmlformats.org/presentationml/2006/main">
   <p:cSld>
     <p:spTree>
@@ -45161,7 +45276,7 @@
             <a:fld id="{B8DACC02-A2BD-4578-8E03-6D891060A695}" type="slidenum">
               <a:rPr lang="en-US" smtClean="0"/>
               <a:pPr/>
-              <a:t>31</a:t>
+              <a:t>32</a:t>
             </a:fld>
             <a:endParaRPr lang="en-US" dirty="0"/>
           </a:p>

--- a/SE495/Lectures/1-Introduction/Introduction.pptx
+++ b/SE495/Lectures/1-Introduction/Introduction.pptx
@@ -8919,13 +8919,6 @@
         </dgm:presLayoutVars>
       </dgm:prSet>
       <dgm:spPr/>
-      <dgm:t>
-        <a:bodyPr/>
-        <a:lstStyle/>
-        <a:p>
-          <a:endParaRPr lang="en-US"/>
-        </a:p>
-      </dgm:t>
     </dgm:pt>
     <dgm:pt modelId="{DCCCE470-DB6D-4BE4-9A0F-E886D1274415}" type="pres">
       <dgm:prSet presAssocID="{97920718-F5DD-47DE-86CE-827CADA987E2}" presName="boxAndChildren" presStyleCnt="0"/>
@@ -8934,24 +8927,10 @@
     <dgm:pt modelId="{46323F7A-240D-40A5-ACFE-2C06FD8C14A3}" type="pres">
       <dgm:prSet presAssocID="{97920718-F5DD-47DE-86CE-827CADA987E2}" presName="parentTextBox" presStyleLbl="node1" presStyleIdx="0" presStyleCnt="2"/>
       <dgm:spPr/>
-      <dgm:t>
-        <a:bodyPr/>
-        <a:lstStyle/>
-        <a:p>
-          <a:endParaRPr lang="en-US"/>
-        </a:p>
-      </dgm:t>
     </dgm:pt>
     <dgm:pt modelId="{C287BC8D-5138-4081-A76F-9E5635F67D79}" type="pres">
       <dgm:prSet presAssocID="{97920718-F5DD-47DE-86CE-827CADA987E2}" presName="entireBox" presStyleLbl="node1" presStyleIdx="0" presStyleCnt="2"/>
       <dgm:spPr/>
-      <dgm:t>
-        <a:bodyPr/>
-        <a:lstStyle/>
-        <a:p>
-          <a:endParaRPr lang="en-US"/>
-        </a:p>
-      </dgm:t>
     </dgm:pt>
     <dgm:pt modelId="{4CDDD951-5F33-41B6-BCC4-7F0FF213A615}" type="pres">
       <dgm:prSet presAssocID="{97920718-F5DD-47DE-86CE-827CADA987E2}" presName="descendantBox" presStyleCnt="0"/>
@@ -8964,13 +8943,6 @@
         </dgm:presLayoutVars>
       </dgm:prSet>
       <dgm:spPr/>
-      <dgm:t>
-        <a:bodyPr/>
-        <a:lstStyle/>
-        <a:p>
-          <a:endParaRPr lang="en-US"/>
-        </a:p>
-      </dgm:t>
     </dgm:pt>
     <dgm:pt modelId="{7CC91B86-677C-4FEB-A2EC-801F41FE044A}" type="pres">
       <dgm:prSet presAssocID="{9C028D42-EBD5-40B2-A87B-9B93B82E5F8A}" presName="childTextBox" presStyleLbl="fgAccFollowNode1" presStyleIdx="1" presStyleCnt="4">
@@ -8979,13 +8951,6 @@
         </dgm:presLayoutVars>
       </dgm:prSet>
       <dgm:spPr/>
-      <dgm:t>
-        <a:bodyPr/>
-        <a:lstStyle/>
-        <a:p>
-          <a:endParaRPr lang="en-US"/>
-        </a:p>
-      </dgm:t>
     </dgm:pt>
     <dgm:pt modelId="{B1423FC5-1263-41D3-A81C-333E47C6F149}" type="pres">
       <dgm:prSet presAssocID="{23ECE2A0-9102-495E-94B9-3DF7555DDD23}" presName="childTextBox" presStyleLbl="fgAccFollowNode1" presStyleIdx="2" presStyleCnt="4">
@@ -8994,13 +8959,6 @@
         </dgm:presLayoutVars>
       </dgm:prSet>
       <dgm:spPr/>
-      <dgm:t>
-        <a:bodyPr/>
-        <a:lstStyle/>
-        <a:p>
-          <a:endParaRPr lang="en-US"/>
-        </a:p>
-      </dgm:t>
     </dgm:pt>
     <dgm:pt modelId="{916F8B0A-2B15-4855-AC36-099E95BEF06F}" type="pres">
       <dgm:prSet presAssocID="{08E6DC3E-AC58-4785-8ED4-FA043B1E8765}" presName="childTextBox" presStyleLbl="fgAccFollowNode1" presStyleIdx="3" presStyleCnt="4">
@@ -9009,13 +8967,6 @@
         </dgm:presLayoutVars>
       </dgm:prSet>
       <dgm:spPr/>
-      <dgm:t>
-        <a:bodyPr/>
-        <a:lstStyle/>
-        <a:p>
-          <a:endParaRPr lang="en-US"/>
-        </a:p>
-      </dgm:t>
     </dgm:pt>
     <dgm:pt modelId="{011562C5-26F6-4913-87F3-765C856ADEDF}" type="pres">
       <dgm:prSet presAssocID="{D7EA2D40-3AE1-4D3E-ACA0-05349E3DA4C4}" presName="sp" presStyleCnt="0"/>
@@ -9028,30 +8979,23 @@
     <dgm:pt modelId="{EA6290B3-FC1E-45F4-A149-6E0B71B30B4A}" type="pres">
       <dgm:prSet presAssocID="{B1BDBA39-F1AC-4B57-8C68-A702707FA1D2}" presName="parentTextArrow" presStyleLbl="node1" presStyleIdx="1" presStyleCnt="2"/>
       <dgm:spPr/>
-      <dgm:t>
-        <a:bodyPr/>
-        <a:lstStyle/>
-        <a:p>
-          <a:endParaRPr lang="en-US"/>
-        </a:p>
-      </dgm:t>
     </dgm:pt>
   </dgm:ptLst>
   <dgm:cxnLst>
-    <dgm:cxn modelId="{39A7DFC0-A497-4322-99C8-81F5B5276166}" type="presOf" srcId="{08E6DC3E-AC58-4785-8ED4-FA043B1E8765}" destId="{916F8B0A-2B15-4855-AC36-099E95BEF06F}" srcOrd="0" destOrd="0" presId="urn:microsoft.com/office/officeart/2005/8/layout/process4"/>
     <dgm:cxn modelId="{09031311-82A2-4AD4-A176-4B8626690A14}" type="presOf" srcId="{97920718-F5DD-47DE-86CE-827CADA987E2}" destId="{46323F7A-240D-40A5-ACFE-2C06FD8C14A3}" srcOrd="0" destOrd="0" presId="urn:microsoft.com/office/officeart/2005/8/layout/process4"/>
-    <dgm:cxn modelId="{88C7D7AA-9A2D-412B-B3D4-E84A75514622}" srcId="{97920718-F5DD-47DE-86CE-827CADA987E2}" destId="{23ECE2A0-9102-495E-94B9-3DF7555DDD23}" srcOrd="2" destOrd="0" parTransId="{2F833604-27AE-4750-B552-71266AF06FA7}" sibTransId="{9F0F2B9F-7BD4-4576-B83E-415C3528EFC4}"/>
     <dgm:cxn modelId="{0B59391E-6267-4A1A-ABBB-02AB522DA668}" srcId="{DD8E9E5A-D855-464F-9915-8E1E1D1CE226}" destId="{97920718-F5DD-47DE-86CE-827CADA987E2}" srcOrd="1" destOrd="0" parTransId="{895FE576-E8F0-475D-B990-B1D653C44281}" sibTransId="{F3237C50-3743-4A21-9BE4-A2714B1DCD57}"/>
-    <dgm:cxn modelId="{26888EBB-9BD0-485B-82A9-28D1411ACD9A}" srcId="{97920718-F5DD-47DE-86CE-827CADA987E2}" destId="{08E6DC3E-AC58-4785-8ED4-FA043B1E8765}" srcOrd="3" destOrd="0" parTransId="{14970E86-DF64-4DF2-9F33-3FAA5355B6DF}" sibTransId="{002304FC-DD67-4314-BE45-1AF3972E99AA}"/>
     <dgm:cxn modelId="{6B4DD429-9BFE-4981-81D6-6AD0A3B31B1C}" type="presOf" srcId="{97920718-F5DD-47DE-86CE-827CADA987E2}" destId="{C287BC8D-5138-4081-A76F-9E5635F67D79}" srcOrd="1" destOrd="0" presId="urn:microsoft.com/office/officeart/2005/8/layout/process4"/>
     <dgm:cxn modelId="{77065E38-20F6-466E-BF92-9FE7E7EF000F}" type="presOf" srcId="{23ECE2A0-9102-495E-94B9-3DF7555DDD23}" destId="{B1423FC5-1263-41D3-A81C-333E47C6F149}" srcOrd="0" destOrd="0" presId="urn:microsoft.com/office/officeart/2005/8/layout/process4"/>
+    <dgm:cxn modelId="{12CFE463-A686-43B2-9844-BC2859B3A53F}" srcId="{97920718-F5DD-47DE-86CE-827CADA987E2}" destId="{1B0F1187-F89F-4F22-B63C-26EB44574B3D}" srcOrd="0" destOrd="0" parTransId="{0E7E1DFD-DACE-46AE-BF16-0B84BDCFEEF7}" sibTransId="{75EF17B7-D1F1-4379-A7C1-72B5D57318C4}"/>
     <dgm:cxn modelId="{12315F4A-1452-42AC-BDE9-0B8D13B4F834}" type="presOf" srcId="{9C028D42-EBD5-40B2-A87B-9B93B82E5F8A}" destId="{7CC91B86-677C-4FEB-A2EC-801F41FE044A}" srcOrd="0" destOrd="0" presId="urn:microsoft.com/office/officeart/2005/8/layout/process4"/>
     <dgm:cxn modelId="{9CDBA073-D483-4E2F-80DC-63C03F34B97D}" type="presOf" srcId="{B1BDBA39-F1AC-4B57-8C68-A702707FA1D2}" destId="{EA6290B3-FC1E-45F4-A149-6E0B71B30B4A}" srcOrd="0" destOrd="0" presId="urn:microsoft.com/office/officeart/2005/8/layout/process4"/>
-    <dgm:cxn modelId="{12CFE463-A686-43B2-9844-BC2859B3A53F}" srcId="{97920718-F5DD-47DE-86CE-827CADA987E2}" destId="{1B0F1187-F89F-4F22-B63C-26EB44574B3D}" srcOrd="0" destOrd="0" parTransId="{0E7E1DFD-DACE-46AE-BF16-0B84BDCFEEF7}" sibTransId="{75EF17B7-D1F1-4379-A7C1-72B5D57318C4}"/>
+    <dgm:cxn modelId="{EACBE17B-61F0-4C5D-BCE2-ABB4E76889A2}" type="presOf" srcId="{1B0F1187-F89F-4F22-B63C-26EB44574B3D}" destId="{0221F964-AD31-46EA-BCA8-984D8E7B02FE}" srcOrd="0" destOrd="0" presId="urn:microsoft.com/office/officeart/2005/8/layout/process4"/>
+    <dgm:cxn modelId="{88C7D7AA-9A2D-412B-B3D4-E84A75514622}" srcId="{97920718-F5DD-47DE-86CE-827CADA987E2}" destId="{23ECE2A0-9102-495E-94B9-3DF7555DDD23}" srcOrd="2" destOrd="0" parTransId="{2F833604-27AE-4750-B552-71266AF06FA7}" sibTransId="{9F0F2B9F-7BD4-4576-B83E-415C3528EFC4}"/>
+    <dgm:cxn modelId="{26888EBB-9BD0-485B-82A9-28D1411ACD9A}" srcId="{97920718-F5DD-47DE-86CE-827CADA987E2}" destId="{08E6DC3E-AC58-4785-8ED4-FA043B1E8765}" srcOrd="3" destOrd="0" parTransId="{14970E86-DF64-4DF2-9F33-3FAA5355B6DF}" sibTransId="{002304FC-DD67-4314-BE45-1AF3972E99AA}"/>
+    <dgm:cxn modelId="{39A7DFC0-A497-4322-99C8-81F5B5276166}" type="presOf" srcId="{08E6DC3E-AC58-4785-8ED4-FA043B1E8765}" destId="{916F8B0A-2B15-4855-AC36-099E95BEF06F}" srcOrd="0" destOrd="0" presId="urn:microsoft.com/office/officeart/2005/8/layout/process4"/>
     <dgm:cxn modelId="{E96773CF-1F70-41FB-9778-1CA033D9E9C3}" type="presOf" srcId="{DD8E9E5A-D855-464F-9915-8E1E1D1CE226}" destId="{C07D4807-42BD-445C-923F-EB3B11109835}" srcOrd="0" destOrd="0" presId="urn:microsoft.com/office/officeart/2005/8/layout/process4"/>
-    <dgm:cxn modelId="{EACBE17B-61F0-4C5D-BCE2-ABB4E76889A2}" type="presOf" srcId="{1B0F1187-F89F-4F22-B63C-26EB44574B3D}" destId="{0221F964-AD31-46EA-BCA8-984D8E7B02FE}" srcOrd="0" destOrd="0" presId="urn:microsoft.com/office/officeart/2005/8/layout/process4"/>
+    <dgm:cxn modelId="{7EFFECF2-305B-42B5-944C-1AC2B245F3F2}" srcId="{97920718-F5DD-47DE-86CE-827CADA987E2}" destId="{9C028D42-EBD5-40B2-A87B-9B93B82E5F8A}" srcOrd="1" destOrd="0" parTransId="{C37F82EC-4053-44B8-AECE-5B03A308AE6C}" sibTransId="{49EE803D-FED1-4F69-87A5-48AB921B5381}"/>
     <dgm:cxn modelId="{809EBDF4-71F5-4FF0-8EDD-7496F676ABEF}" srcId="{DD8E9E5A-D855-464F-9915-8E1E1D1CE226}" destId="{B1BDBA39-F1AC-4B57-8C68-A702707FA1D2}" srcOrd="0" destOrd="0" parTransId="{31298241-8D57-4825-AC03-ACA36AFD3328}" sibTransId="{D7EA2D40-3AE1-4D3E-ACA0-05349E3DA4C4}"/>
-    <dgm:cxn modelId="{7EFFECF2-305B-42B5-944C-1AC2B245F3F2}" srcId="{97920718-F5DD-47DE-86CE-827CADA987E2}" destId="{9C028D42-EBD5-40B2-A87B-9B93B82E5F8A}" srcOrd="1" destOrd="0" parTransId="{C37F82EC-4053-44B8-AECE-5B03A308AE6C}" sibTransId="{49EE803D-FED1-4F69-87A5-48AB921B5381}"/>
     <dgm:cxn modelId="{7C7852EB-C84B-448D-BB7C-1148FB1105AB}" type="presParOf" srcId="{C07D4807-42BD-445C-923F-EB3B11109835}" destId="{DCCCE470-DB6D-4BE4-9A0F-E886D1274415}" srcOrd="0" destOrd="0" presId="urn:microsoft.com/office/officeart/2005/8/layout/process4"/>
     <dgm:cxn modelId="{DA1140F4-91D8-42B8-B43C-B0DE38DDACF1}" type="presParOf" srcId="{DCCCE470-DB6D-4BE4-9A0F-E886D1274415}" destId="{46323F7A-240D-40A5-ACFE-2C06FD8C14A3}" srcOrd="0" destOrd="0" presId="urn:microsoft.com/office/officeart/2005/8/layout/process4"/>
     <dgm:cxn modelId="{EB1DC39B-4C05-40EA-87FB-422ADB992D99}" type="presParOf" srcId="{DCCCE470-DB6D-4BE4-9A0F-E886D1274415}" destId="{C287BC8D-5138-4081-A76F-9E5635F67D79}" srcOrd="1" destOrd="0" presId="urn:microsoft.com/office/officeart/2005/8/layout/process4"/>
@@ -9321,13 +9265,6 @@
         </dgm:presLayoutVars>
       </dgm:prSet>
       <dgm:spPr/>
-      <dgm:t>
-        <a:bodyPr/>
-        <a:lstStyle/>
-        <a:p>
-          <a:endParaRPr lang="en-US"/>
-        </a:p>
-      </dgm:t>
     </dgm:pt>
     <dgm:pt modelId="{090E58EF-22F9-46C4-9526-7EA8311F4F22}" type="pres">
       <dgm:prSet presAssocID="{F5A2372C-4C78-4462-88DA-BFE49725F86F}" presName="compNode" presStyleCnt="0"/>
@@ -9347,7 +9284,7 @@
                 <a14:useLocalDpi xmlns:a14="http://schemas.microsoft.com/office/drawing/2010/main" val="0"/>
               </a:ext>
               <a:ext uri="{96DAC541-7B7A-43D3-8B79-37D633B846F1}">
-                <asvg:svgBlip xmlns="" xmlns:asvg="http://schemas.microsoft.com/office/drawing/2016/SVG/main" r:embed="rId2"/>
+                <asvg:svgBlip xmlns:asvg="http://schemas.microsoft.com/office/drawing/2016/SVG/main" r:embed="rId2"/>
               </a:ext>
             </a:extLst>
           </a:blip>
@@ -9359,13 +9296,6 @@
           <a:noFill/>
         </a:ln>
       </dgm:spPr>
-      <dgm:t>
-        <a:bodyPr/>
-        <a:lstStyle/>
-        <a:p>
-          <a:endParaRPr lang="en-US"/>
-        </a:p>
-      </dgm:t>
       <dgm:extLst>
         <a:ext uri="{E40237B7-FDA0-4F09-8148-C483321AD2D9}">
           <dgm14:cNvPr xmlns:dgm14="http://schemas.microsoft.com/office/drawing/2010/diagram" id="0" name="" descr="Users"/>
@@ -9384,13 +9314,6 @@
         </dgm:presLayoutVars>
       </dgm:prSet>
       <dgm:spPr/>
-      <dgm:t>
-        <a:bodyPr/>
-        <a:lstStyle/>
-        <a:p>
-          <a:endParaRPr lang="en-US"/>
-        </a:p>
-      </dgm:t>
     </dgm:pt>
     <dgm:pt modelId="{74A93405-DC7D-4DE8-902B-2F6B99195EF0}" type="pres">
       <dgm:prSet presAssocID="{D7E01D06-9101-4124-885B-03075BA4F78B}" presName="sibTrans" presStyleCnt="0"/>
@@ -9414,7 +9337,7 @@
                 <a14:useLocalDpi xmlns:a14="http://schemas.microsoft.com/office/drawing/2010/main" val="0"/>
               </a:ext>
               <a:ext uri="{96DAC541-7B7A-43D3-8B79-37D633B846F1}">
-                <asvg:svgBlip xmlns="" xmlns:asvg="http://schemas.microsoft.com/office/drawing/2016/SVG/main" r:embed="rId4"/>
+                <asvg:svgBlip xmlns:asvg="http://schemas.microsoft.com/office/drawing/2016/SVG/main" r:embed="rId4"/>
               </a:ext>
             </a:extLst>
           </a:blip>
@@ -9426,13 +9349,6 @@
           <a:noFill/>
         </a:ln>
       </dgm:spPr>
-      <dgm:t>
-        <a:bodyPr/>
-        <a:lstStyle/>
-        <a:p>
-          <a:endParaRPr lang="en-US"/>
-        </a:p>
-      </dgm:t>
       <dgm:extLst>
         <a:ext uri="{E40237B7-FDA0-4F09-8148-C483321AD2D9}">
           <dgm14:cNvPr xmlns:dgm14="http://schemas.microsoft.com/office/drawing/2010/diagram" id="0" name="" descr="Checkmark"/>
@@ -9451,13 +9367,6 @@
         </dgm:presLayoutVars>
       </dgm:prSet>
       <dgm:spPr/>
-      <dgm:t>
-        <a:bodyPr/>
-        <a:lstStyle/>
-        <a:p>
-          <a:endParaRPr lang="en-US"/>
-        </a:p>
-      </dgm:t>
     </dgm:pt>
     <dgm:pt modelId="{45787160-DC35-43DE-90F4-F4FAE310B93B}" type="pres">
       <dgm:prSet presAssocID="{3DB32EA9-8E68-4893-A590-5B9CCD5FC7D5}" presName="sibTrans" presStyleCnt="0"/>
@@ -9481,7 +9390,7 @@
                 <a14:useLocalDpi xmlns:a14="http://schemas.microsoft.com/office/drawing/2010/main" val="0"/>
               </a:ext>
               <a:ext uri="{96DAC541-7B7A-43D3-8B79-37D633B846F1}">
-                <asvg:svgBlip xmlns="" xmlns:asvg="http://schemas.microsoft.com/office/drawing/2016/SVG/main" r:embed="rId6"/>
+                <asvg:svgBlip xmlns:asvg="http://schemas.microsoft.com/office/drawing/2016/SVG/main" r:embed="rId6"/>
               </a:ext>
             </a:extLst>
           </a:blip>
@@ -9493,13 +9402,6 @@
           <a:noFill/>
         </a:ln>
       </dgm:spPr>
-      <dgm:t>
-        <a:bodyPr/>
-        <a:lstStyle/>
-        <a:p>
-          <a:endParaRPr lang="en-US"/>
-        </a:p>
-      </dgm:t>
       <dgm:extLst>
         <a:ext uri="{E40237B7-FDA0-4F09-8148-C483321AD2D9}">
           <dgm14:cNvPr xmlns:dgm14="http://schemas.microsoft.com/office/drawing/2010/diagram" id="0" name="" descr="Handshake"/>
@@ -9518,13 +9420,6 @@
         </dgm:presLayoutVars>
       </dgm:prSet>
       <dgm:spPr/>
-      <dgm:t>
-        <a:bodyPr/>
-        <a:lstStyle/>
-        <a:p>
-          <a:endParaRPr lang="en-US"/>
-        </a:p>
-      </dgm:t>
     </dgm:pt>
     <dgm:pt modelId="{B8C6E729-2D4E-496E-AAD4-78BE9D169CC9}" type="pres">
       <dgm:prSet presAssocID="{421016B3-F65A-4043-B689-C25A061D85CA}" presName="sibTrans" presStyleCnt="0"/>
@@ -9548,7 +9443,7 @@
                 <a14:useLocalDpi xmlns:a14="http://schemas.microsoft.com/office/drawing/2010/main" val="0"/>
               </a:ext>
               <a:ext uri="{96DAC541-7B7A-43D3-8B79-37D633B846F1}">
-                <asvg:svgBlip xmlns="" xmlns:asvg="http://schemas.microsoft.com/office/drawing/2016/SVG/main" r:embed="rId8"/>
+                <asvg:svgBlip xmlns:asvg="http://schemas.microsoft.com/office/drawing/2016/SVG/main" r:embed="rId8"/>
               </a:ext>
             </a:extLst>
           </a:blip>
@@ -9560,13 +9455,6 @@
           <a:noFill/>
         </a:ln>
       </dgm:spPr>
-      <dgm:t>
-        <a:bodyPr/>
-        <a:lstStyle/>
-        <a:p>
-          <a:endParaRPr lang="en-US"/>
-        </a:p>
-      </dgm:t>
       <dgm:extLst>
         <a:ext uri="{E40237B7-FDA0-4F09-8148-C483321AD2D9}">
           <dgm14:cNvPr xmlns:dgm14="http://schemas.microsoft.com/office/drawing/2010/diagram" id="0" name="" descr="User"/>
@@ -9585,13 +9473,6 @@
         </dgm:presLayoutVars>
       </dgm:prSet>
       <dgm:spPr/>
-      <dgm:t>
-        <a:bodyPr/>
-        <a:lstStyle/>
-        <a:p>
-          <a:endParaRPr lang="en-US"/>
-        </a:p>
-      </dgm:t>
     </dgm:pt>
     <dgm:pt modelId="{F5B6A94E-38D5-4C52-BAF5-745B376C5E47}" type="pres">
       <dgm:prSet presAssocID="{ABB8AD0C-FC49-4F49-B7FA-2A0199D047F5}" presName="sibTrans" presStyleCnt="0"/>
@@ -9615,7 +9496,7 @@
                 <a14:useLocalDpi xmlns:a14="http://schemas.microsoft.com/office/drawing/2010/main" val="0"/>
               </a:ext>
               <a:ext uri="{96DAC541-7B7A-43D3-8B79-37D633B846F1}">
-                <asvg:svgBlip xmlns="" xmlns:asvg="http://schemas.microsoft.com/office/drawing/2016/SVG/main" r:embed="rId10"/>
+                <asvg:svgBlip xmlns:asvg="http://schemas.microsoft.com/office/drawing/2016/SVG/main" r:embed="rId10"/>
               </a:ext>
             </a:extLst>
           </a:blip>
@@ -9627,13 +9508,6 @@
           <a:noFill/>
         </a:ln>
       </dgm:spPr>
-      <dgm:t>
-        <a:bodyPr/>
-        <a:lstStyle/>
-        <a:p>
-          <a:endParaRPr lang="en-US"/>
-        </a:p>
-      </dgm:t>
       <dgm:extLst>
         <a:ext uri="{E40237B7-FDA0-4F09-8148-C483321AD2D9}">
           <dgm14:cNvPr xmlns:dgm14="http://schemas.microsoft.com/office/drawing/2010/diagram" id="0" name="" descr="Gears"/>
@@ -9652,27 +9526,20 @@
         </dgm:presLayoutVars>
       </dgm:prSet>
       <dgm:spPr/>
-      <dgm:t>
-        <a:bodyPr/>
-        <a:lstStyle/>
-        <a:p>
-          <a:endParaRPr lang="en-US"/>
-        </a:p>
-      </dgm:t>
     </dgm:pt>
   </dgm:ptLst>
   <dgm:cxnLst>
-    <dgm:cxn modelId="{19C2B2A8-A504-4021-83FA-1997C5726442}" srcId="{A4DC2171-934C-4421-A07A-FCA2AF62EC4D}" destId="{18F80D7A-9F10-45C1-9F73-2BA6CBD96385}" srcOrd="4" destOrd="0" parTransId="{FC797A29-456D-4FE9-B0C0-3DCC21CAAC42}" sibTransId="{B2F6EAA3-D521-4E35-9D9B-FB70E081D802}"/>
+    <dgm:cxn modelId="{BA5EE10B-F3A2-4E1C-A921-71224F06E179}" type="presOf" srcId="{E416BBD4-4A5D-473C-BACF-23D49B268470}" destId="{948E5D8F-3E80-4CB3-AD97-816CB645B67C}" srcOrd="0" destOrd="0" presId="urn:microsoft.com/office/officeart/2018/5/layout/IconCircleLabelList"/>
     <dgm:cxn modelId="{1DBC7033-0D93-4988-BFBC-1563A4FBCB2A}" type="presOf" srcId="{33B4A175-A255-431E-9B6D-4122A6A3DC7A}" destId="{5D30AF92-F4BE-495B-9499-70281ED897F0}" srcOrd="0" destOrd="0" presId="urn:microsoft.com/office/officeart/2018/5/layout/IconCircleLabelList"/>
     <dgm:cxn modelId="{A8ED3F65-5FD4-421B-883E-54F5E6A6CA12}" srcId="{A4DC2171-934C-4421-A07A-FCA2AF62EC4D}" destId="{F5A2372C-4C78-4462-88DA-BFE49725F86F}" srcOrd="0" destOrd="0" parTransId="{B2CE5ECE-B7AE-42F9-9C3A-38B3B0467035}" sibTransId="{D7E01D06-9101-4124-885B-03075BA4F78B}"/>
-    <dgm:cxn modelId="{2CC51ABA-6847-44FE-B4AE-3926FF44F186}" type="presOf" srcId="{18F80D7A-9F10-45C1-9F73-2BA6CBD96385}" destId="{282B96DF-3ACB-4875-86FA-EE0969599A63}" srcOrd="0" destOrd="0" presId="urn:microsoft.com/office/officeart/2018/5/layout/IconCircleLabelList"/>
-    <dgm:cxn modelId="{A30B42F6-D2A9-4243-8E56-029BB07D68BD}" type="presOf" srcId="{A4DC2171-934C-4421-A07A-FCA2AF62EC4D}" destId="{2E0EC3F6-636E-4C2A-A42A-0814F0022D99}" srcOrd="0" destOrd="0" presId="urn:microsoft.com/office/officeart/2018/5/layout/IconCircleLabelList"/>
-    <dgm:cxn modelId="{AA34C7EF-431D-4124-85B7-BC257F411220}" srcId="{A4DC2171-934C-4421-A07A-FCA2AF62EC4D}" destId="{C2F0DC34-CA38-478D-BD9C-7D1C6964AF91}" srcOrd="1" destOrd="0" parTransId="{8A5AF70B-4F5B-4F60-9257-19E9F25C7F3A}" sibTransId="{3DB32EA9-8E68-4893-A590-5B9CCD5FC7D5}"/>
-    <dgm:cxn modelId="{907FB9B6-62CE-459A-A4DF-13B25625E7DA}" srcId="{A4DC2171-934C-4421-A07A-FCA2AF62EC4D}" destId="{E416BBD4-4A5D-473C-BACF-23D49B268470}" srcOrd="2" destOrd="0" parTransId="{C7AE9249-DC2E-48E8-B77A-C1E0152C3991}" sibTransId="{421016B3-F65A-4043-B689-C25A061D85CA}"/>
-    <dgm:cxn modelId="{3B3157DD-B1C1-4A5F-ABF0-617F8DCEB396}" type="presOf" srcId="{F5A2372C-4C78-4462-88DA-BFE49725F86F}" destId="{9DD7253C-9FA5-44E9-9D7C-20D40EF0CEBD}" srcOrd="0" destOrd="0" presId="urn:microsoft.com/office/officeart/2018/5/layout/IconCircleLabelList"/>
     <dgm:cxn modelId="{B4A5E748-8D76-419A-A6AB-24E4903BAEFB}" type="presOf" srcId="{C2F0DC34-CA38-478D-BD9C-7D1C6964AF91}" destId="{17F2D3B9-521B-4280-9E45-8237B945C3FE}" srcOrd="0" destOrd="0" presId="urn:microsoft.com/office/officeart/2018/5/layout/IconCircleLabelList"/>
     <dgm:cxn modelId="{E9516FA2-36C9-4948-A4F0-D5CBCC0B817F}" srcId="{A4DC2171-934C-4421-A07A-FCA2AF62EC4D}" destId="{33B4A175-A255-431E-9B6D-4122A6A3DC7A}" srcOrd="3" destOrd="0" parTransId="{723F3A6D-3CBB-44D1-A406-DDDBF118E1F5}" sibTransId="{ABB8AD0C-FC49-4F49-B7FA-2A0199D047F5}"/>
-    <dgm:cxn modelId="{BA5EE10B-F3A2-4E1C-A921-71224F06E179}" type="presOf" srcId="{E416BBD4-4A5D-473C-BACF-23D49B268470}" destId="{948E5D8F-3E80-4CB3-AD97-816CB645B67C}" srcOrd="0" destOrd="0" presId="urn:microsoft.com/office/officeart/2018/5/layout/IconCircleLabelList"/>
+    <dgm:cxn modelId="{19C2B2A8-A504-4021-83FA-1997C5726442}" srcId="{A4DC2171-934C-4421-A07A-FCA2AF62EC4D}" destId="{18F80D7A-9F10-45C1-9F73-2BA6CBD96385}" srcOrd="4" destOrd="0" parTransId="{FC797A29-456D-4FE9-B0C0-3DCC21CAAC42}" sibTransId="{B2F6EAA3-D521-4E35-9D9B-FB70E081D802}"/>
+    <dgm:cxn modelId="{907FB9B6-62CE-459A-A4DF-13B25625E7DA}" srcId="{A4DC2171-934C-4421-A07A-FCA2AF62EC4D}" destId="{E416BBD4-4A5D-473C-BACF-23D49B268470}" srcOrd="2" destOrd="0" parTransId="{C7AE9249-DC2E-48E8-B77A-C1E0152C3991}" sibTransId="{421016B3-F65A-4043-B689-C25A061D85CA}"/>
+    <dgm:cxn modelId="{2CC51ABA-6847-44FE-B4AE-3926FF44F186}" type="presOf" srcId="{18F80D7A-9F10-45C1-9F73-2BA6CBD96385}" destId="{282B96DF-3ACB-4875-86FA-EE0969599A63}" srcOrd="0" destOrd="0" presId="urn:microsoft.com/office/officeart/2018/5/layout/IconCircleLabelList"/>
+    <dgm:cxn modelId="{3B3157DD-B1C1-4A5F-ABF0-617F8DCEB396}" type="presOf" srcId="{F5A2372C-4C78-4462-88DA-BFE49725F86F}" destId="{9DD7253C-9FA5-44E9-9D7C-20D40EF0CEBD}" srcOrd="0" destOrd="0" presId="urn:microsoft.com/office/officeart/2018/5/layout/IconCircleLabelList"/>
+    <dgm:cxn modelId="{AA34C7EF-431D-4124-85B7-BC257F411220}" srcId="{A4DC2171-934C-4421-A07A-FCA2AF62EC4D}" destId="{C2F0DC34-CA38-478D-BD9C-7D1C6964AF91}" srcOrd="1" destOrd="0" parTransId="{8A5AF70B-4F5B-4F60-9257-19E9F25C7F3A}" sibTransId="{3DB32EA9-8E68-4893-A590-5B9CCD5FC7D5}"/>
+    <dgm:cxn modelId="{A30B42F6-D2A9-4243-8E56-029BB07D68BD}" type="presOf" srcId="{A4DC2171-934C-4421-A07A-FCA2AF62EC4D}" destId="{2E0EC3F6-636E-4C2A-A42A-0814F0022D99}" srcOrd="0" destOrd="0" presId="urn:microsoft.com/office/officeart/2018/5/layout/IconCircleLabelList"/>
     <dgm:cxn modelId="{C1644B36-193D-4154-8F3D-97FFE0D3B5A6}" type="presParOf" srcId="{2E0EC3F6-636E-4C2A-A42A-0814F0022D99}" destId="{090E58EF-22F9-46C4-9526-7EA8311F4F22}" srcOrd="0" destOrd="0" presId="urn:microsoft.com/office/officeart/2018/5/layout/IconCircleLabelList"/>
     <dgm:cxn modelId="{DF981BC2-8A14-4CB8-9782-B39F70C64F75}" type="presParOf" srcId="{090E58EF-22F9-46C4-9526-7EA8311F4F22}" destId="{ECF2A1B4-BFD3-4266-96F2-22346E0BA26E}" srcOrd="0" destOrd="0" presId="urn:microsoft.com/office/officeart/2018/5/layout/IconCircleLabelList"/>
     <dgm:cxn modelId="{E164AC68-9F98-43CC-90D4-2F785AE36CCB}" type="presParOf" srcId="{090E58EF-22F9-46C4-9526-7EA8311F4F22}" destId="{BB407FD5-FEA9-47B5-B517-EC4E9237A548}" srcOrd="1" destOrd="0" presId="urn:microsoft.com/office/officeart/2018/5/layout/IconCircleLabelList"/>
@@ -9834,13 +9701,6 @@
         </dgm:presLayoutVars>
       </dgm:prSet>
       <dgm:spPr/>
-      <dgm:t>
-        <a:bodyPr/>
-        <a:lstStyle/>
-        <a:p>
-          <a:endParaRPr lang="en-US"/>
-        </a:p>
-      </dgm:t>
     </dgm:pt>
     <dgm:pt modelId="{638BB996-AC29-4A09-B4D9-65271969B86B}" type="pres">
       <dgm:prSet presAssocID="{71D706F7-820D-421D-BD14-517537ABD7FC}" presName="container" presStyleCnt="0">
@@ -9866,7 +9726,7 @@
           <a:blip xmlns:r="http://schemas.openxmlformats.org/officeDocument/2006/relationships" r:embed="rId1">
             <a:extLst>
               <a:ext uri="{96DAC541-7B7A-43D3-8B79-37D633B846F1}">
-                <asvg:svgBlip xmlns="" xmlns:asvg="http://schemas.microsoft.com/office/drawing/2016/SVG/main" r:embed="rId2"/>
+                <asvg:svgBlip xmlns:asvg="http://schemas.microsoft.com/office/drawing/2016/SVG/main" r:embed="rId2"/>
               </a:ext>
             </a:extLst>
           </a:blip>
@@ -9894,24 +9754,10 @@
         </dgm:presLayoutVars>
       </dgm:prSet>
       <dgm:spPr/>
-      <dgm:t>
-        <a:bodyPr/>
-        <a:lstStyle/>
-        <a:p>
-          <a:endParaRPr lang="en-US"/>
-        </a:p>
-      </dgm:t>
     </dgm:pt>
     <dgm:pt modelId="{50CB9282-E5AD-4CC2-8C54-A02046DC3D7C}" type="pres">
       <dgm:prSet presAssocID="{47A993CE-7027-4943-9F24-18E7A1B306B7}" presName="sibTrans" presStyleLbl="sibTrans2D1" presStyleIdx="0" presStyleCnt="0"/>
       <dgm:spPr/>
-      <dgm:t>
-        <a:bodyPr/>
-        <a:lstStyle/>
-        <a:p>
-          <a:endParaRPr lang="en-US"/>
-        </a:p>
-      </dgm:t>
     </dgm:pt>
     <dgm:pt modelId="{1520D039-536A-4E8C-BB4F-9C76F323B258}" type="pres">
       <dgm:prSet presAssocID="{BDB19366-017E-433B-83B3-E5E7A4C161D5}" presName="compNode" presStyleCnt="0"/>
@@ -9931,7 +9777,7 @@
                 <a14:useLocalDpi xmlns:a14="http://schemas.microsoft.com/office/drawing/2010/main" val="0"/>
               </a:ext>
               <a:ext uri="{96DAC541-7B7A-43D3-8B79-37D633B846F1}">
-                <asvg:svgBlip xmlns="" xmlns:asvg="http://schemas.microsoft.com/office/drawing/2016/SVG/main" r:embed="rId4"/>
+                <asvg:svgBlip xmlns:asvg="http://schemas.microsoft.com/office/drawing/2016/SVG/main" r:embed="rId4"/>
               </a:ext>
             </a:extLst>
           </a:blip>
@@ -9940,13 +9786,6 @@
           </a:stretch>
         </a:blipFill>
       </dgm:spPr>
-      <dgm:t>
-        <a:bodyPr/>
-        <a:lstStyle/>
-        <a:p>
-          <a:endParaRPr lang="en-US"/>
-        </a:p>
-      </dgm:t>
       <dgm:extLst>
         <a:ext uri="{E40237B7-FDA0-4F09-8148-C483321AD2D9}">
           <dgm14:cNvPr xmlns:dgm14="http://schemas.microsoft.com/office/drawing/2010/diagram" id="0" name="" descr="Euro"/>
@@ -9965,22 +9804,15 @@
         </dgm:presLayoutVars>
       </dgm:prSet>
       <dgm:spPr/>
-      <dgm:t>
-        <a:bodyPr/>
-        <a:lstStyle/>
-        <a:p>
-          <a:endParaRPr lang="en-US"/>
-        </a:p>
-      </dgm:t>
     </dgm:pt>
   </dgm:ptLst>
   <dgm:cxnLst>
-    <dgm:cxn modelId="{F28416F1-5CA5-4F19-BBFD-DB882DA8D9FF}" type="presOf" srcId="{BDB19366-017E-433B-83B3-E5E7A4C161D5}" destId="{8DFF5546-BF1D-427A-AF42-39C7E3F9692F}" srcOrd="0" destOrd="0" presId="urn:microsoft.com/office/officeart/2018/2/layout/IconCircleList"/>
+    <dgm:cxn modelId="{EBDCDF0A-8E47-4B2F-B992-AA6D9D46319C}" srcId="{71D706F7-820D-421D-BD14-517537ABD7FC}" destId="{DF038D79-B81C-441E-B2E2-4A47886B455F}" srcOrd="0" destOrd="0" parTransId="{9E4F92CC-E08C-49CC-BEE1-E585B02F2C37}" sibTransId="{47A993CE-7027-4943-9F24-18E7A1B306B7}"/>
     <dgm:cxn modelId="{6067DE31-8DAD-4C9F-8C06-7E9E407044FE}" type="presOf" srcId="{DF038D79-B81C-441E-B2E2-4A47886B455F}" destId="{06D768F5-1D4B-4351-A51A-5DD7E317AD80}" srcOrd="0" destOrd="0" presId="urn:microsoft.com/office/officeart/2018/2/layout/IconCircleList"/>
-    <dgm:cxn modelId="{1BA3FFF0-A662-4050-8807-01ED948D349E}" type="presOf" srcId="{71D706F7-820D-421D-BD14-517537ABD7FC}" destId="{2CC6379D-12B5-4DA9-99A9-1BBE2B49B824}" srcOrd="0" destOrd="0" presId="urn:microsoft.com/office/officeart/2018/2/layout/IconCircleList"/>
-    <dgm:cxn modelId="{EBDCDF0A-8E47-4B2F-B992-AA6D9D46319C}" srcId="{71D706F7-820D-421D-BD14-517537ABD7FC}" destId="{DF038D79-B81C-441E-B2E2-4A47886B455F}" srcOrd="0" destOrd="0" parTransId="{9E4F92CC-E08C-49CC-BEE1-E585B02F2C37}" sibTransId="{47A993CE-7027-4943-9F24-18E7A1B306B7}"/>
     <dgm:cxn modelId="{9683304A-DAA5-4F9E-A675-C401832970DF}" srcId="{71D706F7-820D-421D-BD14-517537ABD7FC}" destId="{BDB19366-017E-433B-83B3-E5E7A4C161D5}" srcOrd="1" destOrd="0" parTransId="{A2A118F3-DFB6-4652-957B-8949B03B393B}" sibTransId="{6AEBB39F-FBBA-4DB0-BB27-201F824B6798}"/>
     <dgm:cxn modelId="{2F3DB471-F8E8-46ED-8BCA-EB3D576C34F0}" type="presOf" srcId="{47A993CE-7027-4943-9F24-18E7A1B306B7}" destId="{50CB9282-E5AD-4CC2-8C54-A02046DC3D7C}" srcOrd="0" destOrd="0" presId="urn:microsoft.com/office/officeart/2018/2/layout/IconCircleList"/>
+    <dgm:cxn modelId="{1BA3FFF0-A662-4050-8807-01ED948D349E}" type="presOf" srcId="{71D706F7-820D-421D-BD14-517537ABD7FC}" destId="{2CC6379D-12B5-4DA9-99A9-1BBE2B49B824}" srcOrd="0" destOrd="0" presId="urn:microsoft.com/office/officeart/2018/2/layout/IconCircleList"/>
+    <dgm:cxn modelId="{F28416F1-5CA5-4F19-BBFD-DB882DA8D9FF}" type="presOf" srcId="{BDB19366-017E-433B-83B3-E5E7A4C161D5}" destId="{8DFF5546-BF1D-427A-AF42-39C7E3F9692F}" srcOrd="0" destOrd="0" presId="urn:microsoft.com/office/officeart/2018/2/layout/IconCircleList"/>
     <dgm:cxn modelId="{93C7D205-B10C-40ED-A091-45F57B74F61F}" type="presParOf" srcId="{2CC6379D-12B5-4DA9-99A9-1BBE2B49B824}" destId="{638BB996-AC29-4A09-B4D9-65271969B86B}" srcOrd="0" destOrd="0" presId="urn:microsoft.com/office/officeart/2018/2/layout/IconCircleList"/>
     <dgm:cxn modelId="{64D6681D-E516-4739-905B-9B055DFE4351}" type="presParOf" srcId="{638BB996-AC29-4A09-B4D9-65271969B86B}" destId="{FA392A35-A1E1-45FF-9711-A87FD5853C7C}" srcOrd="0" destOrd="0" presId="urn:microsoft.com/office/officeart/2018/2/layout/IconCircleList"/>
     <dgm:cxn modelId="{C96FD6D0-77B6-4FE2-9A05-BE508266AF73}" type="presParOf" srcId="{FA392A35-A1E1-45FF-9711-A87FD5853C7C}" destId="{606A863A-97F2-4566-B604-CA9B11B8EEF2}" srcOrd="0" destOrd="0" presId="urn:microsoft.com/office/officeart/2018/2/layout/IconCircleList"/>
@@ -10026,14 +9858,11 @@
         <a:lstStyle/>
         <a:p>
           <a:r>
-            <a:rPr lang="en-US" dirty="0" smtClean="0">
+            <a:rPr lang="en-US" dirty="0">
               <a:latin typeface="Candara" panose="020E0502030303020204" pitchFamily="34" charset="0"/>
             </a:rPr>
             <a:t>Creating Something Valuable</a:t>
           </a:r>
-          <a:endParaRPr lang="en-US" dirty="0">
-            <a:latin typeface="Candara" panose="020E0502030303020204" pitchFamily="34" charset="0"/>
-          </a:endParaRPr>
         </a:p>
       </dgm:t>
     </dgm:pt>
@@ -10071,14 +9900,11 @@
         <a:lstStyle/>
         <a:p>
           <a:r>
-            <a:rPr lang="en-US" dirty="0" smtClean="0">
+            <a:rPr lang="en-US" dirty="0">
               <a:latin typeface="Candara" panose="020E0502030303020204" pitchFamily="34" charset="0"/>
             </a:rPr>
             <a:t>Financial Success</a:t>
           </a:r>
-          <a:endParaRPr lang="en-US" dirty="0">
-            <a:latin typeface="Candara" panose="020E0502030303020204" pitchFamily="34" charset="0"/>
-          </a:endParaRPr>
         </a:p>
       </dgm:t>
     </dgm:pt>
@@ -10116,14 +9942,11 @@
         <a:lstStyle/>
         <a:p>
           <a:r>
-            <a:rPr lang="en-US" dirty="0" smtClean="0">
+            <a:rPr lang="en-US" dirty="0">
               <a:latin typeface="Candara" panose="020E0502030303020204" pitchFamily="34" charset="0"/>
             </a:rPr>
             <a:t>Positive Impact</a:t>
           </a:r>
-          <a:endParaRPr lang="en-US" dirty="0">
-            <a:latin typeface="Candara" panose="020E0502030303020204" pitchFamily="34" charset="0"/>
-          </a:endParaRPr>
         </a:p>
       </dgm:t>
     </dgm:pt>
@@ -10161,14 +9984,11 @@
         <a:lstStyle/>
         <a:p>
           <a:r>
-            <a:rPr lang="en-US" dirty="0" smtClean="0">
+            <a:rPr lang="en-US" dirty="0">
               <a:latin typeface="Candara" panose="020E0502030303020204" pitchFamily="34" charset="0"/>
             </a:rPr>
             <a:t>Your Own Boss</a:t>
           </a:r>
-          <a:endParaRPr lang="en-US" dirty="0">
-            <a:latin typeface="Candara" panose="020E0502030303020204" pitchFamily="34" charset="0"/>
-          </a:endParaRPr>
         </a:p>
       </dgm:t>
     </dgm:pt>
@@ -10206,14 +10026,11 @@
         <a:lstStyle/>
         <a:p>
           <a:r>
-            <a:rPr lang="en-US" dirty="0" smtClean="0">
+            <a:rPr lang="en-US" dirty="0">
               <a:latin typeface="Candara" panose="020E0502030303020204" pitchFamily="34" charset="0"/>
             </a:rPr>
             <a:t>Challenge and Excitement</a:t>
           </a:r>
-          <a:endParaRPr lang="en-US" dirty="0">
-            <a:latin typeface="Candara" panose="020E0502030303020204" pitchFamily="34" charset="0"/>
-          </a:endParaRPr>
         </a:p>
       </dgm:t>
     </dgm:pt>
@@ -10252,13 +10069,6 @@
         </dgm:presLayoutVars>
       </dgm:prSet>
       <dgm:spPr/>
-      <dgm:t>
-        <a:bodyPr/>
-        <a:lstStyle/>
-        <a:p>
-          <a:endParaRPr lang="en-US"/>
-        </a:p>
-      </dgm:t>
     </dgm:pt>
     <dgm:pt modelId="{C8EF0F3C-29A5-4A62-AEEF-3B45997D6B79}" type="pres">
       <dgm:prSet presAssocID="{7772C25F-29CE-4C2C-8CD2-2839519258B4}" presName="Name1" presStyleCnt="0"/>
@@ -10275,13 +10085,6 @@
     <dgm:pt modelId="{B5244540-DB4A-45CB-917E-46DE56F6F632}" type="pres">
       <dgm:prSet presAssocID="{7772C25F-29CE-4C2C-8CD2-2839519258B4}" presName="conn" presStyleLbl="parChTrans1D2" presStyleIdx="0" presStyleCnt="1"/>
       <dgm:spPr/>
-      <dgm:t>
-        <a:bodyPr/>
-        <a:lstStyle/>
-        <a:p>
-          <a:endParaRPr lang="en-US"/>
-        </a:p>
-      </dgm:t>
     </dgm:pt>
     <dgm:pt modelId="{CB559826-94AD-43C5-A02F-9AA994B2727A}" type="pres">
       <dgm:prSet presAssocID="{7772C25F-29CE-4C2C-8CD2-2839519258B4}" presName="extraNode" presStyleLbl="node1" presStyleIdx="0" presStyleCnt="5"/>
@@ -10298,13 +10101,6 @@
         </dgm:presLayoutVars>
       </dgm:prSet>
       <dgm:spPr/>
-      <dgm:t>
-        <a:bodyPr/>
-        <a:lstStyle/>
-        <a:p>
-          <a:endParaRPr lang="en-US"/>
-        </a:p>
-      </dgm:t>
     </dgm:pt>
     <dgm:pt modelId="{F2F34941-2040-4D17-B7B0-D9BAB8488D58}" type="pres">
       <dgm:prSet presAssocID="{27F317B4-7253-4A2D-8A25-4EAED1185F71}" presName="accent_1" presStyleCnt="0"/>
@@ -10321,13 +10117,6 @@
         </dgm:presLayoutVars>
       </dgm:prSet>
       <dgm:spPr/>
-      <dgm:t>
-        <a:bodyPr/>
-        <a:lstStyle/>
-        <a:p>
-          <a:endParaRPr lang="en-US"/>
-        </a:p>
-      </dgm:t>
     </dgm:pt>
     <dgm:pt modelId="{9B394967-59CF-4F3C-B742-1B8957C37028}" type="pres">
       <dgm:prSet presAssocID="{41EC0686-5AB6-4966-AFBE-BBB67DFBBCB5}" presName="accent_2" presStyleCnt="0"/>
@@ -10344,13 +10133,6 @@
         </dgm:presLayoutVars>
       </dgm:prSet>
       <dgm:spPr/>
-      <dgm:t>
-        <a:bodyPr/>
-        <a:lstStyle/>
-        <a:p>
-          <a:endParaRPr lang="en-US"/>
-        </a:p>
-      </dgm:t>
     </dgm:pt>
     <dgm:pt modelId="{2282BA9E-5094-4188-95B3-EAF2815D2222}" type="pres">
       <dgm:prSet presAssocID="{1ADE9A59-3461-4042-9D97-6AA9462278F8}" presName="accent_3" presStyleCnt="0"/>
@@ -10367,13 +10149,6 @@
         </dgm:presLayoutVars>
       </dgm:prSet>
       <dgm:spPr/>
-      <dgm:t>
-        <a:bodyPr/>
-        <a:lstStyle/>
-        <a:p>
-          <a:endParaRPr lang="en-US"/>
-        </a:p>
-      </dgm:t>
     </dgm:pt>
     <dgm:pt modelId="{0307133E-FCEA-4050-BC05-C2C0949BDBE9}" type="pres">
       <dgm:prSet presAssocID="{5CB3B497-55A5-4ACC-BB3B-9C89B1B4C3C9}" presName="accent_4" presStyleCnt="0"/>
@@ -10390,13 +10165,6 @@
         </dgm:presLayoutVars>
       </dgm:prSet>
       <dgm:spPr/>
-      <dgm:t>
-        <a:bodyPr/>
-        <a:lstStyle/>
-        <a:p>
-          <a:endParaRPr lang="en-US"/>
-        </a:p>
-      </dgm:t>
     </dgm:pt>
     <dgm:pt modelId="{B86C7F32-7FD2-46B3-9B91-4366C071A85A}" type="pres">
       <dgm:prSet presAssocID="{148DB4B1-0831-40FC-9299-B9C75F9D5FD0}" presName="accent_5" presStyleCnt="0"/>
@@ -10409,17 +10177,17 @@
   </dgm:ptLst>
   <dgm:cxnLst>
     <dgm:cxn modelId="{18320200-C9B3-41EE-B04F-6071F5411503}" srcId="{7772C25F-29CE-4C2C-8CD2-2839519258B4}" destId="{27F317B4-7253-4A2D-8A25-4EAED1185F71}" srcOrd="0" destOrd="0" parTransId="{F5D1BA89-95DB-466F-896A-5895307E3636}" sibTransId="{646C2935-ECD3-4618-B7B6-D55B76F975C3}"/>
+    <dgm:cxn modelId="{FAA34F00-067F-4452-9670-14964BAC5AD6}" type="presOf" srcId="{41EC0686-5AB6-4966-AFBE-BBB67DFBBCB5}" destId="{0C009B21-08A6-47F6-830E-9CAE7F4A851B}" srcOrd="0" destOrd="0" presId="urn:microsoft.com/office/officeart/2008/layout/VerticalCurvedList"/>
+    <dgm:cxn modelId="{DC5A2F2D-B27D-4CBD-895E-59A7B6589A3F}" srcId="{7772C25F-29CE-4C2C-8CD2-2839519258B4}" destId="{41EC0686-5AB6-4966-AFBE-BBB67DFBBCB5}" srcOrd="1" destOrd="0" parTransId="{4BA48396-87E7-45FF-B0B6-880720776462}" sibTransId="{15C4C1B0-8339-40C6-9406-AEB676166242}"/>
+    <dgm:cxn modelId="{F3C6E230-6A8C-403E-8F88-F3D297DBA019}" srcId="{7772C25F-29CE-4C2C-8CD2-2839519258B4}" destId="{148DB4B1-0831-40FC-9299-B9C75F9D5FD0}" srcOrd="4" destOrd="0" parTransId="{776372AB-F53A-4418-AB2E-8B918BED9711}" sibTransId="{06CBC372-1BDE-4B99-BD92-820B9D5B5012}"/>
+    <dgm:cxn modelId="{4D3ED737-E630-4E72-9B6E-C616E855E471}" type="presOf" srcId="{7772C25F-29CE-4C2C-8CD2-2839519258B4}" destId="{13557834-77DD-4852-97F9-9AC553B073EB}" srcOrd="0" destOrd="0" presId="urn:microsoft.com/office/officeart/2008/layout/VerticalCurvedList"/>
+    <dgm:cxn modelId="{ECDF4462-96E6-4141-9C59-68D77A16B8F2}" type="presOf" srcId="{1ADE9A59-3461-4042-9D97-6AA9462278F8}" destId="{C747EC2B-7DF5-47C2-AB24-0E6DD07F3FF0}" srcOrd="0" destOrd="0" presId="urn:microsoft.com/office/officeart/2008/layout/VerticalCurvedList"/>
+    <dgm:cxn modelId="{1117E766-F1F4-4A44-AE95-376021EBCD68}" type="presOf" srcId="{646C2935-ECD3-4618-B7B6-D55B76F975C3}" destId="{B5244540-DB4A-45CB-917E-46DE56F6F632}" srcOrd="0" destOrd="0" presId="urn:microsoft.com/office/officeart/2008/layout/VerticalCurvedList"/>
+    <dgm:cxn modelId="{7AA82052-1295-4450-A2A5-CB2A767B8E2F}" srcId="{7772C25F-29CE-4C2C-8CD2-2839519258B4}" destId="{5CB3B497-55A5-4ACC-BB3B-9C89B1B4C3C9}" srcOrd="3" destOrd="0" parTransId="{E280044C-2F59-4D1B-862D-B665FDC6C178}" sibTransId="{7A48FB9B-E015-48BD-AA25-B53832F6EDDC}"/>
     <dgm:cxn modelId="{2D392655-6DA5-421A-9ED5-6D624C077EDD}" srcId="{7772C25F-29CE-4C2C-8CD2-2839519258B4}" destId="{1ADE9A59-3461-4042-9D97-6AA9462278F8}" srcOrd="2" destOrd="0" parTransId="{61C5DDE3-A9CB-4CC3-A77B-78B91D1AAA7B}" sibTransId="{5073DEE5-FB02-4FD7-A75C-26A362A1BFFB}"/>
-    <dgm:cxn modelId="{DC5A2F2D-B27D-4CBD-895E-59A7B6589A3F}" srcId="{7772C25F-29CE-4C2C-8CD2-2839519258B4}" destId="{41EC0686-5AB6-4966-AFBE-BBB67DFBBCB5}" srcOrd="1" destOrd="0" parTransId="{4BA48396-87E7-45FF-B0B6-880720776462}" sibTransId="{15C4C1B0-8339-40C6-9406-AEB676166242}"/>
-    <dgm:cxn modelId="{7AA82052-1295-4450-A2A5-CB2A767B8E2F}" srcId="{7772C25F-29CE-4C2C-8CD2-2839519258B4}" destId="{5CB3B497-55A5-4ACC-BB3B-9C89B1B4C3C9}" srcOrd="3" destOrd="0" parTransId="{E280044C-2F59-4D1B-862D-B665FDC6C178}" sibTransId="{7A48FB9B-E015-48BD-AA25-B53832F6EDDC}"/>
     <dgm:cxn modelId="{009F5C84-897A-46E5-84F2-1C86B239C645}" type="presOf" srcId="{27F317B4-7253-4A2D-8A25-4EAED1185F71}" destId="{DE06A08E-CF3E-49BA-AFA4-AF0D2AEDFE9E}" srcOrd="0" destOrd="0" presId="urn:microsoft.com/office/officeart/2008/layout/VerticalCurvedList"/>
-    <dgm:cxn modelId="{1117E766-F1F4-4A44-AE95-376021EBCD68}" type="presOf" srcId="{646C2935-ECD3-4618-B7B6-D55B76F975C3}" destId="{B5244540-DB4A-45CB-917E-46DE56F6F632}" srcOrd="0" destOrd="0" presId="urn:microsoft.com/office/officeart/2008/layout/VerticalCurvedList"/>
     <dgm:cxn modelId="{3A23DC93-B67A-4EDA-A3FB-D8F366E009AB}" type="presOf" srcId="{148DB4B1-0831-40FC-9299-B9C75F9D5FD0}" destId="{47E23127-A70B-409D-81F4-57E0FFB939A2}" srcOrd="0" destOrd="0" presId="urn:microsoft.com/office/officeart/2008/layout/VerticalCurvedList"/>
-    <dgm:cxn modelId="{4D3ED737-E630-4E72-9B6E-C616E855E471}" type="presOf" srcId="{7772C25F-29CE-4C2C-8CD2-2839519258B4}" destId="{13557834-77DD-4852-97F9-9AC553B073EB}" srcOrd="0" destOrd="0" presId="urn:microsoft.com/office/officeart/2008/layout/VerticalCurvedList"/>
     <dgm:cxn modelId="{E9FF9A98-75B5-4ADC-8D51-F72820AC1E2E}" type="presOf" srcId="{5CB3B497-55A5-4ACC-BB3B-9C89B1B4C3C9}" destId="{682C1648-8DE4-4EC7-9D58-D087A734B09B}" srcOrd="0" destOrd="0" presId="urn:microsoft.com/office/officeart/2008/layout/VerticalCurvedList"/>
-    <dgm:cxn modelId="{F3C6E230-6A8C-403E-8F88-F3D297DBA019}" srcId="{7772C25F-29CE-4C2C-8CD2-2839519258B4}" destId="{148DB4B1-0831-40FC-9299-B9C75F9D5FD0}" srcOrd="4" destOrd="0" parTransId="{776372AB-F53A-4418-AB2E-8B918BED9711}" sibTransId="{06CBC372-1BDE-4B99-BD92-820B9D5B5012}"/>
-    <dgm:cxn modelId="{ECDF4462-96E6-4141-9C59-68D77A16B8F2}" type="presOf" srcId="{1ADE9A59-3461-4042-9D97-6AA9462278F8}" destId="{C747EC2B-7DF5-47C2-AB24-0E6DD07F3FF0}" srcOrd="0" destOrd="0" presId="urn:microsoft.com/office/officeart/2008/layout/VerticalCurvedList"/>
-    <dgm:cxn modelId="{FAA34F00-067F-4452-9670-14964BAC5AD6}" type="presOf" srcId="{41EC0686-5AB6-4966-AFBE-BBB67DFBBCB5}" destId="{0C009B21-08A6-47F6-830E-9CAE7F4A851B}" srcOrd="0" destOrd="0" presId="urn:microsoft.com/office/officeart/2008/layout/VerticalCurvedList"/>
     <dgm:cxn modelId="{E5C9D7F5-5880-44B9-9FEB-DAB9100FF8F8}" type="presParOf" srcId="{13557834-77DD-4852-97F9-9AC553B073EB}" destId="{C8EF0F3C-29A5-4A62-AEEF-3B45997D6B79}" srcOrd="0" destOrd="0" presId="urn:microsoft.com/office/officeart/2008/layout/VerticalCurvedList"/>
     <dgm:cxn modelId="{86A6CB53-F6F0-46F3-9861-3B8B7E13557D}" type="presParOf" srcId="{C8EF0F3C-29A5-4A62-AEEF-3B45997D6B79}" destId="{6A9EC4B9-EE4D-48F0-8FD7-04A85C641454}" srcOrd="0" destOrd="0" presId="urn:microsoft.com/office/officeart/2008/layout/VerticalCurvedList"/>
     <dgm:cxn modelId="{6B7396A4-4CA7-474F-9DD3-7AADA22A99F7}" type="presParOf" srcId="{6A9EC4B9-EE4D-48F0-8FD7-04A85C641454}" destId="{5B9237F9-9D53-44F1-B878-469AE7E52AF7}" srcOrd="0" destOrd="0" presId="urn:microsoft.com/office/officeart/2008/layout/VerticalCurvedList"/>
@@ -10474,14 +10242,11 @@
         <a:lstStyle/>
         <a:p>
           <a:r>
-            <a:rPr lang="en-US" dirty="0" smtClean="0">
+            <a:rPr lang="en-US" dirty="0">
               <a:latin typeface="Candara" panose="020E0502030303020204" pitchFamily="34" charset="0"/>
             </a:rPr>
             <a:t>Products</a:t>
           </a:r>
-          <a:endParaRPr lang="en-US" dirty="0">
-            <a:latin typeface="Candara" panose="020E0502030303020204" pitchFamily="34" charset="0"/>
-          </a:endParaRPr>
         </a:p>
       </dgm:t>
     </dgm:pt>
@@ -10519,14 +10284,11 @@
         <a:lstStyle/>
         <a:p>
           <a:r>
-            <a:rPr lang="en-US" dirty="0" smtClean="0">
+            <a:rPr lang="en-US" dirty="0">
               <a:latin typeface="Candara" panose="020E0502030303020204" pitchFamily="34" charset="0"/>
             </a:rPr>
             <a:t>Tangible, licensed software that customers can install and use on their own devices</a:t>
           </a:r>
-          <a:endParaRPr lang="en-US" dirty="0">
-            <a:latin typeface="Candara" panose="020E0502030303020204" pitchFamily="34" charset="0"/>
-          </a:endParaRPr>
         </a:p>
       </dgm:t>
     </dgm:pt>
@@ -10564,14 +10326,11 @@
         <a:lstStyle/>
         <a:p>
           <a:r>
-            <a:rPr lang="en-US" dirty="0" smtClean="0">
+            <a:rPr lang="en-US" dirty="0">
               <a:latin typeface="Candara" panose="020E0502030303020204" pitchFamily="34" charset="0"/>
             </a:rPr>
             <a:t>Services</a:t>
           </a:r>
-          <a:endParaRPr lang="en-US" dirty="0">
-            <a:latin typeface="Candara" panose="020E0502030303020204" pitchFamily="34" charset="0"/>
-          </a:endParaRPr>
         </a:p>
       </dgm:t>
     </dgm:pt>
@@ -10609,14 +10368,11 @@
         <a:lstStyle/>
         <a:p>
           <a:r>
-            <a:rPr lang="en-US" dirty="0" smtClean="0">
+            <a:rPr lang="en-US" dirty="0">
               <a:latin typeface="Candara" panose="020E0502030303020204" pitchFamily="34" charset="0"/>
             </a:rPr>
             <a:t>Intangible, cloud-based solutions that customers access through a web browser or mobile app</a:t>
           </a:r>
-          <a:endParaRPr lang="en-US" dirty="0">
-            <a:latin typeface="Candara" panose="020E0502030303020204" pitchFamily="34" charset="0"/>
-          </a:endParaRPr>
         </a:p>
       </dgm:t>
     </dgm:pt>
@@ -10654,14 +10410,11 @@
         <a:lstStyle/>
         <a:p>
           <a:r>
-            <a:rPr lang="en-US" dirty="0" smtClean="0">
+            <a:rPr lang="en-US" dirty="0">
               <a:latin typeface="Candara" panose="020E0502030303020204" pitchFamily="34" charset="0"/>
             </a:rPr>
             <a:t>Content</a:t>
           </a:r>
-          <a:endParaRPr lang="en-US" dirty="0">
-            <a:latin typeface="Candara" panose="020E0502030303020204" pitchFamily="34" charset="0"/>
-          </a:endParaRPr>
         </a:p>
       </dgm:t>
     </dgm:pt>
@@ -10699,14 +10452,11 @@
         <a:lstStyle/>
         <a:p>
           <a:r>
-            <a:rPr lang="en-US" dirty="0" smtClean="0">
+            <a:rPr lang="en-US" dirty="0">
               <a:latin typeface="Candara" panose="020E0502030303020204" pitchFamily="34" charset="0"/>
             </a:rPr>
             <a:t>Digital assets such as e-books, tutorials, and videos that teach customers how to use software or solve problems related to software</a:t>
           </a:r>
-          <a:endParaRPr lang="en-US" dirty="0">
-            <a:latin typeface="Candara" panose="020E0502030303020204" pitchFamily="34" charset="0"/>
-          </a:endParaRPr>
         </a:p>
       </dgm:t>
     </dgm:pt>
@@ -10744,13 +10494,6 @@
         </dgm:presLayoutVars>
       </dgm:prSet>
       <dgm:spPr/>
-      <dgm:t>
-        <a:bodyPr/>
-        <a:lstStyle/>
-        <a:p>
-          <a:endParaRPr lang="en-US"/>
-        </a:p>
-      </dgm:t>
     </dgm:pt>
     <dgm:pt modelId="{29701C95-320D-48A3-8C4F-C9BDBCFEF98D}" type="pres">
       <dgm:prSet presAssocID="{B1607DBF-414F-4165-9EEA-0EA4F84490A0}" presName="comp" presStyleCnt="0"/>
@@ -10759,13 +10502,6 @@
     <dgm:pt modelId="{C9FFCD84-18DC-455C-A836-2459272DC523}" type="pres">
       <dgm:prSet presAssocID="{B1607DBF-414F-4165-9EEA-0EA4F84490A0}" presName="box" presStyleLbl="node1" presStyleIdx="0" presStyleCnt="3"/>
       <dgm:spPr/>
-      <dgm:t>
-        <a:bodyPr/>
-        <a:lstStyle/>
-        <a:p>
-          <a:endParaRPr lang="en-US"/>
-        </a:p>
-      </dgm:t>
     </dgm:pt>
     <dgm:pt modelId="{C7784D23-1B4C-430E-A0DB-9E362B76425A}" type="pres">
       <dgm:prSet presAssocID="{B1607DBF-414F-4165-9EEA-0EA4F84490A0}" presName="img" presStyleLbl="fgImgPlace1" presStyleIdx="0" presStyleCnt="3"/>
@@ -10778,13 +10514,6 @@
         </dgm:presLayoutVars>
       </dgm:prSet>
       <dgm:spPr/>
-      <dgm:t>
-        <a:bodyPr/>
-        <a:lstStyle/>
-        <a:p>
-          <a:endParaRPr lang="en-US"/>
-        </a:p>
-      </dgm:t>
     </dgm:pt>
     <dgm:pt modelId="{24140FC9-EC28-4503-B117-558EA445B44D}" type="pres">
       <dgm:prSet presAssocID="{F4C1A625-FE6E-4C16-8C27-0B95902056AE}" presName="spacer" presStyleCnt="0"/>
@@ -10797,13 +10526,6 @@
     <dgm:pt modelId="{6A266906-C15C-4FFE-A0BA-DAA5D4D6954D}" type="pres">
       <dgm:prSet presAssocID="{0E3691A7-DCB3-4DDB-B404-4492AEA95C4E}" presName="box" presStyleLbl="node1" presStyleIdx="1" presStyleCnt="3"/>
       <dgm:spPr/>
-      <dgm:t>
-        <a:bodyPr/>
-        <a:lstStyle/>
-        <a:p>
-          <a:endParaRPr lang="en-US"/>
-        </a:p>
-      </dgm:t>
     </dgm:pt>
     <dgm:pt modelId="{8F61B196-24CA-489F-A51D-ABAC6CE76760}" type="pres">
       <dgm:prSet presAssocID="{0E3691A7-DCB3-4DDB-B404-4492AEA95C4E}" presName="img" presStyleLbl="fgImgPlace1" presStyleIdx="1" presStyleCnt="3"/>
@@ -10816,13 +10538,6 @@
         </dgm:presLayoutVars>
       </dgm:prSet>
       <dgm:spPr/>
-      <dgm:t>
-        <a:bodyPr/>
-        <a:lstStyle/>
-        <a:p>
-          <a:endParaRPr lang="en-US"/>
-        </a:p>
-      </dgm:t>
     </dgm:pt>
     <dgm:pt modelId="{FF781713-34D1-42FF-B92B-FF3039A444F6}" type="pres">
       <dgm:prSet presAssocID="{D305FA22-F540-4FAB-8F0F-7EE8C694B23F}" presName="spacer" presStyleCnt="0"/>
@@ -10835,13 +10550,6 @@
     <dgm:pt modelId="{BEB73F8B-0669-4871-8CDD-EEDF03F9DFBF}" type="pres">
       <dgm:prSet presAssocID="{B0298932-B8DC-4EE6-A809-CC3DBA34A8D7}" presName="box" presStyleLbl="node1" presStyleIdx="2" presStyleCnt="3"/>
       <dgm:spPr/>
-      <dgm:t>
-        <a:bodyPr/>
-        <a:lstStyle/>
-        <a:p>
-          <a:endParaRPr lang="en-US"/>
-        </a:p>
-      </dgm:t>
     </dgm:pt>
     <dgm:pt modelId="{28846E41-7BF9-476D-B014-55067CF185B9}" type="pres">
       <dgm:prSet presAssocID="{B0298932-B8DC-4EE6-A809-CC3DBA34A8D7}" presName="img" presStyleLbl="fgImgPlace1" presStyleIdx="2" presStyleCnt="3"/>
@@ -10854,35 +10562,28 @@
         </dgm:presLayoutVars>
       </dgm:prSet>
       <dgm:spPr/>
-      <dgm:t>
-        <a:bodyPr/>
-        <a:lstStyle/>
-        <a:p>
-          <a:endParaRPr lang="en-US"/>
-        </a:p>
-      </dgm:t>
     </dgm:pt>
   </dgm:ptLst>
   <dgm:cxnLst>
+    <dgm:cxn modelId="{7DB3A300-72D1-4415-89DD-C9D7802DD605}" type="presOf" srcId="{4886983E-08E3-4E43-8BD3-D56B2FC21DA7}" destId="{6A266906-C15C-4FFE-A0BA-DAA5D4D6954D}" srcOrd="0" destOrd="1" presId="urn:microsoft.com/office/officeart/2005/8/layout/vList4"/>
+    <dgm:cxn modelId="{97005208-B69D-4469-BBA8-5BAFB2D5E8BD}" type="presOf" srcId="{4A6413E4-03E2-4F84-9599-56294A85148C}" destId="{BEB73F8B-0669-4871-8CDD-EEDF03F9DFBF}" srcOrd="0" destOrd="1" presId="urn:microsoft.com/office/officeart/2005/8/layout/vList4"/>
+    <dgm:cxn modelId="{B908183A-249F-4230-8B13-2C8C47BE5D6D}" srcId="{67F15CEB-D4BD-4E0B-84E4-41DDD935139B}" destId="{0E3691A7-DCB3-4DDB-B404-4492AEA95C4E}" srcOrd="1" destOrd="0" parTransId="{FAAF20AE-8D6D-42BD-957E-E236D7BC3251}" sibTransId="{D305FA22-F540-4FAB-8F0F-7EE8C694B23F}"/>
+    <dgm:cxn modelId="{0351495B-BAD8-48F6-AA28-50B322EC745F}" srcId="{67F15CEB-D4BD-4E0B-84E4-41DDD935139B}" destId="{B1607DBF-414F-4165-9EEA-0EA4F84490A0}" srcOrd="0" destOrd="0" parTransId="{A3053735-E482-4437-82BC-B752D65D24C6}" sibTransId="{F4C1A625-FE6E-4C16-8C27-0B95902056AE}"/>
+    <dgm:cxn modelId="{007F5956-EDAA-400D-9CD9-F1DC48A173B0}" srcId="{67F15CEB-D4BD-4E0B-84E4-41DDD935139B}" destId="{B0298932-B8DC-4EE6-A809-CC3DBA34A8D7}" srcOrd="2" destOrd="0" parTransId="{D69D8D97-85B6-4D76-AC4B-70F3D22A555F}" sibTransId="{7871ED9B-7615-4390-BC97-C087B2AB7EFE}"/>
+    <dgm:cxn modelId="{BAD89A76-BFAE-4FBE-8357-A833B843E1A5}" type="presOf" srcId="{B1607DBF-414F-4165-9EEA-0EA4F84490A0}" destId="{8EFA8C57-5C11-4184-A10B-40E31FBC2508}" srcOrd="1" destOrd="0" presId="urn:microsoft.com/office/officeart/2005/8/layout/vList4"/>
+    <dgm:cxn modelId="{1E1AFA56-3241-4AEC-AE49-9BB6FF9C5883}" type="presOf" srcId="{67F15CEB-D4BD-4E0B-84E4-41DDD935139B}" destId="{8EA1D01F-6593-4FDC-AF92-E5158BCE8DCF}" srcOrd="0" destOrd="0" presId="urn:microsoft.com/office/officeart/2005/8/layout/vList4"/>
+    <dgm:cxn modelId="{739F2079-48A0-4046-86F2-DFE1211377C9}" type="presOf" srcId="{4A6413E4-03E2-4F84-9599-56294A85148C}" destId="{B7DB12FE-BD69-453B-BF25-97B5C73A42C0}" srcOrd="1" destOrd="1" presId="urn:microsoft.com/office/officeart/2005/8/layout/vList4"/>
+    <dgm:cxn modelId="{FB9DBC8C-25D5-4C6E-B906-CD579C67608F}" srcId="{0E3691A7-DCB3-4DDB-B404-4492AEA95C4E}" destId="{4886983E-08E3-4E43-8BD3-D56B2FC21DA7}" srcOrd="0" destOrd="0" parTransId="{847D2DF3-45FB-478A-94BD-85290588B7CF}" sibTransId="{D681A2F2-D833-4AD2-962D-CF809CFEACC1}"/>
+    <dgm:cxn modelId="{D7AE4C90-8858-4101-8219-1242344DB16F}" type="presOf" srcId="{0E3691A7-DCB3-4DDB-B404-4492AEA95C4E}" destId="{AEF62DD3-BDBB-42EA-B901-C3DDB1A0CDC7}" srcOrd="1" destOrd="0" presId="urn:microsoft.com/office/officeart/2005/8/layout/vList4"/>
     <dgm:cxn modelId="{36DE4397-FB71-40A4-AD6E-D73EFCF8221C}" srcId="{B1607DBF-414F-4165-9EEA-0EA4F84490A0}" destId="{02AAA453-DF2A-4DA4-86A8-E0E259FA51F7}" srcOrd="0" destOrd="0" parTransId="{F13FDF66-1740-4ACD-8993-0F2F984684FA}" sibTransId="{A0086714-C494-4ED3-ACA8-B0F5C39BEC7C}"/>
-    <dgm:cxn modelId="{739F2079-48A0-4046-86F2-DFE1211377C9}" type="presOf" srcId="{4A6413E4-03E2-4F84-9599-56294A85148C}" destId="{B7DB12FE-BD69-453B-BF25-97B5C73A42C0}" srcOrd="1" destOrd="1" presId="urn:microsoft.com/office/officeart/2005/8/layout/vList4"/>
+    <dgm:cxn modelId="{3E4B309B-F834-4B62-A264-2778DFAA3BB9}" type="presOf" srcId="{4886983E-08E3-4E43-8BD3-D56B2FC21DA7}" destId="{AEF62DD3-BDBB-42EA-B901-C3DDB1A0CDC7}" srcOrd="1" destOrd="1" presId="urn:microsoft.com/office/officeart/2005/8/layout/vList4"/>
+    <dgm:cxn modelId="{33F62AB2-F563-40C7-9584-E1128888E587}" type="presOf" srcId="{B1607DBF-414F-4165-9EEA-0EA4F84490A0}" destId="{C9FFCD84-18DC-455C-A836-2459272DC523}" srcOrd="0" destOrd="0" presId="urn:microsoft.com/office/officeart/2005/8/layout/vList4"/>
     <dgm:cxn modelId="{650E2CB4-49AE-419A-9B57-D7A39AB68134}" type="presOf" srcId="{0E3691A7-DCB3-4DDB-B404-4492AEA95C4E}" destId="{6A266906-C15C-4FFE-A0BA-DAA5D4D6954D}" srcOrd="0" destOrd="0" presId="urn:microsoft.com/office/officeart/2005/8/layout/vList4"/>
-    <dgm:cxn modelId="{FB9DBC8C-25D5-4C6E-B906-CD579C67608F}" srcId="{0E3691A7-DCB3-4DDB-B404-4492AEA95C4E}" destId="{4886983E-08E3-4E43-8BD3-D56B2FC21DA7}" srcOrd="0" destOrd="0" parTransId="{847D2DF3-45FB-478A-94BD-85290588B7CF}" sibTransId="{D681A2F2-D833-4AD2-962D-CF809CFEACC1}"/>
-    <dgm:cxn modelId="{97005208-B69D-4469-BBA8-5BAFB2D5E8BD}" type="presOf" srcId="{4A6413E4-03E2-4F84-9599-56294A85148C}" destId="{BEB73F8B-0669-4871-8CDD-EEDF03F9DFBF}" srcOrd="0" destOrd="1" presId="urn:microsoft.com/office/officeart/2005/8/layout/vList4"/>
-    <dgm:cxn modelId="{1E1AFA56-3241-4AEC-AE49-9BB6FF9C5883}" type="presOf" srcId="{67F15CEB-D4BD-4E0B-84E4-41DDD935139B}" destId="{8EA1D01F-6593-4FDC-AF92-E5158BCE8DCF}" srcOrd="0" destOrd="0" presId="urn:microsoft.com/office/officeart/2005/8/layout/vList4"/>
     <dgm:cxn modelId="{E28030B6-6997-45ED-8BD0-9394B06F0F94}" type="presOf" srcId="{02AAA453-DF2A-4DA4-86A8-E0E259FA51F7}" destId="{C9FFCD84-18DC-455C-A836-2459272DC523}" srcOrd="0" destOrd="1" presId="urn:microsoft.com/office/officeart/2005/8/layout/vList4"/>
+    <dgm:cxn modelId="{98FE50BB-62A6-403E-B58C-6E64D2EA2825}" srcId="{B0298932-B8DC-4EE6-A809-CC3DBA34A8D7}" destId="{4A6413E4-03E2-4F84-9599-56294A85148C}" srcOrd="0" destOrd="0" parTransId="{BEFB3B54-0BD4-4827-8B83-061A74DAE64D}" sibTransId="{F88D803C-1566-4903-947E-6E2A0950328B}"/>
+    <dgm:cxn modelId="{BD9C84BD-5FE7-4063-832B-59AF22DEDCEF}" type="presOf" srcId="{02AAA453-DF2A-4DA4-86A8-E0E259FA51F7}" destId="{8EFA8C57-5C11-4184-A10B-40E31FBC2508}" srcOrd="1" destOrd="1" presId="urn:microsoft.com/office/officeart/2005/8/layout/vList4"/>
     <dgm:cxn modelId="{F55BABE2-94E4-4BBE-9CDE-A3A112C1739B}" type="presOf" srcId="{B0298932-B8DC-4EE6-A809-CC3DBA34A8D7}" destId="{BEB73F8B-0669-4871-8CDD-EEDF03F9DFBF}" srcOrd="0" destOrd="0" presId="urn:microsoft.com/office/officeart/2005/8/layout/vList4"/>
-    <dgm:cxn modelId="{98FE50BB-62A6-403E-B58C-6E64D2EA2825}" srcId="{B0298932-B8DC-4EE6-A809-CC3DBA34A8D7}" destId="{4A6413E4-03E2-4F84-9599-56294A85148C}" srcOrd="0" destOrd="0" parTransId="{BEFB3B54-0BD4-4827-8B83-061A74DAE64D}" sibTransId="{F88D803C-1566-4903-947E-6E2A0950328B}"/>
-    <dgm:cxn modelId="{D7AE4C90-8858-4101-8219-1242344DB16F}" type="presOf" srcId="{0E3691A7-DCB3-4DDB-B404-4492AEA95C4E}" destId="{AEF62DD3-BDBB-42EA-B901-C3DDB1A0CDC7}" srcOrd="1" destOrd="0" presId="urn:microsoft.com/office/officeart/2005/8/layout/vList4"/>
-    <dgm:cxn modelId="{7DB3A300-72D1-4415-89DD-C9D7802DD605}" type="presOf" srcId="{4886983E-08E3-4E43-8BD3-D56B2FC21DA7}" destId="{6A266906-C15C-4FFE-A0BA-DAA5D4D6954D}" srcOrd="0" destOrd="1" presId="urn:microsoft.com/office/officeart/2005/8/layout/vList4"/>
-    <dgm:cxn modelId="{007F5956-EDAA-400D-9CD9-F1DC48A173B0}" srcId="{67F15CEB-D4BD-4E0B-84E4-41DDD935139B}" destId="{B0298932-B8DC-4EE6-A809-CC3DBA34A8D7}" srcOrd="2" destOrd="0" parTransId="{D69D8D97-85B6-4D76-AC4B-70F3D22A555F}" sibTransId="{7871ED9B-7615-4390-BC97-C087B2AB7EFE}"/>
-    <dgm:cxn modelId="{3E4B309B-F834-4B62-A264-2778DFAA3BB9}" type="presOf" srcId="{4886983E-08E3-4E43-8BD3-D56B2FC21DA7}" destId="{AEF62DD3-BDBB-42EA-B901-C3DDB1A0CDC7}" srcOrd="1" destOrd="1" presId="urn:microsoft.com/office/officeart/2005/8/layout/vList4"/>
-    <dgm:cxn modelId="{B908183A-249F-4230-8B13-2C8C47BE5D6D}" srcId="{67F15CEB-D4BD-4E0B-84E4-41DDD935139B}" destId="{0E3691A7-DCB3-4DDB-B404-4492AEA95C4E}" srcOrd="1" destOrd="0" parTransId="{FAAF20AE-8D6D-42BD-957E-E236D7BC3251}" sibTransId="{D305FA22-F540-4FAB-8F0F-7EE8C694B23F}"/>
     <dgm:cxn modelId="{BFC4EDEF-A894-4E90-9A71-7BD17AB189FE}" type="presOf" srcId="{B0298932-B8DC-4EE6-A809-CC3DBA34A8D7}" destId="{B7DB12FE-BD69-453B-BF25-97B5C73A42C0}" srcOrd="1" destOrd="0" presId="urn:microsoft.com/office/officeart/2005/8/layout/vList4"/>
-    <dgm:cxn modelId="{33F62AB2-F563-40C7-9584-E1128888E587}" type="presOf" srcId="{B1607DBF-414F-4165-9EEA-0EA4F84490A0}" destId="{C9FFCD84-18DC-455C-A836-2459272DC523}" srcOrd="0" destOrd="0" presId="urn:microsoft.com/office/officeart/2005/8/layout/vList4"/>
-    <dgm:cxn modelId="{BAD89A76-BFAE-4FBE-8357-A833B843E1A5}" type="presOf" srcId="{B1607DBF-414F-4165-9EEA-0EA4F84490A0}" destId="{8EFA8C57-5C11-4184-A10B-40E31FBC2508}" srcOrd="1" destOrd="0" presId="urn:microsoft.com/office/officeart/2005/8/layout/vList4"/>
-    <dgm:cxn modelId="{0351495B-BAD8-48F6-AA28-50B322EC745F}" srcId="{67F15CEB-D4BD-4E0B-84E4-41DDD935139B}" destId="{B1607DBF-414F-4165-9EEA-0EA4F84490A0}" srcOrd="0" destOrd="0" parTransId="{A3053735-E482-4437-82BC-B752D65D24C6}" sibTransId="{F4C1A625-FE6E-4C16-8C27-0B95902056AE}"/>
-    <dgm:cxn modelId="{BD9C84BD-5FE7-4063-832B-59AF22DEDCEF}" type="presOf" srcId="{02AAA453-DF2A-4DA4-86A8-E0E259FA51F7}" destId="{8EFA8C57-5C11-4184-A10B-40E31FBC2508}" srcOrd="1" destOrd="1" presId="urn:microsoft.com/office/officeart/2005/8/layout/vList4"/>
     <dgm:cxn modelId="{D7839B67-91AD-41AE-B46C-B59CEE89DA06}" type="presParOf" srcId="{8EA1D01F-6593-4FDC-AF92-E5158BCE8DCF}" destId="{29701C95-320D-48A3-8C4F-C9BDBCFEF98D}" srcOrd="0" destOrd="0" presId="urn:microsoft.com/office/officeart/2005/8/layout/vList4"/>
     <dgm:cxn modelId="{8DAA72A3-A55B-4302-9F29-C6A15ECBB271}" type="presParOf" srcId="{29701C95-320D-48A3-8C4F-C9BDBCFEF98D}" destId="{C9FFCD84-18DC-455C-A836-2459272DC523}" srcOrd="0" destOrd="0" presId="urn:microsoft.com/office/officeart/2005/8/layout/vList4"/>
     <dgm:cxn modelId="{7A2C2E73-175D-4013-A68A-DD17DC7069FC}" type="presParOf" srcId="{29701C95-320D-48A3-8C4F-C9BDBCFEF98D}" destId="{C7784D23-1B4C-430E-A0DB-9E362B76425A}" srcOrd="1" destOrd="0" presId="urn:microsoft.com/office/officeart/2005/8/layout/vList4"/>
@@ -11074,13 +10775,6 @@
         </dgm:presLayoutVars>
       </dgm:prSet>
       <dgm:spPr/>
-      <dgm:t>
-        <a:bodyPr/>
-        <a:lstStyle/>
-        <a:p>
-          <a:endParaRPr lang="en-US"/>
-        </a:p>
-      </dgm:t>
     </dgm:pt>
     <dgm:pt modelId="{6256A095-CED3-4147-B8ED-00DDAF6AEFDF}" type="pres">
       <dgm:prSet presAssocID="{57C8A7A2-4989-43BD-96AD-6D234817FD2F}" presName="compNode" presStyleCnt="0"/>
@@ -11107,7 +10801,7 @@
                 <a14:useLocalDpi xmlns:a14="http://schemas.microsoft.com/office/drawing/2010/main" val="0"/>
               </a:ext>
               <a:ext uri="{96DAC541-7B7A-43D3-8B79-37D633B846F1}">
-                <asvg:svgBlip xmlns="" xmlns:asvg="http://schemas.microsoft.com/office/drawing/2016/SVG/main" r:embed="rId2"/>
+                <asvg:svgBlip xmlns:asvg="http://schemas.microsoft.com/office/drawing/2016/SVG/main" r:embed="rId2"/>
               </a:ext>
             </a:extLst>
           </a:blip>
@@ -11116,13 +10810,6 @@
           </a:stretch>
         </a:blipFill>
       </dgm:spPr>
-      <dgm:t>
-        <a:bodyPr/>
-        <a:lstStyle/>
-        <a:p>
-          <a:endParaRPr lang="en-US"/>
-        </a:p>
-      </dgm:t>
       <dgm:extLst>
         <a:ext uri="{E40237B7-FDA0-4F09-8148-C483321AD2D9}">
           <dgm14:cNvPr xmlns:dgm14="http://schemas.microsoft.com/office/drawing/2010/diagram" id="0" name="" descr="Heart with Pulse"/>
@@ -11141,13 +10828,6 @@
         </dgm:presLayoutVars>
       </dgm:prSet>
       <dgm:spPr/>
-      <dgm:t>
-        <a:bodyPr/>
-        <a:lstStyle/>
-        <a:p>
-          <a:endParaRPr lang="en-US"/>
-        </a:p>
-      </dgm:t>
     </dgm:pt>
     <dgm:pt modelId="{E495F34E-8BBB-4DF9-A6F4-181FA2D07C65}" type="pres">
       <dgm:prSet presAssocID="{D3607624-1A02-4E6C-9051-D537997D5400}" presName="sibTrans" presStyleCnt="0"/>
@@ -11178,7 +10858,7 @@
                 <a14:useLocalDpi xmlns:a14="http://schemas.microsoft.com/office/drawing/2010/main" val="0"/>
               </a:ext>
               <a:ext uri="{96DAC541-7B7A-43D3-8B79-37D633B846F1}">
-                <asvg:svgBlip xmlns="" xmlns:asvg="http://schemas.microsoft.com/office/drawing/2016/SVG/main" r:embed="rId4"/>
+                <asvg:svgBlip xmlns:asvg="http://schemas.microsoft.com/office/drawing/2016/SVG/main" r:embed="rId4"/>
               </a:ext>
             </a:extLst>
           </a:blip>
@@ -11187,13 +10867,6 @@
           </a:stretch>
         </a:blipFill>
       </dgm:spPr>
-      <dgm:t>
-        <a:bodyPr/>
-        <a:lstStyle/>
-        <a:p>
-          <a:endParaRPr lang="en-US"/>
-        </a:p>
-      </dgm:t>
       <dgm:extLst>
         <a:ext uri="{E40237B7-FDA0-4F09-8148-C483321AD2D9}">
           <dgm14:cNvPr xmlns:dgm14="http://schemas.microsoft.com/office/drawing/2010/diagram" id="0" name="" descr="Bitcoin"/>
@@ -11212,13 +10885,6 @@
         </dgm:presLayoutVars>
       </dgm:prSet>
       <dgm:spPr/>
-      <dgm:t>
-        <a:bodyPr/>
-        <a:lstStyle/>
-        <a:p>
-          <a:endParaRPr lang="en-US"/>
-        </a:p>
-      </dgm:t>
     </dgm:pt>
     <dgm:pt modelId="{6C69A8A8-1C38-4C4A-AE15-8EB88AABE44D}" type="pres">
       <dgm:prSet presAssocID="{90EDD5B5-F407-4D70-A539-47A92D770C0C}" presName="sibTrans" presStyleCnt="0"/>
@@ -11249,7 +10915,7 @@
                 <a14:useLocalDpi xmlns:a14="http://schemas.microsoft.com/office/drawing/2010/main" val="0"/>
               </a:ext>
               <a:ext uri="{96DAC541-7B7A-43D3-8B79-37D633B846F1}">
-                <asvg:svgBlip xmlns="" xmlns:asvg="http://schemas.microsoft.com/office/drawing/2016/SVG/main" r:embed="rId6"/>
+                <asvg:svgBlip xmlns:asvg="http://schemas.microsoft.com/office/drawing/2016/SVG/main" r:embed="rId6"/>
               </a:ext>
             </a:extLst>
           </a:blip>
@@ -11258,13 +10924,6 @@
           </a:stretch>
         </a:blipFill>
       </dgm:spPr>
-      <dgm:t>
-        <a:bodyPr/>
-        <a:lstStyle/>
-        <a:p>
-          <a:endParaRPr lang="en-US"/>
-        </a:p>
-      </dgm:t>
       <dgm:extLst>
         <a:ext uri="{E40237B7-FDA0-4F09-8148-C483321AD2D9}">
           <dgm14:cNvPr xmlns:dgm14="http://schemas.microsoft.com/office/drawing/2010/diagram" id="0" name="" descr="Bank"/>
@@ -11283,23 +10942,16 @@
         </dgm:presLayoutVars>
       </dgm:prSet>
       <dgm:spPr/>
-      <dgm:t>
-        <a:bodyPr/>
-        <a:lstStyle/>
-        <a:p>
-          <a:endParaRPr lang="en-US"/>
-        </a:p>
-      </dgm:t>
     </dgm:pt>
   </dgm:ptLst>
   <dgm:cxnLst>
-    <dgm:cxn modelId="{D6B31B3E-400B-43D1-97E4-3510BA07CD93}" type="presOf" srcId="{B4568363-7B78-408C-B79F-11AFBA73D9B7}" destId="{61F7A4D5-F36E-404B-ADE0-F975118CCC30}" srcOrd="0" destOrd="0" presId="urn:microsoft.com/office/officeart/2018/5/layout/IconLeafLabelList"/>
-    <dgm:cxn modelId="{873D30EB-EDD2-4EC4-9481-042E1C76A358}" srcId="{93DAAE7B-CC2E-4D1E-AABE-339C0FE2A52B}" destId="{57C8A7A2-4989-43BD-96AD-6D234817FD2F}" srcOrd="0" destOrd="0" parTransId="{1171B253-36CA-4130-8394-D4B6F9001228}" sibTransId="{D3607624-1A02-4E6C-9051-D537997D5400}"/>
-    <dgm:cxn modelId="{64784770-1360-412C-9782-946BAE66645A}" type="presOf" srcId="{93DAAE7B-CC2E-4D1E-AABE-339C0FE2A52B}" destId="{1FB26511-08BD-46A0-B531-BB2593396846}" srcOrd="0" destOrd="0" presId="urn:microsoft.com/office/officeart/2018/5/layout/IconLeafLabelList"/>
-    <dgm:cxn modelId="{2DF2AD4D-E5D1-49C3-8024-88F81D33E255}" srcId="{93DAAE7B-CC2E-4D1E-AABE-339C0FE2A52B}" destId="{EC7EA9D7-0365-41B1-A8D8-CF55F23B894A}" srcOrd="1" destOrd="0" parTransId="{B5045A9D-0500-452C-AF2C-FADE53D4C55C}" sibTransId="{90EDD5B5-F407-4D70-A539-47A92D770C0C}"/>
-    <dgm:cxn modelId="{7B7ED0F8-3AEE-4602-BAC0-D3759EBED9E2}" type="presOf" srcId="{57C8A7A2-4989-43BD-96AD-6D234817FD2F}" destId="{B1ABE8D7-5CCF-4B20-B7B3-02AA04C9BF50}" srcOrd="0" destOrd="0" presId="urn:microsoft.com/office/officeart/2018/5/layout/IconLeafLabelList"/>
     <dgm:cxn modelId="{FE0DF613-1507-4285-8D6F-E68F1D8DF560}" type="presOf" srcId="{EC7EA9D7-0365-41B1-A8D8-CF55F23B894A}" destId="{893ECF5C-5CD9-4BA6-BD18-F66EE128B15A}" srcOrd="0" destOrd="0" presId="urn:microsoft.com/office/officeart/2018/5/layout/IconLeafLabelList"/>
     <dgm:cxn modelId="{4E77222B-450A-4CA5-BCDF-10F72D6D299C}" srcId="{93DAAE7B-CC2E-4D1E-AABE-339C0FE2A52B}" destId="{B4568363-7B78-408C-B79F-11AFBA73D9B7}" srcOrd="2" destOrd="0" parTransId="{C8EFE7E9-8593-41F3-A8B9-368B41C4E15C}" sibTransId="{C5A1376F-DFFF-4C03-8464-C55D17BCE1C4}"/>
+    <dgm:cxn modelId="{D6B31B3E-400B-43D1-97E4-3510BA07CD93}" type="presOf" srcId="{B4568363-7B78-408C-B79F-11AFBA73D9B7}" destId="{61F7A4D5-F36E-404B-ADE0-F975118CCC30}" srcOrd="0" destOrd="0" presId="urn:microsoft.com/office/officeart/2018/5/layout/IconLeafLabelList"/>
+    <dgm:cxn modelId="{2DF2AD4D-E5D1-49C3-8024-88F81D33E255}" srcId="{93DAAE7B-CC2E-4D1E-AABE-339C0FE2A52B}" destId="{EC7EA9D7-0365-41B1-A8D8-CF55F23B894A}" srcOrd="1" destOrd="0" parTransId="{B5045A9D-0500-452C-AF2C-FADE53D4C55C}" sibTransId="{90EDD5B5-F407-4D70-A539-47A92D770C0C}"/>
+    <dgm:cxn modelId="{64784770-1360-412C-9782-946BAE66645A}" type="presOf" srcId="{93DAAE7B-CC2E-4D1E-AABE-339C0FE2A52B}" destId="{1FB26511-08BD-46A0-B531-BB2593396846}" srcOrd="0" destOrd="0" presId="urn:microsoft.com/office/officeart/2018/5/layout/IconLeafLabelList"/>
+    <dgm:cxn modelId="{873D30EB-EDD2-4EC4-9481-042E1C76A358}" srcId="{93DAAE7B-CC2E-4D1E-AABE-339C0FE2A52B}" destId="{57C8A7A2-4989-43BD-96AD-6D234817FD2F}" srcOrd="0" destOrd="0" parTransId="{1171B253-36CA-4130-8394-D4B6F9001228}" sibTransId="{D3607624-1A02-4E6C-9051-D537997D5400}"/>
+    <dgm:cxn modelId="{7B7ED0F8-3AEE-4602-BAC0-D3759EBED9E2}" type="presOf" srcId="{57C8A7A2-4989-43BD-96AD-6D234817FD2F}" destId="{B1ABE8D7-5CCF-4B20-B7B3-02AA04C9BF50}" srcOrd="0" destOrd="0" presId="urn:microsoft.com/office/officeart/2018/5/layout/IconLeafLabelList"/>
     <dgm:cxn modelId="{A3820B88-9099-4199-B4F6-E53655DC796E}" type="presParOf" srcId="{1FB26511-08BD-46A0-B531-BB2593396846}" destId="{6256A095-CED3-4147-B8ED-00DDAF6AEFDF}" srcOrd="0" destOrd="0" presId="urn:microsoft.com/office/officeart/2018/5/layout/IconLeafLabelList"/>
     <dgm:cxn modelId="{18030ACC-221D-47FD-8CBC-2405A24B1C65}" type="presParOf" srcId="{6256A095-CED3-4147-B8ED-00DDAF6AEFDF}" destId="{D7657E9F-BB69-4D43-AC40-A9855CD61004}" srcOrd="0" destOrd="0" presId="urn:microsoft.com/office/officeart/2018/5/layout/IconLeafLabelList"/>
     <dgm:cxn modelId="{8BB7100F-6AA1-455D-874D-4D8EBEF09D51}" type="presParOf" srcId="{6256A095-CED3-4147-B8ED-00DDAF6AEFDF}" destId="{29F50B28-BD90-4C09-B6C6-1C7413034CA6}" srcOrd="1" destOrd="0" presId="urn:microsoft.com/office/officeart/2018/5/layout/IconLeafLabelList"/>
@@ -11491,13 +11143,6 @@
         </dgm:presLayoutVars>
       </dgm:prSet>
       <dgm:spPr/>
-      <dgm:t>
-        <a:bodyPr/>
-        <a:lstStyle/>
-        <a:p>
-          <a:endParaRPr lang="en-US"/>
-        </a:p>
-      </dgm:t>
     </dgm:pt>
     <dgm:pt modelId="{9FF3D8B5-5401-4E16-9709-32D14B49083B}" type="pres">
       <dgm:prSet presAssocID="{C231A089-BB78-489D-A22A-AFB024A1E4D7}" presName="compNode" presStyleCnt="0"/>
@@ -11513,7 +11158,7 @@
                 <a14:useLocalDpi xmlns:a14="http://schemas.microsoft.com/office/drawing/2010/main" val="0"/>
               </a:ext>
               <a:ext uri="{96DAC541-7B7A-43D3-8B79-37D633B846F1}">
-                <asvg:svgBlip xmlns="" xmlns:asvg="http://schemas.microsoft.com/office/drawing/2016/SVG/main" r:embed="rId2"/>
+                <asvg:svgBlip xmlns:asvg="http://schemas.microsoft.com/office/drawing/2016/SVG/main" r:embed="rId2"/>
               </a:ext>
             </a:extLst>
           </a:blip>
@@ -11523,13 +11168,6 @@
           </a:stretch>
         </a:blipFill>
       </dgm:spPr>
-      <dgm:t>
-        <a:bodyPr/>
-        <a:lstStyle/>
-        <a:p>
-          <a:endParaRPr lang="en-US"/>
-        </a:p>
-      </dgm:t>
       <dgm:extLst>
         <a:ext uri="{E40237B7-FDA0-4F09-8148-C483321AD2D9}">
           <dgm14:cNvPr xmlns:dgm14="http://schemas.microsoft.com/office/drawing/2010/diagram" id="0" name="" descr="Mortgage outline"/>
@@ -11548,13 +11186,6 @@
         </dgm:presLayoutVars>
       </dgm:prSet>
       <dgm:spPr/>
-      <dgm:t>
-        <a:bodyPr/>
-        <a:lstStyle/>
-        <a:p>
-          <a:endParaRPr lang="en-US"/>
-        </a:p>
-      </dgm:t>
     </dgm:pt>
     <dgm:pt modelId="{80701799-8801-496A-883C-00BFF1B3BBAC}" type="pres">
       <dgm:prSet presAssocID="{2213A0F1-465A-42B6-87A7-DEED0F142C05}" presName="sibTrans" presStyleCnt="0"/>
@@ -11574,7 +11205,7 @@
                 <a14:useLocalDpi xmlns:a14="http://schemas.microsoft.com/office/drawing/2010/main" val="0"/>
               </a:ext>
               <a:ext uri="{96DAC541-7B7A-43D3-8B79-37D633B846F1}">
-                <asvg:svgBlip xmlns="" xmlns:asvg="http://schemas.microsoft.com/office/drawing/2016/SVG/main" r:embed="rId4"/>
+                <asvg:svgBlip xmlns:asvg="http://schemas.microsoft.com/office/drawing/2016/SVG/main" r:embed="rId4"/>
               </a:ext>
             </a:extLst>
           </a:blip>
@@ -11583,13 +11214,6 @@
           </a:stretch>
         </a:blipFill>
       </dgm:spPr>
-      <dgm:t>
-        <a:bodyPr/>
-        <a:lstStyle/>
-        <a:p>
-          <a:endParaRPr lang="en-US"/>
-        </a:p>
-      </dgm:t>
       <dgm:extLst>
         <a:ext uri="{E40237B7-FDA0-4F09-8148-C483321AD2D9}">
           <dgm14:cNvPr xmlns:dgm14="http://schemas.microsoft.com/office/drawing/2010/diagram" id="0" name="" descr="Briefcase"/>
@@ -11608,13 +11232,6 @@
         </dgm:presLayoutVars>
       </dgm:prSet>
       <dgm:spPr/>
-      <dgm:t>
-        <a:bodyPr/>
-        <a:lstStyle/>
-        <a:p>
-          <a:endParaRPr lang="en-US"/>
-        </a:p>
-      </dgm:t>
     </dgm:pt>
     <dgm:pt modelId="{0984DF41-30FA-4BF6-B595-930529960187}" type="pres">
       <dgm:prSet presAssocID="{E783EECA-C50B-4A5A-8954-E40523067CBD}" presName="sibTrans" presStyleCnt="0"/>
@@ -11634,7 +11251,7 @@
                 <a14:useLocalDpi xmlns:a14="http://schemas.microsoft.com/office/drawing/2010/main" val="0"/>
               </a:ext>
               <a:ext uri="{96DAC541-7B7A-43D3-8B79-37D633B846F1}">
-                <asvg:svgBlip xmlns="" xmlns:asvg="http://schemas.microsoft.com/office/drawing/2016/SVG/main" r:embed="rId6"/>
+                <asvg:svgBlip xmlns:asvg="http://schemas.microsoft.com/office/drawing/2016/SVG/main" r:embed="rId6"/>
               </a:ext>
             </a:extLst>
           </a:blip>
@@ -11643,13 +11260,6 @@
           </a:stretch>
         </a:blipFill>
       </dgm:spPr>
-      <dgm:t>
-        <a:bodyPr/>
-        <a:lstStyle/>
-        <a:p>
-          <a:endParaRPr lang="en-US"/>
-        </a:p>
-      </dgm:t>
       <dgm:extLst>
         <a:ext uri="{E40237B7-FDA0-4F09-8148-C483321AD2D9}">
           <dgm14:cNvPr xmlns:dgm14="http://schemas.microsoft.com/office/drawing/2010/diagram" id="0" name="" descr="Upward trend"/>
@@ -11668,23 +11278,16 @@
         </dgm:presLayoutVars>
       </dgm:prSet>
       <dgm:spPr/>
-      <dgm:t>
-        <a:bodyPr/>
-        <a:lstStyle/>
-        <a:p>
-          <a:endParaRPr lang="en-US"/>
-        </a:p>
-      </dgm:t>
     </dgm:pt>
   </dgm:ptLst>
   <dgm:cxnLst>
+    <dgm:cxn modelId="{C68A6337-7ED9-4396-9867-F5CB74BF8261}" srcId="{7A03462C-0EDB-4500-B122-CB6502273957}" destId="{23899AA9-7C00-4CB7-A900-245B5040D944}" srcOrd="2" destOrd="0" parTransId="{D2364787-ED85-4E02-83A7-72109591125B}" sibTransId="{E9E91BE9-2315-40F9-AC8C-1CB23D85DCC6}"/>
+    <dgm:cxn modelId="{944D5864-648C-4BC6-85F0-C47E0945463F}" type="presOf" srcId="{23899AA9-7C00-4CB7-A900-245B5040D944}" destId="{2A5B4C28-5E54-4EAE-841C-793BE7E6FA8B}" srcOrd="0" destOrd="0" presId="urn:microsoft.com/office/officeart/2018/2/layout/IconLabelList"/>
+    <dgm:cxn modelId="{16E8CC9E-0498-41F2-97FE-578B7D97FE9C}" type="presOf" srcId="{C231A089-BB78-489D-A22A-AFB024A1E4D7}" destId="{D5EB4E2D-837E-451D-9F13-554689AFE388}" srcOrd="0" destOrd="0" presId="urn:microsoft.com/office/officeart/2018/2/layout/IconLabelList"/>
     <dgm:cxn modelId="{A5A51BA0-E280-4921-844F-78D6344C0526}" srcId="{7A03462C-0EDB-4500-B122-CB6502273957}" destId="{C231A089-BB78-489D-A22A-AFB024A1E4D7}" srcOrd="0" destOrd="0" parTransId="{4FCC4E8E-E489-4106-844E-FD7F3EE8E974}" sibTransId="{2213A0F1-465A-42B6-87A7-DEED0F142C05}"/>
-    <dgm:cxn modelId="{16E8CC9E-0498-41F2-97FE-578B7D97FE9C}" type="presOf" srcId="{C231A089-BB78-489D-A22A-AFB024A1E4D7}" destId="{D5EB4E2D-837E-451D-9F13-554689AFE388}" srcOrd="0" destOrd="0" presId="urn:microsoft.com/office/officeart/2018/2/layout/IconLabelList"/>
+    <dgm:cxn modelId="{3F9F7BB3-2851-4FBE-B8DE-7F6568B8E585}" type="presOf" srcId="{2ABD3A12-42C6-47B2-9BD6-C7570945A67B}" destId="{23AD6B68-1134-4FF5-BC6F-A3DEA10CFAD9}" srcOrd="0" destOrd="0" presId="urn:microsoft.com/office/officeart/2018/2/layout/IconLabelList"/>
     <dgm:cxn modelId="{7EA2A9BC-2BA9-41C8-94A8-9E6BDB2295A5}" srcId="{7A03462C-0EDB-4500-B122-CB6502273957}" destId="{2ABD3A12-42C6-47B2-9BD6-C7570945A67B}" srcOrd="1" destOrd="0" parTransId="{08DAB128-3B8C-472B-A0A8-D63BFD7901F9}" sibTransId="{E783EECA-C50B-4A5A-8954-E40523067CBD}"/>
     <dgm:cxn modelId="{469BE7F0-C10F-4C53-88E4-B8F4755544E9}" type="presOf" srcId="{7A03462C-0EDB-4500-B122-CB6502273957}" destId="{936AAB23-3CF3-4C5B-9C44-60DCE7C73E34}" srcOrd="0" destOrd="0" presId="urn:microsoft.com/office/officeart/2018/2/layout/IconLabelList"/>
-    <dgm:cxn modelId="{C68A6337-7ED9-4396-9867-F5CB74BF8261}" srcId="{7A03462C-0EDB-4500-B122-CB6502273957}" destId="{23899AA9-7C00-4CB7-A900-245B5040D944}" srcOrd="2" destOrd="0" parTransId="{D2364787-ED85-4E02-83A7-72109591125B}" sibTransId="{E9E91BE9-2315-40F9-AC8C-1CB23D85DCC6}"/>
-    <dgm:cxn modelId="{944D5864-648C-4BC6-85F0-C47E0945463F}" type="presOf" srcId="{23899AA9-7C00-4CB7-A900-245B5040D944}" destId="{2A5B4C28-5E54-4EAE-841C-793BE7E6FA8B}" srcOrd="0" destOrd="0" presId="urn:microsoft.com/office/officeart/2018/2/layout/IconLabelList"/>
-    <dgm:cxn modelId="{3F9F7BB3-2851-4FBE-B8DE-7F6568B8E585}" type="presOf" srcId="{2ABD3A12-42C6-47B2-9BD6-C7570945A67B}" destId="{23AD6B68-1134-4FF5-BC6F-A3DEA10CFAD9}" srcOrd="0" destOrd="0" presId="urn:microsoft.com/office/officeart/2018/2/layout/IconLabelList"/>
     <dgm:cxn modelId="{2F75BE9E-6B9B-47A0-8F58-536CC756411C}" type="presParOf" srcId="{936AAB23-3CF3-4C5B-9C44-60DCE7C73E34}" destId="{9FF3D8B5-5401-4E16-9709-32D14B49083B}" srcOrd="0" destOrd="0" presId="urn:microsoft.com/office/officeart/2018/2/layout/IconLabelList"/>
     <dgm:cxn modelId="{F93E371B-EF0E-4229-ABED-77F3B15A5097}" type="presParOf" srcId="{9FF3D8B5-5401-4E16-9709-32D14B49083B}" destId="{F0AB16C2-204C-4268-A2F9-AE7F64AFA783}" srcOrd="0" destOrd="0" presId="urn:microsoft.com/office/officeart/2018/2/layout/IconLabelList"/>
     <dgm:cxn modelId="{3D35CE0B-D6B6-4A75-95D8-243B739141AB}" type="presParOf" srcId="{9FF3D8B5-5401-4E16-9709-32D14B49083B}" destId="{2F4F317B-B3A9-41FF-948E-6D4DDA66FD68}" srcOrd="1" destOrd="0" presId="urn:microsoft.com/office/officeart/2018/2/layout/IconLabelList"/>
@@ -12061,13 +11664,6 @@
         </dgm:presLayoutVars>
       </dgm:prSet>
       <dgm:spPr/>
-      <dgm:t>
-        <a:bodyPr/>
-        <a:lstStyle/>
-        <a:p>
-          <a:endParaRPr lang="en-US"/>
-        </a:p>
-      </dgm:t>
     </dgm:pt>
     <dgm:pt modelId="{648981C2-F97F-48A9-BEFE-EEECC3138448}" type="pres">
       <dgm:prSet presAssocID="{755CDCE2-B952-4455-A6C0-67A09ABD5D73}" presName="compNode" presStyleCnt="0"/>
@@ -12087,7 +11683,7 @@
                 <a14:useLocalDpi xmlns:a14="http://schemas.microsoft.com/office/drawing/2010/main" val="0"/>
               </a:ext>
               <a:ext uri="{96DAC541-7B7A-43D3-8B79-37D633B846F1}">
-                <asvg:svgBlip xmlns="" xmlns:asvg="http://schemas.microsoft.com/office/drawing/2016/SVG/main" r:embed="rId2"/>
+                <asvg:svgBlip xmlns:asvg="http://schemas.microsoft.com/office/drawing/2016/SVG/main" r:embed="rId2"/>
               </a:ext>
             </a:extLst>
           </a:blip>
@@ -12096,13 +11692,6 @@
           </a:stretch>
         </a:blipFill>
       </dgm:spPr>
-      <dgm:t>
-        <a:bodyPr/>
-        <a:lstStyle/>
-        <a:p>
-          <a:endParaRPr lang="en-US"/>
-        </a:p>
-      </dgm:t>
       <dgm:extLst>
         <a:ext uri="{E40237B7-FDA0-4F09-8148-C483321AD2D9}">
           <dgm14:cNvPr xmlns:dgm14="http://schemas.microsoft.com/office/drawing/2010/diagram" id="0" name="" descr="Business Growth"/>
@@ -12121,13 +11710,6 @@
         </dgm:presLayoutVars>
       </dgm:prSet>
       <dgm:spPr/>
-      <dgm:t>
-        <a:bodyPr/>
-        <a:lstStyle/>
-        <a:p>
-          <a:endParaRPr lang="en-US"/>
-        </a:p>
-      </dgm:t>
     </dgm:pt>
     <dgm:pt modelId="{1C3E8BD2-D884-4874-BF29-20443CF02243}" type="pres">
       <dgm:prSet presAssocID="{19787295-CADF-4CD6-9619-D255DD4856C5}" presName="sibTrans" presStyleCnt="0"/>
@@ -12151,7 +11733,7 @@
                 <a14:useLocalDpi xmlns:a14="http://schemas.microsoft.com/office/drawing/2010/main" val="0"/>
               </a:ext>
               <a:ext uri="{96DAC541-7B7A-43D3-8B79-37D633B846F1}">
-                <asvg:svgBlip xmlns="" xmlns:asvg="http://schemas.microsoft.com/office/drawing/2016/SVG/main" r:embed="rId4"/>
+                <asvg:svgBlip xmlns:asvg="http://schemas.microsoft.com/office/drawing/2016/SVG/main" r:embed="rId4"/>
               </a:ext>
             </a:extLst>
           </a:blip>
@@ -12160,13 +11742,6 @@
           </a:stretch>
         </a:blipFill>
       </dgm:spPr>
-      <dgm:t>
-        <a:bodyPr/>
-        <a:lstStyle/>
-        <a:p>
-          <a:endParaRPr lang="en-US"/>
-        </a:p>
-      </dgm:t>
       <dgm:extLst>
         <a:ext uri="{E40237B7-FDA0-4F09-8148-C483321AD2D9}">
           <dgm14:cNvPr xmlns:dgm14="http://schemas.microsoft.com/office/drawing/2010/diagram" id="0" name="" descr="Magnifying glass"/>
@@ -12185,13 +11760,6 @@
         </dgm:presLayoutVars>
       </dgm:prSet>
       <dgm:spPr/>
-      <dgm:t>
-        <a:bodyPr/>
-        <a:lstStyle/>
-        <a:p>
-          <a:endParaRPr lang="en-US"/>
-        </a:p>
-      </dgm:t>
     </dgm:pt>
     <dgm:pt modelId="{2C32C7A4-4375-47FA-A0FD-F56B427CDA1F}" type="pres">
       <dgm:prSet presAssocID="{9780BE70-FF26-460E-9222-D42D1D2C3FD2}" presName="sibTrans" presStyleCnt="0"/>
@@ -12215,7 +11783,7 @@
                 <a14:useLocalDpi xmlns:a14="http://schemas.microsoft.com/office/drawing/2010/main" val="0"/>
               </a:ext>
               <a:ext uri="{96DAC541-7B7A-43D3-8B79-37D633B846F1}">
-                <asvg:svgBlip xmlns="" xmlns:asvg="http://schemas.microsoft.com/office/drawing/2016/SVG/main" r:embed="rId6"/>
+                <asvg:svgBlip xmlns:asvg="http://schemas.microsoft.com/office/drawing/2016/SVG/main" r:embed="rId6"/>
               </a:ext>
             </a:extLst>
           </a:blip>
@@ -12224,13 +11792,6 @@
           </a:stretch>
         </a:blipFill>
       </dgm:spPr>
-      <dgm:t>
-        <a:bodyPr/>
-        <a:lstStyle/>
-        <a:p>
-          <a:endParaRPr lang="en-US"/>
-        </a:p>
-      </dgm:t>
       <dgm:extLst>
         <a:ext uri="{E40237B7-FDA0-4F09-8148-C483321AD2D9}">
           <dgm14:cNvPr xmlns:dgm14="http://schemas.microsoft.com/office/drawing/2010/diagram" id="0" name="" descr="Cloud Computing"/>
@@ -12249,44 +11810,30 @@
         </dgm:presLayoutVars>
       </dgm:prSet>
       <dgm:spPr/>
-      <dgm:t>
-        <a:bodyPr/>
-        <a:lstStyle/>
-        <a:p>
-          <a:endParaRPr lang="en-US"/>
-        </a:p>
-      </dgm:t>
     </dgm:pt>
     <dgm:pt modelId="{495D1B2F-1B59-4804-9AF9-D0B791BD0C0D}" type="pres">
       <dgm:prSet presAssocID="{63E0309A-A892-409D-82C3-8468717AC582}" presName="desTx" presStyleLbl="revTx" presStyleIdx="3" presStyleCnt="4">
         <dgm:presLayoutVars/>
       </dgm:prSet>
       <dgm:spPr/>
-      <dgm:t>
-        <a:bodyPr/>
-        <a:lstStyle/>
-        <a:p>
-          <a:endParaRPr lang="en-US"/>
-        </a:p>
-      </dgm:t>
     </dgm:pt>
   </dgm:ptLst>
   <dgm:cxnLst>
+    <dgm:cxn modelId="{9D3C0804-0FD2-4AD0-8808-1371A19650E2}" srcId="{7F255BEF-2F30-44B9-A78F-A02713D2E0B5}" destId="{D8586D82-AB9E-46DA-A3F7-22DF38882D85}" srcOrd="1" destOrd="0" parTransId="{D3B46F2C-9856-49C3-AC30-96B86DE63891}" sibTransId="{9780BE70-FF26-460E-9222-D42D1D2C3FD2}"/>
+    <dgm:cxn modelId="{E5B47015-CF68-46BB-B283-66C417F6B6CE}" srcId="{63E0309A-A892-409D-82C3-8468717AC582}" destId="{0676DD94-867E-4E72-A1D1-A20BC11229BE}" srcOrd="0" destOrd="0" parTransId="{286BB309-125E-4696-A326-0F058BCE9826}" sibTransId="{978E0AAA-E696-4D9A-B8C8-4C9D17983A7D}"/>
+    <dgm:cxn modelId="{9952896C-9177-4083-94F4-9C5C05E57FE6}" srcId="{63E0309A-A892-409D-82C3-8468717AC582}" destId="{A46BBF19-2B1D-479A-8C13-AF4149BF9C7E}" srcOrd="2" destOrd="0" parTransId="{0EF98A43-8EB5-4045-8243-9A9721D626F7}" sibTransId="{3C4EDEC8-A076-4ADF-B84C-854E80B56301}"/>
+    <dgm:cxn modelId="{6ABE5A82-325C-4BCD-BC90-27A4FA1D3751}" srcId="{7F255BEF-2F30-44B9-A78F-A02713D2E0B5}" destId="{755CDCE2-B952-4455-A6C0-67A09ABD5D73}" srcOrd="0" destOrd="0" parTransId="{B4AE4D87-7503-4206-8B50-419F8A7FA273}" sibTransId="{19787295-CADF-4CD6-9619-D255DD4856C5}"/>
+    <dgm:cxn modelId="{E0EA8982-13E4-4FFC-8057-2D4839A1E9CE}" type="presOf" srcId="{30C3426F-A20B-4E6A-8920-2AD67ED6CE43}" destId="{495D1B2F-1B59-4804-9AF9-D0B791BD0C0D}" srcOrd="0" destOrd="3" presId="urn:microsoft.com/office/officeart/2018/2/layout/IconVerticalSolidList"/>
+    <dgm:cxn modelId="{C1232F8B-7D49-41C4-9116-6E57284C2BB4}" srcId="{63E0309A-A892-409D-82C3-8468717AC582}" destId="{30C3426F-A20B-4E6A-8920-2AD67ED6CE43}" srcOrd="3" destOrd="0" parTransId="{C56BE30E-210F-4F9E-81BF-8A1FC151A2C4}" sibTransId="{7DBF1FC1-97CA-47B9-B74C-746720804F68}"/>
+    <dgm:cxn modelId="{BF277E92-A07D-48E3-804A-E0502DEBD1BC}" type="presOf" srcId="{30E27AF6-FCC8-4E87-B859-B1880B346A5A}" destId="{495D1B2F-1B59-4804-9AF9-D0B791BD0C0D}" srcOrd="0" destOrd="1" presId="urn:microsoft.com/office/officeart/2018/2/layout/IconVerticalSolidList"/>
+    <dgm:cxn modelId="{1D4F6F95-F3BE-4E80-AE74-F8B2D5C8C613}" type="presOf" srcId="{755CDCE2-B952-4455-A6C0-67A09ABD5D73}" destId="{C829C08F-670E-40E6-ABC3-0EFEC29B1DA5}" srcOrd="0" destOrd="0" presId="urn:microsoft.com/office/officeart/2018/2/layout/IconVerticalSolidList"/>
+    <dgm:cxn modelId="{E42664A0-529B-4A75-AC93-7EBED4483EC9}" type="presOf" srcId="{7F255BEF-2F30-44B9-A78F-A02713D2E0B5}" destId="{B3AB8C26-36CE-4199-AC7E-E5F0833A58BD}" srcOrd="0" destOrd="0" presId="urn:microsoft.com/office/officeart/2018/2/layout/IconVerticalSolidList"/>
     <dgm:cxn modelId="{D9B988C2-EB38-4575-AFC5-B0AE9F9E38EA}" type="presOf" srcId="{D8586D82-AB9E-46DA-A3F7-22DF38882D85}" destId="{F4B25745-ADAC-4163-AE2E-46DC1C662BAE}" srcOrd="0" destOrd="0" presId="urn:microsoft.com/office/officeart/2018/2/layout/IconVerticalSolidList"/>
-    <dgm:cxn modelId="{9D3C0804-0FD2-4AD0-8808-1371A19650E2}" srcId="{7F255BEF-2F30-44B9-A78F-A02713D2E0B5}" destId="{D8586D82-AB9E-46DA-A3F7-22DF38882D85}" srcOrd="1" destOrd="0" parTransId="{D3B46F2C-9856-49C3-AC30-96B86DE63891}" sibTransId="{9780BE70-FF26-460E-9222-D42D1D2C3FD2}"/>
-    <dgm:cxn modelId="{E42664A0-529B-4A75-AC93-7EBED4483EC9}" type="presOf" srcId="{7F255BEF-2F30-44B9-A78F-A02713D2E0B5}" destId="{B3AB8C26-36CE-4199-AC7E-E5F0833A58BD}" srcOrd="0" destOrd="0" presId="urn:microsoft.com/office/officeart/2018/2/layout/IconVerticalSolidList"/>
-    <dgm:cxn modelId="{1D4F6F95-F3BE-4E80-AE74-F8B2D5C8C613}" type="presOf" srcId="{755CDCE2-B952-4455-A6C0-67A09ABD5D73}" destId="{C829C08F-670E-40E6-ABC3-0EFEC29B1DA5}" srcOrd="0" destOrd="0" presId="urn:microsoft.com/office/officeart/2018/2/layout/IconVerticalSolidList"/>
-    <dgm:cxn modelId="{9952896C-9177-4083-94F4-9C5C05E57FE6}" srcId="{63E0309A-A892-409D-82C3-8468717AC582}" destId="{A46BBF19-2B1D-479A-8C13-AF4149BF9C7E}" srcOrd="2" destOrd="0" parTransId="{0EF98A43-8EB5-4045-8243-9A9721D626F7}" sibTransId="{3C4EDEC8-A076-4ADF-B84C-854E80B56301}"/>
     <dgm:cxn modelId="{9B0A8BCC-91AD-42A1-BAA4-256645478E18}" type="presOf" srcId="{A46BBF19-2B1D-479A-8C13-AF4149BF9C7E}" destId="{495D1B2F-1B59-4804-9AF9-D0B791BD0C0D}" srcOrd="0" destOrd="2" presId="urn:microsoft.com/office/officeart/2018/2/layout/IconVerticalSolidList"/>
-    <dgm:cxn modelId="{C1232F8B-7D49-41C4-9116-6E57284C2BB4}" srcId="{63E0309A-A892-409D-82C3-8468717AC582}" destId="{30C3426F-A20B-4E6A-8920-2AD67ED6CE43}" srcOrd="3" destOrd="0" parTransId="{C56BE30E-210F-4F9E-81BF-8A1FC151A2C4}" sibTransId="{7DBF1FC1-97CA-47B9-B74C-746720804F68}"/>
-    <dgm:cxn modelId="{E5B47015-CF68-46BB-B283-66C417F6B6CE}" srcId="{63E0309A-A892-409D-82C3-8468717AC582}" destId="{0676DD94-867E-4E72-A1D1-A20BC11229BE}" srcOrd="0" destOrd="0" parTransId="{286BB309-125E-4696-A326-0F058BCE9826}" sibTransId="{978E0AAA-E696-4D9A-B8C8-4C9D17983A7D}"/>
+    <dgm:cxn modelId="{77AD71DE-9801-4A8C-8229-F34FCA0C6841}" type="presOf" srcId="{63E0309A-A892-409D-82C3-8468717AC582}" destId="{65A47615-B58E-475A-B833-4D1EE459A8A7}" srcOrd="0" destOrd="0" presId="urn:microsoft.com/office/officeart/2018/2/layout/IconVerticalSolidList"/>
+    <dgm:cxn modelId="{14BC80DE-2BD9-45BF-A47D-8D500D5F0AE5}" srcId="{63E0309A-A892-409D-82C3-8468717AC582}" destId="{30E27AF6-FCC8-4E87-B859-B1880B346A5A}" srcOrd="1" destOrd="0" parTransId="{370E3060-ACDA-4A4F-BD72-95E03576C581}" sibTransId="{5CE07A8C-37BB-40F9-8BA3-0C33C005EDE2}"/>
     <dgm:cxn modelId="{3BC60DF3-A7F6-4713-A86C-309CD67BDB96}" srcId="{7F255BEF-2F30-44B9-A78F-A02713D2E0B5}" destId="{63E0309A-A892-409D-82C3-8468717AC582}" srcOrd="2" destOrd="0" parTransId="{8CB64BC5-75A0-4668-98B5-429C83568E2E}" sibTransId="{E5A5540A-AC94-4738-ACB9-4DB4645613F6}"/>
     <dgm:cxn modelId="{87DFC0FD-A269-4216-99AC-835ED55071D9}" type="presOf" srcId="{0676DD94-867E-4E72-A1D1-A20BC11229BE}" destId="{495D1B2F-1B59-4804-9AF9-D0B791BD0C0D}" srcOrd="0" destOrd="0" presId="urn:microsoft.com/office/officeart/2018/2/layout/IconVerticalSolidList"/>
-    <dgm:cxn modelId="{BF277E92-A07D-48E3-804A-E0502DEBD1BC}" type="presOf" srcId="{30E27AF6-FCC8-4E87-B859-B1880B346A5A}" destId="{495D1B2F-1B59-4804-9AF9-D0B791BD0C0D}" srcOrd="0" destOrd="1" presId="urn:microsoft.com/office/officeart/2018/2/layout/IconVerticalSolidList"/>
-    <dgm:cxn modelId="{E0EA8982-13E4-4FFC-8057-2D4839A1E9CE}" type="presOf" srcId="{30C3426F-A20B-4E6A-8920-2AD67ED6CE43}" destId="{495D1B2F-1B59-4804-9AF9-D0B791BD0C0D}" srcOrd="0" destOrd="3" presId="urn:microsoft.com/office/officeart/2018/2/layout/IconVerticalSolidList"/>
-    <dgm:cxn modelId="{6ABE5A82-325C-4BCD-BC90-27A4FA1D3751}" srcId="{7F255BEF-2F30-44B9-A78F-A02713D2E0B5}" destId="{755CDCE2-B952-4455-A6C0-67A09ABD5D73}" srcOrd="0" destOrd="0" parTransId="{B4AE4D87-7503-4206-8B50-419F8A7FA273}" sibTransId="{19787295-CADF-4CD6-9619-D255DD4856C5}"/>
-    <dgm:cxn modelId="{77AD71DE-9801-4A8C-8229-F34FCA0C6841}" type="presOf" srcId="{63E0309A-A892-409D-82C3-8468717AC582}" destId="{65A47615-B58E-475A-B833-4D1EE459A8A7}" srcOrd="0" destOrd="0" presId="urn:microsoft.com/office/officeart/2018/2/layout/IconVerticalSolidList"/>
-    <dgm:cxn modelId="{14BC80DE-2BD9-45BF-A47D-8D500D5F0AE5}" srcId="{63E0309A-A892-409D-82C3-8468717AC582}" destId="{30E27AF6-FCC8-4E87-B859-B1880B346A5A}" srcOrd="1" destOrd="0" parTransId="{370E3060-ACDA-4A4F-BD72-95E03576C581}" sibTransId="{5CE07A8C-37BB-40F9-8BA3-0C33C005EDE2}"/>
     <dgm:cxn modelId="{6C61A087-A56C-4445-8D9F-5DEB029D0490}" type="presParOf" srcId="{B3AB8C26-36CE-4199-AC7E-E5F0833A58BD}" destId="{648981C2-F97F-48A9-BEFE-EEECC3138448}" srcOrd="0" destOrd="0" presId="urn:microsoft.com/office/officeart/2018/2/layout/IconVerticalSolidList"/>
     <dgm:cxn modelId="{4D9DE09C-5AAD-4B48-93CD-EFF69B07C9A1}" type="presParOf" srcId="{648981C2-F97F-48A9-BEFE-EEECC3138448}" destId="{DDB93B36-5ACF-4029-AF3A-43D57C257821}" srcOrd="0" destOrd="0" presId="urn:microsoft.com/office/officeart/2018/2/layout/IconVerticalSolidList"/>
     <dgm:cxn modelId="{3411B757-6CB9-473D-B46F-08A56DFDF502}" type="presParOf" srcId="{648981C2-F97F-48A9-BEFE-EEECC3138448}" destId="{0F14F188-CDBD-4725-9D1C-0C3B899F85DC}" srcOrd="1" destOrd="0" presId="urn:microsoft.com/office/officeart/2018/2/layout/IconVerticalSolidList"/>
@@ -12843,13 +12390,6 @@
         </dgm:presLayoutVars>
       </dgm:prSet>
       <dgm:spPr/>
-      <dgm:t>
-        <a:bodyPr/>
-        <a:lstStyle/>
-        <a:p>
-          <a:endParaRPr lang="en-US"/>
-        </a:p>
-      </dgm:t>
     </dgm:pt>
     <dgm:pt modelId="{B85BF7C6-0307-4A4B-95C8-6D3EDCD3B8B0}" type="pres">
       <dgm:prSet presAssocID="{BDE4CA2A-15D7-4EBE-9921-F9901FAC2A8A}" presName="parentLin" presStyleCnt="0"/>
@@ -12858,13 +12398,6 @@
     <dgm:pt modelId="{89674621-E906-49CA-B3C3-E6DD1A5054DB}" type="pres">
       <dgm:prSet presAssocID="{BDE4CA2A-15D7-4EBE-9921-F9901FAC2A8A}" presName="parentLeftMargin" presStyleLbl="node1" presStyleIdx="0" presStyleCnt="3"/>
       <dgm:spPr/>
-      <dgm:t>
-        <a:bodyPr/>
-        <a:lstStyle/>
-        <a:p>
-          <a:endParaRPr lang="en-US"/>
-        </a:p>
-      </dgm:t>
     </dgm:pt>
     <dgm:pt modelId="{30FE0556-C303-4969-A881-4A8E212B34AB}" type="pres">
       <dgm:prSet presAssocID="{BDE4CA2A-15D7-4EBE-9921-F9901FAC2A8A}" presName="parentText" presStyleLbl="node1" presStyleIdx="0" presStyleCnt="3">
@@ -12874,13 +12407,6 @@
         </dgm:presLayoutVars>
       </dgm:prSet>
       <dgm:spPr/>
-      <dgm:t>
-        <a:bodyPr/>
-        <a:lstStyle/>
-        <a:p>
-          <a:endParaRPr lang="en-US"/>
-        </a:p>
-      </dgm:t>
     </dgm:pt>
     <dgm:pt modelId="{CA2E025B-384E-4417-B0EF-5F297C4F477D}" type="pres">
       <dgm:prSet presAssocID="{BDE4CA2A-15D7-4EBE-9921-F9901FAC2A8A}" presName="negativeSpace" presStyleCnt="0"/>
@@ -12893,13 +12419,6 @@
         </dgm:presLayoutVars>
       </dgm:prSet>
       <dgm:spPr/>
-      <dgm:t>
-        <a:bodyPr/>
-        <a:lstStyle/>
-        <a:p>
-          <a:endParaRPr lang="en-US"/>
-        </a:p>
-      </dgm:t>
     </dgm:pt>
     <dgm:pt modelId="{8BA90B6F-8C7B-421B-9811-990BAB90FEF1}" type="pres">
       <dgm:prSet presAssocID="{621AD5CC-D68C-4711-BAEC-455CF12FFB0D}" presName="spaceBetweenRectangles" presStyleCnt="0"/>
@@ -12912,13 +12431,6 @@
     <dgm:pt modelId="{47F752C2-FB0E-4F6D-94CB-A983F1B096AA}" type="pres">
       <dgm:prSet presAssocID="{1C54BB80-9FCA-4608-9350-29EA8328862C}" presName="parentLeftMargin" presStyleLbl="node1" presStyleIdx="0" presStyleCnt="3"/>
       <dgm:spPr/>
-      <dgm:t>
-        <a:bodyPr/>
-        <a:lstStyle/>
-        <a:p>
-          <a:endParaRPr lang="en-US"/>
-        </a:p>
-      </dgm:t>
     </dgm:pt>
     <dgm:pt modelId="{CD676DFF-E4A8-41FC-A2BD-AF88AF79736F}" type="pres">
       <dgm:prSet presAssocID="{1C54BB80-9FCA-4608-9350-29EA8328862C}" presName="parentText" presStyleLbl="node1" presStyleIdx="1" presStyleCnt="3">
@@ -12928,13 +12440,6 @@
         </dgm:presLayoutVars>
       </dgm:prSet>
       <dgm:spPr/>
-      <dgm:t>
-        <a:bodyPr/>
-        <a:lstStyle/>
-        <a:p>
-          <a:endParaRPr lang="en-US"/>
-        </a:p>
-      </dgm:t>
     </dgm:pt>
     <dgm:pt modelId="{2D9E16A5-03E0-42C9-88FF-6E751148E382}" type="pres">
       <dgm:prSet presAssocID="{1C54BB80-9FCA-4608-9350-29EA8328862C}" presName="negativeSpace" presStyleCnt="0"/>
@@ -12947,13 +12452,6 @@
         </dgm:presLayoutVars>
       </dgm:prSet>
       <dgm:spPr/>
-      <dgm:t>
-        <a:bodyPr/>
-        <a:lstStyle/>
-        <a:p>
-          <a:endParaRPr lang="en-US"/>
-        </a:p>
-      </dgm:t>
     </dgm:pt>
     <dgm:pt modelId="{4CB71A9B-7763-4E74-BEAE-AE7CD9492531}" type="pres">
       <dgm:prSet presAssocID="{2CE5ABA5-DBF2-4973-93D6-0897EA4C7975}" presName="spaceBetweenRectangles" presStyleCnt="0"/>
@@ -12966,13 +12464,6 @@
     <dgm:pt modelId="{72026EA4-736A-4F42-9487-CFCA859FCB89}" type="pres">
       <dgm:prSet presAssocID="{7A61F05D-7D88-476A-960E-49493E081417}" presName="parentLeftMargin" presStyleLbl="node1" presStyleIdx="1" presStyleCnt="3"/>
       <dgm:spPr/>
-      <dgm:t>
-        <a:bodyPr/>
-        <a:lstStyle/>
-        <a:p>
-          <a:endParaRPr lang="en-US"/>
-        </a:p>
-      </dgm:t>
     </dgm:pt>
     <dgm:pt modelId="{795DCDF6-1153-4F4E-89C6-E6E662E11ECF}" type="pres">
       <dgm:prSet presAssocID="{7A61F05D-7D88-476A-960E-49493E081417}" presName="parentText" presStyleLbl="node1" presStyleIdx="2" presStyleCnt="3">
@@ -12982,13 +12473,6 @@
         </dgm:presLayoutVars>
       </dgm:prSet>
       <dgm:spPr/>
-      <dgm:t>
-        <a:bodyPr/>
-        <a:lstStyle/>
-        <a:p>
-          <a:endParaRPr lang="en-US"/>
-        </a:p>
-      </dgm:t>
     </dgm:pt>
     <dgm:pt modelId="{54903BE3-048B-4693-B0B2-097D34637CEE}" type="pres">
       <dgm:prSet presAssocID="{7A61F05D-7D88-476A-960E-49493E081417}" presName="negativeSpace" presStyleCnt="0"/>
@@ -13001,44 +12485,37 @@
         </dgm:presLayoutVars>
       </dgm:prSet>
       <dgm:spPr/>
-      <dgm:t>
-        <a:bodyPr/>
-        <a:lstStyle/>
-        <a:p>
-          <a:endParaRPr lang="en-US"/>
-        </a:p>
-      </dgm:t>
     </dgm:pt>
   </dgm:ptLst>
   <dgm:cxnLst>
-    <dgm:cxn modelId="{5E7B45E8-5679-40C3-91DA-09339908CD2C}" type="presOf" srcId="{69C615E7-39BE-4FA1-A183-762090B8B7B7}" destId="{28657EA4-1587-496C-891A-1C4EFBCB78DD}" srcOrd="0" destOrd="0" presId="urn:microsoft.com/office/officeart/2005/8/layout/list1"/>
-    <dgm:cxn modelId="{C1A1FF9A-7451-462A-8760-503FA72B6109}" type="presOf" srcId="{52C4687B-8637-4D8C-85DD-8EA3FE2EB0CB}" destId="{F7400512-CF34-4182-B3C5-00C56AFF3BD8}" srcOrd="0" destOrd="1" presId="urn:microsoft.com/office/officeart/2005/8/layout/list1"/>
-    <dgm:cxn modelId="{DBE712FB-713C-4237-9557-13610117F6BC}" type="presOf" srcId="{1C54BB80-9FCA-4608-9350-29EA8328862C}" destId="{CD676DFF-E4A8-41FC-A2BD-AF88AF79736F}" srcOrd="1" destOrd="0" presId="urn:microsoft.com/office/officeart/2005/8/layout/list1"/>
     <dgm:cxn modelId="{F6666605-0480-45F2-802B-91E5724C7AC7}" srcId="{EE51F785-2E0E-4F45-90C6-B69A904381B6}" destId="{1C54BB80-9FCA-4608-9350-29EA8328862C}" srcOrd="1" destOrd="0" parTransId="{3EF64C8E-B5F8-4376-BB51-28830AC8D1DE}" sibTransId="{2CE5ABA5-DBF2-4973-93D6-0897EA4C7975}"/>
+    <dgm:cxn modelId="{A0E3CB05-182B-4498-9BA9-24FF526F9D2E}" srcId="{1C54BB80-9FCA-4608-9350-29EA8328862C}" destId="{11E41C3B-020A-4940-8D31-0C9F2A2B0829}" srcOrd="0" destOrd="0" parTransId="{0EB4CE69-045E-499F-A63A-F120B8192828}" sibTransId="{F375EF59-B638-4B94-BFEF-989064326181}"/>
+    <dgm:cxn modelId="{0ABFEF12-AB77-4BC7-BB1F-9911C5035DF5}" type="presOf" srcId="{7A61F05D-7D88-476A-960E-49493E081417}" destId="{72026EA4-736A-4F42-9487-CFCA859FCB89}" srcOrd="0" destOrd="0" presId="urn:microsoft.com/office/officeart/2005/8/layout/list1"/>
+    <dgm:cxn modelId="{71638A19-7478-4896-80B2-1707A30CA399}" srcId="{7A61F05D-7D88-476A-960E-49493E081417}" destId="{A3870310-60CC-4DD7-89BD-ED3439A4079D}" srcOrd="1" destOrd="0" parTransId="{403B75DA-434C-4806-8E9C-F4CA1D7B7EB3}" sibTransId="{B198EBD1-54AD-47F6-8598-17B7586AE29A}"/>
+    <dgm:cxn modelId="{6EC9101F-11DC-4B44-AFD1-B8DFBDEEDECB}" type="presOf" srcId="{EE51F785-2E0E-4F45-90C6-B69A904381B6}" destId="{70EF8A60-B223-4C26-8D2A-6EF47B4B9D1F}" srcOrd="0" destOrd="0" presId="urn:microsoft.com/office/officeart/2005/8/layout/list1"/>
+    <dgm:cxn modelId="{ADE00124-96B8-4CCF-B624-F49900756524}" srcId="{7A61F05D-7D88-476A-960E-49493E081417}" destId="{69C615E7-39BE-4FA1-A183-762090B8B7B7}" srcOrd="0" destOrd="0" parTransId="{16999DCB-05EC-4FBF-B10F-E28187FC4718}" sibTransId="{F03CFA73-9391-4AD0-AB52-E8E753BE3D9C}"/>
+    <dgm:cxn modelId="{831F2A24-65C4-4173-94AB-DC02F5E6B5D3}" srcId="{EE51F785-2E0E-4F45-90C6-B69A904381B6}" destId="{BDE4CA2A-15D7-4EBE-9921-F9901FAC2A8A}" srcOrd="0" destOrd="0" parTransId="{1D4144E2-3593-48B0-848E-F3F7D26F456D}" sibTransId="{621AD5CC-D68C-4711-BAEC-455CF12FFB0D}"/>
+    <dgm:cxn modelId="{4C9DB825-256D-419C-8367-005AE0293711}" type="presOf" srcId="{A3870310-60CC-4DD7-89BD-ED3439A4079D}" destId="{28657EA4-1587-496C-891A-1C4EFBCB78DD}" srcOrd="0" destOrd="1" presId="urn:microsoft.com/office/officeart/2005/8/layout/list1"/>
+    <dgm:cxn modelId="{2142A25E-603B-46A5-BC0C-F6BA56100DD7}" type="presOf" srcId="{BDE4CA2A-15D7-4EBE-9921-F9901FAC2A8A}" destId="{30FE0556-C303-4969-A881-4A8E212B34AB}" srcOrd="1" destOrd="0" presId="urn:microsoft.com/office/officeart/2005/8/layout/list1"/>
+    <dgm:cxn modelId="{01AF3268-70E1-40EE-9372-D84E5A498469}" type="presOf" srcId="{1C54BB80-9FCA-4608-9350-29EA8328862C}" destId="{47F752C2-FB0E-4F6D-94CB-A983F1B096AA}" srcOrd="0" destOrd="0" presId="urn:microsoft.com/office/officeart/2005/8/layout/list1"/>
+    <dgm:cxn modelId="{15CF2C4C-0824-4A62-B18E-BF168CC0A1AC}" type="presOf" srcId="{7A61F05D-7D88-476A-960E-49493E081417}" destId="{795DCDF6-1153-4F4E-89C6-E6E662E11ECF}" srcOrd="1" destOrd="0" presId="urn:microsoft.com/office/officeart/2005/8/layout/list1"/>
+    <dgm:cxn modelId="{455A426E-F39A-4048-903C-2C037327846E}" srcId="{BDE4CA2A-15D7-4EBE-9921-F9901FAC2A8A}" destId="{F910D414-0F67-4FB5-9E58-CECA6365D828}" srcOrd="2" destOrd="0" parTransId="{BEACB3E6-06C3-4B7A-8D2B-049245588B3F}" sibTransId="{C9F57DE8-2562-4946-AEA6-771FF0D021AA}"/>
     <dgm:cxn modelId="{7420F079-6CAE-46FF-8DE2-0D3C9D709E2E}" srcId="{BDE4CA2A-15D7-4EBE-9921-F9901FAC2A8A}" destId="{C028A2E7-D708-4BB1-AF4B-E55F41E988EA}" srcOrd="0" destOrd="0" parTransId="{878E790F-3B81-408F-ACD7-FDA51B8948CA}" sibTransId="{E40EA473-5976-40F7-B3E3-4FA5C56AD297}"/>
-    <dgm:cxn modelId="{2142A25E-603B-46A5-BC0C-F6BA56100DD7}" type="presOf" srcId="{BDE4CA2A-15D7-4EBE-9921-F9901FAC2A8A}" destId="{30FE0556-C303-4969-A881-4A8E212B34AB}" srcOrd="1" destOrd="0" presId="urn:microsoft.com/office/officeart/2005/8/layout/list1"/>
-    <dgm:cxn modelId="{0ABFEF12-AB77-4BC7-BB1F-9911C5035DF5}" type="presOf" srcId="{7A61F05D-7D88-476A-960E-49493E081417}" destId="{72026EA4-736A-4F42-9487-CFCA859FCB89}" srcOrd="0" destOrd="0" presId="urn:microsoft.com/office/officeart/2005/8/layout/list1"/>
     <dgm:cxn modelId="{72186A89-4283-4278-B88F-4F544D3AAD04}" type="presOf" srcId="{BDE4CA2A-15D7-4EBE-9921-F9901FAC2A8A}" destId="{89674621-E906-49CA-B3C3-E6DD1A5054DB}" srcOrd="0" destOrd="0" presId="urn:microsoft.com/office/officeart/2005/8/layout/list1"/>
-    <dgm:cxn modelId="{831F2A24-65C4-4173-94AB-DC02F5E6B5D3}" srcId="{EE51F785-2E0E-4F45-90C6-B69A904381B6}" destId="{BDE4CA2A-15D7-4EBE-9921-F9901FAC2A8A}" srcOrd="0" destOrd="0" parTransId="{1D4144E2-3593-48B0-848E-F3F7D26F456D}" sibTransId="{621AD5CC-D68C-4711-BAEC-455CF12FFB0D}"/>
-    <dgm:cxn modelId="{33FD1AE3-E9FC-4182-8C41-E95B317654AC}" type="presOf" srcId="{C028A2E7-D708-4BB1-AF4B-E55F41E988EA}" destId="{F7400512-CF34-4182-B3C5-00C56AFF3BD8}" srcOrd="0" destOrd="0" presId="urn:microsoft.com/office/officeart/2005/8/layout/list1"/>
-    <dgm:cxn modelId="{A0E3CB05-182B-4498-9BA9-24FF526F9D2E}" srcId="{1C54BB80-9FCA-4608-9350-29EA8328862C}" destId="{11E41C3B-020A-4940-8D31-0C9F2A2B0829}" srcOrd="0" destOrd="0" parTransId="{0EB4CE69-045E-499F-A63A-F120B8192828}" sibTransId="{F375EF59-B638-4B94-BFEF-989064326181}"/>
-    <dgm:cxn modelId="{5D7198FD-469F-41D4-8B8D-627B564FEE12}" srcId="{1C54BB80-9FCA-4608-9350-29EA8328862C}" destId="{2747C6F3-65AE-40AF-B386-3699D691C46D}" srcOrd="1" destOrd="0" parTransId="{7C222F3B-4D55-479D-8ECB-68CAAF286670}" sibTransId="{225291AE-46F7-4C5A-9719-7541ED1560DB}"/>
-    <dgm:cxn modelId="{72859BC3-D491-4DB6-8B64-A0B009AA8CA8}" type="presOf" srcId="{11E41C3B-020A-4940-8D31-0C9F2A2B0829}" destId="{FEFEAC04-EE7F-47EB-995F-AD07FDDA9B05}" srcOrd="0" destOrd="0" presId="urn:microsoft.com/office/officeart/2005/8/layout/list1"/>
     <dgm:cxn modelId="{8504DB8A-B9DE-436B-8EFA-9E861778B6F9}" srcId="{1C54BB80-9FCA-4608-9350-29EA8328862C}" destId="{635CDB7F-0684-415A-A7E5-A911B5F1B212}" srcOrd="2" destOrd="0" parTransId="{03797C86-9161-4EC8-BFB2-5B93F617A09C}" sibTransId="{E82212EF-45BF-49E5-89BB-63A1CCAB638F}"/>
-    <dgm:cxn modelId="{71638A19-7478-4896-80B2-1707A30CA399}" srcId="{7A61F05D-7D88-476A-960E-49493E081417}" destId="{A3870310-60CC-4DD7-89BD-ED3439A4079D}" srcOrd="1" destOrd="0" parTransId="{403B75DA-434C-4806-8E9C-F4CA1D7B7EB3}" sibTransId="{B198EBD1-54AD-47F6-8598-17B7586AE29A}"/>
-    <dgm:cxn modelId="{2BFBE1F6-6B6F-4434-9F0B-72CDB4A5CEF3}" type="presOf" srcId="{F910D414-0F67-4FB5-9E58-CECA6365D828}" destId="{F7400512-CF34-4182-B3C5-00C56AFF3BD8}" srcOrd="0" destOrd="2" presId="urn:microsoft.com/office/officeart/2005/8/layout/list1"/>
-    <dgm:cxn modelId="{6EC9101F-11DC-4B44-AFD1-B8DFBDEEDECB}" type="presOf" srcId="{EE51F785-2E0E-4F45-90C6-B69A904381B6}" destId="{70EF8A60-B223-4C26-8D2A-6EF47B4B9D1F}" srcOrd="0" destOrd="0" presId="urn:microsoft.com/office/officeart/2005/8/layout/list1"/>
+    <dgm:cxn modelId="{AF68738D-30F0-43B9-9F05-E4936B7794F6}" type="presOf" srcId="{1C92EEA4-964B-43D6-B458-2CB1FCBAEB77}" destId="{28657EA4-1587-496C-891A-1C4EFBCB78DD}" srcOrd="0" destOrd="2" presId="urn:microsoft.com/office/officeart/2005/8/layout/list1"/>
     <dgm:cxn modelId="{E9521A8E-82C1-4672-8BF2-E1C33F0E7BBC}" type="presOf" srcId="{635CDB7F-0684-415A-A7E5-A911B5F1B212}" destId="{FEFEAC04-EE7F-47EB-995F-AD07FDDA9B05}" srcOrd="0" destOrd="2" presId="urn:microsoft.com/office/officeart/2005/8/layout/list1"/>
     <dgm:cxn modelId="{A1AD3B8F-504D-479D-ABA3-4654FF7C21DD}" srcId="{BDE4CA2A-15D7-4EBE-9921-F9901FAC2A8A}" destId="{52C4687B-8637-4D8C-85DD-8EA3FE2EB0CB}" srcOrd="1" destOrd="0" parTransId="{2DFA661B-D081-401D-BB78-2D453A7E33F4}" sibTransId="{E7658CAC-8019-4E7D-A3B7-B8646D3B3F69}"/>
-    <dgm:cxn modelId="{15CF2C4C-0824-4A62-B18E-BF168CC0A1AC}" type="presOf" srcId="{7A61F05D-7D88-476A-960E-49493E081417}" destId="{795DCDF6-1153-4F4E-89C6-E6E662E11ECF}" srcOrd="1" destOrd="0" presId="urn:microsoft.com/office/officeart/2005/8/layout/list1"/>
-    <dgm:cxn modelId="{4C9DB825-256D-419C-8367-005AE0293711}" type="presOf" srcId="{A3870310-60CC-4DD7-89BD-ED3439A4079D}" destId="{28657EA4-1587-496C-891A-1C4EFBCB78DD}" srcOrd="0" destOrd="1" presId="urn:microsoft.com/office/officeart/2005/8/layout/list1"/>
-    <dgm:cxn modelId="{455A426E-F39A-4048-903C-2C037327846E}" srcId="{BDE4CA2A-15D7-4EBE-9921-F9901FAC2A8A}" destId="{F910D414-0F67-4FB5-9E58-CECA6365D828}" srcOrd="2" destOrd="0" parTransId="{BEACB3E6-06C3-4B7A-8D2B-049245588B3F}" sibTransId="{C9F57DE8-2562-4946-AEA6-771FF0D021AA}"/>
+    <dgm:cxn modelId="{5CB3A592-6CCE-4B5F-9AB2-CC81C5F6DBE4}" type="presOf" srcId="{2747C6F3-65AE-40AF-B386-3699D691C46D}" destId="{FEFEAC04-EE7F-47EB-995F-AD07FDDA9B05}" srcOrd="0" destOrd="1" presId="urn:microsoft.com/office/officeart/2005/8/layout/list1"/>
+    <dgm:cxn modelId="{C1A1FF9A-7451-462A-8760-503FA72B6109}" type="presOf" srcId="{52C4687B-8637-4D8C-85DD-8EA3FE2EB0CB}" destId="{F7400512-CF34-4182-B3C5-00C56AFF3BD8}" srcOrd="0" destOrd="1" presId="urn:microsoft.com/office/officeart/2005/8/layout/list1"/>
+    <dgm:cxn modelId="{C31380A7-FDA6-4798-A499-E258DF37570C}" srcId="{EE51F785-2E0E-4F45-90C6-B69A904381B6}" destId="{7A61F05D-7D88-476A-960E-49493E081417}" srcOrd="2" destOrd="0" parTransId="{3543DE2A-1625-4454-B7CE-74853D5E3B31}" sibTransId="{42DD2CC9-1B14-4B76-A72F-54C548402541}"/>
     <dgm:cxn modelId="{14B856B1-5C62-4B6A-92AB-233602C2FCF2}" srcId="{7A61F05D-7D88-476A-960E-49493E081417}" destId="{1C92EEA4-964B-43D6-B458-2CB1FCBAEB77}" srcOrd="2" destOrd="0" parTransId="{2A588752-2CCC-4D10-B2B8-BF92267F7AC2}" sibTransId="{3106C350-6AA4-4F9A-AB5D-EA108C90D2D3}"/>
-    <dgm:cxn modelId="{5CB3A592-6CCE-4B5F-9AB2-CC81C5F6DBE4}" type="presOf" srcId="{2747C6F3-65AE-40AF-B386-3699D691C46D}" destId="{FEFEAC04-EE7F-47EB-995F-AD07FDDA9B05}" srcOrd="0" destOrd="1" presId="urn:microsoft.com/office/officeart/2005/8/layout/list1"/>
-    <dgm:cxn modelId="{ADE00124-96B8-4CCF-B624-F49900756524}" srcId="{7A61F05D-7D88-476A-960E-49493E081417}" destId="{69C615E7-39BE-4FA1-A183-762090B8B7B7}" srcOrd="0" destOrd="0" parTransId="{16999DCB-05EC-4FBF-B10F-E28187FC4718}" sibTransId="{F03CFA73-9391-4AD0-AB52-E8E753BE3D9C}"/>
-    <dgm:cxn modelId="{01AF3268-70E1-40EE-9372-D84E5A498469}" type="presOf" srcId="{1C54BB80-9FCA-4608-9350-29EA8328862C}" destId="{47F752C2-FB0E-4F6D-94CB-A983F1B096AA}" srcOrd="0" destOrd="0" presId="urn:microsoft.com/office/officeart/2005/8/layout/list1"/>
-    <dgm:cxn modelId="{C31380A7-FDA6-4798-A499-E258DF37570C}" srcId="{EE51F785-2E0E-4F45-90C6-B69A904381B6}" destId="{7A61F05D-7D88-476A-960E-49493E081417}" srcOrd="2" destOrd="0" parTransId="{3543DE2A-1625-4454-B7CE-74853D5E3B31}" sibTransId="{42DD2CC9-1B14-4B76-A72F-54C548402541}"/>
-    <dgm:cxn modelId="{AF68738D-30F0-43B9-9F05-E4936B7794F6}" type="presOf" srcId="{1C92EEA4-964B-43D6-B458-2CB1FCBAEB77}" destId="{28657EA4-1587-496C-891A-1C4EFBCB78DD}" srcOrd="0" destOrd="2" presId="urn:microsoft.com/office/officeart/2005/8/layout/list1"/>
+    <dgm:cxn modelId="{72859BC3-D491-4DB6-8B64-A0B009AA8CA8}" type="presOf" srcId="{11E41C3B-020A-4940-8D31-0C9F2A2B0829}" destId="{FEFEAC04-EE7F-47EB-995F-AD07FDDA9B05}" srcOrd="0" destOrd="0" presId="urn:microsoft.com/office/officeart/2005/8/layout/list1"/>
+    <dgm:cxn modelId="{33FD1AE3-E9FC-4182-8C41-E95B317654AC}" type="presOf" srcId="{C028A2E7-D708-4BB1-AF4B-E55F41E988EA}" destId="{F7400512-CF34-4182-B3C5-00C56AFF3BD8}" srcOrd="0" destOrd="0" presId="urn:microsoft.com/office/officeart/2005/8/layout/list1"/>
+    <dgm:cxn modelId="{5E7B45E8-5679-40C3-91DA-09339908CD2C}" type="presOf" srcId="{69C615E7-39BE-4FA1-A183-762090B8B7B7}" destId="{28657EA4-1587-496C-891A-1C4EFBCB78DD}" srcOrd="0" destOrd="0" presId="urn:microsoft.com/office/officeart/2005/8/layout/list1"/>
+    <dgm:cxn modelId="{2BFBE1F6-6B6F-4434-9F0B-72CDB4A5CEF3}" type="presOf" srcId="{F910D414-0F67-4FB5-9E58-CECA6365D828}" destId="{F7400512-CF34-4182-B3C5-00C56AFF3BD8}" srcOrd="0" destOrd="2" presId="urn:microsoft.com/office/officeart/2005/8/layout/list1"/>
+    <dgm:cxn modelId="{DBE712FB-713C-4237-9557-13610117F6BC}" type="presOf" srcId="{1C54BB80-9FCA-4608-9350-29EA8328862C}" destId="{CD676DFF-E4A8-41FC-A2BD-AF88AF79736F}" srcOrd="1" destOrd="0" presId="urn:microsoft.com/office/officeart/2005/8/layout/list1"/>
+    <dgm:cxn modelId="{5D7198FD-469F-41D4-8B8D-627B564FEE12}" srcId="{1C54BB80-9FCA-4608-9350-29EA8328862C}" destId="{2747C6F3-65AE-40AF-B386-3699D691C46D}" srcOrd="1" destOrd="0" parTransId="{7C222F3B-4D55-479D-8ECB-68CAAF286670}" sibTransId="{225291AE-46F7-4C5A-9719-7541ED1560DB}"/>
     <dgm:cxn modelId="{36E86F3D-C731-4C0B-A01F-C6535AC66123}" type="presParOf" srcId="{70EF8A60-B223-4C26-8D2A-6EF47B4B9D1F}" destId="{B85BF7C6-0307-4A4B-95C8-6D3EDCD3B8B0}" srcOrd="0" destOrd="0" presId="urn:microsoft.com/office/officeart/2005/8/layout/list1"/>
     <dgm:cxn modelId="{D3289B16-E57D-4550-934B-7C07AFB03476}" type="presParOf" srcId="{B85BF7C6-0307-4A4B-95C8-6D3EDCD3B8B0}" destId="{89674621-E906-49CA-B3C3-E6DD1A5054DB}" srcOrd="0" destOrd="0" presId="urn:microsoft.com/office/officeart/2005/8/layout/list1"/>
     <dgm:cxn modelId="{2008EB51-B1BD-495F-AB2F-22FD91275368}" type="presParOf" srcId="{B85BF7C6-0307-4A4B-95C8-6D3EDCD3B8B0}" destId="{30FE0556-C303-4969-A881-4A8E212B34AB}" srcOrd="1" destOrd="0" presId="urn:microsoft.com/office/officeart/2005/8/layout/list1"/>
@@ -13514,13 +12991,6 @@
         </dgm:presLayoutVars>
       </dgm:prSet>
       <dgm:spPr/>
-      <dgm:t>
-        <a:bodyPr/>
-        <a:lstStyle/>
-        <a:p>
-          <a:endParaRPr lang="en-US"/>
-        </a:p>
-      </dgm:t>
     </dgm:pt>
     <dgm:pt modelId="{570799DD-8A4A-4F3C-9058-621D3B75663D}" type="pres">
       <dgm:prSet presAssocID="{07B50E0B-C4AE-45C7-B40C-86BCF4D37AE1}" presName="compNode" presStyleCnt="0"/>
@@ -13536,7 +13006,7 @@
                 <a14:useLocalDpi xmlns:a14="http://schemas.microsoft.com/office/drawing/2010/main" val="0"/>
               </a:ext>
               <a:ext uri="{96DAC541-7B7A-43D3-8B79-37D633B846F1}">
-                <asvg:svgBlip xmlns="" xmlns:asvg="http://schemas.microsoft.com/office/drawing/2016/SVG/main" r:embed="rId2"/>
+                <asvg:svgBlip xmlns:asvg="http://schemas.microsoft.com/office/drawing/2016/SVG/main" r:embed="rId2"/>
               </a:ext>
             </a:extLst>
           </a:blip>
@@ -13545,13 +13015,6 @@
           </a:stretch>
         </a:blipFill>
       </dgm:spPr>
-      <dgm:t>
-        <a:bodyPr/>
-        <a:lstStyle/>
-        <a:p>
-          <a:endParaRPr lang="en-US"/>
-        </a:p>
-      </dgm:t>
       <dgm:extLst>
         <a:ext uri="{E40237B7-FDA0-4F09-8148-C483321AD2D9}">
           <dgm14:cNvPr xmlns:dgm14="http://schemas.microsoft.com/office/drawing/2010/diagram" id="0" name="" descr="Board Room"/>
@@ -13570,13 +13033,6 @@
         </dgm:presLayoutVars>
       </dgm:prSet>
       <dgm:spPr/>
-      <dgm:t>
-        <a:bodyPr/>
-        <a:lstStyle/>
-        <a:p>
-          <a:endParaRPr lang="en-US"/>
-        </a:p>
-      </dgm:t>
     </dgm:pt>
     <dgm:pt modelId="{3F424075-6525-4023-8EED-9C2C57E5D788}" type="pres">
       <dgm:prSet presAssocID="{07B50E0B-C4AE-45C7-B40C-86BCF4D37AE1}" presName="txSpace" presStyleCnt="0"/>
@@ -13587,13 +13043,6 @@
         <dgm:presLayoutVars/>
       </dgm:prSet>
       <dgm:spPr/>
-      <dgm:t>
-        <a:bodyPr/>
-        <a:lstStyle/>
-        <a:p>
-          <a:endParaRPr lang="en-US"/>
-        </a:p>
-      </dgm:t>
     </dgm:pt>
     <dgm:pt modelId="{52FACE37-DC2D-46F8-A776-1566ED3EAA73}" type="pres">
       <dgm:prSet presAssocID="{674B44A7-0E16-4755-AD53-16641352F949}" presName="sibTrans" presStyleCnt="0"/>
@@ -13613,7 +13062,7 @@
                 <a14:useLocalDpi xmlns:a14="http://schemas.microsoft.com/office/drawing/2010/main" val="0"/>
               </a:ext>
               <a:ext uri="{96DAC541-7B7A-43D3-8B79-37D633B846F1}">
-                <asvg:svgBlip xmlns="" xmlns:asvg="http://schemas.microsoft.com/office/drawing/2016/SVG/main" r:embed="rId4"/>
+                <asvg:svgBlip xmlns:asvg="http://schemas.microsoft.com/office/drawing/2016/SVG/main" r:embed="rId4"/>
               </a:ext>
             </a:extLst>
           </a:blip>
@@ -13622,13 +13071,6 @@
           </a:stretch>
         </a:blipFill>
       </dgm:spPr>
-      <dgm:t>
-        <a:bodyPr/>
-        <a:lstStyle/>
-        <a:p>
-          <a:endParaRPr lang="en-US"/>
-        </a:p>
-      </dgm:t>
       <dgm:extLst>
         <a:ext uri="{E40237B7-FDA0-4F09-8148-C483321AD2D9}">
           <dgm14:cNvPr xmlns:dgm14="http://schemas.microsoft.com/office/drawing/2010/diagram" id="0" name="" descr="Office Worker"/>
@@ -13647,13 +13089,6 @@
         </dgm:presLayoutVars>
       </dgm:prSet>
       <dgm:spPr/>
-      <dgm:t>
-        <a:bodyPr/>
-        <a:lstStyle/>
-        <a:p>
-          <a:endParaRPr lang="en-US"/>
-        </a:p>
-      </dgm:t>
     </dgm:pt>
     <dgm:pt modelId="{0474886A-0B09-4BAD-AE57-B2C6EE735D82}" type="pres">
       <dgm:prSet presAssocID="{00EC9B84-4D8D-41B8-9A64-73C188184ADF}" presName="txSpace" presStyleCnt="0"/>
@@ -13664,35 +13099,28 @@
         <dgm:presLayoutVars/>
       </dgm:prSet>
       <dgm:spPr/>
-      <dgm:t>
-        <a:bodyPr/>
-        <a:lstStyle/>
-        <a:p>
-          <a:endParaRPr lang="en-US"/>
-        </a:p>
-      </dgm:t>
     </dgm:pt>
   </dgm:ptLst>
   <dgm:cxnLst>
-    <dgm:cxn modelId="{DEB404DC-9B59-4BCC-9BD1-2DC55635F72E}" srcId="{00EC9B84-4D8D-41B8-9A64-73C188184ADF}" destId="{5F0F1326-FD8A-40ED-B8E8-F2A902F14EE6}" srcOrd="2" destOrd="0" parTransId="{2618DFD4-A858-471E-A7EF-5330DADB2D56}" sibTransId="{F3B51ACF-AF7C-48ED-B50E-244BAC07D23E}"/>
+    <dgm:cxn modelId="{47E14000-74F1-43D6-9F60-D19CFE15337D}" srcId="{00EC9B84-4D8D-41B8-9A64-73C188184ADF}" destId="{840298A1-20A7-4004-B12C-02F0E401E6E5}" srcOrd="3" destOrd="0" parTransId="{32950D47-F162-4B98-B86C-2347EF38E9C8}" sibTransId="{5C614511-2A8D-4876-89C0-BB266EA89C11}"/>
     <dgm:cxn modelId="{6E13A115-2773-46FD-90DE-6F75C1340E89}" type="presOf" srcId="{809C9CF9-0B58-4383-A3A7-DACE95BA0639}" destId="{BD01FF30-B654-40EC-8802-BE625E8275E0}" srcOrd="0" destOrd="0" presId="urn:microsoft.com/office/officeart/2018/5/layout/CenteredIconLabelDescriptionList"/>
+    <dgm:cxn modelId="{0DB3531D-D164-4BE4-B1F8-A6FE98D3201D}" type="presOf" srcId="{748864FA-427B-4790-A2D9-F45E48D7A42B}" destId="{BD01FF30-B654-40EC-8802-BE625E8275E0}" srcOrd="0" destOrd="1" presId="urn:microsoft.com/office/officeart/2018/5/layout/CenteredIconLabelDescriptionList"/>
+    <dgm:cxn modelId="{F4ECF720-E5E5-4E9E-987F-6655F05A36D8}" type="presOf" srcId="{958A48CE-6A5B-4C28-9F75-93C84EF35221}" destId="{3DB607A7-D342-411D-BF03-B7EBF98B53B4}" srcOrd="0" destOrd="0" presId="urn:microsoft.com/office/officeart/2018/5/layout/CenteredIconLabelDescriptionList"/>
+    <dgm:cxn modelId="{F8B2D143-49BC-4CBF-9582-2D72F94C65A4}" srcId="{07B50E0B-C4AE-45C7-B40C-86BCF4D37AE1}" destId="{748864FA-427B-4790-A2D9-F45E48D7A42B}" srcOrd="1" destOrd="0" parTransId="{ABB524F0-92AB-46A9-98C0-A4B8F4EEACCD}" sibTransId="{D7CFAA3E-1E03-4E8D-A3A9-97445C9D2788}"/>
+    <dgm:cxn modelId="{E2C31371-C2E6-4142-9735-D3514A9A662E}" type="presOf" srcId="{70C9C226-EE28-4C45-AE85-3ECABCBBBC9F}" destId="{5AAA6252-9F99-495F-868C-55BEA728A7F5}" srcOrd="0" destOrd="1" presId="urn:microsoft.com/office/officeart/2018/5/layout/CenteredIconLabelDescriptionList"/>
+    <dgm:cxn modelId="{D1F79972-1C58-487C-A6C1-45086F66C5A7}" srcId="{958A48CE-6A5B-4C28-9F75-93C84EF35221}" destId="{00EC9B84-4D8D-41B8-9A64-73C188184ADF}" srcOrd="1" destOrd="0" parTransId="{98C33D03-CD06-45C6-9F30-AA90C2303CC7}" sibTransId="{0B0940BC-4864-4486-9422-9947C0798D72}"/>
+    <dgm:cxn modelId="{7A66FE72-55DB-47FB-8A21-492B41879386}" srcId="{958A48CE-6A5B-4C28-9F75-93C84EF35221}" destId="{07B50E0B-C4AE-45C7-B40C-86BCF4D37AE1}" srcOrd="0" destOrd="0" parTransId="{BF6E9836-F18C-4075-BA0C-581A66B671ED}" sibTransId="{674B44A7-0E16-4755-AD53-16641352F949}"/>
     <dgm:cxn modelId="{C9508180-249E-4F91-B600-CA2A27001187}" type="presOf" srcId="{5F0F1326-FD8A-40ED-B8E8-F2A902F14EE6}" destId="{5AAA6252-9F99-495F-868C-55BEA728A7F5}" srcOrd="0" destOrd="2" presId="urn:microsoft.com/office/officeart/2018/5/layout/CenteredIconLabelDescriptionList"/>
-    <dgm:cxn modelId="{AF1014DA-616E-4F19-8F24-F1631892AA72}" type="presOf" srcId="{840298A1-20A7-4004-B12C-02F0E401E6E5}" destId="{5AAA6252-9F99-495F-868C-55BEA728A7F5}" srcOrd="0" destOrd="3" presId="urn:microsoft.com/office/officeart/2018/5/layout/CenteredIconLabelDescriptionList"/>
     <dgm:cxn modelId="{98B8708F-CC31-47F5-AF18-0553FBBD7214}" srcId="{07B50E0B-C4AE-45C7-B40C-86BCF4D37AE1}" destId="{809C9CF9-0B58-4383-A3A7-DACE95BA0639}" srcOrd="0" destOrd="0" parTransId="{C511F142-B1FB-451A-8A13-9457DF7C7462}" sibTransId="{DCE33EB7-DB5E-45FB-A873-0CAC8F14382E}"/>
-    <dgm:cxn modelId="{F4ECF720-E5E5-4E9E-987F-6655F05A36D8}" type="presOf" srcId="{958A48CE-6A5B-4C28-9F75-93C84EF35221}" destId="{3DB607A7-D342-411D-BF03-B7EBF98B53B4}" srcOrd="0" destOrd="0" presId="urn:microsoft.com/office/officeart/2018/5/layout/CenteredIconLabelDescriptionList"/>
-    <dgm:cxn modelId="{0DB3531D-D164-4BE4-B1F8-A6FE98D3201D}" type="presOf" srcId="{748864FA-427B-4790-A2D9-F45E48D7A42B}" destId="{BD01FF30-B654-40EC-8802-BE625E8275E0}" srcOrd="0" destOrd="1" presId="urn:microsoft.com/office/officeart/2018/5/layout/CenteredIconLabelDescriptionList"/>
-    <dgm:cxn modelId="{994507EB-69B0-4B8A-8FA1-5180D07156A8}" type="presOf" srcId="{00EC9B84-4D8D-41B8-9A64-73C188184ADF}" destId="{E33D1D36-7715-4E26-87CD-B387A5C00BFF}" srcOrd="0" destOrd="0" presId="urn:microsoft.com/office/officeart/2018/5/layout/CenteredIconLabelDescriptionList"/>
-    <dgm:cxn modelId="{E2C31371-C2E6-4142-9735-D3514A9A662E}" type="presOf" srcId="{70C9C226-EE28-4C45-AE85-3ECABCBBBC9F}" destId="{5AAA6252-9F99-495F-868C-55BEA728A7F5}" srcOrd="0" destOrd="1" presId="urn:microsoft.com/office/officeart/2018/5/layout/CenteredIconLabelDescriptionList"/>
     <dgm:cxn modelId="{E20F409A-03A9-44BC-8C38-5BD7B7251986}" type="presOf" srcId="{32109F24-67D3-4400-AEEF-DA897D75DBCC}" destId="{BD01FF30-B654-40EC-8802-BE625E8275E0}" srcOrd="0" destOrd="2" presId="urn:microsoft.com/office/officeart/2018/5/layout/CenteredIconLabelDescriptionList"/>
-    <dgm:cxn modelId="{47E14000-74F1-43D6-9F60-D19CFE15337D}" srcId="{00EC9B84-4D8D-41B8-9A64-73C188184ADF}" destId="{840298A1-20A7-4004-B12C-02F0E401E6E5}" srcOrd="3" destOrd="0" parTransId="{32950D47-F162-4B98-B86C-2347EF38E9C8}" sibTransId="{5C614511-2A8D-4876-89C0-BB266EA89C11}"/>
-    <dgm:cxn modelId="{01E36CFC-9C9D-4F9D-BEE1-7D46B40B6A0B}" srcId="{07B50E0B-C4AE-45C7-B40C-86BCF4D37AE1}" destId="{32109F24-67D3-4400-AEEF-DA897D75DBCC}" srcOrd="2" destOrd="0" parTransId="{C66BE384-F2BD-494C-9778-5E85B37D3C40}" sibTransId="{005BEB67-F3BD-41F4-86AB-57E255C8C478}"/>
-    <dgm:cxn modelId="{F8B2D143-49BC-4CBF-9582-2D72F94C65A4}" srcId="{07B50E0B-C4AE-45C7-B40C-86BCF4D37AE1}" destId="{748864FA-427B-4790-A2D9-F45E48D7A42B}" srcOrd="1" destOrd="0" parTransId="{ABB524F0-92AB-46A9-98C0-A4B8F4EEACCD}" sibTransId="{D7CFAA3E-1E03-4E8D-A3A9-97445C9D2788}"/>
     <dgm:cxn modelId="{5E28A7CC-10E3-44F3-B3E9-01B6FAF15E9C}" srcId="{00EC9B84-4D8D-41B8-9A64-73C188184ADF}" destId="{70C9C226-EE28-4C45-AE85-3ECABCBBBC9F}" srcOrd="1" destOrd="0" parTransId="{726D1772-79D4-45EE-A404-FC178F264F0D}" sibTransId="{5478498D-9BD5-4582-A818-108C84F26E28}"/>
     <dgm:cxn modelId="{B204FDCD-DE24-41F1-88EB-C492A1632C95}" type="presOf" srcId="{51BC37A4-FD94-4590-AC94-3CEC0D224128}" destId="{5AAA6252-9F99-495F-868C-55BEA728A7F5}" srcOrd="0" destOrd="0" presId="urn:microsoft.com/office/officeart/2018/5/layout/CenteredIconLabelDescriptionList"/>
     <dgm:cxn modelId="{215777CE-ACF8-4701-A5B2-222CB0C8656E}" type="presOf" srcId="{07B50E0B-C4AE-45C7-B40C-86BCF4D37AE1}" destId="{50FEF43A-2B19-4D00-8485-B9D0B8F26E8C}" srcOrd="0" destOrd="0" presId="urn:microsoft.com/office/officeart/2018/5/layout/CenteredIconLabelDescriptionList"/>
-    <dgm:cxn modelId="{7A66FE72-55DB-47FB-8A21-492B41879386}" srcId="{958A48CE-6A5B-4C28-9F75-93C84EF35221}" destId="{07B50E0B-C4AE-45C7-B40C-86BCF4D37AE1}" srcOrd="0" destOrd="0" parTransId="{BF6E9836-F18C-4075-BA0C-581A66B671ED}" sibTransId="{674B44A7-0E16-4755-AD53-16641352F949}"/>
+    <dgm:cxn modelId="{AF1014DA-616E-4F19-8F24-F1631892AA72}" type="presOf" srcId="{840298A1-20A7-4004-B12C-02F0E401E6E5}" destId="{5AAA6252-9F99-495F-868C-55BEA728A7F5}" srcOrd="0" destOrd="3" presId="urn:microsoft.com/office/officeart/2018/5/layout/CenteredIconLabelDescriptionList"/>
+    <dgm:cxn modelId="{DEB404DC-9B59-4BCC-9BD1-2DC55635F72E}" srcId="{00EC9B84-4D8D-41B8-9A64-73C188184ADF}" destId="{5F0F1326-FD8A-40ED-B8E8-F2A902F14EE6}" srcOrd="2" destOrd="0" parTransId="{2618DFD4-A858-471E-A7EF-5330DADB2D56}" sibTransId="{F3B51ACF-AF7C-48ED-B50E-244BAC07D23E}"/>
+    <dgm:cxn modelId="{994507EB-69B0-4B8A-8FA1-5180D07156A8}" type="presOf" srcId="{00EC9B84-4D8D-41B8-9A64-73C188184ADF}" destId="{E33D1D36-7715-4E26-87CD-B387A5C00BFF}" srcOrd="0" destOrd="0" presId="urn:microsoft.com/office/officeart/2018/5/layout/CenteredIconLabelDescriptionList"/>
     <dgm:cxn modelId="{E4A774EC-DA9D-4A95-B84F-6486A6DFCD41}" srcId="{00EC9B84-4D8D-41B8-9A64-73C188184ADF}" destId="{51BC37A4-FD94-4590-AC94-3CEC0D224128}" srcOrd="0" destOrd="0" parTransId="{E89E1D40-D218-462F-AB50-B3BF71F3F944}" sibTransId="{98ACC1DA-A1C7-4F85-ADA6-D929B4CFBCA9}"/>
-    <dgm:cxn modelId="{D1F79972-1C58-487C-A6C1-45086F66C5A7}" srcId="{958A48CE-6A5B-4C28-9F75-93C84EF35221}" destId="{00EC9B84-4D8D-41B8-9A64-73C188184ADF}" srcOrd="1" destOrd="0" parTransId="{98C33D03-CD06-45C6-9F30-AA90C2303CC7}" sibTransId="{0B0940BC-4864-4486-9422-9947C0798D72}"/>
+    <dgm:cxn modelId="{01E36CFC-9C9D-4F9D-BEE1-7D46B40B6A0B}" srcId="{07B50E0B-C4AE-45C7-B40C-86BCF4D37AE1}" destId="{32109F24-67D3-4400-AEEF-DA897D75DBCC}" srcOrd="2" destOrd="0" parTransId="{C66BE384-F2BD-494C-9778-5E85B37D3C40}" sibTransId="{005BEB67-F3BD-41F4-86AB-57E255C8C478}"/>
     <dgm:cxn modelId="{0878CD59-8983-4272-9A1F-1788CDB4A41F}" type="presParOf" srcId="{3DB607A7-D342-411D-BF03-B7EBF98B53B4}" destId="{570799DD-8A4A-4F3C-9058-621D3B75663D}" srcOrd="0" destOrd="0" presId="urn:microsoft.com/office/officeart/2018/5/layout/CenteredIconLabelDescriptionList"/>
     <dgm:cxn modelId="{1393DDEB-F864-4531-85BB-7C7358003F29}" type="presParOf" srcId="{570799DD-8A4A-4F3C-9058-621D3B75663D}" destId="{8A064E45-D777-48DF-BDDF-40E862F18B1B}" srcOrd="0" destOrd="0" presId="urn:microsoft.com/office/officeart/2018/5/layout/CenteredIconLabelDescriptionList"/>
     <dgm:cxn modelId="{2FF65034-0DEC-43FE-974A-092CF0EE2F9B}" type="presParOf" srcId="{570799DD-8A4A-4F3C-9058-621D3B75663D}" destId="{70BD1A51-4863-4130-B986-E1889983A3BD}" srcOrd="1" destOrd="0" presId="urn:microsoft.com/office/officeart/2018/5/layout/CenteredIconLabelDescriptionList"/>
@@ -13991,13 +13419,6 @@
         </dgm:presLayoutVars>
       </dgm:prSet>
       <dgm:spPr/>
-      <dgm:t>
-        <a:bodyPr/>
-        <a:lstStyle/>
-        <a:p>
-          <a:endParaRPr lang="en-US"/>
-        </a:p>
-      </dgm:t>
     </dgm:pt>
     <dgm:pt modelId="{418D9BDE-60F2-4B97-9DCB-C82347DEE506}" type="pres">
       <dgm:prSet presAssocID="{F24E6E66-6737-4F6C-AA4F-F162D46F7D3B}" presName="compNode" presStyleCnt="0"/>
@@ -14013,7 +13434,7 @@
                 <a14:useLocalDpi xmlns:a14="http://schemas.microsoft.com/office/drawing/2010/main" val="0"/>
               </a:ext>
               <a:ext uri="{96DAC541-7B7A-43D3-8B79-37D633B846F1}">
-                <asvg:svgBlip xmlns="" xmlns:asvg="http://schemas.microsoft.com/office/drawing/2016/SVG/main" r:embed="rId2"/>
+                <asvg:svgBlip xmlns:asvg="http://schemas.microsoft.com/office/drawing/2016/SVG/main" r:embed="rId2"/>
               </a:ext>
             </a:extLst>
           </a:blip>
@@ -14025,13 +13446,6 @@
           <a:noFill/>
         </a:ln>
       </dgm:spPr>
-      <dgm:t>
-        <a:bodyPr/>
-        <a:lstStyle/>
-        <a:p>
-          <a:endParaRPr lang="en-US"/>
-        </a:p>
-      </dgm:t>
       <dgm:extLst>
         <a:ext uri="{E40237B7-FDA0-4F09-8148-C483321AD2D9}">
           <dgm14:cNvPr xmlns:dgm14="http://schemas.microsoft.com/office/drawing/2010/diagram" id="0" name="" descr="Check List"/>
@@ -14050,13 +13464,6 @@
         </dgm:presLayoutVars>
       </dgm:prSet>
       <dgm:spPr/>
-      <dgm:t>
-        <a:bodyPr/>
-        <a:lstStyle/>
-        <a:p>
-          <a:endParaRPr lang="en-US"/>
-        </a:p>
-      </dgm:t>
     </dgm:pt>
     <dgm:pt modelId="{4BB42364-3E61-4B02-99D3-049D38F28777}" type="pres">
       <dgm:prSet presAssocID="{9EB57FA5-A7D1-4CF0-9948-2FD1D7ACEF63}" presName="sibTrans" presStyleCnt="0"/>
@@ -14076,7 +13483,7 @@
                 <a14:useLocalDpi xmlns:a14="http://schemas.microsoft.com/office/drawing/2010/main" val="0"/>
               </a:ext>
               <a:ext uri="{96DAC541-7B7A-43D3-8B79-37D633B846F1}">
-                <asvg:svgBlip xmlns="" xmlns:asvg="http://schemas.microsoft.com/office/drawing/2016/SVG/main" r:embed="rId4"/>
+                <asvg:svgBlip xmlns:asvg="http://schemas.microsoft.com/office/drawing/2016/SVG/main" r:embed="rId4"/>
               </a:ext>
             </a:extLst>
           </a:blip>
@@ -14088,13 +13495,6 @@
           <a:noFill/>
         </a:ln>
       </dgm:spPr>
-      <dgm:t>
-        <a:bodyPr/>
-        <a:lstStyle/>
-        <a:p>
-          <a:endParaRPr lang="en-US"/>
-        </a:p>
-      </dgm:t>
       <dgm:extLst>
         <a:ext uri="{E40237B7-FDA0-4F09-8148-C483321AD2D9}">
           <dgm14:cNvPr xmlns:dgm14="http://schemas.microsoft.com/office/drawing/2010/diagram" id="0" name="" descr="Lightbulb"/>
@@ -14113,13 +13513,6 @@
         </dgm:presLayoutVars>
       </dgm:prSet>
       <dgm:spPr/>
-      <dgm:t>
-        <a:bodyPr/>
-        <a:lstStyle/>
-        <a:p>
-          <a:endParaRPr lang="en-US"/>
-        </a:p>
-      </dgm:t>
     </dgm:pt>
     <dgm:pt modelId="{07374B31-F4AE-4FB5-B719-88D646F85708}" type="pres">
       <dgm:prSet presAssocID="{367DA9F9-B8AF-4A26-B076-2918E3E24DB1}" presName="sibTrans" presStyleCnt="0"/>
@@ -14139,7 +13532,7 @@
                 <a14:useLocalDpi xmlns:a14="http://schemas.microsoft.com/office/drawing/2010/main" val="0"/>
               </a:ext>
               <a:ext uri="{96DAC541-7B7A-43D3-8B79-37D633B846F1}">
-                <asvg:svgBlip xmlns="" xmlns:asvg="http://schemas.microsoft.com/office/drawing/2016/SVG/main" r:embed="rId6"/>
+                <asvg:svgBlip xmlns:asvg="http://schemas.microsoft.com/office/drawing/2016/SVG/main" r:embed="rId6"/>
               </a:ext>
             </a:extLst>
           </a:blip>
@@ -14151,13 +13544,6 @@
           <a:noFill/>
         </a:ln>
       </dgm:spPr>
-      <dgm:t>
-        <a:bodyPr/>
-        <a:lstStyle/>
-        <a:p>
-          <a:endParaRPr lang="en-US"/>
-        </a:p>
-      </dgm:t>
       <dgm:extLst>
         <a:ext uri="{E40237B7-FDA0-4F09-8148-C483321AD2D9}">
           <dgm14:cNvPr xmlns:dgm14="http://schemas.microsoft.com/office/drawing/2010/diagram" id="0" name="" descr="Computer"/>
@@ -14176,13 +13562,6 @@
         </dgm:presLayoutVars>
       </dgm:prSet>
       <dgm:spPr/>
-      <dgm:t>
-        <a:bodyPr/>
-        <a:lstStyle/>
-        <a:p>
-          <a:endParaRPr lang="en-US"/>
-        </a:p>
-      </dgm:t>
     </dgm:pt>
     <dgm:pt modelId="{D1A6D75F-D491-40CA-A061-7CC8B0F8DA71}" type="pres">
       <dgm:prSet presAssocID="{373F73AA-0082-4BA0-8A79-6AAFD1F53B67}" presName="sibTrans" presStyleCnt="0"/>
@@ -14202,7 +13581,7 @@
                 <a14:useLocalDpi xmlns:a14="http://schemas.microsoft.com/office/drawing/2010/main" val="0"/>
               </a:ext>
               <a:ext uri="{96DAC541-7B7A-43D3-8B79-37D633B846F1}">
-                <asvg:svgBlip xmlns="" xmlns:asvg="http://schemas.microsoft.com/office/drawing/2016/SVG/main" r:embed="rId8"/>
+                <asvg:svgBlip xmlns:asvg="http://schemas.microsoft.com/office/drawing/2016/SVG/main" r:embed="rId8"/>
               </a:ext>
             </a:extLst>
           </a:blip>
@@ -14214,13 +13593,6 @@
           <a:noFill/>
         </a:ln>
       </dgm:spPr>
-      <dgm:t>
-        <a:bodyPr/>
-        <a:lstStyle/>
-        <a:p>
-          <a:endParaRPr lang="en-US"/>
-        </a:p>
-      </dgm:t>
       <dgm:extLst>
         <a:ext uri="{E40237B7-FDA0-4F09-8148-C483321AD2D9}">
           <dgm14:cNvPr xmlns:dgm14="http://schemas.microsoft.com/office/drawing/2010/diagram" id="0" name="" descr="Checkmark"/>
@@ -14239,13 +13611,6 @@
         </dgm:presLayoutVars>
       </dgm:prSet>
       <dgm:spPr/>
-      <dgm:t>
-        <a:bodyPr/>
-        <a:lstStyle/>
-        <a:p>
-          <a:endParaRPr lang="en-US"/>
-        </a:p>
-      </dgm:t>
     </dgm:pt>
     <dgm:pt modelId="{D6D9362B-3B0C-4BE8-869B-DFEBDA5D229B}" type="pres">
       <dgm:prSet presAssocID="{29F15C3E-85D2-41C0-B123-4FB3DF804391}" presName="sibTrans" presStyleCnt="0"/>
@@ -14265,7 +13630,7 @@
                 <a14:useLocalDpi xmlns:a14="http://schemas.microsoft.com/office/drawing/2010/main" val="0"/>
               </a:ext>
               <a:ext uri="{96DAC541-7B7A-43D3-8B79-37D633B846F1}">
-                <asvg:svgBlip xmlns="" xmlns:asvg="http://schemas.microsoft.com/office/drawing/2016/SVG/main" r:embed="rId10"/>
+                <asvg:svgBlip xmlns:asvg="http://schemas.microsoft.com/office/drawing/2016/SVG/main" r:embed="rId10"/>
               </a:ext>
             </a:extLst>
           </a:blip>
@@ -14277,13 +13642,6 @@
           <a:noFill/>
         </a:ln>
       </dgm:spPr>
-      <dgm:t>
-        <a:bodyPr/>
-        <a:lstStyle/>
-        <a:p>
-          <a:endParaRPr lang="en-US"/>
-        </a:p>
-      </dgm:t>
       <dgm:extLst>
         <a:ext uri="{E40237B7-FDA0-4F09-8148-C483321AD2D9}">
           <dgm14:cNvPr xmlns:dgm14="http://schemas.microsoft.com/office/drawing/2010/diagram" id="0" name="" descr="Gears"/>
@@ -14302,13 +13660,6 @@
         </dgm:presLayoutVars>
       </dgm:prSet>
       <dgm:spPr/>
-      <dgm:t>
-        <a:bodyPr/>
-        <a:lstStyle/>
-        <a:p>
-          <a:endParaRPr lang="en-US"/>
-        </a:p>
-      </dgm:t>
     </dgm:pt>
     <dgm:pt modelId="{A0122C42-27F8-49E3-B2C2-E2568B83FD32}" type="pres">
       <dgm:prSet presAssocID="{752F2724-5D5F-41BD-9412-AC2BFFF04CBC}" presName="sibTrans" presStyleCnt="0"/>
@@ -14328,7 +13679,7 @@
                 <a14:useLocalDpi xmlns:a14="http://schemas.microsoft.com/office/drawing/2010/main" val="0"/>
               </a:ext>
               <a:ext uri="{96DAC541-7B7A-43D3-8B79-37D633B846F1}">
-                <asvg:svgBlip xmlns="" xmlns:asvg="http://schemas.microsoft.com/office/drawing/2016/SVG/main" r:embed="rId12"/>
+                <asvg:svgBlip xmlns:asvg="http://schemas.microsoft.com/office/drawing/2016/SVG/main" r:embed="rId12"/>
               </a:ext>
             </a:extLst>
           </a:blip>
@@ -14340,13 +13691,6 @@
           <a:noFill/>
         </a:ln>
       </dgm:spPr>
-      <dgm:t>
-        <a:bodyPr/>
-        <a:lstStyle/>
-        <a:p>
-          <a:endParaRPr lang="en-US"/>
-        </a:p>
-      </dgm:t>
       <dgm:extLst>
         <a:ext uri="{E40237B7-FDA0-4F09-8148-C483321AD2D9}">
           <dgm14:cNvPr xmlns:dgm14="http://schemas.microsoft.com/office/drawing/2010/diagram" id="0" name="" descr="Tools"/>
@@ -14365,29 +13709,22 @@
         </dgm:presLayoutVars>
       </dgm:prSet>
       <dgm:spPr/>
-      <dgm:t>
-        <a:bodyPr/>
-        <a:lstStyle/>
-        <a:p>
-          <a:endParaRPr lang="en-US"/>
-        </a:p>
-      </dgm:t>
     </dgm:pt>
   </dgm:ptLst>
   <dgm:cxnLst>
+    <dgm:cxn modelId="{E7329C06-175A-434F-9655-2297E25E555C}" srcId="{EA481506-42CA-4C8C-92C8-13643665C10B}" destId="{F24E6E66-6737-4F6C-AA4F-F162D46F7D3B}" srcOrd="0" destOrd="0" parTransId="{48820A80-3E43-45F1-BEDB-DD1BCA8067A1}" sibTransId="{9EB57FA5-A7D1-4CF0-9948-2FD1D7ACEF63}"/>
     <dgm:cxn modelId="{F5A75C16-5167-4403-9ADE-10BB5A9D0D64}" type="presOf" srcId="{4EF998D8-EA81-4EDD-931C-79C5B5D29041}" destId="{1FF5A632-CB48-4C78-B7A8-C1180D99E37C}" srcOrd="0" destOrd="0" presId="urn:microsoft.com/office/officeart/2018/2/layout/IconLabelList"/>
+    <dgm:cxn modelId="{AB969C16-CF22-4497-91A0-352B2092CFE8}" type="presOf" srcId="{AC30DAFE-E885-409F-9050-24E84626E85D}" destId="{46E59B4D-2FE8-4659-BA82-DA01930775EB}" srcOrd="0" destOrd="0" presId="urn:microsoft.com/office/officeart/2018/2/layout/IconLabelList"/>
+    <dgm:cxn modelId="{2E80A825-7580-4820-935A-248C449DE9E0}" type="presOf" srcId="{EA481506-42CA-4C8C-92C8-13643665C10B}" destId="{D7874CA6-FC23-47AF-8E49-5F86874D59C7}" srcOrd="0" destOrd="0" presId="urn:microsoft.com/office/officeart/2018/2/layout/IconLabelList"/>
+    <dgm:cxn modelId="{4F2B8443-389D-4E17-BBA7-F09AEADE4A99}" type="presOf" srcId="{F24E6E66-6737-4F6C-AA4F-F162D46F7D3B}" destId="{2B082C7E-6594-4DC8-ABD8-2FEEBBD0E0CD}" srcOrd="0" destOrd="0" presId="urn:microsoft.com/office/officeart/2018/2/layout/IconLabelList"/>
     <dgm:cxn modelId="{38193751-899C-42FF-AFF9-41FE4C42DCD8}" srcId="{EA481506-42CA-4C8C-92C8-13643665C10B}" destId="{AC30DAFE-E885-409F-9050-24E84626E85D}" srcOrd="5" destOrd="0" parTransId="{A395A57D-6404-4C98-B917-687C07D03AEE}" sibTransId="{65E9F358-1C61-47D6-99D6-F72464336B57}"/>
+    <dgm:cxn modelId="{59CF9E5A-7BAA-4DFD-877E-251E15CB1FFF}" type="presOf" srcId="{127B1132-1814-4ED1-8B2E-7362B98277FD}" destId="{52E1E98E-D5CD-46FC-BA18-AA220F150CA6}" srcOrd="0" destOrd="0" presId="urn:microsoft.com/office/officeart/2018/2/layout/IconLabelList"/>
+    <dgm:cxn modelId="{DBC35385-E31B-4AA9-ABB1-ED6314B8489D}" type="presOf" srcId="{F9EF52AB-F172-4307-8AD1-FF9AB6643F5F}" destId="{B5F8C209-1B77-4315-936E-99A8180D94BF}" srcOrd="0" destOrd="0" presId="urn:microsoft.com/office/officeart/2018/2/layout/IconLabelList"/>
+    <dgm:cxn modelId="{7FB8D888-4F3C-45E8-ABBE-C4A365FE4F30}" srcId="{EA481506-42CA-4C8C-92C8-13643665C10B}" destId="{127B1132-1814-4ED1-8B2E-7362B98277FD}" srcOrd="3" destOrd="0" parTransId="{F1675251-DAF9-46E2-ADFB-AA3B36A8B451}" sibTransId="{29F15C3E-85D2-41C0-B123-4FB3DF804391}"/>
     <dgm:cxn modelId="{0BC4F89C-242D-44C9-916F-53CAC354304F}" srcId="{EA481506-42CA-4C8C-92C8-13643665C10B}" destId="{27C3B0DD-7E21-459E-B286-94A7B714C91D}" srcOrd="1" destOrd="0" parTransId="{4AEFB9B4-4779-4DA3-B189-44727F545B4E}" sibTransId="{367DA9F9-B8AF-4A26-B076-2918E3E24DB1}"/>
     <dgm:cxn modelId="{0A5EA6B5-8DBE-4741-8C87-640E2EF82904}" srcId="{EA481506-42CA-4C8C-92C8-13643665C10B}" destId="{F9EF52AB-F172-4307-8AD1-FF9AB6643F5F}" srcOrd="4" destOrd="0" parTransId="{5DA92682-8714-45AF-9AE2-A1BE782E7CD7}" sibTransId="{752F2724-5D5F-41BD-9412-AC2BFFF04CBC}"/>
-    <dgm:cxn modelId="{AB969C16-CF22-4497-91A0-352B2092CFE8}" type="presOf" srcId="{AC30DAFE-E885-409F-9050-24E84626E85D}" destId="{46E59B4D-2FE8-4659-BA82-DA01930775EB}" srcOrd="0" destOrd="0" presId="urn:microsoft.com/office/officeart/2018/2/layout/IconLabelList"/>
-    <dgm:cxn modelId="{2E80A825-7580-4820-935A-248C449DE9E0}" type="presOf" srcId="{EA481506-42CA-4C8C-92C8-13643665C10B}" destId="{D7874CA6-FC23-47AF-8E49-5F86874D59C7}" srcOrd="0" destOrd="0" presId="urn:microsoft.com/office/officeart/2018/2/layout/IconLabelList"/>
-    <dgm:cxn modelId="{59CF9E5A-7BAA-4DFD-877E-251E15CB1FFF}" type="presOf" srcId="{127B1132-1814-4ED1-8B2E-7362B98277FD}" destId="{52E1E98E-D5CD-46FC-BA18-AA220F150CA6}" srcOrd="0" destOrd="0" presId="urn:microsoft.com/office/officeart/2018/2/layout/IconLabelList"/>
-    <dgm:cxn modelId="{E7329C06-175A-434F-9655-2297E25E555C}" srcId="{EA481506-42CA-4C8C-92C8-13643665C10B}" destId="{F24E6E66-6737-4F6C-AA4F-F162D46F7D3B}" srcOrd="0" destOrd="0" parTransId="{48820A80-3E43-45F1-BEDB-DD1BCA8067A1}" sibTransId="{9EB57FA5-A7D1-4CF0-9948-2FD1D7ACEF63}"/>
-    <dgm:cxn modelId="{7FB8D888-4F3C-45E8-ABBE-C4A365FE4F30}" srcId="{EA481506-42CA-4C8C-92C8-13643665C10B}" destId="{127B1132-1814-4ED1-8B2E-7362B98277FD}" srcOrd="3" destOrd="0" parTransId="{F1675251-DAF9-46E2-ADFB-AA3B36A8B451}" sibTransId="{29F15C3E-85D2-41C0-B123-4FB3DF804391}"/>
-    <dgm:cxn modelId="{DBC35385-E31B-4AA9-ABB1-ED6314B8489D}" type="presOf" srcId="{F9EF52AB-F172-4307-8AD1-FF9AB6643F5F}" destId="{B5F8C209-1B77-4315-936E-99A8180D94BF}" srcOrd="0" destOrd="0" presId="urn:microsoft.com/office/officeart/2018/2/layout/IconLabelList"/>
-    <dgm:cxn modelId="{4F2B8443-389D-4E17-BBA7-F09AEADE4A99}" type="presOf" srcId="{F24E6E66-6737-4F6C-AA4F-F162D46F7D3B}" destId="{2B082C7E-6594-4DC8-ABD8-2FEEBBD0E0CD}" srcOrd="0" destOrd="0" presId="urn:microsoft.com/office/officeart/2018/2/layout/IconLabelList"/>
+    <dgm:cxn modelId="{98F849EC-E7C7-4078-ACFB-F7DEFF91E076}" srcId="{EA481506-42CA-4C8C-92C8-13643665C10B}" destId="{4EF998D8-EA81-4EDD-931C-79C5B5D29041}" srcOrd="2" destOrd="0" parTransId="{73D0B963-6BB5-4262-822C-8624A12BA111}" sibTransId="{373F73AA-0082-4BA0-8A79-6AAFD1F53B67}"/>
     <dgm:cxn modelId="{FCE13CEE-8500-4C8F-8503-D3D1F8D8D8DE}" type="presOf" srcId="{27C3B0DD-7E21-459E-B286-94A7B714C91D}" destId="{C3B7D24F-AA62-468B-9B81-22068A63A6EF}" srcOrd="0" destOrd="0" presId="urn:microsoft.com/office/officeart/2018/2/layout/IconLabelList"/>
-    <dgm:cxn modelId="{98F849EC-E7C7-4078-ACFB-F7DEFF91E076}" srcId="{EA481506-42CA-4C8C-92C8-13643665C10B}" destId="{4EF998D8-EA81-4EDD-931C-79C5B5D29041}" srcOrd="2" destOrd="0" parTransId="{73D0B963-6BB5-4262-822C-8624A12BA111}" sibTransId="{373F73AA-0082-4BA0-8A79-6AAFD1F53B67}"/>
     <dgm:cxn modelId="{6AC46846-BCA3-4A24-93C3-CCEB983ADDCF}" type="presParOf" srcId="{D7874CA6-FC23-47AF-8E49-5F86874D59C7}" destId="{418D9BDE-60F2-4B97-9DCB-C82347DEE506}" srcOrd="0" destOrd="0" presId="urn:microsoft.com/office/officeart/2018/2/layout/IconLabelList"/>
     <dgm:cxn modelId="{F45322A8-8205-4C07-BD57-51FF4DC71CA3}" type="presParOf" srcId="{418D9BDE-60F2-4B97-9DCB-C82347DEE506}" destId="{64090EF6-B61B-4FD5-A40E-0722DF8B34E2}" srcOrd="0" destOrd="0" presId="urn:microsoft.com/office/officeart/2018/2/layout/IconLabelList"/>
     <dgm:cxn modelId="{8AF5528D-31A6-477F-B84F-036685F3D340}" type="presParOf" srcId="{418D9BDE-60F2-4B97-9DCB-C82347DEE506}" destId="{5BEBF154-E47F-40D8-9F7C-F1885A694BF6}" srcOrd="1" destOrd="0" presId="urn:microsoft.com/office/officeart/2018/2/layout/IconLabelList"/>
@@ -14491,7 +13828,7 @@
         </a:bodyPr>
         <a:lstStyle/>
         <a:p>
-          <a:pPr lvl="0" algn="ctr" defTabSz="1377950">
+          <a:pPr marL="0" lvl="0" indent="0" algn="ctr" defTabSz="1377950">
             <a:lnSpc>
               <a:spcPct val="90000"/>
             </a:lnSpc>
@@ -14501,6 +13838,7 @@
             <a:spcAft>
               <a:spcPct val="35000"/>
             </a:spcAft>
+            <a:buNone/>
           </a:pPr>
           <a:r>
             <a:rPr lang="en-US" sz="3100" kern="1200">
@@ -14572,7 +13910,7 @@
         </a:bodyPr>
         <a:lstStyle/>
         <a:p>
-          <a:pPr lvl="0" algn="ctr" defTabSz="1111250">
+          <a:pPr marL="0" lvl="0" indent="0" algn="ctr" defTabSz="1111250">
             <a:lnSpc>
               <a:spcPct val="90000"/>
             </a:lnSpc>
@@ -14582,6 +13920,7 @@
             <a:spcAft>
               <a:spcPct val="35000"/>
             </a:spcAft>
+            <a:buNone/>
           </a:pPr>
           <a:r>
             <a:rPr lang="en-US" sz="2500" kern="1200">
@@ -14653,7 +13992,7 @@
         </a:bodyPr>
         <a:lstStyle/>
         <a:p>
-          <a:pPr lvl="0" algn="ctr" defTabSz="1111250">
+          <a:pPr marL="0" lvl="0" indent="0" algn="ctr" defTabSz="1111250">
             <a:lnSpc>
               <a:spcPct val="90000"/>
             </a:lnSpc>
@@ -14663,6 +14002,7 @@
             <a:spcAft>
               <a:spcPct val="35000"/>
             </a:spcAft>
+            <a:buNone/>
           </a:pPr>
           <a:r>
             <a:rPr lang="en-US" sz="2500" kern="1200">
@@ -14734,7 +14074,7 @@
         </a:bodyPr>
         <a:lstStyle/>
         <a:p>
-          <a:pPr lvl="0" algn="ctr" defTabSz="1111250">
+          <a:pPr marL="0" lvl="0" indent="0" algn="ctr" defTabSz="1111250">
             <a:lnSpc>
               <a:spcPct val="90000"/>
             </a:lnSpc>
@@ -14744,6 +14084,7 @@
             <a:spcAft>
               <a:spcPct val="35000"/>
             </a:spcAft>
+            <a:buNone/>
           </a:pPr>
           <a:r>
             <a:rPr lang="en-US" sz="2500" kern="1200">
@@ -14815,7 +14156,7 @@
         </a:bodyPr>
         <a:lstStyle/>
         <a:p>
-          <a:pPr lvl="0" algn="ctr" defTabSz="1111250">
+          <a:pPr marL="0" lvl="0" indent="0" algn="ctr" defTabSz="1111250">
             <a:lnSpc>
               <a:spcPct val="90000"/>
             </a:lnSpc>
@@ -14825,6 +14166,7 @@
             <a:spcAft>
               <a:spcPct val="35000"/>
             </a:spcAft>
+            <a:buNone/>
           </a:pPr>
           <a:r>
             <a:rPr lang="en-US" sz="2500" kern="1200" dirty="0">
@@ -14894,7 +14236,7 @@
         </a:bodyPr>
         <a:lstStyle/>
         <a:p>
-          <a:pPr lvl="0" algn="ctr" defTabSz="1377950">
+          <a:pPr marL="0" lvl="0" indent="0" algn="ctr" defTabSz="1377950">
             <a:lnSpc>
               <a:spcPct val="90000"/>
             </a:lnSpc>
@@ -14904,6 +14246,7 @@
             <a:spcAft>
               <a:spcPct val="35000"/>
             </a:spcAft>
+            <a:buNone/>
           </a:pPr>
           <a:r>
             <a:rPr lang="en-US" sz="3100" kern="1200" dirty="0">
@@ -14990,7 +14333,7 @@
                 <a14:useLocalDpi xmlns:a14="http://schemas.microsoft.com/office/drawing/2010/main" val="0"/>
               </a:ext>
               <a:ext uri="{96DAC541-7B7A-43D3-8B79-37D633B846F1}">
-                <asvg:svgBlip xmlns="" xmlns:asvg="http://schemas.microsoft.com/office/drawing/2016/SVG/main" r:embed="rId2"/>
+                <asvg:svgBlip xmlns:asvg="http://schemas.microsoft.com/office/drawing/2016/SVG/main" r:embed="rId2"/>
               </a:ext>
             </a:extLst>
           </a:blip>
@@ -15057,7 +14400,7 @@
         </a:bodyPr>
         <a:lstStyle/>
         <a:p>
-          <a:pPr lvl="0" algn="ctr" defTabSz="711200">
+          <a:pPr marL="0" lvl="0" indent="0" algn="ctr" defTabSz="711200">
             <a:lnSpc>
               <a:spcPct val="90000"/>
             </a:lnSpc>
@@ -15067,6 +14410,7 @@
             <a:spcAft>
               <a:spcPct val="35000"/>
             </a:spcAft>
+            <a:buNone/>
             <a:defRPr cap="all"/>
           </a:pPr>
           <a:r>
@@ -15142,7 +14486,7 @@
                 <a14:useLocalDpi xmlns:a14="http://schemas.microsoft.com/office/drawing/2010/main" val="0"/>
               </a:ext>
               <a:ext uri="{96DAC541-7B7A-43D3-8B79-37D633B846F1}">
-                <asvg:svgBlip xmlns="" xmlns:asvg="http://schemas.microsoft.com/office/drawing/2016/SVG/main" r:embed="rId4"/>
+                <asvg:svgBlip xmlns:asvg="http://schemas.microsoft.com/office/drawing/2016/SVG/main" r:embed="rId4"/>
               </a:ext>
             </a:extLst>
           </a:blip>
@@ -15209,7 +14553,7 @@
         </a:bodyPr>
         <a:lstStyle/>
         <a:p>
-          <a:pPr lvl="0" algn="ctr" defTabSz="711200">
+          <a:pPr marL="0" lvl="0" indent="0" algn="ctr" defTabSz="711200">
             <a:lnSpc>
               <a:spcPct val="90000"/>
             </a:lnSpc>
@@ -15219,6 +14563,7 @@
             <a:spcAft>
               <a:spcPct val="35000"/>
             </a:spcAft>
+            <a:buNone/>
             <a:defRPr cap="all"/>
           </a:pPr>
           <a:r>
@@ -15294,7 +14639,7 @@
                 <a14:useLocalDpi xmlns:a14="http://schemas.microsoft.com/office/drawing/2010/main" val="0"/>
               </a:ext>
               <a:ext uri="{96DAC541-7B7A-43D3-8B79-37D633B846F1}">
-                <asvg:svgBlip xmlns="" xmlns:asvg="http://schemas.microsoft.com/office/drawing/2016/SVG/main" r:embed="rId6"/>
+                <asvg:svgBlip xmlns:asvg="http://schemas.microsoft.com/office/drawing/2016/SVG/main" r:embed="rId6"/>
               </a:ext>
             </a:extLst>
           </a:blip>
@@ -15361,7 +14706,7 @@
         </a:bodyPr>
         <a:lstStyle/>
         <a:p>
-          <a:pPr lvl="0" algn="ctr" defTabSz="711200">
+          <a:pPr marL="0" lvl="0" indent="0" algn="ctr" defTabSz="711200">
             <a:lnSpc>
               <a:spcPct val="90000"/>
             </a:lnSpc>
@@ -15371,6 +14716,7 @@
             <a:spcAft>
               <a:spcPct val="35000"/>
             </a:spcAft>
+            <a:buNone/>
             <a:defRPr cap="all"/>
           </a:pPr>
           <a:r>
@@ -15446,7 +14792,7 @@
                 <a14:useLocalDpi xmlns:a14="http://schemas.microsoft.com/office/drawing/2010/main" val="0"/>
               </a:ext>
               <a:ext uri="{96DAC541-7B7A-43D3-8B79-37D633B846F1}">
-                <asvg:svgBlip xmlns="" xmlns:asvg="http://schemas.microsoft.com/office/drawing/2016/SVG/main" r:embed="rId8"/>
+                <asvg:svgBlip xmlns:asvg="http://schemas.microsoft.com/office/drawing/2016/SVG/main" r:embed="rId8"/>
               </a:ext>
             </a:extLst>
           </a:blip>
@@ -15513,7 +14859,7 @@
         </a:bodyPr>
         <a:lstStyle/>
         <a:p>
-          <a:pPr lvl="0" algn="ctr" defTabSz="711200">
+          <a:pPr marL="0" lvl="0" indent="0" algn="ctr" defTabSz="711200">
             <a:lnSpc>
               <a:spcPct val="90000"/>
             </a:lnSpc>
@@ -15523,6 +14869,7 @@
             <a:spcAft>
               <a:spcPct val="35000"/>
             </a:spcAft>
+            <a:buNone/>
             <a:defRPr cap="all"/>
           </a:pPr>
           <a:r>
@@ -15598,7 +14945,7 @@
                 <a14:useLocalDpi xmlns:a14="http://schemas.microsoft.com/office/drawing/2010/main" val="0"/>
               </a:ext>
               <a:ext uri="{96DAC541-7B7A-43D3-8B79-37D633B846F1}">
-                <asvg:svgBlip xmlns="" xmlns:asvg="http://schemas.microsoft.com/office/drawing/2016/SVG/main" r:embed="rId10"/>
+                <asvg:svgBlip xmlns:asvg="http://schemas.microsoft.com/office/drawing/2016/SVG/main" r:embed="rId10"/>
               </a:ext>
             </a:extLst>
           </a:blip>
@@ -15665,7 +15012,7 @@
         </a:bodyPr>
         <a:lstStyle/>
         <a:p>
-          <a:pPr lvl="0" algn="ctr" defTabSz="711200">
+          <a:pPr marL="0" lvl="0" indent="0" algn="ctr" defTabSz="711200">
             <a:lnSpc>
               <a:spcPct val="90000"/>
             </a:lnSpc>
@@ -15675,6 +15022,7 @@
             <a:spcAft>
               <a:spcPct val="35000"/>
             </a:spcAft>
+            <a:buNone/>
             <a:defRPr cap="all"/>
           </a:pPr>
           <a:r>
@@ -15759,7 +15107,7 @@
           <a:blip xmlns:r="http://schemas.openxmlformats.org/officeDocument/2006/relationships" r:embed="rId1">
             <a:extLst>
               <a:ext uri="{96DAC541-7B7A-43D3-8B79-37D633B846F1}">
-                <asvg:svgBlip xmlns="" xmlns:asvg="http://schemas.microsoft.com/office/drawing/2016/SVG/main" r:embed="rId2"/>
+                <asvg:svgBlip xmlns:asvg="http://schemas.microsoft.com/office/drawing/2016/SVG/main" r:embed="rId2"/>
               </a:ext>
             </a:extLst>
           </a:blip>
@@ -15834,7 +15182,7 @@
         </a:bodyPr>
         <a:lstStyle/>
         <a:p>
-          <a:pPr lvl="0" algn="l" defTabSz="800100">
+          <a:pPr marL="0" lvl="0" indent="0" algn="l" defTabSz="800100">
             <a:lnSpc>
               <a:spcPct val="100000"/>
             </a:lnSpc>
@@ -15844,6 +15192,7 @@
             <a:spcAft>
               <a:spcPct val="35000"/>
             </a:spcAft>
+            <a:buNone/>
           </a:pPr>
           <a:r>
             <a:rPr lang="en-US" sz="1800" kern="1200">
@@ -15918,7 +15267,7 @@
                 <a14:useLocalDpi xmlns:a14="http://schemas.microsoft.com/office/drawing/2010/main" val="0"/>
               </a:ext>
               <a:ext uri="{96DAC541-7B7A-43D3-8B79-37D633B846F1}">
-                <asvg:svgBlip xmlns="" xmlns:asvg="http://schemas.microsoft.com/office/drawing/2016/SVG/main" r:embed="rId4"/>
+                <asvg:svgBlip xmlns:asvg="http://schemas.microsoft.com/office/drawing/2016/SVG/main" r:embed="rId4"/>
               </a:ext>
             </a:extLst>
           </a:blip>
@@ -15992,7 +15341,7 @@
         </a:bodyPr>
         <a:lstStyle/>
         <a:p>
-          <a:pPr lvl="0" algn="l" defTabSz="800100">
+          <a:pPr marL="0" lvl="0" indent="0" algn="l" defTabSz="800100">
             <a:lnSpc>
               <a:spcPct val="100000"/>
             </a:lnSpc>
@@ -16002,6 +15351,7 @@
             <a:spcAft>
               <a:spcPct val="35000"/>
             </a:spcAft>
+            <a:buNone/>
           </a:pPr>
           <a:r>
             <a:rPr lang="en-US" sz="1800" kern="1200" dirty="0">
@@ -16141,7 +15491,7 @@
         </a:bodyPr>
         <a:lstStyle/>
         <a:p>
-          <a:pPr lvl="0" algn="l" defTabSz="1377950">
+          <a:pPr marL="0" lvl="0" indent="0" algn="l" defTabSz="1377950">
             <a:lnSpc>
               <a:spcPct val="90000"/>
             </a:lnSpc>
@@ -16151,16 +15501,14 @@
             <a:spcAft>
               <a:spcPct val="35000"/>
             </a:spcAft>
+            <a:buNone/>
           </a:pPr>
           <a:r>
-            <a:rPr lang="en-US" sz="3100" kern="1200" dirty="0" smtClean="0">
+            <a:rPr lang="en-US" sz="3100" kern="1200" dirty="0">
               <a:latin typeface="Candara" panose="020E0502030303020204" pitchFamily="34" charset="0"/>
             </a:rPr>
             <a:t>Creating Something Valuable</a:t>
           </a:r>
-          <a:endParaRPr lang="en-US" sz="3100" kern="1200" dirty="0">
-            <a:latin typeface="Candara" panose="020E0502030303020204" pitchFamily="34" charset="0"/>
-          </a:endParaRPr>
         </a:p>
       </dsp:txBody>
       <dsp:txXfrm>
@@ -16277,7 +15625,7 @@
         </a:bodyPr>
         <a:lstStyle/>
         <a:p>
-          <a:pPr lvl="0" algn="l" defTabSz="1377950">
+          <a:pPr marL="0" lvl="0" indent="0" algn="l" defTabSz="1377950">
             <a:lnSpc>
               <a:spcPct val="90000"/>
             </a:lnSpc>
@@ -16287,16 +15635,14 @@
             <a:spcAft>
               <a:spcPct val="35000"/>
             </a:spcAft>
+            <a:buNone/>
           </a:pPr>
           <a:r>
-            <a:rPr lang="en-US" sz="3100" kern="1200" dirty="0" smtClean="0">
+            <a:rPr lang="en-US" sz="3100" kern="1200" dirty="0">
               <a:latin typeface="Candara" panose="020E0502030303020204" pitchFamily="34" charset="0"/>
             </a:rPr>
             <a:t>Financial Success</a:t>
           </a:r>
-          <a:endParaRPr lang="en-US" sz="3100" kern="1200" dirty="0">
-            <a:latin typeface="Candara" panose="020E0502030303020204" pitchFamily="34" charset="0"/>
-          </a:endParaRPr>
         </a:p>
       </dsp:txBody>
       <dsp:txXfrm>
@@ -16413,7 +15759,7 @@
         </a:bodyPr>
         <a:lstStyle/>
         <a:p>
-          <a:pPr lvl="0" algn="l" defTabSz="1377950">
+          <a:pPr marL="0" lvl="0" indent="0" algn="l" defTabSz="1377950">
             <a:lnSpc>
               <a:spcPct val="90000"/>
             </a:lnSpc>
@@ -16423,16 +15769,14 @@
             <a:spcAft>
               <a:spcPct val="35000"/>
             </a:spcAft>
+            <a:buNone/>
           </a:pPr>
           <a:r>
-            <a:rPr lang="en-US" sz="3100" kern="1200" dirty="0" smtClean="0">
+            <a:rPr lang="en-US" sz="3100" kern="1200" dirty="0">
               <a:latin typeface="Candara" panose="020E0502030303020204" pitchFamily="34" charset="0"/>
             </a:rPr>
             <a:t>Positive Impact</a:t>
           </a:r>
-          <a:endParaRPr lang="en-US" sz="3100" kern="1200" dirty="0">
-            <a:latin typeface="Candara" panose="020E0502030303020204" pitchFamily="34" charset="0"/>
-          </a:endParaRPr>
         </a:p>
       </dsp:txBody>
       <dsp:txXfrm>
@@ -16549,7 +15893,7 @@
         </a:bodyPr>
         <a:lstStyle/>
         <a:p>
-          <a:pPr lvl="0" algn="l" defTabSz="1377950">
+          <a:pPr marL="0" lvl="0" indent="0" algn="l" defTabSz="1377950">
             <a:lnSpc>
               <a:spcPct val="90000"/>
             </a:lnSpc>
@@ -16559,16 +15903,14 @@
             <a:spcAft>
               <a:spcPct val="35000"/>
             </a:spcAft>
+            <a:buNone/>
           </a:pPr>
           <a:r>
-            <a:rPr lang="en-US" sz="3100" kern="1200" dirty="0" smtClean="0">
+            <a:rPr lang="en-US" sz="3100" kern="1200" dirty="0">
               <a:latin typeface="Candara" panose="020E0502030303020204" pitchFamily="34" charset="0"/>
             </a:rPr>
             <a:t>Your Own Boss</a:t>
           </a:r>
-          <a:endParaRPr lang="en-US" sz="3100" kern="1200" dirty="0">
-            <a:latin typeface="Candara" panose="020E0502030303020204" pitchFamily="34" charset="0"/>
-          </a:endParaRPr>
         </a:p>
       </dsp:txBody>
       <dsp:txXfrm>
@@ -16685,7 +16027,7 @@
         </a:bodyPr>
         <a:lstStyle/>
         <a:p>
-          <a:pPr lvl="0" algn="l" defTabSz="1377950">
+          <a:pPr marL="0" lvl="0" indent="0" algn="l" defTabSz="1377950">
             <a:lnSpc>
               <a:spcPct val="90000"/>
             </a:lnSpc>
@@ -16695,16 +16037,14 @@
             <a:spcAft>
               <a:spcPct val="35000"/>
             </a:spcAft>
+            <a:buNone/>
           </a:pPr>
           <a:r>
-            <a:rPr lang="en-US" sz="3100" kern="1200" dirty="0" smtClean="0">
+            <a:rPr lang="en-US" sz="3100" kern="1200" dirty="0">
               <a:latin typeface="Candara" panose="020E0502030303020204" pitchFamily="34" charset="0"/>
             </a:rPr>
             <a:t>Challenge and Excitement</a:t>
           </a:r>
-          <a:endParaRPr lang="en-US" sz="3100" kern="1200" dirty="0">
-            <a:latin typeface="Candara" panose="020E0502030303020204" pitchFamily="34" charset="0"/>
-          </a:endParaRPr>
         </a:p>
       </dsp:txBody>
       <dsp:txXfrm>
@@ -16833,7 +16173,7 @@
         </a:bodyPr>
         <a:lstStyle/>
         <a:p>
-          <a:pPr lvl="0" algn="l" defTabSz="1333500">
+          <a:pPr marL="0" lvl="0" indent="0" algn="l" defTabSz="1333500">
             <a:lnSpc>
               <a:spcPct val="90000"/>
             </a:lnSpc>
@@ -16843,16 +16183,14 @@
             <a:spcAft>
               <a:spcPct val="35000"/>
             </a:spcAft>
+            <a:buNone/>
           </a:pPr>
           <a:r>
-            <a:rPr lang="en-US" sz="3000" kern="1200" dirty="0" smtClean="0">
+            <a:rPr lang="en-US" sz="3000" kern="1200" dirty="0">
               <a:latin typeface="Candara" panose="020E0502030303020204" pitchFamily="34" charset="0"/>
             </a:rPr>
             <a:t>Products</a:t>
           </a:r>
-          <a:endParaRPr lang="en-US" sz="3000" kern="1200" dirty="0">
-            <a:latin typeface="Candara" panose="020E0502030303020204" pitchFamily="34" charset="0"/>
-          </a:endParaRPr>
         </a:p>
         <a:p>
           <a:pPr marL="228600" lvl="1" indent="-228600" algn="l" defTabSz="1022350">
@@ -16865,17 +16203,14 @@
             <a:spcAft>
               <a:spcPct val="15000"/>
             </a:spcAft>
-            <a:buChar char="••"/>
+            <a:buChar char="•"/>
           </a:pPr>
           <a:r>
-            <a:rPr lang="en-US" sz="2300" kern="1200" dirty="0" smtClean="0">
+            <a:rPr lang="en-US" sz="2300" kern="1200" dirty="0">
               <a:latin typeface="Candara" panose="020E0502030303020204" pitchFamily="34" charset="0"/>
             </a:rPr>
             <a:t>Tangible, licensed software that customers can install and use on their own devices</a:t>
           </a:r>
-          <a:endParaRPr lang="en-US" sz="2300" kern="1200" dirty="0">
-            <a:latin typeface="Candara" panose="020E0502030303020204" pitchFamily="34" charset="0"/>
-          </a:endParaRPr>
         </a:p>
       </dsp:txBody>
       <dsp:txXfrm>
@@ -16993,7 +16328,7 @@
         </a:bodyPr>
         <a:lstStyle/>
         <a:p>
-          <a:pPr lvl="0" algn="l" defTabSz="1333500">
+          <a:pPr marL="0" lvl="0" indent="0" algn="l" defTabSz="1333500">
             <a:lnSpc>
               <a:spcPct val="90000"/>
             </a:lnSpc>
@@ -17003,16 +16338,14 @@
             <a:spcAft>
               <a:spcPct val="35000"/>
             </a:spcAft>
+            <a:buNone/>
           </a:pPr>
           <a:r>
-            <a:rPr lang="en-US" sz="3000" kern="1200" dirty="0" smtClean="0">
+            <a:rPr lang="en-US" sz="3000" kern="1200" dirty="0">
               <a:latin typeface="Candara" panose="020E0502030303020204" pitchFamily="34" charset="0"/>
             </a:rPr>
             <a:t>Services</a:t>
           </a:r>
-          <a:endParaRPr lang="en-US" sz="3000" kern="1200" dirty="0">
-            <a:latin typeface="Candara" panose="020E0502030303020204" pitchFamily="34" charset="0"/>
-          </a:endParaRPr>
         </a:p>
         <a:p>
           <a:pPr marL="228600" lvl="1" indent="-228600" algn="l" defTabSz="1022350">
@@ -17025,17 +16358,14 @@
             <a:spcAft>
               <a:spcPct val="15000"/>
             </a:spcAft>
-            <a:buChar char="••"/>
+            <a:buChar char="•"/>
           </a:pPr>
           <a:r>
-            <a:rPr lang="en-US" sz="2300" kern="1200" dirty="0" smtClean="0">
+            <a:rPr lang="en-US" sz="2300" kern="1200" dirty="0">
               <a:latin typeface="Candara" panose="020E0502030303020204" pitchFamily="34" charset="0"/>
             </a:rPr>
             <a:t>Intangible, cloud-based solutions that customers access through a web browser or mobile app</a:t>
           </a:r>
-          <a:endParaRPr lang="en-US" sz="2300" kern="1200" dirty="0">
-            <a:latin typeface="Candara" panose="020E0502030303020204" pitchFamily="34" charset="0"/>
-          </a:endParaRPr>
         </a:p>
       </dsp:txBody>
       <dsp:txXfrm>
@@ -17153,7 +16483,7 @@
         </a:bodyPr>
         <a:lstStyle/>
         <a:p>
-          <a:pPr lvl="0" algn="l" defTabSz="1333500">
+          <a:pPr marL="0" lvl="0" indent="0" algn="l" defTabSz="1333500">
             <a:lnSpc>
               <a:spcPct val="90000"/>
             </a:lnSpc>
@@ -17163,16 +16493,14 @@
             <a:spcAft>
               <a:spcPct val="35000"/>
             </a:spcAft>
+            <a:buNone/>
           </a:pPr>
           <a:r>
-            <a:rPr lang="en-US" sz="3000" kern="1200" dirty="0" smtClean="0">
+            <a:rPr lang="en-US" sz="3000" kern="1200" dirty="0">
               <a:latin typeface="Candara" panose="020E0502030303020204" pitchFamily="34" charset="0"/>
             </a:rPr>
             <a:t>Content</a:t>
           </a:r>
-          <a:endParaRPr lang="en-US" sz="3000" kern="1200" dirty="0">
-            <a:latin typeface="Candara" panose="020E0502030303020204" pitchFamily="34" charset="0"/>
-          </a:endParaRPr>
         </a:p>
         <a:p>
           <a:pPr marL="228600" lvl="1" indent="-228600" algn="l" defTabSz="1022350">
@@ -17185,17 +16513,14 @@
             <a:spcAft>
               <a:spcPct val="15000"/>
             </a:spcAft>
-            <a:buChar char="••"/>
+            <a:buChar char="•"/>
           </a:pPr>
           <a:r>
-            <a:rPr lang="en-US" sz="2300" kern="1200" dirty="0" smtClean="0">
+            <a:rPr lang="en-US" sz="2300" kern="1200" dirty="0">
               <a:latin typeface="Candara" panose="020E0502030303020204" pitchFamily="34" charset="0"/>
             </a:rPr>
             <a:t>Digital assets such as e-books, tutorials, and videos that teach customers how to use software or solve problems related to software</a:t>
           </a:r>
-          <a:endParaRPr lang="en-US" sz="2300" kern="1200" dirty="0">
-            <a:latin typeface="Candara" panose="020E0502030303020204" pitchFamily="34" charset="0"/>
-          </a:endParaRPr>
         </a:p>
       </dsp:txBody>
       <dsp:txXfrm>
@@ -17330,7 +16655,7 @@
                 <a14:useLocalDpi xmlns:a14="http://schemas.microsoft.com/office/drawing/2010/main" val="0"/>
               </a:ext>
               <a:ext uri="{96DAC541-7B7A-43D3-8B79-37D633B846F1}">
-                <asvg:svgBlip xmlns="" xmlns:asvg="http://schemas.microsoft.com/office/drawing/2016/SVG/main" r:embed="rId2"/>
+                <asvg:svgBlip xmlns:asvg="http://schemas.microsoft.com/office/drawing/2016/SVG/main" r:embed="rId2"/>
               </a:ext>
             </a:extLst>
           </a:blip>
@@ -17404,7 +16729,7 @@
         </a:bodyPr>
         <a:lstStyle/>
         <a:p>
-          <a:pPr lvl="0" algn="ctr" defTabSz="622300">
+          <a:pPr marL="0" lvl="0" indent="0" algn="ctr" defTabSz="622300">
             <a:lnSpc>
               <a:spcPct val="100000"/>
             </a:lnSpc>
@@ -17414,6 +16739,7 @@
             <a:spcAft>
               <a:spcPct val="35000"/>
             </a:spcAft>
+            <a:buNone/>
             <a:defRPr cap="all"/>
           </a:pPr>
           <a:r>
@@ -17492,7 +16818,7 @@
                 <a14:useLocalDpi xmlns:a14="http://schemas.microsoft.com/office/drawing/2010/main" val="0"/>
               </a:ext>
               <a:ext uri="{96DAC541-7B7A-43D3-8B79-37D633B846F1}">
-                <asvg:svgBlip xmlns="" xmlns:asvg="http://schemas.microsoft.com/office/drawing/2016/SVG/main" r:embed="rId4"/>
+                <asvg:svgBlip xmlns:asvg="http://schemas.microsoft.com/office/drawing/2016/SVG/main" r:embed="rId4"/>
               </a:ext>
             </a:extLst>
           </a:blip>
@@ -17566,7 +16892,7 @@
         </a:bodyPr>
         <a:lstStyle/>
         <a:p>
-          <a:pPr lvl="0" algn="ctr" defTabSz="622300">
+          <a:pPr marL="0" lvl="0" indent="0" algn="ctr" defTabSz="622300">
             <a:lnSpc>
               <a:spcPct val="100000"/>
             </a:lnSpc>
@@ -17576,6 +16902,7 @@
             <a:spcAft>
               <a:spcPct val="35000"/>
             </a:spcAft>
+            <a:buNone/>
             <a:defRPr cap="all"/>
           </a:pPr>
           <a:r>
@@ -17654,7 +16981,7 @@
                 <a14:useLocalDpi xmlns:a14="http://schemas.microsoft.com/office/drawing/2010/main" val="0"/>
               </a:ext>
               <a:ext uri="{96DAC541-7B7A-43D3-8B79-37D633B846F1}">
-                <asvg:svgBlip xmlns="" xmlns:asvg="http://schemas.microsoft.com/office/drawing/2016/SVG/main" r:embed="rId6"/>
+                <asvg:svgBlip xmlns:asvg="http://schemas.microsoft.com/office/drawing/2016/SVG/main" r:embed="rId6"/>
               </a:ext>
             </a:extLst>
           </a:blip>
@@ -17728,7 +17055,7 @@
         </a:bodyPr>
         <a:lstStyle/>
         <a:p>
-          <a:pPr lvl="0" algn="ctr" defTabSz="622300">
+          <a:pPr marL="0" lvl="0" indent="0" algn="ctr" defTabSz="622300">
             <a:lnSpc>
               <a:spcPct val="100000"/>
             </a:lnSpc>
@@ -17738,6 +17065,7 @@
             <a:spcAft>
               <a:spcPct val="35000"/>
             </a:spcAft>
+            <a:buNone/>
             <a:defRPr cap="all"/>
           </a:pPr>
           <a:r>
@@ -17785,7 +17113,7 @@
                 <a14:useLocalDpi xmlns:a14="http://schemas.microsoft.com/office/drawing/2010/main" val="0"/>
               </a:ext>
               <a:ext uri="{96DAC541-7B7A-43D3-8B79-37D633B846F1}">
-                <asvg:svgBlip xmlns="" xmlns:asvg="http://schemas.microsoft.com/office/drawing/2016/SVG/main" r:embed="rId2"/>
+                <asvg:svgBlip xmlns:asvg="http://schemas.microsoft.com/office/drawing/2016/SVG/main" r:embed="rId2"/>
               </a:ext>
             </a:extLst>
           </a:blip>
@@ -17860,7 +17188,7 @@
         </a:bodyPr>
         <a:lstStyle/>
         <a:p>
-          <a:pPr lvl="0" algn="ctr" defTabSz="711200">
+          <a:pPr marL="0" lvl="0" indent="0" algn="ctr" defTabSz="711200">
             <a:lnSpc>
               <a:spcPct val="100000"/>
             </a:lnSpc>
@@ -17870,6 +17198,7 @@
             <a:spcAft>
               <a:spcPct val="35000"/>
             </a:spcAft>
+            <a:buNone/>
           </a:pPr>
           <a:r>
             <a:rPr lang="en-US" sz="1600" kern="1200" dirty="0">
@@ -17904,7 +17233,7 @@
                 <a14:useLocalDpi xmlns:a14="http://schemas.microsoft.com/office/drawing/2010/main" val="0"/>
               </a:ext>
               <a:ext uri="{96DAC541-7B7A-43D3-8B79-37D633B846F1}">
-                <asvg:svgBlip xmlns="" xmlns:asvg="http://schemas.microsoft.com/office/drawing/2016/SVG/main" r:embed="rId4"/>
+                <asvg:svgBlip xmlns:asvg="http://schemas.microsoft.com/office/drawing/2016/SVG/main" r:embed="rId4"/>
               </a:ext>
             </a:extLst>
           </a:blip>
@@ -17978,7 +17307,7 @@
         </a:bodyPr>
         <a:lstStyle/>
         <a:p>
-          <a:pPr lvl="0" algn="ctr" defTabSz="711200">
+          <a:pPr marL="0" lvl="0" indent="0" algn="ctr" defTabSz="711200">
             <a:lnSpc>
               <a:spcPct val="100000"/>
             </a:lnSpc>
@@ -17988,6 +17317,7 @@
             <a:spcAft>
               <a:spcPct val="35000"/>
             </a:spcAft>
+            <a:buNone/>
           </a:pPr>
           <a:r>
             <a:rPr lang="en-US" sz="1600" kern="1200">
@@ -18022,7 +17352,7 @@
                 <a14:useLocalDpi xmlns:a14="http://schemas.microsoft.com/office/drawing/2010/main" val="0"/>
               </a:ext>
               <a:ext uri="{96DAC541-7B7A-43D3-8B79-37D633B846F1}">
-                <asvg:svgBlip xmlns="" xmlns:asvg="http://schemas.microsoft.com/office/drawing/2016/SVG/main" r:embed="rId6"/>
+                <asvg:svgBlip xmlns:asvg="http://schemas.microsoft.com/office/drawing/2016/SVG/main" r:embed="rId6"/>
               </a:ext>
             </a:extLst>
           </a:blip>
@@ -18096,7 +17426,7 @@
         </a:bodyPr>
         <a:lstStyle/>
         <a:p>
-          <a:pPr lvl="0" algn="ctr" defTabSz="711200">
+          <a:pPr marL="0" lvl="0" indent="0" algn="ctr" defTabSz="711200">
             <a:lnSpc>
               <a:spcPct val="100000"/>
             </a:lnSpc>
@@ -18106,6 +17436,7 @@
             <a:spcAft>
               <a:spcPct val="35000"/>
             </a:spcAft>
+            <a:buNone/>
           </a:pPr>
           <a:r>
             <a:rPr lang="en-US" sz="1600" kern="1200" dirty="0">
@@ -18194,7 +17525,7 @@
                 <a14:useLocalDpi xmlns:a14="http://schemas.microsoft.com/office/drawing/2010/main" val="0"/>
               </a:ext>
               <a:ext uri="{96DAC541-7B7A-43D3-8B79-37D633B846F1}">
-                <asvg:svgBlip xmlns="" xmlns:asvg="http://schemas.microsoft.com/office/drawing/2016/SVG/main" r:embed="rId2"/>
+                <asvg:svgBlip xmlns:asvg="http://schemas.microsoft.com/office/drawing/2016/SVG/main" r:embed="rId2"/>
               </a:ext>
             </a:extLst>
           </a:blip>
@@ -18268,7 +17599,7 @@
         </a:bodyPr>
         <a:lstStyle/>
         <a:p>
-          <a:pPr lvl="0" algn="l" defTabSz="1111250">
+          <a:pPr marL="0" lvl="0" indent="0" algn="l" defTabSz="1111250">
             <a:lnSpc>
               <a:spcPct val="100000"/>
             </a:lnSpc>
@@ -18278,6 +17609,7 @@
             <a:spcAft>
               <a:spcPct val="35000"/>
             </a:spcAft>
+            <a:buNone/>
           </a:pPr>
           <a:r>
             <a:rPr lang="en-US" sz="2500" kern="1200">
@@ -18354,7 +17686,7 @@
                 <a14:useLocalDpi xmlns:a14="http://schemas.microsoft.com/office/drawing/2010/main" val="0"/>
               </a:ext>
               <a:ext uri="{96DAC541-7B7A-43D3-8B79-37D633B846F1}">
-                <asvg:svgBlip xmlns="" xmlns:asvg="http://schemas.microsoft.com/office/drawing/2016/SVG/main" r:embed="rId4"/>
+                <asvg:svgBlip xmlns:asvg="http://schemas.microsoft.com/office/drawing/2016/SVG/main" r:embed="rId4"/>
               </a:ext>
             </a:extLst>
           </a:blip>
@@ -18428,7 +17760,7 @@
         </a:bodyPr>
         <a:lstStyle/>
         <a:p>
-          <a:pPr lvl="0" algn="l" defTabSz="1111250">
+          <a:pPr marL="0" lvl="0" indent="0" algn="l" defTabSz="1111250">
             <a:lnSpc>
               <a:spcPct val="100000"/>
             </a:lnSpc>
@@ -18438,6 +17770,7 @@
             <a:spcAft>
               <a:spcPct val="35000"/>
             </a:spcAft>
+            <a:buNone/>
           </a:pPr>
           <a:r>
             <a:rPr lang="en-US" sz="2500" kern="1200" dirty="0">
@@ -18514,7 +17847,7 @@
                 <a14:useLocalDpi xmlns:a14="http://schemas.microsoft.com/office/drawing/2010/main" val="0"/>
               </a:ext>
               <a:ext uri="{96DAC541-7B7A-43D3-8B79-37D633B846F1}">
-                <asvg:svgBlip xmlns="" xmlns:asvg="http://schemas.microsoft.com/office/drawing/2016/SVG/main" r:embed="rId6"/>
+                <asvg:svgBlip xmlns:asvg="http://schemas.microsoft.com/office/drawing/2016/SVG/main" r:embed="rId6"/>
               </a:ext>
             </a:extLst>
           </a:blip>
@@ -18588,7 +17921,7 @@
         </a:bodyPr>
         <a:lstStyle/>
         <a:p>
-          <a:pPr lvl="0" algn="l" defTabSz="1111250">
+          <a:pPr marL="0" lvl="0" indent="0" algn="l" defTabSz="1111250">
             <a:lnSpc>
               <a:spcPct val="100000"/>
             </a:lnSpc>
@@ -18598,6 +17931,7 @@
             <a:spcAft>
               <a:spcPct val="35000"/>
             </a:spcAft>
+            <a:buNone/>
           </a:pPr>
           <a:r>
             <a:rPr lang="en-US" sz="2500" kern="1200">
@@ -18649,7 +17983,7 @@
         </a:bodyPr>
         <a:lstStyle/>
         <a:p>
-          <a:pPr lvl="0" algn="l" defTabSz="622300">
+          <a:pPr marL="0" lvl="0" indent="0" algn="l" defTabSz="622300">
             <a:lnSpc>
               <a:spcPct val="100000"/>
             </a:lnSpc>
@@ -18659,6 +17993,7 @@
             <a:spcAft>
               <a:spcPct val="35000"/>
             </a:spcAft>
+            <a:buNone/>
           </a:pPr>
           <a:r>
             <a:rPr lang="en-US" sz="1400" kern="1200" dirty="0">
@@ -18668,7 +18003,7 @@
           </a:r>
         </a:p>
         <a:p>
-          <a:pPr lvl="0" algn="l" defTabSz="622300">
+          <a:pPr marL="0" lvl="0" indent="0" algn="l" defTabSz="622300">
             <a:lnSpc>
               <a:spcPct val="100000"/>
             </a:lnSpc>
@@ -18678,6 +18013,7 @@
             <a:spcAft>
               <a:spcPct val="35000"/>
             </a:spcAft>
+            <a:buNone/>
           </a:pPr>
           <a:r>
             <a:rPr lang="en-US" sz="1400" kern="1200" dirty="0">
@@ -18687,7 +18023,7 @@
           </a:r>
         </a:p>
         <a:p>
-          <a:pPr lvl="0" algn="l" defTabSz="622300">
+          <a:pPr marL="0" lvl="0" indent="0" algn="l" defTabSz="622300">
             <a:lnSpc>
               <a:spcPct val="100000"/>
             </a:lnSpc>
@@ -18697,6 +18033,7 @@
             <a:spcAft>
               <a:spcPct val="35000"/>
             </a:spcAft>
+            <a:buNone/>
           </a:pPr>
           <a:r>
             <a:rPr lang="en-US" sz="1400" kern="1200" dirty="0">
@@ -18706,7 +18043,7 @@
           </a:r>
         </a:p>
         <a:p>
-          <a:pPr lvl="0" algn="l" defTabSz="622300">
+          <a:pPr marL="0" lvl="0" indent="0" algn="l" defTabSz="622300">
             <a:lnSpc>
               <a:spcPct val="100000"/>
             </a:lnSpc>
@@ -18716,6 +18053,7 @@
             <a:spcAft>
               <a:spcPct val="35000"/>
             </a:spcAft>
+            <a:buNone/>
           </a:pPr>
           <a:r>
             <a:rPr lang="en-US" sz="1400" kern="1200" dirty="0">
@@ -18806,7 +18144,7 @@
             <a:spcAft>
               <a:spcPct val="15000"/>
             </a:spcAft>
-            <a:buChar char="••"/>
+            <a:buChar char="•"/>
           </a:pPr>
           <a:r>
             <a:rPr lang="en-US" sz="1800" kern="1200" dirty="0">
@@ -18826,7 +18164,7 @@
             <a:spcAft>
               <a:spcPct val="15000"/>
             </a:spcAft>
-            <a:buChar char="••"/>
+            <a:buChar char="•"/>
           </a:pPr>
           <a:r>
             <a:rPr lang="en-US" sz="1800" kern="1200" dirty="0">
@@ -18846,7 +18184,7 @@
             <a:spcAft>
               <a:spcPct val="15000"/>
             </a:spcAft>
-            <a:buChar char="••"/>
+            <a:buChar char="•"/>
           </a:pPr>
           <a:r>
             <a:rPr lang="en-US" sz="1800" kern="1200" dirty="0">
@@ -18937,7 +18275,7 @@
         </a:bodyPr>
         <a:lstStyle/>
         <a:p>
-          <a:pPr lvl="0" algn="l" defTabSz="844550">
+          <a:pPr marL="0" lvl="0" indent="0" algn="l" defTabSz="844550">
             <a:lnSpc>
               <a:spcPct val="90000"/>
             </a:lnSpc>
@@ -18947,6 +18285,7 @@
             <a:spcAft>
               <a:spcPct val="35000"/>
             </a:spcAft>
+            <a:buNone/>
           </a:pPr>
           <a:r>
             <a:rPr lang="en-US" sz="1900" kern="1200" dirty="0">
@@ -19025,7 +18364,7 @@
             <a:spcAft>
               <a:spcPct val="15000"/>
             </a:spcAft>
-            <a:buChar char="••"/>
+            <a:buChar char="•"/>
           </a:pPr>
           <a:r>
             <a:rPr lang="en-US" sz="1800" kern="1200" dirty="0">
@@ -19045,7 +18384,7 @@
             <a:spcAft>
               <a:spcPct val="15000"/>
             </a:spcAft>
-            <a:buChar char="••"/>
+            <a:buChar char="•"/>
           </a:pPr>
           <a:r>
             <a:rPr lang="en-US" sz="1800" kern="1200" dirty="0">
@@ -19065,7 +18404,7 @@
             <a:spcAft>
               <a:spcPct val="15000"/>
             </a:spcAft>
-            <a:buChar char="••"/>
+            <a:buChar char="•"/>
           </a:pPr>
           <a:r>
             <a:rPr lang="en-US" sz="1800" kern="1200" dirty="0">
@@ -19156,7 +18495,7 @@
         </a:bodyPr>
         <a:lstStyle/>
         <a:p>
-          <a:pPr lvl="0" algn="l" defTabSz="844550">
+          <a:pPr marL="0" lvl="0" indent="0" algn="l" defTabSz="844550">
             <a:lnSpc>
               <a:spcPct val="90000"/>
             </a:lnSpc>
@@ -19166,6 +18505,7 @@
             <a:spcAft>
               <a:spcPct val="35000"/>
             </a:spcAft>
+            <a:buNone/>
           </a:pPr>
           <a:r>
             <a:rPr lang="en-US" sz="1900" kern="1200" dirty="0">
@@ -19244,7 +18584,7 @@
             <a:spcAft>
               <a:spcPct val="15000"/>
             </a:spcAft>
-            <a:buChar char="••"/>
+            <a:buChar char="•"/>
           </a:pPr>
           <a:r>
             <a:rPr lang="en-US" sz="1800" kern="1200" dirty="0">
@@ -19264,7 +18604,7 @@
             <a:spcAft>
               <a:spcPct val="15000"/>
             </a:spcAft>
-            <a:buChar char="••"/>
+            <a:buChar char="•"/>
           </a:pPr>
           <a:r>
             <a:rPr lang="en-US" sz="1800" kern="1200" dirty="0">
@@ -19284,7 +18624,7 @@
             <a:spcAft>
               <a:spcPct val="15000"/>
             </a:spcAft>
-            <a:buChar char="••"/>
+            <a:buChar char="•"/>
           </a:pPr>
           <a:r>
             <a:rPr lang="en-US" sz="1800" kern="1200" dirty="0">
@@ -19375,7 +18715,7 @@
         </a:bodyPr>
         <a:lstStyle/>
         <a:p>
-          <a:pPr lvl="0" algn="l" defTabSz="844550">
+          <a:pPr marL="0" lvl="0" indent="0" algn="l" defTabSz="844550">
             <a:lnSpc>
               <a:spcPct val="90000"/>
             </a:lnSpc>
@@ -19385,6 +18725,7 @@
             <a:spcAft>
               <a:spcPct val="35000"/>
             </a:spcAft>
+            <a:buNone/>
           </a:pPr>
           <a:r>
             <a:rPr lang="en-US" sz="1900" kern="1200">
@@ -19431,7 +18772,7 @@
                 <a14:useLocalDpi xmlns:a14="http://schemas.microsoft.com/office/drawing/2010/main" val="0"/>
               </a:ext>
               <a:ext uri="{96DAC541-7B7A-43D3-8B79-37D633B846F1}">
-                <asvg:svgBlip xmlns="" xmlns:asvg="http://schemas.microsoft.com/office/drawing/2016/SVG/main" r:embed="rId2"/>
+                <asvg:svgBlip xmlns:asvg="http://schemas.microsoft.com/office/drawing/2016/SVG/main" r:embed="rId2"/>
               </a:ext>
             </a:extLst>
           </a:blip>
@@ -19505,7 +18846,7 @@
         </a:bodyPr>
         <a:lstStyle/>
         <a:p>
-          <a:pPr lvl="0" algn="ctr" defTabSz="1289050">
+          <a:pPr marL="0" lvl="0" indent="0" algn="ctr" defTabSz="1289050">
             <a:lnSpc>
               <a:spcPct val="100000"/>
             </a:lnSpc>
@@ -19515,6 +18856,7 @@
             <a:spcAft>
               <a:spcPct val="35000"/>
             </a:spcAft>
+            <a:buNone/>
             <a:defRPr b="1"/>
           </a:pPr>
           <a:r>
@@ -19567,7 +18909,7 @@
         </a:bodyPr>
         <a:lstStyle/>
         <a:p>
-          <a:pPr lvl="0" algn="l" defTabSz="755650">
+          <a:pPr marL="0" lvl="0" indent="0" algn="l" defTabSz="755650">
             <a:lnSpc>
               <a:spcPct val="100000"/>
             </a:lnSpc>
@@ -19577,6 +18919,7 @@
             <a:spcAft>
               <a:spcPct val="35000"/>
             </a:spcAft>
+            <a:buNone/>
           </a:pPr>
           <a:r>
             <a:rPr lang="en-US" sz="1700" kern="1200" dirty="0">
@@ -19586,7 +18929,7 @@
           </a:r>
         </a:p>
         <a:p>
-          <a:pPr lvl="0" algn="l" defTabSz="755650">
+          <a:pPr marL="0" lvl="0" indent="0" algn="l" defTabSz="755650">
             <a:lnSpc>
               <a:spcPct val="100000"/>
             </a:lnSpc>
@@ -19596,6 +18939,7 @@
             <a:spcAft>
               <a:spcPct val="35000"/>
             </a:spcAft>
+            <a:buNone/>
           </a:pPr>
           <a:r>
             <a:rPr lang="en-US" sz="1700" kern="1200">
@@ -19605,7 +18949,7 @@
           </a:r>
         </a:p>
         <a:p>
-          <a:pPr lvl="0" algn="l" defTabSz="755650">
+          <a:pPr marL="0" lvl="0" indent="0" algn="l" defTabSz="755650">
             <a:lnSpc>
               <a:spcPct val="100000"/>
             </a:lnSpc>
@@ -19615,6 +18959,7 @@
             <a:spcAft>
               <a:spcPct val="35000"/>
             </a:spcAft>
+            <a:buNone/>
           </a:pPr>
           <a:r>
             <a:rPr lang="en-US" sz="1700" kern="1200">
@@ -19649,7 +18994,7 @@
                 <a14:useLocalDpi xmlns:a14="http://schemas.microsoft.com/office/drawing/2010/main" val="0"/>
               </a:ext>
               <a:ext uri="{96DAC541-7B7A-43D3-8B79-37D633B846F1}">
-                <asvg:svgBlip xmlns="" xmlns:asvg="http://schemas.microsoft.com/office/drawing/2016/SVG/main" r:embed="rId4"/>
+                <asvg:svgBlip xmlns:asvg="http://schemas.microsoft.com/office/drawing/2016/SVG/main" r:embed="rId4"/>
               </a:ext>
             </a:extLst>
           </a:blip>
@@ -19723,7 +19068,7 @@
         </a:bodyPr>
         <a:lstStyle/>
         <a:p>
-          <a:pPr lvl="0" algn="ctr" defTabSz="1289050">
+          <a:pPr marL="0" lvl="0" indent="0" algn="ctr" defTabSz="1289050">
             <a:lnSpc>
               <a:spcPct val="100000"/>
             </a:lnSpc>
@@ -19733,6 +19078,7 @@
             <a:spcAft>
               <a:spcPct val="35000"/>
             </a:spcAft>
+            <a:buNone/>
             <a:defRPr b="1"/>
           </a:pPr>
           <a:r>
@@ -19785,7 +19131,7 @@
         </a:bodyPr>
         <a:lstStyle/>
         <a:p>
-          <a:pPr lvl="0" algn="l" defTabSz="755650">
+          <a:pPr marL="0" lvl="0" indent="0" algn="l" defTabSz="755650">
             <a:lnSpc>
               <a:spcPct val="100000"/>
             </a:lnSpc>
@@ -19795,6 +19141,7 @@
             <a:spcAft>
               <a:spcPct val="35000"/>
             </a:spcAft>
+            <a:buNone/>
           </a:pPr>
           <a:r>
             <a:rPr lang="en-US" sz="1700" kern="1200" dirty="0">
@@ -19804,7 +19151,7 @@
           </a:r>
         </a:p>
         <a:p>
-          <a:pPr lvl="0" algn="l" defTabSz="755650">
+          <a:pPr marL="0" lvl="0" indent="0" algn="l" defTabSz="755650">
             <a:lnSpc>
               <a:spcPct val="100000"/>
             </a:lnSpc>
@@ -19814,6 +19161,7 @@
             <a:spcAft>
               <a:spcPct val="35000"/>
             </a:spcAft>
+            <a:buNone/>
           </a:pPr>
           <a:r>
             <a:rPr lang="en-US" sz="1700" kern="1200" dirty="0">
@@ -19823,7 +19171,7 @@
           </a:r>
         </a:p>
         <a:p>
-          <a:pPr lvl="0" algn="l" defTabSz="755650">
+          <a:pPr marL="0" lvl="0" indent="0" algn="l" defTabSz="755650">
             <a:lnSpc>
               <a:spcPct val="100000"/>
             </a:lnSpc>
@@ -19833,6 +19181,7 @@
             <a:spcAft>
               <a:spcPct val="35000"/>
             </a:spcAft>
+            <a:buNone/>
           </a:pPr>
           <a:r>
             <a:rPr lang="en-US" sz="1700" kern="1200">
@@ -19842,7 +19191,7 @@
           </a:r>
         </a:p>
         <a:p>
-          <a:pPr lvl="0" algn="l" defTabSz="755650">
+          <a:pPr marL="0" lvl="0" indent="0" algn="l" defTabSz="755650">
             <a:lnSpc>
               <a:spcPct val="100000"/>
             </a:lnSpc>
@@ -19852,6 +19201,7 @@
             <a:spcAft>
               <a:spcPct val="35000"/>
             </a:spcAft>
+            <a:buNone/>
           </a:pPr>
           <a:r>
             <a:rPr lang="en-US" sz="1700" kern="1200">
@@ -19898,7 +19248,7 @@
                 <a14:useLocalDpi xmlns:a14="http://schemas.microsoft.com/office/drawing/2010/main" val="0"/>
               </a:ext>
               <a:ext uri="{96DAC541-7B7A-43D3-8B79-37D633B846F1}">
-                <asvg:svgBlip xmlns="" xmlns:asvg="http://schemas.microsoft.com/office/drawing/2016/SVG/main" r:embed="rId2"/>
+                <asvg:svgBlip xmlns:asvg="http://schemas.microsoft.com/office/drawing/2016/SVG/main" r:embed="rId2"/>
               </a:ext>
             </a:extLst>
           </a:blip>
@@ -19965,7 +19315,7 @@
         </a:bodyPr>
         <a:lstStyle/>
         <a:p>
-          <a:pPr lvl="0" algn="ctr" defTabSz="889000">
+          <a:pPr marL="0" lvl="0" indent="0" algn="ctr" defTabSz="889000">
             <a:lnSpc>
               <a:spcPct val="90000"/>
             </a:lnSpc>
@@ -19975,6 +19325,7 @@
             <a:spcAft>
               <a:spcPct val="35000"/>
             </a:spcAft>
+            <a:buNone/>
           </a:pPr>
           <a:r>
             <a:rPr lang="en-US" sz="2000" kern="1200">
@@ -20009,7 +19360,7 @@
                 <a14:useLocalDpi xmlns:a14="http://schemas.microsoft.com/office/drawing/2010/main" val="0"/>
               </a:ext>
               <a:ext uri="{96DAC541-7B7A-43D3-8B79-37D633B846F1}">
-                <asvg:svgBlip xmlns="" xmlns:asvg="http://schemas.microsoft.com/office/drawing/2016/SVG/main" r:embed="rId4"/>
+                <asvg:svgBlip xmlns:asvg="http://schemas.microsoft.com/office/drawing/2016/SVG/main" r:embed="rId4"/>
               </a:ext>
             </a:extLst>
           </a:blip>
@@ -20076,7 +19427,7 @@
         </a:bodyPr>
         <a:lstStyle/>
         <a:p>
-          <a:pPr lvl="0" algn="ctr" defTabSz="889000">
+          <a:pPr marL="0" lvl="0" indent="0" algn="ctr" defTabSz="889000">
             <a:lnSpc>
               <a:spcPct val="90000"/>
             </a:lnSpc>
@@ -20086,6 +19437,7 @@
             <a:spcAft>
               <a:spcPct val="35000"/>
             </a:spcAft>
+            <a:buNone/>
           </a:pPr>
           <a:r>
             <a:rPr lang="en-US" sz="2000" kern="1200">
@@ -20120,7 +19472,7 @@
                 <a14:useLocalDpi xmlns:a14="http://schemas.microsoft.com/office/drawing/2010/main" val="0"/>
               </a:ext>
               <a:ext uri="{96DAC541-7B7A-43D3-8B79-37D633B846F1}">
-                <asvg:svgBlip xmlns="" xmlns:asvg="http://schemas.microsoft.com/office/drawing/2016/SVG/main" r:embed="rId6"/>
+                <asvg:svgBlip xmlns:asvg="http://schemas.microsoft.com/office/drawing/2016/SVG/main" r:embed="rId6"/>
               </a:ext>
             </a:extLst>
           </a:blip>
@@ -20187,7 +19539,7 @@
         </a:bodyPr>
         <a:lstStyle/>
         <a:p>
-          <a:pPr lvl="0" algn="ctr" defTabSz="889000">
+          <a:pPr marL="0" lvl="0" indent="0" algn="ctr" defTabSz="889000">
             <a:lnSpc>
               <a:spcPct val="90000"/>
             </a:lnSpc>
@@ -20197,6 +19549,7 @@
             <a:spcAft>
               <a:spcPct val="35000"/>
             </a:spcAft>
+            <a:buNone/>
           </a:pPr>
           <a:r>
             <a:rPr lang="en-US" sz="2000" kern="1200">
@@ -20231,7 +19584,7 @@
                 <a14:useLocalDpi xmlns:a14="http://schemas.microsoft.com/office/drawing/2010/main" val="0"/>
               </a:ext>
               <a:ext uri="{96DAC541-7B7A-43D3-8B79-37D633B846F1}">
-                <asvg:svgBlip xmlns="" xmlns:asvg="http://schemas.microsoft.com/office/drawing/2016/SVG/main" r:embed="rId8"/>
+                <asvg:svgBlip xmlns:asvg="http://schemas.microsoft.com/office/drawing/2016/SVG/main" r:embed="rId8"/>
               </a:ext>
             </a:extLst>
           </a:blip>
@@ -20298,7 +19651,7 @@
         </a:bodyPr>
         <a:lstStyle/>
         <a:p>
-          <a:pPr lvl="0" algn="ctr" defTabSz="889000">
+          <a:pPr marL="0" lvl="0" indent="0" algn="ctr" defTabSz="889000">
             <a:lnSpc>
               <a:spcPct val="90000"/>
             </a:lnSpc>
@@ -20308,6 +19661,7 @@
             <a:spcAft>
               <a:spcPct val="35000"/>
             </a:spcAft>
+            <a:buNone/>
           </a:pPr>
           <a:r>
             <a:rPr lang="en-US" sz="2000" kern="1200">
@@ -20342,7 +19696,7 @@
                 <a14:useLocalDpi xmlns:a14="http://schemas.microsoft.com/office/drawing/2010/main" val="0"/>
               </a:ext>
               <a:ext uri="{96DAC541-7B7A-43D3-8B79-37D633B846F1}">
-                <asvg:svgBlip xmlns="" xmlns:asvg="http://schemas.microsoft.com/office/drawing/2016/SVG/main" r:embed="rId10"/>
+                <asvg:svgBlip xmlns:asvg="http://schemas.microsoft.com/office/drawing/2016/SVG/main" r:embed="rId10"/>
               </a:ext>
             </a:extLst>
           </a:blip>
@@ -20409,7 +19763,7 @@
         </a:bodyPr>
         <a:lstStyle/>
         <a:p>
-          <a:pPr lvl="0" algn="ctr" defTabSz="889000">
+          <a:pPr marL="0" lvl="0" indent="0" algn="ctr" defTabSz="889000">
             <a:lnSpc>
               <a:spcPct val="90000"/>
             </a:lnSpc>
@@ -20419,6 +19773,7 @@
             <a:spcAft>
               <a:spcPct val="35000"/>
             </a:spcAft>
+            <a:buNone/>
           </a:pPr>
           <a:r>
             <a:rPr lang="en-US" sz="2000" kern="1200">
@@ -20453,7 +19808,7 @@
                 <a14:useLocalDpi xmlns:a14="http://schemas.microsoft.com/office/drawing/2010/main" val="0"/>
               </a:ext>
               <a:ext uri="{96DAC541-7B7A-43D3-8B79-37D633B846F1}">
-                <asvg:svgBlip xmlns="" xmlns:asvg="http://schemas.microsoft.com/office/drawing/2016/SVG/main" r:embed="rId12"/>
+                <asvg:svgBlip xmlns:asvg="http://schemas.microsoft.com/office/drawing/2016/SVG/main" r:embed="rId12"/>
               </a:ext>
             </a:extLst>
           </a:blip>
@@ -20520,7 +19875,7 @@
         </a:bodyPr>
         <a:lstStyle/>
         <a:p>
-          <a:pPr lvl="0" algn="ctr" defTabSz="889000">
+          <a:pPr marL="0" lvl="0" indent="0" algn="ctr" defTabSz="889000">
             <a:lnSpc>
               <a:spcPct val="90000"/>
             </a:lnSpc>
@@ -20530,6 +19885,7 @@
             <a:spcAft>
               <a:spcPct val="35000"/>
             </a:spcAft>
+            <a:buNone/>
           </a:pPr>
           <a:r>
             <a:rPr lang="en-US" sz="2000" kern="1200">
@@ -21103,7 +20459,7 @@
   </dgm:layoutNode>
   <dgm:extLst>
     <a:ext uri="{68A01E43-0DF5-4B5B-8FA6-DAF915123BFB}">
-      <dgm1612:lstStyle xmlns="" xmlns:dgm1612="http://schemas.microsoft.com/office/drawing/2016/12/diagram">
+      <dgm1612:lstStyle xmlns:dgm1612="http://schemas.microsoft.com/office/drawing/2016/12/diagram">
         <a:lvl1pPr>
           <a:lnSpc>
             <a:spcPct val="100000"/>
@@ -21316,7 +20672,7 @@
   </dgm:layoutNode>
   <dgm:extLst>
     <a:ext uri="{68A01E43-0DF5-4B5B-8FA6-DAF915123BFB}">
-      <dgm1612:lstStyle xmlns="" xmlns:dgm1612="http://schemas.microsoft.com/office/drawing/2016/12/diagram">
+      <dgm1612:lstStyle xmlns:dgm1612="http://schemas.microsoft.com/office/drawing/2016/12/diagram">
         <a:lvl1pPr>
           <a:lnSpc>
             <a:spcPct val="100000"/>
@@ -22955,7 +22311,7 @@
             <dgm:adjLst/>
             <dgm:extLst>
               <a:ext uri="{B698B0E9-8C71-41B9-8309-B3DCBF30829C}">
-                <dgm1612:spPr xmlns="" xmlns:dgm1612="http://schemas.microsoft.com/office/drawing/2016/12/diagram">
+                <dgm1612:spPr xmlns:dgm1612="http://schemas.microsoft.com/office/drawing/2016/12/diagram">
                   <a:prstGeom prst="round2DiagRect">
                     <a:avLst>
                       <a:gd name="adj1" fmla="val 29727"/>
@@ -23027,7 +22383,7 @@
   </dgm:layoutNode>
   <dgm:extLst>
     <a:ext uri="{68A01E43-0DF5-4B5B-8FA6-DAF915123BFB}">
-      <dgm1612:lstStyle xmlns="" xmlns:dgm1612="http://schemas.microsoft.com/office/drawing/2016/12/diagram">
+      <dgm1612:lstStyle xmlns:dgm1612="http://schemas.microsoft.com/office/drawing/2016/12/diagram">
         <a:lvl1pPr>
           <a:lnSpc>
             <a:spcPct val="100000"/>
@@ -23218,7 +22574,7 @@
   </dgm:layoutNode>
   <dgm:extLst>
     <a:ext uri="{68A01E43-0DF5-4B5B-8FA6-DAF915123BFB}">
-      <dgm1612:lstStyle xmlns="" xmlns:dgm1612="http://schemas.microsoft.com/office/drawing/2016/12/diagram">
+      <dgm1612:lstStyle xmlns:dgm1612="http://schemas.microsoft.com/office/drawing/2016/12/diagram">
         <a:lvl1pPr>
           <a:lnSpc>
             <a:spcPct val="100000"/>
@@ -23507,7 +22863,7 @@
   </dgm:layoutNode>
   <dgm:extLst>
     <a:ext uri="{68A01E43-0DF5-4B5B-8FA6-DAF915123BFB}">
-      <dgm1612:lstStyle xmlns="" xmlns:dgm1612="http://schemas.microsoft.com/office/drawing/2016/12/diagram">
+      <dgm1612:lstStyle xmlns:dgm1612="http://schemas.microsoft.com/office/drawing/2016/12/diagram">
         <a:lvl1pPr>
           <a:lnSpc>
             <a:spcPct val="100000"/>
@@ -23932,7 +23288,7 @@
   </dgm:layoutNode>
   <dgm:extLst>
     <a:ext uri="{68A01E43-0DF5-4B5B-8FA6-DAF915123BFB}">
-      <dgm1612:lstStyle xmlns="" xmlns:dgm1612="http://schemas.microsoft.com/office/drawing/2016/12/diagram">
+      <dgm1612:lstStyle xmlns:dgm1612="http://schemas.microsoft.com/office/drawing/2016/12/diagram">
         <a:lvl1pPr>
           <a:lnSpc>
             <a:spcPct val="100000"/>
@@ -24128,7 +23484,7 @@
   </dgm:layoutNode>
   <dgm:extLst>
     <a:ext uri="{68A01E43-0DF5-4B5B-8FA6-DAF915123BFB}">
-      <dgm1612:lstStyle xmlns="" xmlns:dgm1612="http://schemas.microsoft.com/office/drawing/2016/12/diagram">
+      <dgm1612:lstStyle xmlns:dgm1612="http://schemas.microsoft.com/office/drawing/2016/12/diagram">
         <a:lvl1pPr>
           <a:lnSpc>
             <a:spcPct val="100000"/>
@@ -35892,7 +35248,7 @@
           <a:p>
             <a:fld id="{41DA9887-9249-49FD-809A-BACB264048C3}" type="datetimeFigureOut">
               <a:rPr lang="en-US" smtClean="0"/>
-              <a:t>11/12/2023</a:t>
+              <a:t>1/14/2024</a:t>
             </a:fld>
             <a:endParaRPr lang="en-US"/>
           </a:p>
@@ -36378,7 +35734,7 @@
           <a:p>
             <a:fld id="{EF213E56-3C1A-435A-851B-5B1F221C2038}" type="datetime1">
               <a:rPr lang="en-US" smtClean="0"/>
-              <a:t>11/12/2023</a:t>
+              <a:t>1/14/2024</a:t>
             </a:fld>
             <a:endParaRPr lang="en-US"/>
           </a:p>
@@ -36679,7 +36035,7 @@
           <a:p>
             <a:fld id="{B4696837-4851-4AA6-8AED-554226C981D1}" type="datetime1">
               <a:rPr lang="en-US" smtClean="0"/>
-              <a:t>11/12/2023</a:t>
+              <a:t>1/14/2024</a:t>
             </a:fld>
             <a:endParaRPr lang="en-US"/>
           </a:p>
@@ -36857,7 +36213,7 @@
           <a:p>
             <a:fld id="{BADD32E1-BB70-4827-BA33-FF5AFC435BE9}" type="datetime1">
               <a:rPr lang="en-US" smtClean="0"/>
-              <a:t>11/12/2023</a:t>
+              <a:t>1/14/2024</a:t>
             </a:fld>
             <a:endParaRPr lang="en-US"/>
           </a:p>
@@ -37100,7 +36456,7 @@
             </a:pPr>
             <a:fld id="{40B9EAF6-54F2-4DF5-9C6B-3F6F95B86356}" type="datetime1">
               <a:rPr lang="en-US" smtClean="0"/>
-              <a:t>11/12/2023</a:t>
+              <a:t>1/14/2024</a:t>
             </a:fld>
             <a:endParaRPr lang="en-US"/>
           </a:p>
@@ -37280,7 +36636,7 @@
             </a:pPr>
             <a:fld id="{D3D64A56-6FF4-479A-8655-719A18A98C4B}" type="datetime1">
               <a:rPr lang="en-US" smtClean="0"/>
-              <a:t>11/12/2023</a:t>
+              <a:t>1/14/2024</a:t>
             </a:fld>
             <a:endParaRPr lang="en-US"/>
           </a:p>
@@ -37561,7 +36917,7 @@
           <a:p>
             <a:fld id="{BB961044-FC46-4CBC-9061-59528F4899F3}" type="datetime1">
               <a:rPr lang="en-US" smtClean="0"/>
-              <a:t>11/12/2023</a:t>
+              <a:t>1/14/2024</a:t>
             </a:fld>
             <a:endParaRPr lang="en-US"/>
           </a:p>
@@ -37911,7 +37267,7 @@
           <a:p>
             <a:fld id="{4466A08C-77F3-471E-A5C4-1D2068144BAC}" type="datetime1">
               <a:rPr lang="en-US" smtClean="0"/>
-              <a:t>11/12/2023</a:t>
+              <a:t>1/14/2024</a:t>
             </a:fld>
             <a:endParaRPr lang="en-US"/>
           </a:p>
@@ -38140,7 +37496,7 @@
           <a:p>
             <a:fld id="{B90A7AD1-16F4-44C3-AE32-24C59A599E9D}" type="datetime1">
               <a:rPr lang="en-US" smtClean="0"/>
-              <a:t>11/12/2023</a:t>
+              <a:t>1/14/2024</a:t>
             </a:fld>
             <a:endParaRPr lang="en-US"/>
           </a:p>
@@ -38504,7 +37860,7 @@
           <a:p>
             <a:fld id="{B583DB4F-4316-4DF5-A229-BC1D787C82A0}" type="datetime1">
               <a:rPr lang="en-US" smtClean="0"/>
-              <a:t>11/12/2023</a:t>
+              <a:t>1/14/2024</a:t>
             </a:fld>
             <a:endParaRPr lang="en-US"/>
           </a:p>
@@ -38599,7 +37955,7 @@
           <a:p>
             <a:fld id="{AE6064B7-7A9F-432D-B7B9-6824267AA574}" type="datetime1">
               <a:rPr lang="en-US" smtClean="0"/>
-              <a:t>11/12/2023</a:t>
+              <a:t>1/14/2024</a:t>
             </a:fld>
             <a:endParaRPr lang="en-US"/>
           </a:p>
@@ -38824,7 +38180,7 @@
             <a:fld id="{B2F5E2FA-C428-4CE7-95B0-168D3259A5BB}" type="datetimeFigureOut">
               <a:rPr lang="en-US" smtClean="0"/>
               <a:pPr/>
-              <a:t>11/12/2023</a:t>
+              <a:t>1/14/2024</a:t>
             </a:fld>
             <a:endParaRPr lang="en-US"/>
           </a:p>
@@ -39001,7 +38357,7 @@
           <a:p>
             <a:fld id="{4E1C93A2-B712-486A-8AB5-D41B95D547BE}" type="datetime1">
               <a:rPr lang="en-US" smtClean="0"/>
-              <a:t>11/12/2023</a:t>
+              <a:t>1/14/2024</a:t>
             </a:fld>
             <a:endParaRPr lang="en-US"/>
           </a:p>
@@ -39276,7 +38632,7 @@
           <a:p>
             <a:fld id="{CAB2F318-F19F-4608-B7EF-F7FB8A482213}" type="datetime1">
               <a:rPr lang="en-US" smtClean="0"/>
-              <a:t>11/12/2023</a:t>
+              <a:t>1/14/2024</a:t>
             </a:fld>
             <a:endParaRPr lang="en-US"/>
           </a:p>
@@ -39528,7 +38884,7 @@
           <a:p>
             <a:fld id="{BB9CEF8C-69D6-4C3E-B892-F682F307A7B6}" type="datetime1">
               <a:rPr lang="en-US" smtClean="0"/>
-              <a:t>11/12/2023</a:t>
+              <a:t>1/14/2024</a:t>
             </a:fld>
             <a:endParaRPr lang="en-US"/>
           </a:p>
@@ -39739,7 +39095,7 @@
           <a:p>
             <a:fld id="{FB737C73-4A31-4C17-AFB7-7B8470027787}" type="datetime1">
               <a:rPr lang="en-US" smtClean="0"/>
-              <a:t>11/12/2023</a:t>
+              <a:t>1/14/2024</a:t>
             </a:fld>
             <a:endParaRPr lang="en-US"/>
           </a:p>
@@ -40355,13 +39711,6 @@
   <p:clrMapOvr>
     <a:masterClrMapping/>
   </p:clrMapOvr>
-  <p:timing>
-    <p:tnLst>
-      <p:par>
-        <p:cTn id="1" dur="indefinite" restart="never" nodeType="tmRoot"/>
-      </p:par>
-    </p:tnLst>
-  </p:timing>
 </p:sld>
 </file>
 
@@ -40455,13 +39804,6 @@
   <p:clrMapOvr>
     <a:masterClrMapping/>
   </p:clrMapOvr>
-  <p:timing>
-    <p:tnLst>
-      <p:par>
-        <p:cTn id="1" dur="indefinite" restart="never" nodeType="tmRoot"/>
-      </p:par>
-    </p:tnLst>
-  </p:timing>
 </p:sld>
 </file>
 
@@ -40581,13 +39923,6 @@
   <p:clrMapOvr>
     <a:masterClrMapping/>
   </p:clrMapOvr>
-  <p:timing>
-    <p:tnLst>
-      <p:par>
-        <p:cTn id="1" dur="indefinite" restart="never" nodeType="tmRoot"/>
-      </p:par>
-    </p:tnLst>
-  </p:timing>
 </p:sld>
 </file>
 
@@ -40969,16 +40304,10 @@
           <a:p>
             <a:pPr algn="ctr"/>
             <a:r>
-              <a:rPr lang="en-US" sz="2000" dirty="0" smtClean="0">
-                <a:latin typeface="Candara" panose="020E0502030303020204" pitchFamily="34" charset="0"/>
-              </a:rPr>
-              <a:t>A strong </a:t>
-            </a:r>
-            <a:r>
               <a:rPr lang="en-US" sz="2000" dirty="0">
                 <a:latin typeface="Candara" panose="020E0502030303020204" pitchFamily="34" charset="0"/>
               </a:rPr>
-              <a:t>team is critical to the success of a software startup</a:t>
+              <a:t>A strong team is critical to the success of a software startup</a:t>
             </a:r>
           </a:p>
         </p:txBody>
@@ -41214,12 +40543,8 @@
           <a:lstStyle/>
           <a:p>
             <a:r>
-              <a:rPr lang="en-US" dirty="0" smtClean="0"/>
-              <a:t>Building </a:t>
-            </a:r>
-            <a:r>
               <a:rPr lang="en-US" dirty="0"/>
-              <a:t>a strong network takes time and effort, but it can pay off in the long run</a:t>
+              <a:t>Building a strong network takes time and effort, but it can pay off in the long run</a:t>
             </a:r>
           </a:p>
           <a:p>
@@ -42603,16 +41928,11 @@
               <a:rPr lang="en-US" dirty="0"/>
               <a:t>Software entrepreneurship platforms are online tools or services that help entrepreneurs start, grow, or scale their software businesses. </a:t>
             </a:r>
-            <a:endParaRPr lang="en-US" dirty="0" smtClean="0"/>
           </a:p>
           <a:p>
             <a:r>
-              <a:rPr lang="en-US" dirty="0" smtClean="0"/>
-              <a:t>They </a:t>
-            </a:r>
-            <a:r>
               <a:rPr lang="en-US" dirty="0"/>
-              <a:t>can provide various features such as e-commerce, AI, cloud computing, </a:t>
+              <a:t>They can provide various features such as e-commerce, AI, cloud computing, </a:t>
             </a:r>
             <a:r>
               <a:rPr lang="en-US" dirty="0" err="1"/>
@@ -42695,10 +42015,9 @@
           <a:lstStyle/>
           <a:p>
             <a:r>
-              <a:rPr lang="en-US" dirty="0" smtClean="0"/>
+              <a:rPr lang="en-US" dirty="0"/>
               <a:t>Platforms</a:t>
             </a:r>
-            <a:endParaRPr lang="en-US" dirty="0"/>
           </a:p>
         </p:txBody>
       </p:sp>
@@ -42797,20 +42116,11 @@
               <a:buChar char="•"/>
             </a:pPr>
             <a:r>
-              <a:rPr lang="en-US" sz="1900" dirty="0" smtClean="0">
-                <a:latin typeface="Candara" panose="020E0502030303020204" pitchFamily="34" charset="0"/>
-              </a:rPr>
-              <a:t>Offers </a:t>
-            </a:r>
-            <a:r>
               <a:rPr lang="en-US" sz="1900" dirty="0">
                 <a:latin typeface="Candara" panose="020E0502030303020204" pitchFamily="34" charset="0"/>
               </a:rPr>
-              <a:t>tools, resources, and support programs for startups. </a:t>
+              <a:t>Offers tools, resources, and support programs for startups. </a:t>
             </a:r>
-            <a:endParaRPr lang="en-US" sz="1900" dirty="0" smtClean="0">
-              <a:latin typeface="Candara" panose="020E0502030303020204" pitchFamily="34" charset="0"/>
-            </a:endParaRPr>
           </a:p>
           <a:p>
             <a:pPr marL="285750" indent="-285750">
@@ -42821,16 +42131,10 @@
               <a:buChar char="•"/>
             </a:pPr>
             <a:r>
-              <a:rPr lang="en-US" sz="1900" dirty="0" smtClean="0">
-                <a:latin typeface="Candara" panose="020E0502030303020204" pitchFamily="34" charset="0"/>
-              </a:rPr>
-              <a:t>It </a:t>
-            </a:r>
-            <a:r>
               <a:rPr lang="en-US" sz="1900" dirty="0">
                 <a:latin typeface="Candara" panose="020E0502030303020204" pitchFamily="34" charset="0"/>
               </a:rPr>
-              <a:t>helps startups connect with the right people, products, and best practices to grow their businesses.</a:t>
+              <a:t>It helps startups connect with the right people, products, and best practices to grow their businesses.</a:t>
             </a:r>
           </a:p>
         </p:txBody>
@@ -42906,20 +42210,11 @@
               <a:buChar char="•"/>
             </a:pPr>
             <a:r>
-              <a:rPr lang="en-US" sz="1900" dirty="0" smtClean="0">
-                <a:latin typeface="Candara" panose="020E0502030303020204" pitchFamily="34" charset="0"/>
-              </a:rPr>
-              <a:t>Helps </a:t>
-            </a:r>
-            <a:r>
               <a:rPr lang="en-US" sz="1900" dirty="0">
                 <a:latin typeface="Candara" panose="020E0502030303020204" pitchFamily="34" charset="0"/>
               </a:rPr>
-              <a:t>software entrepreneurs find and hire top remote developers from around the world. It uses AI to match the best developers with the most suitable projects. </a:t>
+              <a:t>Helps software entrepreneurs find and hire top remote developers from around the world. It uses AI to match the best developers with the most suitable projects. </a:t>
             </a:r>
-            <a:endParaRPr lang="en-US" sz="1900" dirty="0" smtClean="0">
-              <a:latin typeface="Candara" panose="020E0502030303020204" pitchFamily="34" charset="0"/>
-            </a:endParaRPr>
           </a:p>
           <a:p>
             <a:pPr marL="285750" indent="-285750">
@@ -42930,16 +42225,10 @@
               <a:buChar char="•"/>
             </a:pPr>
             <a:r>
-              <a:rPr lang="en-US" sz="1900" dirty="0" smtClean="0">
-                <a:latin typeface="Candara" panose="020E0502030303020204" pitchFamily="34" charset="0"/>
-              </a:rPr>
-              <a:t>It </a:t>
-            </a:r>
-            <a:r>
               <a:rPr lang="en-US" sz="1900" dirty="0">
                 <a:latin typeface="Candara" panose="020E0502030303020204" pitchFamily="34" charset="0"/>
               </a:rPr>
-              <a:t>also handles the payments, contracts, and management of the remote teams</a:t>
+              <a:t>It also handles the payments, contracts, and management of the remote teams</a:t>
             </a:r>
           </a:p>
         </p:txBody>
@@ -42990,10 +42279,9 @@
           <a:lstStyle/>
           <a:p>
             <a:r>
-              <a:rPr lang="en-US" dirty="0" smtClean="0"/>
+              <a:rPr lang="en-US" dirty="0"/>
               <a:t>Platforms</a:t>
             </a:r>
-            <a:endParaRPr lang="en-US" dirty="0"/>
           </a:p>
         </p:txBody>
       </p:sp>
@@ -43051,20 +42339,11 @@
               <a:buChar char="•"/>
             </a:pPr>
             <a:r>
-              <a:rPr lang="en-US" sz="1900" dirty="0" smtClean="0">
-                <a:latin typeface="Candara" panose="020E0502030303020204" pitchFamily="34" charset="0"/>
-              </a:rPr>
-              <a:t>Helps </a:t>
-            </a:r>
-            <a:r>
               <a:rPr lang="en-US" sz="1900" dirty="0">
                 <a:latin typeface="Candara" panose="020E0502030303020204" pitchFamily="34" charset="0"/>
               </a:rPr>
-              <a:t>software entrepreneurs create and run their own online stores. </a:t>
+              <a:t>Helps software entrepreneurs create and run their own online stores. </a:t>
             </a:r>
-            <a:endParaRPr lang="en-US" sz="1900" dirty="0" smtClean="0">
-              <a:latin typeface="Candara" panose="020E0502030303020204" pitchFamily="34" charset="0"/>
-            </a:endParaRPr>
           </a:p>
           <a:p>
             <a:pPr marL="285750" indent="-285750">
@@ -43075,26 +42354,11 @@
               <a:buChar char="•"/>
             </a:pPr>
             <a:r>
-              <a:rPr lang="en-US" sz="1900" dirty="0" smtClean="0">
-                <a:latin typeface="Candara" panose="020E0502030303020204" pitchFamily="34" charset="0"/>
-              </a:rPr>
-              <a:t>It </a:t>
-            </a:r>
-            <a:r>
               <a:rPr lang="en-US" sz="1900" dirty="0">
                 <a:latin typeface="Candara" panose="020E0502030303020204" pitchFamily="34" charset="0"/>
               </a:rPr>
-              <a:t>offers a powerful and easy-to-use website builder, a secure and reliable hosting service, and a comprehensive set of </a:t>
+              <a:t>It offers a powerful and easy-to-use website builder, a secure and reliable hosting service, and a comprehensive set of features.</a:t>
             </a:r>
-            <a:r>
-              <a:rPr lang="en-US" sz="1900" dirty="0" smtClean="0">
-                <a:latin typeface="Candara" panose="020E0502030303020204" pitchFamily="34" charset="0"/>
-              </a:rPr>
-              <a:t>features.</a:t>
-            </a:r>
-            <a:endParaRPr lang="en-US" sz="1900" dirty="0">
-              <a:latin typeface="Candara" panose="020E0502030303020204" pitchFamily="34" charset="0"/>
-            </a:endParaRPr>
           </a:p>
         </p:txBody>
       </p:sp>
@@ -43128,20 +42392,11 @@
               <a:buChar char="•"/>
             </a:pPr>
             <a:r>
-              <a:rPr lang="en-US" sz="1900" dirty="0" smtClean="0">
-                <a:latin typeface="Candara" panose="020E0502030303020204" pitchFamily="34" charset="0"/>
-              </a:rPr>
-              <a:t>Helps </a:t>
-            </a:r>
-            <a:r>
               <a:rPr lang="en-US" sz="1900" dirty="0">
                 <a:latin typeface="Candara" panose="020E0502030303020204" pitchFamily="34" charset="0"/>
               </a:rPr>
-              <a:t>software entrepreneurs sell their products or services online and offline. </a:t>
+              <a:t>Helps software entrepreneurs sell their products or services online and offline. </a:t>
             </a:r>
-            <a:endParaRPr lang="en-US" sz="1900" dirty="0" smtClean="0">
-              <a:latin typeface="Candara" panose="020E0502030303020204" pitchFamily="34" charset="0"/>
-            </a:endParaRPr>
           </a:p>
           <a:p>
             <a:pPr marL="285750" indent="-285750">
@@ -43152,16 +42407,10 @@
               <a:buChar char="•"/>
             </a:pPr>
             <a:r>
-              <a:rPr lang="en-US" sz="1900" dirty="0" smtClean="0">
-                <a:latin typeface="Candara" panose="020E0502030303020204" pitchFamily="34" charset="0"/>
-              </a:rPr>
-              <a:t>It </a:t>
-            </a:r>
-            <a:r>
               <a:rPr lang="en-US" sz="1900" dirty="0">
                 <a:latin typeface="Candara" panose="020E0502030303020204" pitchFamily="34" charset="0"/>
               </a:rPr>
-              <a:t>allows entrepreneurs to create a professional and mobile-friendly website, accept online payments, manage orders, and track inventory.</a:t>
+              <a:t>It allows entrepreneurs to create a professional and mobile-friendly website, accept online payments, manage orders, and track inventory.</a:t>
             </a:r>
           </a:p>
         </p:txBody>
@@ -45584,8 +44833,8 @@
         </p:nvSpPr>
         <p:spPr>
           <a:xfrm>
-            <a:off x="7511845" y="1543664"/>
-            <a:ext cx="1920240" cy="1280160"/>
+            <a:off x="7356397" y="1543664"/>
+            <a:ext cx="2103120" cy="1463040"/>
           </a:xfrm>
           <a:prstGeom prst="ellipse">
             <a:avLst/>
@@ -45619,7 +44868,7 @@
           <a:p>
             <a:pPr algn="ctr"/>
             <a:r>
-              <a:rPr lang="en-US" dirty="0">
+              <a:rPr lang="en-US" sz="2000" b="1" dirty="0">
                 <a:latin typeface="Candara" panose="020E0502030303020204" pitchFamily="34" charset="0"/>
               </a:rPr>
               <a:t>Innovation</a:t>
@@ -45641,8 +44890,8 @@
         </p:nvSpPr>
         <p:spPr>
           <a:xfrm>
-            <a:off x="7511845" y="4350780"/>
-            <a:ext cx="1920240" cy="1280160"/>
+            <a:off x="7356397" y="4350780"/>
+            <a:ext cx="2103120" cy="1463040"/>
           </a:xfrm>
           <a:prstGeom prst="ellipse">
             <a:avLst/>
@@ -45676,7 +44925,7 @@
           <a:p>
             <a:pPr algn="ctr"/>
             <a:r>
-              <a:rPr lang="en-US" dirty="0">
+              <a:rPr lang="en-US" sz="2000" b="1" dirty="0">
                 <a:latin typeface="Candara" panose="020E0502030303020204" pitchFamily="34" charset="0"/>
               </a:rPr>
               <a:t>Finance</a:t>
@@ -45698,8 +44947,8 @@
         </p:nvSpPr>
         <p:spPr>
           <a:xfrm>
-            <a:off x="2851353" y="1543664"/>
-            <a:ext cx="1920240" cy="1280160"/>
+            <a:off x="2695905" y="1543664"/>
+            <a:ext cx="2103120" cy="1463040"/>
           </a:xfrm>
           <a:prstGeom prst="ellipse">
             <a:avLst/>
@@ -45733,7 +44982,7 @@
           <a:p>
             <a:pPr algn="ctr"/>
             <a:r>
-              <a:rPr lang="en-US" dirty="0">
+              <a:rPr lang="en-US" sz="2000" b="1" dirty="0">
                 <a:latin typeface="Candara" panose="020E0502030303020204" pitchFamily="34" charset="0"/>
               </a:rPr>
               <a:t>Partnership</a:t>
@@ -45755,8 +45004,8 @@
         </p:nvSpPr>
         <p:spPr>
           <a:xfrm>
-            <a:off x="2851353" y="4350780"/>
-            <a:ext cx="1920240" cy="1280160"/>
+            <a:off x="2695905" y="4350780"/>
+            <a:ext cx="2103120" cy="1463040"/>
           </a:xfrm>
           <a:prstGeom prst="ellipse">
             <a:avLst/>
@@ -45790,7 +45039,7 @@
           <a:p>
             <a:pPr algn="ctr"/>
             <a:r>
-              <a:rPr lang="en-US" dirty="0">
+              <a:rPr lang="en-US" sz="2000" b="1" dirty="0">
                 <a:latin typeface="Candara" panose="020E0502030303020204" pitchFamily="34" charset="0"/>
               </a:rPr>
               <a:t>Business</a:t>
@@ -45844,18 +45093,9 @@
           <a:lstStyle/>
           <a:p>
             <a:r>
-              <a:rPr lang="en-US" dirty="0" smtClean="0"/>
-              <a:t>Why become </a:t>
+              <a:rPr lang="en-US" dirty="0"/>
+              <a:t>Why become a software entrepreneur</a:t>
             </a:r>
-            <a:r>
-              <a:rPr lang="en-US" dirty="0"/>
-              <a:t>a software </a:t>
-            </a:r>
-            <a:r>
-              <a:rPr lang="en-US" dirty="0" smtClean="0"/>
-              <a:t>entrepreneur</a:t>
-            </a:r>
-            <a:endParaRPr lang="en-US" dirty="0"/>
           </a:p>
         </p:txBody>
       </p:sp>
